--- a/JavaLecture/LectureFile/java 9강.pptx
+++ b/JavaLecture/LectureFile/java 9강.pptx
@@ -5,7 +5,7 @@
     <p:sldMasterId id="2147483648" r:id="rId1"/>
   </p:sldMasterIdLst>
   <p:notesMasterIdLst>
-    <p:notesMasterId r:id="rId50"/>
+    <p:notesMasterId r:id="rId54"/>
   </p:notesMasterIdLst>
   <p:sldIdLst>
     <p:sldId id="257" r:id="rId2"/>
@@ -53,9 +53,13 @@
     <p:sldId id="646" r:id="rId44"/>
     <p:sldId id="647" r:id="rId45"/>
     <p:sldId id="648" r:id="rId46"/>
-    <p:sldId id="607" r:id="rId47"/>
-    <p:sldId id="639" r:id="rId48"/>
-    <p:sldId id="275" r:id="rId49"/>
+    <p:sldId id="652" r:id="rId47"/>
+    <p:sldId id="649" r:id="rId48"/>
+    <p:sldId id="650" r:id="rId49"/>
+    <p:sldId id="651" r:id="rId50"/>
+    <p:sldId id="607" r:id="rId51"/>
+    <p:sldId id="639" r:id="rId52"/>
+    <p:sldId id="275" r:id="rId53"/>
   </p:sldIdLst>
   <p:sldSz cx="18288000" cy="10287000"/>
   <p:notesSz cx="10287000" cy="18288000"/>
@@ -255,7 +259,7 @@
           <a:p>
             <a:fld id="{D79F2C30-10E1-4C46-91DC-BBDB9629E720}" type="datetimeFigureOut">
               <a:rPr lang="ko-KR" altLang="en-US" smtClean="0"/>
-              <a:t>2023-02-24</a:t>
+              <a:t>2023-02-25 Saturday</a:t>
             </a:fld>
             <a:endParaRPr lang="ko-KR" altLang="en-US"/>
           </a:p>
@@ -869,7 +873,7 @@
           <a:p>
             <a:fld id="{F8166F1F-CE9B-4651-A6AA-CD717754106B}" type="datetimeFigureOut">
               <a:rPr lang="en-US" smtClean="0"/>
-              <a:t>2/24/2023</a:t>
+              <a:t>2/25/2023</a:t>
             </a:fld>
             <a:endParaRPr lang="en-US"/>
           </a:p>
@@ -1032,7 +1036,7 @@
           <a:p>
             <a:fld id="{A76116CE-C4A3-4A05-B2D7-7C2E9A889C0F}" type="datetimeFigureOut">
               <a:rPr lang="en-US" smtClean="0"/>
-              <a:t>2/24/2023</a:t>
+              <a:t>2/25/2023</a:t>
             </a:fld>
             <a:endParaRPr lang="en-US"/>
           </a:p>
@@ -1205,7 +1209,7 @@
           <a:p>
             <a:fld id="{A76116CE-C4A3-4A05-B2D7-7C2E9A889C0F}" type="datetimeFigureOut">
               <a:rPr lang="en-US" smtClean="0"/>
-              <a:t>2/24/2023</a:t>
+              <a:t>2/25/2023</a:t>
             </a:fld>
             <a:endParaRPr lang="en-US"/>
           </a:p>
@@ -1370,7 +1374,7 @@
           <a:p>
             <a:fld id="{A76116CE-C4A3-4A05-B2D7-7C2E9A889C0F}" type="datetimeFigureOut">
               <a:rPr lang="en-US" smtClean="0"/>
-              <a:t>2/24/2023</a:t>
+              <a:t>2/25/2023</a:t>
             </a:fld>
             <a:endParaRPr lang="en-US"/>
           </a:p>
@@ -1610,7 +1614,7 @@
           <a:p>
             <a:fld id="{A76116CE-C4A3-4A05-B2D7-7C2E9A889C0F}" type="datetimeFigureOut">
               <a:rPr lang="en-US" smtClean="0"/>
-              <a:t>2/24/2023</a:t>
+              <a:t>2/25/2023</a:t>
             </a:fld>
             <a:endParaRPr lang="en-US"/>
           </a:p>
@@ -1890,7 +1894,7 @@
           <a:p>
             <a:fld id="{A76116CE-C4A3-4A05-B2D7-7C2E9A889C0F}" type="datetimeFigureOut">
               <a:rPr lang="en-US" smtClean="0"/>
-              <a:t>2/24/2023</a:t>
+              <a:t>2/25/2023</a:t>
             </a:fld>
             <a:endParaRPr lang="en-US"/>
           </a:p>
@@ -2304,7 +2308,7 @@
           <a:p>
             <a:fld id="{A76116CE-C4A3-4A05-B2D7-7C2E9A889C0F}" type="datetimeFigureOut">
               <a:rPr lang="en-US" smtClean="0"/>
-              <a:t>2/24/2023</a:t>
+              <a:t>2/25/2023</a:t>
             </a:fld>
             <a:endParaRPr lang="en-US"/>
           </a:p>
@@ -2416,7 +2420,7 @@
           <a:p>
             <a:fld id="{A76116CE-C4A3-4A05-B2D7-7C2E9A889C0F}" type="datetimeFigureOut">
               <a:rPr lang="en-US" smtClean="0"/>
-              <a:t>2/24/2023</a:t>
+              <a:t>2/25/2023</a:t>
             </a:fld>
             <a:endParaRPr lang="en-US"/>
           </a:p>
@@ -2506,7 +2510,7 @@
           <a:p>
             <a:fld id="{A76116CE-C4A3-4A05-B2D7-7C2E9A889C0F}" type="datetimeFigureOut">
               <a:rPr lang="en-US" smtClean="0"/>
-              <a:t>2/24/2023</a:t>
+              <a:t>2/25/2023</a:t>
             </a:fld>
             <a:endParaRPr lang="en-US"/>
           </a:p>
@@ -2776,7 +2780,7 @@
           <a:p>
             <a:fld id="{A76116CE-C4A3-4A05-B2D7-7C2E9A889C0F}" type="datetimeFigureOut">
               <a:rPr lang="en-US" smtClean="0"/>
-              <a:t>2/24/2023</a:t>
+              <a:t>2/25/2023</a:t>
             </a:fld>
             <a:endParaRPr lang="en-US"/>
           </a:p>
@@ -3023,7 +3027,7 @@
           <a:p>
             <a:fld id="{A76116CE-C4A3-4A05-B2D7-7C2E9A889C0F}" type="datetimeFigureOut">
               <a:rPr lang="en-US" smtClean="0"/>
-              <a:t>2/24/2023</a:t>
+              <a:t>2/25/2023</a:t>
             </a:fld>
             <a:endParaRPr lang="en-US"/>
           </a:p>
@@ -3229,7 +3233,7 @@
           <a:p>
             <a:fld id="{F8166F1F-CE9B-4651-A6AA-CD717754106B}" type="datetimeFigureOut">
               <a:rPr lang="en-US" smtClean="0"/>
-              <a:t>2/24/2023</a:t>
+              <a:t>2/25/2023</a:t>
             </a:fld>
             <a:endParaRPr lang="en-US"/>
           </a:p>
@@ -3885,7 +3889,7 @@
           <p:cNvPr id="2" name="TextBox 1">
             <a:extLst>
               <a:ext uri="{FF2B5EF4-FFF2-40B4-BE49-F238E27FC236}">
-                <a16:creationId xmlns="" xmlns:a16="http://schemas.microsoft.com/office/drawing/2014/main" id="{E9A453A8-9968-67AB-7B4A-83EEB4662AA6}"/>
+                <a16:creationId xmlns:a16="http://schemas.microsoft.com/office/drawing/2014/main" id="{E9A453A8-9968-67AB-7B4A-83EEB4662AA6}"/>
               </a:ext>
             </a:extLst>
           </p:cNvPr>
@@ -3933,7 +3937,7 @@
           <p:cNvPr id="4" name="TextBox 3">
             <a:extLst>
               <a:ext uri="{FF2B5EF4-FFF2-40B4-BE49-F238E27FC236}">
-                <a16:creationId xmlns="" xmlns:a16="http://schemas.microsoft.com/office/drawing/2014/main" id="{F4B7A35A-8AAC-4622-64BC-CAD1472D4115}"/>
+                <a16:creationId xmlns:a16="http://schemas.microsoft.com/office/drawing/2014/main" id="{F4B7A35A-8AAC-4622-64BC-CAD1472D4115}"/>
               </a:ext>
             </a:extLst>
           </p:cNvPr>
@@ -4005,7 +4009,7 @@
           <p:cNvPr id="7" name="TextBox 6">
             <a:extLst>
               <a:ext uri="{FF2B5EF4-FFF2-40B4-BE49-F238E27FC236}">
-                <a16:creationId xmlns="" xmlns:a16="http://schemas.microsoft.com/office/drawing/2014/main" id="{3ACE900A-D779-4343-6623-8588B376F0A1}"/>
+                <a16:creationId xmlns:a16="http://schemas.microsoft.com/office/drawing/2014/main" id="{3ACE900A-D779-4343-6623-8588B376F0A1}"/>
               </a:ext>
             </a:extLst>
           </p:cNvPr>
@@ -4044,13 +4048,6 @@
   <p:clrMapOvr>
     <a:masterClrMapping/>
   </p:clrMapOvr>
-  <p:timing>
-    <p:tnLst>
-      <p:par>
-        <p:cTn id="1" dur="indefinite" restart="never" nodeType="tmRoot"/>
-      </p:par>
-    </p:tnLst>
-  </p:timing>
 </p:sld>
 </file>
 
@@ -4148,7 +4145,7 @@
           <p:cNvPr id="7" name="직선 화살표 연결선 6">
             <a:extLst>
               <a:ext uri="{FF2B5EF4-FFF2-40B4-BE49-F238E27FC236}">
-                <a16:creationId xmlns="" xmlns:a16="http://schemas.microsoft.com/office/drawing/2014/main" id="{299DF5EC-9DF4-5255-06AC-0A7CE4FF58C3}"/>
+                <a16:creationId xmlns:a16="http://schemas.microsoft.com/office/drawing/2014/main" id="{299DF5EC-9DF4-5255-06AC-0A7CE4FF58C3}"/>
               </a:ext>
             </a:extLst>
           </p:cNvPr>
@@ -4189,7 +4186,7 @@
           <p:cNvPr id="8" name="TextBox 7">
             <a:extLst>
               <a:ext uri="{FF2B5EF4-FFF2-40B4-BE49-F238E27FC236}">
-                <a16:creationId xmlns="" xmlns:a16="http://schemas.microsoft.com/office/drawing/2014/main" id="{C6D113C6-EA5C-788F-0C77-E7CE6EBB865F}"/>
+                <a16:creationId xmlns:a16="http://schemas.microsoft.com/office/drawing/2014/main" id="{C6D113C6-EA5C-788F-0C77-E7CE6EBB865F}"/>
               </a:ext>
             </a:extLst>
           </p:cNvPr>
@@ -4213,7 +4210,7 @@
           <a:lstStyle/>
           <a:p>
             <a:r>
-              <a:rPr lang="ko-KR" altLang="en-US" sz="4000" smtClean="0">
+              <a:rPr lang="ko-KR" altLang="en-US" sz="4000">
                 <a:solidFill>
                   <a:srgbClr val="FF0000"/>
                 </a:solidFill>
@@ -4223,7 +4220,7 @@
               <a:t>생성자는 상속되지 않는다</a:t>
             </a:r>
             <a:r>
-              <a:rPr lang="en-US" altLang="ko-KR" sz="4000" smtClean="0">
+              <a:rPr lang="en-US" altLang="ko-KR" sz="4000">
                 <a:solidFill>
                   <a:srgbClr val="FF0000"/>
                 </a:solidFill>
@@ -4526,7 +4523,7 @@
           <p:cNvPr id="6" name="직선 화살표 연결선 5">
             <a:extLst>
               <a:ext uri="{FF2B5EF4-FFF2-40B4-BE49-F238E27FC236}">
-                <a16:creationId xmlns="" xmlns:a16="http://schemas.microsoft.com/office/drawing/2014/main" id="{299DF5EC-9DF4-5255-06AC-0A7CE4FF58C3}"/>
+                <a16:creationId xmlns:a16="http://schemas.microsoft.com/office/drawing/2014/main" id="{299DF5EC-9DF4-5255-06AC-0A7CE4FF58C3}"/>
               </a:ext>
             </a:extLst>
           </p:cNvPr>
@@ -4567,7 +4564,7 @@
           <p:cNvPr id="7" name="TextBox 6">
             <a:extLst>
               <a:ext uri="{FF2B5EF4-FFF2-40B4-BE49-F238E27FC236}">
-                <a16:creationId xmlns="" xmlns:a16="http://schemas.microsoft.com/office/drawing/2014/main" id="{C6D113C6-EA5C-788F-0C77-E7CE6EBB865F}"/>
+                <a16:creationId xmlns:a16="http://schemas.microsoft.com/office/drawing/2014/main" id="{C6D113C6-EA5C-788F-0C77-E7CE6EBB865F}"/>
               </a:ext>
             </a:extLst>
           </p:cNvPr>
@@ -4591,7 +4588,7 @@
           <a:lstStyle/>
           <a:p>
             <a:r>
-              <a:rPr lang="ko-KR" altLang="en-US" sz="4000" smtClean="0">
+              <a:rPr lang="ko-KR" altLang="en-US" sz="4000">
                 <a:solidFill>
                   <a:srgbClr val="FF0000"/>
                 </a:solidFill>
@@ -4601,7 +4598,7 @@
               <a:t>부모가 디폴트생성자가 없다면 자식또한 디폴트 생성자를 만들어주지 않는다</a:t>
             </a:r>
             <a:r>
-              <a:rPr lang="en-US" altLang="ko-KR" sz="4000" smtClean="0">
+              <a:rPr lang="en-US" altLang="ko-KR" sz="4000">
                 <a:solidFill>
                   <a:srgbClr val="FF0000"/>
                 </a:solidFill>
@@ -4630,13 +4627,6 @@
   <p:clrMapOvr>
     <a:masterClrMapping/>
   </p:clrMapOvr>
-  <p:timing>
-    <p:tnLst>
-      <p:par>
-        <p:cTn id="1" dur="indefinite" restart="never" nodeType="tmRoot"/>
-      </p:par>
-    </p:tnLst>
-  </p:timing>
 </p:sld>
 </file>
 
@@ -4686,7 +4676,7 @@
           <p:cNvPr id="5" name="TextBox 4">
             <a:extLst>
               <a:ext uri="{FF2B5EF4-FFF2-40B4-BE49-F238E27FC236}">
-                <a16:creationId xmlns="" xmlns:a16="http://schemas.microsoft.com/office/drawing/2014/main" id="{C6D113C6-EA5C-788F-0C77-E7CE6EBB865F}"/>
+                <a16:creationId xmlns:a16="http://schemas.microsoft.com/office/drawing/2014/main" id="{C6D113C6-EA5C-788F-0C77-E7CE6EBB865F}"/>
               </a:ext>
             </a:extLst>
           </p:cNvPr>
@@ -4710,7 +4700,7 @@
           <a:lstStyle/>
           <a:p>
             <a:r>
-              <a:rPr lang="ko-KR" altLang="en-US" sz="4000" smtClean="0">
+              <a:rPr lang="ko-KR" altLang="en-US" sz="4000">
                 <a:solidFill>
                   <a:srgbClr val="FF0000"/>
                 </a:solidFill>
@@ -4720,7 +4710,7 @@
               <a:t>명시적으로 선언하여 쓸수도 없다</a:t>
             </a:r>
             <a:r>
-              <a:rPr lang="en-US" altLang="ko-KR" sz="4000" smtClean="0">
+              <a:rPr lang="en-US" altLang="ko-KR" sz="4000">
                 <a:solidFill>
                   <a:srgbClr val="FF0000"/>
                 </a:solidFill>
@@ -4742,13 +4732,6 @@
   <p:clrMapOvr>
     <a:masterClrMapping/>
   </p:clrMapOvr>
-  <p:timing>
-    <p:tnLst>
-      <p:par>
-        <p:cTn id="1" dur="indefinite" restart="never" nodeType="tmRoot"/>
-      </p:par>
-    </p:tnLst>
-  </p:timing>
 </p:sld>
 </file>
 
@@ -4774,7 +4757,7 @@
           <p:cNvPr id="4" name="TextBox 3">
             <a:extLst>
               <a:ext uri="{FF2B5EF4-FFF2-40B4-BE49-F238E27FC236}">
-                <a16:creationId xmlns="" xmlns:a16="http://schemas.microsoft.com/office/drawing/2014/main" id="{5ADC00B6-990A-40DC-3CEA-505258F5E8DA}"/>
+                <a16:creationId xmlns:a16="http://schemas.microsoft.com/office/drawing/2014/main" id="{5ADC00B6-990A-40DC-3CEA-505258F5E8DA}"/>
               </a:ext>
             </a:extLst>
           </p:cNvPr>
@@ -4798,7 +4781,7 @@
           <a:lstStyle/>
           <a:p>
             <a:r>
-              <a:rPr lang="ko-KR" altLang="en-US" sz="4800" smtClean="0">
+              <a:rPr lang="ko-KR" altLang="en-US" sz="4800">
                 <a:solidFill>
                   <a:srgbClr val="4C50BC"/>
                 </a:solidFill>
@@ -4808,7 +4791,7 @@
               <a:t>생성자는 상속되지 않지만</a:t>
             </a:r>
             <a:r>
-              <a:rPr lang="en-US" altLang="ko-KR" sz="4800" smtClean="0">
+              <a:rPr lang="en-US" altLang="ko-KR" sz="4800">
                 <a:solidFill>
                   <a:srgbClr val="4C50BC"/>
                 </a:solidFill>
@@ -4820,7 +4803,7 @@
           </a:p>
           <a:p>
             <a:r>
-              <a:rPr lang="ko-KR" altLang="en-US" sz="4800" smtClean="0">
+              <a:rPr lang="ko-KR" altLang="en-US" sz="4800">
                 <a:solidFill>
                   <a:srgbClr val="4C50BC"/>
                 </a:solidFill>
@@ -4830,7 +4813,7 @@
               <a:t>부모가 디폴트 생성자를 만들지 않았다면 자식또한 디폴트 생성자를 허용하지 않는다</a:t>
             </a:r>
             <a:r>
-              <a:rPr lang="en-US" altLang="ko-KR" sz="4800" smtClean="0">
+              <a:rPr lang="en-US" altLang="ko-KR" sz="4800">
                 <a:solidFill>
                   <a:srgbClr val="4C50BC"/>
                 </a:solidFill>
@@ -4859,13 +4842,6 @@
   <p:clrMapOvr>
     <a:masterClrMapping/>
   </p:clrMapOvr>
-  <p:timing>
-    <p:tnLst>
-      <p:par>
-        <p:cTn id="1" dur="indefinite" restart="never" nodeType="tmRoot"/>
-      </p:par>
-    </p:tnLst>
-  </p:timing>
 </p:sld>
 </file>
 
@@ -4891,7 +4867,7 @@
           <p:cNvPr id="4" name="TextBox 3">
             <a:extLst>
               <a:ext uri="{FF2B5EF4-FFF2-40B4-BE49-F238E27FC236}">
-                <a16:creationId xmlns="" xmlns:a16="http://schemas.microsoft.com/office/drawing/2014/main" id="{C6D113C6-EA5C-788F-0C77-E7CE6EBB865F}"/>
+                <a16:creationId xmlns:a16="http://schemas.microsoft.com/office/drawing/2014/main" id="{C6D113C6-EA5C-788F-0C77-E7CE6EBB865F}"/>
               </a:ext>
             </a:extLst>
           </p:cNvPr>
@@ -4915,7 +4891,7 @@
           <a:lstStyle/>
           <a:p>
             <a:r>
-              <a:rPr lang="ko-KR" altLang="en-US" sz="4000" smtClean="0">
+              <a:rPr lang="ko-KR" altLang="en-US" sz="4000">
                 <a:solidFill>
                   <a:srgbClr val="FF0000"/>
                 </a:solidFill>
@@ -4925,7 +4901,7 @@
               <a:t>상속은 무한히 내려갈수 있다</a:t>
             </a:r>
             <a:r>
-              <a:rPr lang="en-US" altLang="ko-KR" sz="4000" smtClean="0">
+              <a:rPr lang="en-US" altLang="ko-KR" sz="4000">
                 <a:solidFill>
                   <a:srgbClr val="FF0000"/>
                 </a:solidFill>
@@ -5026,13 +5002,6 @@
   <p:clrMapOvr>
     <a:masterClrMapping/>
   </p:clrMapOvr>
-  <p:timing>
-    <p:tnLst>
-      <p:par>
-        <p:cTn id="1" dur="indefinite" restart="never" nodeType="tmRoot"/>
-      </p:par>
-    </p:tnLst>
-  </p:timing>
 </p:sld>
 </file>
 
@@ -5058,7 +5027,7 @@
           <p:cNvPr id="4" name="TextBox 3">
             <a:extLst>
               <a:ext uri="{FF2B5EF4-FFF2-40B4-BE49-F238E27FC236}">
-                <a16:creationId xmlns="" xmlns:a16="http://schemas.microsoft.com/office/drawing/2014/main" id="{5ADC00B6-990A-40DC-3CEA-505258F5E8DA}"/>
+                <a16:creationId xmlns:a16="http://schemas.microsoft.com/office/drawing/2014/main" id="{5ADC00B6-990A-40DC-3CEA-505258F5E8DA}"/>
               </a:ext>
             </a:extLst>
           </p:cNvPr>
@@ -5082,7 +5051,7 @@
           <a:lstStyle/>
           <a:p>
             <a:r>
-              <a:rPr lang="en-US" altLang="ko-KR" sz="4800" smtClean="0">
+              <a:rPr lang="en-US" altLang="ko-KR" sz="4800">
                 <a:solidFill>
                   <a:srgbClr val="4C50BC"/>
                 </a:solidFill>
@@ -5092,7 +5061,7 @@
               <a:t>Object </a:t>
             </a:r>
             <a:r>
-              <a:rPr lang="ko-KR" altLang="en-US" sz="4800" smtClean="0">
+              <a:rPr lang="ko-KR" altLang="en-US" sz="4800">
                 <a:solidFill>
                   <a:srgbClr val="4C50BC"/>
                 </a:solidFill>
@@ -5101,7 +5070,7 @@
               </a:rPr>
               <a:t>클래스</a:t>
             </a:r>
-            <a:endParaRPr lang="en-US" altLang="ko-KR" sz="4800" smtClean="0">
+            <a:endParaRPr lang="en-US" altLang="ko-KR" sz="4800">
               <a:solidFill>
                 <a:srgbClr val="4C50BC"/>
               </a:solidFill>
@@ -5116,7 +5085,7 @@
           <p:cNvPr id="5" name="TextBox 4">
             <a:extLst>
               <a:ext uri="{FF2B5EF4-FFF2-40B4-BE49-F238E27FC236}">
-                <a16:creationId xmlns="" xmlns:a16="http://schemas.microsoft.com/office/drawing/2014/main" id="{A2AD056B-97A4-5BCC-4460-250160F3E171}"/>
+                <a16:creationId xmlns:a16="http://schemas.microsoft.com/office/drawing/2014/main" id="{A2AD056B-97A4-5BCC-4460-250160F3E171}"/>
               </a:ext>
             </a:extLst>
           </p:cNvPr>
@@ -5143,7 +5112,7 @@
               <a:buAutoNum type="arabicPeriod"/>
             </a:pPr>
             <a:r>
-              <a:rPr lang="ko-KR" altLang="en-US" sz="4000" smtClean="0">
+              <a:rPr lang="ko-KR" altLang="en-US" sz="4000">
                 <a:solidFill>
                   <a:schemeClr val="tx1">
                     <a:lumMod val="50000"/>
@@ -5155,7 +5124,7 @@
               </a:rPr>
               <a:t>모든 클래스의 부모</a:t>
             </a:r>
-            <a:endParaRPr lang="en-US" altLang="ko-KR" sz="4000" smtClean="0">
+            <a:endParaRPr lang="en-US" altLang="ko-KR" sz="4000">
               <a:solidFill>
                 <a:schemeClr val="tx1">
                   <a:lumMod val="50000"/>
@@ -5171,7 +5140,7 @@
               <a:buAutoNum type="arabicPeriod"/>
             </a:pPr>
             <a:r>
-              <a:rPr lang="en-US" altLang="ko-KR" sz="4000" smtClean="0">
+              <a:rPr lang="en-US" altLang="ko-KR" sz="4000">
                 <a:solidFill>
                   <a:schemeClr val="tx1">
                     <a:lumMod val="50000"/>
@@ -5184,7 +5153,7 @@
               <a:t>toString, equal</a:t>
             </a:r>
             <a:r>
-              <a:rPr lang="ko-KR" altLang="en-US" sz="4000" smtClean="0">
+              <a:rPr lang="ko-KR" altLang="en-US" sz="4000">
                 <a:solidFill>
                   <a:schemeClr val="tx1">
                     <a:lumMod val="50000"/>
@@ -5197,7 +5166,7 @@
               <a:t>과 같이 클래스에 기본적으로 필요한 메서드의 틀을 가지고 있다</a:t>
             </a:r>
             <a:r>
-              <a:rPr lang="en-US" altLang="ko-KR" sz="4000" smtClean="0">
+              <a:rPr lang="en-US" altLang="ko-KR" sz="4000">
                 <a:solidFill>
                   <a:schemeClr val="tx1">
                     <a:lumMod val="50000"/>
@@ -5215,7 +5184,7 @@
               <a:buAutoNum type="arabicPeriod"/>
             </a:pPr>
             <a:r>
-              <a:rPr lang="ko-KR" altLang="en-US" sz="4000" smtClean="0">
+              <a:rPr lang="ko-KR" altLang="en-US" sz="4000">
                 <a:solidFill>
                   <a:schemeClr val="tx1">
                     <a:lumMod val="50000"/>
@@ -5228,7 +5197,7 @@
               <a:t>모든 객체는 </a:t>
             </a:r>
             <a:r>
-              <a:rPr lang="en-US" altLang="ko-KR" sz="4000" smtClean="0">
+              <a:rPr lang="en-US" altLang="ko-KR" sz="4000">
                 <a:solidFill>
                   <a:schemeClr val="tx1">
                     <a:lumMod val="50000"/>
@@ -5241,7 +5210,7 @@
               <a:t>Object</a:t>
             </a:r>
             <a:r>
-              <a:rPr lang="ko-KR" altLang="en-US" sz="4000" smtClean="0">
+              <a:rPr lang="ko-KR" altLang="en-US" sz="4000">
                 <a:solidFill>
                   <a:schemeClr val="tx1">
                     <a:lumMod val="50000"/>
@@ -5254,7 +5223,7 @@
               <a:t>로 형변환이 가능하다</a:t>
             </a:r>
             <a:r>
-              <a:rPr lang="en-US" altLang="ko-KR" sz="4000" smtClean="0">
+              <a:rPr lang="en-US" altLang="ko-KR" sz="4000">
                 <a:solidFill>
                   <a:schemeClr val="tx1">
                     <a:lumMod val="50000"/>
@@ -5274,7 +5243,7 @@
           <p:cNvPr id="6" name="그룹 1015">
             <a:extLst>
               <a:ext uri="{FF2B5EF4-FFF2-40B4-BE49-F238E27FC236}">
-                <a16:creationId xmlns:a16="http://schemas.microsoft.com/office/drawing/2014/main" xmlns="" id="{76F5E01D-ECD6-A51D-DC2B-05DA1EBF93C7}"/>
+                <a16:creationId xmlns:a16="http://schemas.microsoft.com/office/drawing/2014/main" id="{76F5E01D-ECD6-A51D-DC2B-05DA1EBF93C7}"/>
               </a:ext>
             </a:extLst>
           </p:cNvPr>
@@ -5294,7 +5263,7 @@
             <p:cNvPr id="7" name="Object 52">
               <a:extLst>
                 <a:ext uri="{FF2B5EF4-FFF2-40B4-BE49-F238E27FC236}">
-                  <a16:creationId xmlns:a16="http://schemas.microsoft.com/office/drawing/2014/main" xmlns="" id="{D83975B3-46BC-7686-ECA1-1D7ECFA74A69}"/>
+                  <a16:creationId xmlns:a16="http://schemas.microsoft.com/office/drawing/2014/main" id="{D83975B3-46BC-7686-ECA1-1D7ECFA74A69}"/>
                 </a:ext>
               </a:extLst>
             </p:cNvPr>
@@ -5325,7 +5294,7 @@
           <p:cNvPr id="8" name="그룹 1018">
             <a:extLst>
               <a:ext uri="{FF2B5EF4-FFF2-40B4-BE49-F238E27FC236}">
-                <a16:creationId xmlns:a16="http://schemas.microsoft.com/office/drawing/2014/main" xmlns="" id="{008489BA-FEFA-DE7D-B3CD-53A358B82592}"/>
+                <a16:creationId xmlns:a16="http://schemas.microsoft.com/office/drawing/2014/main" id="{008489BA-FEFA-DE7D-B3CD-53A358B82592}"/>
               </a:ext>
             </a:extLst>
           </p:cNvPr>
@@ -5345,7 +5314,7 @@
             <p:cNvPr id="9" name="Object 61">
               <a:extLst>
                 <a:ext uri="{FF2B5EF4-FFF2-40B4-BE49-F238E27FC236}">
-                  <a16:creationId xmlns:a16="http://schemas.microsoft.com/office/drawing/2014/main" xmlns="" id="{9ED25BE3-45BE-AC6D-D835-4457854D2832}"/>
+                  <a16:creationId xmlns:a16="http://schemas.microsoft.com/office/drawing/2014/main" id="{9ED25BE3-45BE-AC6D-D835-4457854D2832}"/>
                 </a:ext>
               </a:extLst>
             </p:cNvPr>
@@ -5376,7 +5345,7 @@
           <p:cNvPr id="10" name="그룹 1021">
             <a:extLst>
               <a:ext uri="{FF2B5EF4-FFF2-40B4-BE49-F238E27FC236}">
-                <a16:creationId xmlns:a16="http://schemas.microsoft.com/office/drawing/2014/main" xmlns="" id="{7FE0C0A1-ABE4-F0EA-AFC1-4622C45C99E7}"/>
+                <a16:creationId xmlns:a16="http://schemas.microsoft.com/office/drawing/2014/main" id="{7FE0C0A1-ABE4-F0EA-AFC1-4622C45C99E7}"/>
               </a:ext>
             </a:extLst>
           </p:cNvPr>
@@ -5396,7 +5365,7 @@
             <p:cNvPr id="11" name="Object 71">
               <a:extLst>
                 <a:ext uri="{FF2B5EF4-FFF2-40B4-BE49-F238E27FC236}">
-                  <a16:creationId xmlns:a16="http://schemas.microsoft.com/office/drawing/2014/main" xmlns="" id="{CDBB7D83-509F-9F4C-0C3E-DBA2562E5520}"/>
+                  <a16:creationId xmlns:a16="http://schemas.microsoft.com/office/drawing/2014/main" id="{CDBB7D83-509F-9F4C-0C3E-DBA2562E5520}"/>
                 </a:ext>
               </a:extLst>
             </p:cNvPr>
@@ -5427,7 +5396,7 @@
           <p:cNvPr id="12" name="그룹 1024">
             <a:extLst>
               <a:ext uri="{FF2B5EF4-FFF2-40B4-BE49-F238E27FC236}">
-                <a16:creationId xmlns:a16="http://schemas.microsoft.com/office/drawing/2014/main" xmlns="" id="{8EB1611F-852C-9617-AEEB-CFA38FFF8001}"/>
+                <a16:creationId xmlns:a16="http://schemas.microsoft.com/office/drawing/2014/main" id="{8EB1611F-852C-9617-AEEB-CFA38FFF8001}"/>
               </a:ext>
             </a:extLst>
           </p:cNvPr>
@@ -5447,7 +5416,7 @@
             <p:cNvPr id="13" name="Object 81">
               <a:extLst>
                 <a:ext uri="{FF2B5EF4-FFF2-40B4-BE49-F238E27FC236}">
-                  <a16:creationId xmlns:a16="http://schemas.microsoft.com/office/drawing/2014/main" xmlns="" id="{08657582-A0DF-A5DC-A662-189C639920C8}"/>
+                  <a16:creationId xmlns:a16="http://schemas.microsoft.com/office/drawing/2014/main" id="{08657582-A0DF-A5DC-A662-189C639920C8}"/>
                 </a:ext>
               </a:extLst>
             </p:cNvPr>
@@ -5478,7 +5447,7 @@
           <p:cNvPr id="14" name="TextBox 13">
             <a:extLst>
               <a:ext uri="{FF2B5EF4-FFF2-40B4-BE49-F238E27FC236}">
-                <a16:creationId xmlns:a16="http://schemas.microsoft.com/office/drawing/2014/main" xmlns="" id="{FC41B7B2-904B-813A-22B8-239E383F4360}"/>
+                <a16:creationId xmlns:a16="http://schemas.microsoft.com/office/drawing/2014/main" id="{FC41B7B2-904B-813A-22B8-239E383F4360}"/>
               </a:ext>
             </a:extLst>
           </p:cNvPr>
@@ -5502,7 +5471,7 @@
           <a:lstStyle/>
           <a:p>
             <a:r>
-              <a:rPr lang="en-US" altLang="ko-KR" sz="4400" smtClean="0">
+              <a:rPr lang="en-US" altLang="ko-KR" sz="4400">
                 <a:solidFill>
                   <a:srgbClr val="4C50BC"/>
                 </a:solidFill>
@@ -5526,7 +5495,7 @@
           <p:cNvPr id="15" name="TextBox 14">
             <a:extLst>
               <a:ext uri="{FF2B5EF4-FFF2-40B4-BE49-F238E27FC236}">
-                <a16:creationId xmlns:a16="http://schemas.microsoft.com/office/drawing/2014/main" xmlns="" id="{F68B80B8-3419-5C31-B2F2-084E536A2C1C}"/>
+                <a16:creationId xmlns:a16="http://schemas.microsoft.com/office/drawing/2014/main" id="{F68B80B8-3419-5C31-B2F2-084E536A2C1C}"/>
               </a:ext>
             </a:extLst>
           </p:cNvPr>
@@ -5550,7 +5519,7 @@
           <a:lstStyle/>
           <a:p>
             <a:r>
-              <a:rPr lang="en-US" altLang="ko-KR" sz="3600" smtClean="0">
+              <a:rPr lang="en-US" altLang="ko-KR" sz="3600">
                 <a:solidFill>
                   <a:srgbClr val="4D4848"/>
                 </a:solidFill>
@@ -5574,7 +5543,7 @@
           <p:cNvPr id="16" name="TextBox 15">
             <a:extLst>
               <a:ext uri="{FF2B5EF4-FFF2-40B4-BE49-F238E27FC236}">
-                <a16:creationId xmlns:a16="http://schemas.microsoft.com/office/drawing/2014/main" xmlns="" id="{CB471B39-052C-65D2-3069-C74FA7421876}"/>
+                <a16:creationId xmlns:a16="http://schemas.microsoft.com/office/drawing/2014/main" id="{CB471B39-052C-65D2-3069-C74FA7421876}"/>
               </a:ext>
             </a:extLst>
           </p:cNvPr>
@@ -5598,7 +5567,7 @@
           <a:lstStyle/>
           <a:p>
             <a:r>
-              <a:rPr lang="en-US" altLang="ko-KR" sz="3600" smtClean="0">
+              <a:rPr lang="en-US" altLang="ko-KR" sz="3600">
                 <a:solidFill>
                   <a:srgbClr val="4D4848"/>
                 </a:solidFill>
@@ -5622,7 +5591,7 @@
           <p:cNvPr id="17" name="TextBox 16">
             <a:extLst>
               <a:ext uri="{FF2B5EF4-FFF2-40B4-BE49-F238E27FC236}">
-                <a16:creationId xmlns:a16="http://schemas.microsoft.com/office/drawing/2014/main" xmlns="" id="{4A7E270B-9322-EABD-3A34-4D211B23AD38}"/>
+                <a16:creationId xmlns:a16="http://schemas.microsoft.com/office/drawing/2014/main" id="{4A7E270B-9322-EABD-3A34-4D211B23AD38}"/>
               </a:ext>
             </a:extLst>
           </p:cNvPr>
@@ -5646,7 +5615,7 @@
           <a:lstStyle/>
           <a:p>
             <a:r>
-              <a:rPr lang="en-US" altLang="ko-KR" sz="3600" smtClean="0">
+              <a:rPr lang="en-US" altLang="ko-KR" sz="3600">
                 <a:solidFill>
                   <a:srgbClr val="4D4848"/>
                 </a:solidFill>
@@ -5670,7 +5639,7 @@
           <p:cNvPr id="18" name="직선 화살표 연결선 17">
             <a:extLst>
               <a:ext uri="{FF2B5EF4-FFF2-40B4-BE49-F238E27FC236}">
-                <a16:creationId xmlns:a16="http://schemas.microsoft.com/office/drawing/2014/main" xmlns="" id="{174A1CAB-41DB-CBE5-A53E-D1E78982E7D5}"/>
+                <a16:creationId xmlns:a16="http://schemas.microsoft.com/office/drawing/2014/main" id="{174A1CAB-41DB-CBE5-A53E-D1E78982E7D5}"/>
               </a:ext>
             </a:extLst>
           </p:cNvPr>
@@ -5712,7 +5681,7 @@
           <p:cNvPr id="19" name="직선 화살표 연결선 18">
             <a:extLst>
               <a:ext uri="{FF2B5EF4-FFF2-40B4-BE49-F238E27FC236}">
-                <a16:creationId xmlns:a16="http://schemas.microsoft.com/office/drawing/2014/main" xmlns="" id="{404BE807-8974-325D-28CE-80CBD5A23FD9}"/>
+                <a16:creationId xmlns:a16="http://schemas.microsoft.com/office/drawing/2014/main" id="{404BE807-8974-325D-28CE-80CBD5A23FD9}"/>
               </a:ext>
             </a:extLst>
           </p:cNvPr>
@@ -5753,7 +5722,7 @@
           <p:cNvPr id="20" name="직선 화살표 연결선 19">
             <a:extLst>
               <a:ext uri="{FF2B5EF4-FFF2-40B4-BE49-F238E27FC236}">
-                <a16:creationId xmlns:a16="http://schemas.microsoft.com/office/drawing/2014/main" xmlns="" id="{8238D4B2-69F6-F17A-0286-66A8FB197956}"/>
+                <a16:creationId xmlns:a16="http://schemas.microsoft.com/office/drawing/2014/main" id="{8238D4B2-69F6-F17A-0286-66A8FB197956}"/>
               </a:ext>
             </a:extLst>
           </p:cNvPr>
@@ -5795,7 +5764,7 @@
           <p:cNvPr id="21" name="직선 화살표 연결선 20">
             <a:extLst>
               <a:ext uri="{FF2B5EF4-FFF2-40B4-BE49-F238E27FC236}">
-                <a16:creationId xmlns:a16="http://schemas.microsoft.com/office/drawing/2014/main" xmlns="" id="{404BE807-8974-325D-28CE-80CBD5A23FD9}"/>
+                <a16:creationId xmlns:a16="http://schemas.microsoft.com/office/drawing/2014/main" id="{404BE807-8974-325D-28CE-80CBD5A23FD9}"/>
               </a:ext>
             </a:extLst>
           </p:cNvPr>
@@ -5836,7 +5805,7 @@
           <p:cNvPr id="22" name="그룹 1021">
             <a:extLst>
               <a:ext uri="{FF2B5EF4-FFF2-40B4-BE49-F238E27FC236}">
-                <a16:creationId xmlns:a16="http://schemas.microsoft.com/office/drawing/2014/main" xmlns="" id="{7FE0C0A1-ABE4-F0EA-AFC1-4622C45C99E7}"/>
+                <a16:creationId xmlns:a16="http://schemas.microsoft.com/office/drawing/2014/main" id="{7FE0C0A1-ABE4-F0EA-AFC1-4622C45C99E7}"/>
               </a:ext>
             </a:extLst>
           </p:cNvPr>
@@ -5856,7 +5825,7 @@
             <p:cNvPr id="23" name="Object 71">
               <a:extLst>
                 <a:ext uri="{FF2B5EF4-FFF2-40B4-BE49-F238E27FC236}">
-                  <a16:creationId xmlns:a16="http://schemas.microsoft.com/office/drawing/2014/main" xmlns="" id="{CDBB7D83-509F-9F4C-0C3E-DBA2562E5520}"/>
+                  <a16:creationId xmlns:a16="http://schemas.microsoft.com/office/drawing/2014/main" id="{CDBB7D83-509F-9F4C-0C3E-DBA2562E5520}"/>
                 </a:ext>
               </a:extLst>
             </p:cNvPr>
@@ -5887,7 +5856,7 @@
           <p:cNvPr id="24" name="TextBox 23">
             <a:extLst>
               <a:ext uri="{FF2B5EF4-FFF2-40B4-BE49-F238E27FC236}">
-                <a16:creationId xmlns:a16="http://schemas.microsoft.com/office/drawing/2014/main" xmlns="" id="{CB471B39-052C-65D2-3069-C74FA7421876}"/>
+                <a16:creationId xmlns:a16="http://schemas.microsoft.com/office/drawing/2014/main" id="{CB471B39-052C-65D2-3069-C74FA7421876}"/>
               </a:ext>
             </a:extLst>
           </p:cNvPr>
@@ -5911,7 +5880,7 @@
           <a:lstStyle/>
           <a:p>
             <a:r>
-              <a:rPr lang="en-US" altLang="ko-KR" sz="4400" smtClean="0">
+              <a:rPr lang="en-US" altLang="ko-KR" sz="4400">
                 <a:solidFill>
                   <a:srgbClr val="4C50BC"/>
                 </a:solidFill>
@@ -6557,7 +6526,7 @@
           <p:cNvPr id="8" name="직선 화살표 연결선 7">
             <a:extLst>
               <a:ext uri="{FF2B5EF4-FFF2-40B4-BE49-F238E27FC236}">
-                <a16:creationId xmlns="" xmlns:a16="http://schemas.microsoft.com/office/drawing/2014/main" id="{299DF5EC-9DF4-5255-06AC-0A7CE4FF58C3}"/>
+                <a16:creationId xmlns:a16="http://schemas.microsoft.com/office/drawing/2014/main" id="{299DF5EC-9DF4-5255-06AC-0A7CE4FF58C3}"/>
               </a:ext>
             </a:extLst>
           </p:cNvPr>
@@ -6598,7 +6567,7 @@
           <p:cNvPr id="9" name="직사각형 8">
             <a:extLst>
               <a:ext uri="{FF2B5EF4-FFF2-40B4-BE49-F238E27FC236}">
-                <a16:creationId xmlns="" xmlns:a16="http://schemas.microsoft.com/office/drawing/2014/main" id="{FFF506F9-840A-0508-4CAF-3AC711D8D5CE}"/>
+                <a16:creationId xmlns:a16="http://schemas.microsoft.com/office/drawing/2014/main" id="{FFF506F9-840A-0508-4CAF-3AC711D8D5CE}"/>
               </a:ext>
             </a:extLst>
           </p:cNvPr>
@@ -6650,7 +6619,7 @@
           <p:cNvPr id="10" name="TextBox 9">
             <a:extLst>
               <a:ext uri="{FF2B5EF4-FFF2-40B4-BE49-F238E27FC236}">
-                <a16:creationId xmlns="" xmlns:a16="http://schemas.microsoft.com/office/drawing/2014/main" id="{C6D113C6-EA5C-788F-0C77-E7CE6EBB865F}"/>
+                <a16:creationId xmlns:a16="http://schemas.microsoft.com/office/drawing/2014/main" id="{C6D113C6-EA5C-788F-0C77-E7CE6EBB865F}"/>
               </a:ext>
             </a:extLst>
           </p:cNvPr>
@@ -6674,7 +6643,7 @@
           <a:lstStyle/>
           <a:p>
             <a:r>
-              <a:rPr lang="ko-KR" altLang="en-US" sz="4000" smtClean="0">
+              <a:rPr lang="ko-KR" altLang="en-US" sz="4000">
                 <a:solidFill>
                   <a:srgbClr val="FF0000"/>
                 </a:solidFill>
@@ -6698,7 +6667,7 @@
           <p:cNvPr id="12" name="직선 화살표 연결선 11">
             <a:extLst>
               <a:ext uri="{FF2B5EF4-FFF2-40B4-BE49-F238E27FC236}">
-                <a16:creationId xmlns="" xmlns:a16="http://schemas.microsoft.com/office/drawing/2014/main" id="{299DF5EC-9DF4-5255-06AC-0A7CE4FF58C3}"/>
+                <a16:creationId xmlns:a16="http://schemas.microsoft.com/office/drawing/2014/main" id="{299DF5EC-9DF4-5255-06AC-0A7CE4FF58C3}"/>
               </a:ext>
             </a:extLst>
           </p:cNvPr>
@@ -6739,7 +6708,7 @@
           <p:cNvPr id="13" name="직사각형 12">
             <a:extLst>
               <a:ext uri="{FF2B5EF4-FFF2-40B4-BE49-F238E27FC236}">
-                <a16:creationId xmlns="" xmlns:a16="http://schemas.microsoft.com/office/drawing/2014/main" id="{FFF506F9-840A-0508-4CAF-3AC711D8D5CE}"/>
+                <a16:creationId xmlns:a16="http://schemas.microsoft.com/office/drawing/2014/main" id="{FFF506F9-840A-0508-4CAF-3AC711D8D5CE}"/>
               </a:ext>
             </a:extLst>
           </p:cNvPr>
@@ -6791,7 +6760,7 @@
           <p:cNvPr id="14" name="TextBox 13">
             <a:extLst>
               <a:ext uri="{FF2B5EF4-FFF2-40B4-BE49-F238E27FC236}">
-                <a16:creationId xmlns="" xmlns:a16="http://schemas.microsoft.com/office/drawing/2014/main" id="{C6D113C6-EA5C-788F-0C77-E7CE6EBB865F}"/>
+                <a16:creationId xmlns:a16="http://schemas.microsoft.com/office/drawing/2014/main" id="{C6D113C6-EA5C-788F-0C77-E7CE6EBB865F}"/>
               </a:ext>
             </a:extLst>
           </p:cNvPr>
@@ -6815,7 +6784,7 @@
           <a:lstStyle/>
           <a:p>
             <a:r>
-              <a:rPr lang="ko-KR" altLang="en-US" sz="4000" smtClean="0">
+              <a:rPr lang="ko-KR" altLang="en-US" sz="4000">
                 <a:solidFill>
                   <a:srgbClr val="FF0000"/>
                 </a:solidFill>
@@ -6839,7 +6808,7 @@
           <p:cNvPr id="15" name="직사각형 14">
             <a:extLst>
               <a:ext uri="{FF2B5EF4-FFF2-40B4-BE49-F238E27FC236}">
-                <a16:creationId xmlns="" xmlns:a16="http://schemas.microsoft.com/office/drawing/2014/main" id="{FFF506F9-840A-0508-4CAF-3AC711D8D5CE}"/>
+                <a16:creationId xmlns:a16="http://schemas.microsoft.com/office/drawing/2014/main" id="{FFF506F9-840A-0508-4CAF-3AC711D8D5CE}"/>
               </a:ext>
             </a:extLst>
           </p:cNvPr>
@@ -6891,7 +6860,7 @@
           <p:cNvPr id="16" name="직선 화살표 연결선 15">
             <a:extLst>
               <a:ext uri="{FF2B5EF4-FFF2-40B4-BE49-F238E27FC236}">
-                <a16:creationId xmlns="" xmlns:a16="http://schemas.microsoft.com/office/drawing/2014/main" id="{299DF5EC-9DF4-5255-06AC-0A7CE4FF58C3}"/>
+                <a16:creationId xmlns:a16="http://schemas.microsoft.com/office/drawing/2014/main" id="{299DF5EC-9DF4-5255-06AC-0A7CE4FF58C3}"/>
               </a:ext>
             </a:extLst>
           </p:cNvPr>
@@ -6932,7 +6901,7 @@
           <p:cNvPr id="17" name="TextBox 16">
             <a:extLst>
               <a:ext uri="{FF2B5EF4-FFF2-40B4-BE49-F238E27FC236}">
-                <a16:creationId xmlns="" xmlns:a16="http://schemas.microsoft.com/office/drawing/2014/main" id="{C6D113C6-EA5C-788F-0C77-E7CE6EBB865F}"/>
+                <a16:creationId xmlns:a16="http://schemas.microsoft.com/office/drawing/2014/main" id="{C6D113C6-EA5C-788F-0C77-E7CE6EBB865F}"/>
               </a:ext>
             </a:extLst>
           </p:cNvPr>
@@ -6956,7 +6925,7 @@
           <a:lstStyle/>
           <a:p>
             <a:r>
-              <a:rPr lang="ko-KR" altLang="en-US" sz="4000" smtClean="0">
+              <a:rPr lang="ko-KR" altLang="en-US" sz="4000">
                 <a:solidFill>
                   <a:srgbClr val="FF0000"/>
                 </a:solidFill>
@@ -6980,7 +6949,7 @@
           <p:cNvPr id="18" name="TextBox 17">
             <a:extLst>
               <a:ext uri="{FF2B5EF4-FFF2-40B4-BE49-F238E27FC236}">
-                <a16:creationId xmlns="" xmlns:a16="http://schemas.microsoft.com/office/drawing/2014/main" id="{5ADC00B6-990A-40DC-3CEA-505258F5E8DA}"/>
+                <a16:creationId xmlns:a16="http://schemas.microsoft.com/office/drawing/2014/main" id="{5ADC00B6-990A-40DC-3CEA-505258F5E8DA}"/>
               </a:ext>
             </a:extLst>
           </p:cNvPr>
@@ -7004,7 +6973,7 @@
           <a:lstStyle/>
           <a:p>
             <a:r>
-              <a:rPr lang="en-US" altLang="ko-KR" sz="4800" smtClean="0">
+              <a:rPr lang="en-US" altLang="ko-KR" sz="4800">
                 <a:solidFill>
                   <a:srgbClr val="4C50BC"/>
                 </a:solidFill>
@@ -7480,7 +7449,7 @@
           <p:cNvPr id="8" name="TextBox 7">
             <a:extLst>
               <a:ext uri="{FF2B5EF4-FFF2-40B4-BE49-F238E27FC236}">
-                <a16:creationId xmlns="" xmlns:a16="http://schemas.microsoft.com/office/drawing/2014/main" id="{5ADC00B6-990A-40DC-3CEA-505258F5E8DA}"/>
+                <a16:creationId xmlns:a16="http://schemas.microsoft.com/office/drawing/2014/main" id="{5ADC00B6-990A-40DC-3CEA-505258F5E8DA}"/>
               </a:ext>
             </a:extLst>
           </p:cNvPr>
@@ -7504,7 +7473,7 @@
           <a:lstStyle/>
           <a:p>
             <a:r>
-              <a:rPr lang="en-US" altLang="ko-KR" sz="4800" smtClean="0">
+              <a:rPr lang="en-US" altLang="ko-KR" sz="4800">
                 <a:solidFill>
                   <a:srgbClr val="4C50BC"/>
                 </a:solidFill>
@@ -7876,7 +7845,7 @@
           <p:cNvPr id="4" name="TextBox 3">
             <a:extLst>
               <a:ext uri="{FF2B5EF4-FFF2-40B4-BE49-F238E27FC236}">
-                <a16:creationId xmlns="" xmlns:a16="http://schemas.microsoft.com/office/drawing/2014/main" id="{5ADC00B6-990A-40DC-3CEA-505258F5E8DA}"/>
+                <a16:creationId xmlns:a16="http://schemas.microsoft.com/office/drawing/2014/main" id="{5ADC00B6-990A-40DC-3CEA-505258F5E8DA}"/>
               </a:ext>
             </a:extLst>
           </p:cNvPr>
@@ -7900,7 +7869,7 @@
           <a:lstStyle/>
           <a:p>
             <a:r>
-              <a:rPr lang="ko-KR" altLang="en-US" sz="4800" smtClean="0">
+              <a:rPr lang="ko-KR" altLang="en-US" sz="4800">
                 <a:solidFill>
                   <a:srgbClr val="4C50BC"/>
                 </a:solidFill>
@@ -7948,7 +7917,7 @@
           <p:cNvPr id="6" name="직선 화살표 연결선 5">
             <a:extLst>
               <a:ext uri="{FF2B5EF4-FFF2-40B4-BE49-F238E27FC236}">
-                <a16:creationId xmlns="" xmlns:a16="http://schemas.microsoft.com/office/drawing/2014/main" id="{299DF5EC-9DF4-5255-06AC-0A7CE4FF58C3}"/>
+                <a16:creationId xmlns:a16="http://schemas.microsoft.com/office/drawing/2014/main" id="{299DF5EC-9DF4-5255-06AC-0A7CE4FF58C3}"/>
               </a:ext>
             </a:extLst>
           </p:cNvPr>
@@ -7989,7 +7958,7 @@
           <p:cNvPr id="7" name="TextBox 6">
             <a:extLst>
               <a:ext uri="{FF2B5EF4-FFF2-40B4-BE49-F238E27FC236}">
-                <a16:creationId xmlns="" xmlns:a16="http://schemas.microsoft.com/office/drawing/2014/main" id="{C6D113C6-EA5C-788F-0C77-E7CE6EBB865F}"/>
+                <a16:creationId xmlns:a16="http://schemas.microsoft.com/office/drawing/2014/main" id="{C6D113C6-EA5C-788F-0C77-E7CE6EBB865F}"/>
               </a:ext>
             </a:extLst>
           </p:cNvPr>
@@ -8013,7 +7982,7 @@
           <a:lstStyle/>
           <a:p>
             <a:r>
-              <a:rPr lang="ko-KR" altLang="en-US" sz="4000" smtClean="0">
+              <a:rPr lang="ko-KR" altLang="en-US" sz="4000">
                 <a:solidFill>
                   <a:srgbClr val="FF0000"/>
                 </a:solidFill>
@@ -8345,7 +8314,7 @@
           <p:cNvPr id="11" name="TextBox 10">
             <a:extLst>
               <a:ext uri="{FF2B5EF4-FFF2-40B4-BE49-F238E27FC236}">
-                <a16:creationId xmlns="" xmlns:a16="http://schemas.microsoft.com/office/drawing/2014/main" id="{9F88F580-08BE-88C2-D640-13F0026591CB}"/>
+                <a16:creationId xmlns:a16="http://schemas.microsoft.com/office/drawing/2014/main" id="{9F88F580-08BE-88C2-D640-13F0026591CB}"/>
               </a:ext>
             </a:extLst>
           </p:cNvPr>
@@ -8369,7 +8338,7 @@
           <a:lstStyle/>
           <a:p>
             <a:r>
-              <a:rPr lang="en-US" altLang="ko-KR" sz="7200" smtClean="0">
+              <a:rPr lang="en-US" altLang="ko-KR" sz="7200">
                 <a:solidFill>
                   <a:srgbClr val="4C50BC"/>
                 </a:solidFill>
@@ -8379,7 +8348,7 @@
               <a:t>Part09 </a:t>
             </a:r>
             <a:r>
-              <a:rPr lang="ko-KR" altLang="en-US" sz="7200" smtClean="0">
+              <a:rPr lang="ko-KR" altLang="en-US" sz="7200">
                 <a:solidFill>
                   <a:srgbClr val="4C50BC"/>
                 </a:solidFill>
@@ -8389,7 +8358,7 @@
               <a:t>객체지향</a:t>
             </a:r>
             <a:r>
-              <a:rPr lang="en-US" altLang="ko-KR" sz="7200" smtClean="0">
+              <a:rPr lang="en-US" altLang="ko-KR" sz="7200">
                 <a:solidFill>
                   <a:srgbClr val="4C50BC"/>
                 </a:solidFill>
@@ -8413,7 +8382,7 @@
           <p:cNvPr id="13" name="TextBox 12">
             <a:extLst>
               <a:ext uri="{FF2B5EF4-FFF2-40B4-BE49-F238E27FC236}">
-                <a16:creationId xmlns="" xmlns:a16="http://schemas.microsoft.com/office/drawing/2014/main" id="{72769C28-9BB6-DE9C-7B6F-264B77B8DD0E}"/>
+                <a16:creationId xmlns:a16="http://schemas.microsoft.com/office/drawing/2014/main" id="{72769C28-9BB6-DE9C-7B6F-264B77B8DD0E}"/>
               </a:ext>
             </a:extLst>
           </p:cNvPr>
@@ -8437,7 +8406,7 @@
           <a:lstStyle/>
           <a:p>
             <a:r>
-              <a:rPr lang="ko-KR" altLang="en-US" sz="3200" smtClean="0">
+              <a:rPr lang="ko-KR" altLang="en-US" sz="3200">
                 <a:solidFill>
                   <a:srgbClr val="4D4848"/>
                 </a:solidFill>
@@ -8461,7 +8430,7 @@
           <p:cNvPr id="14" name="TextBox 13">
             <a:extLst>
               <a:ext uri="{FF2B5EF4-FFF2-40B4-BE49-F238E27FC236}">
-                <a16:creationId xmlns="" xmlns:a16="http://schemas.microsoft.com/office/drawing/2014/main" id="{270FBB6A-01CE-5637-78DA-58F0C974145C}"/>
+                <a16:creationId xmlns:a16="http://schemas.microsoft.com/office/drawing/2014/main" id="{270FBB6A-01CE-5637-78DA-58F0C974145C}"/>
               </a:ext>
             </a:extLst>
           </p:cNvPr>
@@ -8485,7 +8454,7 @@
           <a:lstStyle/>
           <a:p>
             <a:r>
-              <a:rPr lang="ko-KR" altLang="en-US" sz="3200" smtClean="0">
+              <a:rPr lang="ko-KR" altLang="en-US" sz="3200">
                 <a:solidFill>
                   <a:srgbClr val="4D4848"/>
                 </a:solidFill>
@@ -8509,7 +8478,7 @@
           <p:cNvPr id="2" name="Object 17">
             <a:extLst>
               <a:ext uri="{FF2B5EF4-FFF2-40B4-BE49-F238E27FC236}">
-                <a16:creationId xmlns="" xmlns:a16="http://schemas.microsoft.com/office/drawing/2014/main" id="{140B283D-FE58-FA6F-6F7C-E0F1DBB62A65}"/>
+                <a16:creationId xmlns:a16="http://schemas.microsoft.com/office/drawing/2014/main" id="{140B283D-FE58-FA6F-6F7C-E0F1DBB62A65}"/>
               </a:ext>
             </a:extLst>
           </p:cNvPr>
@@ -8539,7 +8508,7 @@
           <p:cNvPr id="4" name="TextBox 3">
             <a:extLst>
               <a:ext uri="{FF2B5EF4-FFF2-40B4-BE49-F238E27FC236}">
-                <a16:creationId xmlns="" xmlns:a16="http://schemas.microsoft.com/office/drawing/2014/main" id="{2C8D0998-79BC-6FD2-59D9-8052B4A25F65}"/>
+                <a16:creationId xmlns:a16="http://schemas.microsoft.com/office/drawing/2014/main" id="{2C8D0998-79BC-6FD2-59D9-8052B4A25F65}"/>
               </a:ext>
             </a:extLst>
           </p:cNvPr>
@@ -8563,7 +8532,7 @@
           <a:lstStyle/>
           <a:p>
             <a:r>
-              <a:rPr lang="en-US" altLang="ko-KR" sz="3200" smtClean="0">
+              <a:rPr lang="en-US" altLang="ko-KR" sz="3200">
                 <a:solidFill>
                   <a:srgbClr val="4D4848"/>
                 </a:solidFill>
@@ -8573,7 +8542,7 @@
               <a:t>super </a:t>
             </a:r>
             <a:r>
-              <a:rPr lang="ko-KR" altLang="en-US" sz="3200" smtClean="0">
+              <a:rPr lang="ko-KR" altLang="en-US" sz="3200">
                 <a:solidFill>
                   <a:srgbClr val="4D4848"/>
                 </a:solidFill>
@@ -8597,7 +8566,7 @@
           <p:cNvPr id="5" name="Object 18">
             <a:extLst>
               <a:ext uri="{FF2B5EF4-FFF2-40B4-BE49-F238E27FC236}">
-                <a16:creationId xmlns="" xmlns:a16="http://schemas.microsoft.com/office/drawing/2014/main" id="{3F58EA3E-1018-64D3-FAB2-4F6B9618FA56}"/>
+                <a16:creationId xmlns:a16="http://schemas.microsoft.com/office/drawing/2014/main" id="{3F58EA3E-1018-64D3-FAB2-4F6B9618FA56}"/>
               </a:ext>
             </a:extLst>
           </p:cNvPr>
@@ -8627,7 +8596,7 @@
           <p:cNvPr id="8" name="TextBox 7">
             <a:extLst>
               <a:ext uri="{FF2B5EF4-FFF2-40B4-BE49-F238E27FC236}">
-                <a16:creationId xmlns="" xmlns:a16="http://schemas.microsoft.com/office/drawing/2014/main" id="{681D3F16-7DCF-41AD-F5F1-0558C78C0E4D}"/>
+                <a16:creationId xmlns:a16="http://schemas.microsoft.com/office/drawing/2014/main" id="{681D3F16-7DCF-41AD-F5F1-0558C78C0E4D}"/>
               </a:ext>
             </a:extLst>
           </p:cNvPr>
@@ -8675,13 +8644,6 @@
   <p:clrMapOvr>
     <a:masterClrMapping/>
   </p:clrMapOvr>
-  <p:timing>
-    <p:tnLst>
-      <p:par>
-        <p:cTn id="1" dur="indefinite" restart="never" nodeType="tmRoot"/>
-      </p:par>
-    </p:tnLst>
-  </p:timing>
 </p:sld>
 </file>
 
@@ -8707,7 +8669,7 @@
           <p:cNvPr id="4" name="TextBox 3">
             <a:extLst>
               <a:ext uri="{FF2B5EF4-FFF2-40B4-BE49-F238E27FC236}">
-                <a16:creationId xmlns="" xmlns:a16="http://schemas.microsoft.com/office/drawing/2014/main" id="{5ADC00B6-990A-40DC-3CEA-505258F5E8DA}"/>
+                <a16:creationId xmlns:a16="http://schemas.microsoft.com/office/drawing/2014/main" id="{5ADC00B6-990A-40DC-3CEA-505258F5E8DA}"/>
               </a:ext>
             </a:extLst>
           </p:cNvPr>
@@ -8731,7 +8693,7 @@
           <a:lstStyle/>
           <a:p>
             <a:r>
-              <a:rPr lang="ko-KR" altLang="en-US" sz="4800" smtClean="0">
+              <a:rPr lang="ko-KR" altLang="en-US" sz="4800">
                 <a:solidFill>
                   <a:srgbClr val="4C50BC"/>
                 </a:solidFill>
@@ -8779,7 +8741,7 @@
           <p:cNvPr id="6" name="TextBox 5">
             <a:extLst>
               <a:ext uri="{FF2B5EF4-FFF2-40B4-BE49-F238E27FC236}">
-                <a16:creationId xmlns="" xmlns:a16="http://schemas.microsoft.com/office/drawing/2014/main" id="{C6D113C6-EA5C-788F-0C77-E7CE6EBB865F}"/>
+                <a16:creationId xmlns:a16="http://schemas.microsoft.com/office/drawing/2014/main" id="{C6D113C6-EA5C-788F-0C77-E7CE6EBB865F}"/>
               </a:ext>
             </a:extLst>
           </p:cNvPr>
@@ -8803,7 +8765,7 @@
           <a:lstStyle/>
           <a:p>
             <a:r>
-              <a:rPr lang="ko-KR" altLang="en-US" sz="4000" smtClean="0">
+              <a:rPr lang="ko-KR" altLang="en-US" sz="4000">
                 <a:solidFill>
                   <a:srgbClr val="FF0000"/>
                 </a:solidFill>
@@ -8813,7 +8775,7 @@
               <a:t>상속과 마찬가지로 멤버변수</a:t>
             </a:r>
             <a:r>
-              <a:rPr lang="en-US" altLang="ko-KR" sz="4000" smtClean="0">
+              <a:rPr lang="en-US" altLang="ko-KR" sz="4000">
                 <a:solidFill>
                   <a:srgbClr val="FF0000"/>
                 </a:solidFill>
@@ -8823,7 +8785,7 @@
               <a:t>, </a:t>
             </a:r>
             <a:r>
-              <a:rPr lang="ko-KR" altLang="en-US" sz="4000" smtClean="0">
+              <a:rPr lang="ko-KR" altLang="en-US" sz="4000">
                 <a:solidFill>
                   <a:srgbClr val="FF0000"/>
                 </a:solidFill>
@@ -8833,7 +8795,7 @@
               <a:t>메서드 들을 사용할수 있는데 똑같은거 아닌가</a:t>
             </a:r>
             <a:r>
-              <a:rPr lang="en-US" altLang="ko-KR" sz="4000" smtClean="0">
+              <a:rPr lang="en-US" altLang="ko-KR" sz="4000">
                 <a:solidFill>
                   <a:srgbClr val="FF0000"/>
                 </a:solidFill>
@@ -8886,13 +8848,6 @@
   <p:clrMapOvr>
     <a:masterClrMapping/>
   </p:clrMapOvr>
-  <p:timing>
-    <p:tnLst>
-      <p:par>
-        <p:cTn id="1" dur="indefinite" restart="never" nodeType="tmRoot"/>
-      </p:par>
-    </p:tnLst>
-  </p:timing>
 </p:sld>
 </file>
 
@@ -9293,7 +9248,7 @@
           <p:cNvPr id="104" name="TextBox 103">
             <a:extLst>
               <a:ext uri="{FF2B5EF4-FFF2-40B4-BE49-F238E27FC236}">
-                <a16:creationId xmlns="" xmlns:a16="http://schemas.microsoft.com/office/drawing/2014/main" id="{5ADC00B6-990A-40DC-3CEA-505258F5E8DA}"/>
+                <a16:creationId xmlns:a16="http://schemas.microsoft.com/office/drawing/2014/main" id="{5ADC00B6-990A-40DC-3CEA-505258F5E8DA}"/>
               </a:ext>
             </a:extLst>
           </p:cNvPr>
@@ -9317,7 +9272,7 @@
           <a:lstStyle/>
           <a:p>
             <a:r>
-              <a:rPr lang="en-US" altLang="ko-KR" sz="4800" smtClean="0">
+              <a:rPr lang="en-US" altLang="ko-KR" sz="4800">
                 <a:solidFill>
                   <a:srgbClr val="4C50BC"/>
                 </a:solidFill>
@@ -9341,7 +9296,7 @@
           <p:cNvPr id="105" name="TextBox 104">
             <a:extLst>
               <a:ext uri="{FF2B5EF4-FFF2-40B4-BE49-F238E27FC236}">
-                <a16:creationId xmlns="" xmlns:a16="http://schemas.microsoft.com/office/drawing/2014/main" id="{5ADC00B6-990A-40DC-3CEA-505258F5E8DA}"/>
+                <a16:creationId xmlns:a16="http://schemas.microsoft.com/office/drawing/2014/main" id="{5ADC00B6-990A-40DC-3CEA-505258F5E8DA}"/>
               </a:ext>
             </a:extLst>
           </p:cNvPr>
@@ -9365,7 +9320,7 @@
           <a:lstStyle/>
           <a:p>
             <a:r>
-              <a:rPr lang="en-US" altLang="ko-KR" sz="4800" smtClean="0">
+              <a:rPr lang="en-US" altLang="ko-KR" sz="4800">
                 <a:solidFill>
                   <a:srgbClr val="4C50BC"/>
                 </a:solidFill>
@@ -9389,7 +9344,7 @@
           <p:cNvPr id="106" name="TextBox 105">
             <a:extLst>
               <a:ext uri="{FF2B5EF4-FFF2-40B4-BE49-F238E27FC236}">
-                <a16:creationId xmlns="" xmlns:a16="http://schemas.microsoft.com/office/drawing/2014/main" id="{A2AD056B-97A4-5BCC-4460-250160F3E171}"/>
+                <a16:creationId xmlns:a16="http://schemas.microsoft.com/office/drawing/2014/main" id="{A2AD056B-97A4-5BCC-4460-250160F3E171}"/>
               </a:ext>
             </a:extLst>
           </p:cNvPr>
@@ -9413,7 +9368,7 @@
           <a:lstStyle/>
           <a:p>
             <a:r>
-              <a:rPr lang="ko-KR" altLang="en-US" sz="4000" smtClean="0">
+              <a:rPr lang="ko-KR" altLang="en-US" sz="4000">
                 <a:solidFill>
                   <a:schemeClr val="tx1">
                     <a:lumMod val="50000"/>
@@ -9426,7 +9381,7 @@
               <a:t>상속으로 표현한다</a:t>
             </a:r>
             <a:r>
-              <a:rPr lang="en-US" altLang="ko-KR" sz="4000" smtClean="0">
+              <a:rPr lang="en-US" altLang="ko-KR" sz="4000">
                 <a:solidFill>
                   <a:schemeClr val="tx1">
                     <a:lumMod val="50000"/>
@@ -9456,7 +9411,7 @@
           <p:cNvPr id="107" name="TextBox 106">
             <a:extLst>
               <a:ext uri="{FF2B5EF4-FFF2-40B4-BE49-F238E27FC236}">
-                <a16:creationId xmlns="" xmlns:a16="http://schemas.microsoft.com/office/drawing/2014/main" id="{A2AD056B-97A4-5BCC-4460-250160F3E171}"/>
+                <a16:creationId xmlns:a16="http://schemas.microsoft.com/office/drawing/2014/main" id="{A2AD056B-97A4-5BCC-4460-250160F3E171}"/>
               </a:ext>
             </a:extLst>
           </p:cNvPr>
@@ -9480,7 +9435,7 @@
           <a:lstStyle/>
           <a:p>
             <a:r>
-              <a:rPr lang="ko-KR" altLang="en-US" sz="4000" smtClean="0">
+              <a:rPr lang="ko-KR" altLang="en-US" sz="4000">
                 <a:solidFill>
                   <a:schemeClr val="tx1">
                     <a:lumMod val="50000"/>
@@ -9493,7 +9448,7 @@
               <a:t>같은 범주에 속한다</a:t>
             </a:r>
             <a:r>
-              <a:rPr lang="en-US" altLang="ko-KR" sz="4000" smtClean="0">
+              <a:rPr lang="en-US" altLang="ko-KR" sz="4000">
                 <a:solidFill>
                   <a:schemeClr val="tx1">
                     <a:lumMod val="50000"/>
@@ -9523,7 +9478,7 @@
           <p:cNvPr id="108" name="TextBox 107">
             <a:extLst>
               <a:ext uri="{FF2B5EF4-FFF2-40B4-BE49-F238E27FC236}">
-                <a16:creationId xmlns="" xmlns:a16="http://schemas.microsoft.com/office/drawing/2014/main" id="{A2AD056B-97A4-5BCC-4460-250160F3E171}"/>
+                <a16:creationId xmlns:a16="http://schemas.microsoft.com/office/drawing/2014/main" id="{A2AD056B-97A4-5BCC-4460-250160F3E171}"/>
               </a:ext>
             </a:extLst>
           </p:cNvPr>
@@ -9547,7 +9502,7 @@
           <a:lstStyle/>
           <a:p>
             <a:r>
-              <a:rPr lang="ko-KR" altLang="en-US" sz="4000" smtClean="0">
+              <a:rPr lang="ko-KR" altLang="en-US" sz="4000">
                 <a:solidFill>
                   <a:schemeClr val="tx1">
                     <a:lumMod val="50000"/>
@@ -9560,7 +9515,7 @@
               <a:t>차</a:t>
             </a:r>
             <a:r>
-              <a:rPr lang="en-US" altLang="ko-KR" sz="4000" smtClean="0">
+              <a:rPr lang="en-US" altLang="ko-KR" sz="4000">
                 <a:solidFill>
                   <a:schemeClr val="tx1">
                     <a:lumMod val="50000"/>
@@ -9573,7 +9528,7 @@
               <a:t>, </a:t>
             </a:r>
             <a:r>
-              <a:rPr lang="ko-KR" altLang="en-US" sz="4000" smtClean="0">
+              <a:rPr lang="ko-KR" altLang="en-US" sz="4000">
                 <a:solidFill>
                   <a:schemeClr val="tx1">
                     <a:lumMod val="50000"/>
@@ -9603,7 +9558,7 @@
           <p:cNvPr id="109" name="TextBox 108">
             <a:extLst>
               <a:ext uri="{FF2B5EF4-FFF2-40B4-BE49-F238E27FC236}">
-                <a16:creationId xmlns="" xmlns:a16="http://schemas.microsoft.com/office/drawing/2014/main" id="{A2AD056B-97A4-5BCC-4460-250160F3E171}"/>
+                <a16:creationId xmlns:a16="http://schemas.microsoft.com/office/drawing/2014/main" id="{A2AD056B-97A4-5BCC-4460-250160F3E171}"/>
               </a:ext>
             </a:extLst>
           </p:cNvPr>
@@ -9627,7 +9582,7 @@
           <a:lstStyle/>
           <a:p>
             <a:r>
-              <a:rPr lang="ko-KR" altLang="en-US" sz="4000" smtClean="0">
+              <a:rPr lang="ko-KR" altLang="en-US" sz="4000">
                 <a:solidFill>
                   <a:schemeClr val="tx1">
                     <a:lumMod val="50000"/>
@@ -9640,7 +9595,7 @@
               <a:t>멤버변수로 표현한다</a:t>
             </a:r>
             <a:r>
-              <a:rPr lang="en-US" altLang="ko-KR" sz="4000" smtClean="0">
+              <a:rPr lang="en-US" altLang="ko-KR" sz="4000">
                 <a:solidFill>
                   <a:schemeClr val="tx1">
                     <a:lumMod val="50000"/>
@@ -9670,7 +9625,7 @@
           <p:cNvPr id="110" name="TextBox 109">
             <a:extLst>
               <a:ext uri="{FF2B5EF4-FFF2-40B4-BE49-F238E27FC236}">
-                <a16:creationId xmlns="" xmlns:a16="http://schemas.microsoft.com/office/drawing/2014/main" id="{A2AD056B-97A4-5BCC-4460-250160F3E171}"/>
+                <a16:creationId xmlns:a16="http://schemas.microsoft.com/office/drawing/2014/main" id="{A2AD056B-97A4-5BCC-4460-250160F3E171}"/>
               </a:ext>
             </a:extLst>
           </p:cNvPr>
@@ -9694,7 +9649,7 @@
           <a:lstStyle/>
           <a:p>
             <a:r>
-              <a:rPr lang="ko-KR" altLang="en-US" sz="4000" smtClean="0">
+              <a:rPr lang="ko-KR" altLang="en-US" sz="4000">
                 <a:solidFill>
                   <a:schemeClr val="tx1">
                     <a:lumMod val="50000"/>
@@ -9724,7 +9679,7 @@
           <p:cNvPr id="111" name="TextBox 110">
             <a:extLst>
               <a:ext uri="{FF2B5EF4-FFF2-40B4-BE49-F238E27FC236}">
-                <a16:creationId xmlns="" xmlns:a16="http://schemas.microsoft.com/office/drawing/2014/main" id="{A2AD056B-97A4-5BCC-4460-250160F3E171}"/>
+                <a16:creationId xmlns:a16="http://schemas.microsoft.com/office/drawing/2014/main" id="{A2AD056B-97A4-5BCC-4460-250160F3E171}"/>
               </a:ext>
             </a:extLst>
           </p:cNvPr>
@@ -9748,7 +9703,7 @@
           <a:lstStyle/>
           <a:p>
             <a:r>
-              <a:rPr lang="ko-KR" altLang="en-US" sz="4000" smtClean="0">
+              <a:rPr lang="ko-KR" altLang="en-US" sz="4000">
                 <a:solidFill>
                   <a:schemeClr val="tx1">
                     <a:lumMod val="50000"/>
@@ -9761,7 +9716,7 @@
               <a:t>차</a:t>
             </a:r>
             <a:r>
-              <a:rPr lang="en-US" altLang="ko-KR" sz="4000" smtClean="0">
+              <a:rPr lang="en-US" altLang="ko-KR" sz="4000">
                 <a:solidFill>
                   <a:schemeClr val="tx1">
                     <a:lumMod val="50000"/>
@@ -9774,7 +9729,7 @@
               <a:t>, </a:t>
             </a:r>
             <a:r>
-              <a:rPr lang="ko-KR" altLang="en-US" sz="4000" smtClean="0">
+              <a:rPr lang="ko-KR" altLang="en-US" sz="4000">
                 <a:solidFill>
                   <a:schemeClr val="tx1">
                     <a:lumMod val="50000"/>
@@ -9787,7 +9742,7 @@
               <a:t>핸들</a:t>
             </a:r>
             <a:r>
-              <a:rPr lang="en-US" altLang="ko-KR" sz="4000" smtClean="0">
+              <a:rPr lang="en-US" altLang="ko-KR" sz="4000">
                 <a:solidFill>
                   <a:schemeClr val="tx1">
                     <a:lumMod val="50000"/>
@@ -9800,7 +9755,7 @@
               <a:t>,</a:t>
             </a:r>
             <a:r>
-              <a:rPr lang="ko-KR" altLang="en-US" sz="4000" smtClean="0">
+              <a:rPr lang="ko-KR" altLang="en-US" sz="4000">
                 <a:solidFill>
                   <a:schemeClr val="tx1">
                     <a:lumMod val="50000"/>
@@ -9835,13 +9790,6 @@
   <p:clrMapOvr>
     <a:masterClrMapping/>
   </p:clrMapOvr>
-  <p:timing>
-    <p:tnLst>
-      <p:par>
-        <p:cTn id="1" dur="indefinite" restart="never" nodeType="tmRoot"/>
-      </p:par>
-    </p:tnLst>
-  </p:timing>
 </p:sld>
 </file>
 
@@ -9867,7 +9815,7 @@
           <p:cNvPr id="4" name="TextBox 3">
             <a:extLst>
               <a:ext uri="{FF2B5EF4-FFF2-40B4-BE49-F238E27FC236}">
-                <a16:creationId xmlns="" xmlns:a16="http://schemas.microsoft.com/office/drawing/2014/main" id="{5ADC00B6-990A-40DC-3CEA-505258F5E8DA}"/>
+                <a16:creationId xmlns:a16="http://schemas.microsoft.com/office/drawing/2014/main" id="{5ADC00B6-990A-40DC-3CEA-505258F5E8DA}"/>
               </a:ext>
             </a:extLst>
           </p:cNvPr>
@@ -9891,7 +9839,7 @@
           <a:lstStyle/>
           <a:p>
             <a:r>
-              <a:rPr lang="ko-KR" altLang="en-US" sz="4800" smtClean="0">
+              <a:rPr lang="ko-KR" altLang="en-US" sz="4800">
                 <a:solidFill>
                   <a:srgbClr val="4C50BC"/>
                 </a:solidFill>
@@ -9901,7 +9849,7 @@
               <a:t>실습문제</a:t>
             </a:r>
             <a:r>
-              <a:rPr lang="en-US" altLang="ko-KR" sz="4800" smtClean="0">
+              <a:rPr lang="en-US" altLang="ko-KR" sz="4800">
                 <a:solidFill>
                   <a:srgbClr val="4C50BC"/>
                 </a:solidFill>
@@ -9920,6 +9868,2200 @@
           </a:p>
         </p:txBody>
       </p:sp>
+      <p:sp>
+        <p:nvSpPr>
+          <p:cNvPr id="2" name="TextBox 1">
+            <a:extLst>
+              <a:ext uri="{FF2B5EF4-FFF2-40B4-BE49-F238E27FC236}">
+                <a16:creationId xmlns:a16="http://schemas.microsoft.com/office/drawing/2014/main" id="{4466AA1F-9098-4B5C-E98B-FF40B15DCDE3}"/>
+              </a:ext>
+            </a:extLst>
+          </p:cNvPr>
+          <p:cNvSpPr txBox="1"/>
+          <p:nvPr/>
+        </p:nvSpPr>
+        <p:spPr>
+          <a:xfrm>
+            <a:off x="1128486" y="1181100"/>
+            <a:ext cx="13578114" cy="1323439"/>
+          </a:xfrm>
+          <a:prstGeom prst="rect">
+            <a:avLst/>
+          </a:prstGeom>
+          <a:noFill/>
+        </p:spPr>
+        <p:txBody>
+          <a:bodyPr wrap="square" rtlCol="0">
+            <a:spAutoFit/>
+          </a:bodyPr>
+          <a:lstStyle/>
+          <a:p>
+            <a:pPr marL="742950" indent="-742950">
+              <a:buAutoNum type="arabicPeriod"/>
+            </a:pPr>
+            <a:r>
+              <a:rPr lang="en-US" altLang="ko-KR" sz="4000" dirty="0">
+                <a:solidFill>
+                  <a:schemeClr val="tx1">
+                    <a:lumMod val="50000"/>
+                    <a:lumOff val="50000"/>
+                  </a:schemeClr>
+                </a:solidFill>
+                <a:latin typeface="G마켓 산스 Medium" panose="02000000000000000000" pitchFamily="50" charset="-127"/>
+                <a:ea typeface="G마켓 산스 Medium" panose="02000000000000000000" pitchFamily="50" charset="-127"/>
+              </a:rPr>
+              <a:t>Car, </a:t>
+            </a:r>
+            <a:r>
+              <a:rPr lang="en-US" altLang="ko-KR" sz="4000" dirty="0" err="1">
+                <a:solidFill>
+                  <a:schemeClr val="tx1">
+                    <a:lumMod val="50000"/>
+                    <a:lumOff val="50000"/>
+                  </a:schemeClr>
+                </a:solidFill>
+                <a:latin typeface="G마켓 산스 Medium" panose="02000000000000000000" pitchFamily="50" charset="-127"/>
+                <a:ea typeface="G마켓 산스 Medium" panose="02000000000000000000" pitchFamily="50" charset="-127"/>
+              </a:rPr>
+              <a:t>OilCar</a:t>
+            </a:r>
+            <a:r>
+              <a:rPr lang="en-US" altLang="ko-KR" sz="4000" dirty="0">
+                <a:solidFill>
+                  <a:schemeClr val="tx1">
+                    <a:lumMod val="50000"/>
+                    <a:lumOff val="50000"/>
+                  </a:schemeClr>
+                </a:solidFill>
+                <a:latin typeface="G마켓 산스 Medium" panose="02000000000000000000" pitchFamily="50" charset="-127"/>
+                <a:ea typeface="G마켓 산스 Medium" panose="02000000000000000000" pitchFamily="50" charset="-127"/>
+              </a:rPr>
+              <a:t> </a:t>
+            </a:r>
+            <a:r>
+              <a:rPr lang="ko-KR" altLang="en-US" sz="4000" dirty="0">
+                <a:solidFill>
+                  <a:schemeClr val="tx1">
+                    <a:lumMod val="50000"/>
+                    <a:lumOff val="50000"/>
+                  </a:schemeClr>
+                </a:solidFill>
+                <a:latin typeface="G마켓 산스 Medium" panose="02000000000000000000" pitchFamily="50" charset="-127"/>
+                <a:ea typeface="G마켓 산스 Medium" panose="02000000000000000000" pitchFamily="50" charset="-127"/>
+              </a:rPr>
+              <a:t>클래스를 만들어 상속관계를 만들어 보자</a:t>
+            </a:r>
+            <a:r>
+              <a:rPr lang="en-US" altLang="ko-KR" sz="4000" dirty="0">
+                <a:solidFill>
+                  <a:schemeClr val="tx1">
+                    <a:lumMod val="50000"/>
+                    <a:lumOff val="50000"/>
+                  </a:schemeClr>
+                </a:solidFill>
+                <a:latin typeface="G마켓 산스 Medium" panose="02000000000000000000" pitchFamily="50" charset="-127"/>
+                <a:ea typeface="G마켓 산스 Medium" panose="02000000000000000000" pitchFamily="50" charset="-127"/>
+              </a:rPr>
+              <a:t>.</a:t>
+            </a:r>
+          </a:p>
+          <a:p>
+            <a:r>
+              <a:rPr lang="en-US" altLang="ko-KR" sz="4000" dirty="0">
+                <a:solidFill>
+                  <a:schemeClr val="tx1">
+                    <a:lumMod val="50000"/>
+                    <a:lumOff val="50000"/>
+                  </a:schemeClr>
+                </a:solidFill>
+                <a:latin typeface="G마켓 산스 Medium" panose="02000000000000000000" pitchFamily="50" charset="-127"/>
+                <a:ea typeface="G마켓 산스 Medium" panose="02000000000000000000" pitchFamily="50" charset="-127"/>
+              </a:rPr>
+              <a:t>     </a:t>
+            </a:r>
+            <a:r>
+              <a:rPr lang="en-US" altLang="ko-KR" sz="3600" dirty="0" err="1">
+                <a:solidFill>
+                  <a:schemeClr val="tx1">
+                    <a:lumMod val="50000"/>
+                    <a:lumOff val="50000"/>
+                  </a:schemeClr>
+                </a:solidFill>
+                <a:latin typeface="G마켓 산스 Medium" panose="02000000000000000000" pitchFamily="50" charset="-127"/>
+                <a:ea typeface="G마켓 산스 Medium" panose="02000000000000000000" pitchFamily="50" charset="-127"/>
+              </a:rPr>
+              <a:t>OilCar</a:t>
+            </a:r>
+            <a:r>
+              <a:rPr lang="ko-KR" altLang="en-US" sz="3600" dirty="0">
+                <a:solidFill>
+                  <a:schemeClr val="tx1">
+                    <a:lumMod val="50000"/>
+                    <a:lumOff val="50000"/>
+                  </a:schemeClr>
+                </a:solidFill>
+                <a:latin typeface="G마켓 산스 Medium" panose="02000000000000000000" pitchFamily="50" charset="-127"/>
+                <a:ea typeface="G마켓 산스 Medium" panose="02000000000000000000" pitchFamily="50" charset="-127"/>
+              </a:rPr>
+              <a:t>는 </a:t>
+            </a:r>
+            <a:r>
+              <a:rPr lang="ko-KR" altLang="en-US" sz="3600" dirty="0" err="1">
+                <a:solidFill>
+                  <a:schemeClr val="tx1">
+                    <a:lumMod val="50000"/>
+                    <a:lumOff val="50000"/>
+                  </a:schemeClr>
+                </a:solidFill>
+                <a:latin typeface="G마켓 산스 Medium" panose="02000000000000000000" pitchFamily="50" charset="-127"/>
+                <a:ea typeface="G마켓 산스 Medium" panose="02000000000000000000" pitchFamily="50" charset="-127"/>
+              </a:rPr>
+              <a:t>기름량을</a:t>
+            </a:r>
+            <a:r>
+              <a:rPr lang="ko-KR" altLang="en-US" sz="3600" dirty="0">
+                <a:solidFill>
+                  <a:schemeClr val="tx1">
+                    <a:lumMod val="50000"/>
+                    <a:lumOff val="50000"/>
+                  </a:schemeClr>
+                </a:solidFill>
+                <a:latin typeface="G마켓 산스 Medium" panose="02000000000000000000" pitchFamily="50" charset="-127"/>
+                <a:ea typeface="G마켓 산스 Medium" panose="02000000000000000000" pitchFamily="50" charset="-127"/>
+              </a:rPr>
+              <a:t> 저장 </a:t>
+            </a:r>
+            <a:r>
+              <a:rPr lang="ko-KR" altLang="en-US" sz="3600" dirty="0" err="1">
+                <a:solidFill>
+                  <a:schemeClr val="tx1">
+                    <a:lumMod val="50000"/>
+                    <a:lumOff val="50000"/>
+                  </a:schemeClr>
+                </a:solidFill>
+                <a:latin typeface="G마켓 산스 Medium" panose="02000000000000000000" pitchFamily="50" charset="-127"/>
+                <a:ea typeface="G마켓 산스 Medium" panose="02000000000000000000" pitchFamily="50" charset="-127"/>
+              </a:rPr>
+              <a:t>할수</a:t>
+            </a:r>
+            <a:r>
+              <a:rPr lang="ko-KR" altLang="en-US" sz="3600" dirty="0">
+                <a:solidFill>
+                  <a:schemeClr val="tx1">
+                    <a:lumMod val="50000"/>
+                    <a:lumOff val="50000"/>
+                  </a:schemeClr>
+                </a:solidFill>
+                <a:latin typeface="G마켓 산스 Medium" panose="02000000000000000000" pitchFamily="50" charset="-127"/>
+                <a:ea typeface="G마켓 산스 Medium" panose="02000000000000000000" pitchFamily="50" charset="-127"/>
+              </a:rPr>
+              <a:t> 있어야 한다</a:t>
+            </a:r>
+            <a:r>
+              <a:rPr lang="en-US" altLang="ko-KR" sz="3600" dirty="0">
+                <a:solidFill>
+                  <a:schemeClr val="tx1">
+                    <a:lumMod val="50000"/>
+                    <a:lumOff val="50000"/>
+                  </a:schemeClr>
+                </a:solidFill>
+                <a:latin typeface="G마켓 산스 Medium" panose="02000000000000000000" pitchFamily="50" charset="-127"/>
+                <a:ea typeface="G마켓 산스 Medium" panose="02000000000000000000" pitchFamily="50" charset="-127"/>
+              </a:rPr>
+              <a:t>.</a:t>
+            </a:r>
+            <a:r>
+              <a:rPr lang="ko-KR" altLang="en-US" sz="3600" dirty="0">
+                <a:solidFill>
+                  <a:schemeClr val="tx1">
+                    <a:lumMod val="50000"/>
+                    <a:lumOff val="50000"/>
+                  </a:schemeClr>
+                </a:solidFill>
+                <a:latin typeface="G마켓 산스 Medium" panose="02000000000000000000" pitchFamily="50" charset="-127"/>
+                <a:ea typeface="G마켓 산스 Medium" panose="02000000000000000000" pitchFamily="50" charset="-127"/>
+              </a:rPr>
+              <a:t>  </a:t>
+            </a:r>
+            <a:endParaRPr lang="en-US" altLang="ko-KR" sz="3600" dirty="0">
+              <a:solidFill>
+                <a:schemeClr val="tx1">
+                  <a:lumMod val="50000"/>
+                  <a:lumOff val="50000"/>
+                </a:schemeClr>
+              </a:solidFill>
+              <a:latin typeface="G마켓 산스 Medium" panose="02000000000000000000" pitchFamily="50" charset="-127"/>
+              <a:ea typeface="G마켓 산스 Medium" panose="02000000000000000000" pitchFamily="50" charset="-127"/>
+            </a:endParaRPr>
+          </a:p>
+        </p:txBody>
+      </p:sp>
+      <p:graphicFrame>
+        <p:nvGraphicFramePr>
+          <p:cNvPr id="3" name="표 2">
+            <a:extLst>
+              <a:ext uri="{FF2B5EF4-FFF2-40B4-BE49-F238E27FC236}">
+                <a16:creationId xmlns:a16="http://schemas.microsoft.com/office/drawing/2014/main" id="{0C0DF24C-8313-95BE-E53E-12FD7E109C24}"/>
+              </a:ext>
+            </a:extLst>
+          </p:cNvPr>
+          <p:cNvGraphicFramePr>
+            <a:graphicFrameLocks noGrp="1"/>
+          </p:cNvGraphicFramePr>
+          <p:nvPr>
+            <p:extLst>
+              <p:ext uri="{D42A27DB-BD31-4B8C-83A1-F6EECF244321}">
+                <p14:modId xmlns:p14="http://schemas.microsoft.com/office/powerpoint/2010/main" val="2295739593"/>
+              </p:ext>
+            </p:extLst>
+          </p:nvPr>
+        </p:nvGraphicFramePr>
+        <p:xfrm>
+          <a:off x="11963400" y="1943100"/>
+          <a:ext cx="6172200" cy="2042160"/>
+        </p:xfrm>
+        <a:graphic>
+          <a:graphicData uri="http://schemas.openxmlformats.org/drawingml/2006/table">
+            <a:tbl>
+              <a:tblPr firstRow="1" bandRow="1">
+                <a:tableStyleId>{5C22544A-7EE6-4342-B048-85BDC9FD1C3A}</a:tableStyleId>
+              </a:tblPr>
+              <a:tblGrid>
+                <a:gridCol w="1371600">
+                  <a:extLst>
+                    <a:ext uri="{9D8B030D-6E8A-4147-A177-3AD203B41FA5}">
+                      <a16:colId xmlns:a16="http://schemas.microsoft.com/office/drawing/2014/main" val="1278239369"/>
+                    </a:ext>
+                  </a:extLst>
+                </a:gridCol>
+                <a:gridCol w="1981200">
+                  <a:extLst>
+                    <a:ext uri="{9D8B030D-6E8A-4147-A177-3AD203B41FA5}">
+                      <a16:colId xmlns:a16="http://schemas.microsoft.com/office/drawing/2014/main" val="1054292436"/>
+                    </a:ext>
+                  </a:extLst>
+                </a:gridCol>
+                <a:gridCol w="2819400">
+                  <a:extLst>
+                    <a:ext uri="{9D8B030D-6E8A-4147-A177-3AD203B41FA5}">
+                      <a16:colId xmlns:a16="http://schemas.microsoft.com/office/drawing/2014/main" val="225730716"/>
+                    </a:ext>
+                  </a:extLst>
+                </a:gridCol>
+              </a:tblGrid>
+              <a:tr h="370840">
+                <a:tc>
+                  <a:txBody>
+                    <a:bodyPr/>
+                    <a:lstStyle/>
+                    <a:p>
+                      <a:pPr latinLnBrk="1"/>
+                      <a:r>
+                        <a:rPr lang="ko-KR" altLang="en-US" sz="2200" dirty="0">
+                          <a:solidFill>
+                            <a:schemeClr val="bg1"/>
+                          </a:solidFill>
+                          <a:ea typeface="G마켓 산스 Medium" panose="02000000000000000000"/>
+                        </a:rPr>
+                        <a:t>클래스명</a:t>
+                      </a:r>
+                    </a:p>
+                  </a:txBody>
+                  <a:tcPr>
+                    <a:lnL w="12700" cap="flat" cmpd="sng" algn="ctr">
+                      <a:solidFill>
+                        <a:schemeClr val="tx1"/>
+                      </a:solidFill>
+                      <a:prstDash val="solid"/>
+                      <a:round/>
+                      <a:headEnd type="none" w="med" len="med"/>
+                      <a:tailEnd type="none" w="med" len="med"/>
+                    </a:lnL>
+                    <a:lnR w="12700" cap="flat" cmpd="sng" algn="ctr">
+                      <a:solidFill>
+                        <a:schemeClr val="tx1"/>
+                      </a:solidFill>
+                      <a:prstDash val="solid"/>
+                      <a:round/>
+                      <a:headEnd type="none" w="med" len="med"/>
+                      <a:tailEnd type="none" w="med" len="med"/>
+                    </a:lnR>
+                    <a:lnT w="12700" cap="flat" cmpd="sng" algn="ctr">
+                      <a:solidFill>
+                        <a:schemeClr val="tx1"/>
+                      </a:solidFill>
+                      <a:prstDash val="solid"/>
+                      <a:round/>
+                      <a:headEnd type="none" w="med" len="med"/>
+                      <a:tailEnd type="none" w="med" len="med"/>
+                    </a:lnT>
+                    <a:lnB w="12700" cap="flat" cmpd="sng" algn="ctr">
+                      <a:solidFill>
+                        <a:schemeClr val="tx1"/>
+                      </a:solidFill>
+                      <a:prstDash val="solid"/>
+                      <a:round/>
+                      <a:headEnd type="none" w="med" len="med"/>
+                      <a:tailEnd type="none" w="med" len="med"/>
+                    </a:lnB>
+                    <a:solidFill>
+                      <a:srgbClr val="4C50BC"/>
+                    </a:solidFill>
+                  </a:tcPr>
+                </a:tc>
+                <a:tc>
+                  <a:txBody>
+                    <a:bodyPr/>
+                    <a:lstStyle/>
+                    <a:p>
+                      <a:pPr latinLnBrk="1"/>
+                      <a:r>
+                        <a:rPr lang="en-US" altLang="ko-KR" sz="2200" dirty="0">
+                          <a:solidFill>
+                            <a:schemeClr val="bg1"/>
+                          </a:solidFill>
+                          <a:ea typeface="G마켓 산스 Medium" panose="02000000000000000000"/>
+                        </a:rPr>
+                        <a:t>Car</a:t>
+                      </a:r>
+                      <a:endParaRPr lang="ko-KR" altLang="en-US" sz="2200" dirty="0">
+                        <a:solidFill>
+                          <a:schemeClr val="bg1"/>
+                        </a:solidFill>
+                        <a:ea typeface="G마켓 산스 Medium" panose="02000000000000000000"/>
+                      </a:endParaRPr>
+                    </a:p>
+                  </a:txBody>
+                  <a:tcPr>
+                    <a:lnL w="12700" cap="flat" cmpd="sng" algn="ctr">
+                      <a:solidFill>
+                        <a:schemeClr val="tx1"/>
+                      </a:solidFill>
+                      <a:prstDash val="solid"/>
+                      <a:round/>
+                      <a:headEnd type="none" w="med" len="med"/>
+                      <a:tailEnd type="none" w="med" len="med"/>
+                    </a:lnL>
+                    <a:lnR w="12700" cap="flat" cmpd="sng" algn="ctr">
+                      <a:solidFill>
+                        <a:schemeClr val="tx1"/>
+                      </a:solidFill>
+                      <a:prstDash val="solid"/>
+                      <a:round/>
+                      <a:headEnd type="none" w="med" len="med"/>
+                      <a:tailEnd type="none" w="med" len="med"/>
+                    </a:lnR>
+                    <a:lnT w="12700" cap="flat" cmpd="sng" algn="ctr">
+                      <a:solidFill>
+                        <a:schemeClr val="tx1"/>
+                      </a:solidFill>
+                      <a:prstDash val="solid"/>
+                      <a:round/>
+                      <a:headEnd type="none" w="med" len="med"/>
+                      <a:tailEnd type="none" w="med" len="med"/>
+                    </a:lnT>
+                    <a:lnB w="12700" cap="flat" cmpd="sng" algn="ctr">
+                      <a:solidFill>
+                        <a:schemeClr val="tx1"/>
+                      </a:solidFill>
+                      <a:prstDash val="solid"/>
+                      <a:round/>
+                      <a:headEnd type="none" w="med" len="med"/>
+                      <a:tailEnd type="none" w="med" len="med"/>
+                    </a:lnB>
+                    <a:solidFill>
+                      <a:srgbClr val="4C50BC"/>
+                    </a:solidFill>
+                  </a:tcPr>
+                </a:tc>
+                <a:tc>
+                  <a:txBody>
+                    <a:bodyPr/>
+                    <a:lstStyle/>
+                    <a:p>
+                      <a:pPr latinLnBrk="1"/>
+                      <a:endParaRPr lang="ko-KR" altLang="en-US" sz="2000" dirty="0">
+                        <a:solidFill>
+                          <a:schemeClr val="bg1"/>
+                        </a:solidFill>
+                        <a:ea typeface="G마켓 산스 Medium" panose="02000000000000000000"/>
+                      </a:endParaRPr>
+                    </a:p>
+                  </a:txBody>
+                  <a:tcPr>
+                    <a:lnL w="12700" cap="flat" cmpd="sng" algn="ctr">
+                      <a:solidFill>
+                        <a:schemeClr val="tx1"/>
+                      </a:solidFill>
+                      <a:prstDash val="solid"/>
+                      <a:round/>
+                      <a:headEnd type="none" w="med" len="med"/>
+                      <a:tailEnd type="none" w="med" len="med"/>
+                    </a:lnL>
+                    <a:lnR w="12700" cap="flat" cmpd="sng" algn="ctr">
+                      <a:solidFill>
+                        <a:schemeClr val="tx1"/>
+                      </a:solidFill>
+                      <a:prstDash val="solid"/>
+                      <a:round/>
+                      <a:headEnd type="none" w="med" len="med"/>
+                      <a:tailEnd type="none" w="med" len="med"/>
+                    </a:lnR>
+                    <a:lnT w="12700" cap="flat" cmpd="sng" algn="ctr">
+                      <a:solidFill>
+                        <a:schemeClr val="tx1"/>
+                      </a:solidFill>
+                      <a:prstDash val="solid"/>
+                      <a:round/>
+                      <a:headEnd type="none" w="med" len="med"/>
+                      <a:tailEnd type="none" w="med" len="med"/>
+                    </a:lnT>
+                    <a:lnB w="12700" cap="flat" cmpd="sng" algn="ctr">
+                      <a:solidFill>
+                        <a:schemeClr val="tx1"/>
+                      </a:solidFill>
+                      <a:prstDash val="solid"/>
+                      <a:round/>
+                      <a:headEnd type="none" w="med" len="med"/>
+                      <a:tailEnd type="none" w="med" len="med"/>
+                    </a:lnB>
+                    <a:solidFill>
+                      <a:srgbClr val="4C50BC"/>
+                    </a:solidFill>
+                  </a:tcPr>
+                </a:tc>
+                <a:extLst>
+                  <a:ext uri="{0D108BD9-81ED-4DB2-BD59-A6C34878D82A}">
+                    <a16:rowId xmlns:a16="http://schemas.microsoft.com/office/drawing/2014/main" val="2654211035"/>
+                  </a:ext>
+                </a:extLst>
+              </a:tr>
+              <a:tr h="370840">
+                <a:tc>
+                  <a:txBody>
+                    <a:bodyPr/>
+                    <a:lstStyle/>
+                    <a:p>
+                      <a:pPr latinLnBrk="1"/>
+                      <a:r>
+                        <a:rPr lang="ko-KR" altLang="en-US" sz="2200" dirty="0">
+                          <a:ea typeface="G마켓 산스 Medium" panose="02000000000000000000"/>
+                        </a:rPr>
+                        <a:t>멤버변수</a:t>
+                      </a:r>
+                    </a:p>
+                  </a:txBody>
+                  <a:tcPr>
+                    <a:lnL w="12700" cap="flat" cmpd="sng" algn="ctr">
+                      <a:solidFill>
+                        <a:schemeClr val="tx1"/>
+                      </a:solidFill>
+                      <a:prstDash val="solid"/>
+                      <a:round/>
+                      <a:headEnd type="none" w="med" len="med"/>
+                      <a:tailEnd type="none" w="med" len="med"/>
+                    </a:lnL>
+                    <a:lnR w="12700" cap="flat" cmpd="sng" algn="ctr">
+                      <a:solidFill>
+                        <a:schemeClr val="tx1"/>
+                      </a:solidFill>
+                      <a:prstDash val="solid"/>
+                      <a:round/>
+                      <a:headEnd type="none" w="med" len="med"/>
+                      <a:tailEnd type="none" w="med" len="med"/>
+                    </a:lnR>
+                    <a:lnT w="12700" cap="flat" cmpd="sng" algn="ctr">
+                      <a:solidFill>
+                        <a:schemeClr val="tx1"/>
+                      </a:solidFill>
+                      <a:prstDash val="solid"/>
+                      <a:round/>
+                      <a:headEnd type="none" w="med" len="med"/>
+                      <a:tailEnd type="none" w="med" len="med"/>
+                    </a:lnT>
+                    <a:lnB w="12700" cap="flat" cmpd="sng" algn="ctr">
+                      <a:solidFill>
+                        <a:schemeClr val="tx1"/>
+                      </a:solidFill>
+                      <a:prstDash val="solid"/>
+                      <a:round/>
+                      <a:headEnd type="none" w="med" len="med"/>
+                      <a:tailEnd type="none" w="med" len="med"/>
+                    </a:lnB>
+                    <a:noFill/>
+                  </a:tcPr>
+                </a:tc>
+                <a:tc>
+                  <a:txBody>
+                    <a:bodyPr/>
+                    <a:lstStyle/>
+                    <a:p>
+                      <a:pPr marL="0" marR="0" lvl="0" indent="0" algn="l" defTabSz="914400" rtl="0" eaLnBrk="1" fontAlgn="auto" latinLnBrk="1" hangingPunct="1">
+                        <a:lnSpc>
+                          <a:spcPct val="100000"/>
+                        </a:lnSpc>
+                        <a:spcBef>
+                          <a:spcPts val="0"/>
+                        </a:spcBef>
+                        <a:spcAft>
+                          <a:spcPts val="0"/>
+                        </a:spcAft>
+                        <a:buClrTx/>
+                        <a:buSzTx/>
+                        <a:buFontTx/>
+                        <a:buNone/>
+                        <a:tabLst/>
+                        <a:defRPr/>
+                      </a:pPr>
+                      <a:r>
+                        <a:rPr lang="en-US" altLang="ko-KR" sz="2200" dirty="0">
+                          <a:ea typeface="G마켓 산스 Medium" panose="02000000000000000000"/>
+                        </a:rPr>
+                        <a:t>int speed</a:t>
+                      </a:r>
+                      <a:endParaRPr lang="ko-KR" altLang="en-US" sz="2200" dirty="0">
+                        <a:ea typeface="G마켓 산스 Medium" panose="02000000000000000000"/>
+                      </a:endParaRPr>
+                    </a:p>
+                  </a:txBody>
+                  <a:tcPr>
+                    <a:lnL w="12700" cap="flat" cmpd="sng" algn="ctr">
+                      <a:solidFill>
+                        <a:schemeClr val="tx1"/>
+                      </a:solidFill>
+                      <a:prstDash val="solid"/>
+                      <a:round/>
+                      <a:headEnd type="none" w="med" len="med"/>
+                      <a:tailEnd type="none" w="med" len="med"/>
+                    </a:lnL>
+                    <a:lnR w="12700" cap="flat" cmpd="sng" algn="ctr">
+                      <a:solidFill>
+                        <a:schemeClr val="tx1"/>
+                      </a:solidFill>
+                      <a:prstDash val="solid"/>
+                      <a:round/>
+                      <a:headEnd type="none" w="med" len="med"/>
+                      <a:tailEnd type="none" w="med" len="med"/>
+                    </a:lnR>
+                    <a:lnT w="12700" cap="flat" cmpd="sng" algn="ctr">
+                      <a:solidFill>
+                        <a:schemeClr val="tx1"/>
+                      </a:solidFill>
+                      <a:prstDash val="solid"/>
+                      <a:round/>
+                      <a:headEnd type="none" w="med" len="med"/>
+                      <a:tailEnd type="none" w="med" len="med"/>
+                    </a:lnT>
+                    <a:lnB w="12700" cap="flat" cmpd="sng" algn="ctr">
+                      <a:solidFill>
+                        <a:schemeClr val="tx1"/>
+                      </a:solidFill>
+                      <a:prstDash val="solid"/>
+                      <a:round/>
+                      <a:headEnd type="none" w="med" len="med"/>
+                      <a:tailEnd type="none" w="med" len="med"/>
+                    </a:lnB>
+                    <a:noFill/>
+                  </a:tcPr>
+                </a:tc>
+                <a:tc>
+                  <a:txBody>
+                    <a:bodyPr/>
+                    <a:lstStyle/>
+                    <a:p>
+                      <a:pPr marL="0" marR="0" lvl="0" indent="0" algn="l" defTabSz="914400" rtl="0" eaLnBrk="1" fontAlgn="auto" latinLnBrk="1" hangingPunct="1">
+                        <a:lnSpc>
+                          <a:spcPct val="100000"/>
+                        </a:lnSpc>
+                        <a:spcBef>
+                          <a:spcPts val="0"/>
+                        </a:spcBef>
+                        <a:spcAft>
+                          <a:spcPts val="0"/>
+                        </a:spcAft>
+                        <a:buClrTx/>
+                        <a:buSzTx/>
+                        <a:buFontTx/>
+                        <a:buNone/>
+                        <a:tabLst/>
+                        <a:defRPr/>
+                      </a:pPr>
+                      <a:r>
+                        <a:rPr lang="ko-KR" altLang="en-US" sz="2000" dirty="0">
+                          <a:ea typeface="G마켓 산스 Medium" panose="02000000000000000000"/>
+                        </a:rPr>
+                        <a:t>속도</a:t>
+                      </a:r>
+                    </a:p>
+                  </a:txBody>
+                  <a:tcPr>
+                    <a:lnL w="12700" cap="flat" cmpd="sng" algn="ctr">
+                      <a:solidFill>
+                        <a:schemeClr val="tx1"/>
+                      </a:solidFill>
+                      <a:prstDash val="solid"/>
+                      <a:round/>
+                      <a:headEnd type="none" w="med" len="med"/>
+                      <a:tailEnd type="none" w="med" len="med"/>
+                    </a:lnL>
+                    <a:lnR w="12700" cap="flat" cmpd="sng" algn="ctr">
+                      <a:solidFill>
+                        <a:schemeClr val="tx1"/>
+                      </a:solidFill>
+                      <a:prstDash val="solid"/>
+                      <a:round/>
+                      <a:headEnd type="none" w="med" len="med"/>
+                      <a:tailEnd type="none" w="med" len="med"/>
+                    </a:lnR>
+                    <a:lnT w="12700" cap="flat" cmpd="sng" algn="ctr">
+                      <a:solidFill>
+                        <a:schemeClr val="tx1"/>
+                      </a:solidFill>
+                      <a:prstDash val="solid"/>
+                      <a:round/>
+                      <a:headEnd type="none" w="med" len="med"/>
+                      <a:tailEnd type="none" w="med" len="med"/>
+                    </a:lnT>
+                    <a:lnB w="12700" cap="flat" cmpd="sng" algn="ctr">
+                      <a:solidFill>
+                        <a:schemeClr val="tx1"/>
+                      </a:solidFill>
+                      <a:prstDash val="solid"/>
+                      <a:round/>
+                      <a:headEnd type="none" w="med" len="med"/>
+                      <a:tailEnd type="none" w="med" len="med"/>
+                    </a:lnB>
+                    <a:noFill/>
+                  </a:tcPr>
+                </a:tc>
+                <a:extLst>
+                  <a:ext uri="{0D108BD9-81ED-4DB2-BD59-A6C34878D82A}">
+                    <a16:rowId xmlns:a16="http://schemas.microsoft.com/office/drawing/2014/main" val="2013197181"/>
+                  </a:ext>
+                </a:extLst>
+              </a:tr>
+              <a:tr h="370840">
+                <a:tc>
+                  <a:txBody>
+                    <a:bodyPr/>
+                    <a:lstStyle/>
+                    <a:p>
+                      <a:pPr marL="0" marR="0" lvl="0" indent="0" algn="l" defTabSz="914400" rtl="0" eaLnBrk="1" fontAlgn="auto" latinLnBrk="1" hangingPunct="1">
+                        <a:lnSpc>
+                          <a:spcPct val="100000"/>
+                        </a:lnSpc>
+                        <a:spcBef>
+                          <a:spcPts val="0"/>
+                        </a:spcBef>
+                        <a:spcAft>
+                          <a:spcPts val="0"/>
+                        </a:spcAft>
+                        <a:buClrTx/>
+                        <a:buSzTx/>
+                        <a:buFontTx/>
+                        <a:buNone/>
+                        <a:tabLst/>
+                        <a:defRPr/>
+                      </a:pPr>
+                      <a:r>
+                        <a:rPr lang="ko-KR" altLang="en-US" sz="2200" dirty="0">
+                          <a:ea typeface="G마켓 산스 Medium" panose="02000000000000000000"/>
+                        </a:rPr>
+                        <a:t>메서드</a:t>
+                      </a:r>
+                    </a:p>
+                  </a:txBody>
+                  <a:tcPr>
+                    <a:lnL w="12700" cap="flat" cmpd="sng" algn="ctr">
+                      <a:solidFill>
+                        <a:schemeClr val="tx1"/>
+                      </a:solidFill>
+                      <a:prstDash val="solid"/>
+                      <a:round/>
+                      <a:headEnd type="none" w="med" len="med"/>
+                      <a:tailEnd type="none" w="med" len="med"/>
+                    </a:lnL>
+                    <a:lnR w="12700" cap="flat" cmpd="sng" algn="ctr">
+                      <a:solidFill>
+                        <a:schemeClr val="tx1"/>
+                      </a:solidFill>
+                      <a:prstDash val="solid"/>
+                      <a:round/>
+                      <a:headEnd type="none" w="med" len="med"/>
+                      <a:tailEnd type="none" w="med" len="med"/>
+                    </a:lnR>
+                    <a:lnT w="12700" cap="flat" cmpd="sng" algn="ctr">
+                      <a:solidFill>
+                        <a:schemeClr val="tx1"/>
+                      </a:solidFill>
+                      <a:prstDash val="solid"/>
+                      <a:round/>
+                      <a:headEnd type="none" w="med" len="med"/>
+                      <a:tailEnd type="none" w="med" len="med"/>
+                    </a:lnT>
+                    <a:lnB w="12700" cap="flat" cmpd="sng" algn="ctr">
+                      <a:solidFill>
+                        <a:schemeClr val="tx1"/>
+                      </a:solidFill>
+                      <a:prstDash val="solid"/>
+                      <a:round/>
+                      <a:headEnd type="none" w="med" len="med"/>
+                      <a:tailEnd type="none" w="med" len="med"/>
+                    </a:lnB>
+                    <a:noFill/>
+                  </a:tcPr>
+                </a:tc>
+                <a:tc>
+                  <a:txBody>
+                    <a:bodyPr/>
+                    <a:lstStyle/>
+                    <a:p>
+                      <a:pPr latinLnBrk="1"/>
+                      <a:r>
+                        <a:rPr lang="en-US" altLang="ko-KR" sz="2200" dirty="0">
+                          <a:ea typeface="G마켓 산스 Medium" panose="02000000000000000000"/>
+                        </a:rPr>
+                        <a:t>void go(int speed)</a:t>
+                      </a:r>
+                      <a:endParaRPr lang="ko-KR" altLang="en-US" sz="2200" dirty="0">
+                        <a:ea typeface="G마켓 산스 Medium" panose="02000000000000000000"/>
+                      </a:endParaRPr>
+                    </a:p>
+                  </a:txBody>
+                  <a:tcPr>
+                    <a:lnL w="12700" cap="flat" cmpd="sng" algn="ctr">
+                      <a:solidFill>
+                        <a:schemeClr val="tx1"/>
+                      </a:solidFill>
+                      <a:prstDash val="solid"/>
+                      <a:round/>
+                      <a:headEnd type="none" w="med" len="med"/>
+                      <a:tailEnd type="none" w="med" len="med"/>
+                    </a:lnL>
+                    <a:lnR w="12700" cap="flat" cmpd="sng" algn="ctr">
+                      <a:solidFill>
+                        <a:schemeClr val="tx1"/>
+                      </a:solidFill>
+                      <a:prstDash val="solid"/>
+                      <a:round/>
+                      <a:headEnd type="none" w="med" len="med"/>
+                      <a:tailEnd type="none" w="med" len="med"/>
+                    </a:lnR>
+                    <a:lnT w="12700" cap="flat" cmpd="sng" algn="ctr">
+                      <a:solidFill>
+                        <a:schemeClr val="tx1"/>
+                      </a:solidFill>
+                      <a:prstDash val="solid"/>
+                      <a:round/>
+                      <a:headEnd type="none" w="med" len="med"/>
+                      <a:tailEnd type="none" w="med" len="med"/>
+                    </a:lnT>
+                    <a:lnB w="12700" cap="flat" cmpd="sng" algn="ctr">
+                      <a:solidFill>
+                        <a:schemeClr val="tx1"/>
+                      </a:solidFill>
+                      <a:prstDash val="solid"/>
+                      <a:round/>
+                      <a:headEnd type="none" w="med" len="med"/>
+                      <a:tailEnd type="none" w="med" len="med"/>
+                    </a:lnB>
+                    <a:noFill/>
+                  </a:tcPr>
+                </a:tc>
+                <a:tc>
+                  <a:txBody>
+                    <a:bodyPr/>
+                    <a:lstStyle/>
+                    <a:p>
+                      <a:pPr latinLnBrk="1"/>
+                      <a:endParaRPr lang="en-US" altLang="ko-KR" sz="2000" dirty="0">
+                        <a:ea typeface="G마켓 산스 Medium" panose="02000000000000000000"/>
+                      </a:endParaRPr>
+                    </a:p>
+                  </a:txBody>
+                  <a:tcPr>
+                    <a:lnL w="12700" cap="flat" cmpd="sng" algn="ctr">
+                      <a:solidFill>
+                        <a:schemeClr val="tx1"/>
+                      </a:solidFill>
+                      <a:prstDash val="solid"/>
+                      <a:round/>
+                      <a:headEnd type="none" w="med" len="med"/>
+                      <a:tailEnd type="none" w="med" len="med"/>
+                    </a:lnL>
+                    <a:lnR w="12700" cap="flat" cmpd="sng" algn="ctr">
+                      <a:solidFill>
+                        <a:schemeClr val="tx1"/>
+                      </a:solidFill>
+                      <a:prstDash val="solid"/>
+                      <a:round/>
+                      <a:headEnd type="none" w="med" len="med"/>
+                      <a:tailEnd type="none" w="med" len="med"/>
+                    </a:lnR>
+                    <a:lnT w="12700" cap="flat" cmpd="sng" algn="ctr">
+                      <a:solidFill>
+                        <a:schemeClr val="tx1"/>
+                      </a:solidFill>
+                      <a:prstDash val="solid"/>
+                      <a:round/>
+                      <a:headEnd type="none" w="med" len="med"/>
+                      <a:tailEnd type="none" w="med" len="med"/>
+                    </a:lnT>
+                    <a:lnB w="12700" cap="flat" cmpd="sng" algn="ctr">
+                      <a:solidFill>
+                        <a:schemeClr val="tx1"/>
+                      </a:solidFill>
+                      <a:prstDash val="solid"/>
+                      <a:round/>
+                      <a:headEnd type="none" w="med" len="med"/>
+                      <a:tailEnd type="none" w="med" len="med"/>
+                    </a:lnB>
+                    <a:noFill/>
+                  </a:tcPr>
+                </a:tc>
+                <a:extLst>
+                  <a:ext uri="{0D108BD9-81ED-4DB2-BD59-A6C34878D82A}">
+                    <a16:rowId xmlns:a16="http://schemas.microsoft.com/office/drawing/2014/main" val="2280857763"/>
+                  </a:ext>
+                </a:extLst>
+              </a:tr>
+              <a:tr h="370840">
+                <a:tc>
+                  <a:txBody>
+                    <a:bodyPr/>
+                    <a:lstStyle/>
+                    <a:p>
+                      <a:pPr latinLnBrk="1"/>
+                      <a:endParaRPr lang="ko-KR" altLang="en-US" sz="2200" dirty="0">
+                        <a:ea typeface="G마켓 산스 Medium" panose="02000000000000000000"/>
+                      </a:endParaRPr>
+                    </a:p>
+                  </a:txBody>
+                  <a:tcPr>
+                    <a:lnL w="12700" cap="flat" cmpd="sng" algn="ctr">
+                      <a:solidFill>
+                        <a:schemeClr val="tx1"/>
+                      </a:solidFill>
+                      <a:prstDash val="solid"/>
+                      <a:round/>
+                      <a:headEnd type="none" w="med" len="med"/>
+                      <a:tailEnd type="none" w="med" len="med"/>
+                    </a:lnL>
+                    <a:lnR w="12700" cap="flat" cmpd="sng" algn="ctr">
+                      <a:solidFill>
+                        <a:schemeClr val="tx1"/>
+                      </a:solidFill>
+                      <a:prstDash val="solid"/>
+                      <a:round/>
+                      <a:headEnd type="none" w="med" len="med"/>
+                      <a:tailEnd type="none" w="med" len="med"/>
+                    </a:lnR>
+                    <a:lnT w="12700" cap="flat" cmpd="sng" algn="ctr">
+                      <a:solidFill>
+                        <a:schemeClr val="tx1"/>
+                      </a:solidFill>
+                      <a:prstDash val="solid"/>
+                      <a:round/>
+                      <a:headEnd type="none" w="med" len="med"/>
+                      <a:tailEnd type="none" w="med" len="med"/>
+                    </a:lnT>
+                    <a:lnB w="12700" cap="flat" cmpd="sng" algn="ctr">
+                      <a:solidFill>
+                        <a:schemeClr val="tx1"/>
+                      </a:solidFill>
+                      <a:prstDash val="solid"/>
+                      <a:round/>
+                      <a:headEnd type="none" w="med" len="med"/>
+                      <a:tailEnd type="none" w="med" len="med"/>
+                    </a:lnB>
+                    <a:noFill/>
+                  </a:tcPr>
+                </a:tc>
+                <a:tc>
+                  <a:txBody>
+                    <a:bodyPr/>
+                    <a:lstStyle/>
+                    <a:p>
+                      <a:pPr latinLnBrk="1"/>
+                      <a:r>
+                        <a:rPr lang="en-US" altLang="ko-KR" sz="2200" dirty="0">
+                          <a:ea typeface="G마켓 산스 Medium" panose="02000000000000000000"/>
+                        </a:rPr>
+                        <a:t>void stop()</a:t>
+                      </a:r>
+                      <a:endParaRPr lang="ko-KR" altLang="en-US" sz="2200" dirty="0">
+                        <a:ea typeface="G마켓 산스 Medium" panose="02000000000000000000"/>
+                      </a:endParaRPr>
+                    </a:p>
+                  </a:txBody>
+                  <a:tcPr>
+                    <a:lnL w="12700" cap="flat" cmpd="sng" algn="ctr">
+                      <a:solidFill>
+                        <a:schemeClr val="tx1"/>
+                      </a:solidFill>
+                      <a:prstDash val="solid"/>
+                      <a:round/>
+                      <a:headEnd type="none" w="med" len="med"/>
+                      <a:tailEnd type="none" w="med" len="med"/>
+                    </a:lnL>
+                    <a:lnR w="12700" cap="flat" cmpd="sng" algn="ctr">
+                      <a:solidFill>
+                        <a:schemeClr val="tx1"/>
+                      </a:solidFill>
+                      <a:prstDash val="solid"/>
+                      <a:round/>
+                      <a:headEnd type="none" w="med" len="med"/>
+                      <a:tailEnd type="none" w="med" len="med"/>
+                    </a:lnR>
+                    <a:lnT w="12700" cap="flat" cmpd="sng" algn="ctr">
+                      <a:solidFill>
+                        <a:schemeClr val="tx1"/>
+                      </a:solidFill>
+                      <a:prstDash val="solid"/>
+                      <a:round/>
+                      <a:headEnd type="none" w="med" len="med"/>
+                      <a:tailEnd type="none" w="med" len="med"/>
+                    </a:lnT>
+                    <a:lnB w="12700" cap="flat" cmpd="sng" algn="ctr">
+                      <a:solidFill>
+                        <a:schemeClr val="tx1"/>
+                      </a:solidFill>
+                      <a:prstDash val="solid"/>
+                      <a:round/>
+                      <a:headEnd type="none" w="med" len="med"/>
+                      <a:tailEnd type="none" w="med" len="med"/>
+                    </a:lnB>
+                    <a:noFill/>
+                  </a:tcPr>
+                </a:tc>
+                <a:tc>
+                  <a:txBody>
+                    <a:bodyPr/>
+                    <a:lstStyle/>
+                    <a:p>
+                      <a:pPr latinLnBrk="1"/>
+                      <a:r>
+                        <a:rPr lang="ko-KR" altLang="en-US" sz="2000" dirty="0">
+                          <a:ea typeface="G마켓 산스 Medium" panose="02000000000000000000"/>
+                        </a:rPr>
+                        <a:t>속도를 </a:t>
+                      </a:r>
+                      <a:r>
+                        <a:rPr lang="en-US" altLang="ko-KR" sz="2000" dirty="0">
+                          <a:ea typeface="G마켓 산스 Medium" panose="02000000000000000000"/>
+                        </a:rPr>
+                        <a:t>0</a:t>
+                      </a:r>
+                      <a:r>
+                        <a:rPr lang="ko-KR" altLang="en-US" sz="2000" dirty="0">
+                          <a:ea typeface="G마켓 산스 Medium" panose="02000000000000000000"/>
+                        </a:rPr>
+                        <a:t>으로 만든다</a:t>
+                      </a:r>
+                      <a:r>
+                        <a:rPr lang="en-US" altLang="ko-KR" sz="2000" dirty="0">
+                          <a:ea typeface="G마켓 산스 Medium" panose="02000000000000000000"/>
+                        </a:rPr>
+                        <a:t>.</a:t>
+                      </a:r>
+                      <a:endParaRPr lang="ko-KR" altLang="en-US" sz="2000" dirty="0">
+                        <a:ea typeface="G마켓 산스 Medium" panose="02000000000000000000"/>
+                      </a:endParaRPr>
+                    </a:p>
+                  </a:txBody>
+                  <a:tcPr>
+                    <a:lnL w="12700" cap="flat" cmpd="sng" algn="ctr">
+                      <a:solidFill>
+                        <a:schemeClr val="tx1"/>
+                      </a:solidFill>
+                      <a:prstDash val="solid"/>
+                      <a:round/>
+                      <a:headEnd type="none" w="med" len="med"/>
+                      <a:tailEnd type="none" w="med" len="med"/>
+                    </a:lnL>
+                    <a:lnR w="12700" cap="flat" cmpd="sng" algn="ctr">
+                      <a:solidFill>
+                        <a:schemeClr val="tx1"/>
+                      </a:solidFill>
+                      <a:prstDash val="solid"/>
+                      <a:round/>
+                      <a:headEnd type="none" w="med" len="med"/>
+                      <a:tailEnd type="none" w="med" len="med"/>
+                    </a:lnR>
+                    <a:lnT w="12700" cap="flat" cmpd="sng" algn="ctr">
+                      <a:solidFill>
+                        <a:schemeClr val="tx1"/>
+                      </a:solidFill>
+                      <a:prstDash val="solid"/>
+                      <a:round/>
+                      <a:headEnd type="none" w="med" len="med"/>
+                      <a:tailEnd type="none" w="med" len="med"/>
+                    </a:lnT>
+                    <a:lnB w="12700" cap="flat" cmpd="sng" algn="ctr">
+                      <a:solidFill>
+                        <a:schemeClr val="tx1"/>
+                      </a:solidFill>
+                      <a:prstDash val="solid"/>
+                      <a:round/>
+                      <a:headEnd type="none" w="med" len="med"/>
+                      <a:tailEnd type="none" w="med" len="med"/>
+                    </a:lnB>
+                    <a:noFill/>
+                  </a:tcPr>
+                </a:tc>
+                <a:extLst>
+                  <a:ext uri="{0D108BD9-81ED-4DB2-BD59-A6C34878D82A}">
+                    <a16:rowId xmlns:a16="http://schemas.microsoft.com/office/drawing/2014/main" val="1463387718"/>
+                  </a:ext>
+                </a:extLst>
+              </a:tr>
+            </a:tbl>
+          </a:graphicData>
+        </a:graphic>
+      </p:graphicFrame>
+      <p:sp>
+        <p:nvSpPr>
+          <p:cNvPr id="6" name="TextBox 5">
+            <a:extLst>
+              <a:ext uri="{FF2B5EF4-FFF2-40B4-BE49-F238E27FC236}">
+                <a16:creationId xmlns:a16="http://schemas.microsoft.com/office/drawing/2014/main" id="{54C72A80-3131-1BEE-91F5-8BB94F20F622}"/>
+              </a:ext>
+            </a:extLst>
+          </p:cNvPr>
+          <p:cNvSpPr txBox="1"/>
+          <p:nvPr/>
+        </p:nvSpPr>
+        <p:spPr>
+          <a:xfrm>
+            <a:off x="1143000" y="4229100"/>
+            <a:ext cx="16459200" cy="1323439"/>
+          </a:xfrm>
+          <a:prstGeom prst="rect">
+            <a:avLst/>
+          </a:prstGeom>
+          <a:noFill/>
+        </p:spPr>
+        <p:txBody>
+          <a:bodyPr wrap="square" rtlCol="0">
+            <a:spAutoFit/>
+          </a:bodyPr>
+          <a:lstStyle/>
+          <a:p>
+            <a:r>
+              <a:rPr lang="en-US" altLang="ko-KR" sz="4000" dirty="0">
+                <a:solidFill>
+                  <a:schemeClr val="tx1">
+                    <a:lumMod val="50000"/>
+                    <a:lumOff val="50000"/>
+                  </a:schemeClr>
+                </a:solidFill>
+                <a:latin typeface="G마켓 산스 Medium" panose="02000000000000000000" pitchFamily="50" charset="-127"/>
+                <a:ea typeface="G마켓 산스 Medium" panose="02000000000000000000" pitchFamily="50" charset="-127"/>
+              </a:rPr>
+              <a:t>2. Door </a:t>
+            </a:r>
+            <a:r>
+              <a:rPr lang="ko-KR" altLang="en-US" sz="4000" dirty="0">
+                <a:solidFill>
+                  <a:schemeClr val="tx1">
+                    <a:lumMod val="50000"/>
+                    <a:lumOff val="50000"/>
+                  </a:schemeClr>
+                </a:solidFill>
+                <a:latin typeface="G마켓 산스 Medium" panose="02000000000000000000" pitchFamily="50" charset="-127"/>
+                <a:ea typeface="G마켓 산스 Medium" panose="02000000000000000000" pitchFamily="50" charset="-127"/>
+              </a:rPr>
+              <a:t>클래스를 만들어 </a:t>
+            </a:r>
+            <a:r>
+              <a:rPr lang="en-US" altLang="ko-KR" sz="4000" dirty="0">
+                <a:solidFill>
+                  <a:schemeClr val="tx1">
+                    <a:lumMod val="50000"/>
+                    <a:lumOff val="50000"/>
+                  </a:schemeClr>
+                </a:solidFill>
+                <a:latin typeface="G마켓 산스 Medium" panose="02000000000000000000" pitchFamily="50" charset="-127"/>
+                <a:ea typeface="G마켓 산스 Medium" panose="02000000000000000000" pitchFamily="50" charset="-127"/>
+              </a:rPr>
+              <a:t>Car </a:t>
+            </a:r>
+            <a:r>
+              <a:rPr lang="ko-KR" altLang="en-US" sz="4000" dirty="0">
+                <a:solidFill>
+                  <a:schemeClr val="tx1">
+                    <a:lumMod val="50000"/>
+                    <a:lumOff val="50000"/>
+                  </a:schemeClr>
+                </a:solidFill>
+                <a:latin typeface="G마켓 산스 Medium" panose="02000000000000000000" pitchFamily="50" charset="-127"/>
+                <a:ea typeface="G마켓 산스 Medium" panose="02000000000000000000" pitchFamily="50" charset="-127"/>
+              </a:rPr>
+              <a:t>클래스와 포함관계를 만들어보자</a:t>
+            </a:r>
+            <a:r>
+              <a:rPr lang="en-US" altLang="ko-KR" sz="4000" dirty="0">
+                <a:solidFill>
+                  <a:schemeClr val="tx1">
+                    <a:lumMod val="50000"/>
+                    <a:lumOff val="50000"/>
+                  </a:schemeClr>
+                </a:solidFill>
+                <a:latin typeface="G마켓 산스 Medium" panose="02000000000000000000" pitchFamily="50" charset="-127"/>
+                <a:ea typeface="G마켓 산스 Medium" panose="02000000000000000000" pitchFamily="50" charset="-127"/>
+              </a:rPr>
+              <a:t>. </a:t>
+            </a:r>
+          </a:p>
+          <a:p>
+            <a:r>
+              <a:rPr lang="en-US" altLang="ko-KR" sz="4000" dirty="0">
+                <a:solidFill>
+                  <a:schemeClr val="tx1">
+                    <a:lumMod val="50000"/>
+                    <a:lumOff val="50000"/>
+                  </a:schemeClr>
+                </a:solidFill>
+                <a:latin typeface="G마켓 산스 Medium" panose="02000000000000000000" pitchFamily="50" charset="-127"/>
+                <a:ea typeface="G마켓 산스 Medium" panose="02000000000000000000" pitchFamily="50" charset="-127"/>
+              </a:rPr>
+              <a:t>   </a:t>
+            </a:r>
+            <a:r>
+              <a:rPr lang="ko-KR" altLang="en-US" sz="4000" dirty="0">
+                <a:solidFill>
+                  <a:schemeClr val="tx1">
+                    <a:lumMod val="50000"/>
+                    <a:lumOff val="50000"/>
+                  </a:schemeClr>
+                </a:solidFill>
+                <a:latin typeface="G마켓 산스 Medium" panose="02000000000000000000" pitchFamily="50" charset="-127"/>
+                <a:ea typeface="G마켓 산스 Medium" panose="02000000000000000000" pitchFamily="50" charset="-127"/>
+              </a:rPr>
+              <a:t>문 개수는 </a:t>
+            </a:r>
+            <a:r>
+              <a:rPr lang="en-US" altLang="ko-KR" sz="4000" dirty="0">
+                <a:solidFill>
+                  <a:schemeClr val="tx1">
+                    <a:lumMod val="50000"/>
+                    <a:lumOff val="50000"/>
+                  </a:schemeClr>
+                </a:solidFill>
+                <a:latin typeface="G마켓 산스 Medium" panose="02000000000000000000" pitchFamily="50" charset="-127"/>
+                <a:ea typeface="G마켓 산스 Medium" panose="02000000000000000000" pitchFamily="50" charset="-127"/>
+              </a:rPr>
+              <a:t>4</a:t>
+            </a:r>
+            <a:r>
+              <a:rPr lang="ko-KR" altLang="en-US" sz="4000" dirty="0">
+                <a:solidFill>
+                  <a:schemeClr val="tx1">
+                    <a:lumMod val="50000"/>
+                    <a:lumOff val="50000"/>
+                  </a:schemeClr>
+                </a:solidFill>
+                <a:latin typeface="G마켓 산스 Medium" panose="02000000000000000000" pitchFamily="50" charset="-127"/>
+                <a:ea typeface="G마켓 산스 Medium" panose="02000000000000000000" pitchFamily="50" charset="-127"/>
+              </a:rPr>
+              <a:t>개이다</a:t>
+            </a:r>
+            <a:r>
+              <a:rPr lang="en-US" altLang="ko-KR" sz="4000" dirty="0">
+                <a:solidFill>
+                  <a:schemeClr val="tx1">
+                    <a:lumMod val="50000"/>
+                    <a:lumOff val="50000"/>
+                  </a:schemeClr>
+                </a:solidFill>
+                <a:latin typeface="G마켓 산스 Medium" panose="02000000000000000000" pitchFamily="50" charset="-127"/>
+                <a:ea typeface="G마켓 산스 Medium" panose="02000000000000000000" pitchFamily="50" charset="-127"/>
+              </a:rPr>
+              <a:t>.</a:t>
+            </a:r>
+          </a:p>
+        </p:txBody>
+      </p:sp>
+      <p:sp>
+        <p:nvSpPr>
+          <p:cNvPr id="7" name="TextBox 6">
+            <a:extLst>
+              <a:ext uri="{FF2B5EF4-FFF2-40B4-BE49-F238E27FC236}">
+                <a16:creationId xmlns:a16="http://schemas.microsoft.com/office/drawing/2014/main" id="{977D0E5D-2B21-3701-B400-D1B6B86913C5}"/>
+              </a:ext>
+            </a:extLst>
+          </p:cNvPr>
+          <p:cNvSpPr txBox="1"/>
+          <p:nvPr/>
+        </p:nvSpPr>
+        <p:spPr>
+          <a:xfrm>
+            <a:off x="1143000" y="7172861"/>
+            <a:ext cx="16459200" cy="1323439"/>
+          </a:xfrm>
+          <a:prstGeom prst="rect">
+            <a:avLst/>
+          </a:prstGeom>
+          <a:noFill/>
+        </p:spPr>
+        <p:txBody>
+          <a:bodyPr wrap="square" rtlCol="0">
+            <a:spAutoFit/>
+          </a:bodyPr>
+          <a:lstStyle/>
+          <a:p>
+            <a:r>
+              <a:rPr lang="en-US" altLang="ko-KR" sz="4000" dirty="0">
+                <a:solidFill>
+                  <a:schemeClr val="tx1">
+                    <a:lumMod val="50000"/>
+                    <a:lumOff val="50000"/>
+                  </a:schemeClr>
+                </a:solidFill>
+                <a:latin typeface="G마켓 산스 Medium" panose="02000000000000000000" pitchFamily="50" charset="-127"/>
+                <a:ea typeface="G마켓 산스 Medium" panose="02000000000000000000" pitchFamily="50" charset="-127"/>
+              </a:rPr>
+              <a:t>3. Door </a:t>
+            </a:r>
+            <a:r>
+              <a:rPr lang="ko-KR" altLang="en-US" sz="4000" dirty="0">
+                <a:solidFill>
+                  <a:schemeClr val="tx1">
+                    <a:lumMod val="50000"/>
+                    <a:lumOff val="50000"/>
+                  </a:schemeClr>
+                </a:solidFill>
+                <a:latin typeface="G마켓 산스 Medium" panose="02000000000000000000" pitchFamily="50" charset="-127"/>
+                <a:ea typeface="G마켓 산스 Medium" panose="02000000000000000000" pitchFamily="50" charset="-127"/>
+              </a:rPr>
+              <a:t>클래스를 만들어 </a:t>
+            </a:r>
+            <a:r>
+              <a:rPr lang="en-US" altLang="ko-KR" sz="4000" dirty="0">
+                <a:solidFill>
+                  <a:schemeClr val="tx1">
+                    <a:lumMod val="50000"/>
+                    <a:lumOff val="50000"/>
+                  </a:schemeClr>
+                </a:solidFill>
+                <a:latin typeface="G마켓 산스 Medium" panose="02000000000000000000" pitchFamily="50" charset="-127"/>
+                <a:ea typeface="G마켓 산스 Medium" panose="02000000000000000000" pitchFamily="50" charset="-127"/>
+              </a:rPr>
+              <a:t>Car </a:t>
+            </a:r>
+            <a:r>
+              <a:rPr lang="ko-KR" altLang="en-US" sz="4000" dirty="0">
+                <a:solidFill>
+                  <a:schemeClr val="tx1">
+                    <a:lumMod val="50000"/>
+                    <a:lumOff val="50000"/>
+                  </a:schemeClr>
+                </a:solidFill>
+                <a:latin typeface="G마켓 산스 Medium" panose="02000000000000000000" pitchFamily="50" charset="-127"/>
+                <a:ea typeface="G마켓 산스 Medium" panose="02000000000000000000" pitchFamily="50" charset="-127"/>
+              </a:rPr>
+              <a:t>클래스와 포함관계를 만들어보자</a:t>
+            </a:r>
+            <a:r>
+              <a:rPr lang="en-US" altLang="ko-KR" sz="4000" dirty="0">
+                <a:solidFill>
+                  <a:schemeClr val="tx1">
+                    <a:lumMod val="50000"/>
+                    <a:lumOff val="50000"/>
+                  </a:schemeClr>
+                </a:solidFill>
+                <a:latin typeface="G마켓 산스 Medium" panose="02000000000000000000" pitchFamily="50" charset="-127"/>
+                <a:ea typeface="G마켓 산스 Medium" panose="02000000000000000000" pitchFamily="50" charset="-127"/>
+              </a:rPr>
+              <a:t>. </a:t>
+            </a:r>
+          </a:p>
+          <a:p>
+            <a:r>
+              <a:rPr lang="en-US" altLang="ko-KR" sz="4000" dirty="0">
+                <a:solidFill>
+                  <a:schemeClr val="tx1">
+                    <a:lumMod val="50000"/>
+                    <a:lumOff val="50000"/>
+                  </a:schemeClr>
+                </a:solidFill>
+                <a:latin typeface="G마켓 산스 Medium" panose="02000000000000000000" pitchFamily="50" charset="-127"/>
+                <a:ea typeface="G마켓 산스 Medium" panose="02000000000000000000" pitchFamily="50" charset="-127"/>
+              </a:rPr>
+              <a:t>   </a:t>
+            </a:r>
+            <a:r>
+              <a:rPr lang="ko-KR" altLang="en-US" sz="4000" dirty="0">
+                <a:solidFill>
+                  <a:schemeClr val="tx1">
+                    <a:lumMod val="50000"/>
+                    <a:lumOff val="50000"/>
+                  </a:schemeClr>
+                </a:solidFill>
+                <a:latin typeface="G마켓 산스 Medium" panose="02000000000000000000" pitchFamily="50" charset="-127"/>
+                <a:ea typeface="G마켓 산스 Medium" panose="02000000000000000000" pitchFamily="50" charset="-127"/>
+              </a:rPr>
+              <a:t>문 개수는 </a:t>
+            </a:r>
+            <a:r>
+              <a:rPr lang="en-US" altLang="ko-KR" sz="4000" dirty="0">
+                <a:solidFill>
+                  <a:schemeClr val="tx1">
+                    <a:lumMod val="50000"/>
+                    <a:lumOff val="50000"/>
+                  </a:schemeClr>
+                </a:solidFill>
+                <a:latin typeface="G마켓 산스 Medium" panose="02000000000000000000" pitchFamily="50" charset="-127"/>
+                <a:ea typeface="G마켓 산스 Medium" panose="02000000000000000000" pitchFamily="50" charset="-127"/>
+              </a:rPr>
+              <a:t>4</a:t>
+            </a:r>
+            <a:r>
+              <a:rPr lang="ko-KR" altLang="en-US" sz="4000" dirty="0">
+                <a:solidFill>
+                  <a:schemeClr val="tx1">
+                    <a:lumMod val="50000"/>
+                    <a:lumOff val="50000"/>
+                  </a:schemeClr>
+                </a:solidFill>
+                <a:latin typeface="G마켓 산스 Medium" panose="02000000000000000000" pitchFamily="50" charset="-127"/>
+                <a:ea typeface="G마켓 산스 Medium" panose="02000000000000000000" pitchFamily="50" charset="-127"/>
+              </a:rPr>
+              <a:t>개이다</a:t>
+            </a:r>
+            <a:r>
+              <a:rPr lang="en-US" altLang="ko-KR" sz="4000" dirty="0">
+                <a:solidFill>
+                  <a:schemeClr val="tx1">
+                    <a:lumMod val="50000"/>
+                    <a:lumOff val="50000"/>
+                  </a:schemeClr>
+                </a:solidFill>
+                <a:latin typeface="G마켓 산스 Medium" panose="02000000000000000000" pitchFamily="50" charset="-127"/>
+                <a:ea typeface="G마켓 산스 Medium" panose="02000000000000000000" pitchFamily="50" charset="-127"/>
+              </a:rPr>
+              <a:t>.</a:t>
+            </a:r>
+          </a:p>
+        </p:txBody>
+      </p:sp>
+      <p:graphicFrame>
+        <p:nvGraphicFramePr>
+          <p:cNvPr id="8" name="표 7">
+            <a:extLst>
+              <a:ext uri="{FF2B5EF4-FFF2-40B4-BE49-F238E27FC236}">
+                <a16:creationId xmlns:a16="http://schemas.microsoft.com/office/drawing/2014/main" id="{9BF22145-FC6D-D18A-3911-E9625B6CE794}"/>
+              </a:ext>
+            </a:extLst>
+          </p:cNvPr>
+          <p:cNvGraphicFramePr>
+            <a:graphicFrameLocks noGrp="1"/>
+          </p:cNvGraphicFramePr>
+          <p:nvPr>
+            <p:extLst>
+              <p:ext uri="{D42A27DB-BD31-4B8C-83A1-F6EECF244321}">
+                <p14:modId xmlns:p14="http://schemas.microsoft.com/office/powerpoint/2010/main" val="300932587"/>
+              </p:ext>
+            </p:extLst>
+          </p:nvPr>
+        </p:nvGraphicFramePr>
+        <p:xfrm>
+          <a:off x="11963400" y="4960620"/>
+          <a:ext cx="6172200" cy="1706880"/>
+        </p:xfrm>
+        <a:graphic>
+          <a:graphicData uri="http://schemas.openxmlformats.org/drawingml/2006/table">
+            <a:tbl>
+              <a:tblPr firstRow="1" bandRow="1">
+                <a:tableStyleId>{5C22544A-7EE6-4342-B048-85BDC9FD1C3A}</a:tableStyleId>
+              </a:tblPr>
+              <a:tblGrid>
+                <a:gridCol w="1524000">
+                  <a:extLst>
+                    <a:ext uri="{9D8B030D-6E8A-4147-A177-3AD203B41FA5}">
+                      <a16:colId xmlns:a16="http://schemas.microsoft.com/office/drawing/2014/main" val="1278239369"/>
+                    </a:ext>
+                  </a:extLst>
+                </a:gridCol>
+                <a:gridCol w="1828800">
+                  <a:extLst>
+                    <a:ext uri="{9D8B030D-6E8A-4147-A177-3AD203B41FA5}">
+                      <a16:colId xmlns:a16="http://schemas.microsoft.com/office/drawing/2014/main" val="1054292436"/>
+                    </a:ext>
+                  </a:extLst>
+                </a:gridCol>
+                <a:gridCol w="2819400">
+                  <a:extLst>
+                    <a:ext uri="{9D8B030D-6E8A-4147-A177-3AD203B41FA5}">
+                      <a16:colId xmlns:a16="http://schemas.microsoft.com/office/drawing/2014/main" val="225730716"/>
+                    </a:ext>
+                  </a:extLst>
+                </a:gridCol>
+              </a:tblGrid>
+              <a:tr h="370840">
+                <a:tc>
+                  <a:txBody>
+                    <a:bodyPr/>
+                    <a:lstStyle/>
+                    <a:p>
+                      <a:pPr latinLnBrk="1"/>
+                      <a:r>
+                        <a:rPr lang="ko-KR" altLang="en-US" sz="2200" dirty="0">
+                          <a:solidFill>
+                            <a:schemeClr val="bg1"/>
+                          </a:solidFill>
+                          <a:ea typeface="G마켓 산스 Medium" panose="02000000000000000000"/>
+                        </a:rPr>
+                        <a:t>클래스명</a:t>
+                      </a:r>
+                    </a:p>
+                  </a:txBody>
+                  <a:tcPr>
+                    <a:lnL w="12700" cap="flat" cmpd="sng" algn="ctr">
+                      <a:solidFill>
+                        <a:schemeClr val="tx1"/>
+                      </a:solidFill>
+                      <a:prstDash val="solid"/>
+                      <a:round/>
+                      <a:headEnd type="none" w="med" len="med"/>
+                      <a:tailEnd type="none" w="med" len="med"/>
+                    </a:lnL>
+                    <a:lnR w="12700" cap="flat" cmpd="sng" algn="ctr">
+                      <a:solidFill>
+                        <a:schemeClr val="tx1"/>
+                      </a:solidFill>
+                      <a:prstDash val="solid"/>
+                      <a:round/>
+                      <a:headEnd type="none" w="med" len="med"/>
+                      <a:tailEnd type="none" w="med" len="med"/>
+                    </a:lnR>
+                    <a:lnT w="12700" cap="flat" cmpd="sng" algn="ctr">
+                      <a:solidFill>
+                        <a:schemeClr val="tx1"/>
+                      </a:solidFill>
+                      <a:prstDash val="solid"/>
+                      <a:round/>
+                      <a:headEnd type="none" w="med" len="med"/>
+                      <a:tailEnd type="none" w="med" len="med"/>
+                    </a:lnT>
+                    <a:lnB w="12700" cap="flat" cmpd="sng" algn="ctr">
+                      <a:solidFill>
+                        <a:schemeClr val="tx1"/>
+                      </a:solidFill>
+                      <a:prstDash val="solid"/>
+                      <a:round/>
+                      <a:headEnd type="none" w="med" len="med"/>
+                      <a:tailEnd type="none" w="med" len="med"/>
+                    </a:lnB>
+                    <a:solidFill>
+                      <a:srgbClr val="4C50BC"/>
+                    </a:solidFill>
+                  </a:tcPr>
+                </a:tc>
+                <a:tc>
+                  <a:txBody>
+                    <a:bodyPr/>
+                    <a:lstStyle/>
+                    <a:p>
+                      <a:pPr latinLnBrk="1"/>
+                      <a:r>
+                        <a:rPr lang="en-US" altLang="ko-KR" sz="2200" dirty="0">
+                          <a:solidFill>
+                            <a:schemeClr val="bg1"/>
+                          </a:solidFill>
+                          <a:ea typeface="G마켓 산스 Medium" panose="02000000000000000000"/>
+                        </a:rPr>
+                        <a:t>Door</a:t>
+                      </a:r>
+                      <a:endParaRPr lang="ko-KR" altLang="en-US" sz="2200" dirty="0">
+                        <a:solidFill>
+                          <a:schemeClr val="bg1"/>
+                        </a:solidFill>
+                        <a:ea typeface="G마켓 산스 Medium" panose="02000000000000000000"/>
+                      </a:endParaRPr>
+                    </a:p>
+                  </a:txBody>
+                  <a:tcPr>
+                    <a:lnL w="12700" cap="flat" cmpd="sng" algn="ctr">
+                      <a:solidFill>
+                        <a:schemeClr val="tx1"/>
+                      </a:solidFill>
+                      <a:prstDash val="solid"/>
+                      <a:round/>
+                      <a:headEnd type="none" w="med" len="med"/>
+                      <a:tailEnd type="none" w="med" len="med"/>
+                    </a:lnL>
+                    <a:lnR w="12700" cap="flat" cmpd="sng" algn="ctr">
+                      <a:solidFill>
+                        <a:schemeClr val="tx1"/>
+                      </a:solidFill>
+                      <a:prstDash val="solid"/>
+                      <a:round/>
+                      <a:headEnd type="none" w="med" len="med"/>
+                      <a:tailEnd type="none" w="med" len="med"/>
+                    </a:lnR>
+                    <a:lnT w="12700" cap="flat" cmpd="sng" algn="ctr">
+                      <a:solidFill>
+                        <a:schemeClr val="tx1"/>
+                      </a:solidFill>
+                      <a:prstDash val="solid"/>
+                      <a:round/>
+                      <a:headEnd type="none" w="med" len="med"/>
+                      <a:tailEnd type="none" w="med" len="med"/>
+                    </a:lnT>
+                    <a:lnB w="12700" cap="flat" cmpd="sng" algn="ctr">
+                      <a:solidFill>
+                        <a:schemeClr val="tx1"/>
+                      </a:solidFill>
+                      <a:prstDash val="solid"/>
+                      <a:round/>
+                      <a:headEnd type="none" w="med" len="med"/>
+                      <a:tailEnd type="none" w="med" len="med"/>
+                    </a:lnB>
+                    <a:solidFill>
+                      <a:srgbClr val="4C50BC"/>
+                    </a:solidFill>
+                  </a:tcPr>
+                </a:tc>
+                <a:tc>
+                  <a:txBody>
+                    <a:bodyPr/>
+                    <a:lstStyle/>
+                    <a:p>
+                      <a:pPr latinLnBrk="1"/>
+                      <a:endParaRPr lang="ko-KR" altLang="en-US" sz="2000" dirty="0">
+                        <a:solidFill>
+                          <a:schemeClr val="bg1"/>
+                        </a:solidFill>
+                        <a:ea typeface="G마켓 산스 Medium" panose="02000000000000000000"/>
+                      </a:endParaRPr>
+                    </a:p>
+                  </a:txBody>
+                  <a:tcPr>
+                    <a:lnL w="12700" cap="flat" cmpd="sng" algn="ctr">
+                      <a:solidFill>
+                        <a:schemeClr val="tx1"/>
+                      </a:solidFill>
+                      <a:prstDash val="solid"/>
+                      <a:round/>
+                      <a:headEnd type="none" w="med" len="med"/>
+                      <a:tailEnd type="none" w="med" len="med"/>
+                    </a:lnL>
+                    <a:lnR w="12700" cap="flat" cmpd="sng" algn="ctr">
+                      <a:solidFill>
+                        <a:schemeClr val="tx1"/>
+                      </a:solidFill>
+                      <a:prstDash val="solid"/>
+                      <a:round/>
+                      <a:headEnd type="none" w="med" len="med"/>
+                      <a:tailEnd type="none" w="med" len="med"/>
+                    </a:lnR>
+                    <a:lnT w="12700" cap="flat" cmpd="sng" algn="ctr">
+                      <a:solidFill>
+                        <a:schemeClr val="tx1"/>
+                      </a:solidFill>
+                      <a:prstDash val="solid"/>
+                      <a:round/>
+                      <a:headEnd type="none" w="med" len="med"/>
+                      <a:tailEnd type="none" w="med" len="med"/>
+                    </a:lnT>
+                    <a:lnB w="12700" cap="flat" cmpd="sng" algn="ctr">
+                      <a:solidFill>
+                        <a:schemeClr val="tx1"/>
+                      </a:solidFill>
+                      <a:prstDash val="solid"/>
+                      <a:round/>
+                      <a:headEnd type="none" w="med" len="med"/>
+                      <a:tailEnd type="none" w="med" len="med"/>
+                    </a:lnB>
+                    <a:solidFill>
+                      <a:srgbClr val="4C50BC"/>
+                    </a:solidFill>
+                  </a:tcPr>
+                </a:tc>
+                <a:extLst>
+                  <a:ext uri="{0D108BD9-81ED-4DB2-BD59-A6C34878D82A}">
+                    <a16:rowId xmlns:a16="http://schemas.microsoft.com/office/drawing/2014/main" val="2654211035"/>
+                  </a:ext>
+                </a:extLst>
+              </a:tr>
+              <a:tr h="370840">
+                <a:tc>
+                  <a:txBody>
+                    <a:bodyPr/>
+                    <a:lstStyle/>
+                    <a:p>
+                      <a:pPr latinLnBrk="1"/>
+                      <a:r>
+                        <a:rPr lang="ko-KR" altLang="en-US" sz="2200" dirty="0">
+                          <a:ea typeface="G마켓 산스 Medium" panose="02000000000000000000"/>
+                        </a:rPr>
+                        <a:t>멤버변수</a:t>
+                      </a:r>
+                    </a:p>
+                  </a:txBody>
+                  <a:tcPr>
+                    <a:lnL w="12700" cap="flat" cmpd="sng" algn="ctr">
+                      <a:solidFill>
+                        <a:schemeClr val="tx1"/>
+                      </a:solidFill>
+                      <a:prstDash val="solid"/>
+                      <a:round/>
+                      <a:headEnd type="none" w="med" len="med"/>
+                      <a:tailEnd type="none" w="med" len="med"/>
+                    </a:lnL>
+                    <a:lnR w="12700" cap="flat" cmpd="sng" algn="ctr">
+                      <a:solidFill>
+                        <a:schemeClr val="tx1"/>
+                      </a:solidFill>
+                      <a:prstDash val="solid"/>
+                      <a:round/>
+                      <a:headEnd type="none" w="med" len="med"/>
+                      <a:tailEnd type="none" w="med" len="med"/>
+                    </a:lnR>
+                    <a:lnT w="12700" cap="flat" cmpd="sng" algn="ctr">
+                      <a:solidFill>
+                        <a:schemeClr val="tx1"/>
+                      </a:solidFill>
+                      <a:prstDash val="solid"/>
+                      <a:round/>
+                      <a:headEnd type="none" w="med" len="med"/>
+                      <a:tailEnd type="none" w="med" len="med"/>
+                    </a:lnT>
+                    <a:lnB w="12700" cap="flat" cmpd="sng" algn="ctr">
+                      <a:solidFill>
+                        <a:schemeClr val="tx1"/>
+                      </a:solidFill>
+                      <a:prstDash val="solid"/>
+                      <a:round/>
+                      <a:headEnd type="none" w="med" len="med"/>
+                      <a:tailEnd type="none" w="med" len="med"/>
+                    </a:lnB>
+                    <a:noFill/>
+                  </a:tcPr>
+                </a:tc>
+                <a:tc>
+                  <a:txBody>
+                    <a:bodyPr/>
+                    <a:lstStyle/>
+                    <a:p>
+                      <a:pPr marL="0" marR="0" lvl="0" indent="0" algn="l" defTabSz="914400" rtl="0" eaLnBrk="1" fontAlgn="auto" latinLnBrk="1" hangingPunct="1">
+                        <a:lnSpc>
+                          <a:spcPct val="100000"/>
+                        </a:lnSpc>
+                        <a:spcBef>
+                          <a:spcPts val="0"/>
+                        </a:spcBef>
+                        <a:spcAft>
+                          <a:spcPts val="0"/>
+                        </a:spcAft>
+                        <a:buClrTx/>
+                        <a:buSzTx/>
+                        <a:buFontTx/>
+                        <a:buNone/>
+                        <a:tabLst/>
+                        <a:defRPr/>
+                      </a:pPr>
+                      <a:r>
+                        <a:rPr lang="en-US" altLang="ko-KR" sz="2200" dirty="0">
+                          <a:ea typeface="G마켓 산스 Medium" panose="02000000000000000000"/>
+                        </a:rPr>
+                        <a:t>bool </a:t>
+                      </a:r>
+                      <a:r>
+                        <a:rPr lang="en-US" altLang="ko-KR" sz="2200" dirty="0" err="1">
+                          <a:ea typeface="G마켓 산스 Medium" panose="02000000000000000000"/>
+                        </a:rPr>
+                        <a:t>isOpen</a:t>
+                      </a:r>
+                      <a:endParaRPr lang="ko-KR" altLang="en-US" sz="2200" dirty="0">
+                        <a:ea typeface="G마켓 산스 Medium" panose="02000000000000000000"/>
+                      </a:endParaRPr>
+                    </a:p>
+                  </a:txBody>
+                  <a:tcPr>
+                    <a:lnL w="12700" cap="flat" cmpd="sng" algn="ctr">
+                      <a:solidFill>
+                        <a:schemeClr val="tx1"/>
+                      </a:solidFill>
+                      <a:prstDash val="solid"/>
+                      <a:round/>
+                      <a:headEnd type="none" w="med" len="med"/>
+                      <a:tailEnd type="none" w="med" len="med"/>
+                    </a:lnL>
+                    <a:lnR w="12700" cap="flat" cmpd="sng" algn="ctr">
+                      <a:solidFill>
+                        <a:schemeClr val="tx1"/>
+                      </a:solidFill>
+                      <a:prstDash val="solid"/>
+                      <a:round/>
+                      <a:headEnd type="none" w="med" len="med"/>
+                      <a:tailEnd type="none" w="med" len="med"/>
+                    </a:lnR>
+                    <a:lnT w="12700" cap="flat" cmpd="sng" algn="ctr">
+                      <a:solidFill>
+                        <a:schemeClr val="tx1"/>
+                      </a:solidFill>
+                      <a:prstDash val="solid"/>
+                      <a:round/>
+                      <a:headEnd type="none" w="med" len="med"/>
+                      <a:tailEnd type="none" w="med" len="med"/>
+                    </a:lnT>
+                    <a:lnB w="12700" cap="flat" cmpd="sng" algn="ctr">
+                      <a:solidFill>
+                        <a:schemeClr val="tx1"/>
+                      </a:solidFill>
+                      <a:prstDash val="solid"/>
+                      <a:round/>
+                      <a:headEnd type="none" w="med" len="med"/>
+                      <a:tailEnd type="none" w="med" len="med"/>
+                    </a:lnB>
+                    <a:noFill/>
+                  </a:tcPr>
+                </a:tc>
+                <a:tc>
+                  <a:txBody>
+                    <a:bodyPr/>
+                    <a:lstStyle/>
+                    <a:p>
+                      <a:pPr marL="0" marR="0" lvl="0" indent="0" algn="l" defTabSz="914400" rtl="0" eaLnBrk="1" fontAlgn="auto" latinLnBrk="1" hangingPunct="1">
+                        <a:lnSpc>
+                          <a:spcPct val="100000"/>
+                        </a:lnSpc>
+                        <a:spcBef>
+                          <a:spcPts val="0"/>
+                        </a:spcBef>
+                        <a:spcAft>
+                          <a:spcPts val="0"/>
+                        </a:spcAft>
+                        <a:buClrTx/>
+                        <a:buSzTx/>
+                        <a:buFontTx/>
+                        <a:buNone/>
+                        <a:tabLst/>
+                        <a:defRPr/>
+                      </a:pPr>
+                      <a:r>
+                        <a:rPr lang="ko-KR" altLang="en-US" sz="2000" dirty="0">
+                          <a:ea typeface="G마켓 산스 Medium" panose="02000000000000000000"/>
+                        </a:rPr>
+                        <a:t>문 열림 여부</a:t>
+                      </a:r>
+                    </a:p>
+                  </a:txBody>
+                  <a:tcPr>
+                    <a:lnL w="12700" cap="flat" cmpd="sng" algn="ctr">
+                      <a:solidFill>
+                        <a:schemeClr val="tx1"/>
+                      </a:solidFill>
+                      <a:prstDash val="solid"/>
+                      <a:round/>
+                      <a:headEnd type="none" w="med" len="med"/>
+                      <a:tailEnd type="none" w="med" len="med"/>
+                    </a:lnL>
+                    <a:lnR w="12700" cap="flat" cmpd="sng" algn="ctr">
+                      <a:solidFill>
+                        <a:schemeClr val="tx1"/>
+                      </a:solidFill>
+                      <a:prstDash val="solid"/>
+                      <a:round/>
+                      <a:headEnd type="none" w="med" len="med"/>
+                      <a:tailEnd type="none" w="med" len="med"/>
+                    </a:lnR>
+                    <a:lnT w="12700" cap="flat" cmpd="sng" algn="ctr">
+                      <a:solidFill>
+                        <a:schemeClr val="tx1"/>
+                      </a:solidFill>
+                      <a:prstDash val="solid"/>
+                      <a:round/>
+                      <a:headEnd type="none" w="med" len="med"/>
+                      <a:tailEnd type="none" w="med" len="med"/>
+                    </a:lnT>
+                    <a:lnB w="12700" cap="flat" cmpd="sng" algn="ctr">
+                      <a:solidFill>
+                        <a:schemeClr val="tx1"/>
+                      </a:solidFill>
+                      <a:prstDash val="solid"/>
+                      <a:round/>
+                      <a:headEnd type="none" w="med" len="med"/>
+                      <a:tailEnd type="none" w="med" len="med"/>
+                    </a:lnB>
+                    <a:noFill/>
+                  </a:tcPr>
+                </a:tc>
+                <a:extLst>
+                  <a:ext uri="{0D108BD9-81ED-4DB2-BD59-A6C34878D82A}">
+                    <a16:rowId xmlns:a16="http://schemas.microsoft.com/office/drawing/2014/main" val="2013197181"/>
+                  </a:ext>
+                </a:extLst>
+              </a:tr>
+              <a:tr h="370840">
+                <a:tc>
+                  <a:txBody>
+                    <a:bodyPr/>
+                    <a:lstStyle/>
+                    <a:p>
+                      <a:pPr marL="0" marR="0" lvl="0" indent="0" algn="l" defTabSz="914400" rtl="0" eaLnBrk="1" fontAlgn="auto" latinLnBrk="1" hangingPunct="1">
+                        <a:lnSpc>
+                          <a:spcPct val="100000"/>
+                        </a:lnSpc>
+                        <a:spcBef>
+                          <a:spcPts val="0"/>
+                        </a:spcBef>
+                        <a:spcAft>
+                          <a:spcPts val="0"/>
+                        </a:spcAft>
+                        <a:buClrTx/>
+                        <a:buSzTx/>
+                        <a:buFontTx/>
+                        <a:buNone/>
+                        <a:tabLst/>
+                        <a:defRPr/>
+                      </a:pPr>
+                      <a:r>
+                        <a:rPr lang="ko-KR" altLang="en-US" sz="2200" dirty="0">
+                          <a:ea typeface="G마켓 산스 Medium" panose="02000000000000000000"/>
+                        </a:rPr>
+                        <a:t>메서드</a:t>
+                      </a:r>
+                    </a:p>
+                  </a:txBody>
+                  <a:tcPr>
+                    <a:lnL w="12700" cap="flat" cmpd="sng" algn="ctr">
+                      <a:solidFill>
+                        <a:schemeClr val="tx1"/>
+                      </a:solidFill>
+                      <a:prstDash val="solid"/>
+                      <a:round/>
+                      <a:headEnd type="none" w="med" len="med"/>
+                      <a:tailEnd type="none" w="med" len="med"/>
+                    </a:lnL>
+                    <a:lnR w="12700" cap="flat" cmpd="sng" algn="ctr">
+                      <a:solidFill>
+                        <a:schemeClr val="tx1"/>
+                      </a:solidFill>
+                      <a:prstDash val="solid"/>
+                      <a:round/>
+                      <a:headEnd type="none" w="med" len="med"/>
+                      <a:tailEnd type="none" w="med" len="med"/>
+                    </a:lnR>
+                    <a:lnT w="12700" cap="flat" cmpd="sng" algn="ctr">
+                      <a:solidFill>
+                        <a:schemeClr val="tx1"/>
+                      </a:solidFill>
+                      <a:prstDash val="solid"/>
+                      <a:round/>
+                      <a:headEnd type="none" w="med" len="med"/>
+                      <a:tailEnd type="none" w="med" len="med"/>
+                    </a:lnT>
+                    <a:lnB w="12700" cap="flat" cmpd="sng" algn="ctr">
+                      <a:solidFill>
+                        <a:schemeClr val="tx1"/>
+                      </a:solidFill>
+                      <a:prstDash val="solid"/>
+                      <a:round/>
+                      <a:headEnd type="none" w="med" len="med"/>
+                      <a:tailEnd type="none" w="med" len="med"/>
+                    </a:lnB>
+                    <a:noFill/>
+                  </a:tcPr>
+                </a:tc>
+                <a:tc>
+                  <a:txBody>
+                    <a:bodyPr/>
+                    <a:lstStyle/>
+                    <a:p>
+                      <a:pPr latinLnBrk="1"/>
+                      <a:r>
+                        <a:rPr lang="en-US" altLang="ko-KR" sz="2200" dirty="0">
+                          <a:ea typeface="G마켓 산스 Medium" panose="02000000000000000000"/>
+                        </a:rPr>
+                        <a:t>void</a:t>
+                      </a:r>
+                      <a:r>
+                        <a:rPr lang="ko-KR" altLang="en-US" sz="2200" dirty="0">
+                          <a:ea typeface="G마켓 산스 Medium" panose="02000000000000000000"/>
+                        </a:rPr>
+                        <a:t> </a:t>
+                      </a:r>
+                      <a:r>
+                        <a:rPr lang="en-US" altLang="ko-KR" sz="2200" dirty="0">
+                          <a:ea typeface="G마켓 산스 Medium" panose="02000000000000000000"/>
+                        </a:rPr>
+                        <a:t>Open()</a:t>
+                      </a:r>
+                      <a:endParaRPr lang="ko-KR" altLang="en-US" sz="2200" dirty="0">
+                        <a:ea typeface="G마켓 산스 Medium" panose="02000000000000000000"/>
+                      </a:endParaRPr>
+                    </a:p>
+                  </a:txBody>
+                  <a:tcPr>
+                    <a:lnL w="12700" cap="flat" cmpd="sng" algn="ctr">
+                      <a:solidFill>
+                        <a:schemeClr val="tx1"/>
+                      </a:solidFill>
+                      <a:prstDash val="solid"/>
+                      <a:round/>
+                      <a:headEnd type="none" w="med" len="med"/>
+                      <a:tailEnd type="none" w="med" len="med"/>
+                    </a:lnL>
+                    <a:lnR w="12700" cap="flat" cmpd="sng" algn="ctr">
+                      <a:solidFill>
+                        <a:schemeClr val="tx1"/>
+                      </a:solidFill>
+                      <a:prstDash val="solid"/>
+                      <a:round/>
+                      <a:headEnd type="none" w="med" len="med"/>
+                      <a:tailEnd type="none" w="med" len="med"/>
+                    </a:lnR>
+                    <a:lnT w="12700" cap="flat" cmpd="sng" algn="ctr">
+                      <a:solidFill>
+                        <a:schemeClr val="tx1"/>
+                      </a:solidFill>
+                      <a:prstDash val="solid"/>
+                      <a:round/>
+                      <a:headEnd type="none" w="med" len="med"/>
+                      <a:tailEnd type="none" w="med" len="med"/>
+                    </a:lnT>
+                    <a:lnB w="12700" cap="flat" cmpd="sng" algn="ctr">
+                      <a:solidFill>
+                        <a:schemeClr val="tx1"/>
+                      </a:solidFill>
+                      <a:prstDash val="solid"/>
+                      <a:round/>
+                      <a:headEnd type="none" w="med" len="med"/>
+                      <a:tailEnd type="none" w="med" len="med"/>
+                    </a:lnB>
+                    <a:noFill/>
+                  </a:tcPr>
+                </a:tc>
+                <a:tc>
+                  <a:txBody>
+                    <a:bodyPr/>
+                    <a:lstStyle/>
+                    <a:p>
+                      <a:pPr latinLnBrk="1"/>
+                      <a:endParaRPr lang="en-US" altLang="ko-KR" sz="2000" dirty="0">
+                        <a:ea typeface="G마켓 산스 Medium" panose="02000000000000000000"/>
+                      </a:endParaRPr>
+                    </a:p>
+                  </a:txBody>
+                  <a:tcPr>
+                    <a:lnL w="12700" cap="flat" cmpd="sng" algn="ctr">
+                      <a:solidFill>
+                        <a:schemeClr val="tx1"/>
+                      </a:solidFill>
+                      <a:prstDash val="solid"/>
+                      <a:round/>
+                      <a:headEnd type="none" w="med" len="med"/>
+                      <a:tailEnd type="none" w="med" len="med"/>
+                    </a:lnL>
+                    <a:lnR w="12700" cap="flat" cmpd="sng" algn="ctr">
+                      <a:solidFill>
+                        <a:schemeClr val="tx1"/>
+                      </a:solidFill>
+                      <a:prstDash val="solid"/>
+                      <a:round/>
+                      <a:headEnd type="none" w="med" len="med"/>
+                      <a:tailEnd type="none" w="med" len="med"/>
+                    </a:lnR>
+                    <a:lnT w="12700" cap="flat" cmpd="sng" algn="ctr">
+                      <a:solidFill>
+                        <a:schemeClr val="tx1"/>
+                      </a:solidFill>
+                      <a:prstDash val="solid"/>
+                      <a:round/>
+                      <a:headEnd type="none" w="med" len="med"/>
+                      <a:tailEnd type="none" w="med" len="med"/>
+                    </a:lnT>
+                    <a:lnB w="12700" cap="flat" cmpd="sng" algn="ctr">
+                      <a:solidFill>
+                        <a:schemeClr val="tx1"/>
+                      </a:solidFill>
+                      <a:prstDash val="solid"/>
+                      <a:round/>
+                      <a:headEnd type="none" w="med" len="med"/>
+                      <a:tailEnd type="none" w="med" len="med"/>
+                    </a:lnB>
+                    <a:noFill/>
+                  </a:tcPr>
+                </a:tc>
+                <a:extLst>
+                  <a:ext uri="{0D108BD9-81ED-4DB2-BD59-A6C34878D82A}">
+                    <a16:rowId xmlns:a16="http://schemas.microsoft.com/office/drawing/2014/main" val="2280857763"/>
+                  </a:ext>
+                </a:extLst>
+              </a:tr>
+              <a:tr h="370840">
+                <a:tc>
+                  <a:txBody>
+                    <a:bodyPr/>
+                    <a:lstStyle/>
+                    <a:p>
+                      <a:pPr latinLnBrk="1"/>
+                      <a:endParaRPr lang="ko-KR" altLang="en-US" sz="2200" dirty="0">
+                        <a:ea typeface="G마켓 산스 Medium" panose="02000000000000000000"/>
+                      </a:endParaRPr>
+                    </a:p>
+                  </a:txBody>
+                  <a:tcPr>
+                    <a:lnL w="12700" cap="flat" cmpd="sng" algn="ctr">
+                      <a:solidFill>
+                        <a:schemeClr val="tx1"/>
+                      </a:solidFill>
+                      <a:prstDash val="solid"/>
+                      <a:round/>
+                      <a:headEnd type="none" w="med" len="med"/>
+                      <a:tailEnd type="none" w="med" len="med"/>
+                    </a:lnL>
+                    <a:lnR w="12700" cap="flat" cmpd="sng" algn="ctr">
+                      <a:solidFill>
+                        <a:schemeClr val="tx1"/>
+                      </a:solidFill>
+                      <a:prstDash val="solid"/>
+                      <a:round/>
+                      <a:headEnd type="none" w="med" len="med"/>
+                      <a:tailEnd type="none" w="med" len="med"/>
+                    </a:lnR>
+                    <a:lnT w="12700" cap="flat" cmpd="sng" algn="ctr">
+                      <a:solidFill>
+                        <a:schemeClr val="tx1"/>
+                      </a:solidFill>
+                      <a:prstDash val="solid"/>
+                      <a:round/>
+                      <a:headEnd type="none" w="med" len="med"/>
+                      <a:tailEnd type="none" w="med" len="med"/>
+                    </a:lnT>
+                    <a:lnB w="12700" cap="flat" cmpd="sng" algn="ctr">
+                      <a:solidFill>
+                        <a:schemeClr val="tx1"/>
+                      </a:solidFill>
+                      <a:prstDash val="solid"/>
+                      <a:round/>
+                      <a:headEnd type="none" w="med" len="med"/>
+                      <a:tailEnd type="none" w="med" len="med"/>
+                    </a:lnB>
+                    <a:noFill/>
+                  </a:tcPr>
+                </a:tc>
+                <a:tc>
+                  <a:txBody>
+                    <a:bodyPr/>
+                    <a:lstStyle/>
+                    <a:p>
+                      <a:pPr latinLnBrk="1"/>
+                      <a:r>
+                        <a:rPr lang="en-US" altLang="ko-KR" sz="2200" dirty="0">
+                          <a:ea typeface="G마켓 산스 Medium" panose="02000000000000000000"/>
+                        </a:rPr>
+                        <a:t>void Close()</a:t>
+                      </a:r>
+                      <a:endParaRPr lang="ko-KR" altLang="en-US" sz="2200" dirty="0">
+                        <a:ea typeface="G마켓 산스 Medium" panose="02000000000000000000"/>
+                      </a:endParaRPr>
+                    </a:p>
+                  </a:txBody>
+                  <a:tcPr>
+                    <a:lnL w="12700" cap="flat" cmpd="sng" algn="ctr">
+                      <a:solidFill>
+                        <a:schemeClr val="tx1"/>
+                      </a:solidFill>
+                      <a:prstDash val="solid"/>
+                      <a:round/>
+                      <a:headEnd type="none" w="med" len="med"/>
+                      <a:tailEnd type="none" w="med" len="med"/>
+                    </a:lnL>
+                    <a:lnR w="12700" cap="flat" cmpd="sng" algn="ctr">
+                      <a:solidFill>
+                        <a:schemeClr val="tx1"/>
+                      </a:solidFill>
+                      <a:prstDash val="solid"/>
+                      <a:round/>
+                      <a:headEnd type="none" w="med" len="med"/>
+                      <a:tailEnd type="none" w="med" len="med"/>
+                    </a:lnR>
+                    <a:lnT w="12700" cap="flat" cmpd="sng" algn="ctr">
+                      <a:solidFill>
+                        <a:schemeClr val="tx1"/>
+                      </a:solidFill>
+                      <a:prstDash val="solid"/>
+                      <a:round/>
+                      <a:headEnd type="none" w="med" len="med"/>
+                      <a:tailEnd type="none" w="med" len="med"/>
+                    </a:lnT>
+                    <a:lnB w="12700" cap="flat" cmpd="sng" algn="ctr">
+                      <a:solidFill>
+                        <a:schemeClr val="tx1"/>
+                      </a:solidFill>
+                      <a:prstDash val="solid"/>
+                      <a:round/>
+                      <a:headEnd type="none" w="med" len="med"/>
+                      <a:tailEnd type="none" w="med" len="med"/>
+                    </a:lnB>
+                    <a:noFill/>
+                  </a:tcPr>
+                </a:tc>
+                <a:tc>
+                  <a:txBody>
+                    <a:bodyPr/>
+                    <a:lstStyle/>
+                    <a:p>
+                      <a:pPr latinLnBrk="1"/>
+                      <a:endParaRPr lang="ko-KR" altLang="en-US" sz="2000" dirty="0">
+                        <a:ea typeface="G마켓 산스 Medium" panose="02000000000000000000"/>
+                      </a:endParaRPr>
+                    </a:p>
+                  </a:txBody>
+                  <a:tcPr>
+                    <a:lnL w="12700" cap="flat" cmpd="sng" algn="ctr">
+                      <a:solidFill>
+                        <a:schemeClr val="tx1"/>
+                      </a:solidFill>
+                      <a:prstDash val="solid"/>
+                      <a:round/>
+                      <a:headEnd type="none" w="med" len="med"/>
+                      <a:tailEnd type="none" w="med" len="med"/>
+                    </a:lnL>
+                    <a:lnR w="12700" cap="flat" cmpd="sng" algn="ctr">
+                      <a:solidFill>
+                        <a:schemeClr val="tx1"/>
+                      </a:solidFill>
+                      <a:prstDash val="solid"/>
+                      <a:round/>
+                      <a:headEnd type="none" w="med" len="med"/>
+                      <a:tailEnd type="none" w="med" len="med"/>
+                    </a:lnR>
+                    <a:lnT w="12700" cap="flat" cmpd="sng" algn="ctr">
+                      <a:solidFill>
+                        <a:schemeClr val="tx1"/>
+                      </a:solidFill>
+                      <a:prstDash val="solid"/>
+                      <a:round/>
+                      <a:headEnd type="none" w="med" len="med"/>
+                      <a:tailEnd type="none" w="med" len="med"/>
+                    </a:lnT>
+                    <a:lnB w="12700" cap="flat" cmpd="sng" algn="ctr">
+                      <a:solidFill>
+                        <a:schemeClr val="tx1"/>
+                      </a:solidFill>
+                      <a:prstDash val="solid"/>
+                      <a:round/>
+                      <a:headEnd type="none" w="med" len="med"/>
+                      <a:tailEnd type="none" w="med" len="med"/>
+                    </a:lnB>
+                    <a:noFill/>
+                  </a:tcPr>
+                </a:tc>
+                <a:extLst>
+                  <a:ext uri="{0D108BD9-81ED-4DB2-BD59-A6C34878D82A}">
+                    <a16:rowId xmlns:a16="http://schemas.microsoft.com/office/drawing/2014/main" val="1463387718"/>
+                  </a:ext>
+                </a:extLst>
+              </a:tr>
+            </a:tbl>
+          </a:graphicData>
+        </a:graphic>
+      </p:graphicFrame>
     </p:spTree>
     <p:extLst>
       <p:ext uri="{BB962C8B-B14F-4D97-AF65-F5344CB8AC3E}">
@@ -9930,13 +12072,6 @@
   <p:clrMapOvr>
     <a:masterClrMapping/>
   </p:clrMapOvr>
-  <p:timing>
-    <p:tnLst>
-      <p:par>
-        <p:cTn id="1" dur="indefinite" restart="never" nodeType="tmRoot"/>
-      </p:par>
-    </p:tnLst>
-  </p:timing>
 </p:sld>
 </file>
 
@@ -10150,7 +12285,7 @@
           <p:cNvPr id="2" name="TextBox 1">
             <a:extLst>
               <a:ext uri="{FF2B5EF4-FFF2-40B4-BE49-F238E27FC236}">
-                <a16:creationId xmlns="" xmlns:a16="http://schemas.microsoft.com/office/drawing/2014/main" id="{76F36AE5-79B5-0B9F-E510-1C27AAC4B649}"/>
+                <a16:creationId xmlns:a16="http://schemas.microsoft.com/office/drawing/2014/main" id="{76F36AE5-79B5-0B9F-E510-1C27AAC4B649}"/>
               </a:ext>
             </a:extLst>
           </p:cNvPr>
@@ -10174,7 +12309,7 @@
           <a:lstStyle/>
           <a:p>
             <a:r>
-              <a:rPr lang="ko-KR" altLang="en-US" sz="6600" smtClean="0">
+              <a:rPr lang="ko-KR" altLang="en-US" sz="6600">
                 <a:solidFill>
                   <a:schemeClr val="bg1"/>
                 </a:solidFill>
@@ -10203,13 +12338,6 @@
   <p:clrMapOvr>
     <a:masterClrMapping/>
   </p:clrMapOvr>
-  <p:timing>
-    <p:tnLst>
-      <p:par>
-        <p:cTn id="1" dur="indefinite" restart="never" nodeType="tmRoot"/>
-      </p:par>
-    </p:tnLst>
-  </p:timing>
 </p:sld>
 </file>
 
@@ -10235,7 +12363,7 @@
           <p:cNvPr id="4" name="TextBox 3">
             <a:extLst>
               <a:ext uri="{FF2B5EF4-FFF2-40B4-BE49-F238E27FC236}">
-                <a16:creationId xmlns="" xmlns:a16="http://schemas.microsoft.com/office/drawing/2014/main" id="{5ADC00B6-990A-40DC-3CEA-505258F5E8DA}"/>
+                <a16:creationId xmlns:a16="http://schemas.microsoft.com/office/drawing/2014/main" id="{5ADC00B6-990A-40DC-3CEA-505258F5E8DA}"/>
               </a:ext>
             </a:extLst>
           </p:cNvPr>
@@ -10259,7 +12387,7 @@
           <a:lstStyle/>
           <a:p>
             <a:r>
-              <a:rPr lang="ko-KR" altLang="en-US" sz="4800" smtClean="0">
+              <a:rPr lang="ko-KR" altLang="en-US" sz="4800">
                 <a:solidFill>
                   <a:srgbClr val="4C50BC"/>
                 </a:solidFill>
@@ -10283,7 +12411,7 @@
           <p:cNvPr id="5" name="TextBox 4">
             <a:extLst>
               <a:ext uri="{FF2B5EF4-FFF2-40B4-BE49-F238E27FC236}">
-                <a16:creationId xmlns:a16="http://schemas.microsoft.com/office/drawing/2014/main" xmlns="" id="{A2AD056B-97A4-5BCC-4460-250160F3E171}"/>
+                <a16:creationId xmlns:a16="http://schemas.microsoft.com/office/drawing/2014/main" id="{A2AD056B-97A4-5BCC-4460-250160F3E171}"/>
               </a:ext>
             </a:extLst>
           </p:cNvPr>
@@ -10307,7 +12435,7 @@
           <a:lstStyle/>
           <a:p>
             <a:r>
-              <a:rPr lang="ko-KR" altLang="en-US" sz="4000" smtClean="0">
+              <a:rPr lang="ko-KR" altLang="en-US" sz="4000">
                 <a:solidFill>
                   <a:srgbClr val="FF0000"/>
                 </a:solidFill>
@@ -10317,7 +12445,7 @@
               <a:t>부모로부터 물려 받음 멤버변수</a:t>
             </a:r>
             <a:r>
-              <a:rPr lang="en-US" altLang="ko-KR" sz="4000" smtClean="0">
+              <a:rPr lang="en-US" altLang="ko-KR" sz="4000">
                 <a:solidFill>
                   <a:srgbClr val="FF0000"/>
                 </a:solidFill>
@@ -10327,7 +12455,7 @@
               <a:t>, </a:t>
             </a:r>
             <a:r>
-              <a:rPr lang="ko-KR" altLang="en-US" sz="4000" smtClean="0">
+              <a:rPr lang="ko-KR" altLang="en-US" sz="4000">
                 <a:solidFill>
                   <a:srgbClr val="FF0000"/>
                 </a:solidFill>
@@ -10399,7 +12527,7 @@
           <p:cNvPr id="8" name="그룹 1008">
             <a:extLst>
               <a:ext uri="{FF2B5EF4-FFF2-40B4-BE49-F238E27FC236}">
-                <a16:creationId xmlns:a16="http://schemas.microsoft.com/office/drawing/2014/main" xmlns="" id="{678F6342-C505-E8AD-ADA4-022CB2C2088E}"/>
+                <a16:creationId xmlns:a16="http://schemas.microsoft.com/office/drawing/2014/main" id="{678F6342-C505-E8AD-ADA4-022CB2C2088E}"/>
               </a:ext>
             </a:extLst>
           </p:cNvPr>
@@ -10419,7 +12547,7 @@
             <p:cNvPr id="9" name="그룹 1009">
               <a:extLst>
                 <a:ext uri="{FF2B5EF4-FFF2-40B4-BE49-F238E27FC236}">
-                  <a16:creationId xmlns:a16="http://schemas.microsoft.com/office/drawing/2014/main" xmlns="" id="{4E1F1FED-812B-9BBB-925A-84B54A077414}"/>
+                  <a16:creationId xmlns:a16="http://schemas.microsoft.com/office/drawing/2014/main" id="{4E1F1FED-812B-9BBB-925A-84B54A077414}"/>
                 </a:ext>
               </a:extLst>
             </p:cNvPr>
@@ -10439,7 +12567,7 @@
               <p:cNvPr id="14" name="Object 29">
                 <a:extLst>
                   <a:ext uri="{FF2B5EF4-FFF2-40B4-BE49-F238E27FC236}">
-                    <a16:creationId xmlns:a16="http://schemas.microsoft.com/office/drawing/2014/main" xmlns="" id="{7B078609-4286-7B00-51EB-809C8E2DE289}"/>
+                    <a16:creationId xmlns:a16="http://schemas.microsoft.com/office/drawing/2014/main" id="{7B078609-4286-7B00-51EB-809C8E2DE289}"/>
                   </a:ext>
                 </a:extLst>
               </p:cNvPr>
@@ -10470,7 +12598,7 @@
             <p:cNvPr id="10" name="그룹 1010">
               <a:extLst>
                 <a:ext uri="{FF2B5EF4-FFF2-40B4-BE49-F238E27FC236}">
-                  <a16:creationId xmlns:a16="http://schemas.microsoft.com/office/drawing/2014/main" xmlns="" id="{02A649BF-B5B5-FBAF-7DFD-E118A4DF8907}"/>
+                  <a16:creationId xmlns:a16="http://schemas.microsoft.com/office/drawing/2014/main" id="{02A649BF-B5B5-FBAF-7DFD-E118A4DF8907}"/>
                 </a:ext>
               </a:extLst>
             </p:cNvPr>
@@ -10490,7 +12618,7 @@
               <p:cNvPr id="13" name="Object 32">
                 <a:extLst>
                   <a:ext uri="{FF2B5EF4-FFF2-40B4-BE49-F238E27FC236}">
-                    <a16:creationId xmlns:a16="http://schemas.microsoft.com/office/drawing/2014/main" xmlns="" id="{2A0FFF23-B3C9-3EA0-1C1B-A87D4FF098AE}"/>
+                    <a16:creationId xmlns:a16="http://schemas.microsoft.com/office/drawing/2014/main" id="{2A0FFF23-B3C9-3EA0-1C1B-A87D4FF098AE}"/>
                   </a:ext>
                 </a:extLst>
               </p:cNvPr>
@@ -10521,7 +12649,7 @@
             <p:cNvPr id="11" name="그룹 1011">
               <a:extLst>
                 <a:ext uri="{FF2B5EF4-FFF2-40B4-BE49-F238E27FC236}">
-                  <a16:creationId xmlns:a16="http://schemas.microsoft.com/office/drawing/2014/main" xmlns="" id="{881F5410-F7FB-F261-A584-707359BAC593}"/>
+                  <a16:creationId xmlns:a16="http://schemas.microsoft.com/office/drawing/2014/main" id="{881F5410-F7FB-F261-A584-707359BAC593}"/>
                 </a:ext>
               </a:extLst>
             </p:cNvPr>
@@ -10541,7 +12669,7 @@
               <p:cNvPr id="12" name="Object 35">
                 <a:extLst>
                   <a:ext uri="{FF2B5EF4-FFF2-40B4-BE49-F238E27FC236}">
-                    <a16:creationId xmlns:a16="http://schemas.microsoft.com/office/drawing/2014/main" xmlns="" id="{4E99E669-73EB-F9F4-EFE8-DC107035C265}"/>
+                    <a16:creationId xmlns:a16="http://schemas.microsoft.com/office/drawing/2014/main" id="{4E99E669-73EB-F9F4-EFE8-DC107035C265}"/>
                   </a:ext>
                 </a:extLst>
               </p:cNvPr>
@@ -10578,13 +12706,6 @@
   <p:clrMapOvr>
     <a:masterClrMapping/>
   </p:clrMapOvr>
-  <p:timing>
-    <p:tnLst>
-      <p:par>
-        <p:cTn id="1" dur="indefinite" restart="never" nodeType="tmRoot"/>
-      </p:par>
-    </p:tnLst>
-  </p:timing>
 </p:sld>
 </file>
 
@@ -10658,7 +12779,7 @@
           <p:cNvPr id="6" name="직사각형 5">
             <a:extLst>
               <a:ext uri="{FF2B5EF4-FFF2-40B4-BE49-F238E27FC236}">
-                <a16:creationId xmlns="" xmlns:a16="http://schemas.microsoft.com/office/drawing/2014/main" id="{FFF506F9-840A-0508-4CAF-3AC711D8D5CE}"/>
+                <a16:creationId xmlns:a16="http://schemas.microsoft.com/office/drawing/2014/main" id="{FFF506F9-840A-0508-4CAF-3AC711D8D5CE}"/>
               </a:ext>
             </a:extLst>
           </p:cNvPr>
@@ -10734,7 +12855,7 @@
           <p:cNvPr id="8" name="TextBox 7">
             <a:extLst>
               <a:ext uri="{FF2B5EF4-FFF2-40B4-BE49-F238E27FC236}">
-                <a16:creationId xmlns="" xmlns:a16="http://schemas.microsoft.com/office/drawing/2014/main" id="{5ADC00B6-990A-40DC-3CEA-505258F5E8DA}"/>
+                <a16:creationId xmlns:a16="http://schemas.microsoft.com/office/drawing/2014/main" id="{5ADC00B6-990A-40DC-3CEA-505258F5E8DA}"/>
               </a:ext>
             </a:extLst>
           </p:cNvPr>
@@ -10758,27 +12879,17 @@
           <a:lstStyle/>
           <a:p>
             <a:r>
-              <a:rPr lang="ko-KR" altLang="en-US" sz="4800" smtClean="0">
+              <a:rPr lang="ko-KR" altLang="en-US" sz="4800">
                 <a:solidFill>
                   <a:srgbClr val="4C50BC"/>
                 </a:solidFill>
                 <a:latin typeface="G마켓 산스 Medium" panose="02000000000000000000" pitchFamily="50" charset="-127"/>
                 <a:ea typeface="G마켓 산스 Medium" panose="02000000000000000000" pitchFamily="50" charset="-127"/>
               </a:rPr>
-              <a:t>멤버변수의 오버라이딩은 </a:t>
-            </a:r>
-            <a:r>
-              <a:rPr lang="ko-KR" altLang="en-US" sz="4800" smtClean="0">
-                <a:solidFill>
-                  <a:srgbClr val="4C50BC"/>
-                </a:solidFill>
-                <a:latin typeface="G마켓 산스 Medium" panose="02000000000000000000" pitchFamily="50" charset="-127"/>
-                <a:ea typeface="G마켓 산스 Medium" panose="02000000000000000000" pitchFamily="50" charset="-127"/>
-              </a:rPr>
-              <a:t>무슨 의미가 있나</a:t>
-            </a:r>
-            <a:r>
-              <a:rPr lang="en-US" altLang="ko-KR" sz="4800" smtClean="0">
+              <a:t>멤버변수의 오버라이딩은 무슨 의미가 있나</a:t>
+            </a:r>
+            <a:r>
+              <a:rPr lang="en-US" altLang="ko-KR" sz="4800">
                 <a:solidFill>
                   <a:srgbClr val="4C50BC"/>
                 </a:solidFill>
@@ -10788,7 +12899,7 @@
               <a:t>? </a:t>
             </a:r>
             <a:r>
-              <a:rPr lang="ko-KR" altLang="en-US" sz="4800" smtClean="0">
+              <a:rPr lang="ko-KR" altLang="en-US" sz="4800">
                 <a:solidFill>
                   <a:srgbClr val="4C50BC"/>
                 </a:solidFill>
@@ -10798,7 +12909,7 @@
               <a:t>오버라이딩 안해도 있는데</a:t>
             </a:r>
             <a:r>
-              <a:rPr lang="en-US" altLang="ko-KR" sz="4800" smtClean="0">
+              <a:rPr lang="en-US" altLang="ko-KR" sz="4800">
                 <a:solidFill>
                   <a:srgbClr val="4C50BC"/>
                 </a:solidFill>
@@ -10822,7 +12933,7 @@
           <p:cNvPr id="9" name="TextBox 8">
             <a:extLst>
               <a:ext uri="{FF2B5EF4-FFF2-40B4-BE49-F238E27FC236}">
-                <a16:creationId xmlns:a16="http://schemas.microsoft.com/office/drawing/2014/main" xmlns="" id="{C6D113C6-EA5C-788F-0C77-E7CE6EBB865F}"/>
+                <a16:creationId xmlns:a16="http://schemas.microsoft.com/office/drawing/2014/main" id="{C6D113C6-EA5C-788F-0C77-E7CE6EBB865F}"/>
               </a:ext>
             </a:extLst>
           </p:cNvPr>
@@ -10846,7 +12957,7 @@
           <a:lstStyle/>
           <a:p>
             <a:r>
-              <a:rPr lang="en-US" altLang="ko-KR" sz="4000" smtClean="0">
+              <a:rPr lang="en-US" altLang="ko-KR" sz="4000">
                 <a:solidFill>
                   <a:srgbClr val="FF0000"/>
                 </a:solidFill>
@@ -10856,7 +12967,7 @@
               <a:t>super </a:t>
             </a:r>
             <a:r>
-              <a:rPr lang="ko-KR" altLang="en-US" sz="4000" smtClean="0">
+              <a:rPr lang="ko-KR" altLang="en-US" sz="4000">
                 <a:solidFill>
                   <a:srgbClr val="FF0000"/>
                 </a:solidFill>
@@ -10866,7 +12977,7 @@
               <a:t>변수를 배울때 자세히 알아보자</a:t>
             </a:r>
             <a:r>
-              <a:rPr lang="en-US" altLang="ko-KR" sz="4000" smtClean="0">
+              <a:rPr lang="en-US" altLang="ko-KR" sz="4000">
                 <a:solidFill>
                   <a:srgbClr val="FF0000"/>
                 </a:solidFill>
@@ -11068,7 +13179,7 @@
           <p:cNvPr id="5" name="TextBox 4">
             <a:extLst>
               <a:ext uri="{FF2B5EF4-FFF2-40B4-BE49-F238E27FC236}">
-                <a16:creationId xmlns="" xmlns:a16="http://schemas.microsoft.com/office/drawing/2014/main" id="{5ADC00B6-990A-40DC-3CEA-505258F5E8DA}"/>
+                <a16:creationId xmlns:a16="http://schemas.microsoft.com/office/drawing/2014/main" id="{5ADC00B6-990A-40DC-3CEA-505258F5E8DA}"/>
               </a:ext>
             </a:extLst>
           </p:cNvPr>
@@ -11092,7 +13203,7 @@
           <a:lstStyle/>
           <a:p>
             <a:r>
-              <a:rPr lang="ko-KR" altLang="en-US" sz="4800" smtClean="0">
+              <a:rPr lang="ko-KR" altLang="en-US" sz="4800">
                 <a:solidFill>
                   <a:srgbClr val="4C50BC"/>
                 </a:solidFill>
@@ -11140,7 +13251,7 @@
           <p:cNvPr id="9" name="TextBox 8">
             <a:extLst>
               <a:ext uri="{FF2B5EF4-FFF2-40B4-BE49-F238E27FC236}">
-                <a16:creationId xmlns="" xmlns:a16="http://schemas.microsoft.com/office/drawing/2014/main" id="{A2AD056B-97A4-5BCC-4460-250160F3E171}"/>
+                <a16:creationId xmlns:a16="http://schemas.microsoft.com/office/drawing/2014/main" id="{A2AD056B-97A4-5BCC-4460-250160F3E171}"/>
               </a:ext>
             </a:extLst>
           </p:cNvPr>
@@ -11164,7 +13275,7 @@
           <a:lstStyle/>
           <a:p>
             <a:r>
-              <a:rPr lang="ko-KR" altLang="en-US" sz="4000" smtClean="0">
+              <a:rPr lang="ko-KR" altLang="en-US" sz="4000">
                 <a:solidFill>
                   <a:srgbClr val="FF0000"/>
                 </a:solidFill>
@@ -11174,7 +13285,7 @@
               <a:t>메서드의 이름</a:t>
             </a:r>
             <a:r>
-              <a:rPr lang="en-US" altLang="ko-KR" sz="4000" smtClean="0">
+              <a:rPr lang="en-US" altLang="ko-KR" sz="4000">
                 <a:solidFill>
                   <a:srgbClr val="FF0000"/>
                 </a:solidFill>
@@ -11184,7 +13295,7 @@
               <a:t>, </a:t>
             </a:r>
             <a:r>
-              <a:rPr lang="ko-KR" altLang="en-US" sz="4000" smtClean="0">
+              <a:rPr lang="ko-KR" altLang="en-US" sz="4000">
                 <a:solidFill>
                   <a:srgbClr val="FF0000"/>
                 </a:solidFill>
@@ -11194,7 +13305,7 @@
               <a:t>매개변수</a:t>
             </a:r>
             <a:r>
-              <a:rPr lang="en-US" altLang="ko-KR" sz="4000" smtClean="0">
+              <a:rPr lang="en-US" altLang="ko-KR" sz="4000">
                 <a:solidFill>
                   <a:srgbClr val="FF0000"/>
                 </a:solidFill>
@@ -11204,7 +13315,7 @@
               <a:t>, </a:t>
             </a:r>
             <a:r>
-              <a:rPr lang="ko-KR" altLang="en-US" sz="4000" smtClean="0">
+              <a:rPr lang="ko-KR" altLang="en-US" sz="4000">
                 <a:solidFill>
                   <a:srgbClr val="FF0000"/>
                 </a:solidFill>
@@ -11228,7 +13339,7 @@
           <p:cNvPr id="10" name="직선 화살표 연결선 9">
             <a:extLst>
               <a:ext uri="{FF2B5EF4-FFF2-40B4-BE49-F238E27FC236}">
-                <a16:creationId xmlns="" xmlns:a16="http://schemas.microsoft.com/office/drawing/2014/main" id="{299DF5EC-9DF4-5255-06AC-0A7CE4FF58C3}"/>
+                <a16:creationId xmlns:a16="http://schemas.microsoft.com/office/drawing/2014/main" id="{299DF5EC-9DF4-5255-06AC-0A7CE4FF58C3}"/>
               </a:ext>
             </a:extLst>
           </p:cNvPr>
@@ -11269,7 +13380,7 @@
           <p:cNvPr id="11" name="TextBox 10">
             <a:extLst>
               <a:ext uri="{FF2B5EF4-FFF2-40B4-BE49-F238E27FC236}">
-                <a16:creationId xmlns="" xmlns:a16="http://schemas.microsoft.com/office/drawing/2014/main" id="{C6D113C6-EA5C-788F-0C77-E7CE6EBB865F}"/>
+                <a16:creationId xmlns:a16="http://schemas.microsoft.com/office/drawing/2014/main" id="{C6D113C6-EA5C-788F-0C77-E7CE6EBB865F}"/>
               </a:ext>
             </a:extLst>
           </p:cNvPr>
@@ -11293,7 +13404,7 @@
           <a:lstStyle/>
           <a:p>
             <a:r>
-              <a:rPr lang="ko-KR" altLang="en-US" sz="4000" smtClean="0">
+              <a:rPr lang="ko-KR" altLang="en-US" sz="4000">
                 <a:solidFill>
                   <a:srgbClr val="FF0000"/>
                 </a:solidFill>
@@ -11303,7 +13414,7 @@
               <a:t>자식에서 영문으로 바꾸고 싶다면</a:t>
             </a:r>
             <a:r>
-              <a:rPr lang="en-US" altLang="ko-KR" sz="4000" smtClean="0">
+              <a:rPr lang="en-US" altLang="ko-KR" sz="4000">
                 <a:solidFill>
                   <a:srgbClr val="FF0000"/>
                 </a:solidFill>
@@ -11553,7 +13664,7 @@
           <p:cNvPr id="4" name="TextBox 3">
             <a:extLst>
               <a:ext uri="{FF2B5EF4-FFF2-40B4-BE49-F238E27FC236}">
-                <a16:creationId xmlns="" xmlns:a16="http://schemas.microsoft.com/office/drawing/2014/main" id="{5ADC00B6-990A-40DC-3CEA-505258F5E8DA}"/>
+                <a16:creationId xmlns:a16="http://schemas.microsoft.com/office/drawing/2014/main" id="{5ADC00B6-990A-40DC-3CEA-505258F5E8DA}"/>
               </a:ext>
             </a:extLst>
           </p:cNvPr>
@@ -11577,7 +13688,7 @@
           <a:lstStyle/>
           <a:p>
             <a:r>
-              <a:rPr lang="ko-KR" altLang="en-US" sz="4800" smtClean="0">
+              <a:rPr lang="ko-KR" altLang="en-US" sz="4800">
                 <a:solidFill>
                   <a:srgbClr val="4C50BC"/>
                 </a:solidFill>
@@ -11586,7 +13697,7 @@
               </a:rPr>
               <a:t>공변반환타입</a:t>
             </a:r>
-            <a:endParaRPr lang="en-US" altLang="ko-KR" sz="4800" smtClean="0">
+            <a:endParaRPr lang="en-US" altLang="ko-KR" sz="4800">
               <a:solidFill>
                 <a:srgbClr val="4C50BC"/>
               </a:solidFill>
@@ -11625,7 +13736,7 @@
           <p:cNvPr id="6" name="직사각형 5">
             <a:extLst>
               <a:ext uri="{FF2B5EF4-FFF2-40B4-BE49-F238E27FC236}">
-                <a16:creationId xmlns="" xmlns:a16="http://schemas.microsoft.com/office/drawing/2014/main" id="{FFF506F9-840A-0508-4CAF-3AC711D8D5CE}"/>
+                <a16:creationId xmlns:a16="http://schemas.microsoft.com/office/drawing/2014/main" id="{FFF506F9-840A-0508-4CAF-3AC711D8D5CE}"/>
               </a:ext>
             </a:extLst>
           </p:cNvPr>
@@ -11701,7 +13812,7 @@
           <p:cNvPr id="8" name="TextBox 7">
             <a:extLst>
               <a:ext uri="{FF2B5EF4-FFF2-40B4-BE49-F238E27FC236}">
-                <a16:creationId xmlns="" xmlns:a16="http://schemas.microsoft.com/office/drawing/2014/main" id="{A2AD056B-97A4-5BCC-4460-250160F3E171}"/>
+                <a16:creationId xmlns:a16="http://schemas.microsoft.com/office/drawing/2014/main" id="{A2AD056B-97A4-5BCC-4460-250160F3E171}"/>
               </a:ext>
             </a:extLst>
           </p:cNvPr>
@@ -11725,7 +13836,7 @@
           <a:lstStyle/>
           <a:p>
             <a:r>
-              <a:rPr lang="ko-KR" altLang="en-US" sz="4000" smtClean="0">
+              <a:rPr lang="ko-KR" altLang="en-US" sz="4000">
                 <a:solidFill>
                   <a:srgbClr val="FF0000"/>
                 </a:solidFill>
@@ -11754,13 +13865,6 @@
   <p:clrMapOvr>
     <a:masterClrMapping/>
   </p:clrMapOvr>
-  <p:timing>
-    <p:tnLst>
-      <p:par>
-        <p:cTn id="1" dur="indefinite" restart="never" nodeType="tmRoot"/>
-      </p:par>
-    </p:tnLst>
-  </p:timing>
 </p:sld>
 </file>
 
@@ -11786,7 +13890,7 @@
           <p:cNvPr id="4" name="TextBox 3">
             <a:extLst>
               <a:ext uri="{FF2B5EF4-FFF2-40B4-BE49-F238E27FC236}">
-                <a16:creationId xmlns="" xmlns:a16="http://schemas.microsoft.com/office/drawing/2014/main" id="{5ADC00B6-990A-40DC-3CEA-505258F5E8DA}"/>
+                <a16:creationId xmlns:a16="http://schemas.microsoft.com/office/drawing/2014/main" id="{5ADC00B6-990A-40DC-3CEA-505258F5E8DA}"/>
               </a:ext>
             </a:extLst>
           </p:cNvPr>
@@ -11810,7 +13914,7 @@
           <a:lstStyle/>
           <a:p>
             <a:r>
-              <a:rPr lang="ko-KR" altLang="en-US" sz="4800" smtClean="0">
+              <a:rPr lang="ko-KR" altLang="en-US" sz="4800">
                 <a:solidFill>
                   <a:srgbClr val="4C50BC"/>
                 </a:solidFill>
@@ -11820,7 +13924,7 @@
               <a:t>만약 오버라이딩으로 인정하지 않으면 어떻게 될까</a:t>
             </a:r>
             <a:r>
-              <a:rPr lang="en-US" altLang="ko-KR" sz="4800" smtClean="0">
+              <a:rPr lang="en-US" altLang="ko-KR" sz="4800">
                 <a:solidFill>
                   <a:srgbClr val="4C50BC"/>
                 </a:solidFill>
@@ -11849,13 +13953,6 @@
   <p:clrMapOvr>
     <a:masterClrMapping/>
   </p:clrMapOvr>
-  <p:timing>
-    <p:tnLst>
-      <p:par>
-        <p:cTn id="1" dur="indefinite" restart="never" nodeType="tmRoot"/>
-      </p:par>
-    </p:tnLst>
-  </p:timing>
 </p:sld>
 </file>
 
@@ -11905,7 +14002,7 @@
           <p:cNvPr id="5" name="TextBox 4">
             <a:extLst>
               <a:ext uri="{FF2B5EF4-FFF2-40B4-BE49-F238E27FC236}">
-                <a16:creationId xmlns="" xmlns:a16="http://schemas.microsoft.com/office/drawing/2014/main" id="{A2AD056B-97A4-5BCC-4460-250160F3E171}"/>
+                <a16:creationId xmlns:a16="http://schemas.microsoft.com/office/drawing/2014/main" id="{A2AD056B-97A4-5BCC-4460-250160F3E171}"/>
               </a:ext>
             </a:extLst>
           </p:cNvPr>
@@ -11929,7 +14026,7 @@
           <a:lstStyle/>
           <a:p>
             <a:r>
-              <a:rPr lang="ko-KR" altLang="en-US" sz="4000" smtClean="0">
+              <a:rPr lang="ko-KR" altLang="en-US" sz="4000">
                 <a:solidFill>
                   <a:srgbClr val="FF0000"/>
                 </a:solidFill>
@@ -11939,7 +14036,7 @@
               <a:t>오버라이딩이 아니라면 함수 이름과 매개변수가 같기에 오버로딩으로 분류된다</a:t>
             </a:r>
             <a:r>
-              <a:rPr lang="en-US" altLang="ko-KR" sz="4000" smtClean="0">
+              <a:rPr lang="en-US" altLang="ko-KR" sz="4000">
                 <a:solidFill>
                   <a:srgbClr val="FF0000"/>
                 </a:solidFill>
@@ -11949,7 +14046,7 @@
               <a:t>. </a:t>
             </a:r>
             <a:r>
-              <a:rPr lang="ko-KR" altLang="en-US" sz="4000" smtClean="0">
+              <a:rPr lang="ko-KR" altLang="en-US" sz="4000">
                 <a:solidFill>
                   <a:srgbClr val="FF0000"/>
                 </a:solidFill>
@@ -11959,7 +14056,7 @@
               <a:t>그러나 오버로딩은 리턴타입을 고려하지 않기에 결국 메서드 중복정의로 해당메서드를 문법적으로 만들 방법이 없다</a:t>
             </a:r>
             <a:r>
-              <a:rPr lang="en-US" altLang="ko-KR" sz="4000" smtClean="0">
+              <a:rPr lang="en-US" altLang="ko-KR" sz="4000">
                 <a:solidFill>
                   <a:srgbClr val="FF0000"/>
                 </a:solidFill>
@@ -12007,7 +14104,7 @@
           <p:cNvPr id="7" name="직선 화살표 연결선 6">
             <a:extLst>
               <a:ext uri="{FF2B5EF4-FFF2-40B4-BE49-F238E27FC236}">
-                <a16:creationId xmlns="" xmlns:a16="http://schemas.microsoft.com/office/drawing/2014/main" id="{299DF5EC-9DF4-5255-06AC-0A7CE4FF58C3}"/>
+                <a16:creationId xmlns:a16="http://schemas.microsoft.com/office/drawing/2014/main" id="{299DF5EC-9DF4-5255-06AC-0A7CE4FF58C3}"/>
               </a:ext>
             </a:extLst>
           </p:cNvPr>
@@ -12048,7 +14145,7 @@
           <p:cNvPr id="8" name="TextBox 7">
             <a:extLst>
               <a:ext uri="{FF2B5EF4-FFF2-40B4-BE49-F238E27FC236}">
-                <a16:creationId xmlns="" xmlns:a16="http://schemas.microsoft.com/office/drawing/2014/main" id="{C6D113C6-EA5C-788F-0C77-E7CE6EBB865F}"/>
+                <a16:creationId xmlns:a16="http://schemas.microsoft.com/office/drawing/2014/main" id="{C6D113C6-EA5C-788F-0C77-E7CE6EBB865F}"/>
               </a:ext>
             </a:extLst>
           </p:cNvPr>
@@ -12072,7 +14169,7 @@
           <a:lstStyle/>
           <a:p>
             <a:r>
-              <a:rPr lang="ko-KR" altLang="en-US" sz="4000" smtClean="0">
+              <a:rPr lang="ko-KR" altLang="en-US" sz="4000">
                 <a:solidFill>
                   <a:srgbClr val="FF0000"/>
                 </a:solidFill>
@@ -12082,7 +14179,7 @@
               <a:t>사용시 형변환을 명시적으로 해줘야되서 불편하다</a:t>
             </a:r>
             <a:r>
-              <a:rPr lang="en-US" altLang="ko-KR" sz="4000" smtClean="0">
+              <a:rPr lang="en-US" altLang="ko-KR" sz="4000">
                 <a:solidFill>
                   <a:srgbClr val="FF0000"/>
                 </a:solidFill>
@@ -12456,7 +14553,7 @@
           <p:cNvPr id="2" name="TextBox 1">
             <a:extLst>
               <a:ext uri="{FF2B5EF4-FFF2-40B4-BE49-F238E27FC236}">
-                <a16:creationId xmlns="" xmlns:a16="http://schemas.microsoft.com/office/drawing/2014/main" id="{8D19D88B-9541-32D7-90F1-0C45C993E21C}"/>
+                <a16:creationId xmlns:a16="http://schemas.microsoft.com/office/drawing/2014/main" id="{8D19D88B-9541-32D7-90F1-0C45C993E21C}"/>
               </a:ext>
             </a:extLst>
           </p:cNvPr>
@@ -12480,7 +14577,7 @@
           <a:lstStyle/>
           <a:p>
             <a:r>
-              <a:rPr lang="ko-KR" altLang="en-US" sz="6600" smtClean="0">
+              <a:rPr lang="ko-KR" altLang="en-US" sz="6600">
                 <a:solidFill>
                   <a:schemeClr val="bg1"/>
                 </a:solidFill>
@@ -12504,13 +14601,6 @@
   <p:clrMapOvr>
     <a:masterClrMapping/>
   </p:clrMapOvr>
-  <p:timing>
-    <p:tnLst>
-      <p:par>
-        <p:cTn id="1" dur="indefinite" restart="never" nodeType="tmRoot"/>
-      </p:par>
-    </p:tnLst>
-  </p:timing>
 </p:sld>
 </file>
 
@@ -12560,7 +14650,7 @@
           <p:cNvPr id="5" name="TextBox 4">
             <a:extLst>
               <a:ext uri="{FF2B5EF4-FFF2-40B4-BE49-F238E27FC236}">
-                <a16:creationId xmlns="" xmlns:a16="http://schemas.microsoft.com/office/drawing/2014/main" id="{A2AD056B-97A4-5BCC-4460-250160F3E171}"/>
+                <a16:creationId xmlns:a16="http://schemas.microsoft.com/office/drawing/2014/main" id="{A2AD056B-97A4-5BCC-4460-250160F3E171}"/>
               </a:ext>
             </a:extLst>
           </p:cNvPr>
@@ -12584,7 +14674,7 @@
           <a:lstStyle/>
           <a:p>
             <a:r>
-              <a:rPr lang="en-US" altLang="ko-KR" sz="4000" smtClean="0">
+              <a:rPr lang="en-US" altLang="ko-KR" sz="4000">
                 <a:solidFill>
                   <a:srgbClr val="FF0000"/>
                 </a:solidFill>
@@ -12594,7 +14684,7 @@
               <a:t>static &lt;-&gt; </a:t>
             </a:r>
             <a:r>
-              <a:rPr lang="ko-KR" altLang="en-US" sz="4000" smtClean="0">
+              <a:rPr lang="ko-KR" altLang="en-US" sz="4000">
                 <a:solidFill>
                   <a:srgbClr val="FF0000"/>
                 </a:solidFill>
@@ -12604,7 +14694,7 @@
               <a:t>인스턴스 메서드 의 변환은 불가능하다</a:t>
             </a:r>
             <a:r>
-              <a:rPr lang="en-US" altLang="ko-KR" sz="4000" smtClean="0">
+              <a:rPr lang="en-US" altLang="ko-KR" sz="4000">
                 <a:solidFill>
                   <a:srgbClr val="FF0000"/>
                 </a:solidFill>
@@ -12657,13 +14747,6 @@
   <p:clrMapOvr>
     <a:masterClrMapping/>
   </p:clrMapOvr>
-  <p:timing>
-    <p:tnLst>
-      <p:par>
-        <p:cTn id="1" dur="indefinite" restart="never" nodeType="tmRoot"/>
-      </p:par>
-    </p:tnLst>
-  </p:timing>
 </p:sld>
 </file>
 
@@ -12713,7 +14796,7 @@
           <p:cNvPr id="5" name="직사각형 4">
             <a:extLst>
               <a:ext uri="{FF2B5EF4-FFF2-40B4-BE49-F238E27FC236}">
-                <a16:creationId xmlns="" xmlns:a16="http://schemas.microsoft.com/office/drawing/2014/main" id="{FFF506F9-840A-0508-4CAF-3AC711D8D5CE}"/>
+                <a16:creationId xmlns:a16="http://schemas.microsoft.com/office/drawing/2014/main" id="{FFF506F9-840A-0508-4CAF-3AC711D8D5CE}"/>
               </a:ext>
             </a:extLst>
           </p:cNvPr>
@@ -12765,7 +14848,7 @@
           <p:cNvPr id="6" name="TextBox 5">
             <a:extLst>
               <a:ext uri="{FF2B5EF4-FFF2-40B4-BE49-F238E27FC236}">
-                <a16:creationId xmlns="" xmlns:a16="http://schemas.microsoft.com/office/drawing/2014/main" id="{5ADC00B6-990A-40DC-3CEA-505258F5E8DA}"/>
+                <a16:creationId xmlns:a16="http://schemas.microsoft.com/office/drawing/2014/main" id="{5ADC00B6-990A-40DC-3CEA-505258F5E8DA}"/>
               </a:ext>
             </a:extLst>
           </p:cNvPr>
@@ -12789,7 +14872,7 @@
           <a:lstStyle/>
           <a:p>
             <a:r>
-              <a:rPr lang="ko-KR" altLang="en-US" sz="4800" smtClean="0">
+              <a:rPr lang="ko-KR" altLang="en-US" sz="4800">
                 <a:solidFill>
                   <a:srgbClr val="4C50BC"/>
                 </a:solidFill>
@@ -12799,7 +14882,7 @@
               <a:t>일반적으로 그대로 쓰기보단 오버라이드하여 멤버변수의 값을 보여준다</a:t>
             </a:r>
             <a:r>
-              <a:rPr lang="en-US" altLang="ko-KR" sz="4800" smtClean="0">
+              <a:rPr lang="en-US" altLang="ko-KR" sz="4800">
                 <a:solidFill>
                   <a:srgbClr val="4C50BC"/>
                 </a:solidFill>
@@ -12823,7 +14906,7 @@
           <p:cNvPr id="7" name="TextBox 6">
             <a:extLst>
               <a:ext uri="{FF2B5EF4-FFF2-40B4-BE49-F238E27FC236}">
-                <a16:creationId xmlns="" xmlns:a16="http://schemas.microsoft.com/office/drawing/2014/main" id="{5ADC00B6-990A-40DC-3CEA-505258F5E8DA}"/>
+                <a16:creationId xmlns:a16="http://schemas.microsoft.com/office/drawing/2014/main" id="{5ADC00B6-990A-40DC-3CEA-505258F5E8DA}"/>
               </a:ext>
             </a:extLst>
           </p:cNvPr>
@@ -12847,7 +14930,7 @@
           <a:lstStyle/>
           <a:p>
             <a:r>
-              <a:rPr lang="en-US" altLang="ko-KR" sz="4800" smtClean="0">
+              <a:rPr lang="en-US" altLang="ko-KR" sz="4800">
                 <a:solidFill>
                   <a:srgbClr val="4C50BC"/>
                 </a:solidFill>
@@ -12857,7 +14940,7 @@
               <a:t>toString() </a:t>
             </a:r>
             <a:r>
-              <a:rPr lang="ko-KR" altLang="en-US" sz="4800" smtClean="0">
+              <a:rPr lang="ko-KR" altLang="en-US" sz="4800">
                 <a:solidFill>
                   <a:srgbClr val="4C50BC"/>
                 </a:solidFill>
@@ -12886,13 +14969,6 @@
   <p:clrMapOvr>
     <a:masterClrMapping/>
   </p:clrMapOvr>
-  <p:timing>
-    <p:tnLst>
-      <p:par>
-        <p:cTn id="1" dur="indefinite" restart="never" nodeType="tmRoot"/>
-      </p:par>
-    </p:tnLst>
-  </p:timing>
 </p:sld>
 </file>
 
@@ -13209,7 +15285,7 @@
           <p:cNvPr id="58" name="TextBox 57">
             <a:extLst>
               <a:ext uri="{FF2B5EF4-FFF2-40B4-BE49-F238E27FC236}">
-                <a16:creationId xmlns="" xmlns:a16="http://schemas.microsoft.com/office/drawing/2014/main" id="{5ADC00B6-990A-40DC-3CEA-505258F5E8DA}"/>
+                <a16:creationId xmlns:a16="http://schemas.microsoft.com/office/drawing/2014/main" id="{5ADC00B6-990A-40DC-3CEA-505258F5E8DA}"/>
               </a:ext>
             </a:extLst>
           </p:cNvPr>
@@ -13233,7 +15309,7 @@
           <a:lstStyle/>
           <a:p>
             <a:r>
-              <a:rPr lang="ko-KR" altLang="en-US" sz="4000" smtClean="0">
+              <a:rPr lang="ko-KR" altLang="en-US" sz="4000">
                 <a:solidFill>
                   <a:srgbClr val="4C50BC"/>
                 </a:solidFill>
@@ -13257,7 +15333,7 @@
           <p:cNvPr id="59" name="TextBox 58">
             <a:extLst>
               <a:ext uri="{FF2B5EF4-FFF2-40B4-BE49-F238E27FC236}">
-                <a16:creationId xmlns="" xmlns:a16="http://schemas.microsoft.com/office/drawing/2014/main" id="{5ADC00B6-990A-40DC-3CEA-505258F5E8DA}"/>
+                <a16:creationId xmlns:a16="http://schemas.microsoft.com/office/drawing/2014/main" id="{5ADC00B6-990A-40DC-3CEA-505258F5E8DA}"/>
               </a:ext>
             </a:extLst>
           </p:cNvPr>
@@ -13281,7 +15357,7 @@
           <a:lstStyle/>
           <a:p>
             <a:r>
-              <a:rPr lang="ko-KR" altLang="en-US" sz="4000" smtClean="0">
+              <a:rPr lang="ko-KR" altLang="en-US" sz="4000">
                 <a:solidFill>
                   <a:schemeClr val="bg1"/>
                 </a:solidFill>
@@ -13305,7 +15381,7 @@
           <p:cNvPr id="25" name="TextBox 24">
             <a:extLst>
               <a:ext uri="{FF2B5EF4-FFF2-40B4-BE49-F238E27FC236}">
-                <a16:creationId xmlns:a16="http://schemas.microsoft.com/office/drawing/2014/main" xmlns="" id="{A2AD056B-97A4-5BCC-4460-250160F3E171}"/>
+                <a16:creationId xmlns:a16="http://schemas.microsoft.com/office/drawing/2014/main" id="{A2AD056B-97A4-5BCC-4460-250160F3E171}"/>
               </a:ext>
             </a:extLst>
           </p:cNvPr>
@@ -13329,7 +15405,7 @@
           <a:lstStyle/>
           <a:p>
             <a:r>
-              <a:rPr lang="ko-KR" altLang="en-US" sz="3200" smtClean="0">
+              <a:rPr lang="ko-KR" altLang="en-US" sz="3200">
                 <a:solidFill>
                   <a:schemeClr val="tx1">
                     <a:lumMod val="50000"/>
@@ -13341,7 +15417,7 @@
               </a:rPr>
               <a:t>상속시 부모의 메서드를 </a:t>
             </a:r>
-            <a:endParaRPr lang="en-US" altLang="ko-KR" sz="3200" smtClean="0">
+            <a:endParaRPr lang="en-US" altLang="ko-KR" sz="3200">
               <a:solidFill>
                 <a:schemeClr val="tx1">
                   <a:lumMod val="50000"/>
@@ -13354,7 +15430,7 @@
           </a:p>
           <a:p>
             <a:r>
-              <a:rPr lang="ko-KR" altLang="en-US" sz="3200" smtClean="0">
+              <a:rPr lang="ko-KR" altLang="en-US" sz="3200">
                 <a:solidFill>
                   <a:schemeClr val="tx1">
                     <a:lumMod val="50000"/>
@@ -13367,7 +15443,7 @@
               <a:t>덮어쓴다</a:t>
             </a:r>
             <a:r>
-              <a:rPr lang="en-US" altLang="ko-KR" sz="3200" smtClean="0">
+              <a:rPr lang="en-US" altLang="ko-KR" sz="3200">
                 <a:solidFill>
                   <a:schemeClr val="tx1">
                     <a:lumMod val="50000"/>
@@ -13397,7 +15473,7 @@
           <p:cNvPr id="26" name="TextBox 25">
             <a:extLst>
               <a:ext uri="{FF2B5EF4-FFF2-40B4-BE49-F238E27FC236}">
-                <a16:creationId xmlns:a16="http://schemas.microsoft.com/office/drawing/2014/main" xmlns="" id="{A2AD056B-97A4-5BCC-4460-250160F3E171}"/>
+                <a16:creationId xmlns:a16="http://schemas.microsoft.com/office/drawing/2014/main" id="{A2AD056B-97A4-5BCC-4460-250160F3E171}"/>
               </a:ext>
             </a:extLst>
           </p:cNvPr>
@@ -13421,7 +15497,7 @@
           <a:lstStyle/>
           <a:p>
             <a:r>
-              <a:rPr lang="ko-KR" altLang="en-US" sz="3200" smtClean="0">
+              <a:rPr lang="ko-KR" altLang="en-US" sz="3200">
                 <a:solidFill>
                   <a:schemeClr val="tx1">
                     <a:lumMod val="50000"/>
@@ -13451,7 +15527,7 @@
           <p:cNvPr id="27" name="TextBox 26">
             <a:extLst>
               <a:ext uri="{FF2B5EF4-FFF2-40B4-BE49-F238E27FC236}">
-                <a16:creationId xmlns:a16="http://schemas.microsoft.com/office/drawing/2014/main" xmlns="" id="{A2AD056B-97A4-5BCC-4460-250160F3E171}"/>
+                <a16:creationId xmlns:a16="http://schemas.microsoft.com/office/drawing/2014/main" id="{A2AD056B-97A4-5BCC-4460-250160F3E171}"/>
               </a:ext>
             </a:extLst>
           </p:cNvPr>
@@ -13475,7 +15551,7 @@
           <a:lstStyle/>
           <a:p>
             <a:r>
-              <a:rPr lang="ko-KR" altLang="en-US" sz="3200" smtClean="0">
+              <a:rPr lang="ko-KR" altLang="en-US" sz="3200">
                 <a:solidFill>
                   <a:schemeClr val="tx1">
                     <a:lumMod val="50000"/>
@@ -13488,7 +15564,7 @@
               <a:t>메서드를 증설한다</a:t>
             </a:r>
             <a:r>
-              <a:rPr lang="en-US" altLang="ko-KR" sz="3200" smtClean="0">
+              <a:rPr lang="en-US" altLang="ko-KR" sz="3200">
                 <a:solidFill>
                   <a:schemeClr val="tx1">
                     <a:lumMod val="50000"/>
@@ -13518,7 +15594,7 @@
           <p:cNvPr id="28" name="TextBox 27">
             <a:extLst>
               <a:ext uri="{FF2B5EF4-FFF2-40B4-BE49-F238E27FC236}">
-                <a16:creationId xmlns:a16="http://schemas.microsoft.com/office/drawing/2014/main" xmlns="" id="{A2AD056B-97A4-5BCC-4460-250160F3E171}"/>
+                <a16:creationId xmlns:a16="http://schemas.microsoft.com/office/drawing/2014/main" id="{A2AD056B-97A4-5BCC-4460-250160F3E171}"/>
               </a:ext>
             </a:extLst>
           </p:cNvPr>
@@ -13542,7 +15618,7 @@
           <a:lstStyle/>
           <a:p>
             <a:r>
-              <a:rPr lang="ko-KR" altLang="en-US" sz="3200" smtClean="0">
+              <a:rPr lang="ko-KR" altLang="en-US" sz="3200">
                 <a:solidFill>
                   <a:schemeClr val="tx1">
                     <a:lumMod val="50000"/>
@@ -13555,7 +15631,7 @@
               <a:t>시그니처가 다르다</a:t>
             </a:r>
             <a:r>
-              <a:rPr lang="en-US" altLang="ko-KR" sz="3200" smtClean="0">
+              <a:rPr lang="en-US" altLang="ko-KR" sz="3200">
                 <a:solidFill>
                   <a:schemeClr val="tx1">
                     <a:lumMod val="50000"/>
@@ -13590,13 +15666,6 @@
   <p:clrMapOvr>
     <a:masterClrMapping/>
   </p:clrMapOvr>
-  <p:timing>
-    <p:tnLst>
-      <p:par>
-        <p:cTn id="1" dur="indefinite" restart="never" nodeType="tmRoot"/>
-      </p:par>
-    </p:tnLst>
-  </p:timing>
 </p:sld>
 </file>
 
@@ -13622,7 +15691,7 @@
           <p:cNvPr id="4" name="TextBox 3">
             <a:extLst>
               <a:ext uri="{FF2B5EF4-FFF2-40B4-BE49-F238E27FC236}">
-                <a16:creationId xmlns="" xmlns:a16="http://schemas.microsoft.com/office/drawing/2014/main" id="{DF7DDD33-9412-2802-339A-E55446AC2DA7}"/>
+                <a16:creationId xmlns:a16="http://schemas.microsoft.com/office/drawing/2014/main" id="{DF7DDD33-9412-2802-339A-E55446AC2DA7}"/>
               </a:ext>
             </a:extLst>
           </p:cNvPr>
@@ -13646,7 +15715,7 @@
           <a:lstStyle/>
           <a:p>
             <a:r>
-              <a:rPr lang="ko-KR" altLang="en-US" sz="5400" smtClean="0">
+              <a:rPr lang="ko-KR" altLang="en-US" sz="5400">
                 <a:solidFill>
                   <a:srgbClr val="4C50BC"/>
                 </a:solidFill>
@@ -13742,7 +15811,7 @@
           <p:cNvPr id="10" name="직선 화살표 연결선 9">
             <a:extLst>
               <a:ext uri="{FF2B5EF4-FFF2-40B4-BE49-F238E27FC236}">
-                <a16:creationId xmlns:a16="http://schemas.microsoft.com/office/drawing/2014/main" xmlns="" id="{299DF5EC-9DF4-5255-06AC-0A7CE4FF58C3}"/>
+                <a16:creationId xmlns:a16="http://schemas.microsoft.com/office/drawing/2014/main" id="{299DF5EC-9DF4-5255-06AC-0A7CE4FF58C3}"/>
               </a:ext>
             </a:extLst>
           </p:cNvPr>
@@ -13783,7 +15852,7 @@
           <p:cNvPr id="11" name="TextBox 10">
             <a:extLst>
               <a:ext uri="{FF2B5EF4-FFF2-40B4-BE49-F238E27FC236}">
-                <a16:creationId xmlns:a16="http://schemas.microsoft.com/office/drawing/2014/main" xmlns="" id="{C6D113C6-EA5C-788F-0C77-E7CE6EBB865F}"/>
+                <a16:creationId xmlns:a16="http://schemas.microsoft.com/office/drawing/2014/main" id="{C6D113C6-EA5C-788F-0C77-E7CE6EBB865F}"/>
               </a:ext>
             </a:extLst>
           </p:cNvPr>
@@ -13807,7 +15876,7 @@
           <a:lstStyle/>
           <a:p>
             <a:r>
-              <a:rPr lang="ko-KR" altLang="en-US" sz="4000" smtClean="0">
+              <a:rPr lang="ko-KR" altLang="en-US" sz="4000">
                 <a:solidFill>
                   <a:srgbClr val="FF0000"/>
                 </a:solidFill>
@@ -13855,7 +15924,7 @@
           <p:cNvPr id="13" name="직선 화살표 연결선 12">
             <a:extLst>
               <a:ext uri="{FF2B5EF4-FFF2-40B4-BE49-F238E27FC236}">
-                <a16:creationId xmlns:a16="http://schemas.microsoft.com/office/drawing/2014/main" xmlns="" id="{299DF5EC-9DF4-5255-06AC-0A7CE4FF58C3}"/>
+                <a16:creationId xmlns:a16="http://schemas.microsoft.com/office/drawing/2014/main" id="{299DF5EC-9DF4-5255-06AC-0A7CE4FF58C3}"/>
               </a:ext>
             </a:extLst>
           </p:cNvPr>
@@ -13896,7 +15965,7 @@
           <p:cNvPr id="14" name="TextBox 13">
             <a:extLst>
               <a:ext uri="{FF2B5EF4-FFF2-40B4-BE49-F238E27FC236}">
-                <a16:creationId xmlns:a16="http://schemas.microsoft.com/office/drawing/2014/main" xmlns="" id="{C6D113C6-EA5C-788F-0C77-E7CE6EBB865F}"/>
+                <a16:creationId xmlns:a16="http://schemas.microsoft.com/office/drawing/2014/main" id="{C6D113C6-EA5C-788F-0C77-E7CE6EBB865F}"/>
               </a:ext>
             </a:extLst>
           </p:cNvPr>
@@ -13920,7 +15989,7 @@
           <a:lstStyle/>
           <a:p>
             <a:r>
-              <a:rPr lang="en-US" altLang="ko-KR" sz="4000" smtClean="0">
+              <a:rPr lang="en-US" altLang="ko-KR" sz="4000">
                 <a:solidFill>
                   <a:srgbClr val="FF0000"/>
                 </a:solidFill>
@@ -13944,7 +16013,7 @@
           <p:cNvPr id="15" name="직선 화살표 연결선 14">
             <a:extLst>
               <a:ext uri="{FF2B5EF4-FFF2-40B4-BE49-F238E27FC236}">
-                <a16:creationId xmlns:a16="http://schemas.microsoft.com/office/drawing/2014/main" xmlns="" id="{299DF5EC-9DF4-5255-06AC-0A7CE4FF58C3}"/>
+                <a16:creationId xmlns:a16="http://schemas.microsoft.com/office/drawing/2014/main" id="{299DF5EC-9DF4-5255-06AC-0A7CE4FF58C3}"/>
               </a:ext>
             </a:extLst>
           </p:cNvPr>
@@ -13985,7 +16054,7 @@
           <p:cNvPr id="16" name="TextBox 15">
             <a:extLst>
               <a:ext uri="{FF2B5EF4-FFF2-40B4-BE49-F238E27FC236}">
-                <a16:creationId xmlns:a16="http://schemas.microsoft.com/office/drawing/2014/main" xmlns="" id="{C6D113C6-EA5C-788F-0C77-E7CE6EBB865F}"/>
+                <a16:creationId xmlns:a16="http://schemas.microsoft.com/office/drawing/2014/main" id="{C6D113C6-EA5C-788F-0C77-E7CE6EBB865F}"/>
               </a:ext>
             </a:extLst>
           </p:cNvPr>
@@ -14009,24 +16078,14 @@
           <a:lstStyle/>
           <a:p>
             <a:r>
-              <a:rPr lang="ko-KR" altLang="en-US" sz="4000" smtClean="0">
+              <a:rPr lang="ko-KR" altLang="en-US" sz="4000">
                 <a:solidFill>
                   <a:srgbClr val="FF0000"/>
                 </a:solidFill>
                 <a:latin typeface="G마켓 산스 Medium" panose="02000000000000000000" pitchFamily="50" charset="-127"/>
                 <a:ea typeface="G마켓 산스 Medium" panose="02000000000000000000" pitchFamily="50" charset="-127"/>
               </a:rPr>
-              <a:t>오버</a:t>
-            </a:r>
-            <a:r>
-              <a:rPr lang="ko-KR" altLang="en-US" sz="4000" smtClean="0">
-                <a:solidFill>
-                  <a:srgbClr val="FF0000"/>
-                </a:solidFill>
-                <a:latin typeface="G마켓 산스 Medium" panose="02000000000000000000" pitchFamily="50" charset="-127"/>
-                <a:ea typeface="G마켓 산스 Medium" panose="02000000000000000000" pitchFamily="50" charset="-127"/>
-              </a:rPr>
-              <a:t>라이딩</a:t>
+              <a:t>오버라이딩</a:t>
             </a:r>
             <a:endParaRPr lang="en-US" altLang="ko-KR" sz="4000" dirty="0">
               <a:solidFill>
@@ -14067,7 +16126,7 @@
           <p:cNvPr id="18" name="직선 화살표 연결선 17">
             <a:extLst>
               <a:ext uri="{FF2B5EF4-FFF2-40B4-BE49-F238E27FC236}">
-                <a16:creationId xmlns:a16="http://schemas.microsoft.com/office/drawing/2014/main" xmlns="" id="{299DF5EC-9DF4-5255-06AC-0A7CE4FF58C3}"/>
+                <a16:creationId xmlns:a16="http://schemas.microsoft.com/office/drawing/2014/main" id="{299DF5EC-9DF4-5255-06AC-0A7CE4FF58C3}"/>
               </a:ext>
             </a:extLst>
           </p:cNvPr>
@@ -14108,7 +16167,7 @@
           <p:cNvPr id="19" name="TextBox 18">
             <a:extLst>
               <a:ext uri="{FF2B5EF4-FFF2-40B4-BE49-F238E27FC236}">
-                <a16:creationId xmlns:a16="http://schemas.microsoft.com/office/drawing/2014/main" xmlns="" id="{C6D113C6-EA5C-788F-0C77-E7CE6EBB865F}"/>
+                <a16:creationId xmlns:a16="http://schemas.microsoft.com/office/drawing/2014/main" id="{C6D113C6-EA5C-788F-0C77-E7CE6EBB865F}"/>
               </a:ext>
             </a:extLst>
           </p:cNvPr>
@@ -14132,7 +16191,7 @@
           <a:lstStyle/>
           <a:p>
             <a:r>
-              <a:rPr lang="ko-KR" altLang="en-US" sz="4000" smtClean="0">
+              <a:rPr lang="ko-KR" altLang="en-US" sz="4000">
                 <a:solidFill>
                   <a:srgbClr val="FF0000"/>
                 </a:solidFill>
@@ -14142,7 +16201,7 @@
               <a:t>공변반환타입 </a:t>
             </a:r>
             <a:r>
-              <a:rPr lang="en-US" altLang="ko-KR" sz="4000" smtClean="0">
+              <a:rPr lang="en-US" altLang="ko-KR" sz="4000">
                 <a:solidFill>
                   <a:srgbClr val="FF0000"/>
                 </a:solidFill>
@@ -14154,7 +16213,7 @@
           </a:p>
           <a:p>
             <a:r>
-              <a:rPr lang="en-US" altLang="ko-KR" sz="4000" smtClean="0">
+              <a:rPr lang="en-US" altLang="ko-KR" sz="4000">
                 <a:solidFill>
                   <a:srgbClr val="FF0000"/>
                 </a:solidFill>
@@ -14164,7 +16223,7 @@
               <a:t>(</a:t>
             </a:r>
             <a:r>
-              <a:rPr lang="ko-KR" altLang="en-US" sz="4000" smtClean="0">
+              <a:rPr lang="ko-KR" altLang="en-US" sz="4000">
                 <a:solidFill>
                   <a:srgbClr val="FF0000"/>
                 </a:solidFill>
@@ -14174,7 +16233,7 @@
               <a:t>오버라이딩</a:t>
             </a:r>
             <a:r>
-              <a:rPr lang="en-US" altLang="ko-KR" sz="4000" smtClean="0">
+              <a:rPr lang="en-US" altLang="ko-KR" sz="4000">
                 <a:solidFill>
                   <a:srgbClr val="FF0000"/>
                 </a:solidFill>
@@ -14198,7 +16257,7 @@
           <p:cNvPr id="22" name="직선 화살표 연결선 21">
             <a:extLst>
               <a:ext uri="{FF2B5EF4-FFF2-40B4-BE49-F238E27FC236}">
-                <a16:creationId xmlns:a16="http://schemas.microsoft.com/office/drawing/2014/main" xmlns="" id="{299DF5EC-9DF4-5255-06AC-0A7CE4FF58C3}"/>
+                <a16:creationId xmlns:a16="http://schemas.microsoft.com/office/drawing/2014/main" id="{299DF5EC-9DF4-5255-06AC-0A7CE4FF58C3}"/>
               </a:ext>
             </a:extLst>
           </p:cNvPr>
@@ -14239,7 +16298,7 @@
           <p:cNvPr id="23" name="TextBox 22">
             <a:extLst>
               <a:ext uri="{FF2B5EF4-FFF2-40B4-BE49-F238E27FC236}">
-                <a16:creationId xmlns:a16="http://schemas.microsoft.com/office/drawing/2014/main" xmlns="" id="{C6D113C6-EA5C-788F-0C77-E7CE6EBB865F}"/>
+                <a16:creationId xmlns:a16="http://schemas.microsoft.com/office/drawing/2014/main" id="{C6D113C6-EA5C-788F-0C77-E7CE6EBB865F}"/>
               </a:ext>
             </a:extLst>
           </p:cNvPr>
@@ -14263,7 +16322,7 @@
           <a:lstStyle/>
           <a:p>
             <a:r>
-              <a:rPr lang="ko-KR" altLang="en-US" sz="4000" smtClean="0">
+              <a:rPr lang="ko-KR" altLang="en-US" sz="4000">
                 <a:solidFill>
                   <a:srgbClr val="FF0000"/>
                 </a:solidFill>
@@ -14335,7 +16394,7 @@
           <p:cNvPr id="26" name="직선 화살표 연결선 25">
             <a:extLst>
               <a:ext uri="{FF2B5EF4-FFF2-40B4-BE49-F238E27FC236}">
-                <a16:creationId xmlns:a16="http://schemas.microsoft.com/office/drawing/2014/main" xmlns="" id="{299DF5EC-9DF4-5255-06AC-0A7CE4FF58C3}"/>
+                <a16:creationId xmlns:a16="http://schemas.microsoft.com/office/drawing/2014/main" id="{299DF5EC-9DF4-5255-06AC-0A7CE4FF58C3}"/>
               </a:ext>
             </a:extLst>
           </p:cNvPr>
@@ -14376,7 +16435,7 @@
           <p:cNvPr id="27" name="TextBox 26">
             <a:extLst>
               <a:ext uri="{FF2B5EF4-FFF2-40B4-BE49-F238E27FC236}">
-                <a16:creationId xmlns:a16="http://schemas.microsoft.com/office/drawing/2014/main" xmlns="" id="{C6D113C6-EA5C-788F-0C77-E7CE6EBB865F}"/>
+                <a16:creationId xmlns:a16="http://schemas.microsoft.com/office/drawing/2014/main" id="{C6D113C6-EA5C-788F-0C77-E7CE6EBB865F}"/>
               </a:ext>
             </a:extLst>
           </p:cNvPr>
@@ -14400,7 +16459,7 @@
           <a:lstStyle/>
           <a:p>
             <a:r>
-              <a:rPr lang="ko-KR" altLang="en-US" sz="4000" smtClean="0">
+              <a:rPr lang="ko-KR" altLang="en-US" sz="4000">
                 <a:solidFill>
                   <a:srgbClr val="FF0000"/>
                 </a:solidFill>
@@ -14410,7 +16469,7 @@
               <a:t>상속받은 메서드와 중복 </a:t>
             </a:r>
             <a:r>
-              <a:rPr lang="en-US" altLang="ko-KR" sz="4000" smtClean="0">
+              <a:rPr lang="en-US" altLang="ko-KR" sz="4000">
                 <a:solidFill>
                   <a:srgbClr val="FF0000"/>
                 </a:solidFill>
@@ -15204,7 +17263,7 @@
           <p:cNvPr id="4" name="TextBox 3">
             <a:extLst>
               <a:ext uri="{FF2B5EF4-FFF2-40B4-BE49-F238E27FC236}">
-                <a16:creationId xmlns="" xmlns:a16="http://schemas.microsoft.com/office/drawing/2014/main" id="{5ADC00B6-990A-40DC-3CEA-505258F5E8DA}"/>
+                <a16:creationId xmlns:a16="http://schemas.microsoft.com/office/drawing/2014/main" id="{5ADC00B6-990A-40DC-3CEA-505258F5E8DA}"/>
               </a:ext>
             </a:extLst>
           </p:cNvPr>
@@ -15228,7 +17287,7 @@
           <a:lstStyle/>
           <a:p>
             <a:r>
-              <a:rPr lang="ko-KR" altLang="en-US" sz="4800" smtClean="0">
+              <a:rPr lang="ko-KR" altLang="en-US" sz="4800" dirty="0">
                 <a:solidFill>
                   <a:srgbClr val="4C50BC"/>
                 </a:solidFill>
@@ -15238,7 +17297,7 @@
               <a:t>실습문제</a:t>
             </a:r>
             <a:r>
-              <a:rPr lang="en-US" altLang="ko-KR" sz="4800">
+              <a:rPr lang="en-US" altLang="ko-KR" sz="4800" dirty="0">
                 <a:solidFill>
                   <a:srgbClr val="4C50BC"/>
                 </a:solidFill>
@@ -15247,13 +17306,6 @@
               </a:rPr>
               <a:t>2</a:t>
             </a:r>
-            <a:endParaRPr lang="en-US" altLang="ko-KR" sz="4800" dirty="0">
-              <a:solidFill>
-                <a:srgbClr val="4C50BC"/>
-              </a:solidFill>
-              <a:latin typeface="G마켓 산스 Medium" panose="02000000000000000000" pitchFamily="50" charset="-127"/>
-              <a:ea typeface="G마켓 산스 Medium" panose="02000000000000000000" pitchFamily="50" charset="-127"/>
-            </a:endParaRPr>
           </a:p>
         </p:txBody>
       </p:sp>
@@ -15267,13 +17319,6 @@
   <p:clrMapOvr>
     <a:masterClrMapping/>
   </p:clrMapOvr>
-  <p:timing>
-    <p:tnLst>
-      <p:par>
-        <p:cTn id="1" dur="indefinite" restart="never" nodeType="tmRoot"/>
-      </p:par>
-    </p:tnLst>
-  </p:timing>
 </p:sld>
 </file>
 
@@ -15307,7 +17352,7 @@
           <p:cNvPr id="4" name="Object 1">
             <a:extLst>
               <a:ext uri="{FF2B5EF4-FFF2-40B4-BE49-F238E27FC236}">
-                <a16:creationId xmlns="" xmlns:a16="http://schemas.microsoft.com/office/drawing/2014/main" id="{B0329035-BE76-33A8-0F2E-44624FCC1DED}"/>
+                <a16:creationId xmlns:a16="http://schemas.microsoft.com/office/drawing/2014/main" id="{B0329035-BE76-33A8-0F2E-44624FCC1DED}"/>
               </a:ext>
             </a:extLst>
           </p:cNvPr>
@@ -15337,7 +17382,7 @@
           <p:cNvPr id="7" name="그룹 1001">
             <a:extLst>
               <a:ext uri="{FF2B5EF4-FFF2-40B4-BE49-F238E27FC236}">
-                <a16:creationId xmlns="" xmlns:a16="http://schemas.microsoft.com/office/drawing/2014/main" id="{CD24CE9D-AC18-B6CD-F397-7E8E03D6FE26}"/>
+                <a16:creationId xmlns:a16="http://schemas.microsoft.com/office/drawing/2014/main" id="{CD24CE9D-AC18-B6CD-F397-7E8E03D6FE26}"/>
               </a:ext>
             </a:extLst>
           </p:cNvPr>
@@ -15357,7 +17402,7 @@
             <p:cNvPr id="8" name="Object 5">
               <a:extLst>
                 <a:ext uri="{FF2B5EF4-FFF2-40B4-BE49-F238E27FC236}">
-                  <a16:creationId xmlns="" xmlns:a16="http://schemas.microsoft.com/office/drawing/2014/main" id="{0EEF25E8-3BA8-EBAA-6DC2-66D70C3F9F4D}"/>
+                  <a16:creationId xmlns:a16="http://schemas.microsoft.com/office/drawing/2014/main" id="{0EEF25E8-3BA8-EBAA-6DC2-66D70C3F9F4D}"/>
                 </a:ext>
               </a:extLst>
             </p:cNvPr>
@@ -15388,7 +17433,7 @@
           <p:cNvPr id="9" name="그룹 1002">
             <a:extLst>
               <a:ext uri="{FF2B5EF4-FFF2-40B4-BE49-F238E27FC236}">
-                <a16:creationId xmlns="" xmlns:a16="http://schemas.microsoft.com/office/drawing/2014/main" id="{0F281BC9-DE1F-D1FE-E64C-C4640398F00C}"/>
+                <a16:creationId xmlns:a16="http://schemas.microsoft.com/office/drawing/2014/main" id="{0F281BC9-DE1F-D1FE-E64C-C4640398F00C}"/>
               </a:ext>
             </a:extLst>
           </p:cNvPr>
@@ -15408,7 +17453,7 @@
             <p:cNvPr id="10" name="Object 8">
               <a:extLst>
                 <a:ext uri="{FF2B5EF4-FFF2-40B4-BE49-F238E27FC236}">
-                  <a16:creationId xmlns="" xmlns:a16="http://schemas.microsoft.com/office/drawing/2014/main" id="{F669DCEF-04BB-7046-3F7F-5B513213556E}"/>
+                  <a16:creationId xmlns:a16="http://schemas.microsoft.com/office/drawing/2014/main" id="{F669DCEF-04BB-7046-3F7F-5B513213556E}"/>
                 </a:ext>
               </a:extLst>
             </p:cNvPr>
@@ -15439,7 +17484,7 @@
           <p:cNvPr id="11" name="그룹 1003">
             <a:extLst>
               <a:ext uri="{FF2B5EF4-FFF2-40B4-BE49-F238E27FC236}">
-                <a16:creationId xmlns="" xmlns:a16="http://schemas.microsoft.com/office/drawing/2014/main" id="{1F91EEF9-13EA-BB7F-B056-D35E7DB989AC}"/>
+                <a16:creationId xmlns:a16="http://schemas.microsoft.com/office/drawing/2014/main" id="{1F91EEF9-13EA-BB7F-B056-D35E7DB989AC}"/>
               </a:ext>
             </a:extLst>
           </p:cNvPr>
@@ -15459,7 +17504,7 @@
             <p:cNvPr id="12" name="Object 11">
               <a:extLst>
                 <a:ext uri="{FF2B5EF4-FFF2-40B4-BE49-F238E27FC236}">
-                  <a16:creationId xmlns="" xmlns:a16="http://schemas.microsoft.com/office/drawing/2014/main" id="{2CFFB217-AEFB-2C9E-5F86-6EE19510FFC6}"/>
+                  <a16:creationId xmlns:a16="http://schemas.microsoft.com/office/drawing/2014/main" id="{2CFFB217-AEFB-2C9E-5F86-6EE19510FFC6}"/>
                 </a:ext>
               </a:extLst>
             </p:cNvPr>
@@ -15490,7 +17535,7 @@
           <p:cNvPr id="13" name="그룹 1004">
             <a:extLst>
               <a:ext uri="{FF2B5EF4-FFF2-40B4-BE49-F238E27FC236}">
-                <a16:creationId xmlns="" xmlns:a16="http://schemas.microsoft.com/office/drawing/2014/main" id="{123B9C7E-94E8-E7E1-81BE-D59EA0299187}"/>
+                <a16:creationId xmlns:a16="http://schemas.microsoft.com/office/drawing/2014/main" id="{123B9C7E-94E8-E7E1-81BE-D59EA0299187}"/>
               </a:ext>
             </a:extLst>
           </p:cNvPr>
@@ -15510,7 +17555,7 @@
             <p:cNvPr id="14" name="Object 14">
               <a:extLst>
                 <a:ext uri="{FF2B5EF4-FFF2-40B4-BE49-F238E27FC236}">
-                  <a16:creationId xmlns="" xmlns:a16="http://schemas.microsoft.com/office/drawing/2014/main" id="{B6291552-2D89-A79F-7ACD-EA0EF9A4C389}"/>
+                  <a16:creationId xmlns:a16="http://schemas.microsoft.com/office/drawing/2014/main" id="{B6291552-2D89-A79F-7ACD-EA0EF9A4C389}"/>
                 </a:ext>
               </a:extLst>
             </p:cNvPr>
@@ -15541,7 +17586,7 @@
           <p:cNvPr id="15" name="TextBox 14">
             <a:extLst>
               <a:ext uri="{FF2B5EF4-FFF2-40B4-BE49-F238E27FC236}">
-                <a16:creationId xmlns="" xmlns:a16="http://schemas.microsoft.com/office/drawing/2014/main" id="{7D99763A-FC24-23F5-5BA9-D7B042E0F323}"/>
+                <a16:creationId xmlns:a16="http://schemas.microsoft.com/office/drawing/2014/main" id="{7D99763A-FC24-23F5-5BA9-D7B042E0F323}"/>
               </a:ext>
             </a:extLst>
           </p:cNvPr>
@@ -15565,7 +17610,7 @@
           <a:lstStyle/>
           <a:p>
             <a:r>
-              <a:rPr lang="en-US" altLang="ko-KR" sz="6600" smtClean="0">
+              <a:rPr lang="en-US" altLang="ko-KR" sz="6600">
                 <a:solidFill>
                   <a:schemeClr val="bg1"/>
                 </a:solidFill>
@@ -15594,13 +17639,6 @@
   <p:clrMapOvr>
     <a:masterClrMapping/>
   </p:clrMapOvr>
-  <p:timing>
-    <p:tnLst>
-      <p:par>
-        <p:cTn id="1" dur="indefinite" restart="never" nodeType="tmRoot"/>
-      </p:par>
-    </p:tnLst>
-  </p:timing>
 </p:sld>
 </file>
 
@@ -15626,7 +17664,7 @@
           <p:cNvPr id="4" name="TextBox 3">
             <a:extLst>
               <a:ext uri="{FF2B5EF4-FFF2-40B4-BE49-F238E27FC236}">
-                <a16:creationId xmlns="" xmlns:a16="http://schemas.microsoft.com/office/drawing/2014/main" id="{5ADC00B6-990A-40DC-3CEA-505258F5E8DA}"/>
+                <a16:creationId xmlns:a16="http://schemas.microsoft.com/office/drawing/2014/main" id="{5ADC00B6-990A-40DC-3CEA-505258F5E8DA}"/>
               </a:ext>
             </a:extLst>
           </p:cNvPr>
@@ -15650,7 +17688,7 @@
           <a:lstStyle/>
           <a:p>
             <a:r>
-              <a:rPr lang="en-US" altLang="ko-KR" sz="7200" smtClean="0">
+              <a:rPr lang="en-US" altLang="ko-KR" sz="7200">
                 <a:solidFill>
                   <a:srgbClr val="4C50BC"/>
                 </a:solidFill>
@@ -15674,7 +17712,7 @@
           <p:cNvPr id="5" name="TextBox 4">
             <a:extLst>
               <a:ext uri="{FF2B5EF4-FFF2-40B4-BE49-F238E27FC236}">
-                <a16:creationId xmlns:a16="http://schemas.microsoft.com/office/drawing/2014/main" xmlns="" id="{A2AD056B-97A4-5BCC-4460-250160F3E171}"/>
+                <a16:creationId xmlns:a16="http://schemas.microsoft.com/office/drawing/2014/main" id="{A2AD056B-97A4-5BCC-4460-250160F3E171}"/>
               </a:ext>
             </a:extLst>
           </p:cNvPr>
@@ -15698,7 +17736,7 @@
           <a:lstStyle/>
           <a:p>
             <a:r>
-              <a:rPr lang="ko-KR" altLang="en-US" sz="4000" smtClean="0">
+              <a:rPr lang="ko-KR" altLang="en-US" sz="4000">
                 <a:solidFill>
                   <a:schemeClr val="tx1">
                     <a:lumMod val="50000"/>
@@ -15711,7 +17749,7 @@
               <a:t>부모로 부터 </a:t>
             </a:r>
             <a:r>
-              <a:rPr lang="ko-KR" altLang="en-US" sz="4000" smtClean="0">
+              <a:rPr lang="ko-KR" altLang="en-US" sz="4000">
                 <a:solidFill>
                   <a:srgbClr val="FF0000"/>
                 </a:solidFill>
@@ -15721,7 +17759,7 @@
               <a:t>물려 받은 </a:t>
             </a:r>
             <a:r>
-              <a:rPr lang="ko-KR" altLang="en-US" sz="4000" smtClean="0">
+              <a:rPr lang="ko-KR" altLang="en-US" sz="4000">
                 <a:solidFill>
                   <a:schemeClr val="tx1">
                     <a:lumMod val="50000"/>
@@ -15734,7 +17772,7 @@
               <a:t>멤버변수</a:t>
             </a:r>
             <a:r>
-              <a:rPr lang="en-US" altLang="ko-KR" sz="4000" smtClean="0">
+              <a:rPr lang="en-US" altLang="ko-KR" sz="4000">
                 <a:solidFill>
                   <a:schemeClr val="tx1">
                     <a:lumMod val="50000"/>
@@ -15747,7 +17785,7 @@
               <a:t>,</a:t>
             </a:r>
             <a:r>
-              <a:rPr lang="ko-KR" altLang="en-US" sz="4000" smtClean="0">
+              <a:rPr lang="ko-KR" altLang="en-US" sz="4000">
                 <a:solidFill>
                   <a:schemeClr val="tx1">
                     <a:lumMod val="50000"/>
@@ -15760,7 +17798,7 @@
               <a:t>메서드를 가리킬때 사용 한다</a:t>
             </a:r>
             <a:r>
-              <a:rPr lang="en-US" altLang="ko-KR" sz="4000" smtClean="0">
+              <a:rPr lang="en-US" altLang="ko-KR" sz="4000">
                 <a:solidFill>
                   <a:schemeClr val="tx1">
                     <a:lumMod val="50000"/>
@@ -15790,7 +17828,7 @@
           <p:cNvPr id="6" name="TextBox 5">
             <a:extLst>
               <a:ext uri="{FF2B5EF4-FFF2-40B4-BE49-F238E27FC236}">
-                <a16:creationId xmlns:a16="http://schemas.microsoft.com/office/drawing/2014/main" xmlns="" id="{A2AD056B-97A4-5BCC-4460-250160F3E171}"/>
+                <a16:creationId xmlns:a16="http://schemas.microsoft.com/office/drawing/2014/main" id="{A2AD056B-97A4-5BCC-4460-250160F3E171}"/>
               </a:ext>
             </a:extLst>
           </p:cNvPr>
@@ -15814,7 +17852,7 @@
           <a:lstStyle/>
           <a:p>
             <a:r>
-              <a:rPr lang="ko-KR" altLang="en-US" sz="4000" smtClean="0">
+              <a:rPr lang="ko-KR" altLang="en-US" sz="4000">
                 <a:solidFill>
                   <a:srgbClr val="FF0000"/>
                 </a:solidFill>
@@ -16287,13 +18325,6 @@
   <p:clrMapOvr>
     <a:masterClrMapping/>
   </p:clrMapOvr>
-  <p:timing>
-    <p:tnLst>
-      <p:par>
-        <p:cTn id="1" dur="indefinite" restart="never" nodeType="tmRoot"/>
-      </p:par>
-    </p:tnLst>
-  </p:timing>
 </p:sld>
 </file>
 
@@ -16411,7 +18442,13 @@
                 <a:tableStyleId>{5C22544A-7EE6-4342-B048-85BDC9FD1C3A}</a:tableStyleId>
               </a:tblPr>
               <a:tblGrid>
-                <a:gridCol w="1731833"/>
+                <a:gridCol w="1731833">
+                  <a:extLst>
+                    <a:ext uri="{9D8B030D-6E8A-4147-A177-3AD203B41FA5}">
+                      <a16:colId xmlns:a16="http://schemas.microsoft.com/office/drawing/2014/main" val="20000"/>
+                    </a:ext>
+                  </a:extLst>
+                </a:gridCol>
               </a:tblGrid>
               <a:tr h="370840">
                 <a:tc>
@@ -16421,7 +18458,7 @@
                     <a:p>
                       <a:pPr latinLnBrk="1"/>
                       <a:r>
-                        <a:rPr lang="en-US" altLang="ko-KR" sz="3600" smtClean="0">
+                        <a:rPr lang="en-US" altLang="ko-KR" sz="3600">
                           <a:solidFill>
                             <a:schemeClr val="bg1"/>
                           </a:solidFill>
@@ -16479,6 +18516,11 @@
                     </a:solidFill>
                   </a:tcPr>
                 </a:tc>
+                <a:extLst>
+                  <a:ext uri="{0D108BD9-81ED-4DB2-BD59-A6C34878D82A}">
+                    <a16:rowId xmlns:a16="http://schemas.microsoft.com/office/drawing/2014/main" val="10000"/>
+                  </a:ext>
+                </a:extLst>
               </a:tr>
               <a:tr h="370840">
                 <a:tc>
@@ -16488,7 +18530,7 @@
                     <a:p>
                       <a:pPr latinLnBrk="1"/>
                       <a:r>
-                        <a:rPr lang="ko-KR" altLang="en-US" sz="3600" smtClean="0">
+                        <a:rPr lang="ko-KR" altLang="en-US" sz="3600">
                           <a:ea typeface="G마켓 산스 Medium" panose="02000000000000000000"/>
                         </a:rPr>
                         <a:t>부모</a:t>
@@ -16538,6 +18580,11 @@
                     <a:noFill/>
                   </a:tcPr>
                 </a:tc>
+                <a:extLst>
+                  <a:ext uri="{0D108BD9-81ED-4DB2-BD59-A6C34878D82A}">
+                    <a16:rowId xmlns:a16="http://schemas.microsoft.com/office/drawing/2014/main" val="10001"/>
+                  </a:ext>
+                </a:extLst>
               </a:tr>
             </a:tbl>
           </a:graphicData>
@@ -16568,7 +18615,13 @@
                 <a:tableStyleId>{5C22544A-7EE6-4342-B048-85BDC9FD1C3A}</a:tableStyleId>
               </a:tblPr>
               <a:tblGrid>
-                <a:gridCol w="1731833"/>
+                <a:gridCol w="1731833">
+                  <a:extLst>
+                    <a:ext uri="{9D8B030D-6E8A-4147-A177-3AD203B41FA5}">
+                      <a16:colId xmlns:a16="http://schemas.microsoft.com/office/drawing/2014/main" val="20000"/>
+                    </a:ext>
+                  </a:extLst>
+                </a:gridCol>
               </a:tblGrid>
               <a:tr h="370840">
                 <a:tc>
@@ -16578,7 +18631,7 @@
                     <a:p>
                       <a:pPr latinLnBrk="1"/>
                       <a:r>
-                        <a:rPr lang="en-US" altLang="ko-KR" sz="3600" smtClean="0">
+                        <a:rPr lang="en-US" altLang="ko-KR" sz="3600">
                           <a:solidFill>
                             <a:schemeClr val="bg1"/>
                           </a:solidFill>
@@ -16636,6 +18689,11 @@
                     </a:solidFill>
                   </a:tcPr>
                 </a:tc>
+                <a:extLst>
+                  <a:ext uri="{0D108BD9-81ED-4DB2-BD59-A6C34878D82A}">
+                    <a16:rowId xmlns:a16="http://schemas.microsoft.com/office/drawing/2014/main" val="10000"/>
+                  </a:ext>
+                </a:extLst>
               </a:tr>
               <a:tr h="370840">
                 <a:tc>
@@ -16645,7 +18703,7 @@
                     <a:p>
                       <a:pPr latinLnBrk="1"/>
                       <a:r>
-                        <a:rPr lang="ko-KR" altLang="en-US" sz="3600" smtClean="0">
+                        <a:rPr lang="ko-KR" altLang="en-US" sz="3600">
                           <a:ea typeface="G마켓 산스 Medium" panose="02000000000000000000"/>
                         </a:rPr>
                         <a:t>자식</a:t>
@@ -16695,6 +18753,11 @@
                     <a:noFill/>
                   </a:tcPr>
                 </a:tc>
+                <a:extLst>
+                  <a:ext uri="{0D108BD9-81ED-4DB2-BD59-A6C34878D82A}">
+                    <a16:rowId xmlns:a16="http://schemas.microsoft.com/office/drawing/2014/main" val="10001"/>
+                  </a:ext>
+                </a:extLst>
               </a:tr>
             </a:tbl>
           </a:graphicData>
@@ -16705,7 +18768,7 @@
           <p:cNvPr id="12" name="직선 화살표 연결선 11">
             <a:extLst>
               <a:ext uri="{FF2B5EF4-FFF2-40B4-BE49-F238E27FC236}">
-                <a16:creationId xmlns:a16="http://schemas.microsoft.com/office/drawing/2014/main" xmlns="" id="{299DF5EC-9DF4-5255-06AC-0A7CE4FF58C3}"/>
+                <a16:creationId xmlns:a16="http://schemas.microsoft.com/office/drawing/2014/main" id="{299DF5EC-9DF4-5255-06AC-0A7CE4FF58C3}"/>
               </a:ext>
             </a:extLst>
           </p:cNvPr>
@@ -16746,7 +18809,7 @@
           <p:cNvPr id="14" name="직선 화살표 연결선 13">
             <a:extLst>
               <a:ext uri="{FF2B5EF4-FFF2-40B4-BE49-F238E27FC236}">
-                <a16:creationId xmlns:a16="http://schemas.microsoft.com/office/drawing/2014/main" xmlns="" id="{299DF5EC-9DF4-5255-06AC-0A7CE4FF58C3}"/>
+                <a16:creationId xmlns:a16="http://schemas.microsoft.com/office/drawing/2014/main" id="{299DF5EC-9DF4-5255-06AC-0A7CE4FF58C3}"/>
               </a:ext>
             </a:extLst>
           </p:cNvPr>
@@ -17036,7 +19099,7 @@
           <p:cNvPr id="6" name="그룹 1018">
             <a:extLst>
               <a:ext uri="{FF2B5EF4-FFF2-40B4-BE49-F238E27FC236}">
-                <a16:creationId xmlns:a16="http://schemas.microsoft.com/office/drawing/2014/main" xmlns="" id="{008489BA-FEFA-DE7D-B3CD-53A358B82592}"/>
+                <a16:creationId xmlns:a16="http://schemas.microsoft.com/office/drawing/2014/main" id="{008489BA-FEFA-DE7D-B3CD-53A358B82592}"/>
               </a:ext>
             </a:extLst>
           </p:cNvPr>
@@ -17056,7 +19119,7 @@
             <p:cNvPr id="7" name="Object 61">
               <a:extLst>
                 <a:ext uri="{FF2B5EF4-FFF2-40B4-BE49-F238E27FC236}">
-                  <a16:creationId xmlns:a16="http://schemas.microsoft.com/office/drawing/2014/main" xmlns="" id="{9ED25BE3-45BE-AC6D-D835-4457854D2832}"/>
+                  <a16:creationId xmlns:a16="http://schemas.microsoft.com/office/drawing/2014/main" id="{9ED25BE3-45BE-AC6D-D835-4457854D2832}"/>
                 </a:ext>
               </a:extLst>
             </p:cNvPr>
@@ -17087,7 +19150,7 @@
           <p:cNvPr id="8" name="그룹 1021">
             <a:extLst>
               <a:ext uri="{FF2B5EF4-FFF2-40B4-BE49-F238E27FC236}">
-                <a16:creationId xmlns:a16="http://schemas.microsoft.com/office/drawing/2014/main" xmlns="" id="{7FE0C0A1-ABE4-F0EA-AFC1-4622C45C99E7}"/>
+                <a16:creationId xmlns:a16="http://schemas.microsoft.com/office/drawing/2014/main" id="{7FE0C0A1-ABE4-F0EA-AFC1-4622C45C99E7}"/>
               </a:ext>
             </a:extLst>
           </p:cNvPr>
@@ -17107,7 +19170,7 @@
             <p:cNvPr id="9" name="Object 71">
               <a:extLst>
                 <a:ext uri="{FF2B5EF4-FFF2-40B4-BE49-F238E27FC236}">
-                  <a16:creationId xmlns:a16="http://schemas.microsoft.com/office/drawing/2014/main" xmlns="" id="{CDBB7D83-509F-9F4C-0C3E-DBA2562E5520}"/>
+                  <a16:creationId xmlns:a16="http://schemas.microsoft.com/office/drawing/2014/main" id="{CDBB7D83-509F-9F4C-0C3E-DBA2562E5520}"/>
                 </a:ext>
               </a:extLst>
             </p:cNvPr>
@@ -17138,7 +19201,7 @@
           <p:cNvPr id="10" name="그룹 1024">
             <a:extLst>
               <a:ext uri="{FF2B5EF4-FFF2-40B4-BE49-F238E27FC236}">
-                <a16:creationId xmlns:a16="http://schemas.microsoft.com/office/drawing/2014/main" xmlns="" id="{8EB1611F-852C-9617-AEEB-CFA38FFF8001}"/>
+                <a16:creationId xmlns:a16="http://schemas.microsoft.com/office/drawing/2014/main" id="{8EB1611F-852C-9617-AEEB-CFA38FFF8001}"/>
               </a:ext>
             </a:extLst>
           </p:cNvPr>
@@ -17158,7 +19221,7 @@
             <p:cNvPr id="11" name="Object 81">
               <a:extLst>
                 <a:ext uri="{FF2B5EF4-FFF2-40B4-BE49-F238E27FC236}">
-                  <a16:creationId xmlns:a16="http://schemas.microsoft.com/office/drawing/2014/main" xmlns="" id="{08657582-A0DF-A5DC-A662-189C639920C8}"/>
+                  <a16:creationId xmlns:a16="http://schemas.microsoft.com/office/drawing/2014/main" id="{08657582-A0DF-A5DC-A662-189C639920C8}"/>
                 </a:ext>
               </a:extLst>
             </p:cNvPr>
@@ -17189,7 +19252,7 @@
           <p:cNvPr id="13" name="TextBox 12">
             <a:extLst>
               <a:ext uri="{FF2B5EF4-FFF2-40B4-BE49-F238E27FC236}">
-                <a16:creationId xmlns:a16="http://schemas.microsoft.com/office/drawing/2014/main" xmlns="" id="{F68B80B8-3419-5C31-B2F2-084E536A2C1C}"/>
+                <a16:creationId xmlns:a16="http://schemas.microsoft.com/office/drawing/2014/main" id="{F68B80B8-3419-5C31-B2F2-084E536A2C1C}"/>
               </a:ext>
             </a:extLst>
           </p:cNvPr>
@@ -17213,7 +19276,7 @@
           <a:lstStyle/>
           <a:p>
             <a:r>
-              <a:rPr lang="en-US" altLang="ko-KR" sz="3600" smtClean="0">
+              <a:rPr lang="en-US" altLang="ko-KR" sz="3600">
                 <a:solidFill>
                   <a:srgbClr val="4D4848"/>
                 </a:solidFill>
@@ -17237,7 +19300,7 @@
           <p:cNvPr id="14" name="TextBox 13">
             <a:extLst>
               <a:ext uri="{FF2B5EF4-FFF2-40B4-BE49-F238E27FC236}">
-                <a16:creationId xmlns:a16="http://schemas.microsoft.com/office/drawing/2014/main" xmlns="" id="{CB471B39-052C-65D2-3069-C74FA7421876}"/>
+                <a16:creationId xmlns:a16="http://schemas.microsoft.com/office/drawing/2014/main" id="{CB471B39-052C-65D2-3069-C74FA7421876}"/>
               </a:ext>
             </a:extLst>
           </p:cNvPr>
@@ -17261,7 +19324,7 @@
           <a:lstStyle/>
           <a:p>
             <a:r>
-              <a:rPr lang="en-US" altLang="ko-KR" sz="3600" smtClean="0">
+              <a:rPr lang="en-US" altLang="ko-KR" sz="3600">
                 <a:solidFill>
                   <a:srgbClr val="4D4848"/>
                 </a:solidFill>
@@ -17285,7 +19348,7 @@
           <p:cNvPr id="15" name="TextBox 14">
             <a:extLst>
               <a:ext uri="{FF2B5EF4-FFF2-40B4-BE49-F238E27FC236}">
-                <a16:creationId xmlns:a16="http://schemas.microsoft.com/office/drawing/2014/main" xmlns="" id="{4A7E270B-9322-EABD-3A34-4D211B23AD38}"/>
+                <a16:creationId xmlns:a16="http://schemas.microsoft.com/office/drawing/2014/main" id="{4A7E270B-9322-EABD-3A34-4D211B23AD38}"/>
               </a:ext>
             </a:extLst>
           </p:cNvPr>
@@ -17309,7 +19372,7 @@
           <a:lstStyle/>
           <a:p>
             <a:r>
-              <a:rPr lang="en-US" altLang="ko-KR" sz="3600" smtClean="0">
+              <a:rPr lang="en-US" altLang="ko-KR" sz="3600">
                 <a:solidFill>
                   <a:srgbClr val="4D4848"/>
                 </a:solidFill>
@@ -17453,7 +19516,7 @@
           <p:cNvPr id="24" name="TextBox 23">
             <a:extLst>
               <a:ext uri="{FF2B5EF4-FFF2-40B4-BE49-F238E27FC236}">
-                <a16:creationId xmlns:a16="http://schemas.microsoft.com/office/drawing/2014/main" xmlns="" id="{5ADC00B6-990A-40DC-3CEA-505258F5E8DA}"/>
+                <a16:creationId xmlns:a16="http://schemas.microsoft.com/office/drawing/2014/main" id="{5ADC00B6-990A-40DC-3CEA-505258F5E8DA}"/>
               </a:ext>
             </a:extLst>
           </p:cNvPr>
@@ -17477,7 +19540,7 @@
           <a:lstStyle/>
           <a:p>
             <a:r>
-              <a:rPr lang="ko-KR" altLang="en-US" sz="4800" smtClean="0">
+              <a:rPr lang="ko-KR" altLang="en-US" sz="4800">
                 <a:solidFill>
                   <a:srgbClr val="4C50BC"/>
                 </a:solidFill>
@@ -17487,7 +19550,7 @@
               <a:t>그외 유닛들 </a:t>
             </a:r>
             <a:r>
-              <a:rPr lang="en-US" altLang="ko-KR" sz="4800" smtClean="0">
+              <a:rPr lang="en-US" altLang="ko-KR" sz="4800">
                 <a:solidFill>
                   <a:srgbClr val="4C50BC"/>
                 </a:solidFill>
@@ -17869,13 +19932,13 @@
           <p:nvPr>
             <p:extLst>
               <p:ext uri="{D42A27DB-BD31-4B8C-83A1-F6EECF244321}">
-                <p14:modId xmlns:p14="http://schemas.microsoft.com/office/powerpoint/2010/main" val="1052815207"/>
+                <p14:modId xmlns:p14="http://schemas.microsoft.com/office/powerpoint/2010/main" val="275089913"/>
               </p:ext>
             </p:extLst>
           </p:nvPr>
         </p:nvGraphicFramePr>
         <p:xfrm>
-          <a:off x="6172200" y="3390900"/>
+          <a:off x="8839200" y="3390900"/>
           <a:ext cx="5105400" cy="2209800"/>
         </p:xfrm>
         <a:graphic>
@@ -17885,8 +19948,20 @@
                 <a:tableStyleId>{5C22544A-7EE6-4342-B048-85BDC9FD1C3A}</a:tableStyleId>
               </a:tblPr>
               <a:tblGrid>
-                <a:gridCol w="2537224"/>
-                <a:gridCol w="2568176"/>
+                <a:gridCol w="2537224">
+                  <a:extLst>
+                    <a:ext uri="{9D8B030D-6E8A-4147-A177-3AD203B41FA5}">
+                      <a16:colId xmlns:a16="http://schemas.microsoft.com/office/drawing/2014/main" val="20000"/>
+                    </a:ext>
+                  </a:extLst>
+                </a:gridCol>
+                <a:gridCol w="2568176">
+                  <a:extLst>
+                    <a:ext uri="{9D8B030D-6E8A-4147-A177-3AD203B41FA5}">
+                      <a16:colId xmlns:a16="http://schemas.microsoft.com/office/drawing/2014/main" val="20001"/>
+                    </a:ext>
+                  </a:extLst>
+                </a:gridCol>
               </a:tblGrid>
               <a:tr h="736600">
                 <a:tc>
@@ -17952,7 +20027,7 @@
                     <a:p>
                       <a:pPr latinLnBrk="1"/>
                       <a:r>
-                        <a:rPr lang="en-US" altLang="ko-KR" sz="2800" smtClean="0">
+                        <a:rPr lang="en-US" altLang="ko-KR" sz="2800">
                           <a:solidFill>
                             <a:schemeClr val="bg1"/>
                           </a:solidFill>
@@ -18010,6 +20085,11 @@
                     </a:solidFill>
                   </a:tcPr>
                 </a:tc>
+                <a:extLst>
+                  <a:ext uri="{0D108BD9-81ED-4DB2-BD59-A6C34878D82A}">
+                    <a16:rowId xmlns:a16="http://schemas.microsoft.com/office/drawing/2014/main" val="10000"/>
+                  </a:ext>
+                </a:extLst>
               </a:tr>
               <a:tr h="736600">
                 <a:tc>
@@ -18035,12 +20115,12 @@
                         <a:defRPr/>
                       </a:pPr>
                       <a:r>
-                        <a:rPr lang="en-US" altLang="ko-KR" sz="2800" smtClean="0">
+                        <a:rPr lang="en-US" altLang="ko-KR" sz="2800">
                           <a:ea typeface="G마켓 산스 Medium" panose="02000000000000000000"/>
                         </a:rPr>
                         <a:t>super</a:t>
                       </a:r>
-                      <a:endParaRPr lang="ko-KR" altLang="en-US" sz="2800" smtClean="0">
+                      <a:endParaRPr lang="ko-KR" altLang="en-US" sz="2800">
                         <a:ea typeface="G마켓 산스 Medium" panose="02000000000000000000"/>
                       </a:endParaRPr>
                     </a:p>
@@ -18108,7 +20188,7 @@
                         <a:defRPr/>
                       </a:pPr>
                       <a:r>
-                        <a:rPr lang="en-US" altLang="ko-KR" sz="2800" smtClean="0">
+                        <a:rPr lang="en-US" altLang="ko-KR" sz="2800">
                           <a:ea typeface="G마켓 산스 Medium" panose="02000000000000000000"/>
                         </a:rPr>
                         <a:t>name</a:t>
@@ -18158,6 +20238,11 @@
                     <a:noFill/>
                   </a:tcPr>
                 </a:tc>
+                <a:extLst>
+                  <a:ext uri="{0D108BD9-81ED-4DB2-BD59-A6C34878D82A}">
+                    <a16:rowId xmlns:a16="http://schemas.microsoft.com/office/drawing/2014/main" val="10001"/>
+                  </a:ext>
+                </a:extLst>
               </a:tr>
               <a:tr h="736600">
                 <a:tc>
@@ -18167,7 +20252,7 @@
                     <a:p>
                       <a:pPr latinLnBrk="1"/>
                       <a:r>
-                        <a:rPr lang="en-US" altLang="ko-KR" sz="2800" smtClean="0">
+                        <a:rPr lang="en-US" altLang="ko-KR" sz="2800">
                           <a:ea typeface="G마켓 산스 Medium" panose="02000000000000000000"/>
                         </a:rPr>
                         <a:t>this</a:t>
@@ -18224,7 +20309,7 @@
                     <a:p>
                       <a:pPr latinLnBrk="1"/>
                       <a:r>
-                        <a:rPr lang="en-US" altLang="ko-KR" sz="2800" smtClean="0">
+                        <a:rPr lang="en-US" altLang="ko-KR" sz="2800" dirty="0">
                           <a:ea typeface="G마켓 산스 Medium" panose="02000000000000000000"/>
                         </a:rPr>
                         <a:t>name</a:t>
@@ -18274,11 +20359,359 @@
                     <a:noFill/>
                   </a:tcPr>
                 </a:tc>
+                <a:extLst>
+                  <a:ext uri="{0D108BD9-81ED-4DB2-BD59-A6C34878D82A}">
+                    <a16:rowId xmlns:a16="http://schemas.microsoft.com/office/drawing/2014/main" val="10002"/>
+                  </a:ext>
+                </a:extLst>
               </a:tr>
             </a:tbl>
           </a:graphicData>
         </a:graphic>
       </p:graphicFrame>
+      <p:graphicFrame>
+        <p:nvGraphicFramePr>
+          <p:cNvPr id="2" name="표 1">
+            <a:extLst>
+              <a:ext uri="{FF2B5EF4-FFF2-40B4-BE49-F238E27FC236}">
+                <a16:creationId xmlns:a16="http://schemas.microsoft.com/office/drawing/2014/main" id="{997BE140-4E76-8C74-849E-0234D3CEC4C7}"/>
+              </a:ext>
+            </a:extLst>
+          </p:cNvPr>
+          <p:cNvGraphicFramePr>
+            <a:graphicFrameLocks noGrp="1"/>
+          </p:cNvGraphicFramePr>
+          <p:nvPr>
+            <p:extLst>
+              <p:ext uri="{D42A27DB-BD31-4B8C-83A1-F6EECF244321}">
+                <p14:modId xmlns:p14="http://schemas.microsoft.com/office/powerpoint/2010/main" val="1756949124"/>
+              </p:ext>
+            </p:extLst>
+          </p:nvPr>
+        </p:nvGraphicFramePr>
+        <p:xfrm>
+          <a:off x="1905000" y="3002643"/>
+          <a:ext cx="2568176" cy="1473200"/>
+        </p:xfrm>
+        <a:graphic>
+          <a:graphicData uri="http://schemas.openxmlformats.org/drawingml/2006/table">
+            <a:tbl>
+              <a:tblPr firstRow="1" bandRow="1">
+                <a:tableStyleId>{5C22544A-7EE6-4342-B048-85BDC9FD1C3A}</a:tableStyleId>
+              </a:tblPr>
+              <a:tblGrid>
+                <a:gridCol w="2568176">
+                  <a:extLst>
+                    <a:ext uri="{9D8B030D-6E8A-4147-A177-3AD203B41FA5}">
+                      <a16:colId xmlns:a16="http://schemas.microsoft.com/office/drawing/2014/main" val="20001"/>
+                    </a:ext>
+                  </a:extLst>
+                </a:gridCol>
+              </a:tblGrid>
+              <a:tr h="736600">
+                <a:tc>
+                  <a:txBody>
+                    <a:bodyPr/>
+                    <a:lstStyle/>
+                    <a:p>
+                      <a:pPr latinLnBrk="1"/>
+                      <a:r>
+                        <a:rPr lang="en-US" altLang="ko-KR" sz="2800" dirty="0">
+                          <a:solidFill>
+                            <a:schemeClr val="bg1"/>
+                          </a:solidFill>
+                          <a:ea typeface="G마켓 산스 Medium" panose="02000000000000000000"/>
+                        </a:rPr>
+                        <a:t>Parent</a:t>
+                      </a:r>
+                      <a:endParaRPr lang="ko-KR" altLang="en-US" sz="2800" dirty="0">
+                        <a:solidFill>
+                          <a:schemeClr val="bg1"/>
+                        </a:solidFill>
+                        <a:ea typeface="G마켓 산스 Medium" panose="02000000000000000000"/>
+                      </a:endParaRPr>
+                    </a:p>
+                  </a:txBody>
+                  <a:tcPr>
+                    <a:lnL w="12700" cap="flat" cmpd="sng" algn="ctr">
+                      <a:solidFill>
+                        <a:schemeClr val="tx1"/>
+                      </a:solidFill>
+                      <a:prstDash val="solid"/>
+                      <a:round/>
+                      <a:headEnd type="none" w="med" len="med"/>
+                      <a:tailEnd type="none" w="med" len="med"/>
+                    </a:lnL>
+                    <a:lnR w="12700" cap="flat" cmpd="sng" algn="ctr">
+                      <a:solidFill>
+                        <a:schemeClr val="tx1"/>
+                      </a:solidFill>
+                      <a:prstDash val="solid"/>
+                      <a:round/>
+                      <a:headEnd type="none" w="med" len="med"/>
+                      <a:tailEnd type="none" w="med" len="med"/>
+                    </a:lnR>
+                    <a:lnT w="12700" cap="flat" cmpd="sng" algn="ctr">
+                      <a:solidFill>
+                        <a:schemeClr val="tx1"/>
+                      </a:solidFill>
+                      <a:prstDash val="solid"/>
+                      <a:round/>
+                      <a:headEnd type="none" w="med" len="med"/>
+                      <a:tailEnd type="none" w="med" len="med"/>
+                    </a:lnT>
+                    <a:lnB w="12700" cap="flat" cmpd="sng" algn="ctr">
+                      <a:solidFill>
+                        <a:schemeClr val="tx1"/>
+                      </a:solidFill>
+                      <a:prstDash val="solid"/>
+                      <a:round/>
+                      <a:headEnd type="none" w="med" len="med"/>
+                      <a:tailEnd type="none" w="med" len="med"/>
+                    </a:lnB>
+                    <a:solidFill>
+                      <a:srgbClr val="4C50BC"/>
+                    </a:solidFill>
+                  </a:tcPr>
+                </a:tc>
+                <a:extLst>
+                  <a:ext uri="{0D108BD9-81ED-4DB2-BD59-A6C34878D82A}">
+                    <a16:rowId xmlns:a16="http://schemas.microsoft.com/office/drawing/2014/main" val="10000"/>
+                  </a:ext>
+                </a:extLst>
+              </a:tr>
+              <a:tr h="736600">
+                <a:tc>
+                  <a:txBody>
+                    <a:bodyPr/>
+                    <a:lstStyle/>
+                    <a:p>
+                      <a:pPr marL="0" marR="0" lvl="0" indent="0" algn="l" defTabSz="914400" rtl="0" eaLnBrk="1" fontAlgn="auto" latinLnBrk="1" hangingPunct="1">
+                        <a:lnSpc>
+                          <a:spcPct val="100000"/>
+                        </a:lnSpc>
+                        <a:spcBef>
+                          <a:spcPts val="0"/>
+                        </a:spcBef>
+                        <a:spcAft>
+                          <a:spcPts val="0"/>
+                        </a:spcAft>
+                        <a:buClrTx/>
+                        <a:buSzTx/>
+                        <a:buFontTx/>
+                        <a:buNone/>
+                        <a:tabLst/>
+                        <a:defRPr/>
+                      </a:pPr>
+                      <a:r>
+                        <a:rPr lang="en-US" altLang="ko-KR" sz="2800" dirty="0">
+                          <a:ea typeface="G마켓 산스 Medium" panose="02000000000000000000"/>
+                        </a:rPr>
+                        <a:t>name</a:t>
+                      </a:r>
+                      <a:endParaRPr lang="ko-KR" altLang="en-US" sz="2800" dirty="0">
+                        <a:ea typeface="G마켓 산스 Medium" panose="02000000000000000000"/>
+                      </a:endParaRPr>
+                    </a:p>
+                  </a:txBody>
+                  <a:tcPr>
+                    <a:lnL w="12700" cap="flat" cmpd="sng" algn="ctr">
+                      <a:solidFill>
+                        <a:schemeClr val="tx1"/>
+                      </a:solidFill>
+                      <a:prstDash val="solid"/>
+                      <a:round/>
+                      <a:headEnd type="none" w="med" len="med"/>
+                      <a:tailEnd type="none" w="med" len="med"/>
+                    </a:lnL>
+                    <a:lnR w="12700" cap="flat" cmpd="sng" algn="ctr">
+                      <a:solidFill>
+                        <a:schemeClr val="tx1"/>
+                      </a:solidFill>
+                      <a:prstDash val="solid"/>
+                      <a:round/>
+                      <a:headEnd type="none" w="med" len="med"/>
+                      <a:tailEnd type="none" w="med" len="med"/>
+                    </a:lnR>
+                    <a:lnT w="12700" cap="flat" cmpd="sng" algn="ctr">
+                      <a:solidFill>
+                        <a:schemeClr val="tx1"/>
+                      </a:solidFill>
+                      <a:prstDash val="solid"/>
+                      <a:round/>
+                      <a:headEnd type="none" w="med" len="med"/>
+                      <a:tailEnd type="none" w="med" len="med"/>
+                    </a:lnT>
+                    <a:lnB w="12700" cap="flat" cmpd="sng" algn="ctr">
+                      <a:solidFill>
+                        <a:schemeClr val="tx1"/>
+                      </a:solidFill>
+                      <a:prstDash val="solid"/>
+                      <a:round/>
+                      <a:headEnd type="none" w="med" len="med"/>
+                      <a:tailEnd type="none" w="med" len="med"/>
+                    </a:lnB>
+                    <a:noFill/>
+                  </a:tcPr>
+                </a:tc>
+                <a:extLst>
+                  <a:ext uri="{0D108BD9-81ED-4DB2-BD59-A6C34878D82A}">
+                    <a16:rowId xmlns:a16="http://schemas.microsoft.com/office/drawing/2014/main" val="10001"/>
+                  </a:ext>
+                </a:extLst>
+              </a:tr>
+            </a:tbl>
+          </a:graphicData>
+        </a:graphic>
+      </p:graphicFrame>
+      <p:cxnSp>
+        <p:nvCxnSpPr>
+          <p:cNvPr id="3" name="직선 화살표 연결선 2">
+            <a:extLst>
+              <a:ext uri="{FF2B5EF4-FFF2-40B4-BE49-F238E27FC236}">
+                <a16:creationId xmlns:a16="http://schemas.microsoft.com/office/drawing/2014/main" id="{73D6F2B2-EE0B-D6BD-4C3A-D7719A76DB6E}"/>
+              </a:ext>
+            </a:extLst>
+          </p:cNvPr>
+          <p:cNvCxnSpPr>
+            <a:cxnSpLocks/>
+          </p:cNvCxnSpPr>
+          <p:nvPr/>
+        </p:nvCxnSpPr>
+        <p:spPr>
+          <a:xfrm>
+            <a:off x="4343400" y="4076700"/>
+            <a:ext cx="4343400" cy="399143"/>
+          </a:xfrm>
+          <a:prstGeom prst="straightConnector1">
+            <a:avLst/>
+          </a:prstGeom>
+          <a:ln w="38100">
+            <a:tailEnd type="triangle"/>
+          </a:ln>
+        </p:spPr>
+        <p:style>
+          <a:lnRef idx="1">
+            <a:schemeClr val="accent2"/>
+          </a:lnRef>
+          <a:fillRef idx="0">
+            <a:schemeClr val="accent2"/>
+          </a:fillRef>
+          <a:effectRef idx="0">
+            <a:schemeClr val="accent2"/>
+          </a:effectRef>
+          <a:fontRef idx="minor">
+            <a:schemeClr val="tx1"/>
+          </a:fontRef>
+        </p:style>
+      </p:cxnSp>
+      <p:sp>
+        <p:nvSpPr>
+          <p:cNvPr id="7" name="곱셈 기호 31">
+            <a:extLst>
+              <a:ext uri="{FF2B5EF4-FFF2-40B4-BE49-F238E27FC236}">
+                <a16:creationId xmlns:a16="http://schemas.microsoft.com/office/drawing/2014/main" id="{6BF67940-62CB-794B-EBE7-0F8173BA6D01}"/>
+              </a:ext>
+            </a:extLst>
+          </p:cNvPr>
+          <p:cNvSpPr/>
+          <p:nvPr/>
+        </p:nvSpPr>
+        <p:spPr>
+          <a:xfrm>
+            <a:off x="5105400" y="3390900"/>
+            <a:ext cx="2057400" cy="1698846"/>
+          </a:xfrm>
+          <a:prstGeom prst="mathMultiply">
+            <a:avLst>
+              <a:gd name="adj1" fmla="val 10595"/>
+            </a:avLst>
+          </a:prstGeom>
+          <a:solidFill>
+            <a:srgbClr val="FF0000"/>
+          </a:solidFill>
+          <a:ln>
+            <a:solidFill>
+              <a:srgbClr val="FF0000"/>
+            </a:solidFill>
+          </a:ln>
+        </p:spPr>
+        <p:style>
+          <a:lnRef idx="2">
+            <a:schemeClr val="accent1">
+              <a:shade val="50000"/>
+            </a:schemeClr>
+          </a:lnRef>
+          <a:fillRef idx="1">
+            <a:schemeClr val="accent1"/>
+          </a:fillRef>
+          <a:effectRef idx="0">
+            <a:schemeClr val="accent1"/>
+          </a:effectRef>
+          <a:fontRef idx="minor">
+            <a:schemeClr val="lt1"/>
+          </a:fontRef>
+        </p:style>
+        <p:txBody>
+          <a:bodyPr rtlCol="0" anchor="ctr"/>
+          <a:lstStyle/>
+          <a:p>
+            <a:pPr algn="ctr"/>
+            <a:endParaRPr lang="ko-KR" altLang="en-US"/>
+          </a:p>
+        </p:txBody>
+      </p:sp>
+      <p:sp>
+        <p:nvSpPr>
+          <p:cNvPr id="9" name="TextBox 8">
+            <a:extLst>
+              <a:ext uri="{FF2B5EF4-FFF2-40B4-BE49-F238E27FC236}">
+                <a16:creationId xmlns:a16="http://schemas.microsoft.com/office/drawing/2014/main" id="{D64AB9AE-91FF-074E-A3DA-9241D7BF90DF}"/>
+              </a:ext>
+            </a:extLst>
+          </p:cNvPr>
+          <p:cNvSpPr txBox="1"/>
+          <p:nvPr/>
+        </p:nvSpPr>
+        <p:spPr>
+          <a:xfrm>
+            <a:off x="4876800" y="7581900"/>
+            <a:ext cx="8839200" cy="707886"/>
+          </a:xfrm>
+          <a:prstGeom prst="rect">
+            <a:avLst/>
+          </a:prstGeom>
+          <a:noFill/>
+        </p:spPr>
+        <p:txBody>
+          <a:bodyPr wrap="square" rtlCol="0">
+            <a:spAutoFit/>
+          </a:bodyPr>
+          <a:lstStyle/>
+          <a:p>
+            <a:r>
+              <a:rPr lang="ko-KR" altLang="en-US" sz="4000" dirty="0">
+                <a:solidFill>
+                  <a:srgbClr val="FF0000"/>
+                </a:solidFill>
+                <a:latin typeface="G마켓 산스 Medium" panose="02000000000000000000" pitchFamily="50" charset="-127"/>
+                <a:ea typeface="G마켓 산스 Medium" panose="02000000000000000000" pitchFamily="50" charset="-127"/>
+              </a:rPr>
+              <a:t>부모 객체와는 아무 관계 없다</a:t>
+            </a:r>
+            <a:r>
+              <a:rPr lang="en-US" altLang="ko-KR" sz="4000" dirty="0">
+                <a:solidFill>
+                  <a:srgbClr val="FF0000"/>
+                </a:solidFill>
+                <a:latin typeface="G마켓 산스 Medium" panose="02000000000000000000" pitchFamily="50" charset="-127"/>
+                <a:ea typeface="G마켓 산스 Medium" panose="02000000000000000000" pitchFamily="50" charset="-127"/>
+              </a:rPr>
+              <a:t>.</a:t>
+            </a:r>
+          </a:p>
+        </p:txBody>
+      </p:sp>
     </p:spTree>
     <p:extLst>
       <p:ext uri="{BB962C8B-B14F-4D97-AF65-F5344CB8AC3E}">
@@ -18292,9 +20725,180 @@
   <p:timing>
     <p:tnLst>
       <p:par>
-        <p:cTn id="1" dur="indefinite" restart="never" nodeType="tmRoot"/>
+        <p:cTn id="1" dur="indefinite" restart="never" nodeType="tmRoot">
+          <p:childTnLst>
+            <p:seq concurrent="1" nextAc="seek">
+              <p:cTn id="2" dur="indefinite" nodeType="mainSeq">
+                <p:childTnLst>
+                  <p:par>
+                    <p:cTn id="3" fill="hold">
+                      <p:stCondLst>
+                        <p:cond delay="indefinite"/>
+                      </p:stCondLst>
+                      <p:childTnLst>
+                        <p:par>
+                          <p:cTn id="4" fill="hold">
+                            <p:stCondLst>
+                              <p:cond delay="0"/>
+                            </p:stCondLst>
+                            <p:childTnLst>
+                              <p:par>
+                                <p:cTn id="5" presetID="1" presetClass="entr" presetSubtype="0" fill="hold" nodeType="clickEffect">
+                                  <p:stCondLst>
+                                    <p:cond delay="0"/>
+                                  </p:stCondLst>
+                                  <p:childTnLst>
+                                    <p:set>
+                                      <p:cBhvr>
+                                        <p:cTn id="6" dur="1" fill="hold">
+                                          <p:stCondLst>
+                                            <p:cond delay="0"/>
+                                          </p:stCondLst>
+                                        </p:cTn>
+                                        <p:tgtEl>
+                                          <p:spTgt spid="2"/>
+                                        </p:tgtEl>
+                                        <p:attrNameLst>
+                                          <p:attrName>style.visibility</p:attrName>
+                                        </p:attrNameLst>
+                                      </p:cBhvr>
+                                      <p:to>
+                                        <p:strVal val="visible"/>
+                                      </p:to>
+                                    </p:set>
+                                  </p:childTnLst>
+                                </p:cTn>
+                              </p:par>
+                              <p:par>
+                                <p:cTn id="7" presetID="1" presetClass="entr" presetSubtype="0" fill="hold" nodeType="withEffect">
+                                  <p:stCondLst>
+                                    <p:cond delay="0"/>
+                                  </p:stCondLst>
+                                  <p:childTnLst>
+                                    <p:set>
+                                      <p:cBhvr>
+                                        <p:cTn id="8" dur="1" fill="hold">
+                                          <p:stCondLst>
+                                            <p:cond delay="0"/>
+                                          </p:stCondLst>
+                                        </p:cTn>
+                                        <p:tgtEl>
+                                          <p:spTgt spid="3"/>
+                                        </p:tgtEl>
+                                        <p:attrNameLst>
+                                          <p:attrName>style.visibility</p:attrName>
+                                        </p:attrNameLst>
+                                      </p:cBhvr>
+                                      <p:to>
+                                        <p:strVal val="visible"/>
+                                      </p:to>
+                                    </p:set>
+                                  </p:childTnLst>
+                                </p:cTn>
+                              </p:par>
+                              <p:par>
+                                <p:cTn id="9" presetID="1" presetClass="entr" presetSubtype="0" fill="hold" grpId="0" nodeType="withEffect">
+                                  <p:stCondLst>
+                                    <p:cond delay="0"/>
+                                  </p:stCondLst>
+                                  <p:childTnLst>
+                                    <p:set>
+                                      <p:cBhvr>
+                                        <p:cTn id="10" dur="1" fill="hold">
+                                          <p:stCondLst>
+                                            <p:cond delay="0"/>
+                                          </p:stCondLst>
+                                        </p:cTn>
+                                        <p:tgtEl>
+                                          <p:spTgt spid="7"/>
+                                        </p:tgtEl>
+                                        <p:attrNameLst>
+                                          <p:attrName>style.visibility</p:attrName>
+                                        </p:attrNameLst>
+                                      </p:cBhvr>
+                                      <p:to>
+                                        <p:strVal val="visible"/>
+                                      </p:to>
+                                    </p:set>
+                                  </p:childTnLst>
+                                </p:cTn>
+                              </p:par>
+                            </p:childTnLst>
+                          </p:cTn>
+                        </p:par>
+                      </p:childTnLst>
+                    </p:cTn>
+                  </p:par>
+                  <p:par>
+                    <p:cTn id="11" fill="hold">
+                      <p:stCondLst>
+                        <p:cond delay="indefinite"/>
+                      </p:stCondLst>
+                      <p:childTnLst>
+                        <p:par>
+                          <p:cTn id="12" fill="hold">
+                            <p:stCondLst>
+                              <p:cond delay="0"/>
+                            </p:stCondLst>
+                            <p:childTnLst>
+                              <p:par>
+                                <p:cTn id="13" presetID="1" presetClass="entr" presetSubtype="0" fill="hold" grpId="0" nodeType="clickEffect">
+                                  <p:stCondLst>
+                                    <p:cond delay="0"/>
+                                  </p:stCondLst>
+                                  <p:childTnLst>
+                                    <p:set>
+                                      <p:cBhvr>
+                                        <p:cTn id="14" dur="1" fill="hold">
+                                          <p:stCondLst>
+                                            <p:cond delay="0"/>
+                                          </p:stCondLst>
+                                        </p:cTn>
+                                        <p:tgtEl>
+                                          <p:spTgt spid="9"/>
+                                        </p:tgtEl>
+                                        <p:attrNameLst>
+                                          <p:attrName>style.visibility</p:attrName>
+                                        </p:attrNameLst>
+                                      </p:cBhvr>
+                                      <p:to>
+                                        <p:strVal val="visible"/>
+                                      </p:to>
+                                    </p:set>
+                                  </p:childTnLst>
+                                </p:cTn>
+                              </p:par>
+                            </p:childTnLst>
+                          </p:cTn>
+                        </p:par>
+                      </p:childTnLst>
+                    </p:cTn>
+                  </p:par>
+                </p:childTnLst>
+              </p:cTn>
+              <p:prevCondLst>
+                <p:cond evt="onPrev" delay="0">
+                  <p:tgtEl>
+                    <p:sldTgt/>
+                  </p:tgtEl>
+                </p:cond>
+              </p:prevCondLst>
+              <p:nextCondLst>
+                <p:cond evt="onNext" delay="0">
+                  <p:tgtEl>
+                    <p:sldTgt/>
+                  </p:tgtEl>
+                </p:cond>
+              </p:nextCondLst>
+            </p:seq>
+          </p:childTnLst>
+        </p:cTn>
       </p:par>
     </p:tnLst>
+    <p:bldLst>
+      <p:bldP spid="7" grpId="0" animBg="1"/>
+      <p:bldP spid="9" grpId="0"/>
+    </p:bldLst>
   </p:timing>
 </p:sld>
 </file>
@@ -18332,7 +20936,7 @@
         </p:blipFill>
         <p:spPr>
           <a:xfrm>
-            <a:off x="1219200" y="952500"/>
+            <a:off x="1143000" y="2705100"/>
             <a:ext cx="6779391" cy="4648200"/>
           </a:xfrm>
           <a:prstGeom prst="rect">
@@ -18356,7 +20960,7 @@
         </p:blipFill>
         <p:spPr>
           <a:xfrm>
-            <a:off x="8991600" y="952500"/>
+            <a:off x="8915400" y="2705100"/>
             <a:ext cx="8658578" cy="4495800"/>
           </a:xfrm>
           <a:prstGeom prst="rect">
@@ -18364,6 +20968,64 @@
           </a:prstGeom>
         </p:spPr>
       </p:pic>
+      <p:sp>
+        <p:nvSpPr>
+          <p:cNvPr id="2" name="TextBox 1">
+            <a:extLst>
+              <a:ext uri="{FF2B5EF4-FFF2-40B4-BE49-F238E27FC236}">
+                <a16:creationId xmlns:a16="http://schemas.microsoft.com/office/drawing/2014/main" id="{AF6E8CE0-4782-3A99-AD4F-3684390C1016}"/>
+              </a:ext>
+            </a:extLst>
+          </p:cNvPr>
+          <p:cNvSpPr txBox="1"/>
+          <p:nvPr/>
+        </p:nvSpPr>
+        <p:spPr>
+          <a:xfrm>
+            <a:off x="609600" y="419100"/>
+            <a:ext cx="8305800" cy="830997"/>
+          </a:xfrm>
+          <a:prstGeom prst="rect">
+            <a:avLst/>
+          </a:prstGeom>
+          <a:noFill/>
+        </p:spPr>
+        <p:txBody>
+          <a:bodyPr wrap="square" rtlCol="0">
+            <a:spAutoFit/>
+          </a:bodyPr>
+          <a:lstStyle/>
+          <a:p>
+            <a:r>
+              <a:rPr lang="ko-KR" altLang="en-US" sz="4800" dirty="0">
+                <a:solidFill>
+                  <a:srgbClr val="4C50BC"/>
+                </a:solidFill>
+                <a:latin typeface="G마켓 산스 Medium" panose="02000000000000000000" pitchFamily="50" charset="-127"/>
+                <a:ea typeface="G마켓 산스 Medium" panose="02000000000000000000" pitchFamily="50" charset="-127"/>
+              </a:rPr>
+              <a:t>부모 메서드 </a:t>
+            </a:r>
+            <a:r>
+              <a:rPr lang="ko-KR" altLang="en-US" sz="4800" dirty="0" err="1">
+                <a:solidFill>
+                  <a:srgbClr val="4C50BC"/>
+                </a:solidFill>
+                <a:latin typeface="G마켓 산스 Medium" panose="02000000000000000000" pitchFamily="50" charset="-127"/>
+                <a:ea typeface="G마켓 산스 Medium" panose="02000000000000000000" pitchFamily="50" charset="-127"/>
+              </a:rPr>
+              <a:t>오버라이딩</a:t>
+            </a:r>
+            <a:endParaRPr lang="en-US" altLang="ko-KR" sz="4800" dirty="0">
+              <a:solidFill>
+                <a:srgbClr val="4C50BC"/>
+              </a:solidFill>
+              <a:latin typeface="G마켓 산스 Medium" panose="02000000000000000000" pitchFamily="50" charset="-127"/>
+              <a:ea typeface="G마켓 산스 Medium" panose="02000000000000000000" pitchFamily="50" charset="-127"/>
+            </a:endParaRPr>
+          </a:p>
+        </p:txBody>
+      </p:sp>
     </p:spTree>
     <p:extLst>
       <p:ext uri="{BB962C8B-B14F-4D97-AF65-F5344CB8AC3E}">
@@ -18374,13 +21036,6 @@
   <p:clrMapOvr>
     <a:masterClrMapping/>
   </p:clrMapOvr>
-  <p:timing>
-    <p:tnLst>
-      <p:par>
-        <p:cTn id="1" dur="indefinite" restart="never" nodeType="tmRoot"/>
-      </p:par>
-    </p:tnLst>
-  </p:timing>
 </p:sld>
 </file>
 
@@ -18406,7 +21061,7 @@
           <p:cNvPr id="4" name="TextBox 3">
             <a:extLst>
               <a:ext uri="{FF2B5EF4-FFF2-40B4-BE49-F238E27FC236}">
-                <a16:creationId xmlns:a16="http://schemas.microsoft.com/office/drawing/2014/main" xmlns="" id="{5ADC00B6-990A-40DC-3CEA-505258F5E8DA}"/>
+                <a16:creationId xmlns:a16="http://schemas.microsoft.com/office/drawing/2014/main" id="{5ADC00B6-990A-40DC-3CEA-505258F5E8DA}"/>
               </a:ext>
             </a:extLst>
           </p:cNvPr>
@@ -18430,17 +21085,37 @@
           <a:lstStyle/>
           <a:p>
             <a:r>
-              <a:rPr lang="ko-KR" altLang="en-US" sz="6000" smtClean="0">
+              <a:rPr lang="ko-KR" altLang="en-US" sz="6000" dirty="0">
                 <a:solidFill>
                   <a:srgbClr val="4C50BC"/>
                 </a:solidFill>
                 <a:latin typeface="G마켓 산스 Medium" panose="02000000000000000000" pitchFamily="50" charset="-127"/>
                 <a:ea typeface="G마켓 산스 Medium" panose="02000000000000000000" pitchFamily="50" charset="-127"/>
               </a:rPr>
-              <a:t>부모로부터 상속받은 메서드를 재사용할수 없을까</a:t>
-            </a:r>
-            <a:r>
-              <a:rPr lang="en-US" altLang="ko-KR" sz="6000" smtClean="0">
+              <a:t>부모로부터 상속받은 메서드를 </a:t>
+            </a:r>
+            <a:r>
+              <a:rPr lang="ko-KR" altLang="en-US" sz="6000" dirty="0" err="1">
+                <a:solidFill>
+                  <a:srgbClr val="4C50BC"/>
+                </a:solidFill>
+                <a:latin typeface="G마켓 산스 Medium" panose="02000000000000000000" pitchFamily="50" charset="-127"/>
+                <a:ea typeface="G마켓 산스 Medium" panose="02000000000000000000" pitchFamily="50" charset="-127"/>
+              </a:rPr>
+              <a:t>재사용할수</a:t>
+            </a:r>
+            <a:r>
+              <a:rPr lang="ko-KR" altLang="en-US" sz="6000" dirty="0">
+                <a:solidFill>
+                  <a:srgbClr val="4C50BC"/>
+                </a:solidFill>
+                <a:latin typeface="G마켓 산스 Medium" panose="02000000000000000000" pitchFamily="50" charset="-127"/>
+                <a:ea typeface="G마켓 산스 Medium" panose="02000000000000000000" pitchFamily="50" charset="-127"/>
+              </a:rPr>
+              <a:t> 없을까</a:t>
+            </a:r>
+            <a:r>
+              <a:rPr lang="en-US" altLang="ko-KR" sz="6000" dirty="0">
                 <a:solidFill>
                   <a:srgbClr val="4C50BC"/>
                 </a:solidFill>
@@ -18449,13 +21124,6 @@
               </a:rPr>
               <a:t>?</a:t>
             </a:r>
-            <a:endParaRPr lang="en-US" altLang="ko-KR" sz="6000" dirty="0">
-              <a:solidFill>
-                <a:srgbClr val="4C50BC"/>
-              </a:solidFill>
-              <a:latin typeface="G마켓 산스 Medium" panose="02000000000000000000" pitchFamily="50" charset="-127"/>
-              <a:ea typeface="G마켓 산스 Medium" panose="02000000000000000000" pitchFamily="50" charset="-127"/>
-            </a:endParaRPr>
           </a:p>
         </p:txBody>
       </p:sp>
@@ -18469,13 +21137,6 @@
   <p:clrMapOvr>
     <a:masterClrMapping/>
   </p:clrMapOvr>
-  <p:timing>
-    <p:tnLst>
-      <p:par>
-        <p:cTn id="1" dur="indefinite" restart="never" nodeType="tmRoot"/>
-      </p:par>
-    </p:tnLst>
-  </p:timing>
 </p:sld>
 </file>
 
@@ -18549,7 +21210,7 @@
           <p:cNvPr id="6" name="직사각형 5">
             <a:extLst>
               <a:ext uri="{FF2B5EF4-FFF2-40B4-BE49-F238E27FC236}">
-                <a16:creationId xmlns:a16="http://schemas.microsoft.com/office/drawing/2014/main" xmlns="" id="{FFF506F9-840A-0508-4CAF-3AC711D8D5CE}"/>
+                <a16:creationId xmlns:a16="http://schemas.microsoft.com/office/drawing/2014/main" id="{FFF506F9-840A-0508-4CAF-3AC711D8D5CE}"/>
               </a:ext>
             </a:extLst>
           </p:cNvPr>
@@ -18560,6 +21221,282 @@
           <a:xfrm>
             <a:off x="11506200" y="5295900"/>
             <a:ext cx="3352800" cy="609600"/>
+          </a:xfrm>
+          <a:prstGeom prst="rect">
+            <a:avLst/>
+          </a:prstGeom>
+          <a:noFill/>
+          <a:ln>
+            <a:solidFill>
+              <a:srgbClr val="FF0000"/>
+            </a:solidFill>
+          </a:ln>
+        </p:spPr>
+        <p:style>
+          <a:lnRef idx="2">
+            <a:schemeClr val="accent2">
+              <a:shade val="50000"/>
+            </a:schemeClr>
+          </a:lnRef>
+          <a:fillRef idx="1">
+            <a:schemeClr val="accent2"/>
+          </a:fillRef>
+          <a:effectRef idx="0">
+            <a:schemeClr val="accent2"/>
+          </a:effectRef>
+          <a:fontRef idx="minor">
+            <a:schemeClr val="lt1"/>
+          </a:fontRef>
+        </p:style>
+        <p:txBody>
+          <a:bodyPr rtlCol="0" anchor="ctr"/>
+          <a:lstStyle/>
+          <a:p>
+            <a:pPr algn="ctr"/>
+            <a:endParaRPr lang="ko-KR" altLang="en-US"/>
+          </a:p>
+        </p:txBody>
+      </p:sp>
+      <p:sp>
+        <p:nvSpPr>
+          <p:cNvPr id="2" name="TextBox 1">
+            <a:extLst>
+              <a:ext uri="{FF2B5EF4-FFF2-40B4-BE49-F238E27FC236}">
+                <a16:creationId xmlns:a16="http://schemas.microsoft.com/office/drawing/2014/main" id="{8BD2ED5A-5CA2-F84F-13E6-A2AC3854D891}"/>
+              </a:ext>
+            </a:extLst>
+          </p:cNvPr>
+          <p:cNvSpPr txBox="1"/>
+          <p:nvPr/>
+        </p:nvSpPr>
+        <p:spPr>
+          <a:xfrm>
+            <a:off x="914400" y="419100"/>
+            <a:ext cx="4267200" cy="830997"/>
+          </a:xfrm>
+          <a:prstGeom prst="rect">
+            <a:avLst/>
+          </a:prstGeom>
+          <a:noFill/>
+        </p:spPr>
+        <p:txBody>
+          <a:bodyPr wrap="square" rtlCol="0">
+            <a:spAutoFit/>
+          </a:bodyPr>
+          <a:lstStyle/>
+          <a:p>
+            <a:r>
+              <a:rPr lang="en-US" altLang="ko-KR" sz="4800" dirty="0">
+                <a:solidFill>
+                  <a:srgbClr val="4C50BC"/>
+                </a:solidFill>
+                <a:latin typeface="G마켓 산스 Medium" panose="02000000000000000000" pitchFamily="50" charset="-127"/>
+                <a:ea typeface="G마켓 산스 Medium" panose="02000000000000000000" pitchFamily="50" charset="-127"/>
+              </a:rPr>
+              <a:t>super() </a:t>
+            </a:r>
+            <a:r>
+              <a:rPr lang="ko-KR" altLang="en-US" sz="4800" dirty="0">
+                <a:solidFill>
+                  <a:srgbClr val="4C50BC"/>
+                </a:solidFill>
+                <a:latin typeface="G마켓 산스 Medium" panose="02000000000000000000" pitchFamily="50" charset="-127"/>
+                <a:ea typeface="G마켓 산스 Medium" panose="02000000000000000000" pitchFamily="50" charset="-127"/>
+              </a:rPr>
+              <a:t>생성자</a:t>
+            </a:r>
+            <a:endParaRPr lang="en-US" altLang="ko-KR" sz="4800" dirty="0">
+              <a:solidFill>
+                <a:srgbClr val="4C50BC"/>
+              </a:solidFill>
+              <a:latin typeface="G마켓 산스 Medium" panose="02000000000000000000" pitchFamily="50" charset="-127"/>
+              <a:ea typeface="G마켓 산스 Medium" panose="02000000000000000000" pitchFamily="50" charset="-127"/>
+            </a:endParaRPr>
+          </a:p>
+        </p:txBody>
+      </p:sp>
+    </p:spTree>
+    <p:extLst>
+      <p:ext uri="{BB962C8B-B14F-4D97-AF65-F5344CB8AC3E}">
+        <p14:creationId xmlns:p14="http://schemas.microsoft.com/office/powerpoint/2010/main" val="1852645389"/>
+      </p:ext>
+    </p:extLst>
+  </p:cSld>
+  <p:clrMapOvr>
+    <a:masterClrMapping/>
+  </p:clrMapOvr>
+</p:sld>
+</file>
+
+<file path=ppt/slides/slide45.xml><?xml version="1.0" encoding="utf-8"?>
+<p:sld xmlns:a="http://schemas.openxmlformats.org/drawingml/2006/main" xmlns:r="http://schemas.openxmlformats.org/officeDocument/2006/relationships" xmlns:p="http://schemas.openxmlformats.org/presentationml/2006/main">
+  <p:cSld>
+    <p:spTree>
+      <p:nvGrpSpPr>
+        <p:cNvPr id="1" name=""/>
+        <p:cNvGrpSpPr/>
+        <p:nvPr/>
+      </p:nvGrpSpPr>
+      <p:grpSpPr>
+        <a:xfrm>
+          <a:off x="0" y="0"/>
+          <a:ext cx="0" cy="0"/>
+          <a:chOff x="0" y="0"/>
+          <a:chExt cx="0" cy="0"/>
+        </a:xfrm>
+      </p:grpSpPr>
+      <p:pic>
+        <p:nvPicPr>
+          <p:cNvPr id="4" name="그림 3"/>
+          <p:cNvPicPr>
+            <a:picLocks noChangeAspect="1"/>
+          </p:cNvPicPr>
+          <p:nvPr/>
+        </p:nvPicPr>
+        <p:blipFill>
+          <a:blip r:embed="rId2"/>
+          <a:stretch>
+            <a:fillRect/>
+          </a:stretch>
+        </p:blipFill>
+        <p:spPr>
+          <a:xfrm>
+            <a:off x="6400800" y="499605"/>
+            <a:ext cx="6185867" cy="5943600"/>
+          </a:xfrm>
+          <a:prstGeom prst="rect">
+            <a:avLst/>
+          </a:prstGeom>
+        </p:spPr>
+      </p:pic>
+      <p:pic>
+        <p:nvPicPr>
+          <p:cNvPr id="3" name="그림 2">
+            <a:extLst>
+              <a:ext uri="{FF2B5EF4-FFF2-40B4-BE49-F238E27FC236}">
+                <a16:creationId xmlns:a16="http://schemas.microsoft.com/office/drawing/2014/main" id="{63973ADD-1310-B140-4EAA-B78003F051BC}"/>
+              </a:ext>
+            </a:extLst>
+          </p:cNvPr>
+          <p:cNvPicPr>
+            <a:picLocks noChangeAspect="1"/>
+          </p:cNvPicPr>
+          <p:nvPr/>
+        </p:nvPicPr>
+        <p:blipFill>
+          <a:blip r:embed="rId3"/>
+          <a:stretch>
+            <a:fillRect/>
+          </a:stretch>
+        </p:blipFill>
+        <p:spPr>
+          <a:xfrm>
+            <a:off x="382784" y="499605"/>
+            <a:ext cx="5635232" cy="6210256"/>
+          </a:xfrm>
+          <a:prstGeom prst="rect">
+            <a:avLst/>
+          </a:prstGeom>
+        </p:spPr>
+      </p:pic>
+      <p:sp>
+        <p:nvSpPr>
+          <p:cNvPr id="6" name="직사각형 5">
+            <a:extLst>
+              <a:ext uri="{FF2B5EF4-FFF2-40B4-BE49-F238E27FC236}">
+                <a16:creationId xmlns:a16="http://schemas.microsoft.com/office/drawing/2014/main" id="{D4194E25-989E-0C55-B712-570C7D5091F0}"/>
+              </a:ext>
+            </a:extLst>
+          </p:cNvPr>
+          <p:cNvSpPr/>
+          <p:nvPr/>
+        </p:nvSpPr>
+        <p:spPr>
+          <a:xfrm>
+            <a:off x="7391400" y="4275134"/>
+            <a:ext cx="4876800" cy="1858966"/>
+          </a:xfrm>
+          <a:prstGeom prst="rect">
+            <a:avLst/>
+          </a:prstGeom>
+          <a:noFill/>
+          <a:ln>
+            <a:solidFill>
+              <a:srgbClr val="FF0000"/>
+            </a:solidFill>
+          </a:ln>
+        </p:spPr>
+        <p:style>
+          <a:lnRef idx="2">
+            <a:schemeClr val="accent2">
+              <a:shade val="50000"/>
+            </a:schemeClr>
+          </a:lnRef>
+          <a:fillRef idx="1">
+            <a:schemeClr val="accent2"/>
+          </a:fillRef>
+          <a:effectRef idx="0">
+            <a:schemeClr val="accent2"/>
+          </a:effectRef>
+          <a:fontRef idx="minor">
+            <a:schemeClr val="lt1"/>
+          </a:fontRef>
+        </p:style>
+        <p:txBody>
+          <a:bodyPr rtlCol="0" anchor="ctr"/>
+          <a:lstStyle/>
+          <a:p>
+            <a:pPr algn="ctr"/>
+            <a:endParaRPr lang="ko-KR" altLang="en-US"/>
+          </a:p>
+        </p:txBody>
+      </p:sp>
+      <p:pic>
+        <p:nvPicPr>
+          <p:cNvPr id="8" name="그림 7">
+            <a:extLst>
+              <a:ext uri="{FF2B5EF4-FFF2-40B4-BE49-F238E27FC236}">
+                <a16:creationId xmlns:a16="http://schemas.microsoft.com/office/drawing/2014/main" id="{1F34AA6C-44C4-4AAC-1FC2-230C55141948}"/>
+              </a:ext>
+            </a:extLst>
+          </p:cNvPr>
+          <p:cNvPicPr>
+            <a:picLocks noChangeAspect="1"/>
+          </p:cNvPicPr>
+          <p:nvPr/>
+        </p:nvPicPr>
+        <p:blipFill>
+          <a:blip r:embed="rId4"/>
+          <a:stretch>
+            <a:fillRect/>
+          </a:stretch>
+        </p:blipFill>
+        <p:spPr>
+          <a:xfrm>
+            <a:off x="12648857" y="4152900"/>
+            <a:ext cx="5639143" cy="2276591"/>
+          </a:xfrm>
+          <a:prstGeom prst="rect">
+            <a:avLst/>
+          </a:prstGeom>
+        </p:spPr>
+      </p:pic>
+      <p:sp>
+        <p:nvSpPr>
+          <p:cNvPr id="9" name="직사각형 8">
+            <a:extLst>
+              <a:ext uri="{FF2B5EF4-FFF2-40B4-BE49-F238E27FC236}">
+                <a16:creationId xmlns:a16="http://schemas.microsoft.com/office/drawing/2014/main" id="{39C40DE3-07FC-5B3E-1952-F1D0DDF51453}"/>
+              </a:ext>
+            </a:extLst>
+          </p:cNvPr>
+          <p:cNvSpPr/>
+          <p:nvPr/>
+        </p:nvSpPr>
+        <p:spPr>
+          <a:xfrm>
+            <a:off x="13498790" y="4822543"/>
+            <a:ext cx="2198410" cy="625757"/>
           </a:xfrm>
           <a:prstGeom prst="rect">
             <a:avLst/>
@@ -18599,7 +21536,370 @@
     </p:spTree>
     <p:extLst>
       <p:ext uri="{BB962C8B-B14F-4D97-AF65-F5344CB8AC3E}">
-        <p14:creationId xmlns:p14="http://schemas.microsoft.com/office/powerpoint/2010/main" val="1852645389"/>
+        <p14:creationId xmlns:p14="http://schemas.microsoft.com/office/powerpoint/2010/main" val="2592362427"/>
+      </p:ext>
+    </p:extLst>
+  </p:cSld>
+  <p:clrMapOvr>
+    <a:masterClrMapping/>
+  </p:clrMapOvr>
+</p:sld>
+</file>
+
+<file path=ppt/slides/slide46.xml><?xml version="1.0" encoding="utf-8"?>
+<p:sld xmlns:a="http://schemas.openxmlformats.org/drawingml/2006/main" xmlns:r="http://schemas.openxmlformats.org/officeDocument/2006/relationships" xmlns:p="http://schemas.openxmlformats.org/presentationml/2006/main">
+  <p:cSld>
+    <p:spTree>
+      <p:nvGrpSpPr>
+        <p:cNvPr id="1" name=""/>
+        <p:cNvGrpSpPr/>
+        <p:nvPr/>
+      </p:nvGrpSpPr>
+      <p:grpSpPr>
+        <a:xfrm>
+          <a:off x="0" y="0"/>
+          <a:ext cx="0" cy="0"/>
+          <a:chOff x="0" y="0"/>
+          <a:chExt cx="0" cy="0"/>
+        </a:xfrm>
+      </p:grpSpPr>
+      <p:sp>
+        <p:nvSpPr>
+          <p:cNvPr id="4" name="TextBox 3">
+            <a:extLst>
+              <a:ext uri="{FF2B5EF4-FFF2-40B4-BE49-F238E27FC236}">
+                <a16:creationId xmlns:a16="http://schemas.microsoft.com/office/drawing/2014/main" id="{E7F95338-D8E8-1A47-9B0B-2BEC0D129ACB}"/>
+              </a:ext>
+            </a:extLst>
+          </p:cNvPr>
+          <p:cNvSpPr txBox="1"/>
+          <p:nvPr/>
+        </p:nvSpPr>
+        <p:spPr>
+          <a:xfrm>
+            <a:off x="1371600" y="4381500"/>
+            <a:ext cx="17754600" cy="1015663"/>
+          </a:xfrm>
+          <a:prstGeom prst="rect">
+            <a:avLst/>
+          </a:prstGeom>
+          <a:noFill/>
+        </p:spPr>
+        <p:txBody>
+          <a:bodyPr wrap="square" rtlCol="0">
+            <a:spAutoFit/>
+          </a:bodyPr>
+          <a:lstStyle/>
+          <a:p>
+            <a:r>
+              <a:rPr lang="en-US" altLang="ko-KR" sz="6000" dirty="0">
+                <a:solidFill>
+                  <a:srgbClr val="4C50BC"/>
+                </a:solidFill>
+                <a:latin typeface="G마켓 산스 Medium" panose="02000000000000000000" pitchFamily="50" charset="-127"/>
+                <a:ea typeface="G마켓 산스 Medium" panose="02000000000000000000" pitchFamily="50" charset="-127"/>
+              </a:rPr>
+              <a:t>super </a:t>
+            </a:r>
+            <a:r>
+              <a:rPr lang="ko-KR" altLang="en-US" sz="6000" dirty="0">
+                <a:solidFill>
+                  <a:srgbClr val="4C50BC"/>
+                </a:solidFill>
+                <a:latin typeface="G마켓 산스 Medium" panose="02000000000000000000" pitchFamily="50" charset="-127"/>
+                <a:ea typeface="G마켓 산스 Medium" panose="02000000000000000000" pitchFamily="50" charset="-127"/>
+              </a:rPr>
+              <a:t>안 쓰고 그냥 직접 초기화 하면 안되나</a:t>
+            </a:r>
+            <a:r>
+              <a:rPr lang="en-US" altLang="ko-KR" sz="6000" dirty="0">
+                <a:solidFill>
+                  <a:srgbClr val="4C50BC"/>
+                </a:solidFill>
+                <a:latin typeface="G마켓 산스 Medium" panose="02000000000000000000" pitchFamily="50" charset="-127"/>
+                <a:ea typeface="G마켓 산스 Medium" panose="02000000000000000000" pitchFamily="50" charset="-127"/>
+              </a:rPr>
+              <a:t>?</a:t>
+            </a:r>
+          </a:p>
+        </p:txBody>
+      </p:sp>
+      <p:sp>
+        <p:nvSpPr>
+          <p:cNvPr id="5" name="TextBox 4">
+            <a:extLst>
+              <a:ext uri="{FF2B5EF4-FFF2-40B4-BE49-F238E27FC236}">
+                <a16:creationId xmlns:a16="http://schemas.microsoft.com/office/drawing/2014/main" id="{D40AEE29-AEAC-513F-8C7B-D77B52819A0F}"/>
+              </a:ext>
+            </a:extLst>
+          </p:cNvPr>
+          <p:cNvSpPr txBox="1"/>
+          <p:nvPr/>
+        </p:nvSpPr>
+        <p:spPr>
+          <a:xfrm>
+            <a:off x="3124200" y="2628900"/>
+            <a:ext cx="13487400" cy="4154984"/>
+          </a:xfrm>
+          <a:prstGeom prst="rect">
+            <a:avLst/>
+          </a:prstGeom>
+          <a:noFill/>
+        </p:spPr>
+        <p:txBody>
+          <a:bodyPr wrap="square" rtlCol="0">
+            <a:spAutoFit/>
+          </a:bodyPr>
+          <a:lstStyle/>
+          <a:p>
+            <a:pPr marL="742950" indent="-742950">
+              <a:buAutoNum type="arabicPeriod"/>
+            </a:pPr>
+            <a:r>
+              <a:rPr lang="ko-KR" altLang="en-US" sz="4400" dirty="0">
+                <a:solidFill>
+                  <a:schemeClr val="tx1">
+                    <a:lumMod val="50000"/>
+                    <a:lumOff val="50000"/>
+                  </a:schemeClr>
+                </a:solidFill>
+                <a:latin typeface="G마켓 산스 Medium" panose="02000000000000000000" pitchFamily="50" charset="-127"/>
+                <a:ea typeface="G마켓 산스 Medium" panose="02000000000000000000" pitchFamily="50" charset="-127"/>
+              </a:rPr>
+              <a:t>초기화 코드의 중복</a:t>
+            </a:r>
+            <a:endParaRPr lang="en-US" altLang="ko-KR" sz="4400" dirty="0">
+              <a:solidFill>
+                <a:schemeClr val="tx1">
+                  <a:lumMod val="50000"/>
+                  <a:lumOff val="50000"/>
+                </a:schemeClr>
+              </a:solidFill>
+              <a:latin typeface="G마켓 산스 Medium" panose="02000000000000000000" pitchFamily="50" charset="-127"/>
+              <a:ea typeface="G마켓 산스 Medium" panose="02000000000000000000" pitchFamily="50" charset="-127"/>
+            </a:endParaRPr>
+          </a:p>
+          <a:p>
+            <a:pPr marL="742950" indent="-742950">
+              <a:buAutoNum type="arabicPeriod"/>
+            </a:pPr>
+            <a:r>
+              <a:rPr lang="en-US" altLang="ko-KR" sz="4400" dirty="0">
+                <a:solidFill>
+                  <a:schemeClr val="tx1">
+                    <a:lumMod val="50000"/>
+                    <a:lumOff val="50000"/>
+                  </a:schemeClr>
+                </a:solidFill>
+                <a:latin typeface="G마켓 산스 Medium" panose="02000000000000000000" pitchFamily="50" charset="-127"/>
+                <a:ea typeface="G마켓 산스 Medium" panose="02000000000000000000" pitchFamily="50" charset="-127"/>
+              </a:rPr>
+              <a:t>class </a:t>
+            </a:r>
+            <a:r>
+              <a:rPr lang="ko-KR" altLang="en-US" sz="4400" dirty="0">
+                <a:solidFill>
+                  <a:schemeClr val="tx1">
+                    <a:lumMod val="50000"/>
+                    <a:lumOff val="50000"/>
+                  </a:schemeClr>
+                </a:solidFill>
+                <a:latin typeface="G마켓 산스 Medium" panose="02000000000000000000" pitchFamily="50" charset="-127"/>
+                <a:ea typeface="G마켓 산스 Medium" panose="02000000000000000000" pitchFamily="50" charset="-127"/>
+              </a:rPr>
+              <a:t>라이브러리만 </a:t>
+            </a:r>
+            <a:r>
+              <a:rPr lang="ko-KR" altLang="en-US" sz="4400" dirty="0" err="1">
+                <a:solidFill>
+                  <a:schemeClr val="tx1">
+                    <a:lumMod val="50000"/>
+                    <a:lumOff val="50000"/>
+                  </a:schemeClr>
+                </a:solidFill>
+                <a:latin typeface="G마켓 산스 Medium" panose="02000000000000000000" pitchFamily="50" charset="-127"/>
+                <a:ea typeface="G마켓 산스 Medium" panose="02000000000000000000" pitchFamily="50" charset="-127"/>
+              </a:rPr>
+              <a:t>가져올경우</a:t>
+            </a:r>
+            <a:r>
+              <a:rPr lang="ko-KR" altLang="en-US" sz="4400" dirty="0">
+                <a:solidFill>
+                  <a:schemeClr val="tx1">
+                    <a:lumMod val="50000"/>
+                    <a:lumOff val="50000"/>
+                  </a:schemeClr>
+                </a:solidFill>
+                <a:latin typeface="G마켓 산스 Medium" panose="02000000000000000000" pitchFamily="50" charset="-127"/>
+                <a:ea typeface="G마켓 산스 Medium" panose="02000000000000000000" pitchFamily="50" charset="-127"/>
+              </a:rPr>
+              <a:t> 생성자내부를 </a:t>
+            </a:r>
+            <a:r>
+              <a:rPr lang="ko-KR" altLang="en-US" sz="4400" dirty="0" err="1">
+                <a:solidFill>
+                  <a:schemeClr val="tx1">
+                    <a:lumMod val="50000"/>
+                    <a:lumOff val="50000"/>
+                  </a:schemeClr>
+                </a:solidFill>
+                <a:latin typeface="G마켓 산스 Medium" panose="02000000000000000000" pitchFamily="50" charset="-127"/>
+                <a:ea typeface="G마켓 산스 Medium" panose="02000000000000000000" pitchFamily="50" charset="-127"/>
+              </a:rPr>
+              <a:t>확인해볼수</a:t>
+            </a:r>
+            <a:r>
+              <a:rPr lang="ko-KR" altLang="en-US" sz="4400" dirty="0">
+                <a:solidFill>
+                  <a:schemeClr val="tx1">
+                    <a:lumMod val="50000"/>
+                    <a:lumOff val="50000"/>
+                  </a:schemeClr>
+                </a:solidFill>
+                <a:latin typeface="G마켓 산스 Medium" panose="02000000000000000000" pitchFamily="50" charset="-127"/>
+                <a:ea typeface="G마켓 산스 Medium" panose="02000000000000000000" pitchFamily="50" charset="-127"/>
+              </a:rPr>
+              <a:t> 없다</a:t>
+            </a:r>
+            <a:r>
+              <a:rPr lang="en-US" altLang="ko-KR" sz="4400" dirty="0">
+                <a:solidFill>
+                  <a:schemeClr val="tx1">
+                    <a:lumMod val="50000"/>
+                    <a:lumOff val="50000"/>
+                  </a:schemeClr>
+                </a:solidFill>
+                <a:latin typeface="G마켓 산스 Medium" panose="02000000000000000000" pitchFamily="50" charset="-127"/>
+                <a:ea typeface="G마켓 산스 Medium" panose="02000000000000000000" pitchFamily="50" charset="-127"/>
+              </a:rPr>
+              <a:t>.</a:t>
+            </a:r>
+          </a:p>
+          <a:p>
+            <a:pPr marL="742950" indent="-742950">
+              <a:buAutoNum type="arabicPeriod"/>
+            </a:pPr>
+            <a:r>
+              <a:rPr lang="ko-KR" altLang="en-US" sz="4400" dirty="0">
+                <a:solidFill>
+                  <a:schemeClr val="tx1">
+                    <a:lumMod val="50000"/>
+                    <a:lumOff val="50000"/>
+                  </a:schemeClr>
+                </a:solidFill>
+                <a:latin typeface="G마켓 산스 Medium" panose="02000000000000000000" pitchFamily="50" charset="-127"/>
+                <a:ea typeface="G마켓 산스 Medium" panose="02000000000000000000" pitchFamily="50" charset="-127"/>
+              </a:rPr>
+              <a:t>어떤 필터링을 거치는지 </a:t>
+            </a:r>
+            <a:r>
+              <a:rPr lang="ko-KR" altLang="en-US" sz="4400" dirty="0" err="1">
+                <a:solidFill>
+                  <a:schemeClr val="tx1">
+                    <a:lumMod val="50000"/>
+                    <a:lumOff val="50000"/>
+                  </a:schemeClr>
+                </a:solidFill>
+                <a:latin typeface="G마켓 산스 Medium" panose="02000000000000000000" pitchFamily="50" charset="-127"/>
+                <a:ea typeface="G마켓 산스 Medium" panose="02000000000000000000" pitchFamily="50" charset="-127"/>
+              </a:rPr>
+              <a:t>확인할수</a:t>
+            </a:r>
+            <a:r>
+              <a:rPr lang="ko-KR" altLang="en-US" sz="4400" dirty="0">
+                <a:solidFill>
+                  <a:schemeClr val="tx1">
+                    <a:lumMod val="50000"/>
+                    <a:lumOff val="50000"/>
+                  </a:schemeClr>
+                </a:solidFill>
+                <a:latin typeface="G마켓 산스 Medium" panose="02000000000000000000" pitchFamily="50" charset="-127"/>
+                <a:ea typeface="G마켓 산스 Medium" panose="02000000000000000000" pitchFamily="50" charset="-127"/>
+              </a:rPr>
+              <a:t> 없다</a:t>
+            </a:r>
+            <a:r>
+              <a:rPr lang="en-US" altLang="ko-KR" sz="4400" dirty="0">
+                <a:solidFill>
+                  <a:schemeClr val="tx1">
+                    <a:lumMod val="50000"/>
+                    <a:lumOff val="50000"/>
+                  </a:schemeClr>
+                </a:solidFill>
+                <a:latin typeface="G마켓 산스 Medium" panose="02000000000000000000" pitchFamily="50" charset="-127"/>
+                <a:ea typeface="G마켓 산스 Medium" panose="02000000000000000000" pitchFamily="50" charset="-127"/>
+              </a:rPr>
+              <a:t>.</a:t>
+            </a:r>
+          </a:p>
+          <a:p>
+            <a:pPr marL="742950" indent="-742950">
+              <a:buAutoNum type="arabicPeriod"/>
+            </a:pPr>
+            <a:r>
+              <a:rPr lang="ko-KR" altLang="en-US" sz="4400" dirty="0">
+                <a:solidFill>
+                  <a:schemeClr val="tx1">
+                    <a:lumMod val="50000"/>
+                    <a:lumOff val="50000"/>
+                  </a:schemeClr>
+                </a:solidFill>
+                <a:latin typeface="G마켓 산스 Medium" panose="02000000000000000000" pitchFamily="50" charset="-127"/>
+                <a:ea typeface="G마켓 산스 Medium" panose="02000000000000000000" pitchFamily="50" charset="-127"/>
+              </a:rPr>
+              <a:t>부모의 생성자가 변경되면 같이 변경해줘야 한다</a:t>
+            </a:r>
+            <a:r>
+              <a:rPr lang="en-US" altLang="ko-KR" sz="4400" dirty="0">
+                <a:solidFill>
+                  <a:schemeClr val="tx1">
+                    <a:lumMod val="50000"/>
+                    <a:lumOff val="50000"/>
+                  </a:schemeClr>
+                </a:solidFill>
+                <a:latin typeface="G마켓 산스 Medium" panose="02000000000000000000" pitchFamily="50" charset="-127"/>
+                <a:ea typeface="G마켓 산스 Medium" panose="02000000000000000000" pitchFamily="50" charset="-127"/>
+              </a:rPr>
+              <a:t>.</a:t>
+            </a:r>
+          </a:p>
+          <a:p>
+            <a:pPr marL="742950" indent="-742950">
+              <a:buAutoNum type="arabicPeriod"/>
+            </a:pPr>
+            <a:r>
+              <a:rPr lang="ko-KR" altLang="en-US" sz="4400" dirty="0">
+                <a:solidFill>
+                  <a:schemeClr val="tx1">
+                    <a:lumMod val="50000"/>
+                    <a:lumOff val="50000"/>
+                  </a:schemeClr>
+                </a:solidFill>
+                <a:latin typeface="G마켓 산스 Medium" panose="02000000000000000000" pitchFamily="50" charset="-127"/>
+                <a:ea typeface="G마켓 산스 Medium" panose="02000000000000000000" pitchFamily="50" charset="-127"/>
+              </a:rPr>
+              <a:t>부모의 생성자가 길어지면 가독성이 떨어진다</a:t>
+            </a:r>
+            <a:r>
+              <a:rPr lang="en-US" altLang="ko-KR" sz="4400" dirty="0">
+                <a:solidFill>
+                  <a:schemeClr val="tx1">
+                    <a:lumMod val="50000"/>
+                    <a:lumOff val="50000"/>
+                  </a:schemeClr>
+                </a:solidFill>
+                <a:latin typeface="G마켓 산스 Medium" panose="02000000000000000000" pitchFamily="50" charset="-127"/>
+                <a:ea typeface="G마켓 산스 Medium" panose="02000000000000000000" pitchFamily="50" charset="-127"/>
+              </a:rPr>
+              <a:t>.</a:t>
+            </a:r>
+          </a:p>
+        </p:txBody>
+      </p:sp>
+    </p:spTree>
+    <p:extLst>
+      <p:ext uri="{BB962C8B-B14F-4D97-AF65-F5344CB8AC3E}">
+        <p14:creationId xmlns:p14="http://schemas.microsoft.com/office/powerpoint/2010/main" val="253318414"/>
       </p:ext>
     </p:extLst>
   </p:cSld>
@@ -18609,14 +21909,126 @@
   <p:timing>
     <p:tnLst>
       <p:par>
-        <p:cTn id="1" dur="indefinite" restart="never" nodeType="tmRoot"/>
+        <p:cTn id="1" dur="indefinite" restart="never" nodeType="tmRoot">
+          <p:childTnLst>
+            <p:seq concurrent="1" nextAc="seek">
+              <p:cTn id="2" dur="indefinite" nodeType="mainSeq">
+                <p:childTnLst>
+                  <p:par>
+                    <p:cTn id="3" fill="hold">
+                      <p:stCondLst>
+                        <p:cond delay="indefinite"/>
+                      </p:stCondLst>
+                      <p:childTnLst>
+                        <p:par>
+                          <p:cTn id="4" fill="hold">
+                            <p:stCondLst>
+                              <p:cond delay="0"/>
+                            </p:stCondLst>
+                            <p:childTnLst>
+                              <p:par>
+                                <p:cTn id="5" presetID="42" presetClass="path" presetSubtype="0" accel="50000" decel="50000" fill="hold" grpId="0" nodeType="clickEffect">
+                                  <p:stCondLst>
+                                    <p:cond delay="0"/>
+                                  </p:stCondLst>
+                                  <p:childTnLst>
+                                    <p:animMotion origin="layout" path="M 3.33333E-6 1.35802E-6 L -0.00209 -0.35309 " pathEditMode="relative" rAng="0" ptsTypes="AA">
+                                      <p:cBhvr>
+                                        <p:cTn id="6" dur="2000" fill="hold"/>
+                                        <p:tgtEl>
+                                          <p:spTgt spid="4"/>
+                                        </p:tgtEl>
+                                        <p:attrNameLst>
+                                          <p:attrName>ppt_x</p:attrName>
+                                          <p:attrName>ppt_y</p:attrName>
+                                        </p:attrNameLst>
+                                      </p:cBhvr>
+                                      <p:rCtr x="-104" y="-17654"/>
+                                    </p:animMotion>
+                                  </p:childTnLst>
+                                </p:cTn>
+                              </p:par>
+                            </p:childTnLst>
+                          </p:cTn>
+                        </p:par>
+                      </p:childTnLst>
+                    </p:cTn>
+                  </p:par>
+                  <p:par>
+                    <p:cTn id="7" fill="hold">
+                      <p:stCondLst>
+                        <p:cond delay="indefinite"/>
+                      </p:stCondLst>
+                      <p:childTnLst>
+                        <p:par>
+                          <p:cTn id="8" fill="hold">
+                            <p:stCondLst>
+                              <p:cond delay="0"/>
+                            </p:stCondLst>
+                            <p:childTnLst>
+                              <p:par>
+                                <p:cTn id="9" presetID="1" presetClass="entr" presetSubtype="0" fill="hold" grpId="0" nodeType="clickEffect">
+                                  <p:stCondLst>
+                                    <p:cond delay="0"/>
+                                  </p:stCondLst>
+                                  <p:childTnLst>
+                                    <p:set>
+                                      <p:cBhvr>
+                                        <p:cTn id="10" dur="1" fill="hold">
+                                          <p:stCondLst>
+                                            <p:cond delay="0"/>
+                                          </p:stCondLst>
+                                        </p:cTn>
+                                        <p:tgtEl>
+                                          <p:spTgt spid="5"/>
+                                        </p:tgtEl>
+                                        <p:attrNameLst>
+                                          <p:attrName>style.visibility</p:attrName>
+                                        </p:attrNameLst>
+                                      </p:cBhvr>
+                                      <p:to>
+                                        <p:strVal val="visible"/>
+                                      </p:to>
+                                    </p:set>
+                                  </p:childTnLst>
+                                </p:cTn>
+                              </p:par>
+                            </p:childTnLst>
+                          </p:cTn>
+                        </p:par>
+                      </p:childTnLst>
+                    </p:cTn>
+                  </p:par>
+                </p:childTnLst>
+              </p:cTn>
+              <p:prevCondLst>
+                <p:cond evt="onPrev" delay="0">
+                  <p:tgtEl>
+                    <p:sldTgt/>
+                  </p:tgtEl>
+                </p:cond>
+              </p:prevCondLst>
+              <p:nextCondLst>
+                <p:cond evt="onNext" delay="0">
+                  <p:tgtEl>
+                    <p:sldTgt/>
+                  </p:tgtEl>
+                </p:cond>
+              </p:nextCondLst>
+            </p:seq>
+          </p:childTnLst>
+        </p:cTn>
       </p:par>
     </p:tnLst>
+    <p:bldLst>
+      <p:bldP spid="4" grpId="0"/>
+      <p:bldP spid="5" grpId="0"/>
+    </p:bldLst>
   </p:timing>
 </p:sld>
 </file>
 
-<file path=ppt/slides/slide45.xml><?xml version="1.0" encoding="utf-8"?>
+<file path=ppt/slides/slide47.xml><?xml version="1.0" encoding="utf-8"?>
 <p:sld xmlns:a="http://schemas.openxmlformats.org/drawingml/2006/main" xmlns:r="http://schemas.openxmlformats.org/officeDocument/2006/relationships" xmlns:p="http://schemas.openxmlformats.org/presentationml/2006/main">
   <p:cSld>
     <p:spTree>
@@ -18635,7 +22047,13 @@
       </p:grpSpPr>
       <p:pic>
         <p:nvPicPr>
-          <p:cNvPr id="4" name="그림 3"/>
+          <p:cNvPr id="5" name="그림 4">
+            <a:extLst>
+              <a:ext uri="{FF2B5EF4-FFF2-40B4-BE49-F238E27FC236}">
+                <a16:creationId xmlns:a16="http://schemas.microsoft.com/office/drawing/2014/main" id="{4C1E5A44-674D-671D-9AB9-96FADBF3612B}"/>
+              </a:ext>
+            </a:extLst>
+          </p:cNvPr>
           <p:cNvPicPr>
             <a:picLocks noChangeAspect="1"/>
           </p:cNvPicPr>
@@ -18649,17 +22067,115 @@
         </p:blipFill>
         <p:spPr>
           <a:xfrm>
-            <a:off x="8305800" y="800100"/>
-            <a:ext cx="6781800" cy="6516194"/>
+            <a:off x="1066800" y="723900"/>
+            <a:ext cx="7065017" cy="3048000"/>
           </a:xfrm>
           <a:prstGeom prst="rect">
             <a:avLst/>
           </a:prstGeom>
         </p:spPr>
       </p:pic>
+      <p:cxnSp>
+        <p:nvCxnSpPr>
+          <p:cNvPr id="6" name="직선 화살표 연결선 5">
+            <a:extLst>
+              <a:ext uri="{FF2B5EF4-FFF2-40B4-BE49-F238E27FC236}">
+                <a16:creationId xmlns:a16="http://schemas.microsoft.com/office/drawing/2014/main" id="{75908EAF-DC59-A016-BC77-60D68A02BC58}"/>
+              </a:ext>
+            </a:extLst>
+          </p:cNvPr>
+          <p:cNvCxnSpPr>
+            <a:cxnSpLocks/>
+          </p:cNvCxnSpPr>
+          <p:nvPr/>
+        </p:nvCxnSpPr>
+        <p:spPr>
+          <a:xfrm>
+            <a:off x="5407543" y="3044414"/>
+            <a:ext cx="1219200" cy="0"/>
+          </a:xfrm>
+          <a:prstGeom prst="straightConnector1">
+            <a:avLst/>
+          </a:prstGeom>
+          <a:ln w="38100">
+            <a:tailEnd type="triangle"/>
+          </a:ln>
+        </p:spPr>
+        <p:style>
+          <a:lnRef idx="1">
+            <a:schemeClr val="accent2"/>
+          </a:lnRef>
+          <a:fillRef idx="0">
+            <a:schemeClr val="accent2"/>
+          </a:fillRef>
+          <a:effectRef idx="0">
+            <a:schemeClr val="accent2"/>
+          </a:effectRef>
+          <a:fontRef idx="minor">
+            <a:schemeClr val="tx1"/>
+          </a:fontRef>
+        </p:style>
+      </p:cxnSp>
+      <p:sp>
+        <p:nvSpPr>
+          <p:cNvPr id="7" name="TextBox 6">
+            <a:extLst>
+              <a:ext uri="{FF2B5EF4-FFF2-40B4-BE49-F238E27FC236}">
+                <a16:creationId xmlns:a16="http://schemas.microsoft.com/office/drawing/2014/main" id="{E63F965D-29AF-DE1C-5B98-DBB3BB85DFAE}"/>
+              </a:ext>
+            </a:extLst>
+          </p:cNvPr>
+          <p:cNvSpPr txBox="1"/>
+          <p:nvPr/>
+        </p:nvSpPr>
+        <p:spPr>
+          <a:xfrm>
+            <a:off x="6781800" y="2628900"/>
+            <a:ext cx="9448800" cy="707886"/>
+          </a:xfrm>
+          <a:prstGeom prst="rect">
+            <a:avLst/>
+          </a:prstGeom>
+          <a:noFill/>
+        </p:spPr>
+        <p:txBody>
+          <a:bodyPr wrap="square" rtlCol="0">
+            <a:spAutoFit/>
+          </a:bodyPr>
+          <a:lstStyle/>
+          <a:p>
+            <a:r>
+              <a:rPr lang="ko-KR" altLang="en-US" sz="4000" dirty="0">
+                <a:solidFill>
+                  <a:srgbClr val="FF0000"/>
+                </a:solidFill>
+                <a:latin typeface="G마켓 산스 Medium" panose="02000000000000000000" pitchFamily="50" charset="-127"/>
+                <a:ea typeface="G마켓 산스 Medium" panose="02000000000000000000" pitchFamily="50" charset="-127"/>
+              </a:rPr>
+              <a:t>항상 제일 먼저 수행 되어야 한다</a:t>
+            </a:r>
+            <a:r>
+              <a:rPr lang="en-US" altLang="ko-KR" sz="4000" dirty="0">
+                <a:solidFill>
+                  <a:srgbClr val="FF0000"/>
+                </a:solidFill>
+                <a:latin typeface="G마켓 산스 Medium" panose="02000000000000000000" pitchFamily="50" charset="-127"/>
+                <a:ea typeface="G마켓 산스 Medium" panose="02000000000000000000" pitchFamily="50" charset="-127"/>
+              </a:rPr>
+              <a:t>.</a:t>
+            </a:r>
+          </a:p>
+        </p:txBody>
+      </p:sp>
       <p:pic>
         <p:nvPicPr>
-          <p:cNvPr id="5" name="그림 4"/>
+          <p:cNvPr id="9" name="그림 8">
+            <a:extLst>
+              <a:ext uri="{FF2B5EF4-FFF2-40B4-BE49-F238E27FC236}">
+                <a16:creationId xmlns:a16="http://schemas.microsoft.com/office/drawing/2014/main" id="{ABEEEEFF-3C09-B89D-E9C1-0E692C4188B0}"/>
+              </a:ext>
+            </a:extLst>
+          </p:cNvPr>
           <p:cNvPicPr>
             <a:picLocks noChangeAspect="1"/>
           </p:cNvPicPr>
@@ -18673,18 +22189,875 @@
         </p:blipFill>
         <p:spPr>
           <a:xfrm>
-            <a:off x="685800" y="800100"/>
-            <a:ext cx="5105400" cy="6642991"/>
+            <a:off x="1066800" y="4000500"/>
+            <a:ext cx="6553200" cy="5120191"/>
           </a:xfrm>
           <a:prstGeom prst="rect">
             <a:avLst/>
           </a:prstGeom>
         </p:spPr>
       </p:pic>
+      <p:cxnSp>
+        <p:nvCxnSpPr>
+          <p:cNvPr id="10" name="직선 화살표 연결선 9">
+            <a:extLst>
+              <a:ext uri="{FF2B5EF4-FFF2-40B4-BE49-F238E27FC236}">
+                <a16:creationId xmlns:a16="http://schemas.microsoft.com/office/drawing/2014/main" id="{72748C94-A7E3-EBE6-4E54-D9C607D67005}"/>
+              </a:ext>
+            </a:extLst>
+          </p:cNvPr>
+          <p:cNvCxnSpPr>
+            <a:cxnSpLocks/>
+            <a:stCxn id="11" idx="1"/>
+          </p:cNvCxnSpPr>
+          <p:nvPr/>
+        </p:nvCxnSpPr>
+        <p:spPr>
+          <a:xfrm flipH="1" flipV="1">
+            <a:off x="4495800" y="7616414"/>
+            <a:ext cx="3124200" cy="246206"/>
+          </a:xfrm>
+          <a:prstGeom prst="straightConnector1">
+            <a:avLst/>
+          </a:prstGeom>
+          <a:ln w="38100">
+            <a:tailEnd type="triangle"/>
+          </a:ln>
+        </p:spPr>
+        <p:style>
+          <a:lnRef idx="1">
+            <a:schemeClr val="accent2"/>
+          </a:lnRef>
+          <a:fillRef idx="0">
+            <a:schemeClr val="accent2"/>
+          </a:fillRef>
+          <a:effectRef idx="0">
+            <a:schemeClr val="accent2"/>
+          </a:effectRef>
+          <a:fontRef idx="minor">
+            <a:schemeClr val="tx1"/>
+          </a:fontRef>
+        </p:style>
+      </p:cxnSp>
+      <p:sp>
+        <p:nvSpPr>
+          <p:cNvPr id="11" name="TextBox 10">
+            <a:extLst>
+              <a:ext uri="{FF2B5EF4-FFF2-40B4-BE49-F238E27FC236}">
+                <a16:creationId xmlns:a16="http://schemas.microsoft.com/office/drawing/2014/main" id="{66DF052C-9323-9F8D-4857-1B2D989FFF9F}"/>
+              </a:ext>
+            </a:extLst>
+          </p:cNvPr>
+          <p:cNvSpPr txBox="1"/>
+          <p:nvPr/>
+        </p:nvSpPr>
+        <p:spPr>
+          <a:xfrm>
+            <a:off x="7620000" y="7200900"/>
+            <a:ext cx="9448800" cy="1323439"/>
+          </a:xfrm>
+          <a:prstGeom prst="rect">
+            <a:avLst/>
+          </a:prstGeom>
+          <a:noFill/>
+        </p:spPr>
+        <p:txBody>
+          <a:bodyPr wrap="square" rtlCol="0">
+            <a:spAutoFit/>
+          </a:bodyPr>
+          <a:lstStyle/>
+          <a:p>
+            <a:r>
+              <a:rPr lang="ko-KR" altLang="en-US" sz="4000" dirty="0">
+                <a:solidFill>
+                  <a:srgbClr val="FF0000"/>
+                </a:solidFill>
+                <a:latin typeface="G마켓 산스 Medium" panose="02000000000000000000" pitchFamily="50" charset="-127"/>
+                <a:ea typeface="G마켓 산스 Medium" panose="02000000000000000000" pitchFamily="50" charset="-127"/>
+              </a:rPr>
+              <a:t>만약 </a:t>
+            </a:r>
+            <a:r>
+              <a:rPr lang="en-US" altLang="ko-KR" sz="4000" dirty="0">
+                <a:solidFill>
+                  <a:srgbClr val="FF0000"/>
+                </a:solidFill>
+                <a:latin typeface="G마켓 산스 Medium" panose="02000000000000000000" pitchFamily="50" charset="-127"/>
+                <a:ea typeface="G마켓 산스 Medium" panose="02000000000000000000" pitchFamily="50" charset="-127"/>
+              </a:rPr>
+              <a:t>super </a:t>
+            </a:r>
+            <a:r>
+              <a:rPr lang="ko-KR" altLang="en-US" sz="4000" dirty="0">
+                <a:solidFill>
+                  <a:srgbClr val="FF0000"/>
+                </a:solidFill>
+                <a:latin typeface="G마켓 산스 Medium" panose="02000000000000000000" pitchFamily="50" charset="-127"/>
+                <a:ea typeface="G마켓 산스 Medium" panose="02000000000000000000" pitchFamily="50" charset="-127"/>
+              </a:rPr>
+              <a:t>생성자를 사용하지 않으면 컴파일러가 자동으로 </a:t>
+            </a:r>
+            <a:r>
+              <a:rPr lang="ko-KR" altLang="en-US" sz="4000" dirty="0" err="1">
+                <a:solidFill>
+                  <a:srgbClr val="FF0000"/>
+                </a:solidFill>
+                <a:latin typeface="G마켓 산스 Medium" panose="02000000000000000000" pitchFamily="50" charset="-127"/>
+                <a:ea typeface="G마켓 산스 Medium" panose="02000000000000000000" pitchFamily="50" charset="-127"/>
+              </a:rPr>
+              <a:t>끼워넣는다</a:t>
+            </a:r>
+            <a:r>
+              <a:rPr lang="en-US" altLang="ko-KR" sz="4000" dirty="0">
+                <a:solidFill>
+                  <a:srgbClr val="FF0000"/>
+                </a:solidFill>
+                <a:latin typeface="G마켓 산스 Medium" panose="02000000000000000000" pitchFamily="50" charset="-127"/>
+                <a:ea typeface="G마켓 산스 Medium" panose="02000000000000000000" pitchFamily="50" charset="-127"/>
+              </a:rPr>
+              <a:t>.</a:t>
+            </a:r>
+          </a:p>
+        </p:txBody>
+      </p:sp>
     </p:spTree>
     <p:extLst>
       <p:ext uri="{BB962C8B-B14F-4D97-AF65-F5344CB8AC3E}">
-        <p14:creationId xmlns:p14="http://schemas.microsoft.com/office/powerpoint/2010/main" val="2592362427"/>
+        <p14:creationId xmlns:p14="http://schemas.microsoft.com/office/powerpoint/2010/main" val="499967777"/>
+      </p:ext>
+    </p:extLst>
+  </p:cSld>
+  <p:clrMapOvr>
+    <a:masterClrMapping/>
+  </p:clrMapOvr>
+</p:sld>
+</file>
+
+<file path=ppt/slides/slide48.xml><?xml version="1.0" encoding="utf-8"?>
+<p:sld xmlns:a="http://schemas.openxmlformats.org/drawingml/2006/main" xmlns:r="http://schemas.openxmlformats.org/officeDocument/2006/relationships" xmlns:p="http://schemas.openxmlformats.org/presentationml/2006/main">
+  <p:cSld>
+    <p:spTree>
+      <p:nvGrpSpPr>
+        <p:cNvPr id="1" name=""/>
+        <p:cNvGrpSpPr/>
+        <p:nvPr/>
+      </p:nvGrpSpPr>
+      <p:grpSpPr>
+        <a:xfrm>
+          <a:off x="0" y="0"/>
+          <a:ext cx="0" cy="0"/>
+          <a:chOff x="0" y="0"/>
+          <a:chExt cx="0" cy="0"/>
+        </a:xfrm>
+      </p:grpSpPr>
+      <p:grpSp>
+        <p:nvGrpSpPr>
+          <p:cNvPr id="4" name="그룹 1018">
+            <a:extLst>
+              <a:ext uri="{FF2B5EF4-FFF2-40B4-BE49-F238E27FC236}">
+                <a16:creationId xmlns:a16="http://schemas.microsoft.com/office/drawing/2014/main" id="{88809E16-31F7-1F83-2FAC-75A0671E0E63}"/>
+              </a:ext>
+            </a:extLst>
+          </p:cNvPr>
+          <p:cNvGrpSpPr/>
+          <p:nvPr/>
+        </p:nvGrpSpPr>
+        <p:grpSpPr>
+          <a:xfrm>
+            <a:off x="7239000" y="6315214"/>
+            <a:ext cx="3393622" cy="1114286"/>
+            <a:chOff x="2803727" y="4828571"/>
+            <a:chExt cx="3393622" cy="1114286"/>
+          </a:xfrm>
+        </p:grpSpPr>
+        <p:pic>
+          <p:nvPicPr>
+            <p:cNvPr id="5" name="Object 61">
+              <a:extLst>
+                <a:ext uri="{FF2B5EF4-FFF2-40B4-BE49-F238E27FC236}">
+                  <a16:creationId xmlns:a16="http://schemas.microsoft.com/office/drawing/2014/main" id="{E1173C9E-3171-FA64-34F6-A314CF0D2703}"/>
+                </a:ext>
+              </a:extLst>
+            </p:cNvPr>
+            <p:cNvPicPr>
+              <a:picLocks noChangeAspect="1"/>
+            </p:cNvPicPr>
+            <p:nvPr/>
+          </p:nvPicPr>
+          <p:blipFill>
+            <a:blip r:embed="rId2" cstate="print"/>
+            <a:stretch>
+              <a:fillRect/>
+            </a:stretch>
+          </p:blipFill>
+          <p:spPr>
+            <a:xfrm>
+              <a:off x="2803727" y="4828571"/>
+              <a:ext cx="3393622" cy="1114286"/>
+            </a:xfrm>
+            <a:prstGeom prst="rect">
+              <a:avLst/>
+            </a:prstGeom>
+          </p:spPr>
+        </p:pic>
+      </p:grpSp>
+      <p:sp>
+        <p:nvSpPr>
+          <p:cNvPr id="6" name="TextBox 5">
+            <a:extLst>
+              <a:ext uri="{FF2B5EF4-FFF2-40B4-BE49-F238E27FC236}">
+                <a16:creationId xmlns:a16="http://schemas.microsoft.com/office/drawing/2014/main" id="{32037D5E-FE66-9272-14CC-2284752BAAC1}"/>
+              </a:ext>
+            </a:extLst>
+          </p:cNvPr>
+          <p:cNvSpPr txBox="1"/>
+          <p:nvPr/>
+        </p:nvSpPr>
+        <p:spPr>
+          <a:xfrm>
+            <a:off x="8187669" y="6509906"/>
+            <a:ext cx="2023131" cy="707886"/>
+          </a:xfrm>
+          <a:prstGeom prst="rect">
+            <a:avLst/>
+          </a:prstGeom>
+          <a:noFill/>
+        </p:spPr>
+        <p:txBody>
+          <a:bodyPr wrap="square" rtlCol="0">
+            <a:spAutoFit/>
+          </a:bodyPr>
+          <a:lstStyle/>
+          <a:p>
+            <a:r>
+              <a:rPr lang="en-US" altLang="ko-KR" sz="4000" dirty="0">
+                <a:solidFill>
+                  <a:schemeClr val="tx1">
+                    <a:lumMod val="50000"/>
+                    <a:lumOff val="50000"/>
+                  </a:schemeClr>
+                </a:solidFill>
+                <a:latin typeface="G마켓 산스 Medium" panose="02000000000000000000" pitchFamily="50" charset="-127"/>
+                <a:ea typeface="G마켓 산스 Medium" panose="02000000000000000000" pitchFamily="50" charset="-127"/>
+              </a:rPr>
+              <a:t>child</a:t>
+            </a:r>
+          </a:p>
+        </p:txBody>
+      </p:sp>
+      <p:grpSp>
+        <p:nvGrpSpPr>
+          <p:cNvPr id="7" name="그룹 1018">
+            <a:extLst>
+              <a:ext uri="{FF2B5EF4-FFF2-40B4-BE49-F238E27FC236}">
+                <a16:creationId xmlns:a16="http://schemas.microsoft.com/office/drawing/2014/main" id="{1DBF8C05-A7A0-E308-2C72-A1A1D48209F9}"/>
+              </a:ext>
+            </a:extLst>
+          </p:cNvPr>
+          <p:cNvGrpSpPr/>
+          <p:nvPr/>
+        </p:nvGrpSpPr>
+        <p:grpSpPr>
+          <a:xfrm>
+            <a:off x="7239000" y="3800614"/>
+            <a:ext cx="3393622" cy="1114286"/>
+            <a:chOff x="2803727" y="4828571"/>
+            <a:chExt cx="3393622" cy="1114286"/>
+          </a:xfrm>
+        </p:grpSpPr>
+        <p:pic>
+          <p:nvPicPr>
+            <p:cNvPr id="8" name="Object 61">
+              <a:extLst>
+                <a:ext uri="{FF2B5EF4-FFF2-40B4-BE49-F238E27FC236}">
+                  <a16:creationId xmlns:a16="http://schemas.microsoft.com/office/drawing/2014/main" id="{8890B65A-EE37-9FB0-11D0-D9028D5D4030}"/>
+                </a:ext>
+              </a:extLst>
+            </p:cNvPr>
+            <p:cNvPicPr>
+              <a:picLocks noChangeAspect="1"/>
+            </p:cNvPicPr>
+            <p:nvPr/>
+          </p:nvPicPr>
+          <p:blipFill>
+            <a:blip r:embed="rId2" cstate="print"/>
+            <a:stretch>
+              <a:fillRect/>
+            </a:stretch>
+          </p:blipFill>
+          <p:spPr>
+            <a:xfrm>
+              <a:off x="2803727" y="4828571"/>
+              <a:ext cx="3393622" cy="1114286"/>
+            </a:xfrm>
+            <a:prstGeom prst="rect">
+              <a:avLst/>
+            </a:prstGeom>
+          </p:spPr>
+        </p:pic>
+      </p:grpSp>
+      <p:sp>
+        <p:nvSpPr>
+          <p:cNvPr id="9" name="TextBox 8">
+            <a:extLst>
+              <a:ext uri="{FF2B5EF4-FFF2-40B4-BE49-F238E27FC236}">
+                <a16:creationId xmlns:a16="http://schemas.microsoft.com/office/drawing/2014/main" id="{03580C69-6090-E762-1CFF-CABCB1A1F84D}"/>
+              </a:ext>
+            </a:extLst>
+          </p:cNvPr>
+          <p:cNvSpPr txBox="1"/>
+          <p:nvPr/>
+        </p:nvSpPr>
+        <p:spPr>
+          <a:xfrm>
+            <a:off x="8187669" y="3995306"/>
+            <a:ext cx="2023131" cy="707886"/>
+          </a:xfrm>
+          <a:prstGeom prst="rect">
+            <a:avLst/>
+          </a:prstGeom>
+          <a:noFill/>
+        </p:spPr>
+        <p:txBody>
+          <a:bodyPr wrap="square" rtlCol="0">
+            <a:spAutoFit/>
+          </a:bodyPr>
+          <a:lstStyle/>
+          <a:p>
+            <a:r>
+              <a:rPr lang="en-US" altLang="ko-KR" sz="4000" dirty="0">
+                <a:solidFill>
+                  <a:schemeClr val="tx1">
+                    <a:lumMod val="50000"/>
+                    <a:lumOff val="50000"/>
+                  </a:schemeClr>
+                </a:solidFill>
+                <a:latin typeface="G마켓 산스 Medium" panose="02000000000000000000" pitchFamily="50" charset="-127"/>
+                <a:ea typeface="G마켓 산스 Medium" panose="02000000000000000000" pitchFamily="50" charset="-127"/>
+              </a:rPr>
+              <a:t>Parent</a:t>
+            </a:r>
+          </a:p>
+        </p:txBody>
+      </p:sp>
+      <p:grpSp>
+        <p:nvGrpSpPr>
+          <p:cNvPr id="10" name="그룹 1018">
+            <a:extLst>
+              <a:ext uri="{FF2B5EF4-FFF2-40B4-BE49-F238E27FC236}">
+                <a16:creationId xmlns:a16="http://schemas.microsoft.com/office/drawing/2014/main" id="{BD5EE8EE-7D57-CD91-F304-6250026830C6}"/>
+              </a:ext>
+            </a:extLst>
+          </p:cNvPr>
+          <p:cNvGrpSpPr/>
+          <p:nvPr/>
+        </p:nvGrpSpPr>
+        <p:grpSpPr>
+          <a:xfrm>
+            <a:off x="7239000" y="1485900"/>
+            <a:ext cx="3393622" cy="1114286"/>
+            <a:chOff x="2803727" y="4828571"/>
+            <a:chExt cx="3393622" cy="1114286"/>
+          </a:xfrm>
+        </p:grpSpPr>
+        <p:pic>
+          <p:nvPicPr>
+            <p:cNvPr id="11" name="Object 61">
+              <a:extLst>
+                <a:ext uri="{FF2B5EF4-FFF2-40B4-BE49-F238E27FC236}">
+                  <a16:creationId xmlns:a16="http://schemas.microsoft.com/office/drawing/2014/main" id="{55D32D67-44A3-9BA9-40E1-962240690E74}"/>
+                </a:ext>
+              </a:extLst>
+            </p:cNvPr>
+            <p:cNvPicPr>
+              <a:picLocks noChangeAspect="1"/>
+            </p:cNvPicPr>
+            <p:nvPr/>
+          </p:nvPicPr>
+          <p:blipFill>
+            <a:blip r:embed="rId2" cstate="print"/>
+            <a:stretch>
+              <a:fillRect/>
+            </a:stretch>
+          </p:blipFill>
+          <p:spPr>
+            <a:xfrm>
+              <a:off x="2803727" y="4828571"/>
+              <a:ext cx="3393622" cy="1114286"/>
+            </a:xfrm>
+            <a:prstGeom prst="rect">
+              <a:avLst/>
+            </a:prstGeom>
+          </p:spPr>
+        </p:pic>
+      </p:grpSp>
+      <p:sp>
+        <p:nvSpPr>
+          <p:cNvPr id="12" name="TextBox 11">
+            <a:extLst>
+              <a:ext uri="{FF2B5EF4-FFF2-40B4-BE49-F238E27FC236}">
+                <a16:creationId xmlns:a16="http://schemas.microsoft.com/office/drawing/2014/main" id="{2E843C5C-F5F0-B014-4B60-31604E120CA8}"/>
+              </a:ext>
+            </a:extLst>
+          </p:cNvPr>
+          <p:cNvSpPr txBox="1"/>
+          <p:nvPr/>
+        </p:nvSpPr>
+        <p:spPr>
+          <a:xfrm>
+            <a:off x="8187669" y="1680592"/>
+            <a:ext cx="2023131" cy="707886"/>
+          </a:xfrm>
+          <a:prstGeom prst="rect">
+            <a:avLst/>
+          </a:prstGeom>
+          <a:noFill/>
+        </p:spPr>
+        <p:txBody>
+          <a:bodyPr wrap="square" rtlCol="0">
+            <a:spAutoFit/>
+          </a:bodyPr>
+          <a:lstStyle/>
+          <a:p>
+            <a:r>
+              <a:rPr lang="en-US" altLang="ko-KR" sz="4000" dirty="0">
+                <a:solidFill>
+                  <a:schemeClr val="tx1">
+                    <a:lumMod val="50000"/>
+                    <a:lumOff val="50000"/>
+                  </a:schemeClr>
+                </a:solidFill>
+                <a:latin typeface="G마켓 산스 Medium" panose="02000000000000000000" pitchFamily="50" charset="-127"/>
+                <a:ea typeface="G마켓 산스 Medium" panose="02000000000000000000" pitchFamily="50" charset="-127"/>
+              </a:rPr>
+              <a:t>Object</a:t>
+            </a:r>
+          </a:p>
+        </p:txBody>
+      </p:sp>
+      <p:cxnSp>
+        <p:nvCxnSpPr>
+          <p:cNvPr id="13" name="직선 화살표 연결선 12">
+            <a:extLst>
+              <a:ext uri="{FF2B5EF4-FFF2-40B4-BE49-F238E27FC236}">
+                <a16:creationId xmlns:a16="http://schemas.microsoft.com/office/drawing/2014/main" id="{D18E0CA5-8F28-6CF5-D994-34D82E76FA59}"/>
+              </a:ext>
+            </a:extLst>
+          </p:cNvPr>
+          <p:cNvCxnSpPr>
+            <a:cxnSpLocks/>
+            <a:stCxn id="5" idx="0"/>
+            <a:endCxn id="8" idx="2"/>
+          </p:cNvCxnSpPr>
+          <p:nvPr/>
+        </p:nvCxnSpPr>
+        <p:spPr>
+          <a:xfrm flipV="1">
+            <a:off x="8935811" y="4914900"/>
+            <a:ext cx="0" cy="1400314"/>
+          </a:xfrm>
+          <a:prstGeom prst="straightConnector1">
+            <a:avLst/>
+          </a:prstGeom>
+          <a:ln w="38100">
+            <a:tailEnd type="triangle"/>
+          </a:ln>
+        </p:spPr>
+        <p:style>
+          <a:lnRef idx="1">
+            <a:schemeClr val="accent2"/>
+          </a:lnRef>
+          <a:fillRef idx="0">
+            <a:schemeClr val="accent2"/>
+          </a:fillRef>
+          <a:effectRef idx="0">
+            <a:schemeClr val="accent2"/>
+          </a:effectRef>
+          <a:fontRef idx="minor">
+            <a:schemeClr val="tx1"/>
+          </a:fontRef>
+        </p:style>
+      </p:cxnSp>
+      <p:cxnSp>
+        <p:nvCxnSpPr>
+          <p:cNvPr id="16" name="직선 화살표 연결선 15">
+            <a:extLst>
+              <a:ext uri="{FF2B5EF4-FFF2-40B4-BE49-F238E27FC236}">
+                <a16:creationId xmlns:a16="http://schemas.microsoft.com/office/drawing/2014/main" id="{63A2BB84-DB21-3B86-E191-9D086538A8E8}"/>
+              </a:ext>
+            </a:extLst>
+          </p:cNvPr>
+          <p:cNvCxnSpPr>
+            <a:cxnSpLocks/>
+          </p:cNvCxnSpPr>
+          <p:nvPr/>
+        </p:nvCxnSpPr>
+        <p:spPr>
+          <a:xfrm flipV="1">
+            <a:off x="8915400" y="2476500"/>
+            <a:ext cx="0" cy="1400314"/>
+          </a:xfrm>
+          <a:prstGeom prst="straightConnector1">
+            <a:avLst/>
+          </a:prstGeom>
+          <a:ln w="38100">
+            <a:tailEnd type="triangle"/>
+          </a:ln>
+        </p:spPr>
+        <p:style>
+          <a:lnRef idx="1">
+            <a:schemeClr val="accent2"/>
+          </a:lnRef>
+          <a:fillRef idx="0">
+            <a:schemeClr val="accent2"/>
+          </a:fillRef>
+          <a:effectRef idx="0">
+            <a:schemeClr val="accent2"/>
+          </a:effectRef>
+          <a:fontRef idx="minor">
+            <a:schemeClr val="tx1"/>
+          </a:fontRef>
+        </p:style>
+      </p:cxnSp>
+      <p:sp>
+        <p:nvSpPr>
+          <p:cNvPr id="17" name="TextBox 16">
+            <a:extLst>
+              <a:ext uri="{FF2B5EF4-FFF2-40B4-BE49-F238E27FC236}">
+                <a16:creationId xmlns:a16="http://schemas.microsoft.com/office/drawing/2014/main" id="{F98D168E-7AFC-9208-1631-471768BCB29E}"/>
+              </a:ext>
+            </a:extLst>
+          </p:cNvPr>
+          <p:cNvSpPr txBox="1"/>
+          <p:nvPr/>
+        </p:nvSpPr>
+        <p:spPr>
+          <a:xfrm>
+            <a:off x="2667000" y="8934728"/>
+            <a:ext cx="14173200" cy="707886"/>
+          </a:xfrm>
+          <a:prstGeom prst="rect">
+            <a:avLst/>
+          </a:prstGeom>
+          <a:noFill/>
+        </p:spPr>
+        <p:txBody>
+          <a:bodyPr wrap="square" rtlCol="0">
+            <a:spAutoFit/>
+          </a:bodyPr>
+          <a:lstStyle/>
+          <a:p>
+            <a:r>
+              <a:rPr lang="ko-KR" altLang="en-US" sz="4000" dirty="0">
+                <a:solidFill>
+                  <a:srgbClr val="FF0000"/>
+                </a:solidFill>
+                <a:latin typeface="G마켓 산스 Medium" panose="02000000000000000000" pitchFamily="50" charset="-127"/>
+                <a:ea typeface="G마켓 산스 Medium" panose="02000000000000000000" pitchFamily="50" charset="-127"/>
+              </a:rPr>
+              <a:t>모든 클래스들은 객체 생성시 </a:t>
+            </a:r>
+            <a:r>
+              <a:rPr lang="en-US" altLang="ko-KR" sz="4000" dirty="0">
+                <a:solidFill>
+                  <a:srgbClr val="FF0000"/>
+                </a:solidFill>
+                <a:latin typeface="G마켓 산스 Medium" panose="02000000000000000000" pitchFamily="50" charset="-127"/>
+                <a:ea typeface="G마켓 산스 Medium" panose="02000000000000000000" pitchFamily="50" charset="-127"/>
+              </a:rPr>
+              <a:t>Object </a:t>
+            </a:r>
+            <a:r>
+              <a:rPr lang="ko-KR" altLang="en-US" sz="4000" dirty="0">
+                <a:solidFill>
+                  <a:srgbClr val="FF0000"/>
+                </a:solidFill>
+                <a:latin typeface="G마켓 산스 Medium" panose="02000000000000000000" pitchFamily="50" charset="-127"/>
+                <a:ea typeface="G마켓 산스 Medium" panose="02000000000000000000" pitchFamily="50" charset="-127"/>
+              </a:rPr>
+              <a:t>생성자를 호출한다</a:t>
+            </a:r>
+            <a:r>
+              <a:rPr lang="en-US" altLang="ko-KR" sz="4000" dirty="0">
+                <a:solidFill>
+                  <a:srgbClr val="FF0000"/>
+                </a:solidFill>
+                <a:latin typeface="G마켓 산스 Medium" panose="02000000000000000000" pitchFamily="50" charset="-127"/>
+                <a:ea typeface="G마켓 산스 Medium" panose="02000000000000000000" pitchFamily="50" charset="-127"/>
+              </a:rPr>
+              <a:t>.</a:t>
+            </a:r>
+          </a:p>
+        </p:txBody>
+      </p:sp>
+    </p:spTree>
+    <p:extLst>
+      <p:ext uri="{BB962C8B-B14F-4D97-AF65-F5344CB8AC3E}">
+        <p14:creationId xmlns:p14="http://schemas.microsoft.com/office/powerpoint/2010/main" val="1602737570"/>
+      </p:ext>
+    </p:extLst>
+  </p:cSld>
+  <p:clrMapOvr>
+    <a:masterClrMapping/>
+  </p:clrMapOvr>
+</p:sld>
+</file>
+
+<file path=ppt/slides/slide49.xml><?xml version="1.0" encoding="utf-8"?>
+<p:sld xmlns:a="http://schemas.openxmlformats.org/drawingml/2006/main" xmlns:r="http://schemas.openxmlformats.org/officeDocument/2006/relationships" xmlns:p="http://schemas.openxmlformats.org/presentationml/2006/main">
+  <p:cSld>
+    <p:spTree>
+      <p:nvGrpSpPr>
+        <p:cNvPr id="1" name=""/>
+        <p:cNvGrpSpPr/>
+        <p:nvPr/>
+      </p:nvGrpSpPr>
+      <p:grpSpPr>
+        <a:xfrm>
+          <a:off x="0" y="0"/>
+          <a:ext cx="0" cy="0"/>
+          <a:chOff x="0" y="0"/>
+          <a:chExt cx="0" cy="0"/>
+        </a:xfrm>
+      </p:grpSpPr>
+      <p:pic>
+        <p:nvPicPr>
+          <p:cNvPr id="15" name="그림 14">
+            <a:extLst>
+              <a:ext uri="{FF2B5EF4-FFF2-40B4-BE49-F238E27FC236}">
+                <a16:creationId xmlns:a16="http://schemas.microsoft.com/office/drawing/2014/main" id="{53724FB4-B4A1-0A70-1F84-114E17B93993}"/>
+              </a:ext>
+            </a:extLst>
+          </p:cNvPr>
+          <p:cNvPicPr>
+            <a:picLocks noChangeAspect="1"/>
+          </p:cNvPicPr>
+          <p:nvPr/>
+        </p:nvPicPr>
+        <p:blipFill>
+          <a:blip r:embed="rId2"/>
+          <a:stretch>
+            <a:fillRect/>
+          </a:stretch>
+        </p:blipFill>
+        <p:spPr>
+          <a:xfrm>
+            <a:off x="8086417" y="495300"/>
+            <a:ext cx="7382179" cy="5464731"/>
+          </a:xfrm>
+          <a:prstGeom prst="rect">
+            <a:avLst/>
+          </a:prstGeom>
+        </p:spPr>
+      </p:pic>
+      <p:pic>
+        <p:nvPicPr>
+          <p:cNvPr id="5" name="그림 4">
+            <a:extLst>
+              <a:ext uri="{FF2B5EF4-FFF2-40B4-BE49-F238E27FC236}">
+                <a16:creationId xmlns:a16="http://schemas.microsoft.com/office/drawing/2014/main" id="{B3B08C97-DB9D-E09A-46A5-9DE74C54D1EA}"/>
+              </a:ext>
+            </a:extLst>
+          </p:cNvPr>
+          <p:cNvPicPr>
+            <a:picLocks noChangeAspect="1"/>
+          </p:cNvPicPr>
+          <p:nvPr/>
+        </p:nvPicPr>
+        <p:blipFill>
+          <a:blip r:embed="rId3"/>
+          <a:stretch>
+            <a:fillRect/>
+          </a:stretch>
+        </p:blipFill>
+        <p:spPr>
+          <a:xfrm>
+            <a:off x="990600" y="419100"/>
+            <a:ext cx="6553200" cy="5530446"/>
+          </a:xfrm>
+          <a:prstGeom prst="rect">
+            <a:avLst/>
+          </a:prstGeom>
+        </p:spPr>
+      </p:pic>
+      <p:cxnSp>
+        <p:nvCxnSpPr>
+          <p:cNvPr id="10" name="직선 화살표 연결선 9">
+            <a:extLst>
+              <a:ext uri="{FF2B5EF4-FFF2-40B4-BE49-F238E27FC236}">
+                <a16:creationId xmlns:a16="http://schemas.microsoft.com/office/drawing/2014/main" id="{C07CC10E-FCEF-C096-5466-649AE800D608}"/>
+              </a:ext>
+            </a:extLst>
+          </p:cNvPr>
+          <p:cNvCxnSpPr>
+            <a:cxnSpLocks/>
+          </p:cNvCxnSpPr>
+          <p:nvPr/>
+        </p:nvCxnSpPr>
+        <p:spPr>
+          <a:xfrm>
+            <a:off x="10287000" y="3619500"/>
+            <a:ext cx="0" cy="3581400"/>
+          </a:xfrm>
+          <a:prstGeom prst="straightConnector1">
+            <a:avLst/>
+          </a:prstGeom>
+          <a:ln w="38100">
+            <a:tailEnd type="triangle"/>
+          </a:ln>
+        </p:spPr>
+        <p:style>
+          <a:lnRef idx="1">
+            <a:schemeClr val="accent2"/>
+          </a:lnRef>
+          <a:fillRef idx="0">
+            <a:schemeClr val="accent2"/>
+          </a:fillRef>
+          <a:effectRef idx="0">
+            <a:schemeClr val="accent2"/>
+          </a:effectRef>
+          <a:fontRef idx="minor">
+            <a:schemeClr val="tx1"/>
+          </a:fontRef>
+        </p:style>
+      </p:cxnSp>
+      <p:sp>
+        <p:nvSpPr>
+          <p:cNvPr id="11" name="직사각형 10">
+            <a:extLst>
+              <a:ext uri="{FF2B5EF4-FFF2-40B4-BE49-F238E27FC236}">
+                <a16:creationId xmlns:a16="http://schemas.microsoft.com/office/drawing/2014/main" id="{8E401B37-F787-3B11-93A1-BECFD1EFA32B}"/>
+              </a:ext>
+            </a:extLst>
+          </p:cNvPr>
+          <p:cNvSpPr/>
+          <p:nvPr/>
+        </p:nvSpPr>
+        <p:spPr>
+          <a:xfrm>
+            <a:off x="9144000" y="1730514"/>
+            <a:ext cx="1676395" cy="1507986"/>
+          </a:xfrm>
+          <a:prstGeom prst="rect">
+            <a:avLst/>
+          </a:prstGeom>
+          <a:noFill/>
+          <a:ln>
+            <a:solidFill>
+              <a:srgbClr val="FF0000"/>
+            </a:solidFill>
+          </a:ln>
+        </p:spPr>
+        <p:style>
+          <a:lnRef idx="2">
+            <a:schemeClr val="accent2">
+              <a:shade val="50000"/>
+            </a:schemeClr>
+          </a:lnRef>
+          <a:fillRef idx="1">
+            <a:schemeClr val="accent2"/>
+          </a:fillRef>
+          <a:effectRef idx="0">
+            <a:schemeClr val="accent2"/>
+          </a:effectRef>
+          <a:fontRef idx="minor">
+            <a:schemeClr val="lt1"/>
+          </a:fontRef>
+        </p:style>
+        <p:txBody>
+          <a:bodyPr rtlCol="0" anchor="ctr"/>
+          <a:lstStyle/>
+          <a:p>
+            <a:pPr algn="ctr"/>
+            <a:endParaRPr lang="ko-KR" altLang="en-US"/>
+          </a:p>
+        </p:txBody>
+      </p:sp>
+      <p:sp>
+        <p:nvSpPr>
+          <p:cNvPr id="12" name="TextBox 11">
+            <a:extLst>
+              <a:ext uri="{FF2B5EF4-FFF2-40B4-BE49-F238E27FC236}">
+                <a16:creationId xmlns:a16="http://schemas.microsoft.com/office/drawing/2014/main" id="{F1573BBE-058D-47FE-4B71-A1221360D1A1}"/>
+              </a:ext>
+            </a:extLst>
+          </p:cNvPr>
+          <p:cNvSpPr txBox="1"/>
+          <p:nvPr/>
+        </p:nvSpPr>
+        <p:spPr>
+          <a:xfrm>
+            <a:off x="2438400" y="7353300"/>
+            <a:ext cx="14935199" cy="707886"/>
+          </a:xfrm>
+          <a:prstGeom prst="rect">
+            <a:avLst/>
+          </a:prstGeom>
+          <a:noFill/>
+        </p:spPr>
+        <p:txBody>
+          <a:bodyPr wrap="square" rtlCol="0">
+            <a:spAutoFit/>
+          </a:bodyPr>
+          <a:lstStyle/>
+          <a:p>
+            <a:r>
+              <a:rPr lang="en-US" altLang="ko-KR" sz="4000" dirty="0">
+                <a:solidFill>
+                  <a:srgbClr val="FF0000"/>
+                </a:solidFill>
+                <a:latin typeface="G마켓 산스 Medium" panose="02000000000000000000" pitchFamily="50" charset="-127"/>
+                <a:ea typeface="G마켓 산스 Medium" panose="02000000000000000000" pitchFamily="50" charset="-127"/>
+              </a:rPr>
+              <a:t>super()</a:t>
+            </a:r>
+            <a:r>
+              <a:rPr lang="ko-KR" altLang="en-US" sz="4000" dirty="0">
+                <a:solidFill>
+                  <a:srgbClr val="FF0000"/>
+                </a:solidFill>
+                <a:latin typeface="G마켓 산스 Medium" panose="02000000000000000000" pitchFamily="50" charset="-127"/>
+                <a:ea typeface="G마켓 산스 Medium" panose="02000000000000000000" pitchFamily="50" charset="-127"/>
+              </a:rPr>
+              <a:t>가 </a:t>
+            </a:r>
+            <a:r>
+              <a:rPr lang="ko-KR" altLang="en-US" sz="4000" dirty="0" err="1">
+                <a:solidFill>
+                  <a:srgbClr val="FF0000"/>
+                </a:solidFill>
+                <a:latin typeface="G마켓 산스 Medium" panose="02000000000000000000" pitchFamily="50" charset="-127"/>
+                <a:ea typeface="G마켓 산스 Medium" panose="02000000000000000000" pitchFamily="50" charset="-127"/>
+              </a:rPr>
+              <a:t>자동삽입</a:t>
+            </a:r>
+            <a:r>
+              <a:rPr lang="ko-KR" altLang="en-US" sz="4000" dirty="0">
+                <a:solidFill>
+                  <a:srgbClr val="FF0000"/>
+                </a:solidFill>
+                <a:latin typeface="G마켓 산스 Medium" panose="02000000000000000000" pitchFamily="50" charset="-127"/>
+                <a:ea typeface="G마켓 산스 Medium" panose="02000000000000000000" pitchFamily="50" charset="-127"/>
+              </a:rPr>
+              <a:t> 되어야 하나 부모의 디폴트 생성자가 없다</a:t>
+            </a:r>
+            <a:r>
+              <a:rPr lang="en-US" altLang="ko-KR" sz="4000" dirty="0">
+                <a:solidFill>
+                  <a:srgbClr val="FF0000"/>
+                </a:solidFill>
+                <a:latin typeface="G마켓 산스 Medium" panose="02000000000000000000" pitchFamily="50" charset="-127"/>
+                <a:ea typeface="G마켓 산스 Medium" panose="02000000000000000000" pitchFamily="50" charset="-127"/>
+              </a:rPr>
+              <a:t>.</a:t>
+            </a:r>
+          </a:p>
+        </p:txBody>
+      </p:sp>
+    </p:spTree>
+    <p:extLst>
+      <p:ext uri="{BB962C8B-B14F-4D97-AF65-F5344CB8AC3E}">
+        <p14:creationId xmlns:p14="http://schemas.microsoft.com/office/powerpoint/2010/main" val="3010269652"/>
       </p:ext>
     </p:extLst>
   </p:cSld>
@@ -18694,14 +23067,739 @@
   <p:timing>
     <p:tnLst>
       <p:par>
-        <p:cTn id="1" dur="indefinite" restart="never" nodeType="tmRoot"/>
+        <p:cTn id="1" dur="indefinite" restart="never" nodeType="tmRoot">
+          <p:childTnLst>
+            <p:seq concurrent="1" nextAc="seek">
+              <p:cTn id="2" dur="indefinite" nodeType="mainSeq">
+                <p:childTnLst>
+                  <p:par>
+                    <p:cTn id="3" fill="hold">
+                      <p:stCondLst>
+                        <p:cond delay="indefinite"/>
+                      </p:stCondLst>
+                      <p:childTnLst>
+                        <p:par>
+                          <p:cTn id="4" fill="hold">
+                            <p:stCondLst>
+                              <p:cond delay="0"/>
+                            </p:stCondLst>
+                            <p:childTnLst>
+                              <p:par>
+                                <p:cTn id="5" presetID="1" presetClass="entr" presetSubtype="0" fill="hold" grpId="0" nodeType="clickEffect">
+                                  <p:stCondLst>
+                                    <p:cond delay="0"/>
+                                  </p:stCondLst>
+                                  <p:childTnLst>
+                                    <p:set>
+                                      <p:cBhvr>
+                                        <p:cTn id="6" dur="1" fill="hold">
+                                          <p:stCondLst>
+                                            <p:cond delay="0"/>
+                                          </p:stCondLst>
+                                        </p:cTn>
+                                        <p:tgtEl>
+                                          <p:spTgt spid="11"/>
+                                        </p:tgtEl>
+                                        <p:attrNameLst>
+                                          <p:attrName>style.visibility</p:attrName>
+                                        </p:attrNameLst>
+                                      </p:cBhvr>
+                                      <p:to>
+                                        <p:strVal val="visible"/>
+                                      </p:to>
+                                    </p:set>
+                                  </p:childTnLst>
+                                </p:cTn>
+                              </p:par>
+                              <p:par>
+                                <p:cTn id="7" presetID="1" presetClass="entr" presetSubtype="0" fill="hold" nodeType="withEffect">
+                                  <p:stCondLst>
+                                    <p:cond delay="0"/>
+                                  </p:stCondLst>
+                                  <p:childTnLst>
+                                    <p:set>
+                                      <p:cBhvr>
+                                        <p:cTn id="8" dur="1" fill="hold">
+                                          <p:stCondLst>
+                                            <p:cond delay="0"/>
+                                          </p:stCondLst>
+                                        </p:cTn>
+                                        <p:tgtEl>
+                                          <p:spTgt spid="10"/>
+                                        </p:tgtEl>
+                                        <p:attrNameLst>
+                                          <p:attrName>style.visibility</p:attrName>
+                                        </p:attrNameLst>
+                                      </p:cBhvr>
+                                      <p:to>
+                                        <p:strVal val="visible"/>
+                                      </p:to>
+                                    </p:set>
+                                  </p:childTnLst>
+                                </p:cTn>
+                              </p:par>
+                              <p:par>
+                                <p:cTn id="9" presetID="1" presetClass="entr" presetSubtype="0" fill="hold" grpId="0" nodeType="withEffect">
+                                  <p:stCondLst>
+                                    <p:cond delay="0"/>
+                                  </p:stCondLst>
+                                  <p:childTnLst>
+                                    <p:set>
+                                      <p:cBhvr>
+                                        <p:cTn id="10" dur="1" fill="hold">
+                                          <p:stCondLst>
+                                            <p:cond delay="0"/>
+                                          </p:stCondLst>
+                                        </p:cTn>
+                                        <p:tgtEl>
+                                          <p:spTgt spid="12"/>
+                                        </p:tgtEl>
+                                        <p:attrNameLst>
+                                          <p:attrName>style.visibility</p:attrName>
+                                        </p:attrNameLst>
+                                      </p:cBhvr>
+                                      <p:to>
+                                        <p:strVal val="visible"/>
+                                      </p:to>
+                                    </p:set>
+                                  </p:childTnLst>
+                                </p:cTn>
+                              </p:par>
+                            </p:childTnLst>
+                          </p:cTn>
+                        </p:par>
+                      </p:childTnLst>
+                    </p:cTn>
+                  </p:par>
+                </p:childTnLst>
+              </p:cTn>
+              <p:prevCondLst>
+                <p:cond evt="onPrev" delay="0">
+                  <p:tgtEl>
+                    <p:sldTgt/>
+                  </p:tgtEl>
+                </p:cond>
+              </p:prevCondLst>
+              <p:nextCondLst>
+                <p:cond evt="onNext" delay="0">
+                  <p:tgtEl>
+                    <p:sldTgt/>
+                  </p:tgtEl>
+                </p:cond>
+              </p:nextCondLst>
+            </p:seq>
+          </p:childTnLst>
+        </p:cTn>
       </p:par>
     </p:tnLst>
+    <p:bldLst>
+      <p:bldP spid="11" grpId="0" animBg="1"/>
+      <p:bldP spid="12" grpId="0"/>
+    </p:bldLst>
   </p:timing>
 </p:sld>
 </file>
 
-<file path=ppt/slides/slide46.xml><?xml version="1.0" encoding="utf-8"?>
+<file path=ppt/slides/slide5.xml><?xml version="1.0" encoding="utf-8"?>
+<p:sld xmlns:a="http://schemas.openxmlformats.org/drawingml/2006/main" xmlns:r="http://schemas.openxmlformats.org/officeDocument/2006/relationships" xmlns:p="http://schemas.openxmlformats.org/presentationml/2006/main">
+  <p:cSld>
+    <p:spTree>
+      <p:nvGrpSpPr>
+        <p:cNvPr id="1" name=""/>
+        <p:cNvGrpSpPr/>
+        <p:nvPr/>
+      </p:nvGrpSpPr>
+      <p:grpSpPr>
+        <a:xfrm>
+          <a:off x="0" y="0"/>
+          <a:ext cx="0" cy="0"/>
+          <a:chOff x="0" y="0"/>
+          <a:chExt cx="0" cy="0"/>
+        </a:xfrm>
+      </p:grpSpPr>
+      <p:grpSp>
+        <p:nvGrpSpPr>
+          <p:cNvPr id="4" name="그룹 1015">
+            <a:extLst>
+              <a:ext uri="{FF2B5EF4-FFF2-40B4-BE49-F238E27FC236}">
+                <a16:creationId xmlns:a16="http://schemas.microsoft.com/office/drawing/2014/main" id="{76F5E01D-ECD6-A51D-DC2B-05DA1EBF93C7}"/>
+              </a:ext>
+            </a:extLst>
+          </p:cNvPr>
+          <p:cNvGrpSpPr/>
+          <p:nvPr/>
+        </p:nvGrpSpPr>
+        <p:grpSpPr>
+          <a:xfrm>
+            <a:off x="7092192" y="2913503"/>
+            <a:ext cx="3753082" cy="785575"/>
+            <a:chOff x="7305119" y="3255660"/>
+            <a:chExt cx="3753082" cy="785575"/>
+          </a:xfrm>
+        </p:grpSpPr>
+        <p:pic>
+          <p:nvPicPr>
+            <p:cNvPr id="5" name="Object 52">
+              <a:extLst>
+                <a:ext uri="{FF2B5EF4-FFF2-40B4-BE49-F238E27FC236}">
+                  <a16:creationId xmlns:a16="http://schemas.microsoft.com/office/drawing/2014/main" id="{D83975B3-46BC-7686-ECA1-1D7ECFA74A69}"/>
+                </a:ext>
+              </a:extLst>
+            </p:cNvPr>
+            <p:cNvPicPr>
+              <a:picLocks noChangeAspect="1"/>
+            </p:cNvPicPr>
+            <p:nvPr/>
+          </p:nvPicPr>
+          <p:blipFill>
+            <a:blip r:embed="rId2" cstate="print"/>
+            <a:stretch>
+              <a:fillRect/>
+            </a:stretch>
+          </p:blipFill>
+          <p:spPr>
+            <a:xfrm>
+              <a:off x="7305119" y="3255660"/>
+              <a:ext cx="3753082" cy="785575"/>
+            </a:xfrm>
+            <a:prstGeom prst="rect">
+              <a:avLst/>
+            </a:prstGeom>
+          </p:spPr>
+        </p:pic>
+      </p:grpSp>
+      <p:grpSp>
+        <p:nvGrpSpPr>
+          <p:cNvPr id="6" name="그룹 1018">
+            <a:extLst>
+              <a:ext uri="{FF2B5EF4-FFF2-40B4-BE49-F238E27FC236}">
+                <a16:creationId xmlns:a16="http://schemas.microsoft.com/office/drawing/2014/main" id="{008489BA-FEFA-DE7D-B3CD-53A358B82592}"/>
+              </a:ext>
+            </a:extLst>
+          </p:cNvPr>
+          <p:cNvGrpSpPr/>
+          <p:nvPr/>
+        </p:nvGrpSpPr>
+        <p:grpSpPr>
+          <a:xfrm>
+            <a:off x="2590800" y="4486414"/>
+            <a:ext cx="3393622" cy="1114286"/>
+            <a:chOff x="2803727" y="4828571"/>
+            <a:chExt cx="3393622" cy="1114286"/>
+          </a:xfrm>
+        </p:grpSpPr>
+        <p:pic>
+          <p:nvPicPr>
+            <p:cNvPr id="7" name="Object 61">
+              <a:extLst>
+                <a:ext uri="{FF2B5EF4-FFF2-40B4-BE49-F238E27FC236}">
+                  <a16:creationId xmlns:a16="http://schemas.microsoft.com/office/drawing/2014/main" id="{9ED25BE3-45BE-AC6D-D835-4457854D2832}"/>
+                </a:ext>
+              </a:extLst>
+            </p:cNvPr>
+            <p:cNvPicPr>
+              <a:picLocks noChangeAspect="1"/>
+            </p:cNvPicPr>
+            <p:nvPr/>
+          </p:nvPicPr>
+          <p:blipFill>
+            <a:blip r:embed="rId3" cstate="print"/>
+            <a:stretch>
+              <a:fillRect/>
+            </a:stretch>
+          </p:blipFill>
+          <p:spPr>
+            <a:xfrm>
+              <a:off x="2803727" y="4828571"/>
+              <a:ext cx="3393622" cy="1114286"/>
+            </a:xfrm>
+            <a:prstGeom prst="rect">
+              <a:avLst/>
+            </a:prstGeom>
+          </p:spPr>
+        </p:pic>
+      </p:grpSp>
+      <p:grpSp>
+        <p:nvGrpSpPr>
+          <p:cNvPr id="8" name="그룹 1021">
+            <a:extLst>
+              <a:ext uri="{FF2B5EF4-FFF2-40B4-BE49-F238E27FC236}">
+                <a16:creationId xmlns:a16="http://schemas.microsoft.com/office/drawing/2014/main" id="{7FE0C0A1-ABE4-F0EA-AFC1-4622C45C99E7}"/>
+              </a:ext>
+            </a:extLst>
+          </p:cNvPr>
+          <p:cNvGrpSpPr/>
+          <p:nvPr/>
+        </p:nvGrpSpPr>
+        <p:grpSpPr>
+          <a:xfrm>
+            <a:off x="7233119" y="4486414"/>
+            <a:ext cx="3393622" cy="1114286"/>
+            <a:chOff x="7446046" y="4828571"/>
+            <a:chExt cx="3393622" cy="1114286"/>
+          </a:xfrm>
+        </p:grpSpPr>
+        <p:pic>
+          <p:nvPicPr>
+            <p:cNvPr id="9" name="Object 71">
+              <a:extLst>
+                <a:ext uri="{FF2B5EF4-FFF2-40B4-BE49-F238E27FC236}">
+                  <a16:creationId xmlns:a16="http://schemas.microsoft.com/office/drawing/2014/main" id="{CDBB7D83-509F-9F4C-0C3E-DBA2562E5520}"/>
+                </a:ext>
+              </a:extLst>
+            </p:cNvPr>
+            <p:cNvPicPr>
+              <a:picLocks noChangeAspect="1"/>
+            </p:cNvPicPr>
+            <p:nvPr/>
+          </p:nvPicPr>
+          <p:blipFill>
+            <a:blip r:embed="rId3" cstate="print"/>
+            <a:stretch>
+              <a:fillRect/>
+            </a:stretch>
+          </p:blipFill>
+          <p:spPr>
+            <a:xfrm>
+              <a:off x="7446046" y="4828571"/>
+              <a:ext cx="3393622" cy="1114286"/>
+            </a:xfrm>
+            <a:prstGeom prst="rect">
+              <a:avLst/>
+            </a:prstGeom>
+          </p:spPr>
+        </p:pic>
+      </p:grpSp>
+      <p:grpSp>
+        <p:nvGrpSpPr>
+          <p:cNvPr id="10" name="그룹 1024">
+            <a:extLst>
+              <a:ext uri="{FF2B5EF4-FFF2-40B4-BE49-F238E27FC236}">
+                <a16:creationId xmlns:a16="http://schemas.microsoft.com/office/drawing/2014/main" id="{8EB1611F-852C-9617-AEEB-CFA38FFF8001}"/>
+              </a:ext>
+            </a:extLst>
+          </p:cNvPr>
+          <p:cNvGrpSpPr/>
+          <p:nvPr/>
+        </p:nvGrpSpPr>
+        <p:grpSpPr>
+          <a:xfrm>
+            <a:off x="11875438" y="4486414"/>
+            <a:ext cx="3393622" cy="1114286"/>
+            <a:chOff x="12088365" y="4828571"/>
+            <a:chExt cx="3393622" cy="1114286"/>
+          </a:xfrm>
+        </p:grpSpPr>
+        <p:pic>
+          <p:nvPicPr>
+            <p:cNvPr id="11" name="Object 81">
+              <a:extLst>
+                <a:ext uri="{FF2B5EF4-FFF2-40B4-BE49-F238E27FC236}">
+                  <a16:creationId xmlns:a16="http://schemas.microsoft.com/office/drawing/2014/main" id="{08657582-A0DF-A5DC-A662-189C639920C8}"/>
+                </a:ext>
+              </a:extLst>
+            </p:cNvPr>
+            <p:cNvPicPr>
+              <a:picLocks noChangeAspect="1"/>
+            </p:cNvPicPr>
+            <p:nvPr/>
+          </p:nvPicPr>
+          <p:blipFill>
+            <a:blip r:embed="rId3" cstate="print"/>
+            <a:stretch>
+              <a:fillRect/>
+            </a:stretch>
+          </p:blipFill>
+          <p:spPr>
+            <a:xfrm>
+              <a:off x="12088365" y="4828571"/>
+              <a:ext cx="3393622" cy="1114286"/>
+            </a:xfrm>
+            <a:prstGeom prst="rect">
+              <a:avLst/>
+            </a:prstGeom>
+          </p:spPr>
+        </p:pic>
+      </p:grpSp>
+      <p:sp>
+        <p:nvSpPr>
+          <p:cNvPr id="12" name="TextBox 11">
+            <a:extLst>
+              <a:ext uri="{FF2B5EF4-FFF2-40B4-BE49-F238E27FC236}">
+                <a16:creationId xmlns:a16="http://schemas.microsoft.com/office/drawing/2014/main" id="{FC41B7B2-904B-813A-22B8-239E383F4360}"/>
+              </a:ext>
+            </a:extLst>
+          </p:cNvPr>
+          <p:cNvSpPr txBox="1"/>
+          <p:nvPr/>
+        </p:nvSpPr>
+        <p:spPr>
+          <a:xfrm>
+            <a:off x="8263995" y="2946640"/>
+            <a:ext cx="1946805" cy="769441"/>
+          </a:xfrm>
+          <a:prstGeom prst="rect">
+            <a:avLst/>
+          </a:prstGeom>
+          <a:noFill/>
+        </p:spPr>
+        <p:txBody>
+          <a:bodyPr wrap="square" rtlCol="0">
+            <a:spAutoFit/>
+          </a:bodyPr>
+          <a:lstStyle/>
+          <a:p>
+            <a:r>
+              <a:rPr lang="en-US" altLang="ko-KR" sz="4400">
+                <a:solidFill>
+                  <a:srgbClr val="4C50BC"/>
+                </a:solidFill>
+                <a:latin typeface="G마켓 산스 Medium" panose="02000000000000000000" pitchFamily="50" charset="-127"/>
+                <a:ea typeface="G마켓 산스 Medium" panose="02000000000000000000" pitchFamily="50" charset="-127"/>
+              </a:rPr>
+              <a:t>Unit</a:t>
+            </a:r>
+            <a:endParaRPr lang="en-US" altLang="ko-KR" sz="4400" dirty="0">
+              <a:solidFill>
+                <a:srgbClr val="4C50BC"/>
+              </a:solidFill>
+              <a:latin typeface="G마켓 산스 Medium" panose="02000000000000000000" pitchFamily="50" charset="-127"/>
+              <a:ea typeface="G마켓 산스 Medium" panose="02000000000000000000" pitchFamily="50" charset="-127"/>
+            </a:endParaRPr>
+          </a:p>
+        </p:txBody>
+      </p:sp>
+      <p:sp>
+        <p:nvSpPr>
+          <p:cNvPr id="13" name="TextBox 12">
+            <a:extLst>
+              <a:ext uri="{FF2B5EF4-FFF2-40B4-BE49-F238E27FC236}">
+                <a16:creationId xmlns:a16="http://schemas.microsoft.com/office/drawing/2014/main" id="{F68B80B8-3419-5C31-B2F2-084E536A2C1C}"/>
+              </a:ext>
+            </a:extLst>
+          </p:cNvPr>
+          <p:cNvSpPr txBox="1"/>
+          <p:nvPr/>
+        </p:nvSpPr>
+        <p:spPr>
+          <a:xfrm>
+            <a:off x="3241645" y="4705572"/>
+            <a:ext cx="1936749" cy="646331"/>
+          </a:xfrm>
+          <a:prstGeom prst="rect">
+            <a:avLst/>
+          </a:prstGeom>
+          <a:noFill/>
+        </p:spPr>
+        <p:txBody>
+          <a:bodyPr wrap="none" rtlCol="0">
+            <a:spAutoFit/>
+          </a:bodyPr>
+          <a:lstStyle/>
+          <a:p>
+            <a:r>
+              <a:rPr lang="en-US" altLang="ko-KR" sz="3600">
+                <a:solidFill>
+                  <a:srgbClr val="4D4848"/>
+                </a:solidFill>
+                <a:latin typeface="G마켓 산스 Medium" panose="02000000000000000000" pitchFamily="50" charset="-127"/>
+                <a:ea typeface="G마켓 산스 Medium" panose="02000000000000000000" pitchFamily="50" charset="-127"/>
+              </a:rPr>
+              <a:t>Marine</a:t>
+            </a:r>
+            <a:endParaRPr lang="ko-KR" altLang="en-US" sz="2800" dirty="0">
+              <a:solidFill>
+                <a:srgbClr val="4D4848"/>
+              </a:solidFill>
+              <a:latin typeface="G마켓 산스 Medium" panose="02000000000000000000" pitchFamily="50" charset="-127"/>
+              <a:ea typeface="G마켓 산스 Medium" panose="02000000000000000000" pitchFamily="50" charset="-127"/>
+            </a:endParaRPr>
+          </a:p>
+        </p:txBody>
+      </p:sp>
+      <p:sp>
+        <p:nvSpPr>
+          <p:cNvPr id="14" name="TextBox 13">
+            <a:extLst>
+              <a:ext uri="{FF2B5EF4-FFF2-40B4-BE49-F238E27FC236}">
+                <a16:creationId xmlns:a16="http://schemas.microsoft.com/office/drawing/2014/main" id="{CB471B39-052C-65D2-3069-C74FA7421876}"/>
+              </a:ext>
+            </a:extLst>
+          </p:cNvPr>
+          <p:cNvSpPr txBox="1"/>
+          <p:nvPr/>
+        </p:nvSpPr>
+        <p:spPr>
+          <a:xfrm>
+            <a:off x="7888580" y="4684228"/>
+            <a:ext cx="2274982" cy="646331"/>
+          </a:xfrm>
+          <a:prstGeom prst="rect">
+            <a:avLst/>
+          </a:prstGeom>
+          <a:noFill/>
+        </p:spPr>
+        <p:txBody>
+          <a:bodyPr wrap="none" rtlCol="0">
+            <a:spAutoFit/>
+          </a:bodyPr>
+          <a:lstStyle/>
+          <a:p>
+            <a:r>
+              <a:rPr lang="en-US" altLang="ko-KR" sz="3600">
+                <a:solidFill>
+                  <a:srgbClr val="4D4848"/>
+                </a:solidFill>
+                <a:latin typeface="G마켓 산스 Medium" panose="02000000000000000000" pitchFamily="50" charset="-127"/>
+                <a:ea typeface="G마켓 산스 Medium" panose="02000000000000000000" pitchFamily="50" charset="-127"/>
+              </a:rPr>
+              <a:t>Zergling</a:t>
+            </a:r>
+            <a:endParaRPr lang="ko-KR" altLang="en-US" sz="2800" dirty="0">
+              <a:solidFill>
+                <a:srgbClr val="4D4848"/>
+              </a:solidFill>
+              <a:latin typeface="G마켓 산스 Medium" panose="02000000000000000000" pitchFamily="50" charset="-127"/>
+              <a:ea typeface="G마켓 산스 Medium" panose="02000000000000000000" pitchFamily="50" charset="-127"/>
+            </a:endParaRPr>
+          </a:p>
+        </p:txBody>
+      </p:sp>
+      <p:sp>
+        <p:nvSpPr>
+          <p:cNvPr id="15" name="TextBox 14">
+            <a:extLst>
+              <a:ext uri="{FF2B5EF4-FFF2-40B4-BE49-F238E27FC236}">
+                <a16:creationId xmlns:a16="http://schemas.microsoft.com/office/drawing/2014/main" id="{4A7E270B-9322-EABD-3A34-4D211B23AD38}"/>
+              </a:ext>
+            </a:extLst>
+          </p:cNvPr>
+          <p:cNvSpPr txBox="1"/>
+          <p:nvPr/>
+        </p:nvSpPr>
+        <p:spPr>
+          <a:xfrm>
+            <a:off x="12470834" y="4705572"/>
+            <a:ext cx="1787669" cy="646331"/>
+          </a:xfrm>
+          <a:prstGeom prst="rect">
+            <a:avLst/>
+          </a:prstGeom>
+          <a:noFill/>
+        </p:spPr>
+        <p:txBody>
+          <a:bodyPr wrap="none" rtlCol="0">
+            <a:spAutoFit/>
+          </a:bodyPr>
+          <a:lstStyle/>
+          <a:p>
+            <a:r>
+              <a:rPr lang="en-US" altLang="ko-KR" sz="3600">
+                <a:solidFill>
+                  <a:srgbClr val="4D4848"/>
+                </a:solidFill>
+                <a:latin typeface="G마켓 산스 Medium" panose="02000000000000000000" pitchFamily="50" charset="-127"/>
+                <a:ea typeface="G마켓 산스 Medium" panose="02000000000000000000" pitchFamily="50" charset="-127"/>
+              </a:rPr>
+              <a:t>Zealot</a:t>
+            </a:r>
+            <a:endParaRPr lang="ko-KR" altLang="en-US" sz="2800" dirty="0">
+              <a:solidFill>
+                <a:srgbClr val="4D4848"/>
+              </a:solidFill>
+              <a:latin typeface="G마켓 산스 Medium" panose="02000000000000000000" pitchFamily="50" charset="-127"/>
+              <a:ea typeface="G마켓 산스 Medium" panose="02000000000000000000" pitchFamily="50" charset="-127"/>
+            </a:endParaRPr>
+          </a:p>
+        </p:txBody>
+      </p:sp>
+      <p:cxnSp>
+        <p:nvCxnSpPr>
+          <p:cNvPr id="16" name="직선 화살표 연결선 15">
+            <a:extLst>
+              <a:ext uri="{FF2B5EF4-FFF2-40B4-BE49-F238E27FC236}">
+                <a16:creationId xmlns:a16="http://schemas.microsoft.com/office/drawing/2014/main" id="{174A1CAB-41DB-CBE5-A53E-D1E78982E7D5}"/>
+              </a:ext>
+            </a:extLst>
+          </p:cNvPr>
+          <p:cNvCxnSpPr>
+            <a:cxnSpLocks/>
+            <a:endCxn id="7" idx="0"/>
+          </p:cNvCxnSpPr>
+          <p:nvPr/>
+        </p:nvCxnSpPr>
+        <p:spPr>
+          <a:xfrm flipH="1">
+            <a:off x="4287611" y="3372128"/>
+            <a:ext cx="2722789" cy="1114286"/>
+          </a:xfrm>
+          <a:prstGeom prst="straightConnector1">
+            <a:avLst/>
+          </a:prstGeom>
+          <a:ln w="38100">
+            <a:tailEnd type="triangle"/>
+          </a:ln>
+        </p:spPr>
+        <p:style>
+          <a:lnRef idx="1">
+            <a:schemeClr val="accent2"/>
+          </a:lnRef>
+          <a:fillRef idx="0">
+            <a:schemeClr val="accent2"/>
+          </a:fillRef>
+          <a:effectRef idx="0">
+            <a:schemeClr val="accent2"/>
+          </a:effectRef>
+          <a:fontRef idx="minor">
+            <a:schemeClr val="tx1"/>
+          </a:fontRef>
+        </p:style>
+      </p:cxnSp>
+      <p:cxnSp>
+        <p:nvCxnSpPr>
+          <p:cNvPr id="17" name="직선 화살표 연결선 16">
+            <a:extLst>
+              <a:ext uri="{FF2B5EF4-FFF2-40B4-BE49-F238E27FC236}">
+                <a16:creationId xmlns:a16="http://schemas.microsoft.com/office/drawing/2014/main" id="{404BE807-8974-325D-28CE-80CBD5A23FD9}"/>
+              </a:ext>
+            </a:extLst>
+          </p:cNvPr>
+          <p:cNvCxnSpPr>
+            <a:cxnSpLocks/>
+          </p:cNvCxnSpPr>
+          <p:nvPr/>
+        </p:nvCxnSpPr>
+        <p:spPr>
+          <a:xfrm>
+            <a:off x="9024489" y="3732215"/>
+            <a:ext cx="6086" cy="681872"/>
+          </a:xfrm>
+          <a:prstGeom prst="straightConnector1">
+            <a:avLst/>
+          </a:prstGeom>
+          <a:ln w="38100">
+            <a:tailEnd type="triangle"/>
+          </a:ln>
+        </p:spPr>
+        <p:style>
+          <a:lnRef idx="1">
+            <a:schemeClr val="accent2"/>
+          </a:lnRef>
+          <a:fillRef idx="0">
+            <a:schemeClr val="accent2"/>
+          </a:fillRef>
+          <a:effectRef idx="0">
+            <a:schemeClr val="accent2"/>
+          </a:effectRef>
+          <a:fontRef idx="minor">
+            <a:schemeClr val="tx1"/>
+          </a:fontRef>
+        </p:style>
+      </p:cxnSp>
+      <p:cxnSp>
+        <p:nvCxnSpPr>
+          <p:cNvPr id="18" name="직선 화살표 연결선 17">
+            <a:extLst>
+              <a:ext uri="{FF2B5EF4-FFF2-40B4-BE49-F238E27FC236}">
+                <a16:creationId xmlns:a16="http://schemas.microsoft.com/office/drawing/2014/main" id="{8238D4B2-69F6-F17A-0286-66A8FB197956}"/>
+              </a:ext>
+            </a:extLst>
+          </p:cNvPr>
+          <p:cNvCxnSpPr>
+            <a:cxnSpLocks/>
+            <a:endCxn id="11" idx="0"/>
+          </p:cNvCxnSpPr>
+          <p:nvPr/>
+        </p:nvCxnSpPr>
+        <p:spPr>
+          <a:xfrm>
+            <a:off x="10876735" y="3331360"/>
+            <a:ext cx="2695514" cy="1155054"/>
+          </a:xfrm>
+          <a:prstGeom prst="straightConnector1">
+            <a:avLst/>
+          </a:prstGeom>
+          <a:ln w="38100">
+            <a:tailEnd type="triangle"/>
+          </a:ln>
+        </p:spPr>
+        <p:style>
+          <a:lnRef idx="1">
+            <a:schemeClr val="accent2"/>
+          </a:lnRef>
+          <a:fillRef idx="0">
+            <a:schemeClr val="accent2"/>
+          </a:fillRef>
+          <a:effectRef idx="0">
+            <a:schemeClr val="accent2"/>
+          </a:effectRef>
+          <a:fontRef idx="minor">
+            <a:schemeClr val="tx1"/>
+          </a:fontRef>
+        </p:style>
+      </p:cxnSp>
+      <p:pic>
+        <p:nvPicPr>
+          <p:cNvPr id="19" name="그림 18"/>
+          <p:cNvPicPr>
+            <a:picLocks noChangeAspect="1"/>
+          </p:cNvPicPr>
+          <p:nvPr/>
+        </p:nvPicPr>
+        <p:blipFill>
+          <a:blip r:embed="rId4"/>
+          <a:stretch>
+            <a:fillRect/>
+          </a:stretch>
+        </p:blipFill>
+        <p:spPr>
+          <a:xfrm>
+            <a:off x="4343400" y="1028700"/>
+            <a:ext cx="4196633" cy="1632024"/>
+          </a:xfrm>
+          <a:prstGeom prst="rect">
+            <a:avLst/>
+          </a:prstGeom>
+        </p:spPr>
+      </p:pic>
+      <p:pic>
+        <p:nvPicPr>
+          <p:cNvPr id="20" name="그림 19"/>
+          <p:cNvPicPr>
+            <a:picLocks noChangeAspect="1"/>
+          </p:cNvPicPr>
+          <p:nvPr/>
+        </p:nvPicPr>
+        <p:blipFill>
+          <a:blip r:embed="rId5"/>
+          <a:stretch>
+            <a:fillRect/>
+          </a:stretch>
+        </p:blipFill>
+        <p:spPr>
+          <a:xfrm>
+            <a:off x="9067800" y="1028700"/>
+            <a:ext cx="4477650" cy="1597495"/>
+          </a:xfrm>
+          <a:prstGeom prst="rect">
+            <a:avLst/>
+          </a:prstGeom>
+        </p:spPr>
+      </p:pic>
+    </p:spTree>
+    <p:extLst>
+      <p:ext uri="{BB962C8B-B14F-4D97-AF65-F5344CB8AC3E}">
+        <p14:creationId xmlns:p14="http://schemas.microsoft.com/office/powerpoint/2010/main" val="3737422770"/>
+      </p:ext>
+    </p:extLst>
+  </p:cSld>
+  <p:clrMapOvr>
+    <a:masterClrMapping/>
+  </p:clrMapOvr>
+</p:sld>
+</file>
+
+<file path=ppt/slides/slide50.xml><?xml version="1.0" encoding="utf-8"?>
 <p:sld xmlns:a="http://schemas.openxmlformats.org/drawingml/2006/main" xmlns:r="http://schemas.openxmlformats.org/officeDocument/2006/relationships" xmlns:p="http://schemas.openxmlformats.org/presentationml/2006/main">
   <p:cSld>
     <p:bg>
@@ -18887,7 +23985,7 @@
           <p:cNvPr id="2" name="TextBox 1">
             <a:extLst>
               <a:ext uri="{FF2B5EF4-FFF2-40B4-BE49-F238E27FC236}">
-                <a16:creationId xmlns="" xmlns:a16="http://schemas.microsoft.com/office/drawing/2014/main" id="{76F36AE5-79B5-0B9F-E510-1C27AAC4B649}"/>
+                <a16:creationId xmlns:a16="http://schemas.microsoft.com/office/drawing/2014/main" id="{76F36AE5-79B5-0B9F-E510-1C27AAC4B649}"/>
               </a:ext>
             </a:extLst>
           </p:cNvPr>
@@ -18964,17 +24062,10 @@
   <p:clrMapOvr>
     <a:masterClrMapping/>
   </p:clrMapOvr>
-  <p:timing>
-    <p:tnLst>
-      <p:par>
-        <p:cTn id="1" dur="indefinite" restart="never" nodeType="tmRoot"/>
-      </p:par>
-    </p:tnLst>
-  </p:timing>
 </p:sld>
 </file>
 
-<file path=ppt/slides/slide47.xml><?xml version="1.0" encoding="utf-8"?>
+<file path=ppt/slides/slide51.xml><?xml version="1.0" encoding="utf-8"?>
 <p:sld xmlns:a="http://schemas.openxmlformats.org/drawingml/2006/main" xmlns:r="http://schemas.openxmlformats.org/officeDocument/2006/relationships" xmlns:p="http://schemas.openxmlformats.org/presentationml/2006/main">
   <p:cSld>
     <p:spTree>
@@ -18991,6 +24082,54 @@
           <a:chExt cx="0" cy="0"/>
         </a:xfrm>
       </p:grpSpPr>
+      <p:sp>
+        <p:nvSpPr>
+          <p:cNvPr id="2" name="TextBox 1">
+            <a:extLst>
+              <a:ext uri="{FF2B5EF4-FFF2-40B4-BE49-F238E27FC236}">
+                <a16:creationId xmlns:a16="http://schemas.microsoft.com/office/drawing/2014/main" id="{31B49343-9CBD-6500-5E60-7BE1262D78AA}"/>
+              </a:ext>
+            </a:extLst>
+          </p:cNvPr>
+          <p:cNvSpPr txBox="1"/>
+          <p:nvPr/>
+        </p:nvSpPr>
+        <p:spPr>
+          <a:xfrm>
+            <a:off x="1143000" y="342900"/>
+            <a:ext cx="2971800" cy="830997"/>
+          </a:xfrm>
+          <a:prstGeom prst="rect">
+            <a:avLst/>
+          </a:prstGeom>
+          <a:noFill/>
+        </p:spPr>
+        <p:txBody>
+          <a:bodyPr wrap="square" rtlCol="0">
+            <a:spAutoFit/>
+          </a:bodyPr>
+          <a:lstStyle/>
+          <a:p>
+            <a:r>
+              <a:rPr lang="ko-KR" altLang="en-US" sz="4800" dirty="0">
+                <a:solidFill>
+                  <a:srgbClr val="4C50BC"/>
+                </a:solidFill>
+                <a:latin typeface="G마켓 산스 Medium" panose="02000000000000000000" pitchFamily="50" charset="-127"/>
+                <a:ea typeface="G마켓 산스 Medium" panose="02000000000000000000" pitchFamily="50" charset="-127"/>
+              </a:rPr>
+              <a:t>최종문제</a:t>
+            </a:r>
+            <a:endParaRPr lang="en-US" altLang="ko-KR" sz="4800" dirty="0">
+              <a:solidFill>
+                <a:srgbClr val="4C50BC"/>
+              </a:solidFill>
+              <a:latin typeface="G마켓 산스 Medium" panose="02000000000000000000" pitchFamily="50" charset="-127"/>
+              <a:ea typeface="G마켓 산스 Medium" panose="02000000000000000000" pitchFamily="50" charset="-127"/>
+            </a:endParaRPr>
+          </a:p>
+        </p:txBody>
+      </p:sp>
     </p:spTree>
     <p:extLst>
       <p:ext uri="{BB962C8B-B14F-4D97-AF65-F5344CB8AC3E}">
@@ -19001,17 +24140,10 @@
   <p:clrMapOvr>
     <a:masterClrMapping/>
   </p:clrMapOvr>
-  <p:timing>
-    <p:tnLst>
-      <p:par>
-        <p:cTn id="1" dur="indefinite" restart="never" nodeType="tmRoot"/>
-      </p:par>
-    </p:tnLst>
-  </p:timing>
 </p:sld>
 </file>
 
-<file path=ppt/slides/slide48.xml><?xml version="1.0" encoding="utf-8"?>
+<file path=ppt/slides/slide52.xml><?xml version="1.0" encoding="utf-8"?>
 <p:sld xmlns:a="http://schemas.openxmlformats.org/drawingml/2006/main" xmlns:r="http://schemas.openxmlformats.org/officeDocument/2006/relationships" xmlns:p="http://schemas.openxmlformats.org/presentationml/2006/main">
   <p:cSld name="Slide 20">
     <p:bg>
@@ -19299,7 +24431,7 @@
           <p:cNvPr id="2" name="TextBox 1">
             <a:extLst>
               <a:ext uri="{FF2B5EF4-FFF2-40B4-BE49-F238E27FC236}">
-                <a16:creationId xmlns="" xmlns:a16="http://schemas.microsoft.com/office/drawing/2014/main" id="{715D88A2-BD52-978B-A00A-540446126E3D}"/>
+                <a16:creationId xmlns:a16="http://schemas.microsoft.com/office/drawing/2014/main" id="{715D88A2-BD52-978B-A00A-540446126E3D}"/>
               </a:ext>
             </a:extLst>
           </p:cNvPr>
@@ -19347,619 +24479,6 @@
   <p:clrMapOvr>
     <a:masterClrMapping/>
   </p:clrMapOvr>
-  <p:timing>
-    <p:tnLst>
-      <p:par>
-        <p:cTn id="1" dur="indefinite" restart="never" nodeType="tmRoot"/>
-      </p:par>
-    </p:tnLst>
-  </p:timing>
-</p:sld>
-</file>
-
-<file path=ppt/slides/slide5.xml><?xml version="1.0" encoding="utf-8"?>
-<p:sld xmlns:a="http://schemas.openxmlformats.org/drawingml/2006/main" xmlns:r="http://schemas.openxmlformats.org/officeDocument/2006/relationships" xmlns:p="http://schemas.openxmlformats.org/presentationml/2006/main">
-  <p:cSld>
-    <p:spTree>
-      <p:nvGrpSpPr>
-        <p:cNvPr id="1" name=""/>
-        <p:cNvGrpSpPr/>
-        <p:nvPr/>
-      </p:nvGrpSpPr>
-      <p:grpSpPr>
-        <a:xfrm>
-          <a:off x="0" y="0"/>
-          <a:ext cx="0" cy="0"/>
-          <a:chOff x="0" y="0"/>
-          <a:chExt cx="0" cy="0"/>
-        </a:xfrm>
-      </p:grpSpPr>
-      <p:grpSp>
-        <p:nvGrpSpPr>
-          <p:cNvPr id="4" name="그룹 1015">
-            <a:extLst>
-              <a:ext uri="{FF2B5EF4-FFF2-40B4-BE49-F238E27FC236}">
-                <a16:creationId xmlns:a16="http://schemas.microsoft.com/office/drawing/2014/main" xmlns="" id="{76F5E01D-ECD6-A51D-DC2B-05DA1EBF93C7}"/>
-              </a:ext>
-            </a:extLst>
-          </p:cNvPr>
-          <p:cNvGrpSpPr/>
-          <p:nvPr/>
-        </p:nvGrpSpPr>
-        <p:grpSpPr>
-          <a:xfrm>
-            <a:off x="7092192" y="2913503"/>
-            <a:ext cx="3753082" cy="785575"/>
-            <a:chOff x="7305119" y="3255660"/>
-            <a:chExt cx="3753082" cy="785575"/>
-          </a:xfrm>
-        </p:grpSpPr>
-        <p:pic>
-          <p:nvPicPr>
-            <p:cNvPr id="5" name="Object 52">
-              <a:extLst>
-                <a:ext uri="{FF2B5EF4-FFF2-40B4-BE49-F238E27FC236}">
-                  <a16:creationId xmlns:a16="http://schemas.microsoft.com/office/drawing/2014/main" xmlns="" id="{D83975B3-46BC-7686-ECA1-1D7ECFA74A69}"/>
-                </a:ext>
-              </a:extLst>
-            </p:cNvPr>
-            <p:cNvPicPr>
-              <a:picLocks noChangeAspect="1"/>
-            </p:cNvPicPr>
-            <p:nvPr/>
-          </p:nvPicPr>
-          <p:blipFill>
-            <a:blip r:embed="rId2" cstate="print"/>
-            <a:stretch>
-              <a:fillRect/>
-            </a:stretch>
-          </p:blipFill>
-          <p:spPr>
-            <a:xfrm>
-              <a:off x="7305119" y="3255660"/>
-              <a:ext cx="3753082" cy="785575"/>
-            </a:xfrm>
-            <a:prstGeom prst="rect">
-              <a:avLst/>
-            </a:prstGeom>
-          </p:spPr>
-        </p:pic>
-      </p:grpSp>
-      <p:grpSp>
-        <p:nvGrpSpPr>
-          <p:cNvPr id="6" name="그룹 1018">
-            <a:extLst>
-              <a:ext uri="{FF2B5EF4-FFF2-40B4-BE49-F238E27FC236}">
-                <a16:creationId xmlns:a16="http://schemas.microsoft.com/office/drawing/2014/main" xmlns="" id="{008489BA-FEFA-DE7D-B3CD-53A358B82592}"/>
-              </a:ext>
-            </a:extLst>
-          </p:cNvPr>
-          <p:cNvGrpSpPr/>
-          <p:nvPr/>
-        </p:nvGrpSpPr>
-        <p:grpSpPr>
-          <a:xfrm>
-            <a:off x="2590800" y="4486414"/>
-            <a:ext cx="3393622" cy="1114286"/>
-            <a:chOff x="2803727" y="4828571"/>
-            <a:chExt cx="3393622" cy="1114286"/>
-          </a:xfrm>
-        </p:grpSpPr>
-        <p:pic>
-          <p:nvPicPr>
-            <p:cNvPr id="7" name="Object 61">
-              <a:extLst>
-                <a:ext uri="{FF2B5EF4-FFF2-40B4-BE49-F238E27FC236}">
-                  <a16:creationId xmlns:a16="http://schemas.microsoft.com/office/drawing/2014/main" xmlns="" id="{9ED25BE3-45BE-AC6D-D835-4457854D2832}"/>
-                </a:ext>
-              </a:extLst>
-            </p:cNvPr>
-            <p:cNvPicPr>
-              <a:picLocks noChangeAspect="1"/>
-            </p:cNvPicPr>
-            <p:nvPr/>
-          </p:nvPicPr>
-          <p:blipFill>
-            <a:blip r:embed="rId3" cstate="print"/>
-            <a:stretch>
-              <a:fillRect/>
-            </a:stretch>
-          </p:blipFill>
-          <p:spPr>
-            <a:xfrm>
-              <a:off x="2803727" y="4828571"/>
-              <a:ext cx="3393622" cy="1114286"/>
-            </a:xfrm>
-            <a:prstGeom prst="rect">
-              <a:avLst/>
-            </a:prstGeom>
-          </p:spPr>
-        </p:pic>
-      </p:grpSp>
-      <p:grpSp>
-        <p:nvGrpSpPr>
-          <p:cNvPr id="8" name="그룹 1021">
-            <a:extLst>
-              <a:ext uri="{FF2B5EF4-FFF2-40B4-BE49-F238E27FC236}">
-                <a16:creationId xmlns:a16="http://schemas.microsoft.com/office/drawing/2014/main" xmlns="" id="{7FE0C0A1-ABE4-F0EA-AFC1-4622C45C99E7}"/>
-              </a:ext>
-            </a:extLst>
-          </p:cNvPr>
-          <p:cNvGrpSpPr/>
-          <p:nvPr/>
-        </p:nvGrpSpPr>
-        <p:grpSpPr>
-          <a:xfrm>
-            <a:off x="7233119" y="4486414"/>
-            <a:ext cx="3393622" cy="1114286"/>
-            <a:chOff x="7446046" y="4828571"/>
-            <a:chExt cx="3393622" cy="1114286"/>
-          </a:xfrm>
-        </p:grpSpPr>
-        <p:pic>
-          <p:nvPicPr>
-            <p:cNvPr id="9" name="Object 71">
-              <a:extLst>
-                <a:ext uri="{FF2B5EF4-FFF2-40B4-BE49-F238E27FC236}">
-                  <a16:creationId xmlns:a16="http://schemas.microsoft.com/office/drawing/2014/main" xmlns="" id="{CDBB7D83-509F-9F4C-0C3E-DBA2562E5520}"/>
-                </a:ext>
-              </a:extLst>
-            </p:cNvPr>
-            <p:cNvPicPr>
-              <a:picLocks noChangeAspect="1"/>
-            </p:cNvPicPr>
-            <p:nvPr/>
-          </p:nvPicPr>
-          <p:blipFill>
-            <a:blip r:embed="rId3" cstate="print"/>
-            <a:stretch>
-              <a:fillRect/>
-            </a:stretch>
-          </p:blipFill>
-          <p:spPr>
-            <a:xfrm>
-              <a:off x="7446046" y="4828571"/>
-              <a:ext cx="3393622" cy="1114286"/>
-            </a:xfrm>
-            <a:prstGeom prst="rect">
-              <a:avLst/>
-            </a:prstGeom>
-          </p:spPr>
-        </p:pic>
-      </p:grpSp>
-      <p:grpSp>
-        <p:nvGrpSpPr>
-          <p:cNvPr id="10" name="그룹 1024">
-            <a:extLst>
-              <a:ext uri="{FF2B5EF4-FFF2-40B4-BE49-F238E27FC236}">
-                <a16:creationId xmlns:a16="http://schemas.microsoft.com/office/drawing/2014/main" xmlns="" id="{8EB1611F-852C-9617-AEEB-CFA38FFF8001}"/>
-              </a:ext>
-            </a:extLst>
-          </p:cNvPr>
-          <p:cNvGrpSpPr/>
-          <p:nvPr/>
-        </p:nvGrpSpPr>
-        <p:grpSpPr>
-          <a:xfrm>
-            <a:off x="11875438" y="4486414"/>
-            <a:ext cx="3393622" cy="1114286"/>
-            <a:chOff x="12088365" y="4828571"/>
-            <a:chExt cx="3393622" cy="1114286"/>
-          </a:xfrm>
-        </p:grpSpPr>
-        <p:pic>
-          <p:nvPicPr>
-            <p:cNvPr id="11" name="Object 81">
-              <a:extLst>
-                <a:ext uri="{FF2B5EF4-FFF2-40B4-BE49-F238E27FC236}">
-                  <a16:creationId xmlns:a16="http://schemas.microsoft.com/office/drawing/2014/main" xmlns="" id="{08657582-A0DF-A5DC-A662-189C639920C8}"/>
-                </a:ext>
-              </a:extLst>
-            </p:cNvPr>
-            <p:cNvPicPr>
-              <a:picLocks noChangeAspect="1"/>
-            </p:cNvPicPr>
-            <p:nvPr/>
-          </p:nvPicPr>
-          <p:blipFill>
-            <a:blip r:embed="rId3" cstate="print"/>
-            <a:stretch>
-              <a:fillRect/>
-            </a:stretch>
-          </p:blipFill>
-          <p:spPr>
-            <a:xfrm>
-              <a:off x="12088365" y="4828571"/>
-              <a:ext cx="3393622" cy="1114286"/>
-            </a:xfrm>
-            <a:prstGeom prst="rect">
-              <a:avLst/>
-            </a:prstGeom>
-          </p:spPr>
-        </p:pic>
-      </p:grpSp>
-      <p:sp>
-        <p:nvSpPr>
-          <p:cNvPr id="12" name="TextBox 11">
-            <a:extLst>
-              <a:ext uri="{FF2B5EF4-FFF2-40B4-BE49-F238E27FC236}">
-                <a16:creationId xmlns:a16="http://schemas.microsoft.com/office/drawing/2014/main" xmlns="" id="{FC41B7B2-904B-813A-22B8-239E383F4360}"/>
-              </a:ext>
-            </a:extLst>
-          </p:cNvPr>
-          <p:cNvSpPr txBox="1"/>
-          <p:nvPr/>
-        </p:nvSpPr>
-        <p:spPr>
-          <a:xfrm>
-            <a:off x="8263995" y="2946640"/>
-            <a:ext cx="1946805" cy="769441"/>
-          </a:xfrm>
-          <a:prstGeom prst="rect">
-            <a:avLst/>
-          </a:prstGeom>
-          <a:noFill/>
-        </p:spPr>
-        <p:txBody>
-          <a:bodyPr wrap="square" rtlCol="0">
-            <a:spAutoFit/>
-          </a:bodyPr>
-          <a:lstStyle/>
-          <a:p>
-            <a:r>
-              <a:rPr lang="en-US" altLang="ko-KR" sz="4400" smtClean="0">
-                <a:solidFill>
-                  <a:srgbClr val="4C50BC"/>
-                </a:solidFill>
-                <a:latin typeface="G마켓 산스 Medium" panose="02000000000000000000" pitchFamily="50" charset="-127"/>
-                <a:ea typeface="G마켓 산스 Medium" panose="02000000000000000000" pitchFamily="50" charset="-127"/>
-              </a:rPr>
-              <a:t>Unit</a:t>
-            </a:r>
-            <a:endParaRPr lang="en-US" altLang="ko-KR" sz="4400" dirty="0">
-              <a:solidFill>
-                <a:srgbClr val="4C50BC"/>
-              </a:solidFill>
-              <a:latin typeface="G마켓 산스 Medium" panose="02000000000000000000" pitchFamily="50" charset="-127"/>
-              <a:ea typeface="G마켓 산스 Medium" panose="02000000000000000000" pitchFamily="50" charset="-127"/>
-            </a:endParaRPr>
-          </a:p>
-        </p:txBody>
-      </p:sp>
-      <p:sp>
-        <p:nvSpPr>
-          <p:cNvPr id="13" name="TextBox 12">
-            <a:extLst>
-              <a:ext uri="{FF2B5EF4-FFF2-40B4-BE49-F238E27FC236}">
-                <a16:creationId xmlns:a16="http://schemas.microsoft.com/office/drawing/2014/main" xmlns="" id="{F68B80B8-3419-5C31-B2F2-084E536A2C1C}"/>
-              </a:ext>
-            </a:extLst>
-          </p:cNvPr>
-          <p:cNvSpPr txBox="1"/>
-          <p:nvPr/>
-        </p:nvSpPr>
-        <p:spPr>
-          <a:xfrm>
-            <a:off x="3241645" y="4705572"/>
-            <a:ext cx="1936749" cy="646331"/>
-          </a:xfrm>
-          <a:prstGeom prst="rect">
-            <a:avLst/>
-          </a:prstGeom>
-          <a:noFill/>
-        </p:spPr>
-        <p:txBody>
-          <a:bodyPr wrap="none" rtlCol="0">
-            <a:spAutoFit/>
-          </a:bodyPr>
-          <a:lstStyle/>
-          <a:p>
-            <a:r>
-              <a:rPr lang="en-US" altLang="ko-KR" sz="3600" smtClean="0">
-                <a:solidFill>
-                  <a:srgbClr val="4D4848"/>
-                </a:solidFill>
-                <a:latin typeface="G마켓 산스 Medium" panose="02000000000000000000" pitchFamily="50" charset="-127"/>
-                <a:ea typeface="G마켓 산스 Medium" panose="02000000000000000000" pitchFamily="50" charset="-127"/>
-              </a:rPr>
-              <a:t>Marine</a:t>
-            </a:r>
-            <a:endParaRPr lang="ko-KR" altLang="en-US" sz="2800" dirty="0">
-              <a:solidFill>
-                <a:srgbClr val="4D4848"/>
-              </a:solidFill>
-              <a:latin typeface="G마켓 산스 Medium" panose="02000000000000000000" pitchFamily="50" charset="-127"/>
-              <a:ea typeface="G마켓 산스 Medium" panose="02000000000000000000" pitchFamily="50" charset="-127"/>
-            </a:endParaRPr>
-          </a:p>
-        </p:txBody>
-      </p:sp>
-      <p:sp>
-        <p:nvSpPr>
-          <p:cNvPr id="14" name="TextBox 13">
-            <a:extLst>
-              <a:ext uri="{FF2B5EF4-FFF2-40B4-BE49-F238E27FC236}">
-                <a16:creationId xmlns:a16="http://schemas.microsoft.com/office/drawing/2014/main" xmlns="" id="{CB471B39-052C-65D2-3069-C74FA7421876}"/>
-              </a:ext>
-            </a:extLst>
-          </p:cNvPr>
-          <p:cNvSpPr txBox="1"/>
-          <p:nvPr/>
-        </p:nvSpPr>
-        <p:spPr>
-          <a:xfrm>
-            <a:off x="7888580" y="4684228"/>
-            <a:ext cx="2274982" cy="646331"/>
-          </a:xfrm>
-          <a:prstGeom prst="rect">
-            <a:avLst/>
-          </a:prstGeom>
-          <a:noFill/>
-        </p:spPr>
-        <p:txBody>
-          <a:bodyPr wrap="none" rtlCol="0">
-            <a:spAutoFit/>
-          </a:bodyPr>
-          <a:lstStyle/>
-          <a:p>
-            <a:r>
-              <a:rPr lang="en-US" altLang="ko-KR" sz="3600" smtClean="0">
-                <a:solidFill>
-                  <a:srgbClr val="4D4848"/>
-                </a:solidFill>
-                <a:latin typeface="G마켓 산스 Medium" panose="02000000000000000000" pitchFamily="50" charset="-127"/>
-                <a:ea typeface="G마켓 산스 Medium" panose="02000000000000000000" pitchFamily="50" charset="-127"/>
-              </a:rPr>
-              <a:t>Zergling</a:t>
-            </a:r>
-            <a:endParaRPr lang="ko-KR" altLang="en-US" sz="2800" dirty="0">
-              <a:solidFill>
-                <a:srgbClr val="4D4848"/>
-              </a:solidFill>
-              <a:latin typeface="G마켓 산스 Medium" panose="02000000000000000000" pitchFamily="50" charset="-127"/>
-              <a:ea typeface="G마켓 산스 Medium" panose="02000000000000000000" pitchFamily="50" charset="-127"/>
-            </a:endParaRPr>
-          </a:p>
-        </p:txBody>
-      </p:sp>
-      <p:sp>
-        <p:nvSpPr>
-          <p:cNvPr id="15" name="TextBox 14">
-            <a:extLst>
-              <a:ext uri="{FF2B5EF4-FFF2-40B4-BE49-F238E27FC236}">
-                <a16:creationId xmlns:a16="http://schemas.microsoft.com/office/drawing/2014/main" xmlns="" id="{4A7E270B-9322-EABD-3A34-4D211B23AD38}"/>
-              </a:ext>
-            </a:extLst>
-          </p:cNvPr>
-          <p:cNvSpPr txBox="1"/>
-          <p:nvPr/>
-        </p:nvSpPr>
-        <p:spPr>
-          <a:xfrm>
-            <a:off x="12470834" y="4705572"/>
-            <a:ext cx="1787669" cy="646331"/>
-          </a:xfrm>
-          <a:prstGeom prst="rect">
-            <a:avLst/>
-          </a:prstGeom>
-          <a:noFill/>
-        </p:spPr>
-        <p:txBody>
-          <a:bodyPr wrap="none" rtlCol="0">
-            <a:spAutoFit/>
-          </a:bodyPr>
-          <a:lstStyle/>
-          <a:p>
-            <a:r>
-              <a:rPr lang="en-US" altLang="ko-KR" sz="3600" smtClean="0">
-                <a:solidFill>
-                  <a:srgbClr val="4D4848"/>
-                </a:solidFill>
-                <a:latin typeface="G마켓 산스 Medium" panose="02000000000000000000" pitchFamily="50" charset="-127"/>
-                <a:ea typeface="G마켓 산스 Medium" panose="02000000000000000000" pitchFamily="50" charset="-127"/>
-              </a:rPr>
-              <a:t>Zealot</a:t>
-            </a:r>
-            <a:endParaRPr lang="ko-KR" altLang="en-US" sz="2800" dirty="0">
-              <a:solidFill>
-                <a:srgbClr val="4D4848"/>
-              </a:solidFill>
-              <a:latin typeface="G마켓 산스 Medium" panose="02000000000000000000" pitchFamily="50" charset="-127"/>
-              <a:ea typeface="G마켓 산스 Medium" panose="02000000000000000000" pitchFamily="50" charset="-127"/>
-            </a:endParaRPr>
-          </a:p>
-        </p:txBody>
-      </p:sp>
-      <p:cxnSp>
-        <p:nvCxnSpPr>
-          <p:cNvPr id="16" name="직선 화살표 연결선 15">
-            <a:extLst>
-              <a:ext uri="{FF2B5EF4-FFF2-40B4-BE49-F238E27FC236}">
-                <a16:creationId xmlns:a16="http://schemas.microsoft.com/office/drawing/2014/main" xmlns="" id="{174A1CAB-41DB-CBE5-A53E-D1E78982E7D5}"/>
-              </a:ext>
-            </a:extLst>
-          </p:cNvPr>
-          <p:cNvCxnSpPr>
-            <a:cxnSpLocks/>
-            <a:endCxn id="7" idx="0"/>
-          </p:cNvCxnSpPr>
-          <p:nvPr/>
-        </p:nvCxnSpPr>
-        <p:spPr>
-          <a:xfrm flipH="1">
-            <a:off x="4287611" y="3372128"/>
-            <a:ext cx="2722789" cy="1114286"/>
-          </a:xfrm>
-          <a:prstGeom prst="straightConnector1">
-            <a:avLst/>
-          </a:prstGeom>
-          <a:ln w="38100">
-            <a:tailEnd type="triangle"/>
-          </a:ln>
-        </p:spPr>
-        <p:style>
-          <a:lnRef idx="1">
-            <a:schemeClr val="accent2"/>
-          </a:lnRef>
-          <a:fillRef idx="0">
-            <a:schemeClr val="accent2"/>
-          </a:fillRef>
-          <a:effectRef idx="0">
-            <a:schemeClr val="accent2"/>
-          </a:effectRef>
-          <a:fontRef idx="minor">
-            <a:schemeClr val="tx1"/>
-          </a:fontRef>
-        </p:style>
-      </p:cxnSp>
-      <p:cxnSp>
-        <p:nvCxnSpPr>
-          <p:cNvPr id="17" name="직선 화살표 연결선 16">
-            <a:extLst>
-              <a:ext uri="{FF2B5EF4-FFF2-40B4-BE49-F238E27FC236}">
-                <a16:creationId xmlns:a16="http://schemas.microsoft.com/office/drawing/2014/main" xmlns="" id="{404BE807-8974-325D-28CE-80CBD5A23FD9}"/>
-              </a:ext>
-            </a:extLst>
-          </p:cNvPr>
-          <p:cNvCxnSpPr>
-            <a:cxnSpLocks/>
-          </p:cNvCxnSpPr>
-          <p:nvPr/>
-        </p:nvCxnSpPr>
-        <p:spPr>
-          <a:xfrm>
-            <a:off x="9024489" y="3732215"/>
-            <a:ext cx="6086" cy="681872"/>
-          </a:xfrm>
-          <a:prstGeom prst="straightConnector1">
-            <a:avLst/>
-          </a:prstGeom>
-          <a:ln w="38100">
-            <a:tailEnd type="triangle"/>
-          </a:ln>
-        </p:spPr>
-        <p:style>
-          <a:lnRef idx="1">
-            <a:schemeClr val="accent2"/>
-          </a:lnRef>
-          <a:fillRef idx="0">
-            <a:schemeClr val="accent2"/>
-          </a:fillRef>
-          <a:effectRef idx="0">
-            <a:schemeClr val="accent2"/>
-          </a:effectRef>
-          <a:fontRef idx="minor">
-            <a:schemeClr val="tx1"/>
-          </a:fontRef>
-        </p:style>
-      </p:cxnSp>
-      <p:cxnSp>
-        <p:nvCxnSpPr>
-          <p:cNvPr id="18" name="직선 화살표 연결선 17">
-            <a:extLst>
-              <a:ext uri="{FF2B5EF4-FFF2-40B4-BE49-F238E27FC236}">
-                <a16:creationId xmlns:a16="http://schemas.microsoft.com/office/drawing/2014/main" xmlns="" id="{8238D4B2-69F6-F17A-0286-66A8FB197956}"/>
-              </a:ext>
-            </a:extLst>
-          </p:cNvPr>
-          <p:cNvCxnSpPr>
-            <a:cxnSpLocks/>
-            <a:endCxn id="11" idx="0"/>
-          </p:cNvCxnSpPr>
-          <p:nvPr/>
-        </p:nvCxnSpPr>
-        <p:spPr>
-          <a:xfrm>
-            <a:off x="10876735" y="3331360"/>
-            <a:ext cx="2695514" cy="1155054"/>
-          </a:xfrm>
-          <a:prstGeom prst="straightConnector1">
-            <a:avLst/>
-          </a:prstGeom>
-          <a:ln w="38100">
-            <a:tailEnd type="triangle"/>
-          </a:ln>
-        </p:spPr>
-        <p:style>
-          <a:lnRef idx="1">
-            <a:schemeClr val="accent2"/>
-          </a:lnRef>
-          <a:fillRef idx="0">
-            <a:schemeClr val="accent2"/>
-          </a:fillRef>
-          <a:effectRef idx="0">
-            <a:schemeClr val="accent2"/>
-          </a:effectRef>
-          <a:fontRef idx="minor">
-            <a:schemeClr val="tx1"/>
-          </a:fontRef>
-        </p:style>
-      </p:cxnSp>
-      <p:pic>
-        <p:nvPicPr>
-          <p:cNvPr id="19" name="그림 18"/>
-          <p:cNvPicPr>
-            <a:picLocks noChangeAspect="1"/>
-          </p:cNvPicPr>
-          <p:nvPr/>
-        </p:nvPicPr>
-        <p:blipFill>
-          <a:blip r:embed="rId4"/>
-          <a:stretch>
-            <a:fillRect/>
-          </a:stretch>
-        </p:blipFill>
-        <p:spPr>
-          <a:xfrm>
-            <a:off x="4343400" y="1028700"/>
-            <a:ext cx="4196633" cy="1632024"/>
-          </a:xfrm>
-          <a:prstGeom prst="rect">
-            <a:avLst/>
-          </a:prstGeom>
-        </p:spPr>
-      </p:pic>
-      <p:pic>
-        <p:nvPicPr>
-          <p:cNvPr id="20" name="그림 19"/>
-          <p:cNvPicPr>
-            <a:picLocks noChangeAspect="1"/>
-          </p:cNvPicPr>
-          <p:nvPr/>
-        </p:nvPicPr>
-        <p:blipFill>
-          <a:blip r:embed="rId5"/>
-          <a:stretch>
-            <a:fillRect/>
-          </a:stretch>
-        </p:blipFill>
-        <p:spPr>
-          <a:xfrm>
-            <a:off x="9067800" y="1028700"/>
-            <a:ext cx="4477650" cy="1597495"/>
-          </a:xfrm>
-          <a:prstGeom prst="rect">
-            <a:avLst/>
-          </a:prstGeom>
-        </p:spPr>
-      </p:pic>
-    </p:spTree>
-    <p:extLst>
-      <p:ext uri="{BB962C8B-B14F-4D97-AF65-F5344CB8AC3E}">
-        <p14:creationId xmlns:p14="http://schemas.microsoft.com/office/powerpoint/2010/main" val="3737422770"/>
-      </p:ext>
-    </p:extLst>
-  </p:cSld>
-  <p:clrMapOvr>
-    <a:masterClrMapping/>
-  </p:clrMapOvr>
-  <p:timing>
-    <p:tnLst>
-      <p:par>
-        <p:cTn id="1" dur="indefinite" restart="never" nodeType="tmRoot"/>
-      </p:par>
-    </p:tnLst>
-  </p:timing>
 </p:sld>
 </file>
 
@@ -19985,7 +24504,7 @@
           <p:cNvPr id="4" name="TextBox 3">
             <a:extLst>
               <a:ext uri="{FF2B5EF4-FFF2-40B4-BE49-F238E27FC236}">
-                <a16:creationId xmlns="" xmlns:a16="http://schemas.microsoft.com/office/drawing/2014/main" id="{DF7DDD33-9412-2802-339A-E55446AC2DA7}"/>
+                <a16:creationId xmlns:a16="http://schemas.microsoft.com/office/drawing/2014/main" id="{DF7DDD33-9412-2802-339A-E55446AC2DA7}"/>
               </a:ext>
             </a:extLst>
           </p:cNvPr>
@@ -20009,7 +24528,7 @@
           <a:lstStyle/>
           <a:p>
             <a:r>
-              <a:rPr lang="ko-KR" altLang="en-US" sz="5400" smtClean="0">
+              <a:rPr lang="ko-KR" altLang="en-US" sz="5400">
                 <a:solidFill>
                   <a:srgbClr val="4C50BC"/>
                 </a:solidFill>
@@ -20081,7 +24600,7 @@
           <p:cNvPr id="7" name="그룹 1008">
             <a:extLst>
               <a:ext uri="{FF2B5EF4-FFF2-40B4-BE49-F238E27FC236}">
-                <a16:creationId xmlns:a16="http://schemas.microsoft.com/office/drawing/2014/main" xmlns="" id="{E395BDE3-2EDE-065D-70E8-56E348228ACF}"/>
+                <a16:creationId xmlns:a16="http://schemas.microsoft.com/office/drawing/2014/main" id="{E395BDE3-2EDE-065D-70E8-56E348228ACF}"/>
               </a:ext>
             </a:extLst>
           </p:cNvPr>
@@ -20101,7 +24620,7 @@
             <p:cNvPr id="8" name="그룹 1009">
               <a:extLst>
                 <a:ext uri="{FF2B5EF4-FFF2-40B4-BE49-F238E27FC236}">
-                  <a16:creationId xmlns:a16="http://schemas.microsoft.com/office/drawing/2014/main" xmlns="" id="{852F4DEB-DB33-DB3F-9E9F-52A46CD0B10A}"/>
+                  <a16:creationId xmlns:a16="http://schemas.microsoft.com/office/drawing/2014/main" id="{852F4DEB-DB33-DB3F-9E9F-52A46CD0B10A}"/>
                 </a:ext>
               </a:extLst>
             </p:cNvPr>
@@ -20121,7 +24640,7 @@
               <p:cNvPr id="13" name="Object 29">
                 <a:extLst>
                   <a:ext uri="{FF2B5EF4-FFF2-40B4-BE49-F238E27FC236}">
-                    <a16:creationId xmlns:a16="http://schemas.microsoft.com/office/drawing/2014/main" xmlns="" id="{7E353D3B-14D4-8A64-5888-3F0C062C2CDD}"/>
+                    <a16:creationId xmlns:a16="http://schemas.microsoft.com/office/drawing/2014/main" id="{7E353D3B-14D4-8A64-5888-3F0C062C2CDD}"/>
                   </a:ext>
                 </a:extLst>
               </p:cNvPr>
@@ -20152,7 +24671,7 @@
             <p:cNvPr id="9" name="그룹 1010">
               <a:extLst>
                 <a:ext uri="{FF2B5EF4-FFF2-40B4-BE49-F238E27FC236}">
-                  <a16:creationId xmlns:a16="http://schemas.microsoft.com/office/drawing/2014/main" xmlns="" id="{001E38AB-1390-ABD0-BE01-9727136FEAEE}"/>
+                  <a16:creationId xmlns:a16="http://schemas.microsoft.com/office/drawing/2014/main" id="{001E38AB-1390-ABD0-BE01-9727136FEAEE}"/>
                 </a:ext>
               </a:extLst>
             </p:cNvPr>
@@ -20172,7 +24691,7 @@
               <p:cNvPr id="12" name="Object 32">
                 <a:extLst>
                   <a:ext uri="{FF2B5EF4-FFF2-40B4-BE49-F238E27FC236}">
-                    <a16:creationId xmlns:a16="http://schemas.microsoft.com/office/drawing/2014/main" xmlns="" id="{2ED1C30F-0D0B-F86C-8215-2598D332B5A3}"/>
+                    <a16:creationId xmlns:a16="http://schemas.microsoft.com/office/drawing/2014/main" id="{2ED1C30F-0D0B-F86C-8215-2598D332B5A3}"/>
                   </a:ext>
                 </a:extLst>
               </p:cNvPr>
@@ -20203,7 +24722,7 @@
             <p:cNvPr id="10" name="그룹 1011">
               <a:extLst>
                 <a:ext uri="{FF2B5EF4-FFF2-40B4-BE49-F238E27FC236}">
-                  <a16:creationId xmlns:a16="http://schemas.microsoft.com/office/drawing/2014/main" xmlns="" id="{1BCB8DE5-ABAF-4198-BC16-85BB76F2DB24}"/>
+                  <a16:creationId xmlns:a16="http://schemas.microsoft.com/office/drawing/2014/main" id="{1BCB8DE5-ABAF-4198-BC16-85BB76F2DB24}"/>
                 </a:ext>
               </a:extLst>
             </p:cNvPr>
@@ -20223,7 +24742,7 @@
               <p:cNvPr id="11" name="Object 35">
                 <a:extLst>
                   <a:ext uri="{FF2B5EF4-FFF2-40B4-BE49-F238E27FC236}">
-                    <a16:creationId xmlns:a16="http://schemas.microsoft.com/office/drawing/2014/main" xmlns="" id="{86E7BA23-0A1E-B581-CADC-06AB269DB2BD}"/>
+                    <a16:creationId xmlns:a16="http://schemas.microsoft.com/office/drawing/2014/main" id="{86E7BA23-0A1E-B581-CADC-06AB269DB2BD}"/>
                   </a:ext>
                 </a:extLst>
               </p:cNvPr>
@@ -20255,7 +24774,7 @@
           <p:cNvPr id="14" name="직사각형 13">
             <a:extLst>
               <a:ext uri="{FF2B5EF4-FFF2-40B4-BE49-F238E27FC236}">
-                <a16:creationId xmlns:a16="http://schemas.microsoft.com/office/drawing/2014/main" xmlns="" id="{FFF506F9-840A-0508-4CAF-3AC711D8D5CE}"/>
+                <a16:creationId xmlns:a16="http://schemas.microsoft.com/office/drawing/2014/main" id="{FFF506F9-840A-0508-4CAF-3AC711D8D5CE}"/>
               </a:ext>
             </a:extLst>
           </p:cNvPr>
@@ -20331,7 +24850,7 @@
           <p:cNvPr id="16" name="직사각형 15">
             <a:extLst>
               <a:ext uri="{FF2B5EF4-FFF2-40B4-BE49-F238E27FC236}">
-                <a16:creationId xmlns:a16="http://schemas.microsoft.com/office/drawing/2014/main" xmlns="" id="{FFF506F9-840A-0508-4CAF-3AC711D8D5CE}"/>
+                <a16:creationId xmlns:a16="http://schemas.microsoft.com/office/drawing/2014/main" id="{FFF506F9-840A-0508-4CAF-3AC711D8D5CE}"/>
               </a:ext>
             </a:extLst>
           </p:cNvPr>
@@ -20383,7 +24902,7 @@
           <p:cNvPr id="17" name="TextBox 16">
             <a:extLst>
               <a:ext uri="{FF2B5EF4-FFF2-40B4-BE49-F238E27FC236}">
-                <a16:creationId xmlns:a16="http://schemas.microsoft.com/office/drawing/2014/main" xmlns="" id="{A2AD056B-97A4-5BCC-4460-250160F3E171}"/>
+                <a16:creationId xmlns:a16="http://schemas.microsoft.com/office/drawing/2014/main" id="{A2AD056B-97A4-5BCC-4460-250160F3E171}"/>
               </a:ext>
             </a:extLst>
           </p:cNvPr>
@@ -20410,7 +24929,7 @@
               <a:buAutoNum type="arabicPeriod"/>
             </a:pPr>
             <a:r>
-              <a:rPr lang="ko-KR" altLang="en-US" sz="4000" smtClean="0">
+              <a:rPr lang="ko-KR" altLang="en-US" sz="4000">
                 <a:solidFill>
                   <a:schemeClr val="tx1">
                     <a:lumMod val="50000"/>
@@ -20423,7 +24942,7 @@
               <a:t>생성자와 초기화 블록은 상속되지 않는다</a:t>
             </a:r>
             <a:r>
-              <a:rPr lang="en-US" altLang="ko-KR" sz="4000" smtClean="0">
+              <a:rPr lang="en-US" altLang="ko-KR" sz="4000">
                 <a:solidFill>
                   <a:schemeClr val="tx1">
                     <a:lumMod val="50000"/>
@@ -20441,7 +24960,7 @@
               <a:buAutoNum type="arabicPeriod"/>
             </a:pPr>
             <a:r>
-              <a:rPr lang="ko-KR" altLang="en-US" sz="4000" smtClean="0">
+              <a:rPr lang="ko-KR" altLang="en-US" sz="4000">
                 <a:solidFill>
                   <a:schemeClr val="tx1">
                     <a:lumMod val="50000"/>
@@ -20454,7 +24973,7 @@
               <a:t>멤버변수</a:t>
             </a:r>
             <a:r>
-              <a:rPr lang="en-US" altLang="ko-KR" sz="4000" smtClean="0">
+              <a:rPr lang="en-US" altLang="ko-KR" sz="4000">
                 <a:solidFill>
                   <a:schemeClr val="tx1">
                     <a:lumMod val="50000"/>
@@ -20467,7 +24986,7 @@
               <a:t>, </a:t>
             </a:r>
             <a:r>
-              <a:rPr lang="ko-KR" altLang="en-US" sz="4000" smtClean="0">
+              <a:rPr lang="ko-KR" altLang="en-US" sz="4000">
                 <a:solidFill>
                   <a:schemeClr val="tx1">
                     <a:lumMod val="50000"/>
@@ -20480,7 +24999,7 @@
               <a:t>멤버메서드가 상속된다</a:t>
             </a:r>
             <a:r>
-              <a:rPr lang="en-US" altLang="ko-KR" sz="4000" smtClean="0">
+              <a:rPr lang="en-US" altLang="ko-KR" sz="4000">
                 <a:solidFill>
                   <a:schemeClr val="tx1">
                     <a:lumMod val="50000"/>
@@ -20500,7 +25019,7 @@
           <p:cNvPr id="18" name="TextBox 17">
             <a:extLst>
               <a:ext uri="{FF2B5EF4-FFF2-40B4-BE49-F238E27FC236}">
-                <a16:creationId xmlns:a16="http://schemas.microsoft.com/office/drawing/2014/main" xmlns="" id="{A2AD056B-97A4-5BCC-4460-250160F3E171}"/>
+                <a16:creationId xmlns:a16="http://schemas.microsoft.com/office/drawing/2014/main" id="{A2AD056B-97A4-5BCC-4460-250160F3E171}"/>
               </a:ext>
             </a:extLst>
           </p:cNvPr>
@@ -20524,7 +25043,7 @@
           <a:lstStyle/>
           <a:p>
             <a:r>
-              <a:rPr lang="ko-KR" altLang="en-US" sz="4000" smtClean="0">
+              <a:rPr lang="ko-KR" altLang="en-US" sz="4000">
                 <a:solidFill>
                   <a:schemeClr val="tx1">
                     <a:lumMod val="50000"/>
@@ -20554,7 +25073,7 @@
           <p:cNvPr id="19" name="TextBox 18">
             <a:extLst>
               <a:ext uri="{FF2B5EF4-FFF2-40B4-BE49-F238E27FC236}">
-                <a16:creationId xmlns:a16="http://schemas.microsoft.com/office/drawing/2014/main" xmlns="" id="{A2AD056B-97A4-5BCC-4460-250160F3E171}"/>
+                <a16:creationId xmlns:a16="http://schemas.microsoft.com/office/drawing/2014/main" id="{A2AD056B-97A4-5BCC-4460-250160F3E171}"/>
               </a:ext>
             </a:extLst>
           </p:cNvPr>
@@ -20578,7 +25097,7 @@
           <a:lstStyle/>
           <a:p>
             <a:r>
-              <a:rPr lang="ko-KR" altLang="en-US" sz="4000" smtClean="0">
+              <a:rPr lang="ko-KR" altLang="en-US" sz="4000">
                 <a:solidFill>
                   <a:schemeClr val="tx1">
                     <a:lumMod val="50000"/>
@@ -20613,13 +25132,6 @@
   <p:clrMapOvr>
     <a:masterClrMapping/>
   </p:clrMapOvr>
-  <p:timing>
-    <p:tnLst>
-      <p:par>
-        <p:cTn id="1" dur="indefinite" restart="never" nodeType="tmRoot"/>
-      </p:par>
-    </p:tnLst>
-  </p:timing>
 </p:sld>
 </file>
 
@@ -20741,7 +25253,7 @@
           <p:cNvPr id="8" name="TextBox 7">
             <a:extLst>
               <a:ext uri="{FF2B5EF4-FFF2-40B4-BE49-F238E27FC236}">
-                <a16:creationId xmlns:a16="http://schemas.microsoft.com/office/drawing/2014/main" xmlns="" id="{C6D113C6-EA5C-788F-0C77-E7CE6EBB865F}"/>
+                <a16:creationId xmlns:a16="http://schemas.microsoft.com/office/drawing/2014/main" id="{C6D113C6-EA5C-788F-0C77-E7CE6EBB865F}"/>
               </a:ext>
             </a:extLst>
           </p:cNvPr>
@@ -20765,7 +25277,7 @@
           <a:lstStyle/>
           <a:p>
             <a:r>
-              <a:rPr lang="ko-KR" altLang="en-US" sz="4000" smtClean="0">
+              <a:rPr lang="ko-KR" altLang="en-US" sz="4000">
                 <a:solidFill>
                   <a:srgbClr val="FF0000"/>
                 </a:solidFill>
@@ -20775,7 +25287,7 @@
               <a:t>자식에서 만들지 않아도 상속받아 마치 선언해놓은것처럼 사용한다</a:t>
             </a:r>
             <a:r>
-              <a:rPr lang="en-US" altLang="ko-KR" sz="4000" smtClean="0">
+              <a:rPr lang="en-US" altLang="ko-KR" sz="4000">
                 <a:solidFill>
                   <a:srgbClr val="FF0000"/>
                 </a:solidFill>
@@ -20804,13 +25316,6 @@
   <p:clrMapOvr>
     <a:masterClrMapping/>
   </p:clrMapOvr>
-  <p:timing>
-    <p:tnLst>
-      <p:par>
-        <p:cTn id="1" dur="indefinite" restart="never" nodeType="tmRoot"/>
-      </p:par>
-    </p:tnLst>
-  </p:timing>
 </p:sld>
 </file>
 
@@ -20836,7 +25341,7 @@
           <p:cNvPr id="6" name="TextBox 5">
             <a:extLst>
               <a:ext uri="{FF2B5EF4-FFF2-40B4-BE49-F238E27FC236}">
-                <a16:creationId xmlns:a16="http://schemas.microsoft.com/office/drawing/2014/main" xmlns="" id="{C6D113C6-EA5C-788F-0C77-E7CE6EBB865F}"/>
+                <a16:creationId xmlns:a16="http://schemas.microsoft.com/office/drawing/2014/main" id="{C6D113C6-EA5C-788F-0C77-E7CE6EBB865F}"/>
               </a:ext>
             </a:extLst>
           </p:cNvPr>
@@ -20860,7 +25365,7 @@
           <a:lstStyle/>
           <a:p>
             <a:r>
-              <a:rPr lang="ko-KR" altLang="en-US" sz="4000" smtClean="0">
+              <a:rPr lang="ko-KR" altLang="en-US" sz="4000">
                 <a:solidFill>
                   <a:srgbClr val="FF0000"/>
                 </a:solidFill>
@@ -20870,7 +25375,7 @@
               <a:t>부모의 멤버를 가져오는것이 아니라 부모와 별도로 멤버를 생성하는것이다</a:t>
             </a:r>
             <a:r>
-              <a:rPr lang="en-US" altLang="ko-KR" sz="4000" smtClean="0">
+              <a:rPr lang="en-US" altLang="ko-KR" sz="4000">
                 <a:solidFill>
                   <a:srgbClr val="FF0000"/>
                 </a:solidFill>
@@ -20962,7 +25467,13 @@
                 <a:tableStyleId>{5C22544A-7EE6-4342-B048-85BDC9FD1C3A}</a:tableStyleId>
               </a:tblPr>
               <a:tblGrid>
-                <a:gridCol w="2730951"/>
+                <a:gridCol w="2730951">
+                  <a:extLst>
+                    <a:ext uri="{9D8B030D-6E8A-4147-A177-3AD203B41FA5}">
+                      <a16:colId xmlns:a16="http://schemas.microsoft.com/office/drawing/2014/main" val="20000"/>
+                    </a:ext>
+                  </a:extLst>
+                </a:gridCol>
               </a:tblGrid>
               <a:tr h="140091">
                 <a:tc>
@@ -20972,7 +25483,7 @@
                     <a:p>
                       <a:pPr latinLnBrk="1"/>
                       <a:r>
-                        <a:rPr lang="en-US" altLang="ko-KR" sz="2000" smtClean="0">
+                        <a:rPr lang="en-US" altLang="ko-KR" sz="2000">
                           <a:solidFill>
                             <a:schemeClr val="bg1"/>
                           </a:solidFill>
@@ -21030,6 +25541,11 @@
                     </a:solidFill>
                   </a:tcPr>
                 </a:tc>
+                <a:extLst>
+                  <a:ext uri="{0D108BD9-81ED-4DB2-BD59-A6C34878D82A}">
+                    <a16:rowId xmlns:a16="http://schemas.microsoft.com/office/drawing/2014/main" val="10000"/>
+                  </a:ext>
+                </a:extLst>
               </a:tr>
               <a:tr h="370840">
                 <a:tc>
@@ -21055,7 +25571,7 @@
                         <a:defRPr/>
                       </a:pPr>
                       <a:r>
-                        <a:rPr lang="en-US" altLang="ko-KR" sz="2000" smtClean="0">
+                        <a:rPr lang="en-US" altLang="ko-KR" sz="2000">
                           <a:ea typeface="G마켓 산스 Medium" panose="02000000000000000000"/>
                         </a:rPr>
                         <a:t>name</a:t>
@@ -21105,6 +25621,11 @@
                     <a:noFill/>
                   </a:tcPr>
                 </a:tc>
+                <a:extLst>
+                  <a:ext uri="{0D108BD9-81ED-4DB2-BD59-A6C34878D82A}">
+                    <a16:rowId xmlns:a16="http://schemas.microsoft.com/office/drawing/2014/main" val="10001"/>
+                  </a:ext>
+                </a:extLst>
               </a:tr>
               <a:tr h="411480">
                 <a:tc>
@@ -21114,7 +25635,7 @@
                     <a:p>
                       <a:pPr latinLnBrk="1"/>
                       <a:r>
-                        <a:rPr lang="en-US" altLang="ko-KR" sz="2000" smtClean="0">
+                        <a:rPr lang="en-US" altLang="ko-KR" sz="2000">
                           <a:ea typeface="G마켓 산스 Medium" panose="02000000000000000000"/>
                         </a:rPr>
                         <a:t>age</a:t>
@@ -21164,6 +25685,11 @@
                     <a:noFill/>
                   </a:tcPr>
                 </a:tc>
+                <a:extLst>
+                  <a:ext uri="{0D108BD9-81ED-4DB2-BD59-A6C34878D82A}">
+                    <a16:rowId xmlns:a16="http://schemas.microsoft.com/office/drawing/2014/main" val="10002"/>
+                  </a:ext>
+                </a:extLst>
               </a:tr>
             </a:tbl>
           </a:graphicData>
@@ -21194,7 +25720,13 @@
                 <a:tableStyleId>{5C22544A-7EE6-4342-B048-85BDC9FD1C3A}</a:tableStyleId>
               </a:tblPr>
               <a:tblGrid>
-                <a:gridCol w="2730951"/>
+                <a:gridCol w="2730951">
+                  <a:extLst>
+                    <a:ext uri="{9D8B030D-6E8A-4147-A177-3AD203B41FA5}">
+                      <a16:colId xmlns:a16="http://schemas.microsoft.com/office/drawing/2014/main" val="20000"/>
+                    </a:ext>
+                  </a:extLst>
+                </a:gridCol>
               </a:tblGrid>
               <a:tr h="140091">
                 <a:tc>
@@ -21204,7 +25736,7 @@
                     <a:p>
                       <a:pPr latinLnBrk="1"/>
                       <a:r>
-                        <a:rPr lang="en-US" altLang="ko-KR" sz="2000" smtClean="0">
+                        <a:rPr lang="en-US" altLang="ko-KR" sz="2000">
                           <a:solidFill>
                             <a:schemeClr val="bg1"/>
                           </a:solidFill>
@@ -21262,6 +25794,11 @@
                     </a:solidFill>
                   </a:tcPr>
                 </a:tc>
+                <a:extLst>
+                  <a:ext uri="{0D108BD9-81ED-4DB2-BD59-A6C34878D82A}">
+                    <a16:rowId xmlns:a16="http://schemas.microsoft.com/office/drawing/2014/main" val="10000"/>
+                  </a:ext>
+                </a:extLst>
               </a:tr>
               <a:tr h="370840">
                 <a:tc>
@@ -21287,7 +25824,7 @@
                         <a:defRPr/>
                       </a:pPr>
                       <a:r>
-                        <a:rPr lang="en-US" altLang="ko-KR" sz="2000" smtClean="0">
+                        <a:rPr lang="en-US" altLang="ko-KR" sz="2000">
                           <a:ea typeface="G마켓 산스 Medium" panose="02000000000000000000"/>
                         </a:rPr>
                         <a:t>name</a:t>
@@ -21337,6 +25874,11 @@
                     <a:noFill/>
                   </a:tcPr>
                 </a:tc>
+                <a:extLst>
+                  <a:ext uri="{0D108BD9-81ED-4DB2-BD59-A6C34878D82A}">
+                    <a16:rowId xmlns:a16="http://schemas.microsoft.com/office/drawing/2014/main" val="10001"/>
+                  </a:ext>
+                </a:extLst>
               </a:tr>
               <a:tr h="411480">
                 <a:tc>
@@ -21346,7 +25888,7 @@
                     <a:p>
                       <a:pPr latinLnBrk="1"/>
                       <a:r>
-                        <a:rPr lang="en-US" altLang="ko-KR" sz="2000" smtClean="0">
+                        <a:rPr lang="en-US" altLang="ko-KR" sz="2000">
                           <a:ea typeface="G마켓 산스 Medium" panose="02000000000000000000"/>
                         </a:rPr>
                         <a:t>age</a:t>
@@ -21396,6 +25938,11 @@
                     <a:noFill/>
                   </a:tcPr>
                 </a:tc>
+                <a:extLst>
+                  <a:ext uri="{0D108BD9-81ED-4DB2-BD59-A6C34878D82A}">
+                    <a16:rowId xmlns:a16="http://schemas.microsoft.com/office/drawing/2014/main" val="10002"/>
+                  </a:ext>
+                </a:extLst>
               </a:tr>
             </a:tbl>
           </a:graphicData>
@@ -21406,7 +25953,7 @@
           <p:cNvPr id="14" name="그룹 1008">
             <a:extLst>
               <a:ext uri="{FF2B5EF4-FFF2-40B4-BE49-F238E27FC236}">
-                <a16:creationId xmlns="" xmlns:a16="http://schemas.microsoft.com/office/drawing/2014/main" id="{678F6342-C505-E8AD-ADA4-022CB2C2088E}"/>
+                <a16:creationId xmlns:a16="http://schemas.microsoft.com/office/drawing/2014/main" id="{678F6342-C505-E8AD-ADA4-022CB2C2088E}"/>
               </a:ext>
             </a:extLst>
           </p:cNvPr>
@@ -21426,7 +25973,7 @@
             <p:cNvPr id="15" name="그룹 1009">
               <a:extLst>
                 <a:ext uri="{FF2B5EF4-FFF2-40B4-BE49-F238E27FC236}">
-                  <a16:creationId xmlns="" xmlns:a16="http://schemas.microsoft.com/office/drawing/2014/main" id="{4E1F1FED-812B-9BBB-925A-84B54A077414}"/>
+                  <a16:creationId xmlns:a16="http://schemas.microsoft.com/office/drawing/2014/main" id="{4E1F1FED-812B-9BBB-925A-84B54A077414}"/>
                 </a:ext>
               </a:extLst>
             </p:cNvPr>
@@ -21446,7 +25993,7 @@
               <p:cNvPr id="20" name="Object 29">
                 <a:extLst>
                   <a:ext uri="{FF2B5EF4-FFF2-40B4-BE49-F238E27FC236}">
-                    <a16:creationId xmlns="" xmlns:a16="http://schemas.microsoft.com/office/drawing/2014/main" id="{7B078609-4286-7B00-51EB-809C8E2DE289}"/>
+                    <a16:creationId xmlns:a16="http://schemas.microsoft.com/office/drawing/2014/main" id="{7B078609-4286-7B00-51EB-809C8E2DE289}"/>
                   </a:ext>
                 </a:extLst>
               </p:cNvPr>
@@ -21477,7 +26024,7 @@
             <p:cNvPr id="16" name="그룹 1010">
               <a:extLst>
                 <a:ext uri="{FF2B5EF4-FFF2-40B4-BE49-F238E27FC236}">
-                  <a16:creationId xmlns="" xmlns:a16="http://schemas.microsoft.com/office/drawing/2014/main" id="{02A649BF-B5B5-FBAF-7DFD-E118A4DF8907}"/>
+                  <a16:creationId xmlns:a16="http://schemas.microsoft.com/office/drawing/2014/main" id="{02A649BF-B5B5-FBAF-7DFD-E118A4DF8907}"/>
                 </a:ext>
               </a:extLst>
             </p:cNvPr>
@@ -21497,7 +26044,7 @@
               <p:cNvPr id="19" name="Object 32">
                 <a:extLst>
                   <a:ext uri="{FF2B5EF4-FFF2-40B4-BE49-F238E27FC236}">
-                    <a16:creationId xmlns="" xmlns:a16="http://schemas.microsoft.com/office/drawing/2014/main" id="{2A0FFF23-B3C9-3EA0-1C1B-A87D4FF098AE}"/>
+                    <a16:creationId xmlns:a16="http://schemas.microsoft.com/office/drawing/2014/main" id="{2A0FFF23-B3C9-3EA0-1C1B-A87D4FF098AE}"/>
                   </a:ext>
                 </a:extLst>
               </p:cNvPr>
@@ -21528,7 +26075,7 @@
             <p:cNvPr id="17" name="그룹 1011">
               <a:extLst>
                 <a:ext uri="{FF2B5EF4-FFF2-40B4-BE49-F238E27FC236}">
-                  <a16:creationId xmlns="" xmlns:a16="http://schemas.microsoft.com/office/drawing/2014/main" id="{881F5410-F7FB-F261-A584-707359BAC593}"/>
+                  <a16:creationId xmlns:a16="http://schemas.microsoft.com/office/drawing/2014/main" id="{881F5410-F7FB-F261-A584-707359BAC593}"/>
                 </a:ext>
               </a:extLst>
             </p:cNvPr>
@@ -21548,7 +26095,7 @@
               <p:cNvPr id="18" name="Object 35">
                 <a:extLst>
                   <a:ext uri="{FF2B5EF4-FFF2-40B4-BE49-F238E27FC236}">
-                    <a16:creationId xmlns="" xmlns:a16="http://schemas.microsoft.com/office/drawing/2014/main" id="{4E99E669-73EB-F9F4-EFE8-DC107035C265}"/>
+                    <a16:creationId xmlns:a16="http://schemas.microsoft.com/office/drawing/2014/main" id="{4E99E669-73EB-F9F4-EFE8-DC107035C265}"/>
                   </a:ext>
                 </a:extLst>
               </p:cNvPr>
@@ -21904,7 +26451,7 @@
           <p:cNvPr id="9" name="직사각형 8">
             <a:extLst>
               <a:ext uri="{FF2B5EF4-FFF2-40B4-BE49-F238E27FC236}">
-                <a16:creationId xmlns:a16="http://schemas.microsoft.com/office/drawing/2014/main" xmlns="" id="{FFF506F9-840A-0508-4CAF-3AC711D8D5CE}"/>
+                <a16:creationId xmlns:a16="http://schemas.microsoft.com/office/drawing/2014/main" id="{FFF506F9-840A-0508-4CAF-3AC711D8D5CE}"/>
               </a:ext>
             </a:extLst>
           </p:cNvPr>
@@ -21956,7 +26503,7 @@
           <p:cNvPr id="10" name="직선 화살표 연결선 9">
             <a:extLst>
               <a:ext uri="{FF2B5EF4-FFF2-40B4-BE49-F238E27FC236}">
-                <a16:creationId xmlns="" xmlns:a16="http://schemas.microsoft.com/office/drawing/2014/main" id="{299DF5EC-9DF4-5255-06AC-0A7CE4FF58C3}"/>
+                <a16:creationId xmlns:a16="http://schemas.microsoft.com/office/drawing/2014/main" id="{299DF5EC-9DF4-5255-06AC-0A7CE4FF58C3}"/>
               </a:ext>
             </a:extLst>
           </p:cNvPr>
@@ -21997,7 +26544,7 @@
           <p:cNvPr id="12" name="TextBox 11">
             <a:extLst>
               <a:ext uri="{FF2B5EF4-FFF2-40B4-BE49-F238E27FC236}">
-                <a16:creationId xmlns="" xmlns:a16="http://schemas.microsoft.com/office/drawing/2014/main" id="{C6D113C6-EA5C-788F-0C77-E7CE6EBB865F}"/>
+                <a16:creationId xmlns:a16="http://schemas.microsoft.com/office/drawing/2014/main" id="{C6D113C6-EA5C-788F-0C77-E7CE6EBB865F}"/>
               </a:ext>
             </a:extLst>
           </p:cNvPr>
@@ -22021,7 +26568,7 @@
           <a:lstStyle/>
           <a:p>
             <a:r>
-              <a:rPr lang="ko-KR" altLang="en-US" sz="4000" smtClean="0">
+              <a:rPr lang="ko-KR" altLang="en-US" sz="4000">
                 <a:solidFill>
                   <a:srgbClr val="FF0000"/>
                 </a:solidFill>
@@ -22031,7 +26578,7 @@
               <a:t>자식에서 생성된 멤버들은 부모에 영향을 주지 않는다</a:t>
             </a:r>
             <a:r>
-              <a:rPr lang="en-US" altLang="ko-KR" sz="4000" smtClean="0">
+              <a:rPr lang="en-US" altLang="ko-KR" sz="4000">
                 <a:solidFill>
                   <a:srgbClr val="FF0000"/>
                 </a:solidFill>

--- a/JavaLecture/LectureFile/java 9강.pptx
+++ b/JavaLecture/LectureFile/java 9강.pptx
@@ -5,7 +5,7 @@
     <p:sldMasterId id="2147483648" r:id="rId1"/>
   </p:sldMasterIdLst>
   <p:notesMasterIdLst>
-    <p:notesMasterId r:id="rId54"/>
+    <p:notesMasterId r:id="rId51"/>
   </p:notesMasterIdLst>
   <p:sldIdLst>
     <p:sldId id="257" r:id="rId2"/>
@@ -41,25 +41,22 @@
     <p:sldId id="624" r:id="rId32"/>
     <p:sldId id="634" r:id="rId33"/>
     <p:sldId id="635" r:id="rId34"/>
-    <p:sldId id="636" r:id="rId35"/>
-    <p:sldId id="374" r:id="rId36"/>
-    <p:sldId id="642" r:id="rId37"/>
-    <p:sldId id="637" r:id="rId38"/>
-    <p:sldId id="640" r:id="rId39"/>
-    <p:sldId id="641" r:id="rId40"/>
-    <p:sldId id="643" r:id="rId41"/>
-    <p:sldId id="644" r:id="rId42"/>
-    <p:sldId id="645" r:id="rId43"/>
-    <p:sldId id="646" r:id="rId44"/>
-    <p:sldId id="647" r:id="rId45"/>
-    <p:sldId id="648" r:id="rId46"/>
-    <p:sldId id="652" r:id="rId47"/>
-    <p:sldId id="649" r:id="rId48"/>
-    <p:sldId id="650" r:id="rId49"/>
-    <p:sldId id="651" r:id="rId50"/>
-    <p:sldId id="607" r:id="rId51"/>
-    <p:sldId id="639" r:id="rId52"/>
-    <p:sldId id="275" r:id="rId53"/>
+    <p:sldId id="374" r:id="rId35"/>
+    <p:sldId id="642" r:id="rId36"/>
+    <p:sldId id="637" r:id="rId37"/>
+    <p:sldId id="640" r:id="rId38"/>
+    <p:sldId id="641" r:id="rId39"/>
+    <p:sldId id="643" r:id="rId40"/>
+    <p:sldId id="644" r:id="rId41"/>
+    <p:sldId id="645" r:id="rId42"/>
+    <p:sldId id="646" r:id="rId43"/>
+    <p:sldId id="647" r:id="rId44"/>
+    <p:sldId id="648" r:id="rId45"/>
+    <p:sldId id="652" r:id="rId46"/>
+    <p:sldId id="649" r:id="rId47"/>
+    <p:sldId id="650" r:id="rId48"/>
+    <p:sldId id="651" r:id="rId49"/>
+    <p:sldId id="275" r:id="rId50"/>
   </p:sldIdLst>
   <p:sldSz cx="18288000" cy="10287000"/>
   <p:notesSz cx="10287000" cy="18288000"/>
@@ -259,7 +256,7 @@
           <a:p>
             <a:fld id="{D79F2C30-10E1-4C46-91DC-BBDB9629E720}" type="datetimeFigureOut">
               <a:rPr lang="ko-KR" altLang="en-US" smtClean="0"/>
-              <a:t>2023-02-25 Saturday</a:t>
+              <a:t>2023-02-25</a:t>
             </a:fld>
             <a:endParaRPr lang="ko-KR" altLang="en-US"/>
           </a:p>
@@ -611,6 +608,90 @@
 </file>
 
 <file path=ppt/notesSlides/notesSlide2.xml><?xml version="1.0" encoding="utf-8"?>
+<p:notes xmlns:a="http://schemas.openxmlformats.org/drawingml/2006/main" xmlns:r="http://schemas.openxmlformats.org/officeDocument/2006/relationships" xmlns:p="http://schemas.openxmlformats.org/presentationml/2006/main">
+  <p:cSld>
+    <p:spTree>
+      <p:nvGrpSpPr>
+        <p:cNvPr id="1" name=""/>
+        <p:cNvGrpSpPr/>
+        <p:nvPr/>
+      </p:nvGrpSpPr>
+      <p:grpSpPr>
+        <a:xfrm>
+          <a:off x="0" y="0"/>
+          <a:ext cx="0" cy="0"/>
+          <a:chOff x="0" y="0"/>
+          <a:chExt cx="0" cy="0"/>
+        </a:xfrm>
+      </p:grpSpPr>
+      <p:sp>
+        <p:nvSpPr>
+          <p:cNvPr id="2" name="슬라이드 이미지 개체 틀 1"/>
+          <p:cNvSpPr>
+            <a:spLocks noGrp="1" noRot="1" noChangeAspect="1"/>
+          </p:cNvSpPr>
+          <p:nvPr>
+            <p:ph type="sldImg"/>
+          </p:nvPr>
+        </p:nvSpPr>
+        <p:spPr/>
+      </p:sp>
+      <p:sp>
+        <p:nvSpPr>
+          <p:cNvPr id="3" name="슬라이드 노트 개체 틀 2"/>
+          <p:cNvSpPr>
+            <a:spLocks noGrp="1"/>
+          </p:cNvSpPr>
+          <p:nvPr>
+            <p:ph type="body" idx="1"/>
+          </p:nvPr>
+        </p:nvSpPr>
+        <p:spPr/>
+        <p:txBody>
+          <a:bodyPr/>
+          <a:lstStyle/>
+          <a:p>
+            <a:endParaRPr lang="ko-KR" altLang="en-US"/>
+          </a:p>
+        </p:txBody>
+      </p:sp>
+      <p:sp>
+        <p:nvSpPr>
+          <p:cNvPr id="4" name="슬라이드 번호 개체 틀 3"/>
+          <p:cNvSpPr>
+            <a:spLocks noGrp="1"/>
+          </p:cNvSpPr>
+          <p:nvPr>
+            <p:ph type="sldNum" sz="quarter" idx="10"/>
+          </p:nvPr>
+        </p:nvSpPr>
+        <p:spPr/>
+        <p:txBody>
+          <a:bodyPr/>
+          <a:lstStyle/>
+          <a:p>
+            <a:fld id="{50FC2DCF-6074-47D8-9A40-8DDAA9ED0A57}" type="slidenum">
+              <a:rPr lang="ko-KR" altLang="en-US" smtClean="0"/>
+              <a:t>22</a:t>
+            </a:fld>
+            <a:endParaRPr lang="ko-KR" altLang="en-US"/>
+          </a:p>
+        </p:txBody>
+      </p:sp>
+    </p:spTree>
+    <p:extLst>
+      <p:ext uri="{BB962C8B-B14F-4D97-AF65-F5344CB8AC3E}">
+        <p14:creationId xmlns:p14="http://schemas.microsoft.com/office/powerpoint/2010/main" val="2207231050"/>
+      </p:ext>
+    </p:extLst>
+  </p:cSld>
+  <p:clrMapOvr>
+    <a:masterClrMapping/>
+  </p:clrMapOvr>
+</p:notes>
+</file>
+
+<file path=ppt/notesSlides/notesSlide3.xml><?xml version="1.0" encoding="utf-8"?>
 <p:notes xmlns:a="http://schemas.openxmlformats.org/drawingml/2006/main" xmlns:r="http://schemas.openxmlformats.org/officeDocument/2006/relationships" xmlns:p="http://schemas.openxmlformats.org/presentationml/2006/main">
   <p:cSld>
     <p:spTree>
@@ -3889,7 +3970,7 @@
           <p:cNvPr id="2" name="TextBox 1">
             <a:extLst>
               <a:ext uri="{FF2B5EF4-FFF2-40B4-BE49-F238E27FC236}">
-                <a16:creationId xmlns:a16="http://schemas.microsoft.com/office/drawing/2014/main" id="{E9A453A8-9968-67AB-7B4A-83EEB4662AA6}"/>
+                <a16:creationId xmlns:a16="http://schemas.microsoft.com/office/drawing/2014/main" xmlns="" id="{E9A453A8-9968-67AB-7B4A-83EEB4662AA6}"/>
               </a:ext>
             </a:extLst>
           </p:cNvPr>
@@ -3937,7 +4018,7 @@
           <p:cNvPr id="4" name="TextBox 3">
             <a:extLst>
               <a:ext uri="{FF2B5EF4-FFF2-40B4-BE49-F238E27FC236}">
-                <a16:creationId xmlns:a16="http://schemas.microsoft.com/office/drawing/2014/main" id="{F4B7A35A-8AAC-4622-64BC-CAD1472D4115}"/>
+                <a16:creationId xmlns:a16="http://schemas.microsoft.com/office/drawing/2014/main" xmlns="" id="{F4B7A35A-8AAC-4622-64BC-CAD1472D4115}"/>
               </a:ext>
             </a:extLst>
           </p:cNvPr>
@@ -4009,7 +4090,7 @@
           <p:cNvPr id="7" name="TextBox 6">
             <a:extLst>
               <a:ext uri="{FF2B5EF4-FFF2-40B4-BE49-F238E27FC236}">
-                <a16:creationId xmlns:a16="http://schemas.microsoft.com/office/drawing/2014/main" id="{3ACE900A-D779-4343-6623-8588B376F0A1}"/>
+                <a16:creationId xmlns:a16="http://schemas.microsoft.com/office/drawing/2014/main" xmlns="" id="{3ACE900A-D779-4343-6623-8588B376F0A1}"/>
               </a:ext>
             </a:extLst>
           </p:cNvPr>
@@ -4145,7 +4226,7 @@
           <p:cNvPr id="7" name="직선 화살표 연결선 6">
             <a:extLst>
               <a:ext uri="{FF2B5EF4-FFF2-40B4-BE49-F238E27FC236}">
-                <a16:creationId xmlns:a16="http://schemas.microsoft.com/office/drawing/2014/main" id="{299DF5EC-9DF4-5255-06AC-0A7CE4FF58C3}"/>
+                <a16:creationId xmlns:a16="http://schemas.microsoft.com/office/drawing/2014/main" xmlns="" id="{299DF5EC-9DF4-5255-06AC-0A7CE4FF58C3}"/>
               </a:ext>
             </a:extLst>
           </p:cNvPr>
@@ -4186,7 +4267,7 @@
           <p:cNvPr id="8" name="TextBox 7">
             <a:extLst>
               <a:ext uri="{FF2B5EF4-FFF2-40B4-BE49-F238E27FC236}">
-                <a16:creationId xmlns:a16="http://schemas.microsoft.com/office/drawing/2014/main" id="{C6D113C6-EA5C-788F-0C77-E7CE6EBB865F}"/>
+                <a16:creationId xmlns:a16="http://schemas.microsoft.com/office/drawing/2014/main" xmlns="" id="{C6D113C6-EA5C-788F-0C77-E7CE6EBB865F}"/>
               </a:ext>
             </a:extLst>
           </p:cNvPr>
@@ -4523,7 +4604,7 @@
           <p:cNvPr id="6" name="직선 화살표 연결선 5">
             <a:extLst>
               <a:ext uri="{FF2B5EF4-FFF2-40B4-BE49-F238E27FC236}">
-                <a16:creationId xmlns:a16="http://schemas.microsoft.com/office/drawing/2014/main" id="{299DF5EC-9DF4-5255-06AC-0A7CE4FF58C3}"/>
+                <a16:creationId xmlns:a16="http://schemas.microsoft.com/office/drawing/2014/main" xmlns="" id="{299DF5EC-9DF4-5255-06AC-0A7CE4FF58C3}"/>
               </a:ext>
             </a:extLst>
           </p:cNvPr>
@@ -4564,7 +4645,7 @@
           <p:cNvPr id="7" name="TextBox 6">
             <a:extLst>
               <a:ext uri="{FF2B5EF4-FFF2-40B4-BE49-F238E27FC236}">
-                <a16:creationId xmlns:a16="http://schemas.microsoft.com/office/drawing/2014/main" id="{C6D113C6-EA5C-788F-0C77-E7CE6EBB865F}"/>
+                <a16:creationId xmlns:a16="http://schemas.microsoft.com/office/drawing/2014/main" xmlns="" id="{C6D113C6-EA5C-788F-0C77-E7CE6EBB865F}"/>
               </a:ext>
             </a:extLst>
           </p:cNvPr>
@@ -4676,7 +4757,7 @@
           <p:cNvPr id="5" name="TextBox 4">
             <a:extLst>
               <a:ext uri="{FF2B5EF4-FFF2-40B4-BE49-F238E27FC236}">
-                <a16:creationId xmlns:a16="http://schemas.microsoft.com/office/drawing/2014/main" id="{C6D113C6-EA5C-788F-0C77-E7CE6EBB865F}"/>
+                <a16:creationId xmlns:a16="http://schemas.microsoft.com/office/drawing/2014/main" xmlns="" id="{C6D113C6-EA5C-788F-0C77-E7CE6EBB865F}"/>
               </a:ext>
             </a:extLst>
           </p:cNvPr>
@@ -4757,7 +4838,7 @@
           <p:cNvPr id="4" name="TextBox 3">
             <a:extLst>
               <a:ext uri="{FF2B5EF4-FFF2-40B4-BE49-F238E27FC236}">
-                <a16:creationId xmlns:a16="http://schemas.microsoft.com/office/drawing/2014/main" id="{5ADC00B6-990A-40DC-3CEA-505258F5E8DA}"/>
+                <a16:creationId xmlns:a16="http://schemas.microsoft.com/office/drawing/2014/main" xmlns="" id="{5ADC00B6-990A-40DC-3CEA-505258F5E8DA}"/>
               </a:ext>
             </a:extLst>
           </p:cNvPr>
@@ -4766,8 +4847,8 @@
         </p:nvSpPr>
         <p:spPr>
           <a:xfrm>
-            <a:off x="3124200" y="3467100"/>
-            <a:ext cx="11811000" cy="2308324"/>
+            <a:off x="3124200" y="3802440"/>
+            <a:ext cx="11811000" cy="1569660"/>
           </a:xfrm>
           <a:prstGeom prst="rect">
             <a:avLst/>
@@ -4781,36 +4862,24 @@
           <a:lstStyle/>
           <a:p>
             <a:r>
-              <a:rPr lang="ko-KR" altLang="en-US" sz="4800">
+              <a:rPr lang="ko-KR" altLang="en-US" sz="4800" smtClean="0">
                 <a:solidFill>
                   <a:srgbClr val="4C50BC"/>
                 </a:solidFill>
                 <a:latin typeface="G마켓 산스 Medium" panose="02000000000000000000" pitchFamily="50" charset="-127"/>
                 <a:ea typeface="G마켓 산스 Medium" panose="02000000000000000000" pitchFamily="50" charset="-127"/>
               </a:rPr>
-              <a:t>생성자는 상속되지 않지만</a:t>
-            </a:r>
-            <a:r>
-              <a:rPr lang="en-US" altLang="ko-KR" sz="4800">
+              <a:t>부모가 </a:t>
+            </a:r>
+            <a:r>
+              <a:rPr lang="ko-KR" altLang="en-US" sz="4800">
                 <a:solidFill>
                   <a:srgbClr val="4C50BC"/>
                 </a:solidFill>
                 <a:latin typeface="G마켓 산스 Medium" panose="02000000000000000000" pitchFamily="50" charset="-127"/>
                 <a:ea typeface="G마켓 산스 Medium" panose="02000000000000000000" pitchFamily="50" charset="-127"/>
               </a:rPr>
-              <a:t>..</a:t>
-            </a:r>
-          </a:p>
-          <a:p>
-            <a:r>
-              <a:rPr lang="ko-KR" altLang="en-US" sz="4800">
-                <a:solidFill>
-                  <a:srgbClr val="4C50BC"/>
-                </a:solidFill>
-                <a:latin typeface="G마켓 산스 Medium" panose="02000000000000000000" pitchFamily="50" charset="-127"/>
-                <a:ea typeface="G마켓 산스 Medium" panose="02000000000000000000" pitchFamily="50" charset="-127"/>
-              </a:rPr>
-              <a:t>부모가 디폴트 생성자를 만들지 않았다면 자식또한 디폴트 생성자를 허용하지 않는다</a:t>
+              <a:t>디폴트 생성자를 만들지 않았다면 자식또한 디폴트 생성자를 허용하지 않는다</a:t>
             </a:r>
             <a:r>
               <a:rPr lang="en-US" altLang="ko-KR" sz="4800">
@@ -4867,7 +4936,7 @@
           <p:cNvPr id="4" name="TextBox 3">
             <a:extLst>
               <a:ext uri="{FF2B5EF4-FFF2-40B4-BE49-F238E27FC236}">
-                <a16:creationId xmlns:a16="http://schemas.microsoft.com/office/drawing/2014/main" id="{C6D113C6-EA5C-788F-0C77-E7CE6EBB865F}"/>
+                <a16:creationId xmlns:a16="http://schemas.microsoft.com/office/drawing/2014/main" xmlns="" id="{C6D113C6-EA5C-788F-0C77-E7CE6EBB865F}"/>
               </a:ext>
             </a:extLst>
           </p:cNvPr>
@@ -5027,7 +5096,7 @@
           <p:cNvPr id="4" name="TextBox 3">
             <a:extLst>
               <a:ext uri="{FF2B5EF4-FFF2-40B4-BE49-F238E27FC236}">
-                <a16:creationId xmlns:a16="http://schemas.microsoft.com/office/drawing/2014/main" id="{5ADC00B6-990A-40DC-3CEA-505258F5E8DA}"/>
+                <a16:creationId xmlns:a16="http://schemas.microsoft.com/office/drawing/2014/main" xmlns="" id="{5ADC00B6-990A-40DC-3CEA-505258F5E8DA}"/>
               </a:ext>
             </a:extLst>
           </p:cNvPr>
@@ -5085,7 +5154,7 @@
           <p:cNvPr id="5" name="TextBox 4">
             <a:extLst>
               <a:ext uri="{FF2B5EF4-FFF2-40B4-BE49-F238E27FC236}">
-                <a16:creationId xmlns:a16="http://schemas.microsoft.com/office/drawing/2014/main" id="{A2AD056B-97A4-5BCC-4460-250160F3E171}"/>
+                <a16:creationId xmlns:a16="http://schemas.microsoft.com/office/drawing/2014/main" xmlns="" id="{A2AD056B-97A4-5BCC-4460-250160F3E171}"/>
               </a:ext>
             </a:extLst>
           </p:cNvPr>
@@ -5243,7 +5312,7 @@
           <p:cNvPr id="6" name="그룹 1015">
             <a:extLst>
               <a:ext uri="{FF2B5EF4-FFF2-40B4-BE49-F238E27FC236}">
-                <a16:creationId xmlns:a16="http://schemas.microsoft.com/office/drawing/2014/main" id="{76F5E01D-ECD6-A51D-DC2B-05DA1EBF93C7}"/>
+                <a16:creationId xmlns:a16="http://schemas.microsoft.com/office/drawing/2014/main" xmlns="" id="{76F5E01D-ECD6-A51D-DC2B-05DA1EBF93C7}"/>
               </a:ext>
             </a:extLst>
           </p:cNvPr>
@@ -5263,7 +5332,7 @@
             <p:cNvPr id="7" name="Object 52">
               <a:extLst>
                 <a:ext uri="{FF2B5EF4-FFF2-40B4-BE49-F238E27FC236}">
-                  <a16:creationId xmlns:a16="http://schemas.microsoft.com/office/drawing/2014/main" id="{D83975B3-46BC-7686-ECA1-1D7ECFA74A69}"/>
+                  <a16:creationId xmlns:a16="http://schemas.microsoft.com/office/drawing/2014/main" xmlns="" id="{D83975B3-46BC-7686-ECA1-1D7ECFA74A69}"/>
                 </a:ext>
               </a:extLst>
             </p:cNvPr>
@@ -5294,7 +5363,7 @@
           <p:cNvPr id="8" name="그룹 1018">
             <a:extLst>
               <a:ext uri="{FF2B5EF4-FFF2-40B4-BE49-F238E27FC236}">
-                <a16:creationId xmlns:a16="http://schemas.microsoft.com/office/drawing/2014/main" id="{008489BA-FEFA-DE7D-B3CD-53A358B82592}"/>
+                <a16:creationId xmlns:a16="http://schemas.microsoft.com/office/drawing/2014/main" xmlns="" id="{008489BA-FEFA-DE7D-B3CD-53A358B82592}"/>
               </a:ext>
             </a:extLst>
           </p:cNvPr>
@@ -5314,7 +5383,7 @@
             <p:cNvPr id="9" name="Object 61">
               <a:extLst>
                 <a:ext uri="{FF2B5EF4-FFF2-40B4-BE49-F238E27FC236}">
-                  <a16:creationId xmlns:a16="http://schemas.microsoft.com/office/drawing/2014/main" id="{9ED25BE3-45BE-AC6D-D835-4457854D2832}"/>
+                  <a16:creationId xmlns:a16="http://schemas.microsoft.com/office/drawing/2014/main" xmlns="" id="{9ED25BE3-45BE-AC6D-D835-4457854D2832}"/>
                 </a:ext>
               </a:extLst>
             </p:cNvPr>
@@ -5345,7 +5414,7 @@
           <p:cNvPr id="10" name="그룹 1021">
             <a:extLst>
               <a:ext uri="{FF2B5EF4-FFF2-40B4-BE49-F238E27FC236}">
-                <a16:creationId xmlns:a16="http://schemas.microsoft.com/office/drawing/2014/main" id="{7FE0C0A1-ABE4-F0EA-AFC1-4622C45C99E7}"/>
+                <a16:creationId xmlns:a16="http://schemas.microsoft.com/office/drawing/2014/main" xmlns="" id="{7FE0C0A1-ABE4-F0EA-AFC1-4622C45C99E7}"/>
               </a:ext>
             </a:extLst>
           </p:cNvPr>
@@ -5365,7 +5434,7 @@
             <p:cNvPr id="11" name="Object 71">
               <a:extLst>
                 <a:ext uri="{FF2B5EF4-FFF2-40B4-BE49-F238E27FC236}">
-                  <a16:creationId xmlns:a16="http://schemas.microsoft.com/office/drawing/2014/main" id="{CDBB7D83-509F-9F4C-0C3E-DBA2562E5520}"/>
+                  <a16:creationId xmlns:a16="http://schemas.microsoft.com/office/drawing/2014/main" xmlns="" id="{CDBB7D83-509F-9F4C-0C3E-DBA2562E5520}"/>
                 </a:ext>
               </a:extLst>
             </p:cNvPr>
@@ -5396,7 +5465,7 @@
           <p:cNvPr id="12" name="그룹 1024">
             <a:extLst>
               <a:ext uri="{FF2B5EF4-FFF2-40B4-BE49-F238E27FC236}">
-                <a16:creationId xmlns:a16="http://schemas.microsoft.com/office/drawing/2014/main" id="{8EB1611F-852C-9617-AEEB-CFA38FFF8001}"/>
+                <a16:creationId xmlns:a16="http://schemas.microsoft.com/office/drawing/2014/main" xmlns="" id="{8EB1611F-852C-9617-AEEB-CFA38FFF8001}"/>
               </a:ext>
             </a:extLst>
           </p:cNvPr>
@@ -5416,7 +5485,7 @@
             <p:cNvPr id="13" name="Object 81">
               <a:extLst>
                 <a:ext uri="{FF2B5EF4-FFF2-40B4-BE49-F238E27FC236}">
-                  <a16:creationId xmlns:a16="http://schemas.microsoft.com/office/drawing/2014/main" id="{08657582-A0DF-A5DC-A662-189C639920C8}"/>
+                  <a16:creationId xmlns:a16="http://schemas.microsoft.com/office/drawing/2014/main" xmlns="" id="{08657582-A0DF-A5DC-A662-189C639920C8}"/>
                 </a:ext>
               </a:extLst>
             </p:cNvPr>
@@ -5447,7 +5516,7 @@
           <p:cNvPr id="14" name="TextBox 13">
             <a:extLst>
               <a:ext uri="{FF2B5EF4-FFF2-40B4-BE49-F238E27FC236}">
-                <a16:creationId xmlns:a16="http://schemas.microsoft.com/office/drawing/2014/main" id="{FC41B7B2-904B-813A-22B8-239E383F4360}"/>
+                <a16:creationId xmlns:a16="http://schemas.microsoft.com/office/drawing/2014/main" xmlns="" id="{FC41B7B2-904B-813A-22B8-239E383F4360}"/>
               </a:ext>
             </a:extLst>
           </p:cNvPr>
@@ -5495,7 +5564,7 @@
           <p:cNvPr id="15" name="TextBox 14">
             <a:extLst>
               <a:ext uri="{FF2B5EF4-FFF2-40B4-BE49-F238E27FC236}">
-                <a16:creationId xmlns:a16="http://schemas.microsoft.com/office/drawing/2014/main" id="{F68B80B8-3419-5C31-B2F2-084E536A2C1C}"/>
+                <a16:creationId xmlns:a16="http://schemas.microsoft.com/office/drawing/2014/main" xmlns="" id="{F68B80B8-3419-5C31-B2F2-084E536A2C1C}"/>
               </a:ext>
             </a:extLst>
           </p:cNvPr>
@@ -5543,7 +5612,7 @@
           <p:cNvPr id="16" name="TextBox 15">
             <a:extLst>
               <a:ext uri="{FF2B5EF4-FFF2-40B4-BE49-F238E27FC236}">
-                <a16:creationId xmlns:a16="http://schemas.microsoft.com/office/drawing/2014/main" id="{CB471B39-052C-65D2-3069-C74FA7421876}"/>
+                <a16:creationId xmlns:a16="http://schemas.microsoft.com/office/drawing/2014/main" xmlns="" id="{CB471B39-052C-65D2-3069-C74FA7421876}"/>
               </a:ext>
             </a:extLst>
           </p:cNvPr>
@@ -5591,7 +5660,7 @@
           <p:cNvPr id="17" name="TextBox 16">
             <a:extLst>
               <a:ext uri="{FF2B5EF4-FFF2-40B4-BE49-F238E27FC236}">
-                <a16:creationId xmlns:a16="http://schemas.microsoft.com/office/drawing/2014/main" id="{4A7E270B-9322-EABD-3A34-4D211B23AD38}"/>
+                <a16:creationId xmlns:a16="http://schemas.microsoft.com/office/drawing/2014/main" xmlns="" id="{4A7E270B-9322-EABD-3A34-4D211B23AD38}"/>
               </a:ext>
             </a:extLst>
           </p:cNvPr>
@@ -5639,7 +5708,7 @@
           <p:cNvPr id="18" name="직선 화살표 연결선 17">
             <a:extLst>
               <a:ext uri="{FF2B5EF4-FFF2-40B4-BE49-F238E27FC236}">
-                <a16:creationId xmlns:a16="http://schemas.microsoft.com/office/drawing/2014/main" id="{174A1CAB-41DB-CBE5-A53E-D1E78982E7D5}"/>
+                <a16:creationId xmlns:a16="http://schemas.microsoft.com/office/drawing/2014/main" xmlns="" id="{174A1CAB-41DB-CBE5-A53E-D1E78982E7D5}"/>
               </a:ext>
             </a:extLst>
           </p:cNvPr>
@@ -5681,7 +5750,7 @@
           <p:cNvPr id="19" name="직선 화살표 연결선 18">
             <a:extLst>
               <a:ext uri="{FF2B5EF4-FFF2-40B4-BE49-F238E27FC236}">
-                <a16:creationId xmlns:a16="http://schemas.microsoft.com/office/drawing/2014/main" id="{404BE807-8974-325D-28CE-80CBD5A23FD9}"/>
+                <a16:creationId xmlns:a16="http://schemas.microsoft.com/office/drawing/2014/main" xmlns="" id="{404BE807-8974-325D-28CE-80CBD5A23FD9}"/>
               </a:ext>
             </a:extLst>
           </p:cNvPr>
@@ -5722,7 +5791,7 @@
           <p:cNvPr id="20" name="직선 화살표 연결선 19">
             <a:extLst>
               <a:ext uri="{FF2B5EF4-FFF2-40B4-BE49-F238E27FC236}">
-                <a16:creationId xmlns:a16="http://schemas.microsoft.com/office/drawing/2014/main" id="{8238D4B2-69F6-F17A-0286-66A8FB197956}"/>
+                <a16:creationId xmlns:a16="http://schemas.microsoft.com/office/drawing/2014/main" xmlns="" id="{8238D4B2-69F6-F17A-0286-66A8FB197956}"/>
               </a:ext>
             </a:extLst>
           </p:cNvPr>
@@ -5764,7 +5833,7 @@
           <p:cNvPr id="21" name="직선 화살표 연결선 20">
             <a:extLst>
               <a:ext uri="{FF2B5EF4-FFF2-40B4-BE49-F238E27FC236}">
-                <a16:creationId xmlns:a16="http://schemas.microsoft.com/office/drawing/2014/main" id="{404BE807-8974-325D-28CE-80CBD5A23FD9}"/>
+                <a16:creationId xmlns:a16="http://schemas.microsoft.com/office/drawing/2014/main" xmlns="" id="{404BE807-8974-325D-28CE-80CBD5A23FD9}"/>
               </a:ext>
             </a:extLst>
           </p:cNvPr>
@@ -5805,7 +5874,7 @@
           <p:cNvPr id="22" name="그룹 1021">
             <a:extLst>
               <a:ext uri="{FF2B5EF4-FFF2-40B4-BE49-F238E27FC236}">
-                <a16:creationId xmlns:a16="http://schemas.microsoft.com/office/drawing/2014/main" id="{7FE0C0A1-ABE4-F0EA-AFC1-4622C45C99E7}"/>
+                <a16:creationId xmlns:a16="http://schemas.microsoft.com/office/drawing/2014/main" xmlns="" id="{7FE0C0A1-ABE4-F0EA-AFC1-4622C45C99E7}"/>
               </a:ext>
             </a:extLst>
           </p:cNvPr>
@@ -5825,7 +5894,7 @@
             <p:cNvPr id="23" name="Object 71">
               <a:extLst>
                 <a:ext uri="{FF2B5EF4-FFF2-40B4-BE49-F238E27FC236}">
-                  <a16:creationId xmlns:a16="http://schemas.microsoft.com/office/drawing/2014/main" id="{CDBB7D83-509F-9F4C-0C3E-DBA2562E5520}"/>
+                  <a16:creationId xmlns:a16="http://schemas.microsoft.com/office/drawing/2014/main" xmlns="" id="{CDBB7D83-509F-9F4C-0C3E-DBA2562E5520}"/>
                 </a:ext>
               </a:extLst>
             </p:cNvPr>
@@ -5856,7 +5925,7 @@
           <p:cNvPr id="24" name="TextBox 23">
             <a:extLst>
               <a:ext uri="{FF2B5EF4-FFF2-40B4-BE49-F238E27FC236}">
-                <a16:creationId xmlns:a16="http://schemas.microsoft.com/office/drawing/2014/main" id="{CB471B39-052C-65D2-3069-C74FA7421876}"/>
+                <a16:creationId xmlns:a16="http://schemas.microsoft.com/office/drawing/2014/main" xmlns="" id="{CB471B39-052C-65D2-3069-C74FA7421876}"/>
               </a:ext>
             </a:extLst>
           </p:cNvPr>
@@ -6526,7 +6595,7 @@
           <p:cNvPr id="8" name="직선 화살표 연결선 7">
             <a:extLst>
               <a:ext uri="{FF2B5EF4-FFF2-40B4-BE49-F238E27FC236}">
-                <a16:creationId xmlns:a16="http://schemas.microsoft.com/office/drawing/2014/main" id="{299DF5EC-9DF4-5255-06AC-0A7CE4FF58C3}"/>
+                <a16:creationId xmlns:a16="http://schemas.microsoft.com/office/drawing/2014/main" xmlns="" id="{299DF5EC-9DF4-5255-06AC-0A7CE4FF58C3}"/>
               </a:ext>
             </a:extLst>
           </p:cNvPr>
@@ -6567,7 +6636,7 @@
           <p:cNvPr id="9" name="직사각형 8">
             <a:extLst>
               <a:ext uri="{FF2B5EF4-FFF2-40B4-BE49-F238E27FC236}">
-                <a16:creationId xmlns:a16="http://schemas.microsoft.com/office/drawing/2014/main" id="{FFF506F9-840A-0508-4CAF-3AC711D8D5CE}"/>
+                <a16:creationId xmlns:a16="http://schemas.microsoft.com/office/drawing/2014/main" xmlns="" id="{FFF506F9-840A-0508-4CAF-3AC711D8D5CE}"/>
               </a:ext>
             </a:extLst>
           </p:cNvPr>
@@ -6619,7 +6688,7 @@
           <p:cNvPr id="10" name="TextBox 9">
             <a:extLst>
               <a:ext uri="{FF2B5EF4-FFF2-40B4-BE49-F238E27FC236}">
-                <a16:creationId xmlns:a16="http://schemas.microsoft.com/office/drawing/2014/main" id="{C6D113C6-EA5C-788F-0C77-E7CE6EBB865F}"/>
+                <a16:creationId xmlns:a16="http://schemas.microsoft.com/office/drawing/2014/main" xmlns="" id="{C6D113C6-EA5C-788F-0C77-E7CE6EBB865F}"/>
               </a:ext>
             </a:extLst>
           </p:cNvPr>
@@ -6667,7 +6736,7 @@
           <p:cNvPr id="12" name="직선 화살표 연결선 11">
             <a:extLst>
               <a:ext uri="{FF2B5EF4-FFF2-40B4-BE49-F238E27FC236}">
-                <a16:creationId xmlns:a16="http://schemas.microsoft.com/office/drawing/2014/main" id="{299DF5EC-9DF4-5255-06AC-0A7CE4FF58C3}"/>
+                <a16:creationId xmlns:a16="http://schemas.microsoft.com/office/drawing/2014/main" xmlns="" id="{299DF5EC-9DF4-5255-06AC-0A7CE4FF58C3}"/>
               </a:ext>
             </a:extLst>
           </p:cNvPr>
@@ -6708,7 +6777,7 @@
           <p:cNvPr id="13" name="직사각형 12">
             <a:extLst>
               <a:ext uri="{FF2B5EF4-FFF2-40B4-BE49-F238E27FC236}">
-                <a16:creationId xmlns:a16="http://schemas.microsoft.com/office/drawing/2014/main" id="{FFF506F9-840A-0508-4CAF-3AC711D8D5CE}"/>
+                <a16:creationId xmlns:a16="http://schemas.microsoft.com/office/drawing/2014/main" xmlns="" id="{FFF506F9-840A-0508-4CAF-3AC711D8D5CE}"/>
               </a:ext>
             </a:extLst>
           </p:cNvPr>
@@ -6760,7 +6829,7 @@
           <p:cNvPr id="14" name="TextBox 13">
             <a:extLst>
               <a:ext uri="{FF2B5EF4-FFF2-40B4-BE49-F238E27FC236}">
-                <a16:creationId xmlns:a16="http://schemas.microsoft.com/office/drawing/2014/main" id="{C6D113C6-EA5C-788F-0C77-E7CE6EBB865F}"/>
+                <a16:creationId xmlns:a16="http://schemas.microsoft.com/office/drawing/2014/main" xmlns="" id="{C6D113C6-EA5C-788F-0C77-E7CE6EBB865F}"/>
               </a:ext>
             </a:extLst>
           </p:cNvPr>
@@ -6808,7 +6877,7 @@
           <p:cNvPr id="15" name="직사각형 14">
             <a:extLst>
               <a:ext uri="{FF2B5EF4-FFF2-40B4-BE49-F238E27FC236}">
-                <a16:creationId xmlns:a16="http://schemas.microsoft.com/office/drawing/2014/main" id="{FFF506F9-840A-0508-4CAF-3AC711D8D5CE}"/>
+                <a16:creationId xmlns:a16="http://schemas.microsoft.com/office/drawing/2014/main" xmlns="" id="{FFF506F9-840A-0508-4CAF-3AC711D8D5CE}"/>
               </a:ext>
             </a:extLst>
           </p:cNvPr>
@@ -6860,7 +6929,7 @@
           <p:cNvPr id="16" name="직선 화살표 연결선 15">
             <a:extLst>
               <a:ext uri="{FF2B5EF4-FFF2-40B4-BE49-F238E27FC236}">
-                <a16:creationId xmlns:a16="http://schemas.microsoft.com/office/drawing/2014/main" id="{299DF5EC-9DF4-5255-06AC-0A7CE4FF58C3}"/>
+                <a16:creationId xmlns:a16="http://schemas.microsoft.com/office/drawing/2014/main" xmlns="" id="{299DF5EC-9DF4-5255-06AC-0A7CE4FF58C3}"/>
               </a:ext>
             </a:extLst>
           </p:cNvPr>
@@ -6901,7 +6970,7 @@
           <p:cNvPr id="17" name="TextBox 16">
             <a:extLst>
               <a:ext uri="{FF2B5EF4-FFF2-40B4-BE49-F238E27FC236}">
-                <a16:creationId xmlns:a16="http://schemas.microsoft.com/office/drawing/2014/main" id="{C6D113C6-EA5C-788F-0C77-E7CE6EBB865F}"/>
+                <a16:creationId xmlns:a16="http://schemas.microsoft.com/office/drawing/2014/main" xmlns="" id="{C6D113C6-EA5C-788F-0C77-E7CE6EBB865F}"/>
               </a:ext>
             </a:extLst>
           </p:cNvPr>
@@ -6949,7 +7018,7 @@
           <p:cNvPr id="18" name="TextBox 17">
             <a:extLst>
               <a:ext uri="{FF2B5EF4-FFF2-40B4-BE49-F238E27FC236}">
-                <a16:creationId xmlns:a16="http://schemas.microsoft.com/office/drawing/2014/main" id="{5ADC00B6-990A-40DC-3CEA-505258F5E8DA}"/>
+                <a16:creationId xmlns:a16="http://schemas.microsoft.com/office/drawing/2014/main" xmlns="" id="{5ADC00B6-990A-40DC-3CEA-505258F5E8DA}"/>
               </a:ext>
             </a:extLst>
           </p:cNvPr>
@@ -7449,7 +7518,7 @@
           <p:cNvPr id="8" name="TextBox 7">
             <a:extLst>
               <a:ext uri="{FF2B5EF4-FFF2-40B4-BE49-F238E27FC236}">
-                <a16:creationId xmlns:a16="http://schemas.microsoft.com/office/drawing/2014/main" id="{5ADC00B6-990A-40DC-3CEA-505258F5E8DA}"/>
+                <a16:creationId xmlns:a16="http://schemas.microsoft.com/office/drawing/2014/main" xmlns="" id="{5ADC00B6-990A-40DC-3CEA-505258F5E8DA}"/>
               </a:ext>
             </a:extLst>
           </p:cNvPr>
@@ -7845,7 +7914,7 @@
           <p:cNvPr id="4" name="TextBox 3">
             <a:extLst>
               <a:ext uri="{FF2B5EF4-FFF2-40B4-BE49-F238E27FC236}">
-                <a16:creationId xmlns:a16="http://schemas.microsoft.com/office/drawing/2014/main" id="{5ADC00B6-990A-40DC-3CEA-505258F5E8DA}"/>
+                <a16:creationId xmlns:a16="http://schemas.microsoft.com/office/drawing/2014/main" xmlns="" id="{5ADC00B6-990A-40DC-3CEA-505258F5E8DA}"/>
               </a:ext>
             </a:extLst>
           </p:cNvPr>
@@ -7917,7 +7986,7 @@
           <p:cNvPr id="6" name="직선 화살표 연결선 5">
             <a:extLst>
               <a:ext uri="{FF2B5EF4-FFF2-40B4-BE49-F238E27FC236}">
-                <a16:creationId xmlns:a16="http://schemas.microsoft.com/office/drawing/2014/main" id="{299DF5EC-9DF4-5255-06AC-0A7CE4FF58C3}"/>
+                <a16:creationId xmlns:a16="http://schemas.microsoft.com/office/drawing/2014/main" xmlns="" id="{299DF5EC-9DF4-5255-06AC-0A7CE4FF58C3}"/>
               </a:ext>
             </a:extLst>
           </p:cNvPr>
@@ -7958,7 +8027,7 @@
           <p:cNvPr id="7" name="TextBox 6">
             <a:extLst>
               <a:ext uri="{FF2B5EF4-FFF2-40B4-BE49-F238E27FC236}">
-                <a16:creationId xmlns:a16="http://schemas.microsoft.com/office/drawing/2014/main" id="{C6D113C6-EA5C-788F-0C77-E7CE6EBB865F}"/>
+                <a16:creationId xmlns:a16="http://schemas.microsoft.com/office/drawing/2014/main" xmlns="" id="{C6D113C6-EA5C-788F-0C77-E7CE6EBB865F}"/>
               </a:ext>
             </a:extLst>
           </p:cNvPr>
@@ -8314,7 +8383,7 @@
           <p:cNvPr id="11" name="TextBox 10">
             <a:extLst>
               <a:ext uri="{FF2B5EF4-FFF2-40B4-BE49-F238E27FC236}">
-                <a16:creationId xmlns:a16="http://schemas.microsoft.com/office/drawing/2014/main" id="{9F88F580-08BE-88C2-D640-13F0026591CB}"/>
+                <a16:creationId xmlns:a16="http://schemas.microsoft.com/office/drawing/2014/main" xmlns="" id="{9F88F580-08BE-88C2-D640-13F0026591CB}"/>
               </a:ext>
             </a:extLst>
           </p:cNvPr>
@@ -8382,7 +8451,7 @@
           <p:cNvPr id="13" name="TextBox 12">
             <a:extLst>
               <a:ext uri="{FF2B5EF4-FFF2-40B4-BE49-F238E27FC236}">
-                <a16:creationId xmlns:a16="http://schemas.microsoft.com/office/drawing/2014/main" id="{72769C28-9BB6-DE9C-7B6F-264B77B8DD0E}"/>
+                <a16:creationId xmlns:a16="http://schemas.microsoft.com/office/drawing/2014/main" xmlns="" id="{72769C28-9BB6-DE9C-7B6F-264B77B8DD0E}"/>
               </a:ext>
             </a:extLst>
           </p:cNvPr>
@@ -8430,7 +8499,7 @@
           <p:cNvPr id="14" name="TextBox 13">
             <a:extLst>
               <a:ext uri="{FF2B5EF4-FFF2-40B4-BE49-F238E27FC236}">
-                <a16:creationId xmlns:a16="http://schemas.microsoft.com/office/drawing/2014/main" id="{270FBB6A-01CE-5637-78DA-58F0C974145C}"/>
+                <a16:creationId xmlns:a16="http://schemas.microsoft.com/office/drawing/2014/main" xmlns="" id="{270FBB6A-01CE-5637-78DA-58F0C974145C}"/>
               </a:ext>
             </a:extLst>
           </p:cNvPr>
@@ -8478,7 +8547,7 @@
           <p:cNvPr id="2" name="Object 17">
             <a:extLst>
               <a:ext uri="{FF2B5EF4-FFF2-40B4-BE49-F238E27FC236}">
-                <a16:creationId xmlns:a16="http://schemas.microsoft.com/office/drawing/2014/main" id="{140B283D-FE58-FA6F-6F7C-E0F1DBB62A65}"/>
+                <a16:creationId xmlns:a16="http://schemas.microsoft.com/office/drawing/2014/main" xmlns="" id="{140B283D-FE58-FA6F-6F7C-E0F1DBB62A65}"/>
               </a:ext>
             </a:extLst>
           </p:cNvPr>
@@ -8508,7 +8577,7 @@
           <p:cNvPr id="4" name="TextBox 3">
             <a:extLst>
               <a:ext uri="{FF2B5EF4-FFF2-40B4-BE49-F238E27FC236}">
-                <a16:creationId xmlns:a16="http://schemas.microsoft.com/office/drawing/2014/main" id="{2C8D0998-79BC-6FD2-59D9-8052B4A25F65}"/>
+                <a16:creationId xmlns:a16="http://schemas.microsoft.com/office/drawing/2014/main" xmlns="" id="{2C8D0998-79BC-6FD2-59D9-8052B4A25F65}"/>
               </a:ext>
             </a:extLst>
           </p:cNvPr>
@@ -8566,7 +8635,7 @@
           <p:cNvPr id="5" name="Object 18">
             <a:extLst>
               <a:ext uri="{FF2B5EF4-FFF2-40B4-BE49-F238E27FC236}">
-                <a16:creationId xmlns:a16="http://schemas.microsoft.com/office/drawing/2014/main" id="{3F58EA3E-1018-64D3-FAB2-4F6B9618FA56}"/>
+                <a16:creationId xmlns:a16="http://schemas.microsoft.com/office/drawing/2014/main" xmlns="" id="{3F58EA3E-1018-64D3-FAB2-4F6B9618FA56}"/>
               </a:ext>
             </a:extLst>
           </p:cNvPr>
@@ -8596,7 +8665,7 @@
           <p:cNvPr id="8" name="TextBox 7">
             <a:extLst>
               <a:ext uri="{FF2B5EF4-FFF2-40B4-BE49-F238E27FC236}">
-                <a16:creationId xmlns:a16="http://schemas.microsoft.com/office/drawing/2014/main" id="{681D3F16-7DCF-41AD-F5F1-0558C78C0E4D}"/>
+                <a16:creationId xmlns:a16="http://schemas.microsoft.com/office/drawing/2014/main" xmlns="" id="{681D3F16-7DCF-41AD-F5F1-0558C78C0E4D}"/>
               </a:ext>
             </a:extLst>
           </p:cNvPr>
@@ -8669,7 +8738,7 @@
           <p:cNvPr id="4" name="TextBox 3">
             <a:extLst>
               <a:ext uri="{FF2B5EF4-FFF2-40B4-BE49-F238E27FC236}">
-                <a16:creationId xmlns:a16="http://schemas.microsoft.com/office/drawing/2014/main" id="{5ADC00B6-990A-40DC-3CEA-505258F5E8DA}"/>
+                <a16:creationId xmlns:a16="http://schemas.microsoft.com/office/drawing/2014/main" xmlns="" id="{5ADC00B6-990A-40DC-3CEA-505258F5E8DA}"/>
               </a:ext>
             </a:extLst>
           </p:cNvPr>
@@ -8741,7 +8810,7 @@
           <p:cNvPr id="6" name="TextBox 5">
             <a:extLst>
               <a:ext uri="{FF2B5EF4-FFF2-40B4-BE49-F238E27FC236}">
-                <a16:creationId xmlns:a16="http://schemas.microsoft.com/office/drawing/2014/main" id="{C6D113C6-EA5C-788F-0C77-E7CE6EBB865F}"/>
+                <a16:creationId xmlns:a16="http://schemas.microsoft.com/office/drawing/2014/main" xmlns="" id="{C6D113C6-EA5C-788F-0C77-E7CE6EBB865F}"/>
               </a:ext>
             </a:extLst>
           </p:cNvPr>
@@ -9248,7 +9317,7 @@
           <p:cNvPr id="104" name="TextBox 103">
             <a:extLst>
               <a:ext uri="{FF2B5EF4-FFF2-40B4-BE49-F238E27FC236}">
-                <a16:creationId xmlns:a16="http://schemas.microsoft.com/office/drawing/2014/main" id="{5ADC00B6-990A-40DC-3CEA-505258F5E8DA}"/>
+                <a16:creationId xmlns:a16="http://schemas.microsoft.com/office/drawing/2014/main" xmlns="" id="{5ADC00B6-990A-40DC-3CEA-505258F5E8DA}"/>
               </a:ext>
             </a:extLst>
           </p:cNvPr>
@@ -9296,7 +9365,7 @@
           <p:cNvPr id="105" name="TextBox 104">
             <a:extLst>
               <a:ext uri="{FF2B5EF4-FFF2-40B4-BE49-F238E27FC236}">
-                <a16:creationId xmlns:a16="http://schemas.microsoft.com/office/drawing/2014/main" id="{5ADC00B6-990A-40DC-3CEA-505258F5E8DA}"/>
+                <a16:creationId xmlns:a16="http://schemas.microsoft.com/office/drawing/2014/main" xmlns="" id="{5ADC00B6-990A-40DC-3CEA-505258F5E8DA}"/>
               </a:ext>
             </a:extLst>
           </p:cNvPr>
@@ -9344,7 +9413,7 @@
           <p:cNvPr id="106" name="TextBox 105">
             <a:extLst>
               <a:ext uri="{FF2B5EF4-FFF2-40B4-BE49-F238E27FC236}">
-                <a16:creationId xmlns:a16="http://schemas.microsoft.com/office/drawing/2014/main" id="{A2AD056B-97A4-5BCC-4460-250160F3E171}"/>
+                <a16:creationId xmlns:a16="http://schemas.microsoft.com/office/drawing/2014/main" xmlns="" id="{A2AD056B-97A4-5BCC-4460-250160F3E171}"/>
               </a:ext>
             </a:extLst>
           </p:cNvPr>
@@ -9411,7 +9480,7 @@
           <p:cNvPr id="107" name="TextBox 106">
             <a:extLst>
               <a:ext uri="{FF2B5EF4-FFF2-40B4-BE49-F238E27FC236}">
-                <a16:creationId xmlns:a16="http://schemas.microsoft.com/office/drawing/2014/main" id="{A2AD056B-97A4-5BCC-4460-250160F3E171}"/>
+                <a16:creationId xmlns:a16="http://schemas.microsoft.com/office/drawing/2014/main" xmlns="" id="{A2AD056B-97A4-5BCC-4460-250160F3E171}"/>
               </a:ext>
             </a:extLst>
           </p:cNvPr>
@@ -9478,7 +9547,7 @@
           <p:cNvPr id="108" name="TextBox 107">
             <a:extLst>
               <a:ext uri="{FF2B5EF4-FFF2-40B4-BE49-F238E27FC236}">
-                <a16:creationId xmlns:a16="http://schemas.microsoft.com/office/drawing/2014/main" id="{A2AD056B-97A4-5BCC-4460-250160F3E171}"/>
+                <a16:creationId xmlns:a16="http://schemas.microsoft.com/office/drawing/2014/main" xmlns="" id="{A2AD056B-97A4-5BCC-4460-250160F3E171}"/>
               </a:ext>
             </a:extLst>
           </p:cNvPr>
@@ -9558,7 +9627,7 @@
           <p:cNvPr id="109" name="TextBox 108">
             <a:extLst>
               <a:ext uri="{FF2B5EF4-FFF2-40B4-BE49-F238E27FC236}">
-                <a16:creationId xmlns:a16="http://schemas.microsoft.com/office/drawing/2014/main" id="{A2AD056B-97A4-5BCC-4460-250160F3E171}"/>
+                <a16:creationId xmlns:a16="http://schemas.microsoft.com/office/drawing/2014/main" xmlns="" id="{A2AD056B-97A4-5BCC-4460-250160F3E171}"/>
               </a:ext>
             </a:extLst>
           </p:cNvPr>
@@ -9625,7 +9694,7 @@
           <p:cNvPr id="110" name="TextBox 109">
             <a:extLst>
               <a:ext uri="{FF2B5EF4-FFF2-40B4-BE49-F238E27FC236}">
-                <a16:creationId xmlns:a16="http://schemas.microsoft.com/office/drawing/2014/main" id="{A2AD056B-97A4-5BCC-4460-250160F3E171}"/>
+                <a16:creationId xmlns:a16="http://schemas.microsoft.com/office/drawing/2014/main" xmlns="" id="{A2AD056B-97A4-5BCC-4460-250160F3E171}"/>
               </a:ext>
             </a:extLst>
           </p:cNvPr>
@@ -9679,7 +9748,7 @@
           <p:cNvPr id="111" name="TextBox 110">
             <a:extLst>
               <a:ext uri="{FF2B5EF4-FFF2-40B4-BE49-F238E27FC236}">
-                <a16:creationId xmlns:a16="http://schemas.microsoft.com/office/drawing/2014/main" id="{A2AD056B-97A4-5BCC-4460-250160F3E171}"/>
+                <a16:creationId xmlns:a16="http://schemas.microsoft.com/office/drawing/2014/main" xmlns="" id="{A2AD056B-97A4-5BCC-4460-250160F3E171}"/>
               </a:ext>
             </a:extLst>
           </p:cNvPr>
@@ -9815,7 +9884,7 @@
           <p:cNvPr id="4" name="TextBox 3">
             <a:extLst>
               <a:ext uri="{FF2B5EF4-FFF2-40B4-BE49-F238E27FC236}">
-                <a16:creationId xmlns:a16="http://schemas.microsoft.com/office/drawing/2014/main" id="{5ADC00B6-990A-40DC-3CEA-505258F5E8DA}"/>
+                <a16:creationId xmlns:a16="http://schemas.microsoft.com/office/drawing/2014/main" xmlns="" id="{5ADC00B6-990A-40DC-3CEA-505258F5E8DA}"/>
               </a:ext>
             </a:extLst>
           </p:cNvPr>
@@ -9873,7 +9942,7 @@
           <p:cNvPr id="2" name="TextBox 1">
             <a:extLst>
               <a:ext uri="{FF2B5EF4-FFF2-40B4-BE49-F238E27FC236}">
-                <a16:creationId xmlns:a16="http://schemas.microsoft.com/office/drawing/2014/main" id="{4466AA1F-9098-4B5C-E98B-FF40B15DCDE3}"/>
+                <a16:creationId xmlns:a16="http://schemas.microsoft.com/office/drawing/2014/main" xmlns="" id="{4466AA1F-9098-4B5C-E98B-FF40B15DCDE3}"/>
               </a:ext>
             </a:extLst>
           </p:cNvPr>
@@ -10058,7 +10127,7 @@
               <a:t> 있어야 한다</a:t>
             </a:r>
             <a:r>
-              <a:rPr lang="en-US" altLang="ko-KR" sz="3600" dirty="0">
+              <a:rPr lang="en-US" altLang="ko-KR" sz="3600">
                 <a:solidFill>
                   <a:schemeClr val="tx1">
                     <a:lumMod val="50000"/>
@@ -10071,7 +10140,7 @@
               <a:t>.</a:t>
             </a:r>
             <a:r>
-              <a:rPr lang="ko-KR" altLang="en-US" sz="3600" dirty="0">
+              <a:rPr lang="ko-KR" altLang="en-US" sz="3600">
                 <a:solidFill>
                   <a:schemeClr val="tx1">
                     <a:lumMod val="50000"/>
@@ -10081,9 +10150,9 @@
                 <a:latin typeface="G마켓 산스 Medium" panose="02000000000000000000" pitchFamily="50" charset="-127"/>
                 <a:ea typeface="G마켓 산스 Medium" panose="02000000000000000000" pitchFamily="50" charset="-127"/>
               </a:rPr>
-              <a:t>  </a:t>
-            </a:r>
-            <a:endParaRPr lang="en-US" altLang="ko-KR" sz="3600" dirty="0">
+              <a:t> </a:t>
+            </a:r>
+            <a:endParaRPr lang="en-US" altLang="ko-KR" sz="3600" smtClean="0">
               <a:solidFill>
                 <a:schemeClr val="tx1">
                   <a:lumMod val="50000"/>
@@ -10101,7 +10170,7 @@
           <p:cNvPr id="3" name="표 2">
             <a:extLst>
               <a:ext uri="{FF2B5EF4-FFF2-40B4-BE49-F238E27FC236}">
-                <a16:creationId xmlns:a16="http://schemas.microsoft.com/office/drawing/2014/main" id="{0C0DF24C-8313-95BE-E53E-12FD7E109C24}"/>
+                <a16:creationId xmlns:a16="http://schemas.microsoft.com/office/drawing/2014/main" xmlns="" id="{0C0DF24C-8313-95BE-E53E-12FD7E109C24}"/>
               </a:ext>
             </a:extLst>
           </p:cNvPr>
@@ -10111,13 +10180,13 @@
           <p:nvPr>
             <p:extLst>
               <p:ext uri="{D42A27DB-BD31-4B8C-83A1-F6EECF244321}">
-                <p14:modId xmlns:p14="http://schemas.microsoft.com/office/powerpoint/2010/main" val="2295739593"/>
+                <p14:modId xmlns:p14="http://schemas.microsoft.com/office/powerpoint/2010/main" val="3190492775"/>
               </p:ext>
             </p:extLst>
           </p:nvPr>
         </p:nvGraphicFramePr>
         <p:xfrm>
-          <a:off x="11963400" y="1943100"/>
+          <a:off x="11963400" y="1878658"/>
           <a:ext cx="6172200" cy="2042160"/>
         </p:xfrm>
         <a:graphic>
@@ -10130,21 +10199,21 @@
                 <a:gridCol w="1371600">
                   <a:extLst>
                     <a:ext uri="{9D8B030D-6E8A-4147-A177-3AD203B41FA5}">
-                      <a16:colId xmlns:a16="http://schemas.microsoft.com/office/drawing/2014/main" val="1278239369"/>
+                      <a16:colId xmlns:a16="http://schemas.microsoft.com/office/drawing/2014/main" xmlns="" val="1278239369"/>
                     </a:ext>
                   </a:extLst>
                 </a:gridCol>
                 <a:gridCol w="1981200">
                   <a:extLst>
                     <a:ext uri="{9D8B030D-6E8A-4147-A177-3AD203B41FA5}">
-                      <a16:colId xmlns:a16="http://schemas.microsoft.com/office/drawing/2014/main" val="1054292436"/>
+                      <a16:colId xmlns:a16="http://schemas.microsoft.com/office/drawing/2014/main" xmlns="" val="1054292436"/>
                     </a:ext>
                   </a:extLst>
                 </a:gridCol>
                 <a:gridCol w="2819400">
                   <a:extLst>
                     <a:ext uri="{9D8B030D-6E8A-4147-A177-3AD203B41FA5}">
-                      <a16:colId xmlns:a16="http://schemas.microsoft.com/office/drawing/2014/main" val="225730716"/>
+                      <a16:colId xmlns:a16="http://schemas.microsoft.com/office/drawing/2014/main" xmlns="" val="225730716"/>
                     </a:ext>
                   </a:extLst>
                 </a:gridCol>
@@ -10332,7 +10401,7 @@
                 </a:tc>
                 <a:extLst>
                   <a:ext uri="{0D108BD9-81ED-4DB2-BD59-A6C34878D82A}">
-                    <a16:rowId xmlns:a16="http://schemas.microsoft.com/office/drawing/2014/main" val="2654211035"/>
+                    <a16:rowId xmlns:a16="http://schemas.microsoft.com/office/drawing/2014/main" xmlns="" val="2654211035"/>
                   </a:ext>
                 </a:extLst>
               </a:tr>
@@ -10536,7 +10605,7 @@
                 </a:tc>
                 <a:extLst>
                   <a:ext uri="{0D108BD9-81ED-4DB2-BD59-A6C34878D82A}">
-                    <a16:rowId xmlns:a16="http://schemas.microsoft.com/office/drawing/2014/main" val="2013197181"/>
+                    <a16:rowId xmlns:a16="http://schemas.microsoft.com/office/drawing/2014/main" xmlns="" val="2013197181"/>
                   </a:ext>
                 </a:extLst>
               </a:tr>
@@ -10721,7 +10790,7 @@
                 </a:tc>
                 <a:extLst>
                   <a:ext uri="{0D108BD9-81ED-4DB2-BD59-A6C34878D82A}">
-                    <a16:rowId xmlns:a16="http://schemas.microsoft.com/office/drawing/2014/main" val="2280857763"/>
+                    <a16:rowId xmlns:a16="http://schemas.microsoft.com/office/drawing/2014/main" xmlns="" val="2280857763"/>
                   </a:ext>
                 </a:extLst>
               </a:tr>
@@ -10911,7 +10980,7 @@
                 </a:tc>
                 <a:extLst>
                   <a:ext uri="{0D108BD9-81ED-4DB2-BD59-A6C34878D82A}">
-                    <a16:rowId xmlns:a16="http://schemas.microsoft.com/office/drawing/2014/main" val="1463387718"/>
+                    <a16:rowId xmlns:a16="http://schemas.microsoft.com/office/drawing/2014/main" xmlns="" val="1463387718"/>
                   </a:ext>
                 </a:extLst>
               </a:tr>
@@ -10924,7 +10993,7 @@
           <p:cNvPr id="6" name="TextBox 5">
             <a:extLst>
               <a:ext uri="{FF2B5EF4-FFF2-40B4-BE49-F238E27FC236}">
-                <a16:creationId xmlns:a16="http://schemas.microsoft.com/office/drawing/2014/main" id="{54C72A80-3131-1BEE-91F5-8BB94F20F622}"/>
+                <a16:creationId xmlns:a16="http://schemas.microsoft.com/office/drawing/2014/main" xmlns="" id="{54C72A80-3131-1BEE-91F5-8BB94F20F622}"/>
               </a:ext>
             </a:extLst>
           </p:cNvPr>
@@ -10933,7 +11002,7 @@
         </p:nvSpPr>
         <p:spPr>
           <a:xfrm>
-            <a:off x="1143000" y="4229100"/>
+            <a:off x="1143000" y="4124861"/>
             <a:ext cx="16459200" cy="1323439"/>
           </a:xfrm>
           <a:prstGeom prst="rect">
@@ -11087,7 +11156,7 @@
           <p:cNvPr id="7" name="TextBox 6">
             <a:extLst>
               <a:ext uri="{FF2B5EF4-FFF2-40B4-BE49-F238E27FC236}">
-                <a16:creationId xmlns:a16="http://schemas.microsoft.com/office/drawing/2014/main" id="{977D0E5D-2B21-3701-B400-D1B6B86913C5}"/>
+                <a16:creationId xmlns:a16="http://schemas.microsoft.com/office/drawing/2014/main" xmlns="" id="{977D0E5D-2B21-3701-B400-D1B6B86913C5}"/>
               </a:ext>
             </a:extLst>
           </p:cNvPr>
@@ -11096,8 +11165,8 @@
         </p:nvSpPr>
         <p:spPr>
           <a:xfrm>
-            <a:off x="1143000" y="7172861"/>
-            <a:ext cx="16459200" cy="1323439"/>
+            <a:off x="0" y="7172861"/>
+            <a:ext cx="16459200" cy="3170099"/>
           </a:xfrm>
           <a:prstGeom prst="rect">
             <a:avLst/>
@@ -11121,10 +11190,10 @@
                 <a:latin typeface="G마켓 산스 Medium" panose="02000000000000000000" pitchFamily="50" charset="-127"/>
                 <a:ea typeface="G마켓 산스 Medium" panose="02000000000000000000" pitchFamily="50" charset="-127"/>
               </a:rPr>
-              <a:t>3. Door </a:t>
-            </a:r>
-            <a:r>
-              <a:rPr lang="ko-KR" altLang="en-US" sz="4000" dirty="0">
+              <a:t>3</a:t>
+            </a:r>
+            <a:r>
+              <a:rPr lang="en-US" altLang="ko-KR" sz="4000">
                 <a:solidFill>
                   <a:schemeClr val="tx1">
                     <a:lumMod val="50000"/>
@@ -11134,10 +11203,10 @@
                 <a:latin typeface="G마켓 산스 Medium" panose="02000000000000000000" pitchFamily="50" charset="-127"/>
                 <a:ea typeface="G마켓 산스 Medium" panose="02000000000000000000" pitchFamily="50" charset="-127"/>
               </a:rPr>
-              <a:t>클래스를 만들어 </a:t>
-            </a:r>
-            <a:r>
-              <a:rPr lang="en-US" altLang="ko-KR" sz="4000" dirty="0">
+              <a:t>. </a:t>
+            </a:r>
+            <a:r>
+              <a:rPr lang="en-US" altLang="ko-KR" sz="4000" smtClean="0">
                 <a:solidFill>
                   <a:schemeClr val="tx1">
                     <a:lumMod val="50000"/>
@@ -11147,10 +11216,10 @@
                 <a:latin typeface="G마켓 산스 Medium" panose="02000000000000000000" pitchFamily="50" charset="-127"/>
                 <a:ea typeface="G마켓 산스 Medium" panose="02000000000000000000" pitchFamily="50" charset="-127"/>
               </a:rPr>
-              <a:t>Car </a:t>
-            </a:r>
-            <a:r>
-              <a:rPr lang="ko-KR" altLang="en-US" sz="4000" dirty="0">
+              <a:t>ElectricCar,</a:t>
+            </a:r>
+            <a:r>
+              <a:rPr lang="en-US" altLang="ko-KR" sz="4000" smtClean="0">
                 <a:solidFill>
                   <a:schemeClr val="tx1">
                     <a:lumMod val="50000"/>
@@ -11160,10 +11229,10 @@
                 <a:latin typeface="G마켓 산스 Medium" panose="02000000000000000000" pitchFamily="50" charset="-127"/>
                 <a:ea typeface="G마켓 산스 Medium" panose="02000000000000000000" pitchFamily="50" charset="-127"/>
               </a:rPr>
-              <a:t>클래스와 포함관계를 만들어보자</a:t>
-            </a:r>
-            <a:r>
-              <a:rPr lang="en-US" altLang="ko-KR" sz="4000" dirty="0">
+              <a:t>HibrideCar</a:t>
+            </a:r>
+            <a:r>
+              <a:rPr lang="en-US" altLang="ko-KR" sz="4000" smtClean="0">
                 <a:solidFill>
                   <a:schemeClr val="tx1">
                     <a:lumMod val="50000"/>
@@ -11173,12 +11242,10 @@
                 <a:latin typeface="G마켓 산스 Medium" panose="02000000000000000000" pitchFamily="50" charset="-127"/>
                 <a:ea typeface="G마켓 산스 Medium" panose="02000000000000000000" pitchFamily="50" charset="-127"/>
               </a:rPr>
-              <a:t>. </a:t>
-            </a:r>
-          </a:p>
-          <a:p>
-            <a:r>
-              <a:rPr lang="en-US" altLang="ko-KR" sz="4000" dirty="0">
+              <a:t> </a:t>
+            </a:r>
+            <a:r>
+              <a:rPr lang="ko-KR" altLang="en-US" sz="4000" smtClean="0">
                 <a:solidFill>
                   <a:schemeClr val="tx1">
                     <a:lumMod val="50000"/>
@@ -11188,10 +11255,10 @@
                 <a:latin typeface="G마켓 산스 Medium" panose="02000000000000000000" pitchFamily="50" charset="-127"/>
                 <a:ea typeface="G마켓 산스 Medium" panose="02000000000000000000" pitchFamily="50" charset="-127"/>
               </a:rPr>
-              <a:t>   </a:t>
-            </a:r>
-            <a:r>
-              <a:rPr lang="ko-KR" altLang="en-US" sz="4000" dirty="0">
+              <a:t>클래스를</a:t>
+            </a:r>
+            <a:r>
+              <a:rPr lang="en-US" altLang="ko-KR" sz="4000">
                 <a:solidFill>
                   <a:schemeClr val="tx1">
                     <a:lumMod val="50000"/>
@@ -11201,10 +11268,10 @@
                 <a:latin typeface="G마켓 산스 Medium" panose="02000000000000000000" pitchFamily="50" charset="-127"/>
                 <a:ea typeface="G마켓 산스 Medium" panose="02000000000000000000" pitchFamily="50" charset="-127"/>
               </a:rPr>
-              <a:t>문 개수는 </a:t>
-            </a:r>
-            <a:r>
-              <a:rPr lang="en-US" altLang="ko-KR" sz="4000" dirty="0">
+              <a:t> </a:t>
+            </a:r>
+            <a:r>
+              <a:rPr lang="ko-KR" altLang="en-US" sz="4000" smtClean="0">
                 <a:solidFill>
                   <a:schemeClr val="tx1">
                     <a:lumMod val="50000"/>
@@ -11214,10 +11281,10 @@
                 <a:latin typeface="G마켓 산스 Medium" panose="02000000000000000000" pitchFamily="50" charset="-127"/>
                 <a:ea typeface="G마켓 산스 Medium" panose="02000000000000000000" pitchFamily="50" charset="-127"/>
               </a:rPr>
-              <a:t>4</a:t>
-            </a:r>
-            <a:r>
-              <a:rPr lang="ko-KR" altLang="en-US" sz="4000" dirty="0">
+              <a:t>만들고 둘다 </a:t>
+            </a:r>
+            <a:r>
+              <a:rPr lang="en-US" altLang="ko-KR" sz="4000" smtClean="0">
                 <a:solidFill>
                   <a:schemeClr val="tx1">
                     <a:lumMod val="50000"/>
@@ -11227,10 +11294,10 @@
                 <a:latin typeface="G마켓 산스 Medium" panose="02000000000000000000" pitchFamily="50" charset="-127"/>
                 <a:ea typeface="G마켓 산스 Medium" panose="02000000000000000000" pitchFamily="50" charset="-127"/>
               </a:rPr>
-              <a:t>개이다</a:t>
-            </a:r>
-            <a:r>
-              <a:rPr lang="en-US" altLang="ko-KR" sz="4000" dirty="0">
+              <a:t>int battery </a:t>
+            </a:r>
+            <a:r>
+              <a:rPr lang="ko-KR" altLang="en-US" sz="4000" smtClean="0">
                 <a:solidFill>
                   <a:schemeClr val="tx1">
                     <a:lumMod val="50000"/>
@@ -11240,7 +11307,170 @@
                 <a:latin typeface="G마켓 산스 Medium" panose="02000000000000000000" pitchFamily="50" charset="-127"/>
                 <a:ea typeface="G마켓 산스 Medium" panose="02000000000000000000" pitchFamily="50" charset="-127"/>
               </a:rPr>
+              <a:t>를 가지도록 하자</a:t>
+            </a:r>
+            <a:endParaRPr lang="en-US" altLang="ko-KR" sz="4000" dirty="0">
+              <a:solidFill>
+                <a:schemeClr val="tx1">
+                  <a:lumMod val="50000"/>
+                  <a:lumOff val="50000"/>
+                </a:schemeClr>
+              </a:solidFill>
+              <a:latin typeface="G마켓 산스 Medium" panose="02000000000000000000" pitchFamily="50" charset="-127"/>
+              <a:ea typeface="G마켓 산스 Medium" panose="02000000000000000000" pitchFamily="50" charset="-127"/>
+            </a:endParaRPr>
+          </a:p>
+          <a:p>
+            <a:r>
+              <a:rPr lang="en-US" altLang="ko-KR" sz="4000">
+                <a:solidFill>
+                  <a:srgbClr val="FF0000"/>
+                </a:solidFill>
+                <a:latin typeface="G마켓 산스 Medium" panose="02000000000000000000" pitchFamily="50" charset="-127"/>
+                <a:ea typeface="G마켓 산스 Medium" panose="02000000000000000000" pitchFamily="50" charset="-127"/>
+              </a:rPr>
+              <a:t> </a:t>
+            </a:r>
+            <a:r>
+              <a:rPr lang="en-US" altLang="ko-KR" sz="4000" smtClean="0">
+                <a:solidFill>
+                  <a:srgbClr val="FF0000"/>
+                </a:solidFill>
+                <a:latin typeface="G마켓 산스 Medium" panose="02000000000000000000" pitchFamily="50" charset="-127"/>
+                <a:ea typeface="G마켓 산스 Medium" panose="02000000000000000000" pitchFamily="50" charset="-127"/>
+              </a:rPr>
+              <a:t>  *battery</a:t>
+            </a:r>
+            <a:r>
+              <a:rPr lang="ko-KR" altLang="en-US" sz="4000" smtClean="0">
+                <a:solidFill>
+                  <a:srgbClr val="FF0000"/>
+                </a:solidFill>
+                <a:latin typeface="G마켓 산스 Medium" panose="02000000000000000000" pitchFamily="50" charset="-127"/>
+                <a:ea typeface="G마켓 산스 Medium" panose="02000000000000000000" pitchFamily="50" charset="-127"/>
+              </a:rPr>
+              <a:t>를 전기</a:t>
+            </a:r>
+            <a:r>
+              <a:rPr lang="en-US" altLang="ko-KR" sz="4000" smtClean="0">
+                <a:solidFill>
+                  <a:srgbClr val="FF0000"/>
+                </a:solidFill>
+                <a:latin typeface="G마켓 산스 Medium" panose="02000000000000000000" pitchFamily="50" charset="-127"/>
+                <a:ea typeface="G마켓 산스 Medium" panose="02000000000000000000" pitchFamily="50" charset="-127"/>
+              </a:rPr>
+              <a:t>,</a:t>
+            </a:r>
+            <a:r>
+              <a:rPr lang="ko-KR" altLang="en-US" sz="4000" smtClean="0">
+                <a:solidFill>
+                  <a:srgbClr val="FF0000"/>
+                </a:solidFill>
+                <a:latin typeface="G마켓 산스 Medium" panose="02000000000000000000" pitchFamily="50" charset="-127"/>
+                <a:ea typeface="G마켓 산스 Medium" panose="02000000000000000000" pitchFamily="50" charset="-127"/>
+              </a:rPr>
+              <a:t>하이브리드 둘다 선언하면 코드 중복이다</a:t>
+            </a:r>
+            <a:r>
+              <a:rPr lang="en-US" altLang="ko-KR" sz="4000" smtClean="0">
+                <a:solidFill>
+                  <a:srgbClr val="FF0000"/>
+                </a:solidFill>
+                <a:latin typeface="G마켓 산스 Medium" panose="02000000000000000000" pitchFamily="50" charset="-127"/>
+                <a:ea typeface="G마켓 산스 Medium" panose="02000000000000000000" pitchFamily="50" charset="-127"/>
+              </a:rPr>
               <a:t>.</a:t>
+            </a:r>
+          </a:p>
+          <a:p>
+            <a:r>
+              <a:rPr lang="en-US" altLang="ko-KR" sz="4000">
+                <a:solidFill>
+                  <a:srgbClr val="FF0000"/>
+                </a:solidFill>
+                <a:latin typeface="G마켓 산스 Medium" panose="02000000000000000000" pitchFamily="50" charset="-127"/>
+                <a:ea typeface="G마켓 산스 Medium" panose="02000000000000000000" pitchFamily="50" charset="-127"/>
+              </a:rPr>
+              <a:t> </a:t>
+            </a:r>
+            <a:r>
+              <a:rPr lang="en-US" altLang="ko-KR" sz="4000" smtClean="0">
+                <a:solidFill>
+                  <a:srgbClr val="FF0000"/>
+                </a:solidFill>
+                <a:latin typeface="G마켓 산스 Medium" panose="02000000000000000000" pitchFamily="50" charset="-127"/>
+                <a:ea typeface="G마켓 산스 Medium" panose="02000000000000000000" pitchFamily="50" charset="-127"/>
+              </a:rPr>
+              <a:t>  *Car </a:t>
+            </a:r>
+            <a:r>
+              <a:rPr lang="ko-KR" altLang="en-US" sz="4000" smtClean="0">
+                <a:solidFill>
+                  <a:srgbClr val="FF0000"/>
+                </a:solidFill>
+                <a:latin typeface="G마켓 산스 Medium" panose="02000000000000000000" pitchFamily="50" charset="-127"/>
+                <a:ea typeface="G마켓 산스 Medium" panose="02000000000000000000" pitchFamily="50" charset="-127"/>
+              </a:rPr>
+              <a:t>클래스에 선언하면 </a:t>
+            </a:r>
+            <a:r>
+              <a:rPr lang="en-US" altLang="ko-KR" sz="4000" smtClean="0">
+                <a:solidFill>
+                  <a:srgbClr val="FF0000"/>
+                </a:solidFill>
+                <a:latin typeface="G마켓 산스 Medium" panose="02000000000000000000" pitchFamily="50" charset="-127"/>
+                <a:ea typeface="G마켓 산스 Medium" panose="02000000000000000000" pitchFamily="50" charset="-127"/>
+              </a:rPr>
+              <a:t>OilCar </a:t>
+            </a:r>
+            <a:r>
+              <a:rPr lang="ko-KR" altLang="en-US" sz="4000" smtClean="0">
+                <a:solidFill>
+                  <a:srgbClr val="FF0000"/>
+                </a:solidFill>
+                <a:latin typeface="G마켓 산스 Medium" panose="02000000000000000000" pitchFamily="50" charset="-127"/>
+                <a:ea typeface="G마켓 산스 Medium" panose="02000000000000000000" pitchFamily="50" charset="-127"/>
+              </a:rPr>
+              <a:t>역시 배터리를 가지게 된다</a:t>
+            </a:r>
+            <a:endParaRPr lang="en-US" altLang="ko-KR" sz="4000" smtClean="0">
+              <a:solidFill>
+                <a:srgbClr val="FF0000"/>
+              </a:solidFill>
+              <a:latin typeface="G마켓 산스 Medium" panose="02000000000000000000" pitchFamily="50" charset="-127"/>
+              <a:ea typeface="G마켓 산스 Medium" panose="02000000000000000000" pitchFamily="50" charset="-127"/>
+            </a:endParaRPr>
+          </a:p>
+          <a:p>
+            <a:r>
+              <a:rPr lang="en-US" altLang="ko-KR" sz="4000" smtClean="0">
+                <a:solidFill>
+                  <a:srgbClr val="FF0000"/>
+                </a:solidFill>
+                <a:latin typeface="G마켓 산스 Medium" panose="02000000000000000000" pitchFamily="50" charset="-127"/>
+                <a:ea typeface="G마켓 산스 Medium" panose="02000000000000000000" pitchFamily="50" charset="-127"/>
+              </a:rPr>
+              <a:t>    (</a:t>
+            </a:r>
+            <a:r>
+              <a:rPr lang="ko-KR" altLang="en-US" sz="4000" smtClean="0">
+                <a:solidFill>
+                  <a:srgbClr val="FF0000"/>
+                </a:solidFill>
+                <a:latin typeface="G마켓 산스 Medium" panose="02000000000000000000" pitchFamily="50" charset="-127"/>
+                <a:ea typeface="G마켓 산스 Medium" panose="02000000000000000000" pitchFamily="50" charset="-127"/>
+              </a:rPr>
+              <a:t>기름차 역시 현실에선 배터리가 있지만 없다고 가정하자</a:t>
+            </a:r>
+            <a:r>
+              <a:rPr lang="en-US" altLang="ko-KR" sz="4000" smtClean="0">
+                <a:solidFill>
+                  <a:srgbClr val="FF0000"/>
+                </a:solidFill>
+                <a:latin typeface="G마켓 산스 Medium" panose="02000000000000000000" pitchFamily="50" charset="-127"/>
+                <a:ea typeface="G마켓 산스 Medium" panose="02000000000000000000" pitchFamily="50" charset="-127"/>
+              </a:rPr>
+              <a:t>)</a:t>
             </a:r>
           </a:p>
         </p:txBody>
@@ -11250,7 +11480,7 @@
           <p:cNvPr id="8" name="표 7">
             <a:extLst>
               <a:ext uri="{FF2B5EF4-FFF2-40B4-BE49-F238E27FC236}">
-                <a16:creationId xmlns:a16="http://schemas.microsoft.com/office/drawing/2014/main" id="{9BF22145-FC6D-D18A-3911-E9625B6CE794}"/>
+                <a16:creationId xmlns:a16="http://schemas.microsoft.com/office/drawing/2014/main" xmlns="" id="{9BF22145-FC6D-D18A-3911-E9625B6CE794}"/>
               </a:ext>
             </a:extLst>
           </p:cNvPr>
@@ -11260,14 +11490,14 @@
           <p:nvPr>
             <p:extLst>
               <p:ext uri="{D42A27DB-BD31-4B8C-83A1-F6EECF244321}">
-                <p14:modId xmlns:p14="http://schemas.microsoft.com/office/powerpoint/2010/main" val="300932587"/>
+                <p14:modId xmlns:p14="http://schemas.microsoft.com/office/powerpoint/2010/main" val="3013584043"/>
               </p:ext>
             </p:extLst>
           </p:nvPr>
         </p:nvGraphicFramePr>
         <p:xfrm>
-          <a:off x="11963400" y="4960620"/>
-          <a:ext cx="6172200" cy="1706880"/>
+          <a:off x="11963400" y="4762500"/>
+          <a:ext cx="6172200" cy="2407920"/>
         </p:xfrm>
         <a:graphic>
           <a:graphicData uri="http://schemas.openxmlformats.org/drawingml/2006/table">
@@ -11279,21 +11509,21 @@
                 <a:gridCol w="1524000">
                   <a:extLst>
                     <a:ext uri="{9D8B030D-6E8A-4147-A177-3AD203B41FA5}">
-                      <a16:colId xmlns:a16="http://schemas.microsoft.com/office/drawing/2014/main" val="1278239369"/>
+                      <a16:colId xmlns:a16="http://schemas.microsoft.com/office/drawing/2014/main" xmlns="" val="1278239369"/>
                     </a:ext>
                   </a:extLst>
                 </a:gridCol>
                 <a:gridCol w="1828800">
                   <a:extLst>
                     <a:ext uri="{9D8B030D-6E8A-4147-A177-3AD203B41FA5}">
-                      <a16:colId xmlns:a16="http://schemas.microsoft.com/office/drawing/2014/main" val="1054292436"/>
+                      <a16:colId xmlns:a16="http://schemas.microsoft.com/office/drawing/2014/main" xmlns="" val="1054292436"/>
                     </a:ext>
                   </a:extLst>
                 </a:gridCol>
                 <a:gridCol w="2819400">
                   <a:extLst>
                     <a:ext uri="{9D8B030D-6E8A-4147-A177-3AD203B41FA5}">
-                      <a16:colId xmlns:a16="http://schemas.microsoft.com/office/drawing/2014/main" val="225730716"/>
+                      <a16:colId xmlns:a16="http://schemas.microsoft.com/office/drawing/2014/main" xmlns="" val="225730716"/>
                     </a:ext>
                   </a:extLst>
                 </a:gridCol>
@@ -11481,7 +11711,7 @@
                 </a:tc>
                 <a:extLst>
                   <a:ext uri="{0D108BD9-81ED-4DB2-BD59-A6C34878D82A}">
-                    <a16:rowId xmlns:a16="http://schemas.microsoft.com/office/drawing/2014/main" val="2654211035"/>
+                    <a16:rowId xmlns:a16="http://schemas.microsoft.com/office/drawing/2014/main" xmlns="" val="2654211035"/>
                   </a:ext>
                 </a:extLst>
               </a:tr>
@@ -11645,8 +11875,23 @@
                         <a:rPr lang="ko-KR" altLang="en-US" sz="2000" dirty="0">
                           <a:ea typeface="G마켓 산스 Medium" panose="02000000000000000000"/>
                         </a:rPr>
-                        <a:t>문 열림 여부</a:t>
+                        <a:t>문 </a:t>
                       </a:r>
+                      <a:r>
+                        <a:rPr lang="ko-KR" altLang="en-US" sz="2000">
+                          <a:ea typeface="G마켓 산스 Medium" panose="02000000000000000000"/>
+                        </a:rPr>
+                        <a:t>열림 </a:t>
+                      </a:r>
+                      <a:r>
+                        <a:rPr lang="ko-KR" altLang="en-US" sz="2000" smtClean="0">
+                          <a:ea typeface="G마켓 산스 Medium" panose="02000000000000000000"/>
+                        </a:rPr>
+                        <a:t>여부</a:t>
+                      </a:r>
+                      <a:endParaRPr lang="en-US" altLang="ko-KR" sz="2000" smtClean="0">
+                        <a:ea typeface="G마켓 산스 Medium" panose="02000000000000000000"/>
+                      </a:endParaRPr>
                     </a:p>
                   </a:txBody>
                   <a:tcPr>
@@ -11691,9 +11936,250 @@
                 </a:tc>
                 <a:extLst>
                   <a:ext uri="{0D108BD9-81ED-4DB2-BD59-A6C34878D82A}">
-                    <a16:rowId xmlns:a16="http://schemas.microsoft.com/office/drawing/2014/main" val="2013197181"/>
+                    <a16:rowId xmlns:a16="http://schemas.microsoft.com/office/drawing/2014/main" xmlns="" val="2013197181"/>
                   </a:ext>
                 </a:extLst>
+              </a:tr>
+              <a:tr h="370840">
+                <a:tc>
+                  <a:txBody>
+                    <a:bodyPr/>
+                    <a:lstStyle/>
+                    <a:p>
+                      <a:pPr latinLnBrk="1"/>
+                      <a:endParaRPr lang="ko-KR" altLang="en-US" sz="2200" dirty="0">
+                        <a:ea typeface="G마켓 산스 Medium" panose="02000000000000000000"/>
+                      </a:endParaRPr>
+                    </a:p>
+                  </a:txBody>
+                  <a:tcPr>
+                    <a:lnL w="12700" cap="flat" cmpd="sng" algn="ctr">
+                      <a:solidFill>
+                        <a:schemeClr val="tx1"/>
+                      </a:solidFill>
+                      <a:prstDash val="solid"/>
+                      <a:round/>
+                      <a:headEnd type="none" w="med" len="med"/>
+                      <a:tailEnd type="none" w="med" len="med"/>
+                    </a:lnL>
+                    <a:lnR w="12700" cap="flat" cmpd="sng" algn="ctr">
+                      <a:solidFill>
+                        <a:schemeClr val="tx1"/>
+                      </a:solidFill>
+                      <a:prstDash val="solid"/>
+                      <a:round/>
+                      <a:headEnd type="none" w="med" len="med"/>
+                      <a:tailEnd type="none" w="med" len="med"/>
+                    </a:lnR>
+                    <a:lnT w="12700" cap="flat" cmpd="sng" algn="ctr">
+                      <a:solidFill>
+                        <a:schemeClr val="tx1"/>
+                      </a:solidFill>
+                      <a:prstDash val="solid"/>
+                      <a:round/>
+                      <a:headEnd type="none" w="med" len="med"/>
+                      <a:tailEnd type="none" w="med" len="med"/>
+                    </a:lnT>
+                    <a:lnB w="12700" cap="flat" cmpd="sng" algn="ctr">
+                      <a:solidFill>
+                        <a:schemeClr val="tx1"/>
+                      </a:solidFill>
+                      <a:prstDash val="solid"/>
+                      <a:round/>
+                      <a:headEnd type="none" w="med" len="med"/>
+                      <a:tailEnd type="none" w="med" len="med"/>
+                    </a:lnB>
+                    <a:noFill/>
+                  </a:tcPr>
+                </a:tc>
+                <a:tc>
+                  <a:txBody>
+                    <a:bodyPr/>
+                    <a:lstStyle/>
+                    <a:p>
+                      <a:pPr marL="0" marR="0" lvl="0" indent="0" algn="l" defTabSz="914400" rtl="0" eaLnBrk="1" fontAlgn="auto" latinLnBrk="1" hangingPunct="1">
+                        <a:lnSpc>
+                          <a:spcPct val="100000"/>
+                        </a:lnSpc>
+                        <a:spcBef>
+                          <a:spcPts val="0"/>
+                        </a:spcBef>
+                        <a:spcAft>
+                          <a:spcPts val="0"/>
+                        </a:spcAft>
+                        <a:buClrTx/>
+                        <a:buSzTx/>
+                        <a:buFontTx/>
+                        <a:buNone/>
+                        <a:tabLst/>
+                        <a:defRPr/>
+                      </a:pPr>
+                      <a:r>
+                        <a:rPr lang="en-US" altLang="ko-KR" sz="2200" smtClean="0">
+                          <a:ea typeface="G마켓 산스 Medium" panose="02000000000000000000"/>
+                        </a:rPr>
+                        <a:t>String name</a:t>
+                      </a:r>
+                      <a:endParaRPr lang="ko-KR" altLang="en-US" sz="2200" dirty="0">
+                        <a:ea typeface="G마켓 산스 Medium" panose="02000000000000000000"/>
+                      </a:endParaRPr>
+                    </a:p>
+                  </a:txBody>
+                  <a:tcPr>
+                    <a:lnL w="12700" cap="flat" cmpd="sng" algn="ctr">
+                      <a:solidFill>
+                        <a:schemeClr val="tx1"/>
+                      </a:solidFill>
+                      <a:prstDash val="solid"/>
+                      <a:round/>
+                      <a:headEnd type="none" w="med" len="med"/>
+                      <a:tailEnd type="none" w="med" len="med"/>
+                    </a:lnL>
+                    <a:lnR w="12700" cap="flat" cmpd="sng" algn="ctr">
+                      <a:solidFill>
+                        <a:schemeClr val="tx1"/>
+                      </a:solidFill>
+                      <a:prstDash val="solid"/>
+                      <a:round/>
+                      <a:headEnd type="none" w="med" len="med"/>
+                      <a:tailEnd type="none" w="med" len="med"/>
+                    </a:lnR>
+                    <a:lnT w="12700" cap="flat" cmpd="sng" algn="ctr">
+                      <a:solidFill>
+                        <a:schemeClr val="tx1"/>
+                      </a:solidFill>
+                      <a:prstDash val="solid"/>
+                      <a:round/>
+                      <a:headEnd type="none" w="med" len="med"/>
+                      <a:tailEnd type="none" w="med" len="med"/>
+                    </a:lnT>
+                    <a:lnB w="12700" cap="flat" cmpd="sng" algn="ctr">
+                      <a:solidFill>
+                        <a:schemeClr val="tx1"/>
+                      </a:solidFill>
+                      <a:prstDash val="solid"/>
+                      <a:round/>
+                      <a:headEnd type="none" w="med" len="med"/>
+                      <a:tailEnd type="none" w="med" len="med"/>
+                    </a:lnB>
+                    <a:noFill/>
+                  </a:tcPr>
+                </a:tc>
+                <a:tc>
+                  <a:txBody>
+                    <a:bodyPr/>
+                    <a:lstStyle/>
+                    <a:p>
+                      <a:pPr marL="0" marR="0" lvl="0" indent="0" algn="l" defTabSz="914400" rtl="0" eaLnBrk="1" fontAlgn="auto" latinLnBrk="1" hangingPunct="1">
+                        <a:lnSpc>
+                          <a:spcPct val="100000"/>
+                        </a:lnSpc>
+                        <a:spcBef>
+                          <a:spcPts val="0"/>
+                        </a:spcBef>
+                        <a:spcAft>
+                          <a:spcPts val="0"/>
+                        </a:spcAft>
+                        <a:buClrTx/>
+                        <a:buSzTx/>
+                        <a:buFontTx/>
+                        <a:buNone/>
+                        <a:tabLst/>
+                        <a:defRPr/>
+                      </a:pPr>
+                      <a:r>
+                        <a:rPr lang="en-US" altLang="ko-KR" sz="2000" smtClean="0">
+                          <a:ea typeface="G마켓 산스 Medium" panose="02000000000000000000"/>
+                        </a:rPr>
+                        <a:t>ex)</a:t>
+                      </a:r>
+                      <a:r>
+                        <a:rPr lang="ko-KR" altLang="en-US" sz="2000" smtClean="0">
+                          <a:ea typeface="G마켓 산스 Medium" panose="02000000000000000000"/>
+                        </a:rPr>
+                        <a:t>운전석</a:t>
+                      </a:r>
+                      <a:r>
+                        <a:rPr lang="en-US" altLang="ko-KR" sz="2000" smtClean="0">
+                          <a:ea typeface="G마켓 산스 Medium" panose="02000000000000000000"/>
+                        </a:rPr>
+                        <a:t>, </a:t>
+                      </a:r>
+                      <a:r>
+                        <a:rPr lang="ko-KR" altLang="en-US" sz="2000" smtClean="0">
+                          <a:ea typeface="G마켓 산스 Medium" panose="02000000000000000000"/>
+                        </a:rPr>
+                        <a:t>조수석</a:t>
+                      </a:r>
+                      <a:r>
+                        <a:rPr lang="en-US" altLang="ko-KR" sz="2000" smtClean="0">
+                          <a:ea typeface="G마켓 산스 Medium" panose="02000000000000000000"/>
+                        </a:rPr>
+                        <a:t>,</a:t>
+                      </a:r>
+                      <a:r>
+                        <a:rPr lang="ko-KR" altLang="en-US" sz="2000" smtClean="0">
+                          <a:ea typeface="G마켓 산스 Medium" panose="02000000000000000000"/>
+                        </a:rPr>
+                        <a:t>운전석 뒷문</a:t>
+                      </a:r>
+                      <a:r>
+                        <a:rPr lang="en-US" altLang="ko-KR" sz="2000" smtClean="0">
+                          <a:ea typeface="G마켓 산스 Medium" panose="02000000000000000000"/>
+                        </a:rPr>
+                        <a:t>, </a:t>
+                      </a:r>
+                      <a:r>
+                        <a:rPr lang="ko-KR" altLang="en-US" sz="2000" smtClean="0">
+                          <a:ea typeface="G마켓 산스 Medium" panose="02000000000000000000"/>
+                        </a:rPr>
+                        <a:t>조수석 뒷문</a:t>
+                      </a:r>
+                      <a:endParaRPr lang="en-US" altLang="ko-KR" sz="2000" smtClean="0">
+                        <a:ea typeface="G마켓 산스 Medium" panose="02000000000000000000"/>
+                      </a:endParaRPr>
+                    </a:p>
+                  </a:txBody>
+                  <a:tcPr>
+                    <a:lnL w="12700" cap="flat" cmpd="sng" algn="ctr">
+                      <a:solidFill>
+                        <a:schemeClr val="tx1"/>
+                      </a:solidFill>
+                      <a:prstDash val="solid"/>
+                      <a:round/>
+                      <a:headEnd type="none" w="med" len="med"/>
+                      <a:tailEnd type="none" w="med" len="med"/>
+                    </a:lnL>
+                    <a:lnR w="12700" cap="flat" cmpd="sng" algn="ctr">
+                      <a:solidFill>
+                        <a:schemeClr val="tx1"/>
+                      </a:solidFill>
+                      <a:prstDash val="solid"/>
+                      <a:round/>
+                      <a:headEnd type="none" w="med" len="med"/>
+                      <a:tailEnd type="none" w="med" len="med"/>
+                    </a:lnR>
+                    <a:lnT w="12700" cap="flat" cmpd="sng" algn="ctr">
+                      <a:solidFill>
+                        <a:schemeClr val="tx1"/>
+                      </a:solidFill>
+                      <a:prstDash val="solid"/>
+                      <a:round/>
+                      <a:headEnd type="none" w="med" len="med"/>
+                      <a:tailEnd type="none" w="med" len="med"/>
+                    </a:lnT>
+                    <a:lnB w="12700" cap="flat" cmpd="sng" algn="ctr">
+                      <a:solidFill>
+                        <a:schemeClr val="tx1"/>
+                      </a:solidFill>
+                      <a:prstDash val="solid"/>
+                      <a:round/>
+                      <a:headEnd type="none" w="med" len="med"/>
+                      <a:tailEnd type="none" w="med" len="med"/>
+                    </a:lnB>
+                    <a:noFill/>
+                  </a:tcPr>
+                </a:tc>
               </a:tr>
               <a:tr h="370840">
                 <a:tc>
@@ -11773,22 +12259,28 @@
                     <a:p>
                       <a:pPr latinLnBrk="1"/>
                       <a:r>
-                        <a:rPr lang="en-US" altLang="ko-KR" sz="2200" dirty="0">
+                        <a:rPr lang="en-US" altLang="ko-KR" sz="2200">
                           <a:ea typeface="G마켓 산스 Medium" panose="02000000000000000000"/>
                         </a:rPr>
                         <a:t>void</a:t>
                       </a:r>
                       <a:r>
-                        <a:rPr lang="ko-KR" altLang="en-US" sz="2200" dirty="0">
+                        <a:rPr lang="ko-KR" altLang="en-US" sz="2200">
                           <a:ea typeface="G마켓 산스 Medium" panose="02000000000000000000"/>
                         </a:rPr>
                         <a:t> </a:t>
                       </a:r>
                       <a:r>
+                        <a:rPr lang="en-US" altLang="ko-KR" sz="2200" smtClean="0">
+                          <a:ea typeface="G마켓 산스 Medium" panose="02000000000000000000"/>
+                        </a:rPr>
+                        <a:t>open</a:t>
+                      </a:r>
+                      <a:r>
                         <a:rPr lang="en-US" altLang="ko-KR" sz="2200" dirty="0">
                           <a:ea typeface="G마켓 산스 Medium" panose="02000000000000000000"/>
                         </a:rPr>
-                        <a:t>Open()</a:t>
+                        <a:t>()</a:t>
                       </a:r>
                       <a:endParaRPr lang="ko-KR" altLang="en-US" sz="2200" dirty="0">
                         <a:ea typeface="G마켓 산스 Medium" panose="02000000000000000000"/>
@@ -11888,7 +12380,7 @@
                 </a:tc>
                 <a:extLst>
                   <a:ext uri="{0D108BD9-81ED-4DB2-BD59-A6C34878D82A}">
-                    <a16:rowId xmlns:a16="http://schemas.microsoft.com/office/drawing/2014/main" val="2280857763"/>
+                    <a16:rowId xmlns:a16="http://schemas.microsoft.com/office/drawing/2014/main" xmlns="" val="2280857763"/>
                   </a:ext>
                 </a:extLst>
               </a:tr>
@@ -11951,10 +12443,22 @@
                     <a:p>
                       <a:pPr latinLnBrk="1"/>
                       <a:r>
+                        <a:rPr lang="en-US" altLang="ko-KR" sz="2200">
+                          <a:ea typeface="G마켓 산스 Medium" panose="02000000000000000000"/>
+                        </a:rPr>
+                        <a:t>void </a:t>
+                      </a:r>
+                      <a:r>
+                        <a:rPr lang="en-US" altLang="ko-KR" sz="2200" smtClean="0">
+                          <a:ea typeface="G마켓 산스 Medium" panose="02000000000000000000"/>
+                        </a:rPr>
+                        <a:t>close</a:t>
+                      </a:r>
+                      <a:r>
                         <a:rPr lang="en-US" altLang="ko-KR" sz="2200" dirty="0">
                           <a:ea typeface="G마켓 산스 Medium" panose="02000000000000000000"/>
                         </a:rPr>
-                        <a:t>void Close()</a:t>
+                        <a:t>()</a:t>
                       </a:r>
                       <a:endParaRPr lang="ko-KR" altLang="en-US" sz="2200" dirty="0">
                         <a:ea typeface="G마켓 산스 Medium" panose="02000000000000000000"/>
@@ -12054,7 +12558,7 @@
                 </a:tc>
                 <a:extLst>
                   <a:ext uri="{0D108BD9-81ED-4DB2-BD59-A6C34878D82A}">
-                    <a16:rowId xmlns:a16="http://schemas.microsoft.com/office/drawing/2014/main" val="1463387718"/>
+                    <a16:rowId xmlns:a16="http://schemas.microsoft.com/office/drawing/2014/main" xmlns="" val="1463387718"/>
                   </a:ext>
                 </a:extLst>
               </a:tr>
@@ -12062,6 +12566,126 @@
           </a:graphicData>
         </a:graphic>
       </p:graphicFrame>
+      <p:pic>
+        <p:nvPicPr>
+          <p:cNvPr id="9" name="그림 8"/>
+          <p:cNvPicPr>
+            <a:picLocks noChangeAspect="1"/>
+          </p:cNvPicPr>
+          <p:nvPr/>
+        </p:nvPicPr>
+        <p:blipFill>
+          <a:blip r:embed="rId3"/>
+          <a:stretch>
+            <a:fillRect/>
+          </a:stretch>
+        </p:blipFill>
+        <p:spPr>
+          <a:xfrm>
+            <a:off x="1905000" y="2393877"/>
+            <a:ext cx="4397982" cy="1730984"/>
+          </a:xfrm>
+          <a:prstGeom prst="rect">
+            <a:avLst/>
+          </a:prstGeom>
+        </p:spPr>
+      </p:pic>
+      <p:pic>
+        <p:nvPicPr>
+          <p:cNvPr id="10" name="그림 9"/>
+          <p:cNvPicPr>
+            <a:picLocks noChangeAspect="1"/>
+          </p:cNvPicPr>
+          <p:nvPr/>
+        </p:nvPicPr>
+        <p:blipFill>
+          <a:blip r:embed="rId4"/>
+          <a:stretch>
+            <a:fillRect/>
+          </a:stretch>
+        </p:blipFill>
+        <p:spPr>
+          <a:xfrm>
+            <a:off x="6741358" y="2417738"/>
+            <a:ext cx="1564442" cy="1366132"/>
+          </a:xfrm>
+          <a:prstGeom prst="rect">
+            <a:avLst/>
+          </a:prstGeom>
+        </p:spPr>
+      </p:pic>
+      <p:pic>
+        <p:nvPicPr>
+          <p:cNvPr id="11" name="그림 10"/>
+          <p:cNvPicPr>
+            <a:picLocks noChangeAspect="1"/>
+          </p:cNvPicPr>
+          <p:nvPr/>
+        </p:nvPicPr>
+        <p:blipFill>
+          <a:blip r:embed="rId5"/>
+          <a:stretch>
+            <a:fillRect/>
+          </a:stretch>
+        </p:blipFill>
+        <p:spPr>
+          <a:xfrm>
+            <a:off x="6102741" y="4745502"/>
+            <a:ext cx="4412859" cy="2426287"/>
+          </a:xfrm>
+          <a:prstGeom prst="rect">
+            <a:avLst/>
+          </a:prstGeom>
+        </p:spPr>
+      </p:pic>
+      <p:pic>
+        <p:nvPicPr>
+          <p:cNvPr id="12" name="그림 11"/>
+          <p:cNvPicPr>
+            <a:picLocks noChangeAspect="1"/>
+          </p:cNvPicPr>
+          <p:nvPr/>
+        </p:nvPicPr>
+        <p:blipFill>
+          <a:blip r:embed="rId6"/>
+          <a:stretch>
+            <a:fillRect/>
+          </a:stretch>
+        </p:blipFill>
+        <p:spPr>
+          <a:xfrm>
+            <a:off x="6094535" y="6322695"/>
+            <a:ext cx="4421065" cy="847725"/>
+          </a:xfrm>
+          <a:prstGeom prst="rect">
+            <a:avLst/>
+          </a:prstGeom>
+        </p:spPr>
+      </p:pic>
+      <p:pic>
+        <p:nvPicPr>
+          <p:cNvPr id="13" name="그림 12"/>
+          <p:cNvPicPr>
+            <a:picLocks noChangeAspect="1"/>
+          </p:cNvPicPr>
+          <p:nvPr/>
+        </p:nvPicPr>
+        <p:blipFill>
+          <a:blip r:embed="rId7"/>
+          <a:stretch>
+            <a:fillRect/>
+          </a:stretch>
+        </p:blipFill>
+        <p:spPr>
+          <a:xfrm>
+            <a:off x="13792200" y="7680413"/>
+            <a:ext cx="4648200" cy="2600325"/>
+          </a:xfrm>
+          <a:prstGeom prst="rect">
+            <a:avLst/>
+          </a:prstGeom>
+        </p:spPr>
+      </p:pic>
     </p:spTree>
     <p:extLst>
       <p:ext uri="{BB962C8B-B14F-4D97-AF65-F5344CB8AC3E}">
@@ -12285,7 +12909,7 @@
           <p:cNvPr id="2" name="TextBox 1">
             <a:extLst>
               <a:ext uri="{FF2B5EF4-FFF2-40B4-BE49-F238E27FC236}">
-                <a16:creationId xmlns:a16="http://schemas.microsoft.com/office/drawing/2014/main" id="{76F36AE5-79B5-0B9F-E510-1C27AAC4B649}"/>
+                <a16:creationId xmlns:a16="http://schemas.microsoft.com/office/drawing/2014/main" xmlns="" id="{76F36AE5-79B5-0B9F-E510-1C27AAC4B649}"/>
               </a:ext>
             </a:extLst>
           </p:cNvPr>
@@ -12363,7 +12987,7 @@
           <p:cNvPr id="4" name="TextBox 3">
             <a:extLst>
               <a:ext uri="{FF2B5EF4-FFF2-40B4-BE49-F238E27FC236}">
-                <a16:creationId xmlns:a16="http://schemas.microsoft.com/office/drawing/2014/main" id="{5ADC00B6-990A-40DC-3CEA-505258F5E8DA}"/>
+                <a16:creationId xmlns:a16="http://schemas.microsoft.com/office/drawing/2014/main" xmlns="" id="{5ADC00B6-990A-40DC-3CEA-505258F5E8DA}"/>
               </a:ext>
             </a:extLst>
           </p:cNvPr>
@@ -12411,7 +13035,7 @@
           <p:cNvPr id="5" name="TextBox 4">
             <a:extLst>
               <a:ext uri="{FF2B5EF4-FFF2-40B4-BE49-F238E27FC236}">
-                <a16:creationId xmlns:a16="http://schemas.microsoft.com/office/drawing/2014/main" id="{A2AD056B-97A4-5BCC-4460-250160F3E171}"/>
+                <a16:creationId xmlns:a16="http://schemas.microsoft.com/office/drawing/2014/main" xmlns="" id="{A2AD056B-97A4-5BCC-4460-250160F3E171}"/>
               </a:ext>
             </a:extLst>
           </p:cNvPr>
@@ -12527,7 +13151,7 @@
           <p:cNvPr id="8" name="그룹 1008">
             <a:extLst>
               <a:ext uri="{FF2B5EF4-FFF2-40B4-BE49-F238E27FC236}">
-                <a16:creationId xmlns:a16="http://schemas.microsoft.com/office/drawing/2014/main" id="{678F6342-C505-E8AD-ADA4-022CB2C2088E}"/>
+                <a16:creationId xmlns:a16="http://schemas.microsoft.com/office/drawing/2014/main" xmlns="" id="{678F6342-C505-E8AD-ADA4-022CB2C2088E}"/>
               </a:ext>
             </a:extLst>
           </p:cNvPr>
@@ -12547,7 +13171,7 @@
             <p:cNvPr id="9" name="그룹 1009">
               <a:extLst>
                 <a:ext uri="{FF2B5EF4-FFF2-40B4-BE49-F238E27FC236}">
-                  <a16:creationId xmlns:a16="http://schemas.microsoft.com/office/drawing/2014/main" id="{4E1F1FED-812B-9BBB-925A-84B54A077414}"/>
+                  <a16:creationId xmlns:a16="http://schemas.microsoft.com/office/drawing/2014/main" xmlns="" id="{4E1F1FED-812B-9BBB-925A-84B54A077414}"/>
                 </a:ext>
               </a:extLst>
             </p:cNvPr>
@@ -12567,7 +13191,7 @@
               <p:cNvPr id="14" name="Object 29">
                 <a:extLst>
                   <a:ext uri="{FF2B5EF4-FFF2-40B4-BE49-F238E27FC236}">
-                    <a16:creationId xmlns:a16="http://schemas.microsoft.com/office/drawing/2014/main" id="{7B078609-4286-7B00-51EB-809C8E2DE289}"/>
+                    <a16:creationId xmlns:a16="http://schemas.microsoft.com/office/drawing/2014/main" xmlns="" id="{7B078609-4286-7B00-51EB-809C8E2DE289}"/>
                   </a:ext>
                 </a:extLst>
               </p:cNvPr>
@@ -12598,7 +13222,7 @@
             <p:cNvPr id="10" name="그룹 1010">
               <a:extLst>
                 <a:ext uri="{FF2B5EF4-FFF2-40B4-BE49-F238E27FC236}">
-                  <a16:creationId xmlns:a16="http://schemas.microsoft.com/office/drawing/2014/main" id="{02A649BF-B5B5-FBAF-7DFD-E118A4DF8907}"/>
+                  <a16:creationId xmlns:a16="http://schemas.microsoft.com/office/drawing/2014/main" xmlns="" id="{02A649BF-B5B5-FBAF-7DFD-E118A4DF8907}"/>
                 </a:ext>
               </a:extLst>
             </p:cNvPr>
@@ -12618,7 +13242,7 @@
               <p:cNvPr id="13" name="Object 32">
                 <a:extLst>
                   <a:ext uri="{FF2B5EF4-FFF2-40B4-BE49-F238E27FC236}">
-                    <a16:creationId xmlns:a16="http://schemas.microsoft.com/office/drawing/2014/main" id="{2A0FFF23-B3C9-3EA0-1C1B-A87D4FF098AE}"/>
+                    <a16:creationId xmlns:a16="http://schemas.microsoft.com/office/drawing/2014/main" xmlns="" id="{2A0FFF23-B3C9-3EA0-1C1B-A87D4FF098AE}"/>
                   </a:ext>
                 </a:extLst>
               </p:cNvPr>
@@ -12649,7 +13273,7 @@
             <p:cNvPr id="11" name="그룹 1011">
               <a:extLst>
                 <a:ext uri="{FF2B5EF4-FFF2-40B4-BE49-F238E27FC236}">
-                  <a16:creationId xmlns:a16="http://schemas.microsoft.com/office/drawing/2014/main" id="{881F5410-F7FB-F261-A584-707359BAC593}"/>
+                  <a16:creationId xmlns:a16="http://schemas.microsoft.com/office/drawing/2014/main" xmlns="" id="{881F5410-F7FB-F261-A584-707359BAC593}"/>
                 </a:ext>
               </a:extLst>
             </p:cNvPr>
@@ -12669,7 +13293,7 @@
               <p:cNvPr id="12" name="Object 35">
                 <a:extLst>
                   <a:ext uri="{FF2B5EF4-FFF2-40B4-BE49-F238E27FC236}">
-                    <a16:creationId xmlns:a16="http://schemas.microsoft.com/office/drawing/2014/main" id="{4E99E669-73EB-F9F4-EFE8-DC107035C265}"/>
+                    <a16:creationId xmlns:a16="http://schemas.microsoft.com/office/drawing/2014/main" xmlns="" id="{4E99E669-73EB-F9F4-EFE8-DC107035C265}"/>
                   </a:ext>
                 </a:extLst>
               </p:cNvPr>
@@ -12779,7 +13403,7 @@
           <p:cNvPr id="6" name="직사각형 5">
             <a:extLst>
               <a:ext uri="{FF2B5EF4-FFF2-40B4-BE49-F238E27FC236}">
-                <a16:creationId xmlns:a16="http://schemas.microsoft.com/office/drawing/2014/main" id="{FFF506F9-840A-0508-4CAF-3AC711D8D5CE}"/>
+                <a16:creationId xmlns:a16="http://schemas.microsoft.com/office/drawing/2014/main" xmlns="" id="{FFF506F9-840A-0508-4CAF-3AC711D8D5CE}"/>
               </a:ext>
             </a:extLst>
           </p:cNvPr>
@@ -12855,7 +13479,7 @@
           <p:cNvPr id="8" name="TextBox 7">
             <a:extLst>
               <a:ext uri="{FF2B5EF4-FFF2-40B4-BE49-F238E27FC236}">
-                <a16:creationId xmlns:a16="http://schemas.microsoft.com/office/drawing/2014/main" id="{5ADC00B6-990A-40DC-3CEA-505258F5E8DA}"/>
+                <a16:creationId xmlns:a16="http://schemas.microsoft.com/office/drawing/2014/main" xmlns="" id="{5ADC00B6-990A-40DC-3CEA-505258F5E8DA}"/>
               </a:ext>
             </a:extLst>
           </p:cNvPr>
@@ -12933,7 +13557,7 @@
           <p:cNvPr id="9" name="TextBox 8">
             <a:extLst>
               <a:ext uri="{FF2B5EF4-FFF2-40B4-BE49-F238E27FC236}">
-                <a16:creationId xmlns:a16="http://schemas.microsoft.com/office/drawing/2014/main" id="{C6D113C6-EA5C-788F-0C77-E7CE6EBB865F}"/>
+                <a16:creationId xmlns:a16="http://schemas.microsoft.com/office/drawing/2014/main" xmlns="" id="{C6D113C6-EA5C-788F-0C77-E7CE6EBB865F}"/>
               </a:ext>
             </a:extLst>
           </p:cNvPr>
@@ -13179,7 +13803,7 @@
           <p:cNvPr id="5" name="TextBox 4">
             <a:extLst>
               <a:ext uri="{FF2B5EF4-FFF2-40B4-BE49-F238E27FC236}">
-                <a16:creationId xmlns:a16="http://schemas.microsoft.com/office/drawing/2014/main" id="{5ADC00B6-990A-40DC-3CEA-505258F5E8DA}"/>
+                <a16:creationId xmlns:a16="http://schemas.microsoft.com/office/drawing/2014/main" xmlns="" id="{5ADC00B6-990A-40DC-3CEA-505258F5E8DA}"/>
               </a:ext>
             </a:extLst>
           </p:cNvPr>
@@ -13251,7 +13875,7 @@
           <p:cNvPr id="9" name="TextBox 8">
             <a:extLst>
               <a:ext uri="{FF2B5EF4-FFF2-40B4-BE49-F238E27FC236}">
-                <a16:creationId xmlns:a16="http://schemas.microsoft.com/office/drawing/2014/main" id="{A2AD056B-97A4-5BCC-4460-250160F3E171}"/>
+                <a16:creationId xmlns:a16="http://schemas.microsoft.com/office/drawing/2014/main" xmlns="" id="{A2AD056B-97A4-5BCC-4460-250160F3E171}"/>
               </a:ext>
             </a:extLst>
           </p:cNvPr>
@@ -13339,7 +13963,7 @@
           <p:cNvPr id="10" name="직선 화살표 연결선 9">
             <a:extLst>
               <a:ext uri="{FF2B5EF4-FFF2-40B4-BE49-F238E27FC236}">
-                <a16:creationId xmlns:a16="http://schemas.microsoft.com/office/drawing/2014/main" id="{299DF5EC-9DF4-5255-06AC-0A7CE4FF58C3}"/>
+                <a16:creationId xmlns:a16="http://schemas.microsoft.com/office/drawing/2014/main" xmlns="" id="{299DF5EC-9DF4-5255-06AC-0A7CE4FF58C3}"/>
               </a:ext>
             </a:extLst>
           </p:cNvPr>
@@ -13380,7 +14004,7 @@
           <p:cNvPr id="11" name="TextBox 10">
             <a:extLst>
               <a:ext uri="{FF2B5EF4-FFF2-40B4-BE49-F238E27FC236}">
-                <a16:creationId xmlns:a16="http://schemas.microsoft.com/office/drawing/2014/main" id="{C6D113C6-EA5C-788F-0C77-E7CE6EBB865F}"/>
+                <a16:creationId xmlns:a16="http://schemas.microsoft.com/office/drawing/2014/main" xmlns="" id="{C6D113C6-EA5C-788F-0C77-E7CE6EBB865F}"/>
               </a:ext>
             </a:extLst>
           </p:cNvPr>
@@ -13664,7 +14288,7 @@
           <p:cNvPr id="4" name="TextBox 3">
             <a:extLst>
               <a:ext uri="{FF2B5EF4-FFF2-40B4-BE49-F238E27FC236}">
-                <a16:creationId xmlns:a16="http://schemas.microsoft.com/office/drawing/2014/main" id="{5ADC00B6-990A-40DC-3CEA-505258F5E8DA}"/>
+                <a16:creationId xmlns:a16="http://schemas.microsoft.com/office/drawing/2014/main" xmlns="" id="{5ADC00B6-990A-40DC-3CEA-505258F5E8DA}"/>
               </a:ext>
             </a:extLst>
           </p:cNvPr>
@@ -13736,7 +14360,7 @@
           <p:cNvPr id="6" name="직사각형 5">
             <a:extLst>
               <a:ext uri="{FF2B5EF4-FFF2-40B4-BE49-F238E27FC236}">
-                <a16:creationId xmlns:a16="http://schemas.microsoft.com/office/drawing/2014/main" id="{FFF506F9-840A-0508-4CAF-3AC711D8D5CE}"/>
+                <a16:creationId xmlns:a16="http://schemas.microsoft.com/office/drawing/2014/main" xmlns="" id="{FFF506F9-840A-0508-4CAF-3AC711D8D5CE}"/>
               </a:ext>
             </a:extLst>
           </p:cNvPr>
@@ -13812,7 +14436,7 @@
           <p:cNvPr id="8" name="TextBox 7">
             <a:extLst>
               <a:ext uri="{FF2B5EF4-FFF2-40B4-BE49-F238E27FC236}">
-                <a16:creationId xmlns:a16="http://schemas.microsoft.com/office/drawing/2014/main" id="{A2AD056B-97A4-5BCC-4460-250160F3E171}"/>
+                <a16:creationId xmlns:a16="http://schemas.microsoft.com/office/drawing/2014/main" xmlns="" id="{A2AD056B-97A4-5BCC-4460-250160F3E171}"/>
               </a:ext>
             </a:extLst>
           </p:cNvPr>
@@ -13890,7 +14514,7 @@
           <p:cNvPr id="4" name="TextBox 3">
             <a:extLst>
               <a:ext uri="{FF2B5EF4-FFF2-40B4-BE49-F238E27FC236}">
-                <a16:creationId xmlns:a16="http://schemas.microsoft.com/office/drawing/2014/main" id="{5ADC00B6-990A-40DC-3CEA-505258F5E8DA}"/>
+                <a16:creationId xmlns:a16="http://schemas.microsoft.com/office/drawing/2014/main" xmlns="" id="{5ADC00B6-990A-40DC-3CEA-505258F5E8DA}"/>
               </a:ext>
             </a:extLst>
           </p:cNvPr>
@@ -14002,7 +14626,7 @@
           <p:cNvPr id="5" name="TextBox 4">
             <a:extLst>
               <a:ext uri="{FF2B5EF4-FFF2-40B4-BE49-F238E27FC236}">
-                <a16:creationId xmlns:a16="http://schemas.microsoft.com/office/drawing/2014/main" id="{A2AD056B-97A4-5BCC-4460-250160F3E171}"/>
+                <a16:creationId xmlns:a16="http://schemas.microsoft.com/office/drawing/2014/main" xmlns="" id="{A2AD056B-97A4-5BCC-4460-250160F3E171}"/>
               </a:ext>
             </a:extLst>
           </p:cNvPr>
@@ -14104,7 +14728,7 @@
           <p:cNvPr id="7" name="직선 화살표 연결선 6">
             <a:extLst>
               <a:ext uri="{FF2B5EF4-FFF2-40B4-BE49-F238E27FC236}">
-                <a16:creationId xmlns:a16="http://schemas.microsoft.com/office/drawing/2014/main" id="{299DF5EC-9DF4-5255-06AC-0A7CE4FF58C3}"/>
+                <a16:creationId xmlns:a16="http://schemas.microsoft.com/office/drawing/2014/main" xmlns="" id="{299DF5EC-9DF4-5255-06AC-0A7CE4FF58C3}"/>
               </a:ext>
             </a:extLst>
           </p:cNvPr>
@@ -14145,7 +14769,7 @@
           <p:cNvPr id="8" name="TextBox 7">
             <a:extLst>
               <a:ext uri="{FF2B5EF4-FFF2-40B4-BE49-F238E27FC236}">
-                <a16:creationId xmlns:a16="http://schemas.microsoft.com/office/drawing/2014/main" id="{C6D113C6-EA5C-788F-0C77-E7CE6EBB865F}"/>
+                <a16:creationId xmlns:a16="http://schemas.microsoft.com/office/drawing/2014/main" xmlns="" id="{C6D113C6-EA5C-788F-0C77-E7CE6EBB865F}"/>
               </a:ext>
             </a:extLst>
           </p:cNvPr>
@@ -14553,7 +15177,7 @@
           <p:cNvPr id="2" name="TextBox 1">
             <a:extLst>
               <a:ext uri="{FF2B5EF4-FFF2-40B4-BE49-F238E27FC236}">
-                <a16:creationId xmlns:a16="http://schemas.microsoft.com/office/drawing/2014/main" id="{8D19D88B-9541-32D7-90F1-0C45C993E21C}"/>
+                <a16:creationId xmlns:a16="http://schemas.microsoft.com/office/drawing/2014/main" xmlns="" id="{8D19D88B-9541-32D7-90F1-0C45C993E21C}"/>
               </a:ext>
             </a:extLst>
           </p:cNvPr>
@@ -14650,7 +15274,7 @@
           <p:cNvPr id="5" name="TextBox 4">
             <a:extLst>
               <a:ext uri="{FF2B5EF4-FFF2-40B4-BE49-F238E27FC236}">
-                <a16:creationId xmlns:a16="http://schemas.microsoft.com/office/drawing/2014/main" id="{A2AD056B-97A4-5BCC-4460-250160F3E171}"/>
+                <a16:creationId xmlns:a16="http://schemas.microsoft.com/office/drawing/2014/main" xmlns="" id="{A2AD056B-97A4-5BCC-4460-250160F3E171}"/>
               </a:ext>
             </a:extLst>
           </p:cNvPr>
@@ -14796,7 +15420,7 @@
           <p:cNvPr id="5" name="직사각형 4">
             <a:extLst>
               <a:ext uri="{FF2B5EF4-FFF2-40B4-BE49-F238E27FC236}">
-                <a16:creationId xmlns:a16="http://schemas.microsoft.com/office/drawing/2014/main" id="{FFF506F9-840A-0508-4CAF-3AC711D8D5CE}"/>
+                <a16:creationId xmlns:a16="http://schemas.microsoft.com/office/drawing/2014/main" xmlns="" id="{FFF506F9-840A-0508-4CAF-3AC711D8D5CE}"/>
               </a:ext>
             </a:extLst>
           </p:cNvPr>
@@ -14848,7 +15472,7 @@
           <p:cNvPr id="6" name="TextBox 5">
             <a:extLst>
               <a:ext uri="{FF2B5EF4-FFF2-40B4-BE49-F238E27FC236}">
-                <a16:creationId xmlns:a16="http://schemas.microsoft.com/office/drawing/2014/main" id="{5ADC00B6-990A-40DC-3CEA-505258F5E8DA}"/>
+                <a16:creationId xmlns:a16="http://schemas.microsoft.com/office/drawing/2014/main" xmlns="" id="{5ADC00B6-990A-40DC-3CEA-505258F5E8DA}"/>
               </a:ext>
             </a:extLst>
           </p:cNvPr>
@@ -14906,7 +15530,7 @@
           <p:cNvPr id="7" name="TextBox 6">
             <a:extLst>
               <a:ext uri="{FF2B5EF4-FFF2-40B4-BE49-F238E27FC236}">
-                <a16:creationId xmlns:a16="http://schemas.microsoft.com/office/drawing/2014/main" id="{5ADC00B6-990A-40DC-3CEA-505258F5E8DA}"/>
+                <a16:creationId xmlns:a16="http://schemas.microsoft.com/office/drawing/2014/main" xmlns="" id="{5ADC00B6-990A-40DC-3CEA-505258F5E8DA}"/>
               </a:ext>
             </a:extLst>
           </p:cNvPr>
@@ -15285,7 +15909,7 @@
           <p:cNvPr id="58" name="TextBox 57">
             <a:extLst>
               <a:ext uri="{FF2B5EF4-FFF2-40B4-BE49-F238E27FC236}">
-                <a16:creationId xmlns:a16="http://schemas.microsoft.com/office/drawing/2014/main" id="{5ADC00B6-990A-40DC-3CEA-505258F5E8DA}"/>
+                <a16:creationId xmlns:a16="http://schemas.microsoft.com/office/drawing/2014/main" xmlns="" id="{5ADC00B6-990A-40DC-3CEA-505258F5E8DA}"/>
               </a:ext>
             </a:extLst>
           </p:cNvPr>
@@ -15333,7 +15957,7 @@
           <p:cNvPr id="59" name="TextBox 58">
             <a:extLst>
               <a:ext uri="{FF2B5EF4-FFF2-40B4-BE49-F238E27FC236}">
-                <a16:creationId xmlns:a16="http://schemas.microsoft.com/office/drawing/2014/main" id="{5ADC00B6-990A-40DC-3CEA-505258F5E8DA}"/>
+                <a16:creationId xmlns:a16="http://schemas.microsoft.com/office/drawing/2014/main" xmlns="" id="{5ADC00B6-990A-40DC-3CEA-505258F5E8DA}"/>
               </a:ext>
             </a:extLst>
           </p:cNvPr>
@@ -15381,7 +16005,7 @@
           <p:cNvPr id="25" name="TextBox 24">
             <a:extLst>
               <a:ext uri="{FF2B5EF4-FFF2-40B4-BE49-F238E27FC236}">
-                <a16:creationId xmlns:a16="http://schemas.microsoft.com/office/drawing/2014/main" id="{A2AD056B-97A4-5BCC-4460-250160F3E171}"/>
+                <a16:creationId xmlns:a16="http://schemas.microsoft.com/office/drawing/2014/main" xmlns="" id="{A2AD056B-97A4-5BCC-4460-250160F3E171}"/>
               </a:ext>
             </a:extLst>
           </p:cNvPr>
@@ -15473,7 +16097,7 @@
           <p:cNvPr id="26" name="TextBox 25">
             <a:extLst>
               <a:ext uri="{FF2B5EF4-FFF2-40B4-BE49-F238E27FC236}">
-                <a16:creationId xmlns:a16="http://schemas.microsoft.com/office/drawing/2014/main" id="{A2AD056B-97A4-5BCC-4460-250160F3E171}"/>
+                <a16:creationId xmlns:a16="http://schemas.microsoft.com/office/drawing/2014/main" xmlns="" id="{A2AD056B-97A4-5BCC-4460-250160F3E171}"/>
               </a:ext>
             </a:extLst>
           </p:cNvPr>
@@ -15527,7 +16151,7 @@
           <p:cNvPr id="27" name="TextBox 26">
             <a:extLst>
               <a:ext uri="{FF2B5EF4-FFF2-40B4-BE49-F238E27FC236}">
-                <a16:creationId xmlns:a16="http://schemas.microsoft.com/office/drawing/2014/main" id="{A2AD056B-97A4-5BCC-4460-250160F3E171}"/>
+                <a16:creationId xmlns:a16="http://schemas.microsoft.com/office/drawing/2014/main" xmlns="" id="{A2AD056B-97A4-5BCC-4460-250160F3E171}"/>
               </a:ext>
             </a:extLst>
           </p:cNvPr>
@@ -15594,7 +16218,7 @@
           <p:cNvPr id="28" name="TextBox 27">
             <a:extLst>
               <a:ext uri="{FF2B5EF4-FFF2-40B4-BE49-F238E27FC236}">
-                <a16:creationId xmlns:a16="http://schemas.microsoft.com/office/drawing/2014/main" id="{A2AD056B-97A4-5BCC-4460-250160F3E171}"/>
+                <a16:creationId xmlns:a16="http://schemas.microsoft.com/office/drawing/2014/main" xmlns="" id="{A2AD056B-97A4-5BCC-4460-250160F3E171}"/>
               </a:ext>
             </a:extLst>
           </p:cNvPr>
@@ -15691,7 +16315,7 @@
           <p:cNvPr id="4" name="TextBox 3">
             <a:extLst>
               <a:ext uri="{FF2B5EF4-FFF2-40B4-BE49-F238E27FC236}">
-                <a16:creationId xmlns:a16="http://schemas.microsoft.com/office/drawing/2014/main" id="{DF7DDD33-9412-2802-339A-E55446AC2DA7}"/>
+                <a16:creationId xmlns:a16="http://schemas.microsoft.com/office/drawing/2014/main" xmlns="" id="{DF7DDD33-9412-2802-339A-E55446AC2DA7}"/>
               </a:ext>
             </a:extLst>
           </p:cNvPr>
@@ -15811,7 +16435,7 @@
           <p:cNvPr id="10" name="직선 화살표 연결선 9">
             <a:extLst>
               <a:ext uri="{FF2B5EF4-FFF2-40B4-BE49-F238E27FC236}">
-                <a16:creationId xmlns:a16="http://schemas.microsoft.com/office/drawing/2014/main" id="{299DF5EC-9DF4-5255-06AC-0A7CE4FF58C3}"/>
+                <a16:creationId xmlns:a16="http://schemas.microsoft.com/office/drawing/2014/main" xmlns="" id="{299DF5EC-9DF4-5255-06AC-0A7CE4FF58C3}"/>
               </a:ext>
             </a:extLst>
           </p:cNvPr>
@@ -15852,7 +16476,7 @@
           <p:cNvPr id="11" name="TextBox 10">
             <a:extLst>
               <a:ext uri="{FF2B5EF4-FFF2-40B4-BE49-F238E27FC236}">
-                <a16:creationId xmlns:a16="http://schemas.microsoft.com/office/drawing/2014/main" id="{C6D113C6-EA5C-788F-0C77-E7CE6EBB865F}"/>
+                <a16:creationId xmlns:a16="http://schemas.microsoft.com/office/drawing/2014/main" xmlns="" id="{C6D113C6-EA5C-788F-0C77-E7CE6EBB865F}"/>
               </a:ext>
             </a:extLst>
           </p:cNvPr>
@@ -15924,7 +16548,7 @@
           <p:cNvPr id="13" name="직선 화살표 연결선 12">
             <a:extLst>
               <a:ext uri="{FF2B5EF4-FFF2-40B4-BE49-F238E27FC236}">
-                <a16:creationId xmlns:a16="http://schemas.microsoft.com/office/drawing/2014/main" id="{299DF5EC-9DF4-5255-06AC-0A7CE4FF58C3}"/>
+                <a16:creationId xmlns:a16="http://schemas.microsoft.com/office/drawing/2014/main" xmlns="" id="{299DF5EC-9DF4-5255-06AC-0A7CE4FF58C3}"/>
               </a:ext>
             </a:extLst>
           </p:cNvPr>
@@ -15965,7 +16589,7 @@
           <p:cNvPr id="14" name="TextBox 13">
             <a:extLst>
               <a:ext uri="{FF2B5EF4-FFF2-40B4-BE49-F238E27FC236}">
-                <a16:creationId xmlns:a16="http://schemas.microsoft.com/office/drawing/2014/main" id="{C6D113C6-EA5C-788F-0C77-E7CE6EBB865F}"/>
+                <a16:creationId xmlns:a16="http://schemas.microsoft.com/office/drawing/2014/main" xmlns="" id="{C6D113C6-EA5C-788F-0C77-E7CE6EBB865F}"/>
               </a:ext>
             </a:extLst>
           </p:cNvPr>
@@ -16013,7 +16637,7 @@
           <p:cNvPr id="15" name="직선 화살표 연결선 14">
             <a:extLst>
               <a:ext uri="{FF2B5EF4-FFF2-40B4-BE49-F238E27FC236}">
-                <a16:creationId xmlns:a16="http://schemas.microsoft.com/office/drawing/2014/main" id="{299DF5EC-9DF4-5255-06AC-0A7CE4FF58C3}"/>
+                <a16:creationId xmlns:a16="http://schemas.microsoft.com/office/drawing/2014/main" xmlns="" id="{299DF5EC-9DF4-5255-06AC-0A7CE4FF58C3}"/>
               </a:ext>
             </a:extLst>
           </p:cNvPr>
@@ -16054,7 +16678,7 @@
           <p:cNvPr id="16" name="TextBox 15">
             <a:extLst>
               <a:ext uri="{FF2B5EF4-FFF2-40B4-BE49-F238E27FC236}">
-                <a16:creationId xmlns:a16="http://schemas.microsoft.com/office/drawing/2014/main" id="{C6D113C6-EA5C-788F-0C77-E7CE6EBB865F}"/>
+                <a16:creationId xmlns:a16="http://schemas.microsoft.com/office/drawing/2014/main" xmlns="" id="{C6D113C6-EA5C-788F-0C77-E7CE6EBB865F}"/>
               </a:ext>
             </a:extLst>
           </p:cNvPr>
@@ -16126,7 +16750,7 @@
           <p:cNvPr id="18" name="직선 화살표 연결선 17">
             <a:extLst>
               <a:ext uri="{FF2B5EF4-FFF2-40B4-BE49-F238E27FC236}">
-                <a16:creationId xmlns:a16="http://schemas.microsoft.com/office/drawing/2014/main" id="{299DF5EC-9DF4-5255-06AC-0A7CE4FF58C3}"/>
+                <a16:creationId xmlns:a16="http://schemas.microsoft.com/office/drawing/2014/main" xmlns="" id="{299DF5EC-9DF4-5255-06AC-0A7CE4FF58C3}"/>
               </a:ext>
             </a:extLst>
           </p:cNvPr>
@@ -16167,7 +16791,7 @@
           <p:cNvPr id="19" name="TextBox 18">
             <a:extLst>
               <a:ext uri="{FF2B5EF4-FFF2-40B4-BE49-F238E27FC236}">
-                <a16:creationId xmlns:a16="http://schemas.microsoft.com/office/drawing/2014/main" id="{C6D113C6-EA5C-788F-0C77-E7CE6EBB865F}"/>
+                <a16:creationId xmlns:a16="http://schemas.microsoft.com/office/drawing/2014/main" xmlns="" id="{C6D113C6-EA5C-788F-0C77-E7CE6EBB865F}"/>
               </a:ext>
             </a:extLst>
           </p:cNvPr>
@@ -16257,7 +16881,7 @@
           <p:cNvPr id="22" name="직선 화살표 연결선 21">
             <a:extLst>
               <a:ext uri="{FF2B5EF4-FFF2-40B4-BE49-F238E27FC236}">
-                <a16:creationId xmlns:a16="http://schemas.microsoft.com/office/drawing/2014/main" id="{299DF5EC-9DF4-5255-06AC-0A7CE4FF58C3}"/>
+                <a16:creationId xmlns:a16="http://schemas.microsoft.com/office/drawing/2014/main" xmlns="" id="{299DF5EC-9DF4-5255-06AC-0A7CE4FF58C3}"/>
               </a:ext>
             </a:extLst>
           </p:cNvPr>
@@ -16298,7 +16922,7 @@
           <p:cNvPr id="23" name="TextBox 22">
             <a:extLst>
               <a:ext uri="{FF2B5EF4-FFF2-40B4-BE49-F238E27FC236}">
-                <a16:creationId xmlns:a16="http://schemas.microsoft.com/office/drawing/2014/main" id="{C6D113C6-EA5C-788F-0C77-E7CE6EBB865F}"/>
+                <a16:creationId xmlns:a16="http://schemas.microsoft.com/office/drawing/2014/main" xmlns="" id="{C6D113C6-EA5C-788F-0C77-E7CE6EBB865F}"/>
               </a:ext>
             </a:extLst>
           </p:cNvPr>
@@ -16394,7 +17018,7 @@
           <p:cNvPr id="26" name="직선 화살표 연결선 25">
             <a:extLst>
               <a:ext uri="{FF2B5EF4-FFF2-40B4-BE49-F238E27FC236}">
-                <a16:creationId xmlns:a16="http://schemas.microsoft.com/office/drawing/2014/main" id="{299DF5EC-9DF4-5255-06AC-0A7CE4FF58C3}"/>
+                <a16:creationId xmlns:a16="http://schemas.microsoft.com/office/drawing/2014/main" xmlns="" id="{299DF5EC-9DF4-5255-06AC-0A7CE4FF58C3}"/>
               </a:ext>
             </a:extLst>
           </p:cNvPr>
@@ -16435,7 +17059,7 @@
           <p:cNvPr id="27" name="TextBox 26">
             <a:extLst>
               <a:ext uri="{FF2B5EF4-FFF2-40B4-BE49-F238E27FC236}">
-                <a16:creationId xmlns:a16="http://schemas.microsoft.com/office/drawing/2014/main" id="{C6D113C6-EA5C-788F-0C77-E7CE6EBB865F}"/>
+                <a16:creationId xmlns:a16="http://schemas.microsoft.com/office/drawing/2014/main" xmlns="" id="{C6D113C6-EA5C-788F-0C77-E7CE6EBB865F}"/>
               </a:ext>
             </a:extLst>
           </p:cNvPr>
@@ -17244,87 +17868,6 @@
 <file path=ppt/slides/slide34.xml><?xml version="1.0" encoding="utf-8"?>
 <p:sld xmlns:a="http://schemas.openxmlformats.org/drawingml/2006/main" xmlns:r="http://schemas.openxmlformats.org/officeDocument/2006/relationships" xmlns:p="http://schemas.openxmlformats.org/presentationml/2006/main">
   <p:cSld>
-    <p:spTree>
-      <p:nvGrpSpPr>
-        <p:cNvPr id="1" name=""/>
-        <p:cNvGrpSpPr/>
-        <p:nvPr/>
-      </p:nvGrpSpPr>
-      <p:grpSpPr>
-        <a:xfrm>
-          <a:off x="0" y="0"/>
-          <a:ext cx="0" cy="0"/>
-          <a:chOff x="0" y="0"/>
-          <a:chExt cx="0" cy="0"/>
-        </a:xfrm>
-      </p:grpSpPr>
-      <p:sp>
-        <p:nvSpPr>
-          <p:cNvPr id="4" name="TextBox 3">
-            <a:extLst>
-              <a:ext uri="{FF2B5EF4-FFF2-40B4-BE49-F238E27FC236}">
-                <a16:creationId xmlns:a16="http://schemas.microsoft.com/office/drawing/2014/main" id="{5ADC00B6-990A-40DC-3CEA-505258F5E8DA}"/>
-              </a:ext>
-            </a:extLst>
-          </p:cNvPr>
-          <p:cNvSpPr txBox="1"/>
-          <p:nvPr/>
-        </p:nvSpPr>
-        <p:spPr>
-          <a:xfrm>
-            <a:off x="1143000" y="342900"/>
-            <a:ext cx="2971800" cy="830997"/>
-          </a:xfrm>
-          <a:prstGeom prst="rect">
-            <a:avLst/>
-          </a:prstGeom>
-          <a:noFill/>
-        </p:spPr>
-        <p:txBody>
-          <a:bodyPr wrap="square" rtlCol="0">
-            <a:spAutoFit/>
-          </a:bodyPr>
-          <a:lstStyle/>
-          <a:p>
-            <a:r>
-              <a:rPr lang="ko-KR" altLang="en-US" sz="4800" dirty="0">
-                <a:solidFill>
-                  <a:srgbClr val="4C50BC"/>
-                </a:solidFill>
-                <a:latin typeface="G마켓 산스 Medium" panose="02000000000000000000" pitchFamily="50" charset="-127"/>
-                <a:ea typeface="G마켓 산스 Medium" panose="02000000000000000000" pitchFamily="50" charset="-127"/>
-              </a:rPr>
-              <a:t>실습문제</a:t>
-            </a:r>
-            <a:r>
-              <a:rPr lang="en-US" altLang="ko-KR" sz="4800" dirty="0">
-                <a:solidFill>
-                  <a:srgbClr val="4C50BC"/>
-                </a:solidFill>
-                <a:latin typeface="G마켓 산스 Medium" panose="02000000000000000000" pitchFamily="50" charset="-127"/>
-                <a:ea typeface="G마켓 산스 Medium" panose="02000000000000000000" pitchFamily="50" charset="-127"/>
-              </a:rPr>
-              <a:t>2</a:t>
-            </a:r>
-          </a:p>
-        </p:txBody>
-      </p:sp>
-    </p:spTree>
-    <p:extLst>
-      <p:ext uri="{BB962C8B-B14F-4D97-AF65-F5344CB8AC3E}">
-        <p14:creationId xmlns:p14="http://schemas.microsoft.com/office/powerpoint/2010/main" val="2410463210"/>
-      </p:ext>
-    </p:extLst>
-  </p:cSld>
-  <p:clrMapOvr>
-    <a:masterClrMapping/>
-  </p:clrMapOvr>
-</p:sld>
-</file>
-
-<file path=ppt/slides/slide35.xml><?xml version="1.0" encoding="utf-8"?>
-<p:sld xmlns:a="http://schemas.openxmlformats.org/drawingml/2006/main" xmlns:r="http://schemas.openxmlformats.org/officeDocument/2006/relationships" xmlns:p="http://schemas.openxmlformats.org/presentationml/2006/main">
-  <p:cSld>
     <p:bg>
       <p:bgPr>
         <a:solidFill>
@@ -17352,7 +17895,7 @@
           <p:cNvPr id="4" name="Object 1">
             <a:extLst>
               <a:ext uri="{FF2B5EF4-FFF2-40B4-BE49-F238E27FC236}">
-                <a16:creationId xmlns:a16="http://schemas.microsoft.com/office/drawing/2014/main" id="{B0329035-BE76-33A8-0F2E-44624FCC1DED}"/>
+                <a16:creationId xmlns:a16="http://schemas.microsoft.com/office/drawing/2014/main" xmlns="" id="{B0329035-BE76-33A8-0F2E-44624FCC1DED}"/>
               </a:ext>
             </a:extLst>
           </p:cNvPr>
@@ -17382,7 +17925,7 @@
           <p:cNvPr id="7" name="그룹 1001">
             <a:extLst>
               <a:ext uri="{FF2B5EF4-FFF2-40B4-BE49-F238E27FC236}">
-                <a16:creationId xmlns:a16="http://schemas.microsoft.com/office/drawing/2014/main" id="{CD24CE9D-AC18-B6CD-F397-7E8E03D6FE26}"/>
+                <a16:creationId xmlns:a16="http://schemas.microsoft.com/office/drawing/2014/main" xmlns="" id="{CD24CE9D-AC18-B6CD-F397-7E8E03D6FE26}"/>
               </a:ext>
             </a:extLst>
           </p:cNvPr>
@@ -17402,7 +17945,7 @@
             <p:cNvPr id="8" name="Object 5">
               <a:extLst>
                 <a:ext uri="{FF2B5EF4-FFF2-40B4-BE49-F238E27FC236}">
-                  <a16:creationId xmlns:a16="http://schemas.microsoft.com/office/drawing/2014/main" id="{0EEF25E8-3BA8-EBAA-6DC2-66D70C3F9F4D}"/>
+                  <a16:creationId xmlns:a16="http://schemas.microsoft.com/office/drawing/2014/main" xmlns="" id="{0EEF25E8-3BA8-EBAA-6DC2-66D70C3F9F4D}"/>
                 </a:ext>
               </a:extLst>
             </p:cNvPr>
@@ -17433,7 +17976,7 @@
           <p:cNvPr id="9" name="그룹 1002">
             <a:extLst>
               <a:ext uri="{FF2B5EF4-FFF2-40B4-BE49-F238E27FC236}">
-                <a16:creationId xmlns:a16="http://schemas.microsoft.com/office/drawing/2014/main" id="{0F281BC9-DE1F-D1FE-E64C-C4640398F00C}"/>
+                <a16:creationId xmlns:a16="http://schemas.microsoft.com/office/drawing/2014/main" xmlns="" id="{0F281BC9-DE1F-D1FE-E64C-C4640398F00C}"/>
               </a:ext>
             </a:extLst>
           </p:cNvPr>
@@ -17453,7 +17996,7 @@
             <p:cNvPr id="10" name="Object 8">
               <a:extLst>
                 <a:ext uri="{FF2B5EF4-FFF2-40B4-BE49-F238E27FC236}">
-                  <a16:creationId xmlns:a16="http://schemas.microsoft.com/office/drawing/2014/main" id="{F669DCEF-04BB-7046-3F7F-5B513213556E}"/>
+                  <a16:creationId xmlns:a16="http://schemas.microsoft.com/office/drawing/2014/main" xmlns="" id="{F669DCEF-04BB-7046-3F7F-5B513213556E}"/>
                 </a:ext>
               </a:extLst>
             </p:cNvPr>
@@ -17484,7 +18027,7 @@
           <p:cNvPr id="11" name="그룹 1003">
             <a:extLst>
               <a:ext uri="{FF2B5EF4-FFF2-40B4-BE49-F238E27FC236}">
-                <a16:creationId xmlns:a16="http://schemas.microsoft.com/office/drawing/2014/main" id="{1F91EEF9-13EA-BB7F-B056-D35E7DB989AC}"/>
+                <a16:creationId xmlns:a16="http://schemas.microsoft.com/office/drawing/2014/main" xmlns="" id="{1F91EEF9-13EA-BB7F-B056-D35E7DB989AC}"/>
               </a:ext>
             </a:extLst>
           </p:cNvPr>
@@ -17504,7 +18047,7 @@
             <p:cNvPr id="12" name="Object 11">
               <a:extLst>
                 <a:ext uri="{FF2B5EF4-FFF2-40B4-BE49-F238E27FC236}">
-                  <a16:creationId xmlns:a16="http://schemas.microsoft.com/office/drawing/2014/main" id="{2CFFB217-AEFB-2C9E-5F86-6EE19510FFC6}"/>
+                  <a16:creationId xmlns:a16="http://schemas.microsoft.com/office/drawing/2014/main" xmlns="" id="{2CFFB217-AEFB-2C9E-5F86-6EE19510FFC6}"/>
                 </a:ext>
               </a:extLst>
             </p:cNvPr>
@@ -17535,7 +18078,7 @@
           <p:cNvPr id="13" name="그룹 1004">
             <a:extLst>
               <a:ext uri="{FF2B5EF4-FFF2-40B4-BE49-F238E27FC236}">
-                <a16:creationId xmlns:a16="http://schemas.microsoft.com/office/drawing/2014/main" id="{123B9C7E-94E8-E7E1-81BE-D59EA0299187}"/>
+                <a16:creationId xmlns:a16="http://schemas.microsoft.com/office/drawing/2014/main" xmlns="" id="{123B9C7E-94E8-E7E1-81BE-D59EA0299187}"/>
               </a:ext>
             </a:extLst>
           </p:cNvPr>
@@ -17555,7 +18098,7 @@
             <p:cNvPr id="14" name="Object 14">
               <a:extLst>
                 <a:ext uri="{FF2B5EF4-FFF2-40B4-BE49-F238E27FC236}">
-                  <a16:creationId xmlns:a16="http://schemas.microsoft.com/office/drawing/2014/main" id="{B6291552-2D89-A79F-7ACD-EA0EF9A4C389}"/>
+                  <a16:creationId xmlns:a16="http://schemas.microsoft.com/office/drawing/2014/main" xmlns="" id="{B6291552-2D89-A79F-7ACD-EA0EF9A4C389}"/>
                 </a:ext>
               </a:extLst>
             </p:cNvPr>
@@ -17586,7 +18129,7 @@
           <p:cNvPr id="15" name="TextBox 14">
             <a:extLst>
               <a:ext uri="{FF2B5EF4-FFF2-40B4-BE49-F238E27FC236}">
-                <a16:creationId xmlns:a16="http://schemas.microsoft.com/office/drawing/2014/main" id="{7D99763A-FC24-23F5-5BA9-D7B042E0F323}"/>
+                <a16:creationId xmlns:a16="http://schemas.microsoft.com/office/drawing/2014/main" xmlns="" id="{7D99763A-FC24-23F5-5BA9-D7B042E0F323}"/>
               </a:ext>
             </a:extLst>
           </p:cNvPr>
@@ -17642,7 +18185,7 @@
 </p:sld>
 </file>
 
-<file path=ppt/slides/slide36.xml><?xml version="1.0" encoding="utf-8"?>
+<file path=ppt/slides/slide35.xml><?xml version="1.0" encoding="utf-8"?>
 <p:sld xmlns:a="http://schemas.openxmlformats.org/drawingml/2006/main" xmlns:r="http://schemas.openxmlformats.org/officeDocument/2006/relationships" xmlns:p="http://schemas.openxmlformats.org/presentationml/2006/main">
   <p:cSld>
     <p:spTree>
@@ -17664,7 +18207,7 @@
           <p:cNvPr id="4" name="TextBox 3">
             <a:extLst>
               <a:ext uri="{FF2B5EF4-FFF2-40B4-BE49-F238E27FC236}">
-                <a16:creationId xmlns:a16="http://schemas.microsoft.com/office/drawing/2014/main" id="{5ADC00B6-990A-40DC-3CEA-505258F5E8DA}"/>
+                <a16:creationId xmlns:a16="http://schemas.microsoft.com/office/drawing/2014/main" xmlns="" id="{5ADC00B6-990A-40DC-3CEA-505258F5E8DA}"/>
               </a:ext>
             </a:extLst>
           </p:cNvPr>
@@ -17712,7 +18255,7 @@
           <p:cNvPr id="5" name="TextBox 4">
             <a:extLst>
               <a:ext uri="{FF2B5EF4-FFF2-40B4-BE49-F238E27FC236}">
-                <a16:creationId xmlns:a16="http://schemas.microsoft.com/office/drawing/2014/main" id="{A2AD056B-97A4-5BCC-4460-250160F3E171}"/>
+                <a16:creationId xmlns:a16="http://schemas.microsoft.com/office/drawing/2014/main" xmlns="" id="{A2AD056B-97A4-5BCC-4460-250160F3E171}"/>
               </a:ext>
             </a:extLst>
           </p:cNvPr>
@@ -17828,7 +18371,7 @@
           <p:cNvPr id="6" name="TextBox 5">
             <a:extLst>
               <a:ext uri="{FF2B5EF4-FFF2-40B4-BE49-F238E27FC236}">
-                <a16:creationId xmlns:a16="http://schemas.microsoft.com/office/drawing/2014/main" id="{A2AD056B-97A4-5BCC-4460-250160F3E171}"/>
+                <a16:creationId xmlns:a16="http://schemas.microsoft.com/office/drawing/2014/main" xmlns="" id="{A2AD056B-97A4-5BCC-4460-250160F3E171}"/>
               </a:ext>
             </a:extLst>
           </p:cNvPr>
@@ -18049,7 +18592,7 @@
 </p:sld>
 </file>
 
-<file path=ppt/slides/slide37.xml><?xml version="1.0" encoding="utf-8"?>
+<file path=ppt/slides/slide36.xml><?xml version="1.0" encoding="utf-8"?>
 <p:sld xmlns:a="http://schemas.openxmlformats.org/drawingml/2006/main" xmlns:r="http://schemas.openxmlformats.org/officeDocument/2006/relationships" xmlns:p="http://schemas.openxmlformats.org/presentationml/2006/main">
   <p:cSld>
     <p:spTree>
@@ -18250,7 +18793,7 @@
 </p:sld>
 </file>
 
-<file path=ppt/slides/slide38.xml><?xml version="1.0" encoding="utf-8"?>
+<file path=ppt/slides/slide37.xml><?xml version="1.0" encoding="utf-8"?>
 <p:sld xmlns:a="http://schemas.openxmlformats.org/drawingml/2006/main" xmlns:r="http://schemas.openxmlformats.org/officeDocument/2006/relationships" xmlns:p="http://schemas.openxmlformats.org/presentationml/2006/main">
   <p:cSld>
     <p:spTree>
@@ -18328,7 +18871,7 @@
 </p:sld>
 </file>
 
-<file path=ppt/slides/slide39.xml><?xml version="1.0" encoding="utf-8"?>
+<file path=ppt/slides/slide38.xml><?xml version="1.0" encoding="utf-8"?>
 <p:sld xmlns:a="http://schemas.openxmlformats.org/drawingml/2006/main" xmlns:r="http://schemas.openxmlformats.org/officeDocument/2006/relationships" xmlns:p="http://schemas.openxmlformats.org/presentationml/2006/main">
   <p:cSld>
     <p:spTree>
@@ -18445,7 +18988,7 @@
                 <a:gridCol w="1731833">
                   <a:extLst>
                     <a:ext uri="{9D8B030D-6E8A-4147-A177-3AD203B41FA5}">
-                      <a16:colId xmlns:a16="http://schemas.microsoft.com/office/drawing/2014/main" val="20000"/>
+                      <a16:colId xmlns:a16="http://schemas.microsoft.com/office/drawing/2014/main" xmlns="" val="20000"/>
                     </a:ext>
                   </a:extLst>
                 </a:gridCol>
@@ -18518,7 +19061,7 @@
                 </a:tc>
                 <a:extLst>
                   <a:ext uri="{0D108BD9-81ED-4DB2-BD59-A6C34878D82A}">
-                    <a16:rowId xmlns:a16="http://schemas.microsoft.com/office/drawing/2014/main" val="10000"/>
+                    <a16:rowId xmlns:a16="http://schemas.microsoft.com/office/drawing/2014/main" xmlns="" val="10000"/>
                   </a:ext>
                 </a:extLst>
               </a:tr>
@@ -18582,7 +19125,7 @@
                 </a:tc>
                 <a:extLst>
                   <a:ext uri="{0D108BD9-81ED-4DB2-BD59-A6C34878D82A}">
-                    <a16:rowId xmlns:a16="http://schemas.microsoft.com/office/drawing/2014/main" val="10001"/>
+                    <a16:rowId xmlns:a16="http://schemas.microsoft.com/office/drawing/2014/main" xmlns="" val="10001"/>
                   </a:ext>
                 </a:extLst>
               </a:tr>
@@ -18618,7 +19161,7 @@
                 <a:gridCol w="1731833">
                   <a:extLst>
                     <a:ext uri="{9D8B030D-6E8A-4147-A177-3AD203B41FA5}">
-                      <a16:colId xmlns:a16="http://schemas.microsoft.com/office/drawing/2014/main" val="20000"/>
+                      <a16:colId xmlns:a16="http://schemas.microsoft.com/office/drawing/2014/main" xmlns="" val="20000"/>
                     </a:ext>
                   </a:extLst>
                 </a:gridCol>
@@ -18691,7 +19234,7 @@
                 </a:tc>
                 <a:extLst>
                   <a:ext uri="{0D108BD9-81ED-4DB2-BD59-A6C34878D82A}">
-                    <a16:rowId xmlns:a16="http://schemas.microsoft.com/office/drawing/2014/main" val="10000"/>
+                    <a16:rowId xmlns:a16="http://schemas.microsoft.com/office/drawing/2014/main" xmlns="" val="10000"/>
                   </a:ext>
                 </a:extLst>
               </a:tr>
@@ -18755,7 +19298,7 @@
                 </a:tc>
                 <a:extLst>
                   <a:ext uri="{0D108BD9-81ED-4DB2-BD59-A6C34878D82A}">
-                    <a16:rowId xmlns:a16="http://schemas.microsoft.com/office/drawing/2014/main" val="10001"/>
+                    <a16:rowId xmlns:a16="http://schemas.microsoft.com/office/drawing/2014/main" xmlns="" val="10001"/>
                   </a:ext>
                 </a:extLst>
               </a:tr>
@@ -18768,7 +19311,7 @@
           <p:cNvPr id="12" name="직선 화살표 연결선 11">
             <a:extLst>
               <a:ext uri="{FF2B5EF4-FFF2-40B4-BE49-F238E27FC236}">
-                <a16:creationId xmlns:a16="http://schemas.microsoft.com/office/drawing/2014/main" id="{299DF5EC-9DF4-5255-06AC-0A7CE4FF58C3}"/>
+                <a16:creationId xmlns:a16="http://schemas.microsoft.com/office/drawing/2014/main" xmlns="" id="{299DF5EC-9DF4-5255-06AC-0A7CE4FF58C3}"/>
               </a:ext>
             </a:extLst>
           </p:cNvPr>
@@ -18809,7 +19352,7 @@
           <p:cNvPr id="14" name="직선 화살표 연결선 13">
             <a:extLst>
               <a:ext uri="{FF2B5EF4-FFF2-40B4-BE49-F238E27FC236}">
-                <a16:creationId xmlns:a16="http://schemas.microsoft.com/office/drawing/2014/main" id="{299DF5EC-9DF4-5255-06AC-0A7CE4FF58C3}"/>
+                <a16:creationId xmlns:a16="http://schemas.microsoft.com/office/drawing/2014/main" xmlns="" id="{299DF5EC-9DF4-5255-06AC-0A7CE4FF58C3}"/>
               </a:ext>
             </a:extLst>
           </p:cNvPr>
@@ -19077,6 +19620,207 @@
 </p:sld>
 </file>
 
+<file path=ppt/slides/slide39.xml><?xml version="1.0" encoding="utf-8"?>
+<p:sld xmlns:a="http://schemas.openxmlformats.org/drawingml/2006/main" xmlns:r="http://schemas.openxmlformats.org/officeDocument/2006/relationships" xmlns:p="http://schemas.openxmlformats.org/presentationml/2006/main">
+  <p:cSld>
+    <p:spTree>
+      <p:nvGrpSpPr>
+        <p:cNvPr id="1" name=""/>
+        <p:cNvGrpSpPr/>
+        <p:nvPr/>
+      </p:nvGrpSpPr>
+      <p:grpSpPr>
+        <a:xfrm>
+          <a:off x="0" y="0"/>
+          <a:ext cx="0" cy="0"/>
+          <a:chOff x="0" y="0"/>
+          <a:chExt cx="0" cy="0"/>
+        </a:xfrm>
+      </p:grpSpPr>
+      <p:pic>
+        <p:nvPicPr>
+          <p:cNvPr id="4" name="그림 3"/>
+          <p:cNvPicPr>
+            <a:picLocks noChangeAspect="1"/>
+          </p:cNvPicPr>
+          <p:nvPr/>
+        </p:nvPicPr>
+        <p:blipFill>
+          <a:blip r:embed="rId2"/>
+          <a:stretch>
+            <a:fillRect/>
+          </a:stretch>
+        </p:blipFill>
+        <p:spPr>
+          <a:xfrm>
+            <a:off x="152400" y="495300"/>
+            <a:ext cx="6730031" cy="1981200"/>
+          </a:xfrm>
+          <a:prstGeom prst="rect">
+            <a:avLst/>
+          </a:prstGeom>
+        </p:spPr>
+      </p:pic>
+      <p:pic>
+        <p:nvPicPr>
+          <p:cNvPr id="6" name="그림 5"/>
+          <p:cNvPicPr>
+            <a:picLocks noChangeAspect="1"/>
+          </p:cNvPicPr>
+          <p:nvPr/>
+        </p:nvPicPr>
+        <p:blipFill>
+          <a:blip r:embed="rId3"/>
+          <a:stretch>
+            <a:fillRect/>
+          </a:stretch>
+        </p:blipFill>
+        <p:spPr>
+          <a:xfrm>
+            <a:off x="9601200" y="484450"/>
+            <a:ext cx="6769212" cy="3135050"/>
+          </a:xfrm>
+          <a:prstGeom prst="rect">
+            <a:avLst/>
+          </a:prstGeom>
+        </p:spPr>
+      </p:pic>
+      <p:pic>
+        <p:nvPicPr>
+          <p:cNvPr id="8" name="그림 7"/>
+          <p:cNvPicPr>
+            <a:picLocks noChangeAspect="1"/>
+          </p:cNvPicPr>
+          <p:nvPr/>
+        </p:nvPicPr>
+        <p:blipFill>
+          <a:blip r:embed="rId4"/>
+          <a:stretch>
+            <a:fillRect/>
+          </a:stretch>
+        </p:blipFill>
+        <p:spPr>
+          <a:xfrm>
+            <a:off x="152400" y="2715650"/>
+            <a:ext cx="8513037" cy="6314050"/>
+          </a:xfrm>
+          <a:prstGeom prst="rect">
+            <a:avLst/>
+          </a:prstGeom>
+        </p:spPr>
+      </p:pic>
+      <p:pic>
+        <p:nvPicPr>
+          <p:cNvPr id="9" name="그림 8"/>
+          <p:cNvPicPr>
+            <a:picLocks noChangeAspect="1"/>
+          </p:cNvPicPr>
+          <p:nvPr/>
+        </p:nvPicPr>
+        <p:blipFill>
+          <a:blip r:embed="rId5"/>
+          <a:stretch>
+            <a:fillRect/>
+          </a:stretch>
+        </p:blipFill>
+        <p:spPr>
+          <a:xfrm>
+            <a:off x="9594166" y="4152900"/>
+            <a:ext cx="4960034" cy="4416171"/>
+          </a:xfrm>
+          <a:prstGeom prst="rect">
+            <a:avLst/>
+          </a:prstGeom>
+        </p:spPr>
+      </p:pic>
+    </p:spTree>
+    <p:extLst>
+      <p:ext uri="{BB962C8B-B14F-4D97-AF65-F5344CB8AC3E}">
+        <p14:creationId xmlns:p14="http://schemas.microsoft.com/office/powerpoint/2010/main" val="1911505953"/>
+      </p:ext>
+    </p:extLst>
+  </p:cSld>
+  <p:clrMapOvr>
+    <a:masterClrMapping/>
+  </p:clrMapOvr>
+  <p:timing>
+    <p:tnLst>
+      <p:par>
+        <p:cTn id="1" dur="indefinite" restart="never" nodeType="tmRoot">
+          <p:childTnLst>
+            <p:seq concurrent="1" nextAc="seek">
+              <p:cTn id="2" dur="indefinite" nodeType="mainSeq">
+                <p:childTnLst>
+                  <p:par>
+                    <p:cTn id="3" fill="hold">
+                      <p:stCondLst>
+                        <p:cond delay="indefinite"/>
+                      </p:stCondLst>
+                      <p:childTnLst>
+                        <p:par>
+                          <p:cTn id="4" fill="hold">
+                            <p:stCondLst>
+                              <p:cond delay="0"/>
+                            </p:stCondLst>
+                            <p:childTnLst>
+                              <p:par>
+                                <p:cTn id="5" presetID="1" presetClass="entr" presetSubtype="0" fill="hold" nodeType="clickEffect">
+                                  <p:stCondLst>
+                                    <p:cond delay="0"/>
+                                  </p:stCondLst>
+                                  <p:childTnLst>
+                                    <p:set>
+                                      <p:cBhvr>
+                                        <p:cTn id="6" dur="1" fill="hold">
+                                          <p:stCondLst>
+                                            <p:cond delay="0"/>
+                                          </p:stCondLst>
+                                        </p:cTn>
+                                        <p:tgtEl>
+                                          <p:spTgt spid="9"/>
+                                        </p:tgtEl>
+                                        <p:attrNameLst>
+                                          <p:attrName>style.visibility</p:attrName>
+                                        </p:attrNameLst>
+                                      </p:cBhvr>
+                                      <p:to>
+                                        <p:strVal val="visible"/>
+                                      </p:to>
+                                    </p:set>
+                                  </p:childTnLst>
+                                </p:cTn>
+                              </p:par>
+                            </p:childTnLst>
+                          </p:cTn>
+                        </p:par>
+                      </p:childTnLst>
+                    </p:cTn>
+                  </p:par>
+                </p:childTnLst>
+              </p:cTn>
+              <p:prevCondLst>
+                <p:cond evt="onPrev" delay="0">
+                  <p:tgtEl>
+                    <p:sldTgt/>
+                  </p:tgtEl>
+                </p:cond>
+              </p:prevCondLst>
+              <p:nextCondLst>
+                <p:cond evt="onNext" delay="0">
+                  <p:tgtEl>
+                    <p:sldTgt/>
+                  </p:tgtEl>
+                </p:cond>
+              </p:nextCondLst>
+            </p:seq>
+          </p:childTnLst>
+        </p:cTn>
+      </p:par>
+    </p:tnLst>
+  </p:timing>
+</p:sld>
+</file>
+
 <file path=ppt/slides/slide4.xml><?xml version="1.0" encoding="utf-8"?>
 <p:sld xmlns:a="http://schemas.openxmlformats.org/drawingml/2006/main" xmlns:r="http://schemas.openxmlformats.org/officeDocument/2006/relationships" xmlns:p="http://schemas.openxmlformats.org/presentationml/2006/main">
   <p:cSld>
@@ -19099,7 +19843,7 @@
           <p:cNvPr id="6" name="그룹 1018">
             <a:extLst>
               <a:ext uri="{FF2B5EF4-FFF2-40B4-BE49-F238E27FC236}">
-                <a16:creationId xmlns:a16="http://schemas.microsoft.com/office/drawing/2014/main" id="{008489BA-FEFA-DE7D-B3CD-53A358B82592}"/>
+                <a16:creationId xmlns:a16="http://schemas.microsoft.com/office/drawing/2014/main" xmlns="" id="{008489BA-FEFA-DE7D-B3CD-53A358B82592}"/>
               </a:ext>
             </a:extLst>
           </p:cNvPr>
@@ -19119,7 +19863,7 @@
             <p:cNvPr id="7" name="Object 61">
               <a:extLst>
                 <a:ext uri="{FF2B5EF4-FFF2-40B4-BE49-F238E27FC236}">
-                  <a16:creationId xmlns:a16="http://schemas.microsoft.com/office/drawing/2014/main" id="{9ED25BE3-45BE-AC6D-D835-4457854D2832}"/>
+                  <a16:creationId xmlns:a16="http://schemas.microsoft.com/office/drawing/2014/main" xmlns="" id="{9ED25BE3-45BE-AC6D-D835-4457854D2832}"/>
                 </a:ext>
               </a:extLst>
             </p:cNvPr>
@@ -19150,7 +19894,7 @@
           <p:cNvPr id="8" name="그룹 1021">
             <a:extLst>
               <a:ext uri="{FF2B5EF4-FFF2-40B4-BE49-F238E27FC236}">
-                <a16:creationId xmlns:a16="http://schemas.microsoft.com/office/drawing/2014/main" id="{7FE0C0A1-ABE4-F0EA-AFC1-4622C45C99E7}"/>
+                <a16:creationId xmlns:a16="http://schemas.microsoft.com/office/drawing/2014/main" xmlns="" id="{7FE0C0A1-ABE4-F0EA-AFC1-4622C45C99E7}"/>
               </a:ext>
             </a:extLst>
           </p:cNvPr>
@@ -19170,7 +19914,7 @@
             <p:cNvPr id="9" name="Object 71">
               <a:extLst>
                 <a:ext uri="{FF2B5EF4-FFF2-40B4-BE49-F238E27FC236}">
-                  <a16:creationId xmlns:a16="http://schemas.microsoft.com/office/drawing/2014/main" id="{CDBB7D83-509F-9F4C-0C3E-DBA2562E5520}"/>
+                  <a16:creationId xmlns:a16="http://schemas.microsoft.com/office/drawing/2014/main" xmlns="" id="{CDBB7D83-509F-9F4C-0C3E-DBA2562E5520}"/>
                 </a:ext>
               </a:extLst>
             </p:cNvPr>
@@ -19201,7 +19945,7 @@
           <p:cNvPr id="10" name="그룹 1024">
             <a:extLst>
               <a:ext uri="{FF2B5EF4-FFF2-40B4-BE49-F238E27FC236}">
-                <a16:creationId xmlns:a16="http://schemas.microsoft.com/office/drawing/2014/main" id="{8EB1611F-852C-9617-AEEB-CFA38FFF8001}"/>
+                <a16:creationId xmlns:a16="http://schemas.microsoft.com/office/drawing/2014/main" xmlns="" id="{8EB1611F-852C-9617-AEEB-CFA38FFF8001}"/>
               </a:ext>
             </a:extLst>
           </p:cNvPr>
@@ -19221,7 +19965,7 @@
             <p:cNvPr id="11" name="Object 81">
               <a:extLst>
                 <a:ext uri="{FF2B5EF4-FFF2-40B4-BE49-F238E27FC236}">
-                  <a16:creationId xmlns:a16="http://schemas.microsoft.com/office/drawing/2014/main" id="{08657582-A0DF-A5DC-A662-189C639920C8}"/>
+                  <a16:creationId xmlns:a16="http://schemas.microsoft.com/office/drawing/2014/main" xmlns="" id="{08657582-A0DF-A5DC-A662-189C639920C8}"/>
                 </a:ext>
               </a:extLst>
             </p:cNvPr>
@@ -19252,7 +19996,7 @@
           <p:cNvPr id="13" name="TextBox 12">
             <a:extLst>
               <a:ext uri="{FF2B5EF4-FFF2-40B4-BE49-F238E27FC236}">
-                <a16:creationId xmlns:a16="http://schemas.microsoft.com/office/drawing/2014/main" id="{F68B80B8-3419-5C31-B2F2-084E536A2C1C}"/>
+                <a16:creationId xmlns:a16="http://schemas.microsoft.com/office/drawing/2014/main" xmlns="" id="{F68B80B8-3419-5C31-B2F2-084E536A2C1C}"/>
               </a:ext>
             </a:extLst>
           </p:cNvPr>
@@ -19300,7 +20044,7 @@
           <p:cNvPr id="14" name="TextBox 13">
             <a:extLst>
               <a:ext uri="{FF2B5EF4-FFF2-40B4-BE49-F238E27FC236}">
-                <a16:creationId xmlns:a16="http://schemas.microsoft.com/office/drawing/2014/main" id="{CB471B39-052C-65D2-3069-C74FA7421876}"/>
+                <a16:creationId xmlns:a16="http://schemas.microsoft.com/office/drawing/2014/main" xmlns="" id="{CB471B39-052C-65D2-3069-C74FA7421876}"/>
               </a:ext>
             </a:extLst>
           </p:cNvPr>
@@ -19348,7 +20092,7 @@
           <p:cNvPr id="15" name="TextBox 14">
             <a:extLst>
               <a:ext uri="{FF2B5EF4-FFF2-40B4-BE49-F238E27FC236}">
-                <a16:creationId xmlns:a16="http://schemas.microsoft.com/office/drawing/2014/main" id="{4A7E270B-9322-EABD-3A34-4D211B23AD38}"/>
+                <a16:creationId xmlns:a16="http://schemas.microsoft.com/office/drawing/2014/main" xmlns="" id="{4A7E270B-9322-EABD-3A34-4D211B23AD38}"/>
               </a:ext>
             </a:extLst>
           </p:cNvPr>
@@ -19516,7 +20260,7 @@
           <p:cNvPr id="24" name="TextBox 23">
             <a:extLst>
               <a:ext uri="{FF2B5EF4-FFF2-40B4-BE49-F238E27FC236}">
-                <a16:creationId xmlns:a16="http://schemas.microsoft.com/office/drawing/2014/main" id="{5ADC00B6-990A-40DC-3CEA-505258F5E8DA}"/>
+                <a16:creationId xmlns:a16="http://schemas.microsoft.com/office/drawing/2014/main" xmlns="" id="{5ADC00B6-990A-40DC-3CEA-505258F5E8DA}"/>
               </a:ext>
             </a:extLst>
           </p:cNvPr>
@@ -19722,207 +20466,6 @@
           <a:chExt cx="0" cy="0"/>
         </a:xfrm>
       </p:grpSpPr>
-      <p:pic>
-        <p:nvPicPr>
-          <p:cNvPr id="4" name="그림 3"/>
-          <p:cNvPicPr>
-            <a:picLocks noChangeAspect="1"/>
-          </p:cNvPicPr>
-          <p:nvPr/>
-        </p:nvPicPr>
-        <p:blipFill>
-          <a:blip r:embed="rId2"/>
-          <a:stretch>
-            <a:fillRect/>
-          </a:stretch>
-        </p:blipFill>
-        <p:spPr>
-          <a:xfrm>
-            <a:off x="152400" y="495300"/>
-            <a:ext cx="6730031" cy="1981200"/>
-          </a:xfrm>
-          <a:prstGeom prst="rect">
-            <a:avLst/>
-          </a:prstGeom>
-        </p:spPr>
-      </p:pic>
-      <p:pic>
-        <p:nvPicPr>
-          <p:cNvPr id="6" name="그림 5"/>
-          <p:cNvPicPr>
-            <a:picLocks noChangeAspect="1"/>
-          </p:cNvPicPr>
-          <p:nvPr/>
-        </p:nvPicPr>
-        <p:blipFill>
-          <a:blip r:embed="rId3"/>
-          <a:stretch>
-            <a:fillRect/>
-          </a:stretch>
-        </p:blipFill>
-        <p:spPr>
-          <a:xfrm>
-            <a:off x="9601200" y="484450"/>
-            <a:ext cx="6769212" cy="3135050"/>
-          </a:xfrm>
-          <a:prstGeom prst="rect">
-            <a:avLst/>
-          </a:prstGeom>
-        </p:spPr>
-      </p:pic>
-      <p:pic>
-        <p:nvPicPr>
-          <p:cNvPr id="8" name="그림 7"/>
-          <p:cNvPicPr>
-            <a:picLocks noChangeAspect="1"/>
-          </p:cNvPicPr>
-          <p:nvPr/>
-        </p:nvPicPr>
-        <p:blipFill>
-          <a:blip r:embed="rId4"/>
-          <a:stretch>
-            <a:fillRect/>
-          </a:stretch>
-        </p:blipFill>
-        <p:spPr>
-          <a:xfrm>
-            <a:off x="152400" y="2715650"/>
-            <a:ext cx="8513037" cy="6314050"/>
-          </a:xfrm>
-          <a:prstGeom prst="rect">
-            <a:avLst/>
-          </a:prstGeom>
-        </p:spPr>
-      </p:pic>
-      <p:pic>
-        <p:nvPicPr>
-          <p:cNvPr id="9" name="그림 8"/>
-          <p:cNvPicPr>
-            <a:picLocks noChangeAspect="1"/>
-          </p:cNvPicPr>
-          <p:nvPr/>
-        </p:nvPicPr>
-        <p:blipFill>
-          <a:blip r:embed="rId5"/>
-          <a:stretch>
-            <a:fillRect/>
-          </a:stretch>
-        </p:blipFill>
-        <p:spPr>
-          <a:xfrm>
-            <a:off x="9594166" y="4152900"/>
-            <a:ext cx="4960034" cy="4416171"/>
-          </a:xfrm>
-          <a:prstGeom prst="rect">
-            <a:avLst/>
-          </a:prstGeom>
-        </p:spPr>
-      </p:pic>
-    </p:spTree>
-    <p:extLst>
-      <p:ext uri="{BB962C8B-B14F-4D97-AF65-F5344CB8AC3E}">
-        <p14:creationId xmlns:p14="http://schemas.microsoft.com/office/powerpoint/2010/main" val="1911505953"/>
-      </p:ext>
-    </p:extLst>
-  </p:cSld>
-  <p:clrMapOvr>
-    <a:masterClrMapping/>
-  </p:clrMapOvr>
-  <p:timing>
-    <p:tnLst>
-      <p:par>
-        <p:cTn id="1" dur="indefinite" restart="never" nodeType="tmRoot">
-          <p:childTnLst>
-            <p:seq concurrent="1" nextAc="seek">
-              <p:cTn id="2" dur="indefinite" nodeType="mainSeq">
-                <p:childTnLst>
-                  <p:par>
-                    <p:cTn id="3" fill="hold">
-                      <p:stCondLst>
-                        <p:cond delay="indefinite"/>
-                      </p:stCondLst>
-                      <p:childTnLst>
-                        <p:par>
-                          <p:cTn id="4" fill="hold">
-                            <p:stCondLst>
-                              <p:cond delay="0"/>
-                            </p:stCondLst>
-                            <p:childTnLst>
-                              <p:par>
-                                <p:cTn id="5" presetID="1" presetClass="entr" presetSubtype="0" fill="hold" nodeType="clickEffect">
-                                  <p:stCondLst>
-                                    <p:cond delay="0"/>
-                                  </p:stCondLst>
-                                  <p:childTnLst>
-                                    <p:set>
-                                      <p:cBhvr>
-                                        <p:cTn id="6" dur="1" fill="hold">
-                                          <p:stCondLst>
-                                            <p:cond delay="0"/>
-                                          </p:stCondLst>
-                                        </p:cTn>
-                                        <p:tgtEl>
-                                          <p:spTgt spid="9"/>
-                                        </p:tgtEl>
-                                        <p:attrNameLst>
-                                          <p:attrName>style.visibility</p:attrName>
-                                        </p:attrNameLst>
-                                      </p:cBhvr>
-                                      <p:to>
-                                        <p:strVal val="visible"/>
-                                      </p:to>
-                                    </p:set>
-                                  </p:childTnLst>
-                                </p:cTn>
-                              </p:par>
-                            </p:childTnLst>
-                          </p:cTn>
-                        </p:par>
-                      </p:childTnLst>
-                    </p:cTn>
-                  </p:par>
-                </p:childTnLst>
-              </p:cTn>
-              <p:prevCondLst>
-                <p:cond evt="onPrev" delay="0">
-                  <p:tgtEl>
-                    <p:sldTgt/>
-                  </p:tgtEl>
-                </p:cond>
-              </p:prevCondLst>
-              <p:nextCondLst>
-                <p:cond evt="onNext" delay="0">
-                  <p:tgtEl>
-                    <p:sldTgt/>
-                  </p:tgtEl>
-                </p:cond>
-              </p:nextCondLst>
-            </p:seq>
-          </p:childTnLst>
-        </p:cTn>
-      </p:par>
-    </p:tnLst>
-  </p:timing>
-</p:sld>
-</file>
-
-<file path=ppt/slides/slide41.xml><?xml version="1.0" encoding="utf-8"?>
-<p:sld xmlns:a="http://schemas.openxmlformats.org/drawingml/2006/main" xmlns:r="http://schemas.openxmlformats.org/officeDocument/2006/relationships" xmlns:p="http://schemas.openxmlformats.org/presentationml/2006/main">
-  <p:cSld>
-    <p:spTree>
-      <p:nvGrpSpPr>
-        <p:cNvPr id="1" name=""/>
-        <p:cNvGrpSpPr/>
-        <p:nvPr/>
-      </p:nvGrpSpPr>
-      <p:grpSpPr>
-        <a:xfrm>
-          <a:off x="0" y="0"/>
-          <a:ext cx="0" cy="0"/>
-          <a:chOff x="0" y="0"/>
-          <a:chExt cx="0" cy="0"/>
-        </a:xfrm>
-      </p:grpSpPr>
       <p:graphicFrame>
         <p:nvGraphicFramePr>
           <p:cNvPr id="5" name="표 4"/>
@@ -19951,14 +20494,14 @@
                 <a:gridCol w="2537224">
                   <a:extLst>
                     <a:ext uri="{9D8B030D-6E8A-4147-A177-3AD203B41FA5}">
-                      <a16:colId xmlns:a16="http://schemas.microsoft.com/office/drawing/2014/main" val="20000"/>
+                      <a16:colId xmlns:a16="http://schemas.microsoft.com/office/drawing/2014/main" xmlns="" val="20000"/>
                     </a:ext>
                   </a:extLst>
                 </a:gridCol>
                 <a:gridCol w="2568176">
                   <a:extLst>
                     <a:ext uri="{9D8B030D-6E8A-4147-A177-3AD203B41FA5}">
-                      <a16:colId xmlns:a16="http://schemas.microsoft.com/office/drawing/2014/main" val="20001"/>
+                      <a16:colId xmlns:a16="http://schemas.microsoft.com/office/drawing/2014/main" xmlns="" val="20001"/>
                     </a:ext>
                   </a:extLst>
                 </a:gridCol>
@@ -20087,7 +20630,7 @@
                 </a:tc>
                 <a:extLst>
                   <a:ext uri="{0D108BD9-81ED-4DB2-BD59-A6C34878D82A}">
-                    <a16:rowId xmlns:a16="http://schemas.microsoft.com/office/drawing/2014/main" val="10000"/>
+                    <a16:rowId xmlns:a16="http://schemas.microsoft.com/office/drawing/2014/main" xmlns="" val="10000"/>
                   </a:ext>
                 </a:extLst>
               </a:tr>
@@ -20240,7 +20783,7 @@
                 </a:tc>
                 <a:extLst>
                   <a:ext uri="{0D108BD9-81ED-4DB2-BD59-A6C34878D82A}">
-                    <a16:rowId xmlns:a16="http://schemas.microsoft.com/office/drawing/2014/main" val="10001"/>
+                    <a16:rowId xmlns:a16="http://schemas.microsoft.com/office/drawing/2014/main" xmlns="" val="10001"/>
                   </a:ext>
                 </a:extLst>
               </a:tr>
@@ -20361,7 +20904,7 @@
                 </a:tc>
                 <a:extLst>
                   <a:ext uri="{0D108BD9-81ED-4DB2-BD59-A6C34878D82A}">
-                    <a16:rowId xmlns:a16="http://schemas.microsoft.com/office/drawing/2014/main" val="10002"/>
+                    <a16:rowId xmlns:a16="http://schemas.microsoft.com/office/drawing/2014/main" xmlns="" val="10002"/>
                   </a:ext>
                 </a:extLst>
               </a:tr>
@@ -20374,7 +20917,7 @@
           <p:cNvPr id="2" name="표 1">
             <a:extLst>
               <a:ext uri="{FF2B5EF4-FFF2-40B4-BE49-F238E27FC236}">
-                <a16:creationId xmlns:a16="http://schemas.microsoft.com/office/drawing/2014/main" id="{997BE140-4E76-8C74-849E-0234D3CEC4C7}"/>
+                <a16:creationId xmlns:a16="http://schemas.microsoft.com/office/drawing/2014/main" xmlns="" id="{997BE140-4E76-8C74-849E-0234D3CEC4C7}"/>
               </a:ext>
             </a:extLst>
           </p:cNvPr>
@@ -20403,7 +20946,7 @@
                 <a:gridCol w="2568176">
                   <a:extLst>
                     <a:ext uri="{9D8B030D-6E8A-4147-A177-3AD203B41FA5}">
-                      <a16:colId xmlns:a16="http://schemas.microsoft.com/office/drawing/2014/main" val="20001"/>
+                      <a16:colId xmlns:a16="http://schemas.microsoft.com/office/drawing/2014/main" xmlns="" val="20001"/>
                     </a:ext>
                   </a:extLst>
                 </a:gridCol>
@@ -20476,7 +21019,7 @@
                 </a:tc>
                 <a:extLst>
                   <a:ext uri="{0D108BD9-81ED-4DB2-BD59-A6C34878D82A}">
-                    <a16:rowId xmlns:a16="http://schemas.microsoft.com/office/drawing/2014/main" val="10000"/>
+                    <a16:rowId xmlns:a16="http://schemas.microsoft.com/office/drawing/2014/main" xmlns="" val="10000"/>
                   </a:ext>
                 </a:extLst>
               </a:tr>
@@ -20556,7 +21099,7 @@
                 </a:tc>
                 <a:extLst>
                   <a:ext uri="{0D108BD9-81ED-4DB2-BD59-A6C34878D82A}">
-                    <a16:rowId xmlns:a16="http://schemas.microsoft.com/office/drawing/2014/main" val="10001"/>
+                    <a16:rowId xmlns:a16="http://schemas.microsoft.com/office/drawing/2014/main" xmlns="" val="10001"/>
                   </a:ext>
                 </a:extLst>
               </a:tr>
@@ -20569,7 +21112,7 @@
           <p:cNvPr id="3" name="직선 화살표 연결선 2">
             <a:extLst>
               <a:ext uri="{FF2B5EF4-FFF2-40B4-BE49-F238E27FC236}">
-                <a16:creationId xmlns:a16="http://schemas.microsoft.com/office/drawing/2014/main" id="{73D6F2B2-EE0B-D6BD-4C3A-D7719A76DB6E}"/>
+                <a16:creationId xmlns:a16="http://schemas.microsoft.com/office/drawing/2014/main" xmlns="" id="{73D6F2B2-EE0B-D6BD-4C3A-D7719A76DB6E}"/>
               </a:ext>
             </a:extLst>
           </p:cNvPr>
@@ -20610,7 +21153,7 @@
           <p:cNvPr id="7" name="곱셈 기호 31">
             <a:extLst>
               <a:ext uri="{FF2B5EF4-FFF2-40B4-BE49-F238E27FC236}">
-                <a16:creationId xmlns:a16="http://schemas.microsoft.com/office/drawing/2014/main" id="{6BF67940-62CB-794B-EBE7-0F8173BA6D01}"/>
+                <a16:creationId xmlns:a16="http://schemas.microsoft.com/office/drawing/2014/main" xmlns="" id="{6BF67940-62CB-794B-EBE7-0F8173BA6D01}"/>
               </a:ext>
             </a:extLst>
           </p:cNvPr>
@@ -20666,7 +21209,7 @@
           <p:cNvPr id="9" name="TextBox 8">
             <a:extLst>
               <a:ext uri="{FF2B5EF4-FFF2-40B4-BE49-F238E27FC236}">
-                <a16:creationId xmlns:a16="http://schemas.microsoft.com/office/drawing/2014/main" id="{D64AB9AE-91FF-074E-A3DA-9241D7BF90DF}"/>
+                <a16:creationId xmlns:a16="http://schemas.microsoft.com/office/drawing/2014/main" xmlns="" id="{D64AB9AE-91FF-074E-A3DA-9241D7BF90DF}"/>
               </a:ext>
             </a:extLst>
           </p:cNvPr>
@@ -20903,7 +21446,7 @@
 </p:sld>
 </file>
 
-<file path=ppt/slides/slide42.xml><?xml version="1.0" encoding="utf-8"?>
+<file path=ppt/slides/slide41.xml><?xml version="1.0" encoding="utf-8"?>
 <p:sld xmlns:a="http://schemas.openxmlformats.org/drawingml/2006/main" xmlns:r="http://schemas.openxmlformats.org/officeDocument/2006/relationships" xmlns:p="http://schemas.openxmlformats.org/presentationml/2006/main">
   <p:cSld>
     <p:spTree>
@@ -20973,7 +21516,7 @@
           <p:cNvPr id="2" name="TextBox 1">
             <a:extLst>
               <a:ext uri="{FF2B5EF4-FFF2-40B4-BE49-F238E27FC236}">
-                <a16:creationId xmlns:a16="http://schemas.microsoft.com/office/drawing/2014/main" id="{AF6E8CE0-4782-3A99-AD4F-3684390C1016}"/>
+                <a16:creationId xmlns:a16="http://schemas.microsoft.com/office/drawing/2014/main" xmlns="" id="{AF6E8CE0-4782-3A99-AD4F-3684390C1016}"/>
               </a:ext>
             </a:extLst>
           </p:cNvPr>
@@ -21030,6 +21573,107 @@
     <p:extLst>
       <p:ext uri="{BB962C8B-B14F-4D97-AF65-F5344CB8AC3E}">
         <p14:creationId xmlns:p14="http://schemas.microsoft.com/office/powerpoint/2010/main" val="3360716643"/>
+      </p:ext>
+    </p:extLst>
+  </p:cSld>
+  <p:clrMapOvr>
+    <a:masterClrMapping/>
+  </p:clrMapOvr>
+</p:sld>
+</file>
+
+<file path=ppt/slides/slide42.xml><?xml version="1.0" encoding="utf-8"?>
+<p:sld xmlns:a="http://schemas.openxmlformats.org/drawingml/2006/main" xmlns:r="http://schemas.openxmlformats.org/officeDocument/2006/relationships" xmlns:p="http://schemas.openxmlformats.org/presentationml/2006/main">
+  <p:cSld>
+    <p:spTree>
+      <p:nvGrpSpPr>
+        <p:cNvPr id="1" name=""/>
+        <p:cNvGrpSpPr/>
+        <p:nvPr/>
+      </p:nvGrpSpPr>
+      <p:grpSpPr>
+        <a:xfrm>
+          <a:off x="0" y="0"/>
+          <a:ext cx="0" cy="0"/>
+          <a:chOff x="0" y="0"/>
+          <a:chExt cx="0" cy="0"/>
+        </a:xfrm>
+      </p:grpSpPr>
+      <p:sp>
+        <p:nvSpPr>
+          <p:cNvPr id="4" name="TextBox 3">
+            <a:extLst>
+              <a:ext uri="{FF2B5EF4-FFF2-40B4-BE49-F238E27FC236}">
+                <a16:creationId xmlns:a16="http://schemas.microsoft.com/office/drawing/2014/main" xmlns="" id="{5ADC00B6-990A-40DC-3CEA-505258F5E8DA}"/>
+              </a:ext>
+            </a:extLst>
+          </p:cNvPr>
+          <p:cNvSpPr txBox="1"/>
+          <p:nvPr/>
+        </p:nvSpPr>
+        <p:spPr>
+          <a:xfrm>
+            <a:off x="685800" y="4229100"/>
+            <a:ext cx="17754600" cy="1015663"/>
+          </a:xfrm>
+          <a:prstGeom prst="rect">
+            <a:avLst/>
+          </a:prstGeom>
+          <a:noFill/>
+        </p:spPr>
+        <p:txBody>
+          <a:bodyPr wrap="square" rtlCol="0">
+            <a:spAutoFit/>
+          </a:bodyPr>
+          <a:lstStyle/>
+          <a:p>
+            <a:r>
+              <a:rPr lang="ko-KR" altLang="en-US" sz="6000" dirty="0">
+                <a:solidFill>
+                  <a:srgbClr val="4C50BC"/>
+                </a:solidFill>
+                <a:latin typeface="G마켓 산스 Medium" panose="02000000000000000000" pitchFamily="50" charset="-127"/>
+                <a:ea typeface="G마켓 산스 Medium" panose="02000000000000000000" pitchFamily="50" charset="-127"/>
+              </a:rPr>
+              <a:t>부모로부터 상속받은 메서드를 </a:t>
+            </a:r>
+            <a:r>
+              <a:rPr lang="ko-KR" altLang="en-US" sz="6000" dirty="0" err="1">
+                <a:solidFill>
+                  <a:srgbClr val="4C50BC"/>
+                </a:solidFill>
+                <a:latin typeface="G마켓 산스 Medium" panose="02000000000000000000" pitchFamily="50" charset="-127"/>
+                <a:ea typeface="G마켓 산스 Medium" panose="02000000000000000000" pitchFamily="50" charset="-127"/>
+              </a:rPr>
+              <a:t>재사용할수</a:t>
+            </a:r>
+            <a:r>
+              <a:rPr lang="ko-KR" altLang="en-US" sz="6000" dirty="0">
+                <a:solidFill>
+                  <a:srgbClr val="4C50BC"/>
+                </a:solidFill>
+                <a:latin typeface="G마켓 산스 Medium" panose="02000000000000000000" pitchFamily="50" charset="-127"/>
+                <a:ea typeface="G마켓 산스 Medium" panose="02000000000000000000" pitchFamily="50" charset="-127"/>
+              </a:rPr>
+              <a:t> 없을까</a:t>
+            </a:r>
+            <a:r>
+              <a:rPr lang="en-US" altLang="ko-KR" sz="6000" dirty="0">
+                <a:solidFill>
+                  <a:srgbClr val="4C50BC"/>
+                </a:solidFill>
+                <a:latin typeface="G마켓 산스 Medium" panose="02000000000000000000" pitchFamily="50" charset="-127"/>
+                <a:ea typeface="G마켓 산스 Medium" panose="02000000000000000000" pitchFamily="50" charset="-127"/>
+              </a:rPr>
+              <a:t>?</a:t>
+            </a:r>
+          </a:p>
+        </p:txBody>
+      </p:sp>
+    </p:spTree>
+    <p:extLst>
+      <p:ext uri="{BB962C8B-B14F-4D97-AF65-F5344CB8AC3E}">
+        <p14:creationId xmlns:p14="http://schemas.microsoft.com/office/powerpoint/2010/main" val="817839677"/>
       </p:ext>
     </p:extLst>
   </p:cSld>
@@ -21056,12 +21700,112 @@
           <a:chExt cx="0" cy="0"/>
         </a:xfrm>
       </p:grpSpPr>
+      <p:pic>
+        <p:nvPicPr>
+          <p:cNvPr id="4" name="그림 3"/>
+          <p:cNvPicPr>
+            <a:picLocks noChangeAspect="1"/>
+          </p:cNvPicPr>
+          <p:nvPr/>
+        </p:nvPicPr>
+        <p:blipFill>
+          <a:blip r:embed="rId2"/>
+          <a:stretch>
+            <a:fillRect/>
+          </a:stretch>
+        </p:blipFill>
+        <p:spPr>
+          <a:xfrm>
+            <a:off x="1066800" y="2019300"/>
+            <a:ext cx="6779391" cy="4648200"/>
+          </a:xfrm>
+          <a:prstGeom prst="rect">
+            <a:avLst/>
+          </a:prstGeom>
+        </p:spPr>
+      </p:pic>
+      <p:pic>
+        <p:nvPicPr>
+          <p:cNvPr id="5" name="그림 4"/>
+          <p:cNvPicPr>
+            <a:picLocks noChangeAspect="1"/>
+          </p:cNvPicPr>
+          <p:nvPr/>
+        </p:nvPicPr>
+        <p:blipFill>
+          <a:blip r:embed="rId3"/>
+          <a:stretch>
+            <a:fillRect/>
+          </a:stretch>
+        </p:blipFill>
+        <p:spPr>
+          <a:xfrm>
+            <a:off x="8610601" y="2019300"/>
+            <a:ext cx="9220200" cy="4150029"/>
+          </a:xfrm>
+          <a:prstGeom prst="rect">
+            <a:avLst/>
+          </a:prstGeom>
+        </p:spPr>
+      </p:pic>
       <p:sp>
         <p:nvSpPr>
-          <p:cNvPr id="4" name="TextBox 3">
+          <p:cNvPr id="6" name="직사각형 5">
             <a:extLst>
               <a:ext uri="{FF2B5EF4-FFF2-40B4-BE49-F238E27FC236}">
-                <a16:creationId xmlns:a16="http://schemas.microsoft.com/office/drawing/2014/main" id="{5ADC00B6-990A-40DC-3CEA-505258F5E8DA}"/>
+                <a16:creationId xmlns:a16="http://schemas.microsoft.com/office/drawing/2014/main" xmlns="" id="{FFF506F9-840A-0508-4CAF-3AC711D8D5CE}"/>
+              </a:ext>
+            </a:extLst>
+          </p:cNvPr>
+          <p:cNvSpPr/>
+          <p:nvPr/>
+        </p:nvSpPr>
+        <p:spPr>
+          <a:xfrm>
+            <a:off x="11506200" y="5295900"/>
+            <a:ext cx="3352800" cy="609600"/>
+          </a:xfrm>
+          <a:prstGeom prst="rect">
+            <a:avLst/>
+          </a:prstGeom>
+          <a:noFill/>
+          <a:ln>
+            <a:solidFill>
+              <a:srgbClr val="FF0000"/>
+            </a:solidFill>
+          </a:ln>
+        </p:spPr>
+        <p:style>
+          <a:lnRef idx="2">
+            <a:schemeClr val="accent2">
+              <a:shade val="50000"/>
+            </a:schemeClr>
+          </a:lnRef>
+          <a:fillRef idx="1">
+            <a:schemeClr val="accent2"/>
+          </a:fillRef>
+          <a:effectRef idx="0">
+            <a:schemeClr val="accent2"/>
+          </a:effectRef>
+          <a:fontRef idx="minor">
+            <a:schemeClr val="lt1"/>
+          </a:fontRef>
+        </p:style>
+        <p:txBody>
+          <a:bodyPr rtlCol="0" anchor="ctr"/>
+          <a:lstStyle/>
+          <a:p>
+            <a:pPr algn="ctr"/>
+            <a:endParaRPr lang="ko-KR" altLang="en-US"/>
+          </a:p>
+        </p:txBody>
+      </p:sp>
+      <p:sp>
+        <p:nvSpPr>
+          <p:cNvPr id="2" name="TextBox 1">
+            <a:extLst>
+              <a:ext uri="{FF2B5EF4-FFF2-40B4-BE49-F238E27FC236}">
+                <a16:creationId xmlns:a16="http://schemas.microsoft.com/office/drawing/2014/main" xmlns="" id="{8BD2ED5A-5CA2-F84F-13E6-A2AC3854D891}"/>
               </a:ext>
             </a:extLst>
           </p:cNvPr>
@@ -21070,8 +21814,8 @@
         </p:nvSpPr>
         <p:spPr>
           <a:xfrm>
-            <a:off x="685800" y="4229100"/>
-            <a:ext cx="17754600" cy="1015663"/>
+            <a:off x="914400" y="419100"/>
+            <a:ext cx="4267200" cy="830997"/>
           </a:xfrm>
           <a:prstGeom prst="rect">
             <a:avLst/>
@@ -21085,52 +21829,39 @@
           <a:lstStyle/>
           <a:p>
             <a:r>
-              <a:rPr lang="ko-KR" altLang="en-US" sz="6000" dirty="0">
+              <a:rPr lang="en-US" altLang="ko-KR" sz="4800" dirty="0">
                 <a:solidFill>
                   <a:srgbClr val="4C50BC"/>
                 </a:solidFill>
                 <a:latin typeface="G마켓 산스 Medium" panose="02000000000000000000" pitchFamily="50" charset="-127"/>
                 <a:ea typeface="G마켓 산스 Medium" panose="02000000000000000000" pitchFamily="50" charset="-127"/>
               </a:rPr>
-              <a:t>부모로부터 상속받은 메서드를 </a:t>
-            </a:r>
-            <a:r>
-              <a:rPr lang="ko-KR" altLang="en-US" sz="6000" dirty="0" err="1">
+              <a:t>super() </a:t>
+            </a:r>
+            <a:r>
+              <a:rPr lang="ko-KR" altLang="en-US" sz="4800" dirty="0">
                 <a:solidFill>
                   <a:srgbClr val="4C50BC"/>
                 </a:solidFill>
                 <a:latin typeface="G마켓 산스 Medium" panose="02000000000000000000" pitchFamily="50" charset="-127"/>
                 <a:ea typeface="G마켓 산스 Medium" panose="02000000000000000000" pitchFamily="50" charset="-127"/>
               </a:rPr>
-              <a:t>재사용할수</a:t>
-            </a:r>
-            <a:r>
-              <a:rPr lang="ko-KR" altLang="en-US" sz="6000" dirty="0">
-                <a:solidFill>
-                  <a:srgbClr val="4C50BC"/>
-                </a:solidFill>
-                <a:latin typeface="G마켓 산스 Medium" panose="02000000000000000000" pitchFamily="50" charset="-127"/>
-                <a:ea typeface="G마켓 산스 Medium" panose="02000000000000000000" pitchFamily="50" charset="-127"/>
-              </a:rPr>
-              <a:t> 없을까</a:t>
-            </a:r>
-            <a:r>
-              <a:rPr lang="en-US" altLang="ko-KR" sz="6000" dirty="0">
-                <a:solidFill>
-                  <a:srgbClr val="4C50BC"/>
-                </a:solidFill>
-                <a:latin typeface="G마켓 산스 Medium" panose="02000000000000000000" pitchFamily="50" charset="-127"/>
-                <a:ea typeface="G마켓 산스 Medium" panose="02000000000000000000" pitchFamily="50" charset="-127"/>
-              </a:rPr>
-              <a:t>?</a:t>
-            </a:r>
+              <a:t>생성자</a:t>
+            </a:r>
+            <a:endParaRPr lang="en-US" altLang="ko-KR" sz="4800" dirty="0">
+              <a:solidFill>
+                <a:srgbClr val="4C50BC"/>
+              </a:solidFill>
+              <a:latin typeface="G마켓 산스 Medium" panose="02000000000000000000" pitchFamily="50" charset="-127"/>
+              <a:ea typeface="G마켓 산스 Medium" panose="02000000000000000000" pitchFamily="50" charset="-127"/>
+            </a:endParaRPr>
           </a:p>
         </p:txBody>
       </p:sp>
     </p:spTree>
     <p:extLst>
       <p:ext uri="{BB962C8B-B14F-4D97-AF65-F5344CB8AC3E}">
-        <p14:creationId xmlns:p14="http://schemas.microsoft.com/office/powerpoint/2010/main" val="817839677"/>
+        <p14:creationId xmlns:p14="http://schemas.microsoft.com/office/powerpoint/2010/main" val="1852645389"/>
       </p:ext>
     </p:extLst>
   </p:cSld>
@@ -21173,8 +21904,8 @@
         </p:blipFill>
         <p:spPr>
           <a:xfrm>
-            <a:off x="1066800" y="2019300"/>
-            <a:ext cx="6779391" cy="4648200"/>
+            <a:off x="6400800" y="499605"/>
+            <a:ext cx="6185867" cy="5943600"/>
           </a:xfrm>
           <a:prstGeom prst="rect">
             <a:avLst/>
@@ -21183,7 +21914,13 @@
       </p:pic>
       <p:pic>
         <p:nvPicPr>
-          <p:cNvPr id="5" name="그림 4"/>
+          <p:cNvPr id="3" name="그림 2">
+            <a:extLst>
+              <a:ext uri="{FF2B5EF4-FFF2-40B4-BE49-F238E27FC236}">
+                <a16:creationId xmlns:a16="http://schemas.microsoft.com/office/drawing/2014/main" xmlns="" id="{63973ADD-1310-B140-4EAA-B78003F051BC}"/>
+              </a:ext>
+            </a:extLst>
+          </p:cNvPr>
           <p:cNvPicPr>
             <a:picLocks noChangeAspect="1"/>
           </p:cNvPicPr>
@@ -21197,8 +21934,8 @@
         </p:blipFill>
         <p:spPr>
           <a:xfrm>
-            <a:off x="8610601" y="2019300"/>
-            <a:ext cx="9220200" cy="4150029"/>
+            <a:off x="382784" y="499605"/>
+            <a:ext cx="5635232" cy="6210256"/>
           </a:xfrm>
           <a:prstGeom prst="rect">
             <a:avLst/>
@@ -21210,201 +21947,7 @@
           <p:cNvPr id="6" name="직사각형 5">
             <a:extLst>
               <a:ext uri="{FF2B5EF4-FFF2-40B4-BE49-F238E27FC236}">
-                <a16:creationId xmlns:a16="http://schemas.microsoft.com/office/drawing/2014/main" id="{FFF506F9-840A-0508-4CAF-3AC711D8D5CE}"/>
-              </a:ext>
-            </a:extLst>
-          </p:cNvPr>
-          <p:cNvSpPr/>
-          <p:nvPr/>
-        </p:nvSpPr>
-        <p:spPr>
-          <a:xfrm>
-            <a:off x="11506200" y="5295900"/>
-            <a:ext cx="3352800" cy="609600"/>
-          </a:xfrm>
-          <a:prstGeom prst="rect">
-            <a:avLst/>
-          </a:prstGeom>
-          <a:noFill/>
-          <a:ln>
-            <a:solidFill>
-              <a:srgbClr val="FF0000"/>
-            </a:solidFill>
-          </a:ln>
-        </p:spPr>
-        <p:style>
-          <a:lnRef idx="2">
-            <a:schemeClr val="accent2">
-              <a:shade val="50000"/>
-            </a:schemeClr>
-          </a:lnRef>
-          <a:fillRef idx="1">
-            <a:schemeClr val="accent2"/>
-          </a:fillRef>
-          <a:effectRef idx="0">
-            <a:schemeClr val="accent2"/>
-          </a:effectRef>
-          <a:fontRef idx="minor">
-            <a:schemeClr val="lt1"/>
-          </a:fontRef>
-        </p:style>
-        <p:txBody>
-          <a:bodyPr rtlCol="0" anchor="ctr"/>
-          <a:lstStyle/>
-          <a:p>
-            <a:pPr algn="ctr"/>
-            <a:endParaRPr lang="ko-KR" altLang="en-US"/>
-          </a:p>
-        </p:txBody>
-      </p:sp>
-      <p:sp>
-        <p:nvSpPr>
-          <p:cNvPr id="2" name="TextBox 1">
-            <a:extLst>
-              <a:ext uri="{FF2B5EF4-FFF2-40B4-BE49-F238E27FC236}">
-                <a16:creationId xmlns:a16="http://schemas.microsoft.com/office/drawing/2014/main" id="{8BD2ED5A-5CA2-F84F-13E6-A2AC3854D891}"/>
-              </a:ext>
-            </a:extLst>
-          </p:cNvPr>
-          <p:cNvSpPr txBox="1"/>
-          <p:nvPr/>
-        </p:nvSpPr>
-        <p:spPr>
-          <a:xfrm>
-            <a:off x="914400" y="419100"/>
-            <a:ext cx="4267200" cy="830997"/>
-          </a:xfrm>
-          <a:prstGeom prst="rect">
-            <a:avLst/>
-          </a:prstGeom>
-          <a:noFill/>
-        </p:spPr>
-        <p:txBody>
-          <a:bodyPr wrap="square" rtlCol="0">
-            <a:spAutoFit/>
-          </a:bodyPr>
-          <a:lstStyle/>
-          <a:p>
-            <a:r>
-              <a:rPr lang="en-US" altLang="ko-KR" sz="4800" dirty="0">
-                <a:solidFill>
-                  <a:srgbClr val="4C50BC"/>
-                </a:solidFill>
-                <a:latin typeface="G마켓 산스 Medium" panose="02000000000000000000" pitchFamily="50" charset="-127"/>
-                <a:ea typeface="G마켓 산스 Medium" panose="02000000000000000000" pitchFamily="50" charset="-127"/>
-              </a:rPr>
-              <a:t>super() </a:t>
-            </a:r>
-            <a:r>
-              <a:rPr lang="ko-KR" altLang="en-US" sz="4800" dirty="0">
-                <a:solidFill>
-                  <a:srgbClr val="4C50BC"/>
-                </a:solidFill>
-                <a:latin typeface="G마켓 산스 Medium" panose="02000000000000000000" pitchFamily="50" charset="-127"/>
-                <a:ea typeface="G마켓 산스 Medium" panose="02000000000000000000" pitchFamily="50" charset="-127"/>
-              </a:rPr>
-              <a:t>생성자</a:t>
-            </a:r>
-            <a:endParaRPr lang="en-US" altLang="ko-KR" sz="4800" dirty="0">
-              <a:solidFill>
-                <a:srgbClr val="4C50BC"/>
-              </a:solidFill>
-              <a:latin typeface="G마켓 산스 Medium" panose="02000000000000000000" pitchFamily="50" charset="-127"/>
-              <a:ea typeface="G마켓 산스 Medium" panose="02000000000000000000" pitchFamily="50" charset="-127"/>
-            </a:endParaRPr>
-          </a:p>
-        </p:txBody>
-      </p:sp>
-    </p:spTree>
-    <p:extLst>
-      <p:ext uri="{BB962C8B-B14F-4D97-AF65-F5344CB8AC3E}">
-        <p14:creationId xmlns:p14="http://schemas.microsoft.com/office/powerpoint/2010/main" val="1852645389"/>
-      </p:ext>
-    </p:extLst>
-  </p:cSld>
-  <p:clrMapOvr>
-    <a:masterClrMapping/>
-  </p:clrMapOvr>
-</p:sld>
-</file>
-
-<file path=ppt/slides/slide45.xml><?xml version="1.0" encoding="utf-8"?>
-<p:sld xmlns:a="http://schemas.openxmlformats.org/drawingml/2006/main" xmlns:r="http://schemas.openxmlformats.org/officeDocument/2006/relationships" xmlns:p="http://schemas.openxmlformats.org/presentationml/2006/main">
-  <p:cSld>
-    <p:spTree>
-      <p:nvGrpSpPr>
-        <p:cNvPr id="1" name=""/>
-        <p:cNvGrpSpPr/>
-        <p:nvPr/>
-      </p:nvGrpSpPr>
-      <p:grpSpPr>
-        <a:xfrm>
-          <a:off x="0" y="0"/>
-          <a:ext cx="0" cy="0"/>
-          <a:chOff x="0" y="0"/>
-          <a:chExt cx="0" cy="0"/>
-        </a:xfrm>
-      </p:grpSpPr>
-      <p:pic>
-        <p:nvPicPr>
-          <p:cNvPr id="4" name="그림 3"/>
-          <p:cNvPicPr>
-            <a:picLocks noChangeAspect="1"/>
-          </p:cNvPicPr>
-          <p:nvPr/>
-        </p:nvPicPr>
-        <p:blipFill>
-          <a:blip r:embed="rId2"/>
-          <a:stretch>
-            <a:fillRect/>
-          </a:stretch>
-        </p:blipFill>
-        <p:spPr>
-          <a:xfrm>
-            <a:off x="6400800" y="499605"/>
-            <a:ext cx="6185867" cy="5943600"/>
-          </a:xfrm>
-          <a:prstGeom prst="rect">
-            <a:avLst/>
-          </a:prstGeom>
-        </p:spPr>
-      </p:pic>
-      <p:pic>
-        <p:nvPicPr>
-          <p:cNvPr id="3" name="그림 2">
-            <a:extLst>
-              <a:ext uri="{FF2B5EF4-FFF2-40B4-BE49-F238E27FC236}">
-                <a16:creationId xmlns:a16="http://schemas.microsoft.com/office/drawing/2014/main" id="{63973ADD-1310-B140-4EAA-B78003F051BC}"/>
-              </a:ext>
-            </a:extLst>
-          </p:cNvPr>
-          <p:cNvPicPr>
-            <a:picLocks noChangeAspect="1"/>
-          </p:cNvPicPr>
-          <p:nvPr/>
-        </p:nvPicPr>
-        <p:blipFill>
-          <a:blip r:embed="rId3"/>
-          <a:stretch>
-            <a:fillRect/>
-          </a:stretch>
-        </p:blipFill>
-        <p:spPr>
-          <a:xfrm>
-            <a:off x="382784" y="499605"/>
-            <a:ext cx="5635232" cy="6210256"/>
-          </a:xfrm>
-          <a:prstGeom prst="rect">
-            <a:avLst/>
-          </a:prstGeom>
-        </p:spPr>
-      </p:pic>
-      <p:sp>
-        <p:nvSpPr>
-          <p:cNvPr id="6" name="직사각형 5">
-            <a:extLst>
-              <a:ext uri="{FF2B5EF4-FFF2-40B4-BE49-F238E27FC236}">
-                <a16:creationId xmlns:a16="http://schemas.microsoft.com/office/drawing/2014/main" id="{D4194E25-989E-0C55-B712-570C7D5091F0}"/>
+                <a16:creationId xmlns:a16="http://schemas.microsoft.com/office/drawing/2014/main" xmlns="" id="{D4194E25-989E-0C55-B712-570C7D5091F0}"/>
               </a:ext>
             </a:extLst>
           </p:cNvPr>
@@ -21456,7 +21999,7 @@
           <p:cNvPr id="8" name="그림 7">
             <a:extLst>
               <a:ext uri="{FF2B5EF4-FFF2-40B4-BE49-F238E27FC236}">
-                <a16:creationId xmlns:a16="http://schemas.microsoft.com/office/drawing/2014/main" id="{1F34AA6C-44C4-4AAC-1FC2-230C55141948}"/>
+                <a16:creationId xmlns:a16="http://schemas.microsoft.com/office/drawing/2014/main" xmlns="" id="{1F34AA6C-44C4-4AAC-1FC2-230C55141948}"/>
               </a:ext>
             </a:extLst>
           </p:cNvPr>
@@ -21486,7 +22029,7 @@
           <p:cNvPr id="9" name="직사각형 8">
             <a:extLst>
               <a:ext uri="{FF2B5EF4-FFF2-40B4-BE49-F238E27FC236}">
-                <a16:creationId xmlns:a16="http://schemas.microsoft.com/office/drawing/2014/main" id="{39C40DE3-07FC-5B3E-1952-F1D0DDF51453}"/>
+                <a16:creationId xmlns:a16="http://schemas.microsoft.com/office/drawing/2014/main" xmlns="" id="{39C40DE3-07FC-5B3E-1952-F1D0DDF51453}"/>
               </a:ext>
             </a:extLst>
           </p:cNvPr>
@@ -21546,7 +22089,7 @@
 </p:sld>
 </file>
 
-<file path=ppt/slides/slide46.xml><?xml version="1.0" encoding="utf-8"?>
+<file path=ppt/slides/slide45.xml><?xml version="1.0" encoding="utf-8"?>
 <p:sld xmlns:a="http://schemas.openxmlformats.org/drawingml/2006/main" xmlns:r="http://schemas.openxmlformats.org/officeDocument/2006/relationships" xmlns:p="http://schemas.openxmlformats.org/presentationml/2006/main">
   <p:cSld>
     <p:spTree>
@@ -21568,7 +22111,7 @@
           <p:cNvPr id="4" name="TextBox 3">
             <a:extLst>
               <a:ext uri="{FF2B5EF4-FFF2-40B4-BE49-F238E27FC236}">
-                <a16:creationId xmlns:a16="http://schemas.microsoft.com/office/drawing/2014/main" id="{E7F95338-D8E8-1A47-9B0B-2BEC0D129ACB}"/>
+                <a16:creationId xmlns:a16="http://schemas.microsoft.com/office/drawing/2014/main" xmlns="" id="{E7F95338-D8E8-1A47-9B0B-2BEC0D129ACB}"/>
               </a:ext>
             </a:extLst>
           </p:cNvPr>
@@ -21629,7 +22172,7 @@
           <p:cNvPr id="5" name="TextBox 4">
             <a:extLst>
               <a:ext uri="{FF2B5EF4-FFF2-40B4-BE49-F238E27FC236}">
-                <a16:creationId xmlns:a16="http://schemas.microsoft.com/office/drawing/2014/main" id="{D40AEE29-AEAC-513F-8C7B-D77B52819A0F}"/>
+                <a16:creationId xmlns:a16="http://schemas.microsoft.com/office/drawing/2014/main" xmlns="" id="{D40AEE29-AEAC-513F-8C7B-D77B52819A0F}"/>
               </a:ext>
             </a:extLst>
           </p:cNvPr>
@@ -22028,7 +22571,7 @@
 </p:sld>
 </file>
 
-<file path=ppt/slides/slide47.xml><?xml version="1.0" encoding="utf-8"?>
+<file path=ppt/slides/slide46.xml><?xml version="1.0" encoding="utf-8"?>
 <p:sld xmlns:a="http://schemas.openxmlformats.org/drawingml/2006/main" xmlns:r="http://schemas.openxmlformats.org/officeDocument/2006/relationships" xmlns:p="http://schemas.openxmlformats.org/presentationml/2006/main">
   <p:cSld>
     <p:spTree>
@@ -22050,7 +22593,7 @@
           <p:cNvPr id="5" name="그림 4">
             <a:extLst>
               <a:ext uri="{FF2B5EF4-FFF2-40B4-BE49-F238E27FC236}">
-                <a16:creationId xmlns:a16="http://schemas.microsoft.com/office/drawing/2014/main" id="{4C1E5A44-674D-671D-9AB9-96FADBF3612B}"/>
+                <a16:creationId xmlns:a16="http://schemas.microsoft.com/office/drawing/2014/main" xmlns="" id="{4C1E5A44-674D-671D-9AB9-96FADBF3612B}"/>
               </a:ext>
             </a:extLst>
           </p:cNvPr>
@@ -22080,7 +22623,7 @@
           <p:cNvPr id="6" name="직선 화살표 연결선 5">
             <a:extLst>
               <a:ext uri="{FF2B5EF4-FFF2-40B4-BE49-F238E27FC236}">
-                <a16:creationId xmlns:a16="http://schemas.microsoft.com/office/drawing/2014/main" id="{75908EAF-DC59-A016-BC77-60D68A02BC58}"/>
+                <a16:creationId xmlns:a16="http://schemas.microsoft.com/office/drawing/2014/main" xmlns="" id="{75908EAF-DC59-A016-BC77-60D68A02BC58}"/>
               </a:ext>
             </a:extLst>
           </p:cNvPr>
@@ -22121,7 +22664,7 @@
           <p:cNvPr id="7" name="TextBox 6">
             <a:extLst>
               <a:ext uri="{FF2B5EF4-FFF2-40B4-BE49-F238E27FC236}">
-                <a16:creationId xmlns:a16="http://schemas.microsoft.com/office/drawing/2014/main" id="{E63F965D-29AF-DE1C-5B98-DBB3BB85DFAE}"/>
+                <a16:creationId xmlns:a16="http://schemas.microsoft.com/office/drawing/2014/main" xmlns="" id="{E63F965D-29AF-DE1C-5B98-DBB3BB85DFAE}"/>
               </a:ext>
             </a:extLst>
           </p:cNvPr>
@@ -22172,7 +22715,7 @@
           <p:cNvPr id="9" name="그림 8">
             <a:extLst>
               <a:ext uri="{FF2B5EF4-FFF2-40B4-BE49-F238E27FC236}">
-                <a16:creationId xmlns:a16="http://schemas.microsoft.com/office/drawing/2014/main" id="{ABEEEEFF-3C09-B89D-E9C1-0E692C4188B0}"/>
+                <a16:creationId xmlns:a16="http://schemas.microsoft.com/office/drawing/2014/main" xmlns="" id="{ABEEEEFF-3C09-B89D-E9C1-0E692C4188B0}"/>
               </a:ext>
             </a:extLst>
           </p:cNvPr>
@@ -22202,7 +22745,7 @@
           <p:cNvPr id="10" name="직선 화살표 연결선 9">
             <a:extLst>
               <a:ext uri="{FF2B5EF4-FFF2-40B4-BE49-F238E27FC236}">
-                <a16:creationId xmlns:a16="http://schemas.microsoft.com/office/drawing/2014/main" id="{72748C94-A7E3-EBE6-4E54-D9C607D67005}"/>
+                <a16:creationId xmlns:a16="http://schemas.microsoft.com/office/drawing/2014/main" xmlns="" id="{72748C94-A7E3-EBE6-4E54-D9C607D67005}"/>
               </a:ext>
             </a:extLst>
           </p:cNvPr>
@@ -22244,7 +22787,7 @@
           <p:cNvPr id="11" name="TextBox 10">
             <a:extLst>
               <a:ext uri="{FF2B5EF4-FFF2-40B4-BE49-F238E27FC236}">
-                <a16:creationId xmlns:a16="http://schemas.microsoft.com/office/drawing/2014/main" id="{66DF052C-9323-9F8D-4857-1B2D989FFF9F}"/>
+                <a16:creationId xmlns:a16="http://schemas.microsoft.com/office/drawing/2014/main" xmlns="" id="{66DF052C-9323-9F8D-4857-1B2D989FFF9F}"/>
               </a:ext>
             </a:extLst>
           </p:cNvPr>
@@ -22333,7 +22876,7 @@
 </p:sld>
 </file>
 
-<file path=ppt/slides/slide48.xml><?xml version="1.0" encoding="utf-8"?>
+<file path=ppt/slides/slide47.xml><?xml version="1.0" encoding="utf-8"?>
 <p:sld xmlns:a="http://schemas.openxmlformats.org/drawingml/2006/main" xmlns:r="http://schemas.openxmlformats.org/officeDocument/2006/relationships" xmlns:p="http://schemas.openxmlformats.org/presentationml/2006/main">
   <p:cSld>
     <p:spTree>
@@ -22355,7 +22898,7 @@
           <p:cNvPr id="4" name="그룹 1018">
             <a:extLst>
               <a:ext uri="{FF2B5EF4-FFF2-40B4-BE49-F238E27FC236}">
-                <a16:creationId xmlns:a16="http://schemas.microsoft.com/office/drawing/2014/main" id="{88809E16-31F7-1F83-2FAC-75A0671E0E63}"/>
+                <a16:creationId xmlns:a16="http://schemas.microsoft.com/office/drawing/2014/main" xmlns="" id="{88809E16-31F7-1F83-2FAC-75A0671E0E63}"/>
               </a:ext>
             </a:extLst>
           </p:cNvPr>
@@ -22375,7 +22918,7 @@
             <p:cNvPr id="5" name="Object 61">
               <a:extLst>
                 <a:ext uri="{FF2B5EF4-FFF2-40B4-BE49-F238E27FC236}">
-                  <a16:creationId xmlns:a16="http://schemas.microsoft.com/office/drawing/2014/main" id="{E1173C9E-3171-FA64-34F6-A314CF0D2703}"/>
+                  <a16:creationId xmlns:a16="http://schemas.microsoft.com/office/drawing/2014/main" xmlns="" id="{E1173C9E-3171-FA64-34F6-A314CF0D2703}"/>
                 </a:ext>
               </a:extLst>
             </p:cNvPr>
@@ -22406,7 +22949,7 @@
           <p:cNvPr id="6" name="TextBox 5">
             <a:extLst>
               <a:ext uri="{FF2B5EF4-FFF2-40B4-BE49-F238E27FC236}">
-                <a16:creationId xmlns:a16="http://schemas.microsoft.com/office/drawing/2014/main" id="{32037D5E-FE66-9272-14CC-2284752BAAC1}"/>
+                <a16:creationId xmlns:a16="http://schemas.microsoft.com/office/drawing/2014/main" xmlns="" id="{32037D5E-FE66-9272-14CC-2284752BAAC1}"/>
               </a:ext>
             </a:extLst>
           </p:cNvPr>
@@ -22450,7 +22993,7 @@
           <p:cNvPr id="7" name="그룹 1018">
             <a:extLst>
               <a:ext uri="{FF2B5EF4-FFF2-40B4-BE49-F238E27FC236}">
-                <a16:creationId xmlns:a16="http://schemas.microsoft.com/office/drawing/2014/main" id="{1DBF8C05-A7A0-E308-2C72-A1A1D48209F9}"/>
+                <a16:creationId xmlns:a16="http://schemas.microsoft.com/office/drawing/2014/main" xmlns="" id="{1DBF8C05-A7A0-E308-2C72-A1A1D48209F9}"/>
               </a:ext>
             </a:extLst>
           </p:cNvPr>
@@ -22470,7 +23013,7 @@
             <p:cNvPr id="8" name="Object 61">
               <a:extLst>
                 <a:ext uri="{FF2B5EF4-FFF2-40B4-BE49-F238E27FC236}">
-                  <a16:creationId xmlns:a16="http://schemas.microsoft.com/office/drawing/2014/main" id="{8890B65A-EE37-9FB0-11D0-D9028D5D4030}"/>
+                  <a16:creationId xmlns:a16="http://schemas.microsoft.com/office/drawing/2014/main" xmlns="" id="{8890B65A-EE37-9FB0-11D0-D9028D5D4030}"/>
                 </a:ext>
               </a:extLst>
             </p:cNvPr>
@@ -22501,7 +23044,7 @@
           <p:cNvPr id="9" name="TextBox 8">
             <a:extLst>
               <a:ext uri="{FF2B5EF4-FFF2-40B4-BE49-F238E27FC236}">
-                <a16:creationId xmlns:a16="http://schemas.microsoft.com/office/drawing/2014/main" id="{03580C69-6090-E762-1CFF-CABCB1A1F84D}"/>
+                <a16:creationId xmlns:a16="http://schemas.microsoft.com/office/drawing/2014/main" xmlns="" id="{03580C69-6090-E762-1CFF-CABCB1A1F84D}"/>
               </a:ext>
             </a:extLst>
           </p:cNvPr>
@@ -22545,7 +23088,7 @@
           <p:cNvPr id="10" name="그룹 1018">
             <a:extLst>
               <a:ext uri="{FF2B5EF4-FFF2-40B4-BE49-F238E27FC236}">
-                <a16:creationId xmlns:a16="http://schemas.microsoft.com/office/drawing/2014/main" id="{BD5EE8EE-7D57-CD91-F304-6250026830C6}"/>
+                <a16:creationId xmlns:a16="http://schemas.microsoft.com/office/drawing/2014/main" xmlns="" id="{BD5EE8EE-7D57-CD91-F304-6250026830C6}"/>
               </a:ext>
             </a:extLst>
           </p:cNvPr>
@@ -22565,7 +23108,7 @@
             <p:cNvPr id="11" name="Object 61">
               <a:extLst>
                 <a:ext uri="{FF2B5EF4-FFF2-40B4-BE49-F238E27FC236}">
-                  <a16:creationId xmlns:a16="http://schemas.microsoft.com/office/drawing/2014/main" id="{55D32D67-44A3-9BA9-40E1-962240690E74}"/>
+                  <a16:creationId xmlns:a16="http://schemas.microsoft.com/office/drawing/2014/main" xmlns="" id="{55D32D67-44A3-9BA9-40E1-962240690E74}"/>
                 </a:ext>
               </a:extLst>
             </p:cNvPr>
@@ -22596,7 +23139,7 @@
           <p:cNvPr id="12" name="TextBox 11">
             <a:extLst>
               <a:ext uri="{FF2B5EF4-FFF2-40B4-BE49-F238E27FC236}">
-                <a16:creationId xmlns:a16="http://schemas.microsoft.com/office/drawing/2014/main" id="{2E843C5C-F5F0-B014-4B60-31604E120CA8}"/>
+                <a16:creationId xmlns:a16="http://schemas.microsoft.com/office/drawing/2014/main" xmlns="" id="{2E843C5C-F5F0-B014-4B60-31604E120CA8}"/>
               </a:ext>
             </a:extLst>
           </p:cNvPr>
@@ -22640,7 +23183,7 @@
           <p:cNvPr id="13" name="직선 화살표 연결선 12">
             <a:extLst>
               <a:ext uri="{FF2B5EF4-FFF2-40B4-BE49-F238E27FC236}">
-                <a16:creationId xmlns:a16="http://schemas.microsoft.com/office/drawing/2014/main" id="{D18E0CA5-8F28-6CF5-D994-34D82E76FA59}"/>
+                <a16:creationId xmlns:a16="http://schemas.microsoft.com/office/drawing/2014/main" xmlns="" id="{D18E0CA5-8F28-6CF5-D994-34D82E76FA59}"/>
               </a:ext>
             </a:extLst>
           </p:cNvPr>
@@ -22683,7 +23226,7 @@
           <p:cNvPr id="16" name="직선 화살표 연결선 15">
             <a:extLst>
               <a:ext uri="{FF2B5EF4-FFF2-40B4-BE49-F238E27FC236}">
-                <a16:creationId xmlns:a16="http://schemas.microsoft.com/office/drawing/2014/main" id="{63A2BB84-DB21-3B86-E191-9D086538A8E8}"/>
+                <a16:creationId xmlns:a16="http://schemas.microsoft.com/office/drawing/2014/main" xmlns="" id="{63A2BB84-DB21-3B86-E191-9D086538A8E8}"/>
               </a:ext>
             </a:extLst>
           </p:cNvPr>
@@ -22724,7 +23267,7 @@
           <p:cNvPr id="17" name="TextBox 16">
             <a:extLst>
               <a:ext uri="{FF2B5EF4-FFF2-40B4-BE49-F238E27FC236}">
-                <a16:creationId xmlns:a16="http://schemas.microsoft.com/office/drawing/2014/main" id="{F98D168E-7AFC-9208-1631-471768BCB29E}"/>
+                <a16:creationId xmlns:a16="http://schemas.microsoft.com/office/drawing/2014/main" xmlns="" id="{F98D168E-7AFC-9208-1631-471768BCB29E}"/>
               </a:ext>
             </a:extLst>
           </p:cNvPr>
@@ -22803,7 +23346,7 @@
 </p:sld>
 </file>
 
-<file path=ppt/slides/slide49.xml><?xml version="1.0" encoding="utf-8"?>
+<file path=ppt/slides/slide48.xml><?xml version="1.0" encoding="utf-8"?>
 <p:sld xmlns:a="http://schemas.openxmlformats.org/drawingml/2006/main" xmlns:r="http://schemas.openxmlformats.org/officeDocument/2006/relationships" xmlns:p="http://schemas.openxmlformats.org/presentationml/2006/main">
   <p:cSld>
     <p:spTree>
@@ -22825,7 +23368,7 @@
           <p:cNvPr id="15" name="그림 14">
             <a:extLst>
               <a:ext uri="{FF2B5EF4-FFF2-40B4-BE49-F238E27FC236}">
-                <a16:creationId xmlns:a16="http://schemas.microsoft.com/office/drawing/2014/main" id="{53724FB4-B4A1-0A70-1F84-114E17B93993}"/>
+                <a16:creationId xmlns:a16="http://schemas.microsoft.com/office/drawing/2014/main" xmlns="" id="{53724FB4-B4A1-0A70-1F84-114E17B93993}"/>
               </a:ext>
             </a:extLst>
           </p:cNvPr>
@@ -22855,7 +23398,7 @@
           <p:cNvPr id="5" name="그림 4">
             <a:extLst>
               <a:ext uri="{FF2B5EF4-FFF2-40B4-BE49-F238E27FC236}">
-                <a16:creationId xmlns:a16="http://schemas.microsoft.com/office/drawing/2014/main" id="{B3B08C97-DB9D-E09A-46A5-9DE74C54D1EA}"/>
+                <a16:creationId xmlns:a16="http://schemas.microsoft.com/office/drawing/2014/main" xmlns="" id="{B3B08C97-DB9D-E09A-46A5-9DE74C54D1EA}"/>
               </a:ext>
             </a:extLst>
           </p:cNvPr>
@@ -22885,7 +23428,7 @@
           <p:cNvPr id="10" name="직선 화살표 연결선 9">
             <a:extLst>
               <a:ext uri="{FF2B5EF4-FFF2-40B4-BE49-F238E27FC236}">
-                <a16:creationId xmlns:a16="http://schemas.microsoft.com/office/drawing/2014/main" id="{C07CC10E-FCEF-C096-5466-649AE800D608}"/>
+                <a16:creationId xmlns:a16="http://schemas.microsoft.com/office/drawing/2014/main" xmlns="" id="{C07CC10E-FCEF-C096-5466-649AE800D608}"/>
               </a:ext>
             </a:extLst>
           </p:cNvPr>
@@ -22926,7 +23469,7 @@
           <p:cNvPr id="11" name="직사각형 10">
             <a:extLst>
               <a:ext uri="{FF2B5EF4-FFF2-40B4-BE49-F238E27FC236}">
-                <a16:creationId xmlns:a16="http://schemas.microsoft.com/office/drawing/2014/main" id="{8E401B37-F787-3B11-93A1-BECFD1EFA32B}"/>
+                <a16:creationId xmlns:a16="http://schemas.microsoft.com/office/drawing/2014/main" xmlns="" id="{8E401B37-F787-3B11-93A1-BECFD1EFA32B}"/>
               </a:ext>
             </a:extLst>
           </p:cNvPr>
@@ -22978,7 +23521,7 @@
           <p:cNvPr id="12" name="TextBox 11">
             <a:extLst>
               <a:ext uri="{FF2B5EF4-FFF2-40B4-BE49-F238E27FC236}">
-                <a16:creationId xmlns:a16="http://schemas.microsoft.com/office/drawing/2014/main" id="{F1573BBE-058D-47FE-4B71-A1221360D1A1}"/>
+                <a16:creationId xmlns:a16="http://schemas.microsoft.com/office/drawing/2014/main" xmlns="" id="{F1573BBE-058D-47FE-4B71-A1221360D1A1}"/>
               </a:ext>
             </a:extLst>
           </p:cNvPr>
@@ -23200,950 +23743,7 @@
 </p:sld>
 </file>
 
-<file path=ppt/slides/slide5.xml><?xml version="1.0" encoding="utf-8"?>
-<p:sld xmlns:a="http://schemas.openxmlformats.org/drawingml/2006/main" xmlns:r="http://schemas.openxmlformats.org/officeDocument/2006/relationships" xmlns:p="http://schemas.openxmlformats.org/presentationml/2006/main">
-  <p:cSld>
-    <p:spTree>
-      <p:nvGrpSpPr>
-        <p:cNvPr id="1" name=""/>
-        <p:cNvGrpSpPr/>
-        <p:nvPr/>
-      </p:nvGrpSpPr>
-      <p:grpSpPr>
-        <a:xfrm>
-          <a:off x="0" y="0"/>
-          <a:ext cx="0" cy="0"/>
-          <a:chOff x="0" y="0"/>
-          <a:chExt cx="0" cy="0"/>
-        </a:xfrm>
-      </p:grpSpPr>
-      <p:grpSp>
-        <p:nvGrpSpPr>
-          <p:cNvPr id="4" name="그룹 1015">
-            <a:extLst>
-              <a:ext uri="{FF2B5EF4-FFF2-40B4-BE49-F238E27FC236}">
-                <a16:creationId xmlns:a16="http://schemas.microsoft.com/office/drawing/2014/main" id="{76F5E01D-ECD6-A51D-DC2B-05DA1EBF93C7}"/>
-              </a:ext>
-            </a:extLst>
-          </p:cNvPr>
-          <p:cNvGrpSpPr/>
-          <p:nvPr/>
-        </p:nvGrpSpPr>
-        <p:grpSpPr>
-          <a:xfrm>
-            <a:off x="7092192" y="2913503"/>
-            <a:ext cx="3753082" cy="785575"/>
-            <a:chOff x="7305119" y="3255660"/>
-            <a:chExt cx="3753082" cy="785575"/>
-          </a:xfrm>
-        </p:grpSpPr>
-        <p:pic>
-          <p:nvPicPr>
-            <p:cNvPr id="5" name="Object 52">
-              <a:extLst>
-                <a:ext uri="{FF2B5EF4-FFF2-40B4-BE49-F238E27FC236}">
-                  <a16:creationId xmlns:a16="http://schemas.microsoft.com/office/drawing/2014/main" id="{D83975B3-46BC-7686-ECA1-1D7ECFA74A69}"/>
-                </a:ext>
-              </a:extLst>
-            </p:cNvPr>
-            <p:cNvPicPr>
-              <a:picLocks noChangeAspect="1"/>
-            </p:cNvPicPr>
-            <p:nvPr/>
-          </p:nvPicPr>
-          <p:blipFill>
-            <a:blip r:embed="rId2" cstate="print"/>
-            <a:stretch>
-              <a:fillRect/>
-            </a:stretch>
-          </p:blipFill>
-          <p:spPr>
-            <a:xfrm>
-              <a:off x="7305119" y="3255660"/>
-              <a:ext cx="3753082" cy="785575"/>
-            </a:xfrm>
-            <a:prstGeom prst="rect">
-              <a:avLst/>
-            </a:prstGeom>
-          </p:spPr>
-        </p:pic>
-      </p:grpSp>
-      <p:grpSp>
-        <p:nvGrpSpPr>
-          <p:cNvPr id="6" name="그룹 1018">
-            <a:extLst>
-              <a:ext uri="{FF2B5EF4-FFF2-40B4-BE49-F238E27FC236}">
-                <a16:creationId xmlns:a16="http://schemas.microsoft.com/office/drawing/2014/main" id="{008489BA-FEFA-DE7D-B3CD-53A358B82592}"/>
-              </a:ext>
-            </a:extLst>
-          </p:cNvPr>
-          <p:cNvGrpSpPr/>
-          <p:nvPr/>
-        </p:nvGrpSpPr>
-        <p:grpSpPr>
-          <a:xfrm>
-            <a:off x="2590800" y="4486414"/>
-            <a:ext cx="3393622" cy="1114286"/>
-            <a:chOff x="2803727" y="4828571"/>
-            <a:chExt cx="3393622" cy="1114286"/>
-          </a:xfrm>
-        </p:grpSpPr>
-        <p:pic>
-          <p:nvPicPr>
-            <p:cNvPr id="7" name="Object 61">
-              <a:extLst>
-                <a:ext uri="{FF2B5EF4-FFF2-40B4-BE49-F238E27FC236}">
-                  <a16:creationId xmlns:a16="http://schemas.microsoft.com/office/drawing/2014/main" id="{9ED25BE3-45BE-AC6D-D835-4457854D2832}"/>
-                </a:ext>
-              </a:extLst>
-            </p:cNvPr>
-            <p:cNvPicPr>
-              <a:picLocks noChangeAspect="1"/>
-            </p:cNvPicPr>
-            <p:nvPr/>
-          </p:nvPicPr>
-          <p:blipFill>
-            <a:blip r:embed="rId3" cstate="print"/>
-            <a:stretch>
-              <a:fillRect/>
-            </a:stretch>
-          </p:blipFill>
-          <p:spPr>
-            <a:xfrm>
-              <a:off x="2803727" y="4828571"/>
-              <a:ext cx="3393622" cy="1114286"/>
-            </a:xfrm>
-            <a:prstGeom prst="rect">
-              <a:avLst/>
-            </a:prstGeom>
-          </p:spPr>
-        </p:pic>
-      </p:grpSp>
-      <p:grpSp>
-        <p:nvGrpSpPr>
-          <p:cNvPr id="8" name="그룹 1021">
-            <a:extLst>
-              <a:ext uri="{FF2B5EF4-FFF2-40B4-BE49-F238E27FC236}">
-                <a16:creationId xmlns:a16="http://schemas.microsoft.com/office/drawing/2014/main" id="{7FE0C0A1-ABE4-F0EA-AFC1-4622C45C99E7}"/>
-              </a:ext>
-            </a:extLst>
-          </p:cNvPr>
-          <p:cNvGrpSpPr/>
-          <p:nvPr/>
-        </p:nvGrpSpPr>
-        <p:grpSpPr>
-          <a:xfrm>
-            <a:off x="7233119" y="4486414"/>
-            <a:ext cx="3393622" cy="1114286"/>
-            <a:chOff x="7446046" y="4828571"/>
-            <a:chExt cx="3393622" cy="1114286"/>
-          </a:xfrm>
-        </p:grpSpPr>
-        <p:pic>
-          <p:nvPicPr>
-            <p:cNvPr id="9" name="Object 71">
-              <a:extLst>
-                <a:ext uri="{FF2B5EF4-FFF2-40B4-BE49-F238E27FC236}">
-                  <a16:creationId xmlns:a16="http://schemas.microsoft.com/office/drawing/2014/main" id="{CDBB7D83-509F-9F4C-0C3E-DBA2562E5520}"/>
-                </a:ext>
-              </a:extLst>
-            </p:cNvPr>
-            <p:cNvPicPr>
-              <a:picLocks noChangeAspect="1"/>
-            </p:cNvPicPr>
-            <p:nvPr/>
-          </p:nvPicPr>
-          <p:blipFill>
-            <a:blip r:embed="rId3" cstate="print"/>
-            <a:stretch>
-              <a:fillRect/>
-            </a:stretch>
-          </p:blipFill>
-          <p:spPr>
-            <a:xfrm>
-              <a:off x="7446046" y="4828571"/>
-              <a:ext cx="3393622" cy="1114286"/>
-            </a:xfrm>
-            <a:prstGeom prst="rect">
-              <a:avLst/>
-            </a:prstGeom>
-          </p:spPr>
-        </p:pic>
-      </p:grpSp>
-      <p:grpSp>
-        <p:nvGrpSpPr>
-          <p:cNvPr id="10" name="그룹 1024">
-            <a:extLst>
-              <a:ext uri="{FF2B5EF4-FFF2-40B4-BE49-F238E27FC236}">
-                <a16:creationId xmlns:a16="http://schemas.microsoft.com/office/drawing/2014/main" id="{8EB1611F-852C-9617-AEEB-CFA38FFF8001}"/>
-              </a:ext>
-            </a:extLst>
-          </p:cNvPr>
-          <p:cNvGrpSpPr/>
-          <p:nvPr/>
-        </p:nvGrpSpPr>
-        <p:grpSpPr>
-          <a:xfrm>
-            <a:off x="11875438" y="4486414"/>
-            <a:ext cx="3393622" cy="1114286"/>
-            <a:chOff x="12088365" y="4828571"/>
-            <a:chExt cx="3393622" cy="1114286"/>
-          </a:xfrm>
-        </p:grpSpPr>
-        <p:pic>
-          <p:nvPicPr>
-            <p:cNvPr id="11" name="Object 81">
-              <a:extLst>
-                <a:ext uri="{FF2B5EF4-FFF2-40B4-BE49-F238E27FC236}">
-                  <a16:creationId xmlns:a16="http://schemas.microsoft.com/office/drawing/2014/main" id="{08657582-A0DF-A5DC-A662-189C639920C8}"/>
-                </a:ext>
-              </a:extLst>
-            </p:cNvPr>
-            <p:cNvPicPr>
-              <a:picLocks noChangeAspect="1"/>
-            </p:cNvPicPr>
-            <p:nvPr/>
-          </p:nvPicPr>
-          <p:blipFill>
-            <a:blip r:embed="rId3" cstate="print"/>
-            <a:stretch>
-              <a:fillRect/>
-            </a:stretch>
-          </p:blipFill>
-          <p:spPr>
-            <a:xfrm>
-              <a:off x="12088365" y="4828571"/>
-              <a:ext cx="3393622" cy="1114286"/>
-            </a:xfrm>
-            <a:prstGeom prst="rect">
-              <a:avLst/>
-            </a:prstGeom>
-          </p:spPr>
-        </p:pic>
-      </p:grpSp>
-      <p:sp>
-        <p:nvSpPr>
-          <p:cNvPr id="12" name="TextBox 11">
-            <a:extLst>
-              <a:ext uri="{FF2B5EF4-FFF2-40B4-BE49-F238E27FC236}">
-                <a16:creationId xmlns:a16="http://schemas.microsoft.com/office/drawing/2014/main" id="{FC41B7B2-904B-813A-22B8-239E383F4360}"/>
-              </a:ext>
-            </a:extLst>
-          </p:cNvPr>
-          <p:cNvSpPr txBox="1"/>
-          <p:nvPr/>
-        </p:nvSpPr>
-        <p:spPr>
-          <a:xfrm>
-            <a:off x="8263995" y="2946640"/>
-            <a:ext cx="1946805" cy="769441"/>
-          </a:xfrm>
-          <a:prstGeom prst="rect">
-            <a:avLst/>
-          </a:prstGeom>
-          <a:noFill/>
-        </p:spPr>
-        <p:txBody>
-          <a:bodyPr wrap="square" rtlCol="0">
-            <a:spAutoFit/>
-          </a:bodyPr>
-          <a:lstStyle/>
-          <a:p>
-            <a:r>
-              <a:rPr lang="en-US" altLang="ko-KR" sz="4400">
-                <a:solidFill>
-                  <a:srgbClr val="4C50BC"/>
-                </a:solidFill>
-                <a:latin typeface="G마켓 산스 Medium" panose="02000000000000000000" pitchFamily="50" charset="-127"/>
-                <a:ea typeface="G마켓 산스 Medium" panose="02000000000000000000" pitchFamily="50" charset="-127"/>
-              </a:rPr>
-              <a:t>Unit</a:t>
-            </a:r>
-            <a:endParaRPr lang="en-US" altLang="ko-KR" sz="4400" dirty="0">
-              <a:solidFill>
-                <a:srgbClr val="4C50BC"/>
-              </a:solidFill>
-              <a:latin typeface="G마켓 산스 Medium" panose="02000000000000000000" pitchFamily="50" charset="-127"/>
-              <a:ea typeface="G마켓 산스 Medium" panose="02000000000000000000" pitchFamily="50" charset="-127"/>
-            </a:endParaRPr>
-          </a:p>
-        </p:txBody>
-      </p:sp>
-      <p:sp>
-        <p:nvSpPr>
-          <p:cNvPr id="13" name="TextBox 12">
-            <a:extLst>
-              <a:ext uri="{FF2B5EF4-FFF2-40B4-BE49-F238E27FC236}">
-                <a16:creationId xmlns:a16="http://schemas.microsoft.com/office/drawing/2014/main" id="{F68B80B8-3419-5C31-B2F2-084E536A2C1C}"/>
-              </a:ext>
-            </a:extLst>
-          </p:cNvPr>
-          <p:cNvSpPr txBox="1"/>
-          <p:nvPr/>
-        </p:nvSpPr>
-        <p:spPr>
-          <a:xfrm>
-            <a:off x="3241645" y="4705572"/>
-            <a:ext cx="1936749" cy="646331"/>
-          </a:xfrm>
-          <a:prstGeom prst="rect">
-            <a:avLst/>
-          </a:prstGeom>
-          <a:noFill/>
-        </p:spPr>
-        <p:txBody>
-          <a:bodyPr wrap="none" rtlCol="0">
-            <a:spAutoFit/>
-          </a:bodyPr>
-          <a:lstStyle/>
-          <a:p>
-            <a:r>
-              <a:rPr lang="en-US" altLang="ko-KR" sz="3600">
-                <a:solidFill>
-                  <a:srgbClr val="4D4848"/>
-                </a:solidFill>
-                <a:latin typeface="G마켓 산스 Medium" panose="02000000000000000000" pitchFamily="50" charset="-127"/>
-                <a:ea typeface="G마켓 산스 Medium" panose="02000000000000000000" pitchFamily="50" charset="-127"/>
-              </a:rPr>
-              <a:t>Marine</a:t>
-            </a:r>
-            <a:endParaRPr lang="ko-KR" altLang="en-US" sz="2800" dirty="0">
-              <a:solidFill>
-                <a:srgbClr val="4D4848"/>
-              </a:solidFill>
-              <a:latin typeface="G마켓 산스 Medium" panose="02000000000000000000" pitchFamily="50" charset="-127"/>
-              <a:ea typeface="G마켓 산스 Medium" panose="02000000000000000000" pitchFamily="50" charset="-127"/>
-            </a:endParaRPr>
-          </a:p>
-        </p:txBody>
-      </p:sp>
-      <p:sp>
-        <p:nvSpPr>
-          <p:cNvPr id="14" name="TextBox 13">
-            <a:extLst>
-              <a:ext uri="{FF2B5EF4-FFF2-40B4-BE49-F238E27FC236}">
-                <a16:creationId xmlns:a16="http://schemas.microsoft.com/office/drawing/2014/main" id="{CB471B39-052C-65D2-3069-C74FA7421876}"/>
-              </a:ext>
-            </a:extLst>
-          </p:cNvPr>
-          <p:cNvSpPr txBox="1"/>
-          <p:nvPr/>
-        </p:nvSpPr>
-        <p:spPr>
-          <a:xfrm>
-            <a:off x="7888580" y="4684228"/>
-            <a:ext cx="2274982" cy="646331"/>
-          </a:xfrm>
-          <a:prstGeom prst="rect">
-            <a:avLst/>
-          </a:prstGeom>
-          <a:noFill/>
-        </p:spPr>
-        <p:txBody>
-          <a:bodyPr wrap="none" rtlCol="0">
-            <a:spAutoFit/>
-          </a:bodyPr>
-          <a:lstStyle/>
-          <a:p>
-            <a:r>
-              <a:rPr lang="en-US" altLang="ko-KR" sz="3600">
-                <a:solidFill>
-                  <a:srgbClr val="4D4848"/>
-                </a:solidFill>
-                <a:latin typeface="G마켓 산스 Medium" panose="02000000000000000000" pitchFamily="50" charset="-127"/>
-                <a:ea typeface="G마켓 산스 Medium" panose="02000000000000000000" pitchFamily="50" charset="-127"/>
-              </a:rPr>
-              <a:t>Zergling</a:t>
-            </a:r>
-            <a:endParaRPr lang="ko-KR" altLang="en-US" sz="2800" dirty="0">
-              <a:solidFill>
-                <a:srgbClr val="4D4848"/>
-              </a:solidFill>
-              <a:latin typeface="G마켓 산스 Medium" panose="02000000000000000000" pitchFamily="50" charset="-127"/>
-              <a:ea typeface="G마켓 산스 Medium" panose="02000000000000000000" pitchFamily="50" charset="-127"/>
-            </a:endParaRPr>
-          </a:p>
-        </p:txBody>
-      </p:sp>
-      <p:sp>
-        <p:nvSpPr>
-          <p:cNvPr id="15" name="TextBox 14">
-            <a:extLst>
-              <a:ext uri="{FF2B5EF4-FFF2-40B4-BE49-F238E27FC236}">
-                <a16:creationId xmlns:a16="http://schemas.microsoft.com/office/drawing/2014/main" id="{4A7E270B-9322-EABD-3A34-4D211B23AD38}"/>
-              </a:ext>
-            </a:extLst>
-          </p:cNvPr>
-          <p:cNvSpPr txBox="1"/>
-          <p:nvPr/>
-        </p:nvSpPr>
-        <p:spPr>
-          <a:xfrm>
-            <a:off x="12470834" y="4705572"/>
-            <a:ext cx="1787669" cy="646331"/>
-          </a:xfrm>
-          <a:prstGeom prst="rect">
-            <a:avLst/>
-          </a:prstGeom>
-          <a:noFill/>
-        </p:spPr>
-        <p:txBody>
-          <a:bodyPr wrap="none" rtlCol="0">
-            <a:spAutoFit/>
-          </a:bodyPr>
-          <a:lstStyle/>
-          <a:p>
-            <a:r>
-              <a:rPr lang="en-US" altLang="ko-KR" sz="3600">
-                <a:solidFill>
-                  <a:srgbClr val="4D4848"/>
-                </a:solidFill>
-                <a:latin typeface="G마켓 산스 Medium" panose="02000000000000000000" pitchFamily="50" charset="-127"/>
-                <a:ea typeface="G마켓 산스 Medium" panose="02000000000000000000" pitchFamily="50" charset="-127"/>
-              </a:rPr>
-              <a:t>Zealot</a:t>
-            </a:r>
-            <a:endParaRPr lang="ko-KR" altLang="en-US" sz="2800" dirty="0">
-              <a:solidFill>
-                <a:srgbClr val="4D4848"/>
-              </a:solidFill>
-              <a:latin typeface="G마켓 산스 Medium" panose="02000000000000000000" pitchFamily="50" charset="-127"/>
-              <a:ea typeface="G마켓 산스 Medium" panose="02000000000000000000" pitchFamily="50" charset="-127"/>
-            </a:endParaRPr>
-          </a:p>
-        </p:txBody>
-      </p:sp>
-      <p:cxnSp>
-        <p:nvCxnSpPr>
-          <p:cNvPr id="16" name="직선 화살표 연결선 15">
-            <a:extLst>
-              <a:ext uri="{FF2B5EF4-FFF2-40B4-BE49-F238E27FC236}">
-                <a16:creationId xmlns:a16="http://schemas.microsoft.com/office/drawing/2014/main" id="{174A1CAB-41DB-CBE5-A53E-D1E78982E7D5}"/>
-              </a:ext>
-            </a:extLst>
-          </p:cNvPr>
-          <p:cNvCxnSpPr>
-            <a:cxnSpLocks/>
-            <a:endCxn id="7" idx="0"/>
-          </p:cNvCxnSpPr>
-          <p:nvPr/>
-        </p:nvCxnSpPr>
-        <p:spPr>
-          <a:xfrm flipH="1">
-            <a:off x="4287611" y="3372128"/>
-            <a:ext cx="2722789" cy="1114286"/>
-          </a:xfrm>
-          <a:prstGeom prst="straightConnector1">
-            <a:avLst/>
-          </a:prstGeom>
-          <a:ln w="38100">
-            <a:tailEnd type="triangle"/>
-          </a:ln>
-        </p:spPr>
-        <p:style>
-          <a:lnRef idx="1">
-            <a:schemeClr val="accent2"/>
-          </a:lnRef>
-          <a:fillRef idx="0">
-            <a:schemeClr val="accent2"/>
-          </a:fillRef>
-          <a:effectRef idx="0">
-            <a:schemeClr val="accent2"/>
-          </a:effectRef>
-          <a:fontRef idx="minor">
-            <a:schemeClr val="tx1"/>
-          </a:fontRef>
-        </p:style>
-      </p:cxnSp>
-      <p:cxnSp>
-        <p:nvCxnSpPr>
-          <p:cNvPr id="17" name="직선 화살표 연결선 16">
-            <a:extLst>
-              <a:ext uri="{FF2B5EF4-FFF2-40B4-BE49-F238E27FC236}">
-                <a16:creationId xmlns:a16="http://schemas.microsoft.com/office/drawing/2014/main" id="{404BE807-8974-325D-28CE-80CBD5A23FD9}"/>
-              </a:ext>
-            </a:extLst>
-          </p:cNvPr>
-          <p:cNvCxnSpPr>
-            <a:cxnSpLocks/>
-          </p:cNvCxnSpPr>
-          <p:nvPr/>
-        </p:nvCxnSpPr>
-        <p:spPr>
-          <a:xfrm>
-            <a:off x="9024489" y="3732215"/>
-            <a:ext cx="6086" cy="681872"/>
-          </a:xfrm>
-          <a:prstGeom prst="straightConnector1">
-            <a:avLst/>
-          </a:prstGeom>
-          <a:ln w="38100">
-            <a:tailEnd type="triangle"/>
-          </a:ln>
-        </p:spPr>
-        <p:style>
-          <a:lnRef idx="1">
-            <a:schemeClr val="accent2"/>
-          </a:lnRef>
-          <a:fillRef idx="0">
-            <a:schemeClr val="accent2"/>
-          </a:fillRef>
-          <a:effectRef idx="0">
-            <a:schemeClr val="accent2"/>
-          </a:effectRef>
-          <a:fontRef idx="minor">
-            <a:schemeClr val="tx1"/>
-          </a:fontRef>
-        </p:style>
-      </p:cxnSp>
-      <p:cxnSp>
-        <p:nvCxnSpPr>
-          <p:cNvPr id="18" name="직선 화살표 연결선 17">
-            <a:extLst>
-              <a:ext uri="{FF2B5EF4-FFF2-40B4-BE49-F238E27FC236}">
-                <a16:creationId xmlns:a16="http://schemas.microsoft.com/office/drawing/2014/main" id="{8238D4B2-69F6-F17A-0286-66A8FB197956}"/>
-              </a:ext>
-            </a:extLst>
-          </p:cNvPr>
-          <p:cNvCxnSpPr>
-            <a:cxnSpLocks/>
-            <a:endCxn id="11" idx="0"/>
-          </p:cNvCxnSpPr>
-          <p:nvPr/>
-        </p:nvCxnSpPr>
-        <p:spPr>
-          <a:xfrm>
-            <a:off x="10876735" y="3331360"/>
-            <a:ext cx="2695514" cy="1155054"/>
-          </a:xfrm>
-          <a:prstGeom prst="straightConnector1">
-            <a:avLst/>
-          </a:prstGeom>
-          <a:ln w="38100">
-            <a:tailEnd type="triangle"/>
-          </a:ln>
-        </p:spPr>
-        <p:style>
-          <a:lnRef idx="1">
-            <a:schemeClr val="accent2"/>
-          </a:lnRef>
-          <a:fillRef idx="0">
-            <a:schemeClr val="accent2"/>
-          </a:fillRef>
-          <a:effectRef idx="0">
-            <a:schemeClr val="accent2"/>
-          </a:effectRef>
-          <a:fontRef idx="minor">
-            <a:schemeClr val="tx1"/>
-          </a:fontRef>
-        </p:style>
-      </p:cxnSp>
-      <p:pic>
-        <p:nvPicPr>
-          <p:cNvPr id="19" name="그림 18"/>
-          <p:cNvPicPr>
-            <a:picLocks noChangeAspect="1"/>
-          </p:cNvPicPr>
-          <p:nvPr/>
-        </p:nvPicPr>
-        <p:blipFill>
-          <a:blip r:embed="rId4"/>
-          <a:stretch>
-            <a:fillRect/>
-          </a:stretch>
-        </p:blipFill>
-        <p:spPr>
-          <a:xfrm>
-            <a:off x="4343400" y="1028700"/>
-            <a:ext cx="4196633" cy="1632024"/>
-          </a:xfrm>
-          <a:prstGeom prst="rect">
-            <a:avLst/>
-          </a:prstGeom>
-        </p:spPr>
-      </p:pic>
-      <p:pic>
-        <p:nvPicPr>
-          <p:cNvPr id="20" name="그림 19"/>
-          <p:cNvPicPr>
-            <a:picLocks noChangeAspect="1"/>
-          </p:cNvPicPr>
-          <p:nvPr/>
-        </p:nvPicPr>
-        <p:blipFill>
-          <a:blip r:embed="rId5"/>
-          <a:stretch>
-            <a:fillRect/>
-          </a:stretch>
-        </p:blipFill>
-        <p:spPr>
-          <a:xfrm>
-            <a:off x="9067800" y="1028700"/>
-            <a:ext cx="4477650" cy="1597495"/>
-          </a:xfrm>
-          <a:prstGeom prst="rect">
-            <a:avLst/>
-          </a:prstGeom>
-        </p:spPr>
-      </p:pic>
-    </p:spTree>
-    <p:extLst>
-      <p:ext uri="{BB962C8B-B14F-4D97-AF65-F5344CB8AC3E}">
-        <p14:creationId xmlns:p14="http://schemas.microsoft.com/office/powerpoint/2010/main" val="3737422770"/>
-      </p:ext>
-    </p:extLst>
-  </p:cSld>
-  <p:clrMapOvr>
-    <a:masterClrMapping/>
-  </p:clrMapOvr>
-</p:sld>
-</file>
-
-<file path=ppt/slides/slide50.xml><?xml version="1.0" encoding="utf-8"?>
-<p:sld xmlns:a="http://schemas.openxmlformats.org/drawingml/2006/main" xmlns:r="http://schemas.openxmlformats.org/officeDocument/2006/relationships" xmlns:p="http://schemas.openxmlformats.org/presentationml/2006/main">
-  <p:cSld>
-    <p:bg>
-      <p:bgPr>
-        <a:solidFill>
-          <a:srgbClr val="4C50BB"/>
-        </a:solidFill>
-        <a:effectLst/>
-      </p:bgPr>
-    </p:bg>
-    <p:spTree>
-      <p:nvGrpSpPr>
-        <p:cNvPr id="1" name=""/>
-        <p:cNvGrpSpPr/>
-        <p:nvPr/>
-      </p:nvGrpSpPr>
-      <p:grpSpPr>
-        <a:xfrm>
-          <a:off x="0" y="0"/>
-          <a:ext cx="0" cy="0"/>
-          <a:chOff x="0" y="0"/>
-          <a:chExt cx="0" cy="0"/>
-        </a:xfrm>
-      </p:grpSpPr>
-      <p:grpSp>
-        <p:nvGrpSpPr>
-          <p:cNvPr id="1001" name="그룹 1001"/>
-          <p:cNvGrpSpPr/>
-          <p:nvPr/>
-        </p:nvGrpSpPr>
-        <p:grpSpPr>
-          <a:xfrm>
-            <a:off x="-159165" y="3685351"/>
-            <a:ext cx="1432688" cy="191978"/>
-            <a:chOff x="-159165" y="3685351"/>
-            <a:chExt cx="1432688" cy="191978"/>
-          </a:xfrm>
-        </p:grpSpPr>
-        <p:pic>
-          <p:nvPicPr>
-            <p:cNvPr id="3" name="Object 2"/>
-            <p:cNvPicPr>
-              <a:picLocks noChangeAspect="1"/>
-            </p:cNvPicPr>
-            <p:nvPr/>
-          </p:nvPicPr>
-          <p:blipFill>
-            <a:blip r:embed="rId2" cstate="print"/>
-            <a:stretch>
-              <a:fillRect/>
-            </a:stretch>
-          </p:blipFill>
-          <p:spPr>
-            <a:xfrm rot="-10800000">
-              <a:off x="-159165" y="3685351"/>
-              <a:ext cx="1432688" cy="191978"/>
-            </a:xfrm>
-            <a:prstGeom prst="rect">
-              <a:avLst/>
-            </a:prstGeom>
-          </p:spPr>
-        </p:pic>
-      </p:grpSp>
-      <p:grpSp>
-        <p:nvGrpSpPr>
-          <p:cNvPr id="1002" name="그룹 1002"/>
-          <p:cNvGrpSpPr/>
-          <p:nvPr/>
-        </p:nvGrpSpPr>
-        <p:grpSpPr>
-          <a:xfrm>
-            <a:off x="13074845" y="-1224069"/>
-            <a:ext cx="3388803" cy="3355932"/>
-            <a:chOff x="13074845" y="-1224069"/>
-            <a:chExt cx="3388803" cy="3355932"/>
-          </a:xfrm>
-        </p:grpSpPr>
-        <p:pic>
-          <p:nvPicPr>
-            <p:cNvPr id="6" name="Object 5"/>
-            <p:cNvPicPr>
-              <a:picLocks noChangeAspect="1"/>
-            </p:cNvPicPr>
-            <p:nvPr/>
-          </p:nvPicPr>
-          <p:blipFill>
-            <a:blip r:embed="rId3" cstate="print"/>
-            <a:stretch>
-              <a:fillRect/>
-            </a:stretch>
-          </p:blipFill>
-          <p:spPr>
-            <a:xfrm>
-              <a:off x="13074845" y="-1224069"/>
-              <a:ext cx="3388803" cy="3355932"/>
-            </a:xfrm>
-            <a:prstGeom prst="rect">
-              <a:avLst/>
-            </a:prstGeom>
-          </p:spPr>
-        </p:pic>
-      </p:grpSp>
-      <p:grpSp>
-        <p:nvGrpSpPr>
-          <p:cNvPr id="1003" name="그룹 1003"/>
-          <p:cNvGrpSpPr/>
-          <p:nvPr/>
-        </p:nvGrpSpPr>
-        <p:grpSpPr>
-          <a:xfrm>
-            <a:off x="15502230" y="-877556"/>
-            <a:ext cx="3902974" cy="3971928"/>
-            <a:chOff x="15502230" y="-877556"/>
-            <a:chExt cx="3902974" cy="3971928"/>
-          </a:xfrm>
-        </p:grpSpPr>
-        <p:pic>
-          <p:nvPicPr>
-            <p:cNvPr id="9" name="Object 8"/>
-            <p:cNvPicPr>
-              <a:picLocks noChangeAspect="1"/>
-            </p:cNvPicPr>
-            <p:nvPr/>
-          </p:nvPicPr>
-          <p:blipFill>
-            <a:blip r:embed="rId4" cstate="print"/>
-            <a:stretch>
-              <a:fillRect/>
-            </a:stretch>
-          </p:blipFill>
-          <p:spPr>
-            <a:xfrm rot="-2700000">
-              <a:off x="15502230" y="-877556"/>
-              <a:ext cx="3902974" cy="3971928"/>
-            </a:xfrm>
-            <a:prstGeom prst="rect">
-              <a:avLst/>
-            </a:prstGeom>
-          </p:spPr>
-        </p:pic>
-      </p:grpSp>
-      <p:grpSp>
-        <p:nvGrpSpPr>
-          <p:cNvPr id="1004" name="그룹 1004"/>
-          <p:cNvGrpSpPr/>
-          <p:nvPr/>
-        </p:nvGrpSpPr>
-        <p:grpSpPr>
-          <a:xfrm>
-            <a:off x="14137208" y="6930045"/>
-            <a:ext cx="4652881" cy="4607748"/>
-            <a:chOff x="14137208" y="6930045"/>
-            <a:chExt cx="4652881" cy="4607748"/>
-          </a:xfrm>
-        </p:grpSpPr>
-        <p:pic>
-          <p:nvPicPr>
-            <p:cNvPr id="12" name="Object 11"/>
-            <p:cNvPicPr>
-              <a:picLocks noChangeAspect="1"/>
-            </p:cNvPicPr>
-            <p:nvPr/>
-          </p:nvPicPr>
-          <p:blipFill>
-            <a:blip r:embed="rId5" cstate="print"/>
-            <a:stretch>
-              <a:fillRect/>
-            </a:stretch>
-          </p:blipFill>
-          <p:spPr>
-            <a:xfrm>
-              <a:off x="14137208" y="6930045"/>
-              <a:ext cx="4652881" cy="4607748"/>
-            </a:xfrm>
-            <a:prstGeom prst="rect">
-              <a:avLst/>
-            </a:prstGeom>
-          </p:spPr>
-        </p:pic>
-      </p:grpSp>
-      <p:sp>
-        <p:nvSpPr>
-          <p:cNvPr id="2" name="TextBox 1">
-            <a:extLst>
-              <a:ext uri="{FF2B5EF4-FFF2-40B4-BE49-F238E27FC236}">
-                <a16:creationId xmlns:a16="http://schemas.microsoft.com/office/drawing/2014/main" id="{76F36AE5-79B5-0B9F-E510-1C27AAC4B649}"/>
-              </a:ext>
-            </a:extLst>
-          </p:cNvPr>
-          <p:cNvSpPr txBox="1"/>
-          <p:nvPr/>
-        </p:nvSpPr>
-        <p:spPr>
-          <a:xfrm>
-            <a:off x="2172958" y="5295900"/>
-            <a:ext cx="3441968" cy="1107996"/>
-          </a:xfrm>
-          <a:prstGeom prst="rect">
-            <a:avLst/>
-          </a:prstGeom>
-          <a:noFill/>
-        </p:spPr>
-        <p:txBody>
-          <a:bodyPr wrap="none" rtlCol="0">
-            <a:spAutoFit/>
-          </a:bodyPr>
-          <a:lstStyle/>
-          <a:p>
-            <a:r>
-              <a:rPr lang="ko-KR" altLang="en-US" sz="6600">
-                <a:solidFill>
-                  <a:prstClr val="white"/>
-                </a:solidFill>
-                <a:latin typeface="G마켓 산스 Medium" panose="02000000000000000000" pitchFamily="50" charset="-127"/>
-                <a:ea typeface="G마켓 산스 Medium" panose="02000000000000000000" pitchFamily="50" charset="-127"/>
-              </a:rPr>
-              <a:t>연습문제</a:t>
-            </a:r>
-            <a:endParaRPr lang="ko-KR" altLang="en-US" sz="2800" dirty="0">
-              <a:solidFill>
-                <a:prstClr val="white"/>
-              </a:solidFill>
-              <a:latin typeface="G마켓 산스 Medium" panose="02000000000000000000" pitchFamily="50" charset="-127"/>
-              <a:ea typeface="G마켓 산스 Medium" panose="02000000000000000000" pitchFamily="50" charset="-127"/>
-            </a:endParaRPr>
-          </a:p>
-        </p:txBody>
-      </p:sp>
-      <p:pic>
-        <p:nvPicPr>
-          <p:cNvPr id="13" name="Object 2"/>
-          <p:cNvPicPr>
-            <a:picLocks noChangeAspect="1"/>
-          </p:cNvPicPr>
-          <p:nvPr/>
-        </p:nvPicPr>
-        <p:blipFill>
-          <a:blip r:embed="rId6" cstate="print"/>
-          <a:stretch>
-            <a:fillRect/>
-          </a:stretch>
-        </p:blipFill>
-        <p:spPr>
-          <a:xfrm>
-            <a:off x="1468058" y="2416536"/>
-            <a:ext cx="3183528" cy="3284880"/>
-          </a:xfrm>
-          <a:prstGeom prst="rect">
-            <a:avLst/>
-          </a:prstGeom>
-        </p:spPr>
-      </p:pic>
-    </p:spTree>
-    <p:extLst>
-      <p:ext uri="{BB962C8B-B14F-4D97-AF65-F5344CB8AC3E}">
-        <p14:creationId xmlns:p14="http://schemas.microsoft.com/office/powerpoint/2010/main" val="452150878"/>
-      </p:ext>
-    </p:extLst>
-  </p:cSld>
-  <p:clrMapOvr>
-    <a:masterClrMapping/>
-  </p:clrMapOvr>
-</p:sld>
-</file>
-
-<file path=ppt/slides/slide51.xml><?xml version="1.0" encoding="utf-8"?>
-<p:sld xmlns:a="http://schemas.openxmlformats.org/drawingml/2006/main" xmlns:r="http://schemas.openxmlformats.org/officeDocument/2006/relationships" xmlns:p="http://schemas.openxmlformats.org/presentationml/2006/main">
-  <p:cSld>
-    <p:spTree>
-      <p:nvGrpSpPr>
-        <p:cNvPr id="1" name=""/>
-        <p:cNvGrpSpPr/>
-        <p:nvPr/>
-      </p:nvGrpSpPr>
-      <p:grpSpPr>
-        <a:xfrm>
-          <a:off x="0" y="0"/>
-          <a:ext cx="0" cy="0"/>
-          <a:chOff x="0" y="0"/>
-          <a:chExt cx="0" cy="0"/>
-        </a:xfrm>
-      </p:grpSpPr>
-      <p:sp>
-        <p:nvSpPr>
-          <p:cNvPr id="2" name="TextBox 1">
-            <a:extLst>
-              <a:ext uri="{FF2B5EF4-FFF2-40B4-BE49-F238E27FC236}">
-                <a16:creationId xmlns:a16="http://schemas.microsoft.com/office/drawing/2014/main" id="{31B49343-9CBD-6500-5E60-7BE1262D78AA}"/>
-              </a:ext>
-            </a:extLst>
-          </p:cNvPr>
-          <p:cNvSpPr txBox="1"/>
-          <p:nvPr/>
-        </p:nvSpPr>
-        <p:spPr>
-          <a:xfrm>
-            <a:off x="1143000" y="342900"/>
-            <a:ext cx="2971800" cy="830997"/>
-          </a:xfrm>
-          <a:prstGeom prst="rect">
-            <a:avLst/>
-          </a:prstGeom>
-          <a:noFill/>
-        </p:spPr>
-        <p:txBody>
-          <a:bodyPr wrap="square" rtlCol="0">
-            <a:spAutoFit/>
-          </a:bodyPr>
-          <a:lstStyle/>
-          <a:p>
-            <a:r>
-              <a:rPr lang="ko-KR" altLang="en-US" sz="4800" dirty="0">
-                <a:solidFill>
-                  <a:srgbClr val="4C50BC"/>
-                </a:solidFill>
-                <a:latin typeface="G마켓 산스 Medium" panose="02000000000000000000" pitchFamily="50" charset="-127"/>
-                <a:ea typeface="G마켓 산스 Medium" panose="02000000000000000000" pitchFamily="50" charset="-127"/>
-              </a:rPr>
-              <a:t>최종문제</a:t>
-            </a:r>
-            <a:endParaRPr lang="en-US" altLang="ko-KR" sz="4800" dirty="0">
-              <a:solidFill>
-                <a:srgbClr val="4C50BC"/>
-              </a:solidFill>
-              <a:latin typeface="G마켓 산스 Medium" panose="02000000000000000000" pitchFamily="50" charset="-127"/>
-              <a:ea typeface="G마켓 산스 Medium" panose="02000000000000000000" pitchFamily="50" charset="-127"/>
-            </a:endParaRPr>
-          </a:p>
-        </p:txBody>
-      </p:sp>
-    </p:spTree>
-    <p:extLst>
-      <p:ext uri="{BB962C8B-B14F-4D97-AF65-F5344CB8AC3E}">
-        <p14:creationId xmlns:p14="http://schemas.microsoft.com/office/powerpoint/2010/main" val="1113500444"/>
-      </p:ext>
-    </p:extLst>
-  </p:cSld>
-  <p:clrMapOvr>
-    <a:masterClrMapping/>
-  </p:clrMapOvr>
-</p:sld>
-</file>
-
-<file path=ppt/slides/slide52.xml><?xml version="1.0" encoding="utf-8"?>
+<file path=ppt/slides/slide49.xml><?xml version="1.0" encoding="utf-8"?>
 <p:sld xmlns:a="http://schemas.openxmlformats.org/drawingml/2006/main" xmlns:r="http://schemas.openxmlformats.org/officeDocument/2006/relationships" xmlns:p="http://schemas.openxmlformats.org/presentationml/2006/main">
   <p:cSld name="Slide 20">
     <p:bg>
@@ -24431,7 +24031,7 @@
           <p:cNvPr id="2" name="TextBox 1">
             <a:extLst>
               <a:ext uri="{FF2B5EF4-FFF2-40B4-BE49-F238E27FC236}">
-                <a16:creationId xmlns:a16="http://schemas.microsoft.com/office/drawing/2014/main" id="{715D88A2-BD52-978B-A00A-540446126E3D}"/>
+                <a16:creationId xmlns:a16="http://schemas.microsoft.com/office/drawing/2014/main" xmlns="" id="{715D88A2-BD52-978B-A00A-540446126E3D}"/>
               </a:ext>
             </a:extLst>
           </p:cNvPr>
@@ -24475,6 +24075,605 @@
         </p:txBody>
       </p:sp>
     </p:spTree>
+  </p:cSld>
+  <p:clrMapOvr>
+    <a:masterClrMapping/>
+  </p:clrMapOvr>
+</p:sld>
+</file>
+
+<file path=ppt/slides/slide5.xml><?xml version="1.0" encoding="utf-8"?>
+<p:sld xmlns:a="http://schemas.openxmlformats.org/drawingml/2006/main" xmlns:r="http://schemas.openxmlformats.org/officeDocument/2006/relationships" xmlns:p="http://schemas.openxmlformats.org/presentationml/2006/main">
+  <p:cSld>
+    <p:spTree>
+      <p:nvGrpSpPr>
+        <p:cNvPr id="1" name=""/>
+        <p:cNvGrpSpPr/>
+        <p:nvPr/>
+      </p:nvGrpSpPr>
+      <p:grpSpPr>
+        <a:xfrm>
+          <a:off x="0" y="0"/>
+          <a:ext cx="0" cy="0"/>
+          <a:chOff x="0" y="0"/>
+          <a:chExt cx="0" cy="0"/>
+        </a:xfrm>
+      </p:grpSpPr>
+      <p:grpSp>
+        <p:nvGrpSpPr>
+          <p:cNvPr id="4" name="그룹 1015">
+            <a:extLst>
+              <a:ext uri="{FF2B5EF4-FFF2-40B4-BE49-F238E27FC236}">
+                <a16:creationId xmlns:a16="http://schemas.microsoft.com/office/drawing/2014/main" xmlns="" id="{76F5E01D-ECD6-A51D-DC2B-05DA1EBF93C7}"/>
+              </a:ext>
+            </a:extLst>
+          </p:cNvPr>
+          <p:cNvGrpSpPr/>
+          <p:nvPr/>
+        </p:nvGrpSpPr>
+        <p:grpSpPr>
+          <a:xfrm>
+            <a:off x="7092192" y="2913503"/>
+            <a:ext cx="3753082" cy="785575"/>
+            <a:chOff x="7305119" y="3255660"/>
+            <a:chExt cx="3753082" cy="785575"/>
+          </a:xfrm>
+        </p:grpSpPr>
+        <p:pic>
+          <p:nvPicPr>
+            <p:cNvPr id="5" name="Object 52">
+              <a:extLst>
+                <a:ext uri="{FF2B5EF4-FFF2-40B4-BE49-F238E27FC236}">
+                  <a16:creationId xmlns:a16="http://schemas.microsoft.com/office/drawing/2014/main" xmlns="" id="{D83975B3-46BC-7686-ECA1-1D7ECFA74A69}"/>
+                </a:ext>
+              </a:extLst>
+            </p:cNvPr>
+            <p:cNvPicPr>
+              <a:picLocks noChangeAspect="1"/>
+            </p:cNvPicPr>
+            <p:nvPr/>
+          </p:nvPicPr>
+          <p:blipFill>
+            <a:blip r:embed="rId2" cstate="print"/>
+            <a:stretch>
+              <a:fillRect/>
+            </a:stretch>
+          </p:blipFill>
+          <p:spPr>
+            <a:xfrm>
+              <a:off x="7305119" y="3255660"/>
+              <a:ext cx="3753082" cy="785575"/>
+            </a:xfrm>
+            <a:prstGeom prst="rect">
+              <a:avLst/>
+            </a:prstGeom>
+          </p:spPr>
+        </p:pic>
+      </p:grpSp>
+      <p:grpSp>
+        <p:nvGrpSpPr>
+          <p:cNvPr id="6" name="그룹 1018">
+            <a:extLst>
+              <a:ext uri="{FF2B5EF4-FFF2-40B4-BE49-F238E27FC236}">
+                <a16:creationId xmlns:a16="http://schemas.microsoft.com/office/drawing/2014/main" xmlns="" id="{008489BA-FEFA-DE7D-B3CD-53A358B82592}"/>
+              </a:ext>
+            </a:extLst>
+          </p:cNvPr>
+          <p:cNvGrpSpPr/>
+          <p:nvPr/>
+        </p:nvGrpSpPr>
+        <p:grpSpPr>
+          <a:xfrm>
+            <a:off x="2590800" y="4486414"/>
+            <a:ext cx="3393622" cy="1114286"/>
+            <a:chOff x="2803727" y="4828571"/>
+            <a:chExt cx="3393622" cy="1114286"/>
+          </a:xfrm>
+        </p:grpSpPr>
+        <p:pic>
+          <p:nvPicPr>
+            <p:cNvPr id="7" name="Object 61">
+              <a:extLst>
+                <a:ext uri="{FF2B5EF4-FFF2-40B4-BE49-F238E27FC236}">
+                  <a16:creationId xmlns:a16="http://schemas.microsoft.com/office/drawing/2014/main" xmlns="" id="{9ED25BE3-45BE-AC6D-D835-4457854D2832}"/>
+                </a:ext>
+              </a:extLst>
+            </p:cNvPr>
+            <p:cNvPicPr>
+              <a:picLocks noChangeAspect="1"/>
+            </p:cNvPicPr>
+            <p:nvPr/>
+          </p:nvPicPr>
+          <p:blipFill>
+            <a:blip r:embed="rId3" cstate="print"/>
+            <a:stretch>
+              <a:fillRect/>
+            </a:stretch>
+          </p:blipFill>
+          <p:spPr>
+            <a:xfrm>
+              <a:off x="2803727" y="4828571"/>
+              <a:ext cx="3393622" cy="1114286"/>
+            </a:xfrm>
+            <a:prstGeom prst="rect">
+              <a:avLst/>
+            </a:prstGeom>
+          </p:spPr>
+        </p:pic>
+      </p:grpSp>
+      <p:grpSp>
+        <p:nvGrpSpPr>
+          <p:cNvPr id="8" name="그룹 1021">
+            <a:extLst>
+              <a:ext uri="{FF2B5EF4-FFF2-40B4-BE49-F238E27FC236}">
+                <a16:creationId xmlns:a16="http://schemas.microsoft.com/office/drawing/2014/main" xmlns="" id="{7FE0C0A1-ABE4-F0EA-AFC1-4622C45C99E7}"/>
+              </a:ext>
+            </a:extLst>
+          </p:cNvPr>
+          <p:cNvGrpSpPr/>
+          <p:nvPr/>
+        </p:nvGrpSpPr>
+        <p:grpSpPr>
+          <a:xfrm>
+            <a:off x="7233119" y="4486414"/>
+            <a:ext cx="3393622" cy="1114286"/>
+            <a:chOff x="7446046" y="4828571"/>
+            <a:chExt cx="3393622" cy="1114286"/>
+          </a:xfrm>
+        </p:grpSpPr>
+        <p:pic>
+          <p:nvPicPr>
+            <p:cNvPr id="9" name="Object 71">
+              <a:extLst>
+                <a:ext uri="{FF2B5EF4-FFF2-40B4-BE49-F238E27FC236}">
+                  <a16:creationId xmlns:a16="http://schemas.microsoft.com/office/drawing/2014/main" xmlns="" id="{CDBB7D83-509F-9F4C-0C3E-DBA2562E5520}"/>
+                </a:ext>
+              </a:extLst>
+            </p:cNvPr>
+            <p:cNvPicPr>
+              <a:picLocks noChangeAspect="1"/>
+            </p:cNvPicPr>
+            <p:nvPr/>
+          </p:nvPicPr>
+          <p:blipFill>
+            <a:blip r:embed="rId3" cstate="print"/>
+            <a:stretch>
+              <a:fillRect/>
+            </a:stretch>
+          </p:blipFill>
+          <p:spPr>
+            <a:xfrm>
+              <a:off x="7446046" y="4828571"/>
+              <a:ext cx="3393622" cy="1114286"/>
+            </a:xfrm>
+            <a:prstGeom prst="rect">
+              <a:avLst/>
+            </a:prstGeom>
+          </p:spPr>
+        </p:pic>
+      </p:grpSp>
+      <p:grpSp>
+        <p:nvGrpSpPr>
+          <p:cNvPr id="10" name="그룹 1024">
+            <a:extLst>
+              <a:ext uri="{FF2B5EF4-FFF2-40B4-BE49-F238E27FC236}">
+                <a16:creationId xmlns:a16="http://schemas.microsoft.com/office/drawing/2014/main" xmlns="" id="{8EB1611F-852C-9617-AEEB-CFA38FFF8001}"/>
+              </a:ext>
+            </a:extLst>
+          </p:cNvPr>
+          <p:cNvGrpSpPr/>
+          <p:nvPr/>
+        </p:nvGrpSpPr>
+        <p:grpSpPr>
+          <a:xfrm>
+            <a:off x="11875438" y="4486414"/>
+            <a:ext cx="3393622" cy="1114286"/>
+            <a:chOff x="12088365" y="4828571"/>
+            <a:chExt cx="3393622" cy="1114286"/>
+          </a:xfrm>
+        </p:grpSpPr>
+        <p:pic>
+          <p:nvPicPr>
+            <p:cNvPr id="11" name="Object 81">
+              <a:extLst>
+                <a:ext uri="{FF2B5EF4-FFF2-40B4-BE49-F238E27FC236}">
+                  <a16:creationId xmlns:a16="http://schemas.microsoft.com/office/drawing/2014/main" xmlns="" id="{08657582-A0DF-A5DC-A662-189C639920C8}"/>
+                </a:ext>
+              </a:extLst>
+            </p:cNvPr>
+            <p:cNvPicPr>
+              <a:picLocks noChangeAspect="1"/>
+            </p:cNvPicPr>
+            <p:nvPr/>
+          </p:nvPicPr>
+          <p:blipFill>
+            <a:blip r:embed="rId3" cstate="print"/>
+            <a:stretch>
+              <a:fillRect/>
+            </a:stretch>
+          </p:blipFill>
+          <p:spPr>
+            <a:xfrm>
+              <a:off x="12088365" y="4828571"/>
+              <a:ext cx="3393622" cy="1114286"/>
+            </a:xfrm>
+            <a:prstGeom prst="rect">
+              <a:avLst/>
+            </a:prstGeom>
+          </p:spPr>
+        </p:pic>
+      </p:grpSp>
+      <p:sp>
+        <p:nvSpPr>
+          <p:cNvPr id="12" name="TextBox 11">
+            <a:extLst>
+              <a:ext uri="{FF2B5EF4-FFF2-40B4-BE49-F238E27FC236}">
+                <a16:creationId xmlns:a16="http://schemas.microsoft.com/office/drawing/2014/main" xmlns="" id="{FC41B7B2-904B-813A-22B8-239E383F4360}"/>
+              </a:ext>
+            </a:extLst>
+          </p:cNvPr>
+          <p:cNvSpPr txBox="1"/>
+          <p:nvPr/>
+        </p:nvSpPr>
+        <p:spPr>
+          <a:xfrm>
+            <a:off x="8263995" y="2946640"/>
+            <a:ext cx="1946805" cy="769441"/>
+          </a:xfrm>
+          <a:prstGeom prst="rect">
+            <a:avLst/>
+          </a:prstGeom>
+          <a:noFill/>
+        </p:spPr>
+        <p:txBody>
+          <a:bodyPr wrap="square" rtlCol="0">
+            <a:spAutoFit/>
+          </a:bodyPr>
+          <a:lstStyle/>
+          <a:p>
+            <a:r>
+              <a:rPr lang="en-US" altLang="ko-KR" sz="4400">
+                <a:solidFill>
+                  <a:srgbClr val="4C50BC"/>
+                </a:solidFill>
+                <a:latin typeface="G마켓 산스 Medium" panose="02000000000000000000" pitchFamily="50" charset="-127"/>
+                <a:ea typeface="G마켓 산스 Medium" panose="02000000000000000000" pitchFamily="50" charset="-127"/>
+              </a:rPr>
+              <a:t>Unit</a:t>
+            </a:r>
+            <a:endParaRPr lang="en-US" altLang="ko-KR" sz="4400" dirty="0">
+              <a:solidFill>
+                <a:srgbClr val="4C50BC"/>
+              </a:solidFill>
+              <a:latin typeface="G마켓 산스 Medium" panose="02000000000000000000" pitchFamily="50" charset="-127"/>
+              <a:ea typeface="G마켓 산스 Medium" panose="02000000000000000000" pitchFamily="50" charset="-127"/>
+            </a:endParaRPr>
+          </a:p>
+        </p:txBody>
+      </p:sp>
+      <p:sp>
+        <p:nvSpPr>
+          <p:cNvPr id="13" name="TextBox 12">
+            <a:extLst>
+              <a:ext uri="{FF2B5EF4-FFF2-40B4-BE49-F238E27FC236}">
+                <a16:creationId xmlns:a16="http://schemas.microsoft.com/office/drawing/2014/main" xmlns="" id="{F68B80B8-3419-5C31-B2F2-084E536A2C1C}"/>
+              </a:ext>
+            </a:extLst>
+          </p:cNvPr>
+          <p:cNvSpPr txBox="1"/>
+          <p:nvPr/>
+        </p:nvSpPr>
+        <p:spPr>
+          <a:xfrm>
+            <a:off x="3241645" y="4705572"/>
+            <a:ext cx="1936749" cy="646331"/>
+          </a:xfrm>
+          <a:prstGeom prst="rect">
+            <a:avLst/>
+          </a:prstGeom>
+          <a:noFill/>
+        </p:spPr>
+        <p:txBody>
+          <a:bodyPr wrap="none" rtlCol="0">
+            <a:spAutoFit/>
+          </a:bodyPr>
+          <a:lstStyle/>
+          <a:p>
+            <a:r>
+              <a:rPr lang="en-US" altLang="ko-KR" sz="3600">
+                <a:solidFill>
+                  <a:srgbClr val="4D4848"/>
+                </a:solidFill>
+                <a:latin typeface="G마켓 산스 Medium" panose="02000000000000000000" pitchFamily="50" charset="-127"/>
+                <a:ea typeface="G마켓 산스 Medium" panose="02000000000000000000" pitchFamily="50" charset="-127"/>
+              </a:rPr>
+              <a:t>Marine</a:t>
+            </a:r>
+            <a:endParaRPr lang="ko-KR" altLang="en-US" sz="2800" dirty="0">
+              <a:solidFill>
+                <a:srgbClr val="4D4848"/>
+              </a:solidFill>
+              <a:latin typeface="G마켓 산스 Medium" panose="02000000000000000000" pitchFamily="50" charset="-127"/>
+              <a:ea typeface="G마켓 산스 Medium" panose="02000000000000000000" pitchFamily="50" charset="-127"/>
+            </a:endParaRPr>
+          </a:p>
+        </p:txBody>
+      </p:sp>
+      <p:sp>
+        <p:nvSpPr>
+          <p:cNvPr id="14" name="TextBox 13">
+            <a:extLst>
+              <a:ext uri="{FF2B5EF4-FFF2-40B4-BE49-F238E27FC236}">
+                <a16:creationId xmlns:a16="http://schemas.microsoft.com/office/drawing/2014/main" xmlns="" id="{CB471B39-052C-65D2-3069-C74FA7421876}"/>
+              </a:ext>
+            </a:extLst>
+          </p:cNvPr>
+          <p:cNvSpPr txBox="1"/>
+          <p:nvPr/>
+        </p:nvSpPr>
+        <p:spPr>
+          <a:xfrm>
+            <a:off x="7888580" y="4684228"/>
+            <a:ext cx="2274982" cy="646331"/>
+          </a:xfrm>
+          <a:prstGeom prst="rect">
+            <a:avLst/>
+          </a:prstGeom>
+          <a:noFill/>
+        </p:spPr>
+        <p:txBody>
+          <a:bodyPr wrap="none" rtlCol="0">
+            <a:spAutoFit/>
+          </a:bodyPr>
+          <a:lstStyle/>
+          <a:p>
+            <a:r>
+              <a:rPr lang="en-US" altLang="ko-KR" sz="3600">
+                <a:solidFill>
+                  <a:srgbClr val="4D4848"/>
+                </a:solidFill>
+                <a:latin typeface="G마켓 산스 Medium" panose="02000000000000000000" pitchFamily="50" charset="-127"/>
+                <a:ea typeface="G마켓 산스 Medium" panose="02000000000000000000" pitchFamily="50" charset="-127"/>
+              </a:rPr>
+              <a:t>Zergling</a:t>
+            </a:r>
+            <a:endParaRPr lang="ko-KR" altLang="en-US" sz="2800" dirty="0">
+              <a:solidFill>
+                <a:srgbClr val="4D4848"/>
+              </a:solidFill>
+              <a:latin typeface="G마켓 산스 Medium" panose="02000000000000000000" pitchFamily="50" charset="-127"/>
+              <a:ea typeface="G마켓 산스 Medium" panose="02000000000000000000" pitchFamily="50" charset="-127"/>
+            </a:endParaRPr>
+          </a:p>
+        </p:txBody>
+      </p:sp>
+      <p:sp>
+        <p:nvSpPr>
+          <p:cNvPr id="15" name="TextBox 14">
+            <a:extLst>
+              <a:ext uri="{FF2B5EF4-FFF2-40B4-BE49-F238E27FC236}">
+                <a16:creationId xmlns:a16="http://schemas.microsoft.com/office/drawing/2014/main" xmlns="" id="{4A7E270B-9322-EABD-3A34-4D211B23AD38}"/>
+              </a:ext>
+            </a:extLst>
+          </p:cNvPr>
+          <p:cNvSpPr txBox="1"/>
+          <p:nvPr/>
+        </p:nvSpPr>
+        <p:spPr>
+          <a:xfrm>
+            <a:off x="12470834" y="4705572"/>
+            <a:ext cx="1787669" cy="646331"/>
+          </a:xfrm>
+          <a:prstGeom prst="rect">
+            <a:avLst/>
+          </a:prstGeom>
+          <a:noFill/>
+        </p:spPr>
+        <p:txBody>
+          <a:bodyPr wrap="none" rtlCol="0">
+            <a:spAutoFit/>
+          </a:bodyPr>
+          <a:lstStyle/>
+          <a:p>
+            <a:r>
+              <a:rPr lang="en-US" altLang="ko-KR" sz="3600">
+                <a:solidFill>
+                  <a:srgbClr val="4D4848"/>
+                </a:solidFill>
+                <a:latin typeface="G마켓 산스 Medium" panose="02000000000000000000" pitchFamily="50" charset="-127"/>
+                <a:ea typeface="G마켓 산스 Medium" panose="02000000000000000000" pitchFamily="50" charset="-127"/>
+              </a:rPr>
+              <a:t>Zealot</a:t>
+            </a:r>
+            <a:endParaRPr lang="ko-KR" altLang="en-US" sz="2800" dirty="0">
+              <a:solidFill>
+                <a:srgbClr val="4D4848"/>
+              </a:solidFill>
+              <a:latin typeface="G마켓 산스 Medium" panose="02000000000000000000" pitchFamily="50" charset="-127"/>
+              <a:ea typeface="G마켓 산스 Medium" panose="02000000000000000000" pitchFamily="50" charset="-127"/>
+            </a:endParaRPr>
+          </a:p>
+        </p:txBody>
+      </p:sp>
+      <p:cxnSp>
+        <p:nvCxnSpPr>
+          <p:cNvPr id="16" name="직선 화살표 연결선 15">
+            <a:extLst>
+              <a:ext uri="{FF2B5EF4-FFF2-40B4-BE49-F238E27FC236}">
+                <a16:creationId xmlns:a16="http://schemas.microsoft.com/office/drawing/2014/main" xmlns="" id="{174A1CAB-41DB-CBE5-A53E-D1E78982E7D5}"/>
+              </a:ext>
+            </a:extLst>
+          </p:cNvPr>
+          <p:cNvCxnSpPr>
+            <a:cxnSpLocks/>
+            <a:endCxn id="7" idx="0"/>
+          </p:cNvCxnSpPr>
+          <p:nvPr/>
+        </p:nvCxnSpPr>
+        <p:spPr>
+          <a:xfrm flipH="1">
+            <a:off x="4287611" y="3372128"/>
+            <a:ext cx="2722789" cy="1114286"/>
+          </a:xfrm>
+          <a:prstGeom prst="straightConnector1">
+            <a:avLst/>
+          </a:prstGeom>
+          <a:ln w="38100">
+            <a:tailEnd type="triangle"/>
+          </a:ln>
+        </p:spPr>
+        <p:style>
+          <a:lnRef idx="1">
+            <a:schemeClr val="accent2"/>
+          </a:lnRef>
+          <a:fillRef idx="0">
+            <a:schemeClr val="accent2"/>
+          </a:fillRef>
+          <a:effectRef idx="0">
+            <a:schemeClr val="accent2"/>
+          </a:effectRef>
+          <a:fontRef idx="minor">
+            <a:schemeClr val="tx1"/>
+          </a:fontRef>
+        </p:style>
+      </p:cxnSp>
+      <p:cxnSp>
+        <p:nvCxnSpPr>
+          <p:cNvPr id="17" name="직선 화살표 연결선 16">
+            <a:extLst>
+              <a:ext uri="{FF2B5EF4-FFF2-40B4-BE49-F238E27FC236}">
+                <a16:creationId xmlns:a16="http://schemas.microsoft.com/office/drawing/2014/main" xmlns="" id="{404BE807-8974-325D-28CE-80CBD5A23FD9}"/>
+              </a:ext>
+            </a:extLst>
+          </p:cNvPr>
+          <p:cNvCxnSpPr>
+            <a:cxnSpLocks/>
+          </p:cNvCxnSpPr>
+          <p:nvPr/>
+        </p:nvCxnSpPr>
+        <p:spPr>
+          <a:xfrm>
+            <a:off x="9024489" y="3732215"/>
+            <a:ext cx="6086" cy="681872"/>
+          </a:xfrm>
+          <a:prstGeom prst="straightConnector1">
+            <a:avLst/>
+          </a:prstGeom>
+          <a:ln w="38100">
+            <a:tailEnd type="triangle"/>
+          </a:ln>
+        </p:spPr>
+        <p:style>
+          <a:lnRef idx="1">
+            <a:schemeClr val="accent2"/>
+          </a:lnRef>
+          <a:fillRef idx="0">
+            <a:schemeClr val="accent2"/>
+          </a:fillRef>
+          <a:effectRef idx="0">
+            <a:schemeClr val="accent2"/>
+          </a:effectRef>
+          <a:fontRef idx="minor">
+            <a:schemeClr val="tx1"/>
+          </a:fontRef>
+        </p:style>
+      </p:cxnSp>
+      <p:cxnSp>
+        <p:nvCxnSpPr>
+          <p:cNvPr id="18" name="직선 화살표 연결선 17">
+            <a:extLst>
+              <a:ext uri="{FF2B5EF4-FFF2-40B4-BE49-F238E27FC236}">
+                <a16:creationId xmlns:a16="http://schemas.microsoft.com/office/drawing/2014/main" xmlns="" id="{8238D4B2-69F6-F17A-0286-66A8FB197956}"/>
+              </a:ext>
+            </a:extLst>
+          </p:cNvPr>
+          <p:cNvCxnSpPr>
+            <a:cxnSpLocks/>
+            <a:endCxn id="11" idx="0"/>
+          </p:cNvCxnSpPr>
+          <p:nvPr/>
+        </p:nvCxnSpPr>
+        <p:spPr>
+          <a:xfrm>
+            <a:off x="10876735" y="3331360"/>
+            <a:ext cx="2695514" cy="1155054"/>
+          </a:xfrm>
+          <a:prstGeom prst="straightConnector1">
+            <a:avLst/>
+          </a:prstGeom>
+          <a:ln w="38100">
+            <a:tailEnd type="triangle"/>
+          </a:ln>
+        </p:spPr>
+        <p:style>
+          <a:lnRef idx="1">
+            <a:schemeClr val="accent2"/>
+          </a:lnRef>
+          <a:fillRef idx="0">
+            <a:schemeClr val="accent2"/>
+          </a:fillRef>
+          <a:effectRef idx="0">
+            <a:schemeClr val="accent2"/>
+          </a:effectRef>
+          <a:fontRef idx="minor">
+            <a:schemeClr val="tx1"/>
+          </a:fontRef>
+        </p:style>
+      </p:cxnSp>
+      <p:pic>
+        <p:nvPicPr>
+          <p:cNvPr id="19" name="그림 18"/>
+          <p:cNvPicPr>
+            <a:picLocks noChangeAspect="1"/>
+          </p:cNvPicPr>
+          <p:nvPr/>
+        </p:nvPicPr>
+        <p:blipFill>
+          <a:blip r:embed="rId4"/>
+          <a:stretch>
+            <a:fillRect/>
+          </a:stretch>
+        </p:blipFill>
+        <p:spPr>
+          <a:xfrm>
+            <a:off x="4343400" y="1028700"/>
+            <a:ext cx="4196633" cy="1632024"/>
+          </a:xfrm>
+          <a:prstGeom prst="rect">
+            <a:avLst/>
+          </a:prstGeom>
+        </p:spPr>
+      </p:pic>
+      <p:pic>
+        <p:nvPicPr>
+          <p:cNvPr id="20" name="그림 19"/>
+          <p:cNvPicPr>
+            <a:picLocks noChangeAspect="1"/>
+          </p:cNvPicPr>
+          <p:nvPr/>
+        </p:nvPicPr>
+        <p:blipFill>
+          <a:blip r:embed="rId5"/>
+          <a:stretch>
+            <a:fillRect/>
+          </a:stretch>
+        </p:blipFill>
+        <p:spPr>
+          <a:xfrm>
+            <a:off x="9067800" y="1028700"/>
+            <a:ext cx="4477650" cy="1597495"/>
+          </a:xfrm>
+          <a:prstGeom prst="rect">
+            <a:avLst/>
+          </a:prstGeom>
+        </p:spPr>
+      </p:pic>
+    </p:spTree>
+    <p:extLst>
+      <p:ext uri="{BB962C8B-B14F-4D97-AF65-F5344CB8AC3E}">
+        <p14:creationId xmlns:p14="http://schemas.microsoft.com/office/powerpoint/2010/main" val="3737422770"/>
+      </p:ext>
+    </p:extLst>
   </p:cSld>
   <p:clrMapOvr>
     <a:masterClrMapping/>
@@ -24504,7 +24703,7 @@
           <p:cNvPr id="4" name="TextBox 3">
             <a:extLst>
               <a:ext uri="{FF2B5EF4-FFF2-40B4-BE49-F238E27FC236}">
-                <a16:creationId xmlns:a16="http://schemas.microsoft.com/office/drawing/2014/main" id="{DF7DDD33-9412-2802-339A-E55446AC2DA7}"/>
+                <a16:creationId xmlns:a16="http://schemas.microsoft.com/office/drawing/2014/main" xmlns="" id="{DF7DDD33-9412-2802-339A-E55446AC2DA7}"/>
               </a:ext>
             </a:extLst>
           </p:cNvPr>
@@ -24600,7 +24799,7 @@
           <p:cNvPr id="7" name="그룹 1008">
             <a:extLst>
               <a:ext uri="{FF2B5EF4-FFF2-40B4-BE49-F238E27FC236}">
-                <a16:creationId xmlns:a16="http://schemas.microsoft.com/office/drawing/2014/main" id="{E395BDE3-2EDE-065D-70E8-56E348228ACF}"/>
+                <a16:creationId xmlns:a16="http://schemas.microsoft.com/office/drawing/2014/main" xmlns="" id="{E395BDE3-2EDE-065D-70E8-56E348228ACF}"/>
               </a:ext>
             </a:extLst>
           </p:cNvPr>
@@ -24620,7 +24819,7 @@
             <p:cNvPr id="8" name="그룹 1009">
               <a:extLst>
                 <a:ext uri="{FF2B5EF4-FFF2-40B4-BE49-F238E27FC236}">
-                  <a16:creationId xmlns:a16="http://schemas.microsoft.com/office/drawing/2014/main" id="{852F4DEB-DB33-DB3F-9E9F-52A46CD0B10A}"/>
+                  <a16:creationId xmlns:a16="http://schemas.microsoft.com/office/drawing/2014/main" xmlns="" id="{852F4DEB-DB33-DB3F-9E9F-52A46CD0B10A}"/>
                 </a:ext>
               </a:extLst>
             </p:cNvPr>
@@ -24640,7 +24839,7 @@
               <p:cNvPr id="13" name="Object 29">
                 <a:extLst>
                   <a:ext uri="{FF2B5EF4-FFF2-40B4-BE49-F238E27FC236}">
-                    <a16:creationId xmlns:a16="http://schemas.microsoft.com/office/drawing/2014/main" id="{7E353D3B-14D4-8A64-5888-3F0C062C2CDD}"/>
+                    <a16:creationId xmlns:a16="http://schemas.microsoft.com/office/drawing/2014/main" xmlns="" id="{7E353D3B-14D4-8A64-5888-3F0C062C2CDD}"/>
                   </a:ext>
                 </a:extLst>
               </p:cNvPr>
@@ -24671,7 +24870,7 @@
             <p:cNvPr id="9" name="그룹 1010">
               <a:extLst>
                 <a:ext uri="{FF2B5EF4-FFF2-40B4-BE49-F238E27FC236}">
-                  <a16:creationId xmlns:a16="http://schemas.microsoft.com/office/drawing/2014/main" id="{001E38AB-1390-ABD0-BE01-9727136FEAEE}"/>
+                  <a16:creationId xmlns:a16="http://schemas.microsoft.com/office/drawing/2014/main" xmlns="" id="{001E38AB-1390-ABD0-BE01-9727136FEAEE}"/>
                 </a:ext>
               </a:extLst>
             </p:cNvPr>
@@ -24691,7 +24890,7 @@
               <p:cNvPr id="12" name="Object 32">
                 <a:extLst>
                   <a:ext uri="{FF2B5EF4-FFF2-40B4-BE49-F238E27FC236}">
-                    <a16:creationId xmlns:a16="http://schemas.microsoft.com/office/drawing/2014/main" id="{2ED1C30F-0D0B-F86C-8215-2598D332B5A3}"/>
+                    <a16:creationId xmlns:a16="http://schemas.microsoft.com/office/drawing/2014/main" xmlns="" id="{2ED1C30F-0D0B-F86C-8215-2598D332B5A3}"/>
                   </a:ext>
                 </a:extLst>
               </p:cNvPr>
@@ -24722,7 +24921,7 @@
             <p:cNvPr id="10" name="그룹 1011">
               <a:extLst>
                 <a:ext uri="{FF2B5EF4-FFF2-40B4-BE49-F238E27FC236}">
-                  <a16:creationId xmlns:a16="http://schemas.microsoft.com/office/drawing/2014/main" id="{1BCB8DE5-ABAF-4198-BC16-85BB76F2DB24}"/>
+                  <a16:creationId xmlns:a16="http://schemas.microsoft.com/office/drawing/2014/main" xmlns="" id="{1BCB8DE5-ABAF-4198-BC16-85BB76F2DB24}"/>
                 </a:ext>
               </a:extLst>
             </p:cNvPr>
@@ -24742,7 +24941,7 @@
               <p:cNvPr id="11" name="Object 35">
                 <a:extLst>
                   <a:ext uri="{FF2B5EF4-FFF2-40B4-BE49-F238E27FC236}">
-                    <a16:creationId xmlns:a16="http://schemas.microsoft.com/office/drawing/2014/main" id="{86E7BA23-0A1E-B581-CADC-06AB269DB2BD}"/>
+                    <a16:creationId xmlns:a16="http://schemas.microsoft.com/office/drawing/2014/main" xmlns="" id="{86E7BA23-0A1E-B581-CADC-06AB269DB2BD}"/>
                   </a:ext>
                 </a:extLst>
               </p:cNvPr>
@@ -24774,7 +24973,7 @@
           <p:cNvPr id="14" name="직사각형 13">
             <a:extLst>
               <a:ext uri="{FF2B5EF4-FFF2-40B4-BE49-F238E27FC236}">
-                <a16:creationId xmlns:a16="http://schemas.microsoft.com/office/drawing/2014/main" id="{FFF506F9-840A-0508-4CAF-3AC711D8D5CE}"/>
+                <a16:creationId xmlns:a16="http://schemas.microsoft.com/office/drawing/2014/main" xmlns="" id="{FFF506F9-840A-0508-4CAF-3AC711D8D5CE}"/>
               </a:ext>
             </a:extLst>
           </p:cNvPr>
@@ -24850,7 +25049,7 @@
           <p:cNvPr id="16" name="직사각형 15">
             <a:extLst>
               <a:ext uri="{FF2B5EF4-FFF2-40B4-BE49-F238E27FC236}">
-                <a16:creationId xmlns:a16="http://schemas.microsoft.com/office/drawing/2014/main" id="{FFF506F9-840A-0508-4CAF-3AC711D8D5CE}"/>
+                <a16:creationId xmlns:a16="http://schemas.microsoft.com/office/drawing/2014/main" xmlns="" id="{FFF506F9-840A-0508-4CAF-3AC711D8D5CE}"/>
               </a:ext>
             </a:extLst>
           </p:cNvPr>
@@ -24902,7 +25101,7 @@
           <p:cNvPr id="17" name="TextBox 16">
             <a:extLst>
               <a:ext uri="{FF2B5EF4-FFF2-40B4-BE49-F238E27FC236}">
-                <a16:creationId xmlns:a16="http://schemas.microsoft.com/office/drawing/2014/main" id="{A2AD056B-97A4-5BCC-4460-250160F3E171}"/>
+                <a16:creationId xmlns:a16="http://schemas.microsoft.com/office/drawing/2014/main" xmlns="" id="{A2AD056B-97A4-5BCC-4460-250160F3E171}"/>
               </a:ext>
             </a:extLst>
           </p:cNvPr>
@@ -24925,11 +25124,8 @@
           </a:bodyPr>
           <a:lstStyle/>
           <a:p>
-            <a:pPr marL="742950" indent="-742950">
-              <a:buAutoNum type="arabicPeriod"/>
-            </a:pPr>
-            <a:r>
-              <a:rPr lang="ko-KR" altLang="en-US" sz="4000">
+            <a:r>
+              <a:rPr lang="en-US" altLang="ko-KR" sz="4000" smtClean="0">
                 <a:solidFill>
                   <a:schemeClr val="tx1">
                     <a:lumMod val="50000"/>
@@ -24939,10 +25135,10 @@
                 <a:latin typeface="G마켓 산스 Medium" panose="02000000000000000000" pitchFamily="50" charset="-127"/>
                 <a:ea typeface="G마켓 산스 Medium" panose="02000000000000000000" pitchFamily="50" charset="-127"/>
               </a:rPr>
-              <a:t>생성자와 초기화 블록은 상속되지 않는다</a:t>
-            </a:r>
-            <a:r>
-              <a:rPr lang="en-US" altLang="ko-KR" sz="4000">
+              <a:t>1. </a:t>
+            </a:r>
+            <a:r>
+              <a:rPr lang="ko-KR" altLang="en-US" sz="4000" smtClean="0">
                 <a:solidFill>
                   <a:schemeClr val="tx1">
                     <a:lumMod val="50000"/>
@@ -24952,15 +25148,51 @@
                 <a:latin typeface="G마켓 산스 Medium" panose="02000000000000000000" pitchFamily="50" charset="-127"/>
                 <a:ea typeface="G마켓 산스 Medium" panose="02000000000000000000" pitchFamily="50" charset="-127"/>
               </a:rPr>
+              <a:t>초기화 </a:t>
+            </a:r>
+            <a:r>
+              <a:rPr lang="ko-KR" altLang="en-US" sz="4000">
+                <a:solidFill>
+                  <a:schemeClr val="tx1">
+                    <a:lumMod val="50000"/>
+                    <a:lumOff val="50000"/>
+                  </a:schemeClr>
+                </a:solidFill>
+                <a:latin typeface="G마켓 산스 Medium" panose="02000000000000000000" pitchFamily="50" charset="-127"/>
+                <a:ea typeface="G마켓 산스 Medium" panose="02000000000000000000" pitchFamily="50" charset="-127"/>
+              </a:rPr>
+              <a:t>블록은 상속되지 않는다</a:t>
+            </a:r>
+            <a:r>
+              <a:rPr lang="en-US" altLang="ko-KR" sz="4000">
+                <a:solidFill>
+                  <a:schemeClr val="tx1">
+                    <a:lumMod val="50000"/>
+                    <a:lumOff val="50000"/>
+                  </a:schemeClr>
+                </a:solidFill>
+                <a:latin typeface="G마켓 산스 Medium" panose="02000000000000000000" pitchFamily="50" charset="-127"/>
+                <a:ea typeface="G마켓 산스 Medium" panose="02000000000000000000" pitchFamily="50" charset="-127"/>
+              </a:rPr>
               <a:t>.</a:t>
             </a:r>
           </a:p>
           <a:p>
-            <a:pPr marL="742950" indent="-742950">
-              <a:buAutoNum type="arabicPeriod"/>
-            </a:pPr>
-            <a:r>
-              <a:rPr lang="ko-KR" altLang="en-US" sz="4000">
+            <a:r>
+              <a:rPr lang="en-US" altLang="ko-KR" sz="4000" smtClean="0">
+                <a:solidFill>
+                  <a:schemeClr val="tx1">
+                    <a:lumMod val="50000"/>
+                    <a:lumOff val="50000"/>
+                  </a:schemeClr>
+                </a:solidFill>
+                <a:latin typeface="G마켓 산스 Medium" panose="02000000000000000000" pitchFamily="50" charset="-127"/>
+                <a:ea typeface="G마켓 산스 Medium" panose="02000000000000000000" pitchFamily="50" charset="-127"/>
+              </a:rPr>
+              <a:t>2. </a:t>
+            </a:r>
+            <a:r>
+              <a:rPr lang="ko-KR" altLang="en-US" sz="4000" smtClean="0">
                 <a:solidFill>
                   <a:schemeClr val="tx1">
                     <a:lumMod val="50000"/>
@@ -25019,7 +25251,7 @@
           <p:cNvPr id="18" name="TextBox 17">
             <a:extLst>
               <a:ext uri="{FF2B5EF4-FFF2-40B4-BE49-F238E27FC236}">
-                <a16:creationId xmlns:a16="http://schemas.microsoft.com/office/drawing/2014/main" id="{A2AD056B-97A4-5BCC-4460-250160F3E171}"/>
+                <a16:creationId xmlns:a16="http://schemas.microsoft.com/office/drawing/2014/main" xmlns="" id="{A2AD056B-97A4-5BCC-4460-250160F3E171}"/>
               </a:ext>
             </a:extLst>
           </p:cNvPr>
@@ -25073,7 +25305,7 @@
           <p:cNvPr id="19" name="TextBox 18">
             <a:extLst>
               <a:ext uri="{FF2B5EF4-FFF2-40B4-BE49-F238E27FC236}">
-                <a16:creationId xmlns:a16="http://schemas.microsoft.com/office/drawing/2014/main" id="{A2AD056B-97A4-5BCC-4460-250160F3E171}"/>
+                <a16:creationId xmlns:a16="http://schemas.microsoft.com/office/drawing/2014/main" xmlns="" id="{A2AD056B-97A4-5BCC-4460-250160F3E171}"/>
               </a:ext>
             </a:extLst>
           </p:cNvPr>
@@ -25253,7 +25485,7 @@
           <p:cNvPr id="8" name="TextBox 7">
             <a:extLst>
               <a:ext uri="{FF2B5EF4-FFF2-40B4-BE49-F238E27FC236}">
-                <a16:creationId xmlns:a16="http://schemas.microsoft.com/office/drawing/2014/main" id="{C6D113C6-EA5C-788F-0C77-E7CE6EBB865F}"/>
+                <a16:creationId xmlns:a16="http://schemas.microsoft.com/office/drawing/2014/main" xmlns="" id="{C6D113C6-EA5C-788F-0C77-E7CE6EBB865F}"/>
               </a:ext>
             </a:extLst>
           </p:cNvPr>
@@ -25341,7 +25573,7 @@
           <p:cNvPr id="6" name="TextBox 5">
             <a:extLst>
               <a:ext uri="{FF2B5EF4-FFF2-40B4-BE49-F238E27FC236}">
-                <a16:creationId xmlns:a16="http://schemas.microsoft.com/office/drawing/2014/main" id="{C6D113C6-EA5C-788F-0C77-E7CE6EBB865F}"/>
+                <a16:creationId xmlns:a16="http://schemas.microsoft.com/office/drawing/2014/main" xmlns="" id="{C6D113C6-EA5C-788F-0C77-E7CE6EBB865F}"/>
               </a:ext>
             </a:extLst>
           </p:cNvPr>
@@ -25470,7 +25702,7 @@
                 <a:gridCol w="2730951">
                   <a:extLst>
                     <a:ext uri="{9D8B030D-6E8A-4147-A177-3AD203B41FA5}">
-                      <a16:colId xmlns:a16="http://schemas.microsoft.com/office/drawing/2014/main" val="20000"/>
+                      <a16:colId xmlns:a16="http://schemas.microsoft.com/office/drawing/2014/main" xmlns="" val="20000"/>
                     </a:ext>
                   </a:extLst>
                 </a:gridCol>
@@ -25543,7 +25775,7 @@
                 </a:tc>
                 <a:extLst>
                   <a:ext uri="{0D108BD9-81ED-4DB2-BD59-A6C34878D82A}">
-                    <a16:rowId xmlns:a16="http://schemas.microsoft.com/office/drawing/2014/main" val="10000"/>
+                    <a16:rowId xmlns:a16="http://schemas.microsoft.com/office/drawing/2014/main" xmlns="" val="10000"/>
                   </a:ext>
                 </a:extLst>
               </a:tr>
@@ -25623,7 +25855,7 @@
                 </a:tc>
                 <a:extLst>
                   <a:ext uri="{0D108BD9-81ED-4DB2-BD59-A6C34878D82A}">
-                    <a16:rowId xmlns:a16="http://schemas.microsoft.com/office/drawing/2014/main" val="10001"/>
+                    <a16:rowId xmlns:a16="http://schemas.microsoft.com/office/drawing/2014/main" xmlns="" val="10001"/>
                   </a:ext>
                 </a:extLst>
               </a:tr>
@@ -25687,7 +25919,7 @@
                 </a:tc>
                 <a:extLst>
                   <a:ext uri="{0D108BD9-81ED-4DB2-BD59-A6C34878D82A}">
-                    <a16:rowId xmlns:a16="http://schemas.microsoft.com/office/drawing/2014/main" val="10002"/>
+                    <a16:rowId xmlns:a16="http://schemas.microsoft.com/office/drawing/2014/main" xmlns="" val="10002"/>
                   </a:ext>
                 </a:extLst>
               </a:tr>
@@ -25723,7 +25955,7 @@
                 <a:gridCol w="2730951">
                   <a:extLst>
                     <a:ext uri="{9D8B030D-6E8A-4147-A177-3AD203B41FA5}">
-                      <a16:colId xmlns:a16="http://schemas.microsoft.com/office/drawing/2014/main" val="20000"/>
+                      <a16:colId xmlns:a16="http://schemas.microsoft.com/office/drawing/2014/main" xmlns="" val="20000"/>
                     </a:ext>
                   </a:extLst>
                 </a:gridCol>
@@ -25796,7 +26028,7 @@
                 </a:tc>
                 <a:extLst>
                   <a:ext uri="{0D108BD9-81ED-4DB2-BD59-A6C34878D82A}">
-                    <a16:rowId xmlns:a16="http://schemas.microsoft.com/office/drawing/2014/main" val="10000"/>
+                    <a16:rowId xmlns:a16="http://schemas.microsoft.com/office/drawing/2014/main" xmlns="" val="10000"/>
                   </a:ext>
                 </a:extLst>
               </a:tr>
@@ -25876,7 +26108,7 @@
                 </a:tc>
                 <a:extLst>
                   <a:ext uri="{0D108BD9-81ED-4DB2-BD59-A6C34878D82A}">
-                    <a16:rowId xmlns:a16="http://schemas.microsoft.com/office/drawing/2014/main" val="10001"/>
+                    <a16:rowId xmlns:a16="http://schemas.microsoft.com/office/drawing/2014/main" xmlns="" val="10001"/>
                   </a:ext>
                 </a:extLst>
               </a:tr>
@@ -25940,7 +26172,7 @@
                 </a:tc>
                 <a:extLst>
                   <a:ext uri="{0D108BD9-81ED-4DB2-BD59-A6C34878D82A}">
-                    <a16:rowId xmlns:a16="http://schemas.microsoft.com/office/drawing/2014/main" val="10002"/>
+                    <a16:rowId xmlns:a16="http://schemas.microsoft.com/office/drawing/2014/main" xmlns="" val="10002"/>
                   </a:ext>
                 </a:extLst>
               </a:tr>
@@ -25953,7 +26185,7 @@
           <p:cNvPr id="14" name="그룹 1008">
             <a:extLst>
               <a:ext uri="{FF2B5EF4-FFF2-40B4-BE49-F238E27FC236}">
-                <a16:creationId xmlns:a16="http://schemas.microsoft.com/office/drawing/2014/main" id="{678F6342-C505-E8AD-ADA4-022CB2C2088E}"/>
+                <a16:creationId xmlns:a16="http://schemas.microsoft.com/office/drawing/2014/main" xmlns="" id="{678F6342-C505-E8AD-ADA4-022CB2C2088E}"/>
               </a:ext>
             </a:extLst>
           </p:cNvPr>
@@ -25973,7 +26205,7 @@
             <p:cNvPr id="15" name="그룹 1009">
               <a:extLst>
                 <a:ext uri="{FF2B5EF4-FFF2-40B4-BE49-F238E27FC236}">
-                  <a16:creationId xmlns:a16="http://schemas.microsoft.com/office/drawing/2014/main" id="{4E1F1FED-812B-9BBB-925A-84B54A077414}"/>
+                  <a16:creationId xmlns:a16="http://schemas.microsoft.com/office/drawing/2014/main" xmlns="" id="{4E1F1FED-812B-9BBB-925A-84B54A077414}"/>
                 </a:ext>
               </a:extLst>
             </p:cNvPr>
@@ -25993,7 +26225,7 @@
               <p:cNvPr id="20" name="Object 29">
                 <a:extLst>
                   <a:ext uri="{FF2B5EF4-FFF2-40B4-BE49-F238E27FC236}">
-                    <a16:creationId xmlns:a16="http://schemas.microsoft.com/office/drawing/2014/main" id="{7B078609-4286-7B00-51EB-809C8E2DE289}"/>
+                    <a16:creationId xmlns:a16="http://schemas.microsoft.com/office/drawing/2014/main" xmlns="" id="{7B078609-4286-7B00-51EB-809C8E2DE289}"/>
                   </a:ext>
                 </a:extLst>
               </p:cNvPr>
@@ -26024,7 +26256,7 @@
             <p:cNvPr id="16" name="그룹 1010">
               <a:extLst>
                 <a:ext uri="{FF2B5EF4-FFF2-40B4-BE49-F238E27FC236}">
-                  <a16:creationId xmlns:a16="http://schemas.microsoft.com/office/drawing/2014/main" id="{02A649BF-B5B5-FBAF-7DFD-E118A4DF8907}"/>
+                  <a16:creationId xmlns:a16="http://schemas.microsoft.com/office/drawing/2014/main" xmlns="" id="{02A649BF-B5B5-FBAF-7DFD-E118A4DF8907}"/>
                 </a:ext>
               </a:extLst>
             </p:cNvPr>
@@ -26044,7 +26276,7 @@
               <p:cNvPr id="19" name="Object 32">
                 <a:extLst>
                   <a:ext uri="{FF2B5EF4-FFF2-40B4-BE49-F238E27FC236}">
-                    <a16:creationId xmlns:a16="http://schemas.microsoft.com/office/drawing/2014/main" id="{2A0FFF23-B3C9-3EA0-1C1B-A87D4FF098AE}"/>
+                    <a16:creationId xmlns:a16="http://schemas.microsoft.com/office/drawing/2014/main" xmlns="" id="{2A0FFF23-B3C9-3EA0-1C1B-A87D4FF098AE}"/>
                   </a:ext>
                 </a:extLst>
               </p:cNvPr>
@@ -26075,7 +26307,7 @@
             <p:cNvPr id="17" name="그룹 1011">
               <a:extLst>
                 <a:ext uri="{FF2B5EF4-FFF2-40B4-BE49-F238E27FC236}">
-                  <a16:creationId xmlns:a16="http://schemas.microsoft.com/office/drawing/2014/main" id="{881F5410-F7FB-F261-A584-707359BAC593}"/>
+                  <a16:creationId xmlns:a16="http://schemas.microsoft.com/office/drawing/2014/main" xmlns="" id="{881F5410-F7FB-F261-A584-707359BAC593}"/>
                 </a:ext>
               </a:extLst>
             </p:cNvPr>
@@ -26095,7 +26327,7 @@
               <p:cNvPr id="18" name="Object 35">
                 <a:extLst>
                   <a:ext uri="{FF2B5EF4-FFF2-40B4-BE49-F238E27FC236}">
-                    <a16:creationId xmlns:a16="http://schemas.microsoft.com/office/drawing/2014/main" id="{4E99E669-73EB-F9F4-EFE8-DC107035C265}"/>
+                    <a16:creationId xmlns:a16="http://schemas.microsoft.com/office/drawing/2014/main" xmlns="" id="{4E99E669-73EB-F9F4-EFE8-DC107035C265}"/>
                   </a:ext>
                 </a:extLst>
               </p:cNvPr>
@@ -26451,7 +26683,7 @@
           <p:cNvPr id="9" name="직사각형 8">
             <a:extLst>
               <a:ext uri="{FF2B5EF4-FFF2-40B4-BE49-F238E27FC236}">
-                <a16:creationId xmlns:a16="http://schemas.microsoft.com/office/drawing/2014/main" id="{FFF506F9-840A-0508-4CAF-3AC711D8D5CE}"/>
+                <a16:creationId xmlns:a16="http://schemas.microsoft.com/office/drawing/2014/main" xmlns="" id="{FFF506F9-840A-0508-4CAF-3AC711D8D5CE}"/>
               </a:ext>
             </a:extLst>
           </p:cNvPr>
@@ -26503,7 +26735,7 @@
           <p:cNvPr id="10" name="직선 화살표 연결선 9">
             <a:extLst>
               <a:ext uri="{FF2B5EF4-FFF2-40B4-BE49-F238E27FC236}">
-                <a16:creationId xmlns:a16="http://schemas.microsoft.com/office/drawing/2014/main" id="{299DF5EC-9DF4-5255-06AC-0A7CE4FF58C3}"/>
+                <a16:creationId xmlns:a16="http://schemas.microsoft.com/office/drawing/2014/main" xmlns="" id="{299DF5EC-9DF4-5255-06AC-0A7CE4FF58C3}"/>
               </a:ext>
             </a:extLst>
           </p:cNvPr>
@@ -26544,7 +26776,7 @@
           <p:cNvPr id="12" name="TextBox 11">
             <a:extLst>
               <a:ext uri="{FF2B5EF4-FFF2-40B4-BE49-F238E27FC236}">
-                <a16:creationId xmlns:a16="http://schemas.microsoft.com/office/drawing/2014/main" id="{C6D113C6-EA5C-788F-0C77-E7CE6EBB865F}"/>
+                <a16:creationId xmlns:a16="http://schemas.microsoft.com/office/drawing/2014/main" xmlns="" id="{C6D113C6-EA5C-788F-0C77-E7CE6EBB865F}"/>
               </a:ext>
             </a:extLst>
           </p:cNvPr>

--- a/JavaLecture/LectureFile/java 9강.pptx
+++ b/JavaLecture/LectureFile/java 9강.pptx
@@ -5,7 +5,7 @@
     <p:sldMasterId id="2147483648" r:id="rId1"/>
   </p:sldMasterIdLst>
   <p:notesMasterIdLst>
-    <p:notesMasterId r:id="rId51"/>
+    <p:notesMasterId r:id="rId59"/>
   </p:notesMasterIdLst>
   <p:sldIdLst>
     <p:sldId id="257" r:id="rId2"/>
@@ -41,25 +41,33 @@
     <p:sldId id="624" r:id="rId32"/>
     <p:sldId id="634" r:id="rId33"/>
     <p:sldId id="635" r:id="rId34"/>
-    <p:sldId id="374" r:id="rId35"/>
-    <p:sldId id="642" r:id="rId36"/>
-    <p:sldId id="637" r:id="rId37"/>
-    <p:sldId id="640" r:id="rId38"/>
-    <p:sldId id="641" r:id="rId39"/>
-    <p:sldId id="643" r:id="rId40"/>
-    <p:sldId id="644" r:id="rId41"/>
-    <p:sldId id="645" r:id="rId42"/>
-    <p:sldId id="646" r:id="rId43"/>
-    <p:sldId id="647" r:id="rId44"/>
-    <p:sldId id="648" r:id="rId45"/>
-    <p:sldId id="652" r:id="rId46"/>
-    <p:sldId id="649" r:id="rId47"/>
-    <p:sldId id="650" r:id="rId48"/>
-    <p:sldId id="651" r:id="rId49"/>
-    <p:sldId id="275" r:id="rId50"/>
+    <p:sldId id="653" r:id="rId35"/>
+    <p:sldId id="374" r:id="rId36"/>
+    <p:sldId id="642" r:id="rId37"/>
+    <p:sldId id="637" r:id="rId38"/>
+    <p:sldId id="640" r:id="rId39"/>
+    <p:sldId id="641" r:id="rId40"/>
+    <p:sldId id="643" r:id="rId41"/>
+    <p:sldId id="644" r:id="rId42"/>
+    <p:sldId id="645" r:id="rId43"/>
+    <p:sldId id="646" r:id="rId44"/>
+    <p:sldId id="647" r:id="rId45"/>
+    <p:sldId id="648" r:id="rId46"/>
+    <p:sldId id="652" r:id="rId47"/>
+    <p:sldId id="649" r:id="rId48"/>
+    <p:sldId id="650" r:id="rId49"/>
+    <p:sldId id="651" r:id="rId50"/>
+    <p:sldId id="654" r:id="rId51"/>
+    <p:sldId id="655" r:id="rId52"/>
+    <p:sldId id="658" r:id="rId53"/>
+    <p:sldId id="656" r:id="rId54"/>
+    <p:sldId id="657" r:id="rId55"/>
+    <p:sldId id="659" r:id="rId56"/>
+    <p:sldId id="660" r:id="rId57"/>
+    <p:sldId id="275" r:id="rId58"/>
   </p:sldIdLst>
   <p:sldSz cx="18288000" cy="10287000"/>
-  <p:notesSz cx="10287000" cy="18288000"/>
+  <p:notesSz cx="7104063" cy="10234613"/>
   <p:defaultTextStyle>
     <a:defPPr>
       <a:defRPr lang="en-US"/>
@@ -208,18 +216,18 @@
         </p:nvSpPr>
         <p:spPr>
           <a:xfrm>
-            <a:off x="0" y="0"/>
-            <a:ext cx="4457700" cy="917575"/>
+            <a:off x="0" y="1"/>
+            <a:ext cx="3078427" cy="513507"/>
           </a:xfrm>
           <a:prstGeom prst="rect">
             <a:avLst/>
           </a:prstGeom>
         </p:spPr>
         <p:txBody>
-          <a:bodyPr vert="horz" lIns="91440" tIns="45720" rIns="91440" bIns="45720" rtlCol="0"/>
+          <a:bodyPr vert="horz" lIns="55477" tIns="27738" rIns="55477" bIns="27738" rtlCol="0"/>
           <a:lstStyle>
             <a:lvl1pPr algn="l">
-              <a:defRPr sz="1200"/>
+              <a:defRPr sz="700"/>
             </a:lvl1pPr>
           </a:lstStyle>
           <a:p>
@@ -239,24 +247,24 @@
         </p:nvSpPr>
         <p:spPr>
           <a:xfrm>
-            <a:off x="5827713" y="0"/>
-            <a:ext cx="4457700" cy="917575"/>
+            <a:off x="4024540" y="1"/>
+            <a:ext cx="3078427" cy="513507"/>
           </a:xfrm>
           <a:prstGeom prst="rect">
             <a:avLst/>
           </a:prstGeom>
         </p:spPr>
         <p:txBody>
-          <a:bodyPr vert="horz" lIns="91440" tIns="45720" rIns="91440" bIns="45720" rtlCol="0"/>
+          <a:bodyPr vert="horz" lIns="55477" tIns="27738" rIns="55477" bIns="27738" rtlCol="0"/>
           <a:lstStyle>
             <a:lvl1pPr algn="r">
-              <a:defRPr sz="1200"/>
+              <a:defRPr sz="700"/>
             </a:lvl1pPr>
           </a:lstStyle>
           <a:p>
             <a:fld id="{D79F2C30-10E1-4C46-91DC-BBDB9629E720}" type="datetimeFigureOut">
               <a:rPr lang="ko-KR" altLang="en-US" smtClean="0"/>
-              <a:t>2023-02-25</a:t>
+              <a:t>2023-02-26</a:t>
             </a:fld>
             <a:endParaRPr lang="ko-KR" altLang="en-US"/>
           </a:p>
@@ -274,8 +282,8 @@
         </p:nvSpPr>
         <p:spPr>
           <a:xfrm>
-            <a:off x="-342900" y="2286000"/>
-            <a:ext cx="10972800" cy="6172200"/>
+            <a:off x="481013" y="1279525"/>
+            <a:ext cx="6142037" cy="3454400"/>
           </a:xfrm>
           <a:prstGeom prst="rect">
             <a:avLst/>
@@ -288,7 +296,7 @@
           </a:ln>
         </p:spPr>
         <p:txBody>
-          <a:bodyPr vert="horz" lIns="91440" tIns="45720" rIns="91440" bIns="45720" rtlCol="0" anchor="ctr"/>
+          <a:bodyPr vert="horz" lIns="55477" tIns="27738" rIns="55477" bIns="27738" rtlCol="0" anchor="ctr"/>
           <a:lstStyle/>
           <a:p>
             <a:endParaRPr lang="ko-KR" altLang="en-US"/>
@@ -307,15 +315,15 @@
         </p:nvSpPr>
         <p:spPr>
           <a:xfrm>
-            <a:off x="1028700" y="8801100"/>
-            <a:ext cx="8229600" cy="7200900"/>
+            <a:off x="710407" y="4925407"/>
+            <a:ext cx="5683250" cy="4029879"/>
           </a:xfrm>
           <a:prstGeom prst="rect">
             <a:avLst/>
           </a:prstGeom>
         </p:spPr>
         <p:txBody>
-          <a:bodyPr vert="horz" lIns="91440" tIns="45720" rIns="91440" bIns="45720" rtlCol="0"/>
+          <a:bodyPr vert="horz" lIns="55477" tIns="27738" rIns="55477" bIns="27738" rtlCol="0"/>
           <a:lstStyle/>
           <a:p>
             <a:pPr lvl="0"/>
@@ -366,18 +374,18 @@
         </p:nvSpPr>
         <p:spPr>
           <a:xfrm>
-            <a:off x="0" y="17372013"/>
-            <a:ext cx="4457700" cy="915987"/>
+            <a:off x="0" y="9721994"/>
+            <a:ext cx="3078427" cy="512619"/>
           </a:xfrm>
           <a:prstGeom prst="rect">
             <a:avLst/>
           </a:prstGeom>
         </p:spPr>
         <p:txBody>
-          <a:bodyPr vert="horz" lIns="91440" tIns="45720" rIns="91440" bIns="45720" rtlCol="0" anchor="b"/>
+          <a:bodyPr vert="horz" lIns="55477" tIns="27738" rIns="55477" bIns="27738" rtlCol="0" anchor="b"/>
           <a:lstStyle>
             <a:lvl1pPr algn="l">
-              <a:defRPr sz="1200"/>
+              <a:defRPr sz="700"/>
             </a:lvl1pPr>
           </a:lstStyle>
           <a:p>
@@ -397,18 +405,18 @@
         </p:nvSpPr>
         <p:spPr>
           <a:xfrm>
-            <a:off x="5827713" y="17372013"/>
-            <a:ext cx="4457700" cy="915987"/>
+            <a:off x="4024540" y="9721994"/>
+            <a:ext cx="3078427" cy="512619"/>
           </a:xfrm>
           <a:prstGeom prst="rect">
             <a:avLst/>
           </a:prstGeom>
         </p:spPr>
         <p:txBody>
-          <a:bodyPr vert="horz" lIns="91440" tIns="45720" rIns="91440" bIns="45720" rtlCol="0" anchor="b"/>
+          <a:bodyPr vert="horz" lIns="55477" tIns="27738" rIns="55477" bIns="27738" rtlCol="0" anchor="b"/>
           <a:lstStyle>
             <a:lvl1pPr algn="r">
-              <a:defRPr sz="1200"/>
+              <a:defRPr sz="700"/>
             </a:lvl1pPr>
           </a:lstStyle>
           <a:p>
@@ -954,7 +962,7 @@
           <a:p>
             <a:fld id="{F8166F1F-CE9B-4651-A6AA-CD717754106B}" type="datetimeFigureOut">
               <a:rPr lang="en-US" smtClean="0"/>
-              <a:t>2/25/2023</a:t>
+              <a:t>2/26/2023</a:t>
             </a:fld>
             <a:endParaRPr lang="en-US"/>
           </a:p>
@@ -1117,7 +1125,7 @@
           <a:p>
             <a:fld id="{A76116CE-C4A3-4A05-B2D7-7C2E9A889C0F}" type="datetimeFigureOut">
               <a:rPr lang="en-US" smtClean="0"/>
-              <a:t>2/25/2023</a:t>
+              <a:t>2/26/2023</a:t>
             </a:fld>
             <a:endParaRPr lang="en-US"/>
           </a:p>
@@ -1290,7 +1298,7 @@
           <a:p>
             <a:fld id="{A76116CE-C4A3-4A05-B2D7-7C2E9A889C0F}" type="datetimeFigureOut">
               <a:rPr lang="en-US" smtClean="0"/>
-              <a:t>2/25/2023</a:t>
+              <a:t>2/26/2023</a:t>
             </a:fld>
             <a:endParaRPr lang="en-US"/>
           </a:p>
@@ -1455,7 +1463,7 @@
           <a:p>
             <a:fld id="{A76116CE-C4A3-4A05-B2D7-7C2E9A889C0F}" type="datetimeFigureOut">
               <a:rPr lang="en-US" smtClean="0"/>
-              <a:t>2/25/2023</a:t>
+              <a:t>2/26/2023</a:t>
             </a:fld>
             <a:endParaRPr lang="en-US"/>
           </a:p>
@@ -1695,7 +1703,7 @@
           <a:p>
             <a:fld id="{A76116CE-C4A3-4A05-B2D7-7C2E9A889C0F}" type="datetimeFigureOut">
               <a:rPr lang="en-US" smtClean="0"/>
-              <a:t>2/25/2023</a:t>
+              <a:t>2/26/2023</a:t>
             </a:fld>
             <a:endParaRPr lang="en-US"/>
           </a:p>
@@ -1975,7 +1983,7 @@
           <a:p>
             <a:fld id="{A76116CE-C4A3-4A05-B2D7-7C2E9A889C0F}" type="datetimeFigureOut">
               <a:rPr lang="en-US" smtClean="0"/>
-              <a:t>2/25/2023</a:t>
+              <a:t>2/26/2023</a:t>
             </a:fld>
             <a:endParaRPr lang="en-US"/>
           </a:p>
@@ -2389,7 +2397,7 @@
           <a:p>
             <a:fld id="{A76116CE-C4A3-4A05-B2D7-7C2E9A889C0F}" type="datetimeFigureOut">
               <a:rPr lang="en-US" smtClean="0"/>
-              <a:t>2/25/2023</a:t>
+              <a:t>2/26/2023</a:t>
             </a:fld>
             <a:endParaRPr lang="en-US"/>
           </a:p>
@@ -2501,7 +2509,7 @@
           <a:p>
             <a:fld id="{A76116CE-C4A3-4A05-B2D7-7C2E9A889C0F}" type="datetimeFigureOut">
               <a:rPr lang="en-US" smtClean="0"/>
-              <a:t>2/25/2023</a:t>
+              <a:t>2/26/2023</a:t>
             </a:fld>
             <a:endParaRPr lang="en-US"/>
           </a:p>
@@ -2591,7 +2599,7 @@
           <a:p>
             <a:fld id="{A76116CE-C4A3-4A05-B2D7-7C2E9A889C0F}" type="datetimeFigureOut">
               <a:rPr lang="en-US" smtClean="0"/>
-              <a:t>2/25/2023</a:t>
+              <a:t>2/26/2023</a:t>
             </a:fld>
             <a:endParaRPr lang="en-US"/>
           </a:p>
@@ -2861,7 +2869,7 @@
           <a:p>
             <a:fld id="{A76116CE-C4A3-4A05-B2D7-7C2E9A889C0F}" type="datetimeFigureOut">
               <a:rPr lang="en-US" smtClean="0"/>
-              <a:t>2/25/2023</a:t>
+              <a:t>2/26/2023</a:t>
             </a:fld>
             <a:endParaRPr lang="en-US"/>
           </a:p>
@@ -3108,7 +3116,7 @@
           <a:p>
             <a:fld id="{A76116CE-C4A3-4A05-B2D7-7C2E9A889C0F}" type="datetimeFigureOut">
               <a:rPr lang="en-US" smtClean="0"/>
-              <a:t>2/25/2023</a:t>
+              <a:t>2/26/2023</a:t>
             </a:fld>
             <a:endParaRPr lang="en-US"/>
           </a:p>
@@ -3314,7 +3322,7 @@
           <a:p>
             <a:fld id="{F8166F1F-CE9B-4651-A6AA-CD717754106B}" type="datetimeFigureOut">
               <a:rPr lang="en-US" smtClean="0"/>
-              <a:t>2/25/2023</a:t>
+              <a:t>2/26/2023</a:t>
             </a:fld>
             <a:endParaRPr lang="en-US"/>
           </a:p>
@@ -3970,7 +3978,7 @@
           <p:cNvPr id="2" name="TextBox 1">
             <a:extLst>
               <a:ext uri="{FF2B5EF4-FFF2-40B4-BE49-F238E27FC236}">
-                <a16:creationId xmlns:a16="http://schemas.microsoft.com/office/drawing/2014/main" xmlns="" id="{E9A453A8-9968-67AB-7B4A-83EEB4662AA6}"/>
+                <a16:creationId xmlns="" xmlns:a16="http://schemas.microsoft.com/office/drawing/2014/main" id="{E9A453A8-9968-67AB-7B4A-83EEB4662AA6}"/>
               </a:ext>
             </a:extLst>
           </p:cNvPr>
@@ -4018,7 +4026,7 @@
           <p:cNvPr id="4" name="TextBox 3">
             <a:extLst>
               <a:ext uri="{FF2B5EF4-FFF2-40B4-BE49-F238E27FC236}">
-                <a16:creationId xmlns:a16="http://schemas.microsoft.com/office/drawing/2014/main" xmlns="" id="{F4B7A35A-8AAC-4622-64BC-CAD1472D4115}"/>
+                <a16:creationId xmlns="" xmlns:a16="http://schemas.microsoft.com/office/drawing/2014/main" id="{F4B7A35A-8AAC-4622-64BC-CAD1472D4115}"/>
               </a:ext>
             </a:extLst>
           </p:cNvPr>
@@ -4090,7 +4098,7 @@
           <p:cNvPr id="7" name="TextBox 6">
             <a:extLst>
               <a:ext uri="{FF2B5EF4-FFF2-40B4-BE49-F238E27FC236}">
-                <a16:creationId xmlns:a16="http://schemas.microsoft.com/office/drawing/2014/main" xmlns="" id="{3ACE900A-D779-4343-6623-8588B376F0A1}"/>
+                <a16:creationId xmlns="" xmlns:a16="http://schemas.microsoft.com/office/drawing/2014/main" id="{3ACE900A-D779-4343-6623-8588B376F0A1}"/>
               </a:ext>
             </a:extLst>
           </p:cNvPr>
@@ -4226,7 +4234,7 @@
           <p:cNvPr id="7" name="직선 화살표 연결선 6">
             <a:extLst>
               <a:ext uri="{FF2B5EF4-FFF2-40B4-BE49-F238E27FC236}">
-                <a16:creationId xmlns:a16="http://schemas.microsoft.com/office/drawing/2014/main" xmlns="" id="{299DF5EC-9DF4-5255-06AC-0A7CE4FF58C3}"/>
+                <a16:creationId xmlns="" xmlns:a16="http://schemas.microsoft.com/office/drawing/2014/main" id="{299DF5EC-9DF4-5255-06AC-0A7CE4FF58C3}"/>
               </a:ext>
             </a:extLst>
           </p:cNvPr>
@@ -4267,7 +4275,7 @@
           <p:cNvPr id="8" name="TextBox 7">
             <a:extLst>
               <a:ext uri="{FF2B5EF4-FFF2-40B4-BE49-F238E27FC236}">
-                <a16:creationId xmlns:a16="http://schemas.microsoft.com/office/drawing/2014/main" xmlns="" id="{C6D113C6-EA5C-788F-0C77-E7CE6EBB865F}"/>
+                <a16:creationId xmlns="" xmlns:a16="http://schemas.microsoft.com/office/drawing/2014/main" id="{C6D113C6-EA5C-788F-0C77-E7CE6EBB865F}"/>
               </a:ext>
             </a:extLst>
           </p:cNvPr>
@@ -4604,7 +4612,7 @@
           <p:cNvPr id="6" name="직선 화살표 연결선 5">
             <a:extLst>
               <a:ext uri="{FF2B5EF4-FFF2-40B4-BE49-F238E27FC236}">
-                <a16:creationId xmlns:a16="http://schemas.microsoft.com/office/drawing/2014/main" xmlns="" id="{299DF5EC-9DF4-5255-06AC-0A7CE4FF58C3}"/>
+                <a16:creationId xmlns="" xmlns:a16="http://schemas.microsoft.com/office/drawing/2014/main" id="{299DF5EC-9DF4-5255-06AC-0A7CE4FF58C3}"/>
               </a:ext>
             </a:extLst>
           </p:cNvPr>
@@ -4645,7 +4653,7 @@
           <p:cNvPr id="7" name="TextBox 6">
             <a:extLst>
               <a:ext uri="{FF2B5EF4-FFF2-40B4-BE49-F238E27FC236}">
-                <a16:creationId xmlns:a16="http://schemas.microsoft.com/office/drawing/2014/main" xmlns="" id="{C6D113C6-EA5C-788F-0C77-E7CE6EBB865F}"/>
+                <a16:creationId xmlns="" xmlns:a16="http://schemas.microsoft.com/office/drawing/2014/main" id="{C6D113C6-EA5C-788F-0C77-E7CE6EBB865F}"/>
               </a:ext>
             </a:extLst>
           </p:cNvPr>
@@ -4757,7 +4765,7 @@
           <p:cNvPr id="5" name="TextBox 4">
             <a:extLst>
               <a:ext uri="{FF2B5EF4-FFF2-40B4-BE49-F238E27FC236}">
-                <a16:creationId xmlns:a16="http://schemas.microsoft.com/office/drawing/2014/main" xmlns="" id="{C6D113C6-EA5C-788F-0C77-E7CE6EBB865F}"/>
+                <a16:creationId xmlns="" xmlns:a16="http://schemas.microsoft.com/office/drawing/2014/main" id="{C6D113C6-EA5C-788F-0C77-E7CE6EBB865F}"/>
               </a:ext>
             </a:extLst>
           </p:cNvPr>
@@ -4838,7 +4846,7 @@
           <p:cNvPr id="4" name="TextBox 3">
             <a:extLst>
               <a:ext uri="{FF2B5EF4-FFF2-40B4-BE49-F238E27FC236}">
-                <a16:creationId xmlns:a16="http://schemas.microsoft.com/office/drawing/2014/main" xmlns="" id="{5ADC00B6-990A-40DC-3CEA-505258F5E8DA}"/>
+                <a16:creationId xmlns="" xmlns:a16="http://schemas.microsoft.com/office/drawing/2014/main" id="{5ADC00B6-990A-40DC-3CEA-505258F5E8DA}"/>
               </a:ext>
             </a:extLst>
           </p:cNvPr>
@@ -4936,7 +4944,7 @@
           <p:cNvPr id="4" name="TextBox 3">
             <a:extLst>
               <a:ext uri="{FF2B5EF4-FFF2-40B4-BE49-F238E27FC236}">
-                <a16:creationId xmlns:a16="http://schemas.microsoft.com/office/drawing/2014/main" xmlns="" id="{C6D113C6-EA5C-788F-0C77-E7CE6EBB865F}"/>
+                <a16:creationId xmlns="" xmlns:a16="http://schemas.microsoft.com/office/drawing/2014/main" id="{C6D113C6-EA5C-788F-0C77-E7CE6EBB865F}"/>
               </a:ext>
             </a:extLst>
           </p:cNvPr>
@@ -5096,7 +5104,7 @@
           <p:cNvPr id="4" name="TextBox 3">
             <a:extLst>
               <a:ext uri="{FF2B5EF4-FFF2-40B4-BE49-F238E27FC236}">
-                <a16:creationId xmlns:a16="http://schemas.microsoft.com/office/drawing/2014/main" xmlns="" id="{5ADC00B6-990A-40DC-3CEA-505258F5E8DA}"/>
+                <a16:creationId xmlns="" xmlns:a16="http://schemas.microsoft.com/office/drawing/2014/main" id="{5ADC00B6-990A-40DC-3CEA-505258F5E8DA}"/>
               </a:ext>
             </a:extLst>
           </p:cNvPr>
@@ -5154,7 +5162,7 @@
           <p:cNvPr id="5" name="TextBox 4">
             <a:extLst>
               <a:ext uri="{FF2B5EF4-FFF2-40B4-BE49-F238E27FC236}">
-                <a16:creationId xmlns:a16="http://schemas.microsoft.com/office/drawing/2014/main" xmlns="" id="{A2AD056B-97A4-5BCC-4460-250160F3E171}"/>
+                <a16:creationId xmlns="" xmlns:a16="http://schemas.microsoft.com/office/drawing/2014/main" id="{A2AD056B-97A4-5BCC-4460-250160F3E171}"/>
               </a:ext>
             </a:extLst>
           </p:cNvPr>
@@ -5312,7 +5320,7 @@
           <p:cNvPr id="6" name="그룹 1015">
             <a:extLst>
               <a:ext uri="{FF2B5EF4-FFF2-40B4-BE49-F238E27FC236}">
-                <a16:creationId xmlns:a16="http://schemas.microsoft.com/office/drawing/2014/main" xmlns="" id="{76F5E01D-ECD6-A51D-DC2B-05DA1EBF93C7}"/>
+                <a16:creationId xmlns="" xmlns:a16="http://schemas.microsoft.com/office/drawing/2014/main" id="{76F5E01D-ECD6-A51D-DC2B-05DA1EBF93C7}"/>
               </a:ext>
             </a:extLst>
           </p:cNvPr>
@@ -5332,7 +5340,7 @@
             <p:cNvPr id="7" name="Object 52">
               <a:extLst>
                 <a:ext uri="{FF2B5EF4-FFF2-40B4-BE49-F238E27FC236}">
-                  <a16:creationId xmlns:a16="http://schemas.microsoft.com/office/drawing/2014/main" xmlns="" id="{D83975B3-46BC-7686-ECA1-1D7ECFA74A69}"/>
+                  <a16:creationId xmlns="" xmlns:a16="http://schemas.microsoft.com/office/drawing/2014/main" id="{D83975B3-46BC-7686-ECA1-1D7ECFA74A69}"/>
                 </a:ext>
               </a:extLst>
             </p:cNvPr>
@@ -5363,7 +5371,7 @@
           <p:cNvPr id="8" name="그룹 1018">
             <a:extLst>
               <a:ext uri="{FF2B5EF4-FFF2-40B4-BE49-F238E27FC236}">
-                <a16:creationId xmlns:a16="http://schemas.microsoft.com/office/drawing/2014/main" xmlns="" id="{008489BA-FEFA-DE7D-B3CD-53A358B82592}"/>
+                <a16:creationId xmlns="" xmlns:a16="http://schemas.microsoft.com/office/drawing/2014/main" id="{008489BA-FEFA-DE7D-B3CD-53A358B82592}"/>
               </a:ext>
             </a:extLst>
           </p:cNvPr>
@@ -5383,7 +5391,7 @@
             <p:cNvPr id="9" name="Object 61">
               <a:extLst>
                 <a:ext uri="{FF2B5EF4-FFF2-40B4-BE49-F238E27FC236}">
-                  <a16:creationId xmlns:a16="http://schemas.microsoft.com/office/drawing/2014/main" xmlns="" id="{9ED25BE3-45BE-AC6D-D835-4457854D2832}"/>
+                  <a16:creationId xmlns="" xmlns:a16="http://schemas.microsoft.com/office/drawing/2014/main" id="{9ED25BE3-45BE-AC6D-D835-4457854D2832}"/>
                 </a:ext>
               </a:extLst>
             </p:cNvPr>
@@ -5414,7 +5422,7 @@
           <p:cNvPr id="10" name="그룹 1021">
             <a:extLst>
               <a:ext uri="{FF2B5EF4-FFF2-40B4-BE49-F238E27FC236}">
-                <a16:creationId xmlns:a16="http://schemas.microsoft.com/office/drawing/2014/main" xmlns="" id="{7FE0C0A1-ABE4-F0EA-AFC1-4622C45C99E7}"/>
+                <a16:creationId xmlns="" xmlns:a16="http://schemas.microsoft.com/office/drawing/2014/main" id="{7FE0C0A1-ABE4-F0EA-AFC1-4622C45C99E7}"/>
               </a:ext>
             </a:extLst>
           </p:cNvPr>
@@ -5434,7 +5442,7 @@
             <p:cNvPr id="11" name="Object 71">
               <a:extLst>
                 <a:ext uri="{FF2B5EF4-FFF2-40B4-BE49-F238E27FC236}">
-                  <a16:creationId xmlns:a16="http://schemas.microsoft.com/office/drawing/2014/main" xmlns="" id="{CDBB7D83-509F-9F4C-0C3E-DBA2562E5520}"/>
+                  <a16:creationId xmlns="" xmlns:a16="http://schemas.microsoft.com/office/drawing/2014/main" id="{CDBB7D83-509F-9F4C-0C3E-DBA2562E5520}"/>
                 </a:ext>
               </a:extLst>
             </p:cNvPr>
@@ -5465,7 +5473,7 @@
           <p:cNvPr id="12" name="그룹 1024">
             <a:extLst>
               <a:ext uri="{FF2B5EF4-FFF2-40B4-BE49-F238E27FC236}">
-                <a16:creationId xmlns:a16="http://schemas.microsoft.com/office/drawing/2014/main" xmlns="" id="{8EB1611F-852C-9617-AEEB-CFA38FFF8001}"/>
+                <a16:creationId xmlns="" xmlns:a16="http://schemas.microsoft.com/office/drawing/2014/main" id="{8EB1611F-852C-9617-AEEB-CFA38FFF8001}"/>
               </a:ext>
             </a:extLst>
           </p:cNvPr>
@@ -5485,7 +5493,7 @@
             <p:cNvPr id="13" name="Object 81">
               <a:extLst>
                 <a:ext uri="{FF2B5EF4-FFF2-40B4-BE49-F238E27FC236}">
-                  <a16:creationId xmlns:a16="http://schemas.microsoft.com/office/drawing/2014/main" xmlns="" id="{08657582-A0DF-A5DC-A662-189C639920C8}"/>
+                  <a16:creationId xmlns="" xmlns:a16="http://schemas.microsoft.com/office/drawing/2014/main" id="{08657582-A0DF-A5DC-A662-189C639920C8}"/>
                 </a:ext>
               </a:extLst>
             </p:cNvPr>
@@ -5516,7 +5524,7 @@
           <p:cNvPr id="14" name="TextBox 13">
             <a:extLst>
               <a:ext uri="{FF2B5EF4-FFF2-40B4-BE49-F238E27FC236}">
-                <a16:creationId xmlns:a16="http://schemas.microsoft.com/office/drawing/2014/main" xmlns="" id="{FC41B7B2-904B-813A-22B8-239E383F4360}"/>
+                <a16:creationId xmlns="" xmlns:a16="http://schemas.microsoft.com/office/drawing/2014/main" id="{FC41B7B2-904B-813A-22B8-239E383F4360}"/>
               </a:ext>
             </a:extLst>
           </p:cNvPr>
@@ -5564,7 +5572,7 @@
           <p:cNvPr id="15" name="TextBox 14">
             <a:extLst>
               <a:ext uri="{FF2B5EF4-FFF2-40B4-BE49-F238E27FC236}">
-                <a16:creationId xmlns:a16="http://schemas.microsoft.com/office/drawing/2014/main" xmlns="" id="{F68B80B8-3419-5C31-B2F2-084E536A2C1C}"/>
+                <a16:creationId xmlns="" xmlns:a16="http://schemas.microsoft.com/office/drawing/2014/main" id="{F68B80B8-3419-5C31-B2F2-084E536A2C1C}"/>
               </a:ext>
             </a:extLst>
           </p:cNvPr>
@@ -5612,7 +5620,7 @@
           <p:cNvPr id="16" name="TextBox 15">
             <a:extLst>
               <a:ext uri="{FF2B5EF4-FFF2-40B4-BE49-F238E27FC236}">
-                <a16:creationId xmlns:a16="http://schemas.microsoft.com/office/drawing/2014/main" xmlns="" id="{CB471B39-052C-65D2-3069-C74FA7421876}"/>
+                <a16:creationId xmlns="" xmlns:a16="http://schemas.microsoft.com/office/drawing/2014/main" id="{CB471B39-052C-65D2-3069-C74FA7421876}"/>
               </a:ext>
             </a:extLst>
           </p:cNvPr>
@@ -5660,7 +5668,7 @@
           <p:cNvPr id="17" name="TextBox 16">
             <a:extLst>
               <a:ext uri="{FF2B5EF4-FFF2-40B4-BE49-F238E27FC236}">
-                <a16:creationId xmlns:a16="http://schemas.microsoft.com/office/drawing/2014/main" xmlns="" id="{4A7E270B-9322-EABD-3A34-4D211B23AD38}"/>
+                <a16:creationId xmlns="" xmlns:a16="http://schemas.microsoft.com/office/drawing/2014/main" id="{4A7E270B-9322-EABD-3A34-4D211B23AD38}"/>
               </a:ext>
             </a:extLst>
           </p:cNvPr>
@@ -5708,7 +5716,7 @@
           <p:cNvPr id="18" name="직선 화살표 연결선 17">
             <a:extLst>
               <a:ext uri="{FF2B5EF4-FFF2-40B4-BE49-F238E27FC236}">
-                <a16:creationId xmlns:a16="http://schemas.microsoft.com/office/drawing/2014/main" xmlns="" id="{174A1CAB-41DB-CBE5-A53E-D1E78982E7D5}"/>
+                <a16:creationId xmlns="" xmlns:a16="http://schemas.microsoft.com/office/drawing/2014/main" id="{174A1CAB-41DB-CBE5-A53E-D1E78982E7D5}"/>
               </a:ext>
             </a:extLst>
           </p:cNvPr>
@@ -5750,7 +5758,7 @@
           <p:cNvPr id="19" name="직선 화살표 연결선 18">
             <a:extLst>
               <a:ext uri="{FF2B5EF4-FFF2-40B4-BE49-F238E27FC236}">
-                <a16:creationId xmlns:a16="http://schemas.microsoft.com/office/drawing/2014/main" xmlns="" id="{404BE807-8974-325D-28CE-80CBD5A23FD9}"/>
+                <a16:creationId xmlns="" xmlns:a16="http://schemas.microsoft.com/office/drawing/2014/main" id="{404BE807-8974-325D-28CE-80CBD5A23FD9}"/>
               </a:ext>
             </a:extLst>
           </p:cNvPr>
@@ -5791,7 +5799,7 @@
           <p:cNvPr id="20" name="직선 화살표 연결선 19">
             <a:extLst>
               <a:ext uri="{FF2B5EF4-FFF2-40B4-BE49-F238E27FC236}">
-                <a16:creationId xmlns:a16="http://schemas.microsoft.com/office/drawing/2014/main" xmlns="" id="{8238D4B2-69F6-F17A-0286-66A8FB197956}"/>
+                <a16:creationId xmlns="" xmlns:a16="http://schemas.microsoft.com/office/drawing/2014/main" id="{8238D4B2-69F6-F17A-0286-66A8FB197956}"/>
               </a:ext>
             </a:extLst>
           </p:cNvPr>
@@ -5833,7 +5841,7 @@
           <p:cNvPr id="21" name="직선 화살표 연결선 20">
             <a:extLst>
               <a:ext uri="{FF2B5EF4-FFF2-40B4-BE49-F238E27FC236}">
-                <a16:creationId xmlns:a16="http://schemas.microsoft.com/office/drawing/2014/main" xmlns="" id="{404BE807-8974-325D-28CE-80CBD5A23FD9}"/>
+                <a16:creationId xmlns="" xmlns:a16="http://schemas.microsoft.com/office/drawing/2014/main" id="{404BE807-8974-325D-28CE-80CBD5A23FD9}"/>
               </a:ext>
             </a:extLst>
           </p:cNvPr>
@@ -5874,7 +5882,7 @@
           <p:cNvPr id="22" name="그룹 1021">
             <a:extLst>
               <a:ext uri="{FF2B5EF4-FFF2-40B4-BE49-F238E27FC236}">
-                <a16:creationId xmlns:a16="http://schemas.microsoft.com/office/drawing/2014/main" xmlns="" id="{7FE0C0A1-ABE4-F0EA-AFC1-4622C45C99E7}"/>
+                <a16:creationId xmlns="" xmlns:a16="http://schemas.microsoft.com/office/drawing/2014/main" id="{7FE0C0A1-ABE4-F0EA-AFC1-4622C45C99E7}"/>
               </a:ext>
             </a:extLst>
           </p:cNvPr>
@@ -5894,7 +5902,7 @@
             <p:cNvPr id="23" name="Object 71">
               <a:extLst>
                 <a:ext uri="{FF2B5EF4-FFF2-40B4-BE49-F238E27FC236}">
-                  <a16:creationId xmlns:a16="http://schemas.microsoft.com/office/drawing/2014/main" xmlns="" id="{CDBB7D83-509F-9F4C-0C3E-DBA2562E5520}"/>
+                  <a16:creationId xmlns="" xmlns:a16="http://schemas.microsoft.com/office/drawing/2014/main" id="{CDBB7D83-509F-9F4C-0C3E-DBA2562E5520}"/>
                 </a:ext>
               </a:extLst>
             </p:cNvPr>
@@ -5925,7 +5933,7 @@
           <p:cNvPr id="24" name="TextBox 23">
             <a:extLst>
               <a:ext uri="{FF2B5EF4-FFF2-40B4-BE49-F238E27FC236}">
-                <a16:creationId xmlns:a16="http://schemas.microsoft.com/office/drawing/2014/main" xmlns="" id="{CB471B39-052C-65D2-3069-C74FA7421876}"/>
+                <a16:creationId xmlns="" xmlns:a16="http://schemas.microsoft.com/office/drawing/2014/main" id="{CB471B39-052C-65D2-3069-C74FA7421876}"/>
               </a:ext>
             </a:extLst>
           </p:cNvPr>
@@ -6595,7 +6603,7 @@
           <p:cNvPr id="8" name="직선 화살표 연결선 7">
             <a:extLst>
               <a:ext uri="{FF2B5EF4-FFF2-40B4-BE49-F238E27FC236}">
-                <a16:creationId xmlns:a16="http://schemas.microsoft.com/office/drawing/2014/main" xmlns="" id="{299DF5EC-9DF4-5255-06AC-0A7CE4FF58C3}"/>
+                <a16:creationId xmlns="" xmlns:a16="http://schemas.microsoft.com/office/drawing/2014/main" id="{299DF5EC-9DF4-5255-06AC-0A7CE4FF58C3}"/>
               </a:ext>
             </a:extLst>
           </p:cNvPr>
@@ -6636,7 +6644,7 @@
           <p:cNvPr id="9" name="직사각형 8">
             <a:extLst>
               <a:ext uri="{FF2B5EF4-FFF2-40B4-BE49-F238E27FC236}">
-                <a16:creationId xmlns:a16="http://schemas.microsoft.com/office/drawing/2014/main" xmlns="" id="{FFF506F9-840A-0508-4CAF-3AC711D8D5CE}"/>
+                <a16:creationId xmlns="" xmlns:a16="http://schemas.microsoft.com/office/drawing/2014/main" id="{FFF506F9-840A-0508-4CAF-3AC711D8D5CE}"/>
               </a:ext>
             </a:extLst>
           </p:cNvPr>
@@ -6688,7 +6696,7 @@
           <p:cNvPr id="10" name="TextBox 9">
             <a:extLst>
               <a:ext uri="{FF2B5EF4-FFF2-40B4-BE49-F238E27FC236}">
-                <a16:creationId xmlns:a16="http://schemas.microsoft.com/office/drawing/2014/main" xmlns="" id="{C6D113C6-EA5C-788F-0C77-E7CE6EBB865F}"/>
+                <a16:creationId xmlns="" xmlns:a16="http://schemas.microsoft.com/office/drawing/2014/main" id="{C6D113C6-EA5C-788F-0C77-E7CE6EBB865F}"/>
               </a:ext>
             </a:extLst>
           </p:cNvPr>
@@ -6736,7 +6744,7 @@
           <p:cNvPr id="12" name="직선 화살표 연결선 11">
             <a:extLst>
               <a:ext uri="{FF2B5EF4-FFF2-40B4-BE49-F238E27FC236}">
-                <a16:creationId xmlns:a16="http://schemas.microsoft.com/office/drawing/2014/main" xmlns="" id="{299DF5EC-9DF4-5255-06AC-0A7CE4FF58C3}"/>
+                <a16:creationId xmlns="" xmlns:a16="http://schemas.microsoft.com/office/drawing/2014/main" id="{299DF5EC-9DF4-5255-06AC-0A7CE4FF58C3}"/>
               </a:ext>
             </a:extLst>
           </p:cNvPr>
@@ -6777,7 +6785,7 @@
           <p:cNvPr id="13" name="직사각형 12">
             <a:extLst>
               <a:ext uri="{FF2B5EF4-FFF2-40B4-BE49-F238E27FC236}">
-                <a16:creationId xmlns:a16="http://schemas.microsoft.com/office/drawing/2014/main" xmlns="" id="{FFF506F9-840A-0508-4CAF-3AC711D8D5CE}"/>
+                <a16:creationId xmlns="" xmlns:a16="http://schemas.microsoft.com/office/drawing/2014/main" id="{FFF506F9-840A-0508-4CAF-3AC711D8D5CE}"/>
               </a:ext>
             </a:extLst>
           </p:cNvPr>
@@ -6829,7 +6837,7 @@
           <p:cNvPr id="14" name="TextBox 13">
             <a:extLst>
               <a:ext uri="{FF2B5EF4-FFF2-40B4-BE49-F238E27FC236}">
-                <a16:creationId xmlns:a16="http://schemas.microsoft.com/office/drawing/2014/main" xmlns="" id="{C6D113C6-EA5C-788F-0C77-E7CE6EBB865F}"/>
+                <a16:creationId xmlns="" xmlns:a16="http://schemas.microsoft.com/office/drawing/2014/main" id="{C6D113C6-EA5C-788F-0C77-E7CE6EBB865F}"/>
               </a:ext>
             </a:extLst>
           </p:cNvPr>
@@ -6877,7 +6885,7 @@
           <p:cNvPr id="15" name="직사각형 14">
             <a:extLst>
               <a:ext uri="{FF2B5EF4-FFF2-40B4-BE49-F238E27FC236}">
-                <a16:creationId xmlns:a16="http://schemas.microsoft.com/office/drawing/2014/main" xmlns="" id="{FFF506F9-840A-0508-4CAF-3AC711D8D5CE}"/>
+                <a16:creationId xmlns="" xmlns:a16="http://schemas.microsoft.com/office/drawing/2014/main" id="{FFF506F9-840A-0508-4CAF-3AC711D8D5CE}"/>
               </a:ext>
             </a:extLst>
           </p:cNvPr>
@@ -6929,7 +6937,7 @@
           <p:cNvPr id="16" name="직선 화살표 연결선 15">
             <a:extLst>
               <a:ext uri="{FF2B5EF4-FFF2-40B4-BE49-F238E27FC236}">
-                <a16:creationId xmlns:a16="http://schemas.microsoft.com/office/drawing/2014/main" xmlns="" id="{299DF5EC-9DF4-5255-06AC-0A7CE4FF58C3}"/>
+                <a16:creationId xmlns="" xmlns:a16="http://schemas.microsoft.com/office/drawing/2014/main" id="{299DF5EC-9DF4-5255-06AC-0A7CE4FF58C3}"/>
               </a:ext>
             </a:extLst>
           </p:cNvPr>
@@ -6970,7 +6978,7 @@
           <p:cNvPr id="17" name="TextBox 16">
             <a:extLst>
               <a:ext uri="{FF2B5EF4-FFF2-40B4-BE49-F238E27FC236}">
-                <a16:creationId xmlns:a16="http://schemas.microsoft.com/office/drawing/2014/main" xmlns="" id="{C6D113C6-EA5C-788F-0C77-E7CE6EBB865F}"/>
+                <a16:creationId xmlns="" xmlns:a16="http://schemas.microsoft.com/office/drawing/2014/main" id="{C6D113C6-EA5C-788F-0C77-E7CE6EBB865F}"/>
               </a:ext>
             </a:extLst>
           </p:cNvPr>
@@ -7018,7 +7026,7 @@
           <p:cNvPr id="18" name="TextBox 17">
             <a:extLst>
               <a:ext uri="{FF2B5EF4-FFF2-40B4-BE49-F238E27FC236}">
-                <a16:creationId xmlns:a16="http://schemas.microsoft.com/office/drawing/2014/main" xmlns="" id="{5ADC00B6-990A-40DC-3CEA-505258F5E8DA}"/>
+                <a16:creationId xmlns="" xmlns:a16="http://schemas.microsoft.com/office/drawing/2014/main" id="{5ADC00B6-990A-40DC-3CEA-505258F5E8DA}"/>
               </a:ext>
             </a:extLst>
           </p:cNvPr>
@@ -7518,7 +7526,7 @@
           <p:cNvPr id="8" name="TextBox 7">
             <a:extLst>
               <a:ext uri="{FF2B5EF4-FFF2-40B4-BE49-F238E27FC236}">
-                <a16:creationId xmlns:a16="http://schemas.microsoft.com/office/drawing/2014/main" xmlns="" id="{5ADC00B6-990A-40DC-3CEA-505258F5E8DA}"/>
+                <a16:creationId xmlns="" xmlns:a16="http://schemas.microsoft.com/office/drawing/2014/main" id="{5ADC00B6-990A-40DC-3CEA-505258F5E8DA}"/>
               </a:ext>
             </a:extLst>
           </p:cNvPr>
@@ -7914,7 +7922,7 @@
           <p:cNvPr id="4" name="TextBox 3">
             <a:extLst>
               <a:ext uri="{FF2B5EF4-FFF2-40B4-BE49-F238E27FC236}">
-                <a16:creationId xmlns:a16="http://schemas.microsoft.com/office/drawing/2014/main" xmlns="" id="{5ADC00B6-990A-40DC-3CEA-505258F5E8DA}"/>
+                <a16:creationId xmlns="" xmlns:a16="http://schemas.microsoft.com/office/drawing/2014/main" id="{5ADC00B6-990A-40DC-3CEA-505258F5E8DA}"/>
               </a:ext>
             </a:extLst>
           </p:cNvPr>
@@ -7986,7 +7994,7 @@
           <p:cNvPr id="6" name="직선 화살표 연결선 5">
             <a:extLst>
               <a:ext uri="{FF2B5EF4-FFF2-40B4-BE49-F238E27FC236}">
-                <a16:creationId xmlns:a16="http://schemas.microsoft.com/office/drawing/2014/main" xmlns="" id="{299DF5EC-9DF4-5255-06AC-0A7CE4FF58C3}"/>
+                <a16:creationId xmlns="" xmlns:a16="http://schemas.microsoft.com/office/drawing/2014/main" id="{299DF5EC-9DF4-5255-06AC-0A7CE4FF58C3}"/>
               </a:ext>
             </a:extLst>
           </p:cNvPr>
@@ -8027,7 +8035,7 @@
           <p:cNvPr id="7" name="TextBox 6">
             <a:extLst>
               <a:ext uri="{FF2B5EF4-FFF2-40B4-BE49-F238E27FC236}">
-                <a16:creationId xmlns:a16="http://schemas.microsoft.com/office/drawing/2014/main" xmlns="" id="{C6D113C6-EA5C-788F-0C77-E7CE6EBB865F}"/>
+                <a16:creationId xmlns="" xmlns:a16="http://schemas.microsoft.com/office/drawing/2014/main" id="{C6D113C6-EA5C-788F-0C77-E7CE6EBB865F}"/>
               </a:ext>
             </a:extLst>
           </p:cNvPr>
@@ -8383,7 +8391,7 @@
           <p:cNvPr id="11" name="TextBox 10">
             <a:extLst>
               <a:ext uri="{FF2B5EF4-FFF2-40B4-BE49-F238E27FC236}">
-                <a16:creationId xmlns:a16="http://schemas.microsoft.com/office/drawing/2014/main" xmlns="" id="{9F88F580-08BE-88C2-D640-13F0026591CB}"/>
+                <a16:creationId xmlns="" xmlns:a16="http://schemas.microsoft.com/office/drawing/2014/main" id="{9F88F580-08BE-88C2-D640-13F0026591CB}"/>
               </a:ext>
             </a:extLst>
           </p:cNvPr>
@@ -8451,7 +8459,7 @@
           <p:cNvPr id="13" name="TextBox 12">
             <a:extLst>
               <a:ext uri="{FF2B5EF4-FFF2-40B4-BE49-F238E27FC236}">
-                <a16:creationId xmlns:a16="http://schemas.microsoft.com/office/drawing/2014/main" xmlns="" id="{72769C28-9BB6-DE9C-7B6F-264B77B8DD0E}"/>
+                <a16:creationId xmlns="" xmlns:a16="http://schemas.microsoft.com/office/drawing/2014/main" id="{72769C28-9BB6-DE9C-7B6F-264B77B8DD0E}"/>
               </a:ext>
             </a:extLst>
           </p:cNvPr>
@@ -8499,7 +8507,7 @@
           <p:cNvPr id="14" name="TextBox 13">
             <a:extLst>
               <a:ext uri="{FF2B5EF4-FFF2-40B4-BE49-F238E27FC236}">
-                <a16:creationId xmlns:a16="http://schemas.microsoft.com/office/drawing/2014/main" xmlns="" id="{270FBB6A-01CE-5637-78DA-58F0C974145C}"/>
+                <a16:creationId xmlns="" xmlns:a16="http://schemas.microsoft.com/office/drawing/2014/main" id="{270FBB6A-01CE-5637-78DA-58F0C974145C}"/>
               </a:ext>
             </a:extLst>
           </p:cNvPr>
@@ -8547,7 +8555,7 @@
           <p:cNvPr id="2" name="Object 17">
             <a:extLst>
               <a:ext uri="{FF2B5EF4-FFF2-40B4-BE49-F238E27FC236}">
-                <a16:creationId xmlns:a16="http://schemas.microsoft.com/office/drawing/2014/main" xmlns="" id="{140B283D-FE58-FA6F-6F7C-E0F1DBB62A65}"/>
+                <a16:creationId xmlns="" xmlns:a16="http://schemas.microsoft.com/office/drawing/2014/main" id="{140B283D-FE58-FA6F-6F7C-E0F1DBB62A65}"/>
               </a:ext>
             </a:extLst>
           </p:cNvPr>
@@ -8577,7 +8585,7 @@
           <p:cNvPr id="4" name="TextBox 3">
             <a:extLst>
               <a:ext uri="{FF2B5EF4-FFF2-40B4-BE49-F238E27FC236}">
-                <a16:creationId xmlns:a16="http://schemas.microsoft.com/office/drawing/2014/main" xmlns="" id="{2C8D0998-79BC-6FD2-59D9-8052B4A25F65}"/>
+                <a16:creationId xmlns="" xmlns:a16="http://schemas.microsoft.com/office/drawing/2014/main" id="{2C8D0998-79BC-6FD2-59D9-8052B4A25F65}"/>
               </a:ext>
             </a:extLst>
           </p:cNvPr>
@@ -8635,7 +8643,7 @@
           <p:cNvPr id="5" name="Object 18">
             <a:extLst>
               <a:ext uri="{FF2B5EF4-FFF2-40B4-BE49-F238E27FC236}">
-                <a16:creationId xmlns:a16="http://schemas.microsoft.com/office/drawing/2014/main" xmlns="" id="{3F58EA3E-1018-64D3-FAB2-4F6B9618FA56}"/>
+                <a16:creationId xmlns="" xmlns:a16="http://schemas.microsoft.com/office/drawing/2014/main" id="{3F58EA3E-1018-64D3-FAB2-4F6B9618FA56}"/>
               </a:ext>
             </a:extLst>
           </p:cNvPr>
@@ -8665,7 +8673,7 @@
           <p:cNvPr id="8" name="TextBox 7">
             <a:extLst>
               <a:ext uri="{FF2B5EF4-FFF2-40B4-BE49-F238E27FC236}">
-                <a16:creationId xmlns:a16="http://schemas.microsoft.com/office/drawing/2014/main" xmlns="" id="{681D3F16-7DCF-41AD-F5F1-0558C78C0E4D}"/>
+                <a16:creationId xmlns="" xmlns:a16="http://schemas.microsoft.com/office/drawing/2014/main" id="{681D3F16-7DCF-41AD-F5F1-0558C78C0E4D}"/>
               </a:ext>
             </a:extLst>
           </p:cNvPr>
@@ -8738,7 +8746,7 @@
           <p:cNvPr id="4" name="TextBox 3">
             <a:extLst>
               <a:ext uri="{FF2B5EF4-FFF2-40B4-BE49-F238E27FC236}">
-                <a16:creationId xmlns:a16="http://schemas.microsoft.com/office/drawing/2014/main" xmlns="" id="{5ADC00B6-990A-40DC-3CEA-505258F5E8DA}"/>
+                <a16:creationId xmlns="" xmlns:a16="http://schemas.microsoft.com/office/drawing/2014/main" id="{5ADC00B6-990A-40DC-3CEA-505258F5E8DA}"/>
               </a:ext>
             </a:extLst>
           </p:cNvPr>
@@ -8810,7 +8818,7 @@
           <p:cNvPr id="6" name="TextBox 5">
             <a:extLst>
               <a:ext uri="{FF2B5EF4-FFF2-40B4-BE49-F238E27FC236}">
-                <a16:creationId xmlns:a16="http://schemas.microsoft.com/office/drawing/2014/main" xmlns="" id="{C6D113C6-EA5C-788F-0C77-E7CE6EBB865F}"/>
+                <a16:creationId xmlns="" xmlns:a16="http://schemas.microsoft.com/office/drawing/2014/main" id="{C6D113C6-EA5C-788F-0C77-E7CE6EBB865F}"/>
               </a:ext>
             </a:extLst>
           </p:cNvPr>
@@ -9317,7 +9325,7 @@
           <p:cNvPr id="104" name="TextBox 103">
             <a:extLst>
               <a:ext uri="{FF2B5EF4-FFF2-40B4-BE49-F238E27FC236}">
-                <a16:creationId xmlns:a16="http://schemas.microsoft.com/office/drawing/2014/main" xmlns="" id="{5ADC00B6-990A-40DC-3CEA-505258F5E8DA}"/>
+                <a16:creationId xmlns="" xmlns:a16="http://schemas.microsoft.com/office/drawing/2014/main" id="{5ADC00B6-990A-40DC-3CEA-505258F5E8DA}"/>
               </a:ext>
             </a:extLst>
           </p:cNvPr>
@@ -9365,7 +9373,7 @@
           <p:cNvPr id="105" name="TextBox 104">
             <a:extLst>
               <a:ext uri="{FF2B5EF4-FFF2-40B4-BE49-F238E27FC236}">
-                <a16:creationId xmlns:a16="http://schemas.microsoft.com/office/drawing/2014/main" xmlns="" id="{5ADC00B6-990A-40DC-3CEA-505258F5E8DA}"/>
+                <a16:creationId xmlns="" xmlns:a16="http://schemas.microsoft.com/office/drawing/2014/main" id="{5ADC00B6-990A-40DC-3CEA-505258F5E8DA}"/>
               </a:ext>
             </a:extLst>
           </p:cNvPr>
@@ -9413,7 +9421,7 @@
           <p:cNvPr id="106" name="TextBox 105">
             <a:extLst>
               <a:ext uri="{FF2B5EF4-FFF2-40B4-BE49-F238E27FC236}">
-                <a16:creationId xmlns:a16="http://schemas.microsoft.com/office/drawing/2014/main" xmlns="" id="{A2AD056B-97A4-5BCC-4460-250160F3E171}"/>
+                <a16:creationId xmlns="" xmlns:a16="http://schemas.microsoft.com/office/drawing/2014/main" id="{A2AD056B-97A4-5BCC-4460-250160F3E171}"/>
               </a:ext>
             </a:extLst>
           </p:cNvPr>
@@ -9480,7 +9488,7 @@
           <p:cNvPr id="107" name="TextBox 106">
             <a:extLst>
               <a:ext uri="{FF2B5EF4-FFF2-40B4-BE49-F238E27FC236}">
-                <a16:creationId xmlns:a16="http://schemas.microsoft.com/office/drawing/2014/main" xmlns="" id="{A2AD056B-97A4-5BCC-4460-250160F3E171}"/>
+                <a16:creationId xmlns="" xmlns:a16="http://schemas.microsoft.com/office/drawing/2014/main" id="{A2AD056B-97A4-5BCC-4460-250160F3E171}"/>
               </a:ext>
             </a:extLst>
           </p:cNvPr>
@@ -9547,7 +9555,7 @@
           <p:cNvPr id="108" name="TextBox 107">
             <a:extLst>
               <a:ext uri="{FF2B5EF4-FFF2-40B4-BE49-F238E27FC236}">
-                <a16:creationId xmlns:a16="http://schemas.microsoft.com/office/drawing/2014/main" xmlns="" id="{A2AD056B-97A4-5BCC-4460-250160F3E171}"/>
+                <a16:creationId xmlns="" xmlns:a16="http://schemas.microsoft.com/office/drawing/2014/main" id="{A2AD056B-97A4-5BCC-4460-250160F3E171}"/>
               </a:ext>
             </a:extLst>
           </p:cNvPr>
@@ -9627,7 +9635,7 @@
           <p:cNvPr id="109" name="TextBox 108">
             <a:extLst>
               <a:ext uri="{FF2B5EF4-FFF2-40B4-BE49-F238E27FC236}">
-                <a16:creationId xmlns:a16="http://schemas.microsoft.com/office/drawing/2014/main" xmlns="" id="{A2AD056B-97A4-5BCC-4460-250160F3E171}"/>
+                <a16:creationId xmlns="" xmlns:a16="http://schemas.microsoft.com/office/drawing/2014/main" id="{A2AD056B-97A4-5BCC-4460-250160F3E171}"/>
               </a:ext>
             </a:extLst>
           </p:cNvPr>
@@ -9694,7 +9702,7 @@
           <p:cNvPr id="110" name="TextBox 109">
             <a:extLst>
               <a:ext uri="{FF2B5EF4-FFF2-40B4-BE49-F238E27FC236}">
-                <a16:creationId xmlns:a16="http://schemas.microsoft.com/office/drawing/2014/main" xmlns="" id="{A2AD056B-97A4-5BCC-4460-250160F3E171}"/>
+                <a16:creationId xmlns="" xmlns:a16="http://schemas.microsoft.com/office/drawing/2014/main" id="{A2AD056B-97A4-5BCC-4460-250160F3E171}"/>
               </a:ext>
             </a:extLst>
           </p:cNvPr>
@@ -9748,7 +9756,7 @@
           <p:cNvPr id="111" name="TextBox 110">
             <a:extLst>
               <a:ext uri="{FF2B5EF4-FFF2-40B4-BE49-F238E27FC236}">
-                <a16:creationId xmlns:a16="http://schemas.microsoft.com/office/drawing/2014/main" xmlns="" id="{A2AD056B-97A4-5BCC-4460-250160F3E171}"/>
+                <a16:creationId xmlns="" xmlns:a16="http://schemas.microsoft.com/office/drawing/2014/main" id="{A2AD056B-97A4-5BCC-4460-250160F3E171}"/>
               </a:ext>
             </a:extLst>
           </p:cNvPr>
@@ -9884,7 +9892,7 @@
           <p:cNvPr id="4" name="TextBox 3">
             <a:extLst>
               <a:ext uri="{FF2B5EF4-FFF2-40B4-BE49-F238E27FC236}">
-                <a16:creationId xmlns:a16="http://schemas.microsoft.com/office/drawing/2014/main" xmlns="" id="{5ADC00B6-990A-40DC-3CEA-505258F5E8DA}"/>
+                <a16:creationId xmlns="" xmlns:a16="http://schemas.microsoft.com/office/drawing/2014/main" id="{5ADC00B6-990A-40DC-3CEA-505258F5E8DA}"/>
               </a:ext>
             </a:extLst>
           </p:cNvPr>
@@ -9942,7 +9950,7 @@
           <p:cNvPr id="2" name="TextBox 1">
             <a:extLst>
               <a:ext uri="{FF2B5EF4-FFF2-40B4-BE49-F238E27FC236}">
-                <a16:creationId xmlns:a16="http://schemas.microsoft.com/office/drawing/2014/main" xmlns="" id="{4466AA1F-9098-4B5C-E98B-FF40B15DCDE3}"/>
+                <a16:creationId xmlns="" xmlns:a16="http://schemas.microsoft.com/office/drawing/2014/main" id="{4466AA1F-9098-4B5C-E98B-FF40B15DCDE3}"/>
               </a:ext>
             </a:extLst>
           </p:cNvPr>
@@ -10170,7 +10178,7 @@
           <p:cNvPr id="3" name="표 2">
             <a:extLst>
               <a:ext uri="{FF2B5EF4-FFF2-40B4-BE49-F238E27FC236}">
-                <a16:creationId xmlns:a16="http://schemas.microsoft.com/office/drawing/2014/main" xmlns="" id="{0C0DF24C-8313-95BE-E53E-12FD7E109C24}"/>
+                <a16:creationId xmlns="" xmlns:a16="http://schemas.microsoft.com/office/drawing/2014/main" id="{0C0DF24C-8313-95BE-E53E-12FD7E109C24}"/>
               </a:ext>
             </a:extLst>
           </p:cNvPr>
@@ -10199,21 +10207,21 @@
                 <a:gridCol w="1371600">
                   <a:extLst>
                     <a:ext uri="{9D8B030D-6E8A-4147-A177-3AD203B41FA5}">
-                      <a16:colId xmlns:a16="http://schemas.microsoft.com/office/drawing/2014/main" xmlns="" val="1278239369"/>
+                      <a16:colId xmlns="" xmlns:a16="http://schemas.microsoft.com/office/drawing/2014/main" val="1278239369"/>
                     </a:ext>
                   </a:extLst>
                 </a:gridCol>
                 <a:gridCol w="1981200">
                   <a:extLst>
                     <a:ext uri="{9D8B030D-6E8A-4147-A177-3AD203B41FA5}">
-                      <a16:colId xmlns:a16="http://schemas.microsoft.com/office/drawing/2014/main" xmlns="" val="1054292436"/>
+                      <a16:colId xmlns="" xmlns:a16="http://schemas.microsoft.com/office/drawing/2014/main" val="1054292436"/>
                     </a:ext>
                   </a:extLst>
                 </a:gridCol>
                 <a:gridCol w="2819400">
                   <a:extLst>
                     <a:ext uri="{9D8B030D-6E8A-4147-A177-3AD203B41FA5}">
-                      <a16:colId xmlns:a16="http://schemas.microsoft.com/office/drawing/2014/main" xmlns="" val="225730716"/>
+                      <a16:colId xmlns="" xmlns:a16="http://schemas.microsoft.com/office/drawing/2014/main" val="225730716"/>
                     </a:ext>
                   </a:extLst>
                 </a:gridCol>
@@ -10401,7 +10409,7 @@
                 </a:tc>
                 <a:extLst>
                   <a:ext uri="{0D108BD9-81ED-4DB2-BD59-A6C34878D82A}">
-                    <a16:rowId xmlns:a16="http://schemas.microsoft.com/office/drawing/2014/main" xmlns="" val="2654211035"/>
+                    <a16:rowId xmlns="" xmlns:a16="http://schemas.microsoft.com/office/drawing/2014/main" val="2654211035"/>
                   </a:ext>
                 </a:extLst>
               </a:tr>
@@ -10605,7 +10613,7 @@
                 </a:tc>
                 <a:extLst>
                   <a:ext uri="{0D108BD9-81ED-4DB2-BD59-A6C34878D82A}">
-                    <a16:rowId xmlns:a16="http://schemas.microsoft.com/office/drawing/2014/main" xmlns="" val="2013197181"/>
+                    <a16:rowId xmlns="" xmlns:a16="http://schemas.microsoft.com/office/drawing/2014/main" val="2013197181"/>
                   </a:ext>
                 </a:extLst>
               </a:tr>
@@ -10790,7 +10798,7 @@
                 </a:tc>
                 <a:extLst>
                   <a:ext uri="{0D108BD9-81ED-4DB2-BD59-A6C34878D82A}">
-                    <a16:rowId xmlns:a16="http://schemas.microsoft.com/office/drawing/2014/main" xmlns="" val="2280857763"/>
+                    <a16:rowId xmlns="" xmlns:a16="http://schemas.microsoft.com/office/drawing/2014/main" val="2280857763"/>
                   </a:ext>
                 </a:extLst>
               </a:tr>
@@ -10980,7 +10988,7 @@
                 </a:tc>
                 <a:extLst>
                   <a:ext uri="{0D108BD9-81ED-4DB2-BD59-A6C34878D82A}">
-                    <a16:rowId xmlns:a16="http://schemas.microsoft.com/office/drawing/2014/main" xmlns="" val="1463387718"/>
+                    <a16:rowId xmlns="" xmlns:a16="http://schemas.microsoft.com/office/drawing/2014/main" val="1463387718"/>
                   </a:ext>
                 </a:extLst>
               </a:tr>
@@ -10993,7 +11001,7 @@
           <p:cNvPr id="6" name="TextBox 5">
             <a:extLst>
               <a:ext uri="{FF2B5EF4-FFF2-40B4-BE49-F238E27FC236}">
-                <a16:creationId xmlns:a16="http://schemas.microsoft.com/office/drawing/2014/main" xmlns="" id="{54C72A80-3131-1BEE-91F5-8BB94F20F622}"/>
+                <a16:creationId xmlns="" xmlns:a16="http://schemas.microsoft.com/office/drawing/2014/main" id="{54C72A80-3131-1BEE-91F5-8BB94F20F622}"/>
               </a:ext>
             </a:extLst>
           </p:cNvPr>
@@ -11156,7 +11164,7 @@
           <p:cNvPr id="7" name="TextBox 6">
             <a:extLst>
               <a:ext uri="{FF2B5EF4-FFF2-40B4-BE49-F238E27FC236}">
-                <a16:creationId xmlns:a16="http://schemas.microsoft.com/office/drawing/2014/main" xmlns="" id="{977D0E5D-2B21-3701-B400-D1B6B86913C5}"/>
+                <a16:creationId xmlns="" xmlns:a16="http://schemas.microsoft.com/office/drawing/2014/main" id="{977D0E5D-2B21-3701-B400-D1B6B86913C5}"/>
               </a:ext>
             </a:extLst>
           </p:cNvPr>
@@ -11216,33 +11224,7 @@
                 <a:latin typeface="G마켓 산스 Medium" panose="02000000000000000000" pitchFamily="50" charset="-127"/>
                 <a:ea typeface="G마켓 산스 Medium" panose="02000000000000000000" pitchFamily="50" charset="-127"/>
               </a:rPr>
-              <a:t>ElectricCar,</a:t>
-            </a:r>
-            <a:r>
-              <a:rPr lang="en-US" altLang="ko-KR" sz="4000" smtClean="0">
-                <a:solidFill>
-                  <a:schemeClr val="tx1">
-                    <a:lumMod val="50000"/>
-                    <a:lumOff val="50000"/>
-                  </a:schemeClr>
-                </a:solidFill>
-                <a:latin typeface="G마켓 산스 Medium" panose="02000000000000000000" pitchFamily="50" charset="-127"/>
-                <a:ea typeface="G마켓 산스 Medium" panose="02000000000000000000" pitchFamily="50" charset="-127"/>
-              </a:rPr>
-              <a:t>HibrideCar</a:t>
-            </a:r>
-            <a:r>
-              <a:rPr lang="en-US" altLang="ko-KR" sz="4000" smtClean="0">
-                <a:solidFill>
-                  <a:schemeClr val="tx1">
-                    <a:lumMod val="50000"/>
-                    <a:lumOff val="50000"/>
-                  </a:schemeClr>
-                </a:solidFill>
-                <a:latin typeface="G마켓 산스 Medium" panose="02000000000000000000" pitchFamily="50" charset="-127"/>
-                <a:ea typeface="G마켓 산스 Medium" panose="02000000000000000000" pitchFamily="50" charset="-127"/>
-              </a:rPr>
-              <a:t> </a:t>
+              <a:t>ElectricCar,HibrideCar </a:t>
             </a:r>
             <a:r>
               <a:rPr lang="ko-KR" altLang="en-US" sz="4000" smtClean="0">
@@ -11480,7 +11462,7 @@
           <p:cNvPr id="8" name="표 7">
             <a:extLst>
               <a:ext uri="{FF2B5EF4-FFF2-40B4-BE49-F238E27FC236}">
-                <a16:creationId xmlns:a16="http://schemas.microsoft.com/office/drawing/2014/main" xmlns="" id="{9BF22145-FC6D-D18A-3911-E9625B6CE794}"/>
+                <a16:creationId xmlns="" xmlns:a16="http://schemas.microsoft.com/office/drawing/2014/main" id="{9BF22145-FC6D-D18A-3911-E9625B6CE794}"/>
               </a:ext>
             </a:extLst>
           </p:cNvPr>
@@ -11509,21 +11491,21 @@
                 <a:gridCol w="1524000">
                   <a:extLst>
                     <a:ext uri="{9D8B030D-6E8A-4147-A177-3AD203B41FA5}">
-                      <a16:colId xmlns:a16="http://schemas.microsoft.com/office/drawing/2014/main" xmlns="" val="1278239369"/>
+                      <a16:colId xmlns="" xmlns:a16="http://schemas.microsoft.com/office/drawing/2014/main" val="1278239369"/>
                     </a:ext>
                   </a:extLst>
                 </a:gridCol>
                 <a:gridCol w="1828800">
                   <a:extLst>
                     <a:ext uri="{9D8B030D-6E8A-4147-A177-3AD203B41FA5}">
-                      <a16:colId xmlns:a16="http://schemas.microsoft.com/office/drawing/2014/main" xmlns="" val="1054292436"/>
+                      <a16:colId xmlns="" xmlns:a16="http://schemas.microsoft.com/office/drawing/2014/main" val="1054292436"/>
                     </a:ext>
                   </a:extLst>
                 </a:gridCol>
                 <a:gridCol w="2819400">
                   <a:extLst>
                     <a:ext uri="{9D8B030D-6E8A-4147-A177-3AD203B41FA5}">
-                      <a16:colId xmlns:a16="http://schemas.microsoft.com/office/drawing/2014/main" xmlns="" val="225730716"/>
+                      <a16:colId xmlns="" xmlns:a16="http://schemas.microsoft.com/office/drawing/2014/main" val="225730716"/>
                     </a:ext>
                   </a:extLst>
                 </a:gridCol>
@@ -11711,7 +11693,7 @@
                 </a:tc>
                 <a:extLst>
                   <a:ext uri="{0D108BD9-81ED-4DB2-BD59-A6C34878D82A}">
-                    <a16:rowId xmlns:a16="http://schemas.microsoft.com/office/drawing/2014/main" xmlns="" val="2654211035"/>
+                    <a16:rowId xmlns="" xmlns:a16="http://schemas.microsoft.com/office/drawing/2014/main" val="2654211035"/>
                   </a:ext>
                 </a:extLst>
               </a:tr>
@@ -11936,7 +11918,7 @@
                 </a:tc>
                 <a:extLst>
                   <a:ext uri="{0D108BD9-81ED-4DB2-BD59-A6C34878D82A}">
-                    <a16:rowId xmlns:a16="http://schemas.microsoft.com/office/drawing/2014/main" xmlns="" val="2013197181"/>
+                    <a16:rowId xmlns="" xmlns:a16="http://schemas.microsoft.com/office/drawing/2014/main" val="2013197181"/>
                   </a:ext>
                 </a:extLst>
               </a:tr>
@@ -12380,7 +12362,7 @@
                 </a:tc>
                 <a:extLst>
                   <a:ext uri="{0D108BD9-81ED-4DB2-BD59-A6C34878D82A}">
-                    <a16:rowId xmlns:a16="http://schemas.microsoft.com/office/drawing/2014/main" xmlns="" val="2280857763"/>
+                    <a16:rowId xmlns="" xmlns:a16="http://schemas.microsoft.com/office/drawing/2014/main" val="2280857763"/>
                   </a:ext>
                 </a:extLst>
               </a:tr>
@@ -12558,7 +12540,7 @@
                 </a:tc>
                 <a:extLst>
                   <a:ext uri="{0D108BD9-81ED-4DB2-BD59-A6C34878D82A}">
-                    <a16:rowId xmlns:a16="http://schemas.microsoft.com/office/drawing/2014/main" xmlns="" val="1463387718"/>
+                    <a16:rowId xmlns="" xmlns:a16="http://schemas.microsoft.com/office/drawing/2014/main" val="1463387718"/>
                   </a:ext>
                 </a:extLst>
               </a:tr>
@@ -12909,7 +12891,7 @@
           <p:cNvPr id="2" name="TextBox 1">
             <a:extLst>
               <a:ext uri="{FF2B5EF4-FFF2-40B4-BE49-F238E27FC236}">
-                <a16:creationId xmlns:a16="http://schemas.microsoft.com/office/drawing/2014/main" xmlns="" id="{76F36AE5-79B5-0B9F-E510-1C27AAC4B649}"/>
+                <a16:creationId xmlns="" xmlns:a16="http://schemas.microsoft.com/office/drawing/2014/main" id="{76F36AE5-79B5-0B9F-E510-1C27AAC4B649}"/>
               </a:ext>
             </a:extLst>
           </p:cNvPr>
@@ -12987,7 +12969,7 @@
           <p:cNvPr id="4" name="TextBox 3">
             <a:extLst>
               <a:ext uri="{FF2B5EF4-FFF2-40B4-BE49-F238E27FC236}">
-                <a16:creationId xmlns:a16="http://schemas.microsoft.com/office/drawing/2014/main" xmlns="" id="{5ADC00B6-990A-40DC-3CEA-505258F5E8DA}"/>
+                <a16:creationId xmlns="" xmlns:a16="http://schemas.microsoft.com/office/drawing/2014/main" id="{5ADC00B6-990A-40DC-3CEA-505258F5E8DA}"/>
               </a:ext>
             </a:extLst>
           </p:cNvPr>
@@ -13035,7 +13017,7 @@
           <p:cNvPr id="5" name="TextBox 4">
             <a:extLst>
               <a:ext uri="{FF2B5EF4-FFF2-40B4-BE49-F238E27FC236}">
-                <a16:creationId xmlns:a16="http://schemas.microsoft.com/office/drawing/2014/main" xmlns="" id="{A2AD056B-97A4-5BCC-4460-250160F3E171}"/>
+                <a16:creationId xmlns="" xmlns:a16="http://schemas.microsoft.com/office/drawing/2014/main" id="{A2AD056B-97A4-5BCC-4460-250160F3E171}"/>
               </a:ext>
             </a:extLst>
           </p:cNvPr>
@@ -13151,7 +13133,7 @@
           <p:cNvPr id="8" name="그룹 1008">
             <a:extLst>
               <a:ext uri="{FF2B5EF4-FFF2-40B4-BE49-F238E27FC236}">
-                <a16:creationId xmlns:a16="http://schemas.microsoft.com/office/drawing/2014/main" xmlns="" id="{678F6342-C505-E8AD-ADA4-022CB2C2088E}"/>
+                <a16:creationId xmlns="" xmlns:a16="http://schemas.microsoft.com/office/drawing/2014/main" id="{678F6342-C505-E8AD-ADA4-022CB2C2088E}"/>
               </a:ext>
             </a:extLst>
           </p:cNvPr>
@@ -13171,7 +13153,7 @@
             <p:cNvPr id="9" name="그룹 1009">
               <a:extLst>
                 <a:ext uri="{FF2B5EF4-FFF2-40B4-BE49-F238E27FC236}">
-                  <a16:creationId xmlns:a16="http://schemas.microsoft.com/office/drawing/2014/main" xmlns="" id="{4E1F1FED-812B-9BBB-925A-84B54A077414}"/>
+                  <a16:creationId xmlns="" xmlns:a16="http://schemas.microsoft.com/office/drawing/2014/main" id="{4E1F1FED-812B-9BBB-925A-84B54A077414}"/>
                 </a:ext>
               </a:extLst>
             </p:cNvPr>
@@ -13191,7 +13173,7 @@
               <p:cNvPr id="14" name="Object 29">
                 <a:extLst>
                   <a:ext uri="{FF2B5EF4-FFF2-40B4-BE49-F238E27FC236}">
-                    <a16:creationId xmlns:a16="http://schemas.microsoft.com/office/drawing/2014/main" xmlns="" id="{7B078609-4286-7B00-51EB-809C8E2DE289}"/>
+                    <a16:creationId xmlns="" xmlns:a16="http://schemas.microsoft.com/office/drawing/2014/main" id="{7B078609-4286-7B00-51EB-809C8E2DE289}"/>
                   </a:ext>
                 </a:extLst>
               </p:cNvPr>
@@ -13222,7 +13204,7 @@
             <p:cNvPr id="10" name="그룹 1010">
               <a:extLst>
                 <a:ext uri="{FF2B5EF4-FFF2-40B4-BE49-F238E27FC236}">
-                  <a16:creationId xmlns:a16="http://schemas.microsoft.com/office/drawing/2014/main" xmlns="" id="{02A649BF-B5B5-FBAF-7DFD-E118A4DF8907}"/>
+                  <a16:creationId xmlns="" xmlns:a16="http://schemas.microsoft.com/office/drawing/2014/main" id="{02A649BF-B5B5-FBAF-7DFD-E118A4DF8907}"/>
                 </a:ext>
               </a:extLst>
             </p:cNvPr>
@@ -13242,7 +13224,7 @@
               <p:cNvPr id="13" name="Object 32">
                 <a:extLst>
                   <a:ext uri="{FF2B5EF4-FFF2-40B4-BE49-F238E27FC236}">
-                    <a16:creationId xmlns:a16="http://schemas.microsoft.com/office/drawing/2014/main" xmlns="" id="{2A0FFF23-B3C9-3EA0-1C1B-A87D4FF098AE}"/>
+                    <a16:creationId xmlns="" xmlns:a16="http://schemas.microsoft.com/office/drawing/2014/main" id="{2A0FFF23-B3C9-3EA0-1C1B-A87D4FF098AE}"/>
                   </a:ext>
                 </a:extLst>
               </p:cNvPr>
@@ -13273,7 +13255,7 @@
             <p:cNvPr id="11" name="그룹 1011">
               <a:extLst>
                 <a:ext uri="{FF2B5EF4-FFF2-40B4-BE49-F238E27FC236}">
-                  <a16:creationId xmlns:a16="http://schemas.microsoft.com/office/drawing/2014/main" xmlns="" id="{881F5410-F7FB-F261-A584-707359BAC593}"/>
+                  <a16:creationId xmlns="" xmlns:a16="http://schemas.microsoft.com/office/drawing/2014/main" id="{881F5410-F7FB-F261-A584-707359BAC593}"/>
                 </a:ext>
               </a:extLst>
             </p:cNvPr>
@@ -13293,7 +13275,7 @@
               <p:cNvPr id="12" name="Object 35">
                 <a:extLst>
                   <a:ext uri="{FF2B5EF4-FFF2-40B4-BE49-F238E27FC236}">
-                    <a16:creationId xmlns:a16="http://schemas.microsoft.com/office/drawing/2014/main" xmlns="" id="{4E99E669-73EB-F9F4-EFE8-DC107035C265}"/>
+                    <a16:creationId xmlns="" xmlns:a16="http://schemas.microsoft.com/office/drawing/2014/main" id="{4E99E669-73EB-F9F4-EFE8-DC107035C265}"/>
                   </a:ext>
                 </a:extLst>
               </p:cNvPr>
@@ -13403,7 +13385,7 @@
           <p:cNvPr id="6" name="직사각형 5">
             <a:extLst>
               <a:ext uri="{FF2B5EF4-FFF2-40B4-BE49-F238E27FC236}">
-                <a16:creationId xmlns:a16="http://schemas.microsoft.com/office/drawing/2014/main" xmlns="" id="{FFF506F9-840A-0508-4CAF-3AC711D8D5CE}"/>
+                <a16:creationId xmlns="" xmlns:a16="http://schemas.microsoft.com/office/drawing/2014/main" id="{FFF506F9-840A-0508-4CAF-3AC711D8D5CE}"/>
               </a:ext>
             </a:extLst>
           </p:cNvPr>
@@ -13479,7 +13461,7 @@
           <p:cNvPr id="8" name="TextBox 7">
             <a:extLst>
               <a:ext uri="{FF2B5EF4-FFF2-40B4-BE49-F238E27FC236}">
-                <a16:creationId xmlns:a16="http://schemas.microsoft.com/office/drawing/2014/main" xmlns="" id="{5ADC00B6-990A-40DC-3CEA-505258F5E8DA}"/>
+                <a16:creationId xmlns="" xmlns:a16="http://schemas.microsoft.com/office/drawing/2014/main" id="{5ADC00B6-990A-40DC-3CEA-505258F5E8DA}"/>
               </a:ext>
             </a:extLst>
           </p:cNvPr>
@@ -13557,7 +13539,7 @@
           <p:cNvPr id="9" name="TextBox 8">
             <a:extLst>
               <a:ext uri="{FF2B5EF4-FFF2-40B4-BE49-F238E27FC236}">
-                <a16:creationId xmlns:a16="http://schemas.microsoft.com/office/drawing/2014/main" xmlns="" id="{C6D113C6-EA5C-788F-0C77-E7CE6EBB865F}"/>
+                <a16:creationId xmlns="" xmlns:a16="http://schemas.microsoft.com/office/drawing/2014/main" id="{C6D113C6-EA5C-788F-0C77-E7CE6EBB865F}"/>
               </a:ext>
             </a:extLst>
           </p:cNvPr>
@@ -13803,7 +13785,7 @@
           <p:cNvPr id="5" name="TextBox 4">
             <a:extLst>
               <a:ext uri="{FF2B5EF4-FFF2-40B4-BE49-F238E27FC236}">
-                <a16:creationId xmlns:a16="http://schemas.microsoft.com/office/drawing/2014/main" xmlns="" id="{5ADC00B6-990A-40DC-3CEA-505258F5E8DA}"/>
+                <a16:creationId xmlns="" xmlns:a16="http://schemas.microsoft.com/office/drawing/2014/main" id="{5ADC00B6-990A-40DC-3CEA-505258F5E8DA}"/>
               </a:ext>
             </a:extLst>
           </p:cNvPr>
@@ -13875,7 +13857,7 @@
           <p:cNvPr id="9" name="TextBox 8">
             <a:extLst>
               <a:ext uri="{FF2B5EF4-FFF2-40B4-BE49-F238E27FC236}">
-                <a16:creationId xmlns:a16="http://schemas.microsoft.com/office/drawing/2014/main" xmlns="" id="{A2AD056B-97A4-5BCC-4460-250160F3E171}"/>
+                <a16:creationId xmlns="" xmlns:a16="http://schemas.microsoft.com/office/drawing/2014/main" id="{A2AD056B-97A4-5BCC-4460-250160F3E171}"/>
               </a:ext>
             </a:extLst>
           </p:cNvPr>
@@ -13963,7 +13945,7 @@
           <p:cNvPr id="10" name="직선 화살표 연결선 9">
             <a:extLst>
               <a:ext uri="{FF2B5EF4-FFF2-40B4-BE49-F238E27FC236}">
-                <a16:creationId xmlns:a16="http://schemas.microsoft.com/office/drawing/2014/main" xmlns="" id="{299DF5EC-9DF4-5255-06AC-0A7CE4FF58C3}"/>
+                <a16:creationId xmlns="" xmlns:a16="http://schemas.microsoft.com/office/drawing/2014/main" id="{299DF5EC-9DF4-5255-06AC-0A7CE4FF58C3}"/>
               </a:ext>
             </a:extLst>
           </p:cNvPr>
@@ -14004,7 +13986,7 @@
           <p:cNvPr id="11" name="TextBox 10">
             <a:extLst>
               <a:ext uri="{FF2B5EF4-FFF2-40B4-BE49-F238E27FC236}">
-                <a16:creationId xmlns:a16="http://schemas.microsoft.com/office/drawing/2014/main" xmlns="" id="{C6D113C6-EA5C-788F-0C77-E7CE6EBB865F}"/>
+                <a16:creationId xmlns="" xmlns:a16="http://schemas.microsoft.com/office/drawing/2014/main" id="{C6D113C6-EA5C-788F-0C77-E7CE6EBB865F}"/>
               </a:ext>
             </a:extLst>
           </p:cNvPr>
@@ -14288,7 +14270,7 @@
           <p:cNvPr id="4" name="TextBox 3">
             <a:extLst>
               <a:ext uri="{FF2B5EF4-FFF2-40B4-BE49-F238E27FC236}">
-                <a16:creationId xmlns:a16="http://schemas.microsoft.com/office/drawing/2014/main" xmlns="" id="{5ADC00B6-990A-40DC-3CEA-505258F5E8DA}"/>
+                <a16:creationId xmlns="" xmlns:a16="http://schemas.microsoft.com/office/drawing/2014/main" id="{5ADC00B6-990A-40DC-3CEA-505258F5E8DA}"/>
               </a:ext>
             </a:extLst>
           </p:cNvPr>
@@ -14360,7 +14342,7 @@
           <p:cNvPr id="6" name="직사각형 5">
             <a:extLst>
               <a:ext uri="{FF2B5EF4-FFF2-40B4-BE49-F238E27FC236}">
-                <a16:creationId xmlns:a16="http://schemas.microsoft.com/office/drawing/2014/main" xmlns="" id="{FFF506F9-840A-0508-4CAF-3AC711D8D5CE}"/>
+                <a16:creationId xmlns="" xmlns:a16="http://schemas.microsoft.com/office/drawing/2014/main" id="{FFF506F9-840A-0508-4CAF-3AC711D8D5CE}"/>
               </a:ext>
             </a:extLst>
           </p:cNvPr>
@@ -14436,7 +14418,7 @@
           <p:cNvPr id="8" name="TextBox 7">
             <a:extLst>
               <a:ext uri="{FF2B5EF4-FFF2-40B4-BE49-F238E27FC236}">
-                <a16:creationId xmlns:a16="http://schemas.microsoft.com/office/drawing/2014/main" xmlns="" id="{A2AD056B-97A4-5BCC-4460-250160F3E171}"/>
+                <a16:creationId xmlns="" xmlns:a16="http://schemas.microsoft.com/office/drawing/2014/main" id="{A2AD056B-97A4-5BCC-4460-250160F3E171}"/>
               </a:ext>
             </a:extLst>
           </p:cNvPr>
@@ -14514,7 +14496,7 @@
           <p:cNvPr id="4" name="TextBox 3">
             <a:extLst>
               <a:ext uri="{FF2B5EF4-FFF2-40B4-BE49-F238E27FC236}">
-                <a16:creationId xmlns:a16="http://schemas.microsoft.com/office/drawing/2014/main" xmlns="" id="{5ADC00B6-990A-40DC-3CEA-505258F5E8DA}"/>
+                <a16:creationId xmlns="" xmlns:a16="http://schemas.microsoft.com/office/drawing/2014/main" id="{5ADC00B6-990A-40DC-3CEA-505258F5E8DA}"/>
               </a:ext>
             </a:extLst>
           </p:cNvPr>
@@ -14626,7 +14608,7 @@
           <p:cNvPr id="5" name="TextBox 4">
             <a:extLst>
               <a:ext uri="{FF2B5EF4-FFF2-40B4-BE49-F238E27FC236}">
-                <a16:creationId xmlns:a16="http://schemas.microsoft.com/office/drawing/2014/main" xmlns="" id="{A2AD056B-97A4-5BCC-4460-250160F3E171}"/>
+                <a16:creationId xmlns="" xmlns:a16="http://schemas.microsoft.com/office/drawing/2014/main" id="{A2AD056B-97A4-5BCC-4460-250160F3E171}"/>
               </a:ext>
             </a:extLst>
           </p:cNvPr>
@@ -14728,7 +14710,7 @@
           <p:cNvPr id="7" name="직선 화살표 연결선 6">
             <a:extLst>
               <a:ext uri="{FF2B5EF4-FFF2-40B4-BE49-F238E27FC236}">
-                <a16:creationId xmlns:a16="http://schemas.microsoft.com/office/drawing/2014/main" xmlns="" id="{299DF5EC-9DF4-5255-06AC-0A7CE4FF58C3}"/>
+                <a16:creationId xmlns="" xmlns:a16="http://schemas.microsoft.com/office/drawing/2014/main" id="{299DF5EC-9DF4-5255-06AC-0A7CE4FF58C3}"/>
               </a:ext>
             </a:extLst>
           </p:cNvPr>
@@ -14769,7 +14751,7 @@
           <p:cNvPr id="8" name="TextBox 7">
             <a:extLst>
               <a:ext uri="{FF2B5EF4-FFF2-40B4-BE49-F238E27FC236}">
-                <a16:creationId xmlns:a16="http://schemas.microsoft.com/office/drawing/2014/main" xmlns="" id="{C6D113C6-EA5C-788F-0C77-E7CE6EBB865F}"/>
+                <a16:creationId xmlns="" xmlns:a16="http://schemas.microsoft.com/office/drawing/2014/main" id="{C6D113C6-EA5C-788F-0C77-E7CE6EBB865F}"/>
               </a:ext>
             </a:extLst>
           </p:cNvPr>
@@ -15177,7 +15159,7 @@
           <p:cNvPr id="2" name="TextBox 1">
             <a:extLst>
               <a:ext uri="{FF2B5EF4-FFF2-40B4-BE49-F238E27FC236}">
-                <a16:creationId xmlns:a16="http://schemas.microsoft.com/office/drawing/2014/main" xmlns="" id="{8D19D88B-9541-32D7-90F1-0C45C993E21C}"/>
+                <a16:creationId xmlns="" xmlns:a16="http://schemas.microsoft.com/office/drawing/2014/main" id="{8D19D88B-9541-32D7-90F1-0C45C993E21C}"/>
               </a:ext>
             </a:extLst>
           </p:cNvPr>
@@ -15274,7 +15256,7 @@
           <p:cNvPr id="5" name="TextBox 4">
             <a:extLst>
               <a:ext uri="{FF2B5EF4-FFF2-40B4-BE49-F238E27FC236}">
-                <a16:creationId xmlns:a16="http://schemas.microsoft.com/office/drawing/2014/main" xmlns="" id="{A2AD056B-97A4-5BCC-4460-250160F3E171}"/>
+                <a16:creationId xmlns="" xmlns:a16="http://schemas.microsoft.com/office/drawing/2014/main" id="{A2AD056B-97A4-5BCC-4460-250160F3E171}"/>
               </a:ext>
             </a:extLst>
           </p:cNvPr>
@@ -15420,7 +15402,7 @@
           <p:cNvPr id="5" name="직사각형 4">
             <a:extLst>
               <a:ext uri="{FF2B5EF4-FFF2-40B4-BE49-F238E27FC236}">
-                <a16:creationId xmlns:a16="http://schemas.microsoft.com/office/drawing/2014/main" xmlns="" id="{FFF506F9-840A-0508-4CAF-3AC711D8D5CE}"/>
+                <a16:creationId xmlns="" xmlns:a16="http://schemas.microsoft.com/office/drawing/2014/main" id="{FFF506F9-840A-0508-4CAF-3AC711D8D5CE}"/>
               </a:ext>
             </a:extLst>
           </p:cNvPr>
@@ -15472,7 +15454,7 @@
           <p:cNvPr id="6" name="TextBox 5">
             <a:extLst>
               <a:ext uri="{FF2B5EF4-FFF2-40B4-BE49-F238E27FC236}">
-                <a16:creationId xmlns:a16="http://schemas.microsoft.com/office/drawing/2014/main" xmlns="" id="{5ADC00B6-990A-40DC-3CEA-505258F5E8DA}"/>
+                <a16:creationId xmlns="" xmlns:a16="http://schemas.microsoft.com/office/drawing/2014/main" id="{5ADC00B6-990A-40DC-3CEA-505258F5E8DA}"/>
               </a:ext>
             </a:extLst>
           </p:cNvPr>
@@ -15530,7 +15512,7 @@
           <p:cNvPr id="7" name="TextBox 6">
             <a:extLst>
               <a:ext uri="{FF2B5EF4-FFF2-40B4-BE49-F238E27FC236}">
-                <a16:creationId xmlns:a16="http://schemas.microsoft.com/office/drawing/2014/main" xmlns="" id="{5ADC00B6-990A-40DC-3CEA-505258F5E8DA}"/>
+                <a16:creationId xmlns="" xmlns:a16="http://schemas.microsoft.com/office/drawing/2014/main" id="{5ADC00B6-990A-40DC-3CEA-505258F5E8DA}"/>
               </a:ext>
             </a:extLst>
           </p:cNvPr>
@@ -15909,7 +15891,7 @@
           <p:cNvPr id="58" name="TextBox 57">
             <a:extLst>
               <a:ext uri="{FF2B5EF4-FFF2-40B4-BE49-F238E27FC236}">
-                <a16:creationId xmlns:a16="http://schemas.microsoft.com/office/drawing/2014/main" xmlns="" id="{5ADC00B6-990A-40DC-3CEA-505258F5E8DA}"/>
+                <a16:creationId xmlns="" xmlns:a16="http://schemas.microsoft.com/office/drawing/2014/main" id="{5ADC00B6-990A-40DC-3CEA-505258F5E8DA}"/>
               </a:ext>
             </a:extLst>
           </p:cNvPr>
@@ -15957,7 +15939,7 @@
           <p:cNvPr id="59" name="TextBox 58">
             <a:extLst>
               <a:ext uri="{FF2B5EF4-FFF2-40B4-BE49-F238E27FC236}">
-                <a16:creationId xmlns:a16="http://schemas.microsoft.com/office/drawing/2014/main" xmlns="" id="{5ADC00B6-990A-40DC-3CEA-505258F5E8DA}"/>
+                <a16:creationId xmlns="" xmlns:a16="http://schemas.microsoft.com/office/drawing/2014/main" id="{5ADC00B6-990A-40DC-3CEA-505258F5E8DA}"/>
               </a:ext>
             </a:extLst>
           </p:cNvPr>
@@ -16005,7 +15987,7 @@
           <p:cNvPr id="25" name="TextBox 24">
             <a:extLst>
               <a:ext uri="{FF2B5EF4-FFF2-40B4-BE49-F238E27FC236}">
-                <a16:creationId xmlns:a16="http://schemas.microsoft.com/office/drawing/2014/main" xmlns="" id="{A2AD056B-97A4-5BCC-4460-250160F3E171}"/>
+                <a16:creationId xmlns="" xmlns:a16="http://schemas.microsoft.com/office/drawing/2014/main" id="{A2AD056B-97A4-5BCC-4460-250160F3E171}"/>
               </a:ext>
             </a:extLst>
           </p:cNvPr>
@@ -16097,7 +16079,7 @@
           <p:cNvPr id="26" name="TextBox 25">
             <a:extLst>
               <a:ext uri="{FF2B5EF4-FFF2-40B4-BE49-F238E27FC236}">
-                <a16:creationId xmlns:a16="http://schemas.microsoft.com/office/drawing/2014/main" xmlns="" id="{A2AD056B-97A4-5BCC-4460-250160F3E171}"/>
+                <a16:creationId xmlns="" xmlns:a16="http://schemas.microsoft.com/office/drawing/2014/main" id="{A2AD056B-97A4-5BCC-4460-250160F3E171}"/>
               </a:ext>
             </a:extLst>
           </p:cNvPr>
@@ -16151,7 +16133,7 @@
           <p:cNvPr id="27" name="TextBox 26">
             <a:extLst>
               <a:ext uri="{FF2B5EF4-FFF2-40B4-BE49-F238E27FC236}">
-                <a16:creationId xmlns:a16="http://schemas.microsoft.com/office/drawing/2014/main" xmlns="" id="{A2AD056B-97A4-5BCC-4460-250160F3E171}"/>
+                <a16:creationId xmlns="" xmlns:a16="http://schemas.microsoft.com/office/drawing/2014/main" id="{A2AD056B-97A4-5BCC-4460-250160F3E171}"/>
               </a:ext>
             </a:extLst>
           </p:cNvPr>
@@ -16218,7 +16200,7 @@
           <p:cNvPr id="28" name="TextBox 27">
             <a:extLst>
               <a:ext uri="{FF2B5EF4-FFF2-40B4-BE49-F238E27FC236}">
-                <a16:creationId xmlns:a16="http://schemas.microsoft.com/office/drawing/2014/main" xmlns="" id="{A2AD056B-97A4-5BCC-4460-250160F3E171}"/>
+                <a16:creationId xmlns="" xmlns:a16="http://schemas.microsoft.com/office/drawing/2014/main" id="{A2AD056B-97A4-5BCC-4460-250160F3E171}"/>
               </a:ext>
             </a:extLst>
           </p:cNvPr>
@@ -16315,7 +16297,7 @@
           <p:cNvPr id="4" name="TextBox 3">
             <a:extLst>
               <a:ext uri="{FF2B5EF4-FFF2-40B4-BE49-F238E27FC236}">
-                <a16:creationId xmlns:a16="http://schemas.microsoft.com/office/drawing/2014/main" xmlns="" id="{DF7DDD33-9412-2802-339A-E55446AC2DA7}"/>
+                <a16:creationId xmlns="" xmlns:a16="http://schemas.microsoft.com/office/drawing/2014/main" id="{DF7DDD33-9412-2802-339A-E55446AC2DA7}"/>
               </a:ext>
             </a:extLst>
           </p:cNvPr>
@@ -16435,7 +16417,7 @@
           <p:cNvPr id="10" name="직선 화살표 연결선 9">
             <a:extLst>
               <a:ext uri="{FF2B5EF4-FFF2-40B4-BE49-F238E27FC236}">
-                <a16:creationId xmlns:a16="http://schemas.microsoft.com/office/drawing/2014/main" xmlns="" id="{299DF5EC-9DF4-5255-06AC-0A7CE4FF58C3}"/>
+                <a16:creationId xmlns="" xmlns:a16="http://schemas.microsoft.com/office/drawing/2014/main" id="{299DF5EC-9DF4-5255-06AC-0A7CE4FF58C3}"/>
               </a:ext>
             </a:extLst>
           </p:cNvPr>
@@ -16476,7 +16458,7 @@
           <p:cNvPr id="11" name="TextBox 10">
             <a:extLst>
               <a:ext uri="{FF2B5EF4-FFF2-40B4-BE49-F238E27FC236}">
-                <a16:creationId xmlns:a16="http://schemas.microsoft.com/office/drawing/2014/main" xmlns="" id="{C6D113C6-EA5C-788F-0C77-E7CE6EBB865F}"/>
+                <a16:creationId xmlns="" xmlns:a16="http://schemas.microsoft.com/office/drawing/2014/main" id="{C6D113C6-EA5C-788F-0C77-E7CE6EBB865F}"/>
               </a:ext>
             </a:extLst>
           </p:cNvPr>
@@ -16548,7 +16530,7 @@
           <p:cNvPr id="13" name="직선 화살표 연결선 12">
             <a:extLst>
               <a:ext uri="{FF2B5EF4-FFF2-40B4-BE49-F238E27FC236}">
-                <a16:creationId xmlns:a16="http://schemas.microsoft.com/office/drawing/2014/main" xmlns="" id="{299DF5EC-9DF4-5255-06AC-0A7CE4FF58C3}"/>
+                <a16:creationId xmlns="" xmlns:a16="http://schemas.microsoft.com/office/drawing/2014/main" id="{299DF5EC-9DF4-5255-06AC-0A7CE4FF58C3}"/>
               </a:ext>
             </a:extLst>
           </p:cNvPr>
@@ -16589,7 +16571,7 @@
           <p:cNvPr id="14" name="TextBox 13">
             <a:extLst>
               <a:ext uri="{FF2B5EF4-FFF2-40B4-BE49-F238E27FC236}">
-                <a16:creationId xmlns:a16="http://schemas.microsoft.com/office/drawing/2014/main" xmlns="" id="{C6D113C6-EA5C-788F-0C77-E7CE6EBB865F}"/>
+                <a16:creationId xmlns="" xmlns:a16="http://schemas.microsoft.com/office/drawing/2014/main" id="{C6D113C6-EA5C-788F-0C77-E7CE6EBB865F}"/>
               </a:ext>
             </a:extLst>
           </p:cNvPr>
@@ -16637,7 +16619,7 @@
           <p:cNvPr id="15" name="직선 화살표 연결선 14">
             <a:extLst>
               <a:ext uri="{FF2B5EF4-FFF2-40B4-BE49-F238E27FC236}">
-                <a16:creationId xmlns:a16="http://schemas.microsoft.com/office/drawing/2014/main" xmlns="" id="{299DF5EC-9DF4-5255-06AC-0A7CE4FF58C3}"/>
+                <a16:creationId xmlns="" xmlns:a16="http://schemas.microsoft.com/office/drawing/2014/main" id="{299DF5EC-9DF4-5255-06AC-0A7CE4FF58C3}"/>
               </a:ext>
             </a:extLst>
           </p:cNvPr>
@@ -16678,7 +16660,7 @@
           <p:cNvPr id="16" name="TextBox 15">
             <a:extLst>
               <a:ext uri="{FF2B5EF4-FFF2-40B4-BE49-F238E27FC236}">
-                <a16:creationId xmlns:a16="http://schemas.microsoft.com/office/drawing/2014/main" xmlns="" id="{C6D113C6-EA5C-788F-0C77-E7CE6EBB865F}"/>
+                <a16:creationId xmlns="" xmlns:a16="http://schemas.microsoft.com/office/drawing/2014/main" id="{C6D113C6-EA5C-788F-0C77-E7CE6EBB865F}"/>
               </a:ext>
             </a:extLst>
           </p:cNvPr>
@@ -16750,7 +16732,7 @@
           <p:cNvPr id="18" name="직선 화살표 연결선 17">
             <a:extLst>
               <a:ext uri="{FF2B5EF4-FFF2-40B4-BE49-F238E27FC236}">
-                <a16:creationId xmlns:a16="http://schemas.microsoft.com/office/drawing/2014/main" xmlns="" id="{299DF5EC-9DF4-5255-06AC-0A7CE4FF58C3}"/>
+                <a16:creationId xmlns="" xmlns:a16="http://schemas.microsoft.com/office/drawing/2014/main" id="{299DF5EC-9DF4-5255-06AC-0A7CE4FF58C3}"/>
               </a:ext>
             </a:extLst>
           </p:cNvPr>
@@ -16791,7 +16773,7 @@
           <p:cNvPr id="19" name="TextBox 18">
             <a:extLst>
               <a:ext uri="{FF2B5EF4-FFF2-40B4-BE49-F238E27FC236}">
-                <a16:creationId xmlns:a16="http://schemas.microsoft.com/office/drawing/2014/main" xmlns="" id="{C6D113C6-EA5C-788F-0C77-E7CE6EBB865F}"/>
+                <a16:creationId xmlns="" xmlns:a16="http://schemas.microsoft.com/office/drawing/2014/main" id="{C6D113C6-EA5C-788F-0C77-E7CE6EBB865F}"/>
               </a:ext>
             </a:extLst>
           </p:cNvPr>
@@ -16881,7 +16863,7 @@
           <p:cNvPr id="22" name="직선 화살표 연결선 21">
             <a:extLst>
               <a:ext uri="{FF2B5EF4-FFF2-40B4-BE49-F238E27FC236}">
-                <a16:creationId xmlns:a16="http://schemas.microsoft.com/office/drawing/2014/main" xmlns="" id="{299DF5EC-9DF4-5255-06AC-0A7CE4FF58C3}"/>
+                <a16:creationId xmlns="" xmlns:a16="http://schemas.microsoft.com/office/drawing/2014/main" id="{299DF5EC-9DF4-5255-06AC-0A7CE4FF58C3}"/>
               </a:ext>
             </a:extLst>
           </p:cNvPr>
@@ -16922,7 +16904,7 @@
           <p:cNvPr id="23" name="TextBox 22">
             <a:extLst>
               <a:ext uri="{FF2B5EF4-FFF2-40B4-BE49-F238E27FC236}">
-                <a16:creationId xmlns:a16="http://schemas.microsoft.com/office/drawing/2014/main" xmlns="" id="{C6D113C6-EA5C-788F-0C77-E7CE6EBB865F}"/>
+                <a16:creationId xmlns="" xmlns:a16="http://schemas.microsoft.com/office/drawing/2014/main" id="{C6D113C6-EA5C-788F-0C77-E7CE6EBB865F}"/>
               </a:ext>
             </a:extLst>
           </p:cNvPr>
@@ -17018,7 +17000,7 @@
           <p:cNvPr id="26" name="직선 화살표 연결선 25">
             <a:extLst>
               <a:ext uri="{FF2B5EF4-FFF2-40B4-BE49-F238E27FC236}">
-                <a16:creationId xmlns:a16="http://schemas.microsoft.com/office/drawing/2014/main" xmlns="" id="{299DF5EC-9DF4-5255-06AC-0A7CE4FF58C3}"/>
+                <a16:creationId xmlns="" xmlns:a16="http://schemas.microsoft.com/office/drawing/2014/main" id="{299DF5EC-9DF4-5255-06AC-0A7CE4FF58C3}"/>
               </a:ext>
             </a:extLst>
           </p:cNvPr>
@@ -17059,7 +17041,7 @@
           <p:cNvPr id="27" name="TextBox 26">
             <a:extLst>
               <a:ext uri="{FF2B5EF4-FFF2-40B4-BE49-F238E27FC236}">
-                <a16:creationId xmlns:a16="http://schemas.microsoft.com/office/drawing/2014/main" xmlns="" id="{C6D113C6-EA5C-788F-0C77-E7CE6EBB865F}"/>
+                <a16:creationId xmlns="" xmlns:a16="http://schemas.microsoft.com/office/drawing/2014/main" id="{C6D113C6-EA5C-788F-0C77-E7CE6EBB865F}"/>
               </a:ext>
             </a:extLst>
           </p:cNvPr>
@@ -17868,6 +17850,200 @@
 <file path=ppt/slides/slide34.xml><?xml version="1.0" encoding="utf-8"?>
 <p:sld xmlns:a="http://schemas.openxmlformats.org/drawingml/2006/main" xmlns:r="http://schemas.openxmlformats.org/officeDocument/2006/relationships" xmlns:p="http://schemas.openxmlformats.org/presentationml/2006/main">
   <p:cSld>
+    <p:spTree>
+      <p:nvGrpSpPr>
+        <p:cNvPr id="1" name=""/>
+        <p:cNvGrpSpPr/>
+        <p:nvPr/>
+      </p:nvGrpSpPr>
+      <p:grpSpPr>
+        <a:xfrm>
+          <a:off x="0" y="0"/>
+          <a:ext cx="0" cy="0"/>
+          <a:chOff x="0" y="0"/>
+          <a:chExt cx="0" cy="0"/>
+        </a:xfrm>
+      </p:grpSpPr>
+      <p:sp>
+        <p:nvSpPr>
+          <p:cNvPr id="4" name="TextBox 3">
+            <a:extLst>
+              <a:ext uri="{FF2B5EF4-FFF2-40B4-BE49-F238E27FC236}">
+                <a16:creationId xmlns="" xmlns:a16="http://schemas.microsoft.com/office/drawing/2014/main" id="{DF7DDD33-9412-2802-339A-E55446AC2DA7}"/>
+              </a:ext>
+            </a:extLst>
+          </p:cNvPr>
+          <p:cNvSpPr txBox="1"/>
+          <p:nvPr/>
+        </p:nvSpPr>
+        <p:spPr>
+          <a:xfrm>
+            <a:off x="762000" y="266700"/>
+            <a:ext cx="3313728" cy="923330"/>
+          </a:xfrm>
+          <a:prstGeom prst="rect">
+            <a:avLst/>
+          </a:prstGeom>
+          <a:noFill/>
+        </p:spPr>
+        <p:txBody>
+          <a:bodyPr wrap="none" rtlCol="0">
+            <a:spAutoFit/>
+          </a:bodyPr>
+          <a:lstStyle/>
+          <a:p>
+            <a:r>
+              <a:rPr lang="ko-KR" altLang="en-US" sz="5400" smtClean="0">
+                <a:solidFill>
+                  <a:srgbClr val="4C50BC"/>
+                </a:solidFill>
+                <a:latin typeface="G마켓 산스 Bold"/>
+                <a:ea typeface="G마켓 산스 Medium" panose="02000000000000000000" pitchFamily="50" charset="-127"/>
+              </a:rPr>
+              <a:t>실습문제</a:t>
+            </a:r>
+            <a:r>
+              <a:rPr lang="en-US" altLang="ko-KR" sz="5400" smtClean="0">
+                <a:solidFill>
+                  <a:srgbClr val="4C50BC"/>
+                </a:solidFill>
+                <a:latin typeface="G마켓 산스 Bold"/>
+                <a:ea typeface="G마켓 산스 Medium" panose="02000000000000000000" pitchFamily="50" charset="-127"/>
+              </a:rPr>
+              <a:t>2</a:t>
+            </a:r>
+            <a:endParaRPr lang="ko-KR" altLang="en-US" sz="5400" dirty="0">
+              <a:solidFill>
+                <a:srgbClr val="4C50BC"/>
+              </a:solidFill>
+              <a:latin typeface="G마켓 산스 Bold"/>
+              <a:ea typeface="G마켓 산스 Medium" panose="02000000000000000000" pitchFamily="50" charset="-127"/>
+            </a:endParaRPr>
+          </a:p>
+        </p:txBody>
+      </p:sp>
+      <p:sp>
+        <p:nvSpPr>
+          <p:cNvPr id="5" name="TextBox 4">
+            <a:extLst>
+              <a:ext uri="{FF2B5EF4-FFF2-40B4-BE49-F238E27FC236}">
+                <a16:creationId xmlns="" xmlns:a16="http://schemas.microsoft.com/office/drawing/2014/main" id="{A2AD056B-97A4-5BCC-4460-250160F3E171}"/>
+              </a:ext>
+            </a:extLst>
+          </p:cNvPr>
+          <p:cNvSpPr txBox="1"/>
+          <p:nvPr/>
+        </p:nvSpPr>
+        <p:spPr>
+          <a:xfrm>
+            <a:off x="1447800" y="1212890"/>
+            <a:ext cx="10820400" cy="584775"/>
+          </a:xfrm>
+          <a:prstGeom prst="rect">
+            <a:avLst/>
+          </a:prstGeom>
+          <a:noFill/>
+        </p:spPr>
+        <p:txBody>
+          <a:bodyPr wrap="square" rtlCol="0">
+            <a:spAutoFit/>
+          </a:bodyPr>
+          <a:lstStyle/>
+          <a:p>
+            <a:r>
+              <a:rPr lang="en-US" altLang="ko-KR" sz="3200" smtClean="0">
+                <a:solidFill>
+                  <a:schemeClr val="tx1">
+                    <a:lumMod val="50000"/>
+                    <a:lumOff val="50000"/>
+                  </a:schemeClr>
+                </a:solidFill>
+                <a:latin typeface="G마켓 산스 Medium" panose="02000000000000000000" pitchFamily="50" charset="-127"/>
+                <a:ea typeface="G마켓 산스 Medium" panose="02000000000000000000" pitchFamily="50" charset="-127"/>
+              </a:rPr>
+              <a:t>1. </a:t>
+            </a:r>
+            <a:r>
+              <a:rPr lang="ko-KR" altLang="en-US" sz="3200" smtClean="0">
+                <a:solidFill>
+                  <a:schemeClr val="tx1">
+                    <a:lumMod val="50000"/>
+                    <a:lumOff val="50000"/>
+                  </a:schemeClr>
+                </a:solidFill>
+                <a:latin typeface="G마켓 산스 Medium" panose="02000000000000000000" pitchFamily="50" charset="-127"/>
+                <a:ea typeface="G마켓 산스 Medium" panose="02000000000000000000" pitchFamily="50" charset="-127"/>
+              </a:rPr>
+              <a:t>상속시 </a:t>
+            </a:r>
+            <a:r>
+              <a:rPr lang="ko-KR" altLang="en-US" sz="3200">
+                <a:solidFill>
+                  <a:schemeClr val="tx1">
+                    <a:lumMod val="50000"/>
+                    <a:lumOff val="50000"/>
+                  </a:schemeClr>
+                </a:solidFill>
+                <a:latin typeface="G마켓 산스 Medium" panose="02000000000000000000" pitchFamily="50" charset="-127"/>
+                <a:ea typeface="G마켓 산스 Medium" panose="02000000000000000000" pitchFamily="50" charset="-127"/>
+              </a:rPr>
+              <a:t>부모의 메서드를 </a:t>
+            </a:r>
+            <a:r>
+              <a:rPr lang="ko-KR" altLang="en-US" sz="3200" smtClean="0">
+                <a:solidFill>
+                  <a:schemeClr val="tx1">
+                    <a:lumMod val="50000"/>
+                    <a:lumOff val="50000"/>
+                  </a:schemeClr>
+                </a:solidFill>
+                <a:latin typeface="G마켓 산스 Medium" panose="02000000000000000000" pitchFamily="50" charset="-127"/>
+                <a:ea typeface="G마켓 산스 Medium" panose="02000000000000000000" pitchFamily="50" charset="-127"/>
+              </a:rPr>
+              <a:t>덮어쓴다</a:t>
+            </a:r>
+            <a:r>
+              <a:rPr lang="en-US" altLang="ko-KR" sz="3200">
+                <a:solidFill>
+                  <a:schemeClr val="tx1">
+                    <a:lumMod val="50000"/>
+                    <a:lumOff val="50000"/>
+                  </a:schemeClr>
+                </a:solidFill>
+                <a:latin typeface="G마켓 산스 Medium" panose="02000000000000000000" pitchFamily="50" charset="-127"/>
+                <a:ea typeface="G마켓 산스 Medium" panose="02000000000000000000" pitchFamily="50" charset="-127"/>
+              </a:rPr>
+              <a:t>.</a:t>
+            </a:r>
+            <a:endParaRPr lang="en-US" altLang="ko-KR" sz="3200" dirty="0">
+              <a:solidFill>
+                <a:schemeClr val="tx1">
+                  <a:lumMod val="50000"/>
+                  <a:lumOff val="50000"/>
+                </a:schemeClr>
+              </a:solidFill>
+              <a:latin typeface="G마켓 산스 Medium" panose="02000000000000000000" pitchFamily="50" charset="-127"/>
+              <a:ea typeface="G마켓 산스 Medium" panose="02000000000000000000" pitchFamily="50" charset="-127"/>
+            </a:endParaRPr>
+          </a:p>
+        </p:txBody>
+      </p:sp>
+    </p:spTree>
+    <p:extLst>
+      <p:ext uri="{BB962C8B-B14F-4D97-AF65-F5344CB8AC3E}">
+        <p14:creationId xmlns:p14="http://schemas.microsoft.com/office/powerpoint/2010/main" val="1161268286"/>
+      </p:ext>
+    </p:extLst>
+  </p:cSld>
+  <p:clrMapOvr>
+    <a:masterClrMapping/>
+  </p:clrMapOvr>
+</p:sld>
+</file>
+
+<file path=ppt/slides/slide35.xml><?xml version="1.0" encoding="utf-8"?>
+<p:sld xmlns:a="http://schemas.openxmlformats.org/drawingml/2006/main" xmlns:r="http://schemas.openxmlformats.org/officeDocument/2006/relationships" xmlns:p="http://schemas.openxmlformats.org/presentationml/2006/main">
+  <p:cSld>
     <p:bg>
       <p:bgPr>
         <a:solidFill>
@@ -17895,7 +18071,7 @@
           <p:cNvPr id="4" name="Object 1">
             <a:extLst>
               <a:ext uri="{FF2B5EF4-FFF2-40B4-BE49-F238E27FC236}">
-                <a16:creationId xmlns:a16="http://schemas.microsoft.com/office/drawing/2014/main" xmlns="" id="{B0329035-BE76-33A8-0F2E-44624FCC1DED}"/>
+                <a16:creationId xmlns="" xmlns:a16="http://schemas.microsoft.com/office/drawing/2014/main" id="{B0329035-BE76-33A8-0F2E-44624FCC1DED}"/>
               </a:ext>
             </a:extLst>
           </p:cNvPr>
@@ -17925,7 +18101,7 @@
           <p:cNvPr id="7" name="그룹 1001">
             <a:extLst>
               <a:ext uri="{FF2B5EF4-FFF2-40B4-BE49-F238E27FC236}">
-                <a16:creationId xmlns:a16="http://schemas.microsoft.com/office/drawing/2014/main" xmlns="" id="{CD24CE9D-AC18-B6CD-F397-7E8E03D6FE26}"/>
+                <a16:creationId xmlns="" xmlns:a16="http://schemas.microsoft.com/office/drawing/2014/main" id="{CD24CE9D-AC18-B6CD-F397-7E8E03D6FE26}"/>
               </a:ext>
             </a:extLst>
           </p:cNvPr>
@@ -17945,7 +18121,7 @@
             <p:cNvPr id="8" name="Object 5">
               <a:extLst>
                 <a:ext uri="{FF2B5EF4-FFF2-40B4-BE49-F238E27FC236}">
-                  <a16:creationId xmlns:a16="http://schemas.microsoft.com/office/drawing/2014/main" xmlns="" id="{0EEF25E8-3BA8-EBAA-6DC2-66D70C3F9F4D}"/>
+                  <a16:creationId xmlns="" xmlns:a16="http://schemas.microsoft.com/office/drawing/2014/main" id="{0EEF25E8-3BA8-EBAA-6DC2-66D70C3F9F4D}"/>
                 </a:ext>
               </a:extLst>
             </p:cNvPr>
@@ -17976,7 +18152,7 @@
           <p:cNvPr id="9" name="그룹 1002">
             <a:extLst>
               <a:ext uri="{FF2B5EF4-FFF2-40B4-BE49-F238E27FC236}">
-                <a16:creationId xmlns:a16="http://schemas.microsoft.com/office/drawing/2014/main" xmlns="" id="{0F281BC9-DE1F-D1FE-E64C-C4640398F00C}"/>
+                <a16:creationId xmlns="" xmlns:a16="http://schemas.microsoft.com/office/drawing/2014/main" id="{0F281BC9-DE1F-D1FE-E64C-C4640398F00C}"/>
               </a:ext>
             </a:extLst>
           </p:cNvPr>
@@ -17996,7 +18172,7 @@
             <p:cNvPr id="10" name="Object 8">
               <a:extLst>
                 <a:ext uri="{FF2B5EF4-FFF2-40B4-BE49-F238E27FC236}">
-                  <a16:creationId xmlns:a16="http://schemas.microsoft.com/office/drawing/2014/main" xmlns="" id="{F669DCEF-04BB-7046-3F7F-5B513213556E}"/>
+                  <a16:creationId xmlns="" xmlns:a16="http://schemas.microsoft.com/office/drawing/2014/main" id="{F669DCEF-04BB-7046-3F7F-5B513213556E}"/>
                 </a:ext>
               </a:extLst>
             </p:cNvPr>
@@ -18027,7 +18203,7 @@
           <p:cNvPr id="11" name="그룹 1003">
             <a:extLst>
               <a:ext uri="{FF2B5EF4-FFF2-40B4-BE49-F238E27FC236}">
-                <a16:creationId xmlns:a16="http://schemas.microsoft.com/office/drawing/2014/main" xmlns="" id="{1F91EEF9-13EA-BB7F-B056-D35E7DB989AC}"/>
+                <a16:creationId xmlns="" xmlns:a16="http://schemas.microsoft.com/office/drawing/2014/main" id="{1F91EEF9-13EA-BB7F-B056-D35E7DB989AC}"/>
               </a:ext>
             </a:extLst>
           </p:cNvPr>
@@ -18047,7 +18223,7 @@
             <p:cNvPr id="12" name="Object 11">
               <a:extLst>
                 <a:ext uri="{FF2B5EF4-FFF2-40B4-BE49-F238E27FC236}">
-                  <a16:creationId xmlns:a16="http://schemas.microsoft.com/office/drawing/2014/main" xmlns="" id="{2CFFB217-AEFB-2C9E-5F86-6EE19510FFC6}"/>
+                  <a16:creationId xmlns="" xmlns:a16="http://schemas.microsoft.com/office/drawing/2014/main" id="{2CFFB217-AEFB-2C9E-5F86-6EE19510FFC6}"/>
                 </a:ext>
               </a:extLst>
             </p:cNvPr>
@@ -18078,7 +18254,7 @@
           <p:cNvPr id="13" name="그룹 1004">
             <a:extLst>
               <a:ext uri="{FF2B5EF4-FFF2-40B4-BE49-F238E27FC236}">
-                <a16:creationId xmlns:a16="http://schemas.microsoft.com/office/drawing/2014/main" xmlns="" id="{123B9C7E-94E8-E7E1-81BE-D59EA0299187}"/>
+                <a16:creationId xmlns="" xmlns:a16="http://schemas.microsoft.com/office/drawing/2014/main" id="{123B9C7E-94E8-E7E1-81BE-D59EA0299187}"/>
               </a:ext>
             </a:extLst>
           </p:cNvPr>
@@ -18098,7 +18274,7 @@
             <p:cNvPr id="14" name="Object 14">
               <a:extLst>
                 <a:ext uri="{FF2B5EF4-FFF2-40B4-BE49-F238E27FC236}">
-                  <a16:creationId xmlns:a16="http://schemas.microsoft.com/office/drawing/2014/main" xmlns="" id="{B6291552-2D89-A79F-7ACD-EA0EF9A4C389}"/>
+                  <a16:creationId xmlns="" xmlns:a16="http://schemas.microsoft.com/office/drawing/2014/main" id="{B6291552-2D89-A79F-7ACD-EA0EF9A4C389}"/>
                 </a:ext>
               </a:extLst>
             </p:cNvPr>
@@ -18129,7 +18305,7 @@
           <p:cNvPr id="15" name="TextBox 14">
             <a:extLst>
               <a:ext uri="{FF2B5EF4-FFF2-40B4-BE49-F238E27FC236}">
-                <a16:creationId xmlns:a16="http://schemas.microsoft.com/office/drawing/2014/main" xmlns="" id="{7D99763A-FC24-23F5-5BA9-D7B042E0F323}"/>
+                <a16:creationId xmlns="" xmlns:a16="http://schemas.microsoft.com/office/drawing/2014/main" id="{7D99763A-FC24-23F5-5BA9-D7B042E0F323}"/>
               </a:ext>
             </a:extLst>
           </p:cNvPr>
@@ -18185,7 +18361,7 @@
 </p:sld>
 </file>
 
-<file path=ppt/slides/slide35.xml><?xml version="1.0" encoding="utf-8"?>
+<file path=ppt/slides/slide36.xml><?xml version="1.0" encoding="utf-8"?>
 <p:sld xmlns:a="http://schemas.openxmlformats.org/drawingml/2006/main" xmlns:r="http://schemas.openxmlformats.org/officeDocument/2006/relationships" xmlns:p="http://schemas.openxmlformats.org/presentationml/2006/main">
   <p:cSld>
     <p:spTree>
@@ -18207,7 +18383,7 @@
           <p:cNvPr id="4" name="TextBox 3">
             <a:extLst>
               <a:ext uri="{FF2B5EF4-FFF2-40B4-BE49-F238E27FC236}">
-                <a16:creationId xmlns:a16="http://schemas.microsoft.com/office/drawing/2014/main" xmlns="" id="{5ADC00B6-990A-40DC-3CEA-505258F5E8DA}"/>
+                <a16:creationId xmlns="" xmlns:a16="http://schemas.microsoft.com/office/drawing/2014/main" id="{5ADC00B6-990A-40DC-3CEA-505258F5E8DA}"/>
               </a:ext>
             </a:extLst>
           </p:cNvPr>
@@ -18255,7 +18431,7 @@
           <p:cNvPr id="5" name="TextBox 4">
             <a:extLst>
               <a:ext uri="{FF2B5EF4-FFF2-40B4-BE49-F238E27FC236}">
-                <a16:creationId xmlns:a16="http://schemas.microsoft.com/office/drawing/2014/main" xmlns="" id="{A2AD056B-97A4-5BCC-4460-250160F3E171}"/>
+                <a16:creationId xmlns="" xmlns:a16="http://schemas.microsoft.com/office/drawing/2014/main" id="{A2AD056B-97A4-5BCC-4460-250160F3E171}"/>
               </a:ext>
             </a:extLst>
           </p:cNvPr>
@@ -18371,7 +18547,7 @@
           <p:cNvPr id="6" name="TextBox 5">
             <a:extLst>
               <a:ext uri="{FF2B5EF4-FFF2-40B4-BE49-F238E27FC236}">
-                <a16:creationId xmlns:a16="http://schemas.microsoft.com/office/drawing/2014/main" xmlns="" id="{A2AD056B-97A4-5BCC-4460-250160F3E171}"/>
+                <a16:creationId xmlns="" xmlns:a16="http://schemas.microsoft.com/office/drawing/2014/main" id="{A2AD056B-97A4-5BCC-4460-250160F3E171}"/>
               </a:ext>
             </a:extLst>
           </p:cNvPr>
@@ -18592,7 +18768,7 @@
 </p:sld>
 </file>
 
-<file path=ppt/slides/slide36.xml><?xml version="1.0" encoding="utf-8"?>
+<file path=ppt/slides/slide37.xml><?xml version="1.0" encoding="utf-8"?>
 <p:sld xmlns:a="http://schemas.openxmlformats.org/drawingml/2006/main" xmlns:r="http://schemas.openxmlformats.org/officeDocument/2006/relationships" xmlns:p="http://schemas.openxmlformats.org/presentationml/2006/main">
   <p:cSld>
     <p:spTree>
@@ -18793,7 +18969,7 @@
 </p:sld>
 </file>
 
-<file path=ppt/slides/slide37.xml><?xml version="1.0" encoding="utf-8"?>
+<file path=ppt/slides/slide38.xml><?xml version="1.0" encoding="utf-8"?>
 <p:sld xmlns:a="http://schemas.openxmlformats.org/drawingml/2006/main" xmlns:r="http://schemas.openxmlformats.org/officeDocument/2006/relationships" xmlns:p="http://schemas.openxmlformats.org/presentationml/2006/main">
   <p:cSld>
     <p:spTree>
@@ -18871,7 +19047,7 @@
 </p:sld>
 </file>
 
-<file path=ppt/slides/slide38.xml><?xml version="1.0" encoding="utf-8"?>
+<file path=ppt/slides/slide39.xml><?xml version="1.0" encoding="utf-8"?>
 <p:sld xmlns:a="http://schemas.openxmlformats.org/drawingml/2006/main" xmlns:r="http://schemas.openxmlformats.org/officeDocument/2006/relationships" xmlns:p="http://schemas.openxmlformats.org/presentationml/2006/main">
   <p:cSld>
     <p:spTree>
@@ -18988,7 +19164,7 @@
                 <a:gridCol w="1731833">
                   <a:extLst>
                     <a:ext uri="{9D8B030D-6E8A-4147-A177-3AD203B41FA5}">
-                      <a16:colId xmlns:a16="http://schemas.microsoft.com/office/drawing/2014/main" xmlns="" val="20000"/>
+                      <a16:colId xmlns="" xmlns:a16="http://schemas.microsoft.com/office/drawing/2014/main" val="20000"/>
                     </a:ext>
                   </a:extLst>
                 </a:gridCol>
@@ -19061,7 +19237,7 @@
                 </a:tc>
                 <a:extLst>
                   <a:ext uri="{0D108BD9-81ED-4DB2-BD59-A6C34878D82A}">
-                    <a16:rowId xmlns:a16="http://schemas.microsoft.com/office/drawing/2014/main" xmlns="" val="10000"/>
+                    <a16:rowId xmlns="" xmlns:a16="http://schemas.microsoft.com/office/drawing/2014/main" val="10000"/>
                   </a:ext>
                 </a:extLst>
               </a:tr>
@@ -19125,7 +19301,7 @@
                 </a:tc>
                 <a:extLst>
                   <a:ext uri="{0D108BD9-81ED-4DB2-BD59-A6C34878D82A}">
-                    <a16:rowId xmlns:a16="http://schemas.microsoft.com/office/drawing/2014/main" xmlns="" val="10001"/>
+                    <a16:rowId xmlns="" xmlns:a16="http://schemas.microsoft.com/office/drawing/2014/main" val="10001"/>
                   </a:ext>
                 </a:extLst>
               </a:tr>
@@ -19161,7 +19337,7 @@
                 <a:gridCol w="1731833">
                   <a:extLst>
                     <a:ext uri="{9D8B030D-6E8A-4147-A177-3AD203B41FA5}">
-                      <a16:colId xmlns:a16="http://schemas.microsoft.com/office/drawing/2014/main" xmlns="" val="20000"/>
+                      <a16:colId xmlns="" xmlns:a16="http://schemas.microsoft.com/office/drawing/2014/main" val="20000"/>
                     </a:ext>
                   </a:extLst>
                 </a:gridCol>
@@ -19234,7 +19410,7 @@
                 </a:tc>
                 <a:extLst>
                   <a:ext uri="{0D108BD9-81ED-4DB2-BD59-A6C34878D82A}">
-                    <a16:rowId xmlns:a16="http://schemas.microsoft.com/office/drawing/2014/main" xmlns="" val="10000"/>
+                    <a16:rowId xmlns="" xmlns:a16="http://schemas.microsoft.com/office/drawing/2014/main" val="10000"/>
                   </a:ext>
                 </a:extLst>
               </a:tr>
@@ -19298,7 +19474,7 @@
                 </a:tc>
                 <a:extLst>
                   <a:ext uri="{0D108BD9-81ED-4DB2-BD59-A6C34878D82A}">
-                    <a16:rowId xmlns:a16="http://schemas.microsoft.com/office/drawing/2014/main" xmlns="" val="10001"/>
+                    <a16:rowId xmlns="" xmlns:a16="http://schemas.microsoft.com/office/drawing/2014/main" val="10001"/>
                   </a:ext>
                 </a:extLst>
               </a:tr>
@@ -19311,7 +19487,7 @@
           <p:cNvPr id="12" name="직선 화살표 연결선 11">
             <a:extLst>
               <a:ext uri="{FF2B5EF4-FFF2-40B4-BE49-F238E27FC236}">
-                <a16:creationId xmlns:a16="http://schemas.microsoft.com/office/drawing/2014/main" xmlns="" id="{299DF5EC-9DF4-5255-06AC-0A7CE4FF58C3}"/>
+                <a16:creationId xmlns="" xmlns:a16="http://schemas.microsoft.com/office/drawing/2014/main" id="{299DF5EC-9DF4-5255-06AC-0A7CE4FF58C3}"/>
               </a:ext>
             </a:extLst>
           </p:cNvPr>
@@ -19352,7 +19528,7 @@
           <p:cNvPr id="14" name="직선 화살표 연결선 13">
             <a:extLst>
               <a:ext uri="{FF2B5EF4-FFF2-40B4-BE49-F238E27FC236}">
-                <a16:creationId xmlns:a16="http://schemas.microsoft.com/office/drawing/2014/main" xmlns="" id="{299DF5EC-9DF4-5255-06AC-0A7CE4FF58C3}"/>
+                <a16:creationId xmlns="" xmlns:a16="http://schemas.microsoft.com/office/drawing/2014/main" id="{299DF5EC-9DF4-5255-06AC-0A7CE4FF58C3}"/>
               </a:ext>
             </a:extLst>
           </p:cNvPr>
@@ -19620,207 +19796,6 @@
 </p:sld>
 </file>
 
-<file path=ppt/slides/slide39.xml><?xml version="1.0" encoding="utf-8"?>
-<p:sld xmlns:a="http://schemas.openxmlformats.org/drawingml/2006/main" xmlns:r="http://schemas.openxmlformats.org/officeDocument/2006/relationships" xmlns:p="http://schemas.openxmlformats.org/presentationml/2006/main">
-  <p:cSld>
-    <p:spTree>
-      <p:nvGrpSpPr>
-        <p:cNvPr id="1" name=""/>
-        <p:cNvGrpSpPr/>
-        <p:nvPr/>
-      </p:nvGrpSpPr>
-      <p:grpSpPr>
-        <a:xfrm>
-          <a:off x="0" y="0"/>
-          <a:ext cx="0" cy="0"/>
-          <a:chOff x="0" y="0"/>
-          <a:chExt cx="0" cy="0"/>
-        </a:xfrm>
-      </p:grpSpPr>
-      <p:pic>
-        <p:nvPicPr>
-          <p:cNvPr id="4" name="그림 3"/>
-          <p:cNvPicPr>
-            <a:picLocks noChangeAspect="1"/>
-          </p:cNvPicPr>
-          <p:nvPr/>
-        </p:nvPicPr>
-        <p:blipFill>
-          <a:blip r:embed="rId2"/>
-          <a:stretch>
-            <a:fillRect/>
-          </a:stretch>
-        </p:blipFill>
-        <p:spPr>
-          <a:xfrm>
-            <a:off x="152400" y="495300"/>
-            <a:ext cx="6730031" cy="1981200"/>
-          </a:xfrm>
-          <a:prstGeom prst="rect">
-            <a:avLst/>
-          </a:prstGeom>
-        </p:spPr>
-      </p:pic>
-      <p:pic>
-        <p:nvPicPr>
-          <p:cNvPr id="6" name="그림 5"/>
-          <p:cNvPicPr>
-            <a:picLocks noChangeAspect="1"/>
-          </p:cNvPicPr>
-          <p:nvPr/>
-        </p:nvPicPr>
-        <p:blipFill>
-          <a:blip r:embed="rId3"/>
-          <a:stretch>
-            <a:fillRect/>
-          </a:stretch>
-        </p:blipFill>
-        <p:spPr>
-          <a:xfrm>
-            <a:off x="9601200" y="484450"/>
-            <a:ext cx="6769212" cy="3135050"/>
-          </a:xfrm>
-          <a:prstGeom prst="rect">
-            <a:avLst/>
-          </a:prstGeom>
-        </p:spPr>
-      </p:pic>
-      <p:pic>
-        <p:nvPicPr>
-          <p:cNvPr id="8" name="그림 7"/>
-          <p:cNvPicPr>
-            <a:picLocks noChangeAspect="1"/>
-          </p:cNvPicPr>
-          <p:nvPr/>
-        </p:nvPicPr>
-        <p:blipFill>
-          <a:blip r:embed="rId4"/>
-          <a:stretch>
-            <a:fillRect/>
-          </a:stretch>
-        </p:blipFill>
-        <p:spPr>
-          <a:xfrm>
-            <a:off x="152400" y="2715650"/>
-            <a:ext cx="8513037" cy="6314050"/>
-          </a:xfrm>
-          <a:prstGeom prst="rect">
-            <a:avLst/>
-          </a:prstGeom>
-        </p:spPr>
-      </p:pic>
-      <p:pic>
-        <p:nvPicPr>
-          <p:cNvPr id="9" name="그림 8"/>
-          <p:cNvPicPr>
-            <a:picLocks noChangeAspect="1"/>
-          </p:cNvPicPr>
-          <p:nvPr/>
-        </p:nvPicPr>
-        <p:blipFill>
-          <a:blip r:embed="rId5"/>
-          <a:stretch>
-            <a:fillRect/>
-          </a:stretch>
-        </p:blipFill>
-        <p:spPr>
-          <a:xfrm>
-            <a:off x="9594166" y="4152900"/>
-            <a:ext cx="4960034" cy="4416171"/>
-          </a:xfrm>
-          <a:prstGeom prst="rect">
-            <a:avLst/>
-          </a:prstGeom>
-        </p:spPr>
-      </p:pic>
-    </p:spTree>
-    <p:extLst>
-      <p:ext uri="{BB962C8B-B14F-4D97-AF65-F5344CB8AC3E}">
-        <p14:creationId xmlns:p14="http://schemas.microsoft.com/office/powerpoint/2010/main" val="1911505953"/>
-      </p:ext>
-    </p:extLst>
-  </p:cSld>
-  <p:clrMapOvr>
-    <a:masterClrMapping/>
-  </p:clrMapOvr>
-  <p:timing>
-    <p:tnLst>
-      <p:par>
-        <p:cTn id="1" dur="indefinite" restart="never" nodeType="tmRoot">
-          <p:childTnLst>
-            <p:seq concurrent="1" nextAc="seek">
-              <p:cTn id="2" dur="indefinite" nodeType="mainSeq">
-                <p:childTnLst>
-                  <p:par>
-                    <p:cTn id="3" fill="hold">
-                      <p:stCondLst>
-                        <p:cond delay="indefinite"/>
-                      </p:stCondLst>
-                      <p:childTnLst>
-                        <p:par>
-                          <p:cTn id="4" fill="hold">
-                            <p:stCondLst>
-                              <p:cond delay="0"/>
-                            </p:stCondLst>
-                            <p:childTnLst>
-                              <p:par>
-                                <p:cTn id="5" presetID="1" presetClass="entr" presetSubtype="0" fill="hold" nodeType="clickEffect">
-                                  <p:stCondLst>
-                                    <p:cond delay="0"/>
-                                  </p:stCondLst>
-                                  <p:childTnLst>
-                                    <p:set>
-                                      <p:cBhvr>
-                                        <p:cTn id="6" dur="1" fill="hold">
-                                          <p:stCondLst>
-                                            <p:cond delay="0"/>
-                                          </p:stCondLst>
-                                        </p:cTn>
-                                        <p:tgtEl>
-                                          <p:spTgt spid="9"/>
-                                        </p:tgtEl>
-                                        <p:attrNameLst>
-                                          <p:attrName>style.visibility</p:attrName>
-                                        </p:attrNameLst>
-                                      </p:cBhvr>
-                                      <p:to>
-                                        <p:strVal val="visible"/>
-                                      </p:to>
-                                    </p:set>
-                                  </p:childTnLst>
-                                </p:cTn>
-                              </p:par>
-                            </p:childTnLst>
-                          </p:cTn>
-                        </p:par>
-                      </p:childTnLst>
-                    </p:cTn>
-                  </p:par>
-                </p:childTnLst>
-              </p:cTn>
-              <p:prevCondLst>
-                <p:cond evt="onPrev" delay="0">
-                  <p:tgtEl>
-                    <p:sldTgt/>
-                  </p:tgtEl>
-                </p:cond>
-              </p:prevCondLst>
-              <p:nextCondLst>
-                <p:cond evt="onNext" delay="0">
-                  <p:tgtEl>
-                    <p:sldTgt/>
-                  </p:tgtEl>
-                </p:cond>
-              </p:nextCondLst>
-            </p:seq>
-          </p:childTnLst>
-        </p:cTn>
-      </p:par>
-    </p:tnLst>
-  </p:timing>
-</p:sld>
-</file>
-
 <file path=ppt/slides/slide4.xml><?xml version="1.0" encoding="utf-8"?>
 <p:sld xmlns:a="http://schemas.openxmlformats.org/drawingml/2006/main" xmlns:r="http://schemas.openxmlformats.org/officeDocument/2006/relationships" xmlns:p="http://schemas.openxmlformats.org/presentationml/2006/main">
   <p:cSld>
@@ -19843,7 +19818,7 @@
           <p:cNvPr id="6" name="그룹 1018">
             <a:extLst>
               <a:ext uri="{FF2B5EF4-FFF2-40B4-BE49-F238E27FC236}">
-                <a16:creationId xmlns:a16="http://schemas.microsoft.com/office/drawing/2014/main" xmlns="" id="{008489BA-FEFA-DE7D-B3CD-53A358B82592}"/>
+                <a16:creationId xmlns="" xmlns:a16="http://schemas.microsoft.com/office/drawing/2014/main" id="{008489BA-FEFA-DE7D-B3CD-53A358B82592}"/>
               </a:ext>
             </a:extLst>
           </p:cNvPr>
@@ -19863,7 +19838,7 @@
             <p:cNvPr id="7" name="Object 61">
               <a:extLst>
                 <a:ext uri="{FF2B5EF4-FFF2-40B4-BE49-F238E27FC236}">
-                  <a16:creationId xmlns:a16="http://schemas.microsoft.com/office/drawing/2014/main" xmlns="" id="{9ED25BE3-45BE-AC6D-D835-4457854D2832}"/>
+                  <a16:creationId xmlns="" xmlns:a16="http://schemas.microsoft.com/office/drawing/2014/main" id="{9ED25BE3-45BE-AC6D-D835-4457854D2832}"/>
                 </a:ext>
               </a:extLst>
             </p:cNvPr>
@@ -19894,7 +19869,7 @@
           <p:cNvPr id="8" name="그룹 1021">
             <a:extLst>
               <a:ext uri="{FF2B5EF4-FFF2-40B4-BE49-F238E27FC236}">
-                <a16:creationId xmlns:a16="http://schemas.microsoft.com/office/drawing/2014/main" xmlns="" id="{7FE0C0A1-ABE4-F0EA-AFC1-4622C45C99E7}"/>
+                <a16:creationId xmlns="" xmlns:a16="http://schemas.microsoft.com/office/drawing/2014/main" id="{7FE0C0A1-ABE4-F0EA-AFC1-4622C45C99E7}"/>
               </a:ext>
             </a:extLst>
           </p:cNvPr>
@@ -19914,7 +19889,7 @@
             <p:cNvPr id="9" name="Object 71">
               <a:extLst>
                 <a:ext uri="{FF2B5EF4-FFF2-40B4-BE49-F238E27FC236}">
-                  <a16:creationId xmlns:a16="http://schemas.microsoft.com/office/drawing/2014/main" xmlns="" id="{CDBB7D83-509F-9F4C-0C3E-DBA2562E5520}"/>
+                  <a16:creationId xmlns="" xmlns:a16="http://schemas.microsoft.com/office/drawing/2014/main" id="{CDBB7D83-509F-9F4C-0C3E-DBA2562E5520}"/>
                 </a:ext>
               </a:extLst>
             </p:cNvPr>
@@ -19945,7 +19920,7 @@
           <p:cNvPr id="10" name="그룹 1024">
             <a:extLst>
               <a:ext uri="{FF2B5EF4-FFF2-40B4-BE49-F238E27FC236}">
-                <a16:creationId xmlns:a16="http://schemas.microsoft.com/office/drawing/2014/main" xmlns="" id="{8EB1611F-852C-9617-AEEB-CFA38FFF8001}"/>
+                <a16:creationId xmlns="" xmlns:a16="http://schemas.microsoft.com/office/drawing/2014/main" id="{8EB1611F-852C-9617-AEEB-CFA38FFF8001}"/>
               </a:ext>
             </a:extLst>
           </p:cNvPr>
@@ -19965,7 +19940,7 @@
             <p:cNvPr id="11" name="Object 81">
               <a:extLst>
                 <a:ext uri="{FF2B5EF4-FFF2-40B4-BE49-F238E27FC236}">
-                  <a16:creationId xmlns:a16="http://schemas.microsoft.com/office/drawing/2014/main" xmlns="" id="{08657582-A0DF-A5DC-A662-189C639920C8}"/>
+                  <a16:creationId xmlns="" xmlns:a16="http://schemas.microsoft.com/office/drawing/2014/main" id="{08657582-A0DF-A5DC-A662-189C639920C8}"/>
                 </a:ext>
               </a:extLst>
             </p:cNvPr>
@@ -19996,7 +19971,7 @@
           <p:cNvPr id="13" name="TextBox 12">
             <a:extLst>
               <a:ext uri="{FF2B5EF4-FFF2-40B4-BE49-F238E27FC236}">
-                <a16:creationId xmlns:a16="http://schemas.microsoft.com/office/drawing/2014/main" xmlns="" id="{F68B80B8-3419-5C31-B2F2-084E536A2C1C}"/>
+                <a16:creationId xmlns="" xmlns:a16="http://schemas.microsoft.com/office/drawing/2014/main" id="{F68B80B8-3419-5C31-B2F2-084E536A2C1C}"/>
               </a:ext>
             </a:extLst>
           </p:cNvPr>
@@ -20044,7 +20019,7 @@
           <p:cNvPr id="14" name="TextBox 13">
             <a:extLst>
               <a:ext uri="{FF2B5EF4-FFF2-40B4-BE49-F238E27FC236}">
-                <a16:creationId xmlns:a16="http://schemas.microsoft.com/office/drawing/2014/main" xmlns="" id="{CB471B39-052C-65D2-3069-C74FA7421876}"/>
+                <a16:creationId xmlns="" xmlns:a16="http://schemas.microsoft.com/office/drawing/2014/main" id="{CB471B39-052C-65D2-3069-C74FA7421876}"/>
               </a:ext>
             </a:extLst>
           </p:cNvPr>
@@ -20092,7 +20067,7 @@
           <p:cNvPr id="15" name="TextBox 14">
             <a:extLst>
               <a:ext uri="{FF2B5EF4-FFF2-40B4-BE49-F238E27FC236}">
-                <a16:creationId xmlns:a16="http://schemas.microsoft.com/office/drawing/2014/main" xmlns="" id="{4A7E270B-9322-EABD-3A34-4D211B23AD38}"/>
+                <a16:creationId xmlns="" xmlns:a16="http://schemas.microsoft.com/office/drawing/2014/main" id="{4A7E270B-9322-EABD-3A34-4D211B23AD38}"/>
               </a:ext>
             </a:extLst>
           </p:cNvPr>
@@ -20260,7 +20235,7 @@
           <p:cNvPr id="24" name="TextBox 23">
             <a:extLst>
               <a:ext uri="{FF2B5EF4-FFF2-40B4-BE49-F238E27FC236}">
-                <a16:creationId xmlns:a16="http://schemas.microsoft.com/office/drawing/2014/main" xmlns="" id="{5ADC00B6-990A-40DC-3CEA-505258F5E8DA}"/>
+                <a16:creationId xmlns="" xmlns:a16="http://schemas.microsoft.com/office/drawing/2014/main" id="{5ADC00B6-990A-40DC-3CEA-505258F5E8DA}"/>
               </a:ext>
             </a:extLst>
           </p:cNvPr>
@@ -20466,6 +20441,207 @@
           <a:chExt cx="0" cy="0"/>
         </a:xfrm>
       </p:grpSpPr>
+      <p:pic>
+        <p:nvPicPr>
+          <p:cNvPr id="4" name="그림 3"/>
+          <p:cNvPicPr>
+            <a:picLocks noChangeAspect="1"/>
+          </p:cNvPicPr>
+          <p:nvPr/>
+        </p:nvPicPr>
+        <p:blipFill>
+          <a:blip r:embed="rId2"/>
+          <a:stretch>
+            <a:fillRect/>
+          </a:stretch>
+        </p:blipFill>
+        <p:spPr>
+          <a:xfrm>
+            <a:off x="152400" y="495300"/>
+            <a:ext cx="6730031" cy="1981200"/>
+          </a:xfrm>
+          <a:prstGeom prst="rect">
+            <a:avLst/>
+          </a:prstGeom>
+        </p:spPr>
+      </p:pic>
+      <p:pic>
+        <p:nvPicPr>
+          <p:cNvPr id="6" name="그림 5"/>
+          <p:cNvPicPr>
+            <a:picLocks noChangeAspect="1"/>
+          </p:cNvPicPr>
+          <p:nvPr/>
+        </p:nvPicPr>
+        <p:blipFill>
+          <a:blip r:embed="rId3"/>
+          <a:stretch>
+            <a:fillRect/>
+          </a:stretch>
+        </p:blipFill>
+        <p:spPr>
+          <a:xfrm>
+            <a:off x="9601200" y="484450"/>
+            <a:ext cx="6769212" cy="3135050"/>
+          </a:xfrm>
+          <a:prstGeom prst="rect">
+            <a:avLst/>
+          </a:prstGeom>
+        </p:spPr>
+      </p:pic>
+      <p:pic>
+        <p:nvPicPr>
+          <p:cNvPr id="8" name="그림 7"/>
+          <p:cNvPicPr>
+            <a:picLocks noChangeAspect="1"/>
+          </p:cNvPicPr>
+          <p:nvPr/>
+        </p:nvPicPr>
+        <p:blipFill>
+          <a:blip r:embed="rId4"/>
+          <a:stretch>
+            <a:fillRect/>
+          </a:stretch>
+        </p:blipFill>
+        <p:spPr>
+          <a:xfrm>
+            <a:off x="152400" y="2715650"/>
+            <a:ext cx="8513037" cy="6314050"/>
+          </a:xfrm>
+          <a:prstGeom prst="rect">
+            <a:avLst/>
+          </a:prstGeom>
+        </p:spPr>
+      </p:pic>
+      <p:pic>
+        <p:nvPicPr>
+          <p:cNvPr id="9" name="그림 8"/>
+          <p:cNvPicPr>
+            <a:picLocks noChangeAspect="1"/>
+          </p:cNvPicPr>
+          <p:nvPr/>
+        </p:nvPicPr>
+        <p:blipFill>
+          <a:blip r:embed="rId5"/>
+          <a:stretch>
+            <a:fillRect/>
+          </a:stretch>
+        </p:blipFill>
+        <p:spPr>
+          <a:xfrm>
+            <a:off x="9594166" y="4152900"/>
+            <a:ext cx="4960034" cy="4416171"/>
+          </a:xfrm>
+          <a:prstGeom prst="rect">
+            <a:avLst/>
+          </a:prstGeom>
+        </p:spPr>
+      </p:pic>
+    </p:spTree>
+    <p:extLst>
+      <p:ext uri="{BB962C8B-B14F-4D97-AF65-F5344CB8AC3E}">
+        <p14:creationId xmlns:p14="http://schemas.microsoft.com/office/powerpoint/2010/main" val="1911505953"/>
+      </p:ext>
+    </p:extLst>
+  </p:cSld>
+  <p:clrMapOvr>
+    <a:masterClrMapping/>
+  </p:clrMapOvr>
+  <p:timing>
+    <p:tnLst>
+      <p:par>
+        <p:cTn id="1" dur="indefinite" restart="never" nodeType="tmRoot">
+          <p:childTnLst>
+            <p:seq concurrent="1" nextAc="seek">
+              <p:cTn id="2" dur="indefinite" nodeType="mainSeq">
+                <p:childTnLst>
+                  <p:par>
+                    <p:cTn id="3" fill="hold">
+                      <p:stCondLst>
+                        <p:cond delay="indefinite"/>
+                      </p:stCondLst>
+                      <p:childTnLst>
+                        <p:par>
+                          <p:cTn id="4" fill="hold">
+                            <p:stCondLst>
+                              <p:cond delay="0"/>
+                            </p:stCondLst>
+                            <p:childTnLst>
+                              <p:par>
+                                <p:cTn id="5" presetID="1" presetClass="entr" presetSubtype="0" fill="hold" nodeType="clickEffect">
+                                  <p:stCondLst>
+                                    <p:cond delay="0"/>
+                                  </p:stCondLst>
+                                  <p:childTnLst>
+                                    <p:set>
+                                      <p:cBhvr>
+                                        <p:cTn id="6" dur="1" fill="hold">
+                                          <p:stCondLst>
+                                            <p:cond delay="0"/>
+                                          </p:stCondLst>
+                                        </p:cTn>
+                                        <p:tgtEl>
+                                          <p:spTgt spid="9"/>
+                                        </p:tgtEl>
+                                        <p:attrNameLst>
+                                          <p:attrName>style.visibility</p:attrName>
+                                        </p:attrNameLst>
+                                      </p:cBhvr>
+                                      <p:to>
+                                        <p:strVal val="visible"/>
+                                      </p:to>
+                                    </p:set>
+                                  </p:childTnLst>
+                                </p:cTn>
+                              </p:par>
+                            </p:childTnLst>
+                          </p:cTn>
+                        </p:par>
+                      </p:childTnLst>
+                    </p:cTn>
+                  </p:par>
+                </p:childTnLst>
+              </p:cTn>
+              <p:prevCondLst>
+                <p:cond evt="onPrev" delay="0">
+                  <p:tgtEl>
+                    <p:sldTgt/>
+                  </p:tgtEl>
+                </p:cond>
+              </p:prevCondLst>
+              <p:nextCondLst>
+                <p:cond evt="onNext" delay="0">
+                  <p:tgtEl>
+                    <p:sldTgt/>
+                  </p:tgtEl>
+                </p:cond>
+              </p:nextCondLst>
+            </p:seq>
+          </p:childTnLst>
+        </p:cTn>
+      </p:par>
+    </p:tnLst>
+  </p:timing>
+</p:sld>
+</file>
+
+<file path=ppt/slides/slide41.xml><?xml version="1.0" encoding="utf-8"?>
+<p:sld xmlns:a="http://schemas.openxmlformats.org/drawingml/2006/main" xmlns:r="http://schemas.openxmlformats.org/officeDocument/2006/relationships" xmlns:p="http://schemas.openxmlformats.org/presentationml/2006/main">
+  <p:cSld>
+    <p:spTree>
+      <p:nvGrpSpPr>
+        <p:cNvPr id="1" name=""/>
+        <p:cNvGrpSpPr/>
+        <p:nvPr/>
+      </p:nvGrpSpPr>
+      <p:grpSpPr>
+        <a:xfrm>
+          <a:off x="0" y="0"/>
+          <a:ext cx="0" cy="0"/>
+          <a:chOff x="0" y="0"/>
+          <a:chExt cx="0" cy="0"/>
+        </a:xfrm>
+      </p:grpSpPr>
       <p:graphicFrame>
         <p:nvGraphicFramePr>
           <p:cNvPr id="5" name="표 4"/>
@@ -20494,14 +20670,14 @@
                 <a:gridCol w="2537224">
                   <a:extLst>
                     <a:ext uri="{9D8B030D-6E8A-4147-A177-3AD203B41FA5}">
-                      <a16:colId xmlns:a16="http://schemas.microsoft.com/office/drawing/2014/main" xmlns="" val="20000"/>
+                      <a16:colId xmlns="" xmlns:a16="http://schemas.microsoft.com/office/drawing/2014/main" val="20000"/>
                     </a:ext>
                   </a:extLst>
                 </a:gridCol>
                 <a:gridCol w="2568176">
                   <a:extLst>
                     <a:ext uri="{9D8B030D-6E8A-4147-A177-3AD203B41FA5}">
-                      <a16:colId xmlns:a16="http://schemas.microsoft.com/office/drawing/2014/main" xmlns="" val="20001"/>
+                      <a16:colId xmlns="" xmlns:a16="http://schemas.microsoft.com/office/drawing/2014/main" val="20001"/>
                     </a:ext>
                   </a:extLst>
                 </a:gridCol>
@@ -20630,7 +20806,7 @@
                 </a:tc>
                 <a:extLst>
                   <a:ext uri="{0D108BD9-81ED-4DB2-BD59-A6C34878D82A}">
-                    <a16:rowId xmlns:a16="http://schemas.microsoft.com/office/drawing/2014/main" xmlns="" val="10000"/>
+                    <a16:rowId xmlns="" xmlns:a16="http://schemas.microsoft.com/office/drawing/2014/main" val="10000"/>
                   </a:ext>
                 </a:extLst>
               </a:tr>
@@ -20783,7 +20959,7 @@
                 </a:tc>
                 <a:extLst>
                   <a:ext uri="{0D108BD9-81ED-4DB2-BD59-A6C34878D82A}">
-                    <a16:rowId xmlns:a16="http://schemas.microsoft.com/office/drawing/2014/main" xmlns="" val="10001"/>
+                    <a16:rowId xmlns="" xmlns:a16="http://schemas.microsoft.com/office/drawing/2014/main" val="10001"/>
                   </a:ext>
                 </a:extLst>
               </a:tr>
@@ -20904,7 +21080,7 @@
                 </a:tc>
                 <a:extLst>
                   <a:ext uri="{0D108BD9-81ED-4DB2-BD59-A6C34878D82A}">
-                    <a16:rowId xmlns:a16="http://schemas.microsoft.com/office/drawing/2014/main" xmlns="" val="10002"/>
+                    <a16:rowId xmlns="" xmlns:a16="http://schemas.microsoft.com/office/drawing/2014/main" val="10002"/>
                   </a:ext>
                 </a:extLst>
               </a:tr>
@@ -20917,7 +21093,7 @@
           <p:cNvPr id="2" name="표 1">
             <a:extLst>
               <a:ext uri="{FF2B5EF4-FFF2-40B4-BE49-F238E27FC236}">
-                <a16:creationId xmlns:a16="http://schemas.microsoft.com/office/drawing/2014/main" xmlns="" id="{997BE140-4E76-8C74-849E-0234D3CEC4C7}"/>
+                <a16:creationId xmlns="" xmlns:a16="http://schemas.microsoft.com/office/drawing/2014/main" id="{997BE140-4E76-8C74-849E-0234D3CEC4C7}"/>
               </a:ext>
             </a:extLst>
           </p:cNvPr>
@@ -20946,7 +21122,7 @@
                 <a:gridCol w="2568176">
                   <a:extLst>
                     <a:ext uri="{9D8B030D-6E8A-4147-A177-3AD203B41FA5}">
-                      <a16:colId xmlns:a16="http://schemas.microsoft.com/office/drawing/2014/main" xmlns="" val="20001"/>
+                      <a16:colId xmlns="" xmlns:a16="http://schemas.microsoft.com/office/drawing/2014/main" val="20001"/>
                     </a:ext>
                   </a:extLst>
                 </a:gridCol>
@@ -21019,7 +21195,7 @@
                 </a:tc>
                 <a:extLst>
                   <a:ext uri="{0D108BD9-81ED-4DB2-BD59-A6C34878D82A}">
-                    <a16:rowId xmlns:a16="http://schemas.microsoft.com/office/drawing/2014/main" xmlns="" val="10000"/>
+                    <a16:rowId xmlns="" xmlns:a16="http://schemas.microsoft.com/office/drawing/2014/main" val="10000"/>
                   </a:ext>
                 </a:extLst>
               </a:tr>
@@ -21099,7 +21275,7 @@
                 </a:tc>
                 <a:extLst>
                   <a:ext uri="{0D108BD9-81ED-4DB2-BD59-A6C34878D82A}">
-                    <a16:rowId xmlns:a16="http://schemas.microsoft.com/office/drawing/2014/main" xmlns="" val="10001"/>
+                    <a16:rowId xmlns="" xmlns:a16="http://schemas.microsoft.com/office/drawing/2014/main" val="10001"/>
                   </a:ext>
                 </a:extLst>
               </a:tr>
@@ -21112,7 +21288,7 @@
           <p:cNvPr id="3" name="직선 화살표 연결선 2">
             <a:extLst>
               <a:ext uri="{FF2B5EF4-FFF2-40B4-BE49-F238E27FC236}">
-                <a16:creationId xmlns:a16="http://schemas.microsoft.com/office/drawing/2014/main" xmlns="" id="{73D6F2B2-EE0B-D6BD-4C3A-D7719A76DB6E}"/>
+                <a16:creationId xmlns="" xmlns:a16="http://schemas.microsoft.com/office/drawing/2014/main" id="{73D6F2B2-EE0B-D6BD-4C3A-D7719A76DB6E}"/>
               </a:ext>
             </a:extLst>
           </p:cNvPr>
@@ -21153,7 +21329,7 @@
           <p:cNvPr id="7" name="곱셈 기호 31">
             <a:extLst>
               <a:ext uri="{FF2B5EF4-FFF2-40B4-BE49-F238E27FC236}">
-                <a16:creationId xmlns:a16="http://schemas.microsoft.com/office/drawing/2014/main" xmlns="" id="{6BF67940-62CB-794B-EBE7-0F8173BA6D01}"/>
+                <a16:creationId xmlns="" xmlns:a16="http://schemas.microsoft.com/office/drawing/2014/main" id="{6BF67940-62CB-794B-EBE7-0F8173BA6D01}"/>
               </a:ext>
             </a:extLst>
           </p:cNvPr>
@@ -21209,7 +21385,7 @@
           <p:cNvPr id="9" name="TextBox 8">
             <a:extLst>
               <a:ext uri="{FF2B5EF4-FFF2-40B4-BE49-F238E27FC236}">
-                <a16:creationId xmlns:a16="http://schemas.microsoft.com/office/drawing/2014/main" xmlns="" id="{D64AB9AE-91FF-074E-A3DA-9241D7BF90DF}"/>
+                <a16:creationId xmlns="" xmlns:a16="http://schemas.microsoft.com/office/drawing/2014/main" id="{D64AB9AE-91FF-074E-A3DA-9241D7BF90DF}"/>
               </a:ext>
             </a:extLst>
           </p:cNvPr>
@@ -21446,7 +21622,7 @@
 </p:sld>
 </file>
 
-<file path=ppt/slides/slide41.xml><?xml version="1.0" encoding="utf-8"?>
+<file path=ppt/slides/slide42.xml><?xml version="1.0" encoding="utf-8"?>
 <p:sld xmlns:a="http://schemas.openxmlformats.org/drawingml/2006/main" xmlns:r="http://schemas.openxmlformats.org/officeDocument/2006/relationships" xmlns:p="http://schemas.openxmlformats.org/presentationml/2006/main">
   <p:cSld>
     <p:spTree>
@@ -21516,7 +21692,7 @@
           <p:cNvPr id="2" name="TextBox 1">
             <a:extLst>
               <a:ext uri="{FF2B5EF4-FFF2-40B4-BE49-F238E27FC236}">
-                <a16:creationId xmlns:a16="http://schemas.microsoft.com/office/drawing/2014/main" xmlns="" id="{AF6E8CE0-4782-3A99-AD4F-3684390C1016}"/>
+                <a16:creationId xmlns="" xmlns:a16="http://schemas.microsoft.com/office/drawing/2014/main" id="{AF6E8CE0-4782-3A99-AD4F-3684390C1016}"/>
               </a:ext>
             </a:extLst>
           </p:cNvPr>
@@ -21573,107 +21749,6 @@
     <p:extLst>
       <p:ext uri="{BB962C8B-B14F-4D97-AF65-F5344CB8AC3E}">
         <p14:creationId xmlns:p14="http://schemas.microsoft.com/office/powerpoint/2010/main" val="3360716643"/>
-      </p:ext>
-    </p:extLst>
-  </p:cSld>
-  <p:clrMapOvr>
-    <a:masterClrMapping/>
-  </p:clrMapOvr>
-</p:sld>
-</file>
-
-<file path=ppt/slides/slide42.xml><?xml version="1.0" encoding="utf-8"?>
-<p:sld xmlns:a="http://schemas.openxmlformats.org/drawingml/2006/main" xmlns:r="http://schemas.openxmlformats.org/officeDocument/2006/relationships" xmlns:p="http://schemas.openxmlformats.org/presentationml/2006/main">
-  <p:cSld>
-    <p:spTree>
-      <p:nvGrpSpPr>
-        <p:cNvPr id="1" name=""/>
-        <p:cNvGrpSpPr/>
-        <p:nvPr/>
-      </p:nvGrpSpPr>
-      <p:grpSpPr>
-        <a:xfrm>
-          <a:off x="0" y="0"/>
-          <a:ext cx="0" cy="0"/>
-          <a:chOff x="0" y="0"/>
-          <a:chExt cx="0" cy="0"/>
-        </a:xfrm>
-      </p:grpSpPr>
-      <p:sp>
-        <p:nvSpPr>
-          <p:cNvPr id="4" name="TextBox 3">
-            <a:extLst>
-              <a:ext uri="{FF2B5EF4-FFF2-40B4-BE49-F238E27FC236}">
-                <a16:creationId xmlns:a16="http://schemas.microsoft.com/office/drawing/2014/main" xmlns="" id="{5ADC00B6-990A-40DC-3CEA-505258F5E8DA}"/>
-              </a:ext>
-            </a:extLst>
-          </p:cNvPr>
-          <p:cNvSpPr txBox="1"/>
-          <p:nvPr/>
-        </p:nvSpPr>
-        <p:spPr>
-          <a:xfrm>
-            <a:off x="685800" y="4229100"/>
-            <a:ext cx="17754600" cy="1015663"/>
-          </a:xfrm>
-          <a:prstGeom prst="rect">
-            <a:avLst/>
-          </a:prstGeom>
-          <a:noFill/>
-        </p:spPr>
-        <p:txBody>
-          <a:bodyPr wrap="square" rtlCol="0">
-            <a:spAutoFit/>
-          </a:bodyPr>
-          <a:lstStyle/>
-          <a:p>
-            <a:r>
-              <a:rPr lang="ko-KR" altLang="en-US" sz="6000" dirty="0">
-                <a:solidFill>
-                  <a:srgbClr val="4C50BC"/>
-                </a:solidFill>
-                <a:latin typeface="G마켓 산스 Medium" panose="02000000000000000000" pitchFamily="50" charset="-127"/>
-                <a:ea typeface="G마켓 산스 Medium" panose="02000000000000000000" pitchFamily="50" charset="-127"/>
-              </a:rPr>
-              <a:t>부모로부터 상속받은 메서드를 </a:t>
-            </a:r>
-            <a:r>
-              <a:rPr lang="ko-KR" altLang="en-US" sz="6000" dirty="0" err="1">
-                <a:solidFill>
-                  <a:srgbClr val="4C50BC"/>
-                </a:solidFill>
-                <a:latin typeface="G마켓 산스 Medium" panose="02000000000000000000" pitchFamily="50" charset="-127"/>
-                <a:ea typeface="G마켓 산스 Medium" panose="02000000000000000000" pitchFamily="50" charset="-127"/>
-              </a:rPr>
-              <a:t>재사용할수</a:t>
-            </a:r>
-            <a:r>
-              <a:rPr lang="ko-KR" altLang="en-US" sz="6000" dirty="0">
-                <a:solidFill>
-                  <a:srgbClr val="4C50BC"/>
-                </a:solidFill>
-                <a:latin typeface="G마켓 산스 Medium" panose="02000000000000000000" pitchFamily="50" charset="-127"/>
-                <a:ea typeface="G마켓 산스 Medium" panose="02000000000000000000" pitchFamily="50" charset="-127"/>
-              </a:rPr>
-              <a:t> 없을까</a:t>
-            </a:r>
-            <a:r>
-              <a:rPr lang="en-US" altLang="ko-KR" sz="6000" dirty="0">
-                <a:solidFill>
-                  <a:srgbClr val="4C50BC"/>
-                </a:solidFill>
-                <a:latin typeface="G마켓 산스 Medium" panose="02000000000000000000" pitchFamily="50" charset="-127"/>
-                <a:ea typeface="G마켓 산스 Medium" panose="02000000000000000000" pitchFamily="50" charset="-127"/>
-              </a:rPr>
-              <a:t>?</a:t>
-            </a:r>
-          </a:p>
-        </p:txBody>
-      </p:sp>
-    </p:spTree>
-    <p:extLst>
-      <p:ext uri="{BB962C8B-B14F-4D97-AF65-F5344CB8AC3E}">
-        <p14:creationId xmlns:p14="http://schemas.microsoft.com/office/powerpoint/2010/main" val="817839677"/>
       </p:ext>
     </p:extLst>
   </p:cSld>
@@ -21700,6 +21775,107 @@
           <a:chExt cx="0" cy="0"/>
         </a:xfrm>
       </p:grpSpPr>
+      <p:sp>
+        <p:nvSpPr>
+          <p:cNvPr id="4" name="TextBox 3">
+            <a:extLst>
+              <a:ext uri="{FF2B5EF4-FFF2-40B4-BE49-F238E27FC236}">
+                <a16:creationId xmlns="" xmlns:a16="http://schemas.microsoft.com/office/drawing/2014/main" id="{5ADC00B6-990A-40DC-3CEA-505258F5E8DA}"/>
+              </a:ext>
+            </a:extLst>
+          </p:cNvPr>
+          <p:cNvSpPr txBox="1"/>
+          <p:nvPr/>
+        </p:nvSpPr>
+        <p:spPr>
+          <a:xfrm>
+            <a:off x="685800" y="4229100"/>
+            <a:ext cx="17754600" cy="1015663"/>
+          </a:xfrm>
+          <a:prstGeom prst="rect">
+            <a:avLst/>
+          </a:prstGeom>
+          <a:noFill/>
+        </p:spPr>
+        <p:txBody>
+          <a:bodyPr wrap="square" rtlCol="0">
+            <a:spAutoFit/>
+          </a:bodyPr>
+          <a:lstStyle/>
+          <a:p>
+            <a:r>
+              <a:rPr lang="ko-KR" altLang="en-US" sz="6000" dirty="0">
+                <a:solidFill>
+                  <a:srgbClr val="4C50BC"/>
+                </a:solidFill>
+                <a:latin typeface="G마켓 산스 Medium" panose="02000000000000000000" pitchFamily="50" charset="-127"/>
+                <a:ea typeface="G마켓 산스 Medium" panose="02000000000000000000" pitchFamily="50" charset="-127"/>
+              </a:rPr>
+              <a:t>부모로부터 상속받은 메서드를 </a:t>
+            </a:r>
+            <a:r>
+              <a:rPr lang="ko-KR" altLang="en-US" sz="6000" dirty="0" err="1">
+                <a:solidFill>
+                  <a:srgbClr val="4C50BC"/>
+                </a:solidFill>
+                <a:latin typeface="G마켓 산스 Medium" panose="02000000000000000000" pitchFamily="50" charset="-127"/>
+                <a:ea typeface="G마켓 산스 Medium" panose="02000000000000000000" pitchFamily="50" charset="-127"/>
+              </a:rPr>
+              <a:t>재사용할수</a:t>
+            </a:r>
+            <a:r>
+              <a:rPr lang="ko-KR" altLang="en-US" sz="6000" dirty="0">
+                <a:solidFill>
+                  <a:srgbClr val="4C50BC"/>
+                </a:solidFill>
+                <a:latin typeface="G마켓 산스 Medium" panose="02000000000000000000" pitchFamily="50" charset="-127"/>
+                <a:ea typeface="G마켓 산스 Medium" panose="02000000000000000000" pitchFamily="50" charset="-127"/>
+              </a:rPr>
+              <a:t> 없을까</a:t>
+            </a:r>
+            <a:r>
+              <a:rPr lang="en-US" altLang="ko-KR" sz="6000" dirty="0">
+                <a:solidFill>
+                  <a:srgbClr val="4C50BC"/>
+                </a:solidFill>
+                <a:latin typeface="G마켓 산스 Medium" panose="02000000000000000000" pitchFamily="50" charset="-127"/>
+                <a:ea typeface="G마켓 산스 Medium" panose="02000000000000000000" pitchFamily="50" charset="-127"/>
+              </a:rPr>
+              <a:t>?</a:t>
+            </a:r>
+          </a:p>
+        </p:txBody>
+      </p:sp>
+    </p:spTree>
+    <p:extLst>
+      <p:ext uri="{BB962C8B-B14F-4D97-AF65-F5344CB8AC3E}">
+        <p14:creationId xmlns:p14="http://schemas.microsoft.com/office/powerpoint/2010/main" val="817839677"/>
+      </p:ext>
+    </p:extLst>
+  </p:cSld>
+  <p:clrMapOvr>
+    <a:masterClrMapping/>
+  </p:clrMapOvr>
+</p:sld>
+</file>
+
+<file path=ppt/slides/slide44.xml><?xml version="1.0" encoding="utf-8"?>
+<p:sld xmlns:a="http://schemas.openxmlformats.org/drawingml/2006/main" xmlns:r="http://schemas.openxmlformats.org/officeDocument/2006/relationships" xmlns:p="http://schemas.openxmlformats.org/presentationml/2006/main">
+  <p:cSld>
+    <p:spTree>
+      <p:nvGrpSpPr>
+        <p:cNvPr id="1" name=""/>
+        <p:cNvGrpSpPr/>
+        <p:nvPr/>
+      </p:nvGrpSpPr>
+      <p:grpSpPr>
+        <a:xfrm>
+          <a:off x="0" y="0"/>
+          <a:ext cx="0" cy="0"/>
+          <a:chOff x="0" y="0"/>
+          <a:chExt cx="0" cy="0"/>
+        </a:xfrm>
+      </p:grpSpPr>
       <p:pic>
         <p:nvPicPr>
           <p:cNvPr id="4" name="그림 3"/>
@@ -21753,7 +21929,7 @@
           <p:cNvPr id="6" name="직사각형 5">
             <a:extLst>
               <a:ext uri="{FF2B5EF4-FFF2-40B4-BE49-F238E27FC236}">
-                <a16:creationId xmlns:a16="http://schemas.microsoft.com/office/drawing/2014/main" xmlns="" id="{FFF506F9-840A-0508-4CAF-3AC711D8D5CE}"/>
+                <a16:creationId xmlns="" xmlns:a16="http://schemas.microsoft.com/office/drawing/2014/main" id="{FFF506F9-840A-0508-4CAF-3AC711D8D5CE}"/>
               </a:ext>
             </a:extLst>
           </p:cNvPr>
@@ -21805,7 +21981,7 @@
           <p:cNvPr id="2" name="TextBox 1">
             <a:extLst>
               <a:ext uri="{FF2B5EF4-FFF2-40B4-BE49-F238E27FC236}">
-                <a16:creationId xmlns:a16="http://schemas.microsoft.com/office/drawing/2014/main" xmlns="" id="{8BD2ED5A-5CA2-F84F-13E6-A2AC3854D891}"/>
+                <a16:creationId xmlns="" xmlns:a16="http://schemas.microsoft.com/office/drawing/2014/main" id="{8BD2ED5A-5CA2-F84F-13E6-A2AC3854D891}"/>
               </a:ext>
             </a:extLst>
           </p:cNvPr>
@@ -21815,7 +21991,7 @@
         <p:spPr>
           <a:xfrm>
             <a:off x="914400" y="419100"/>
-            <a:ext cx="4267200" cy="830997"/>
+            <a:ext cx="5638800" cy="830997"/>
           </a:xfrm>
           <a:prstGeom prst="rect">
             <a:avLst/>
@@ -21871,7 +22047,7 @@
 </p:sld>
 </file>
 
-<file path=ppt/slides/slide44.xml><?xml version="1.0" encoding="utf-8"?>
+<file path=ppt/slides/slide45.xml><?xml version="1.0" encoding="utf-8"?>
 <p:sld xmlns:a="http://schemas.openxmlformats.org/drawingml/2006/main" xmlns:r="http://schemas.openxmlformats.org/officeDocument/2006/relationships" xmlns:p="http://schemas.openxmlformats.org/presentationml/2006/main">
   <p:cSld>
     <p:spTree>
@@ -21917,7 +22093,7 @@
           <p:cNvPr id="3" name="그림 2">
             <a:extLst>
               <a:ext uri="{FF2B5EF4-FFF2-40B4-BE49-F238E27FC236}">
-                <a16:creationId xmlns:a16="http://schemas.microsoft.com/office/drawing/2014/main" xmlns="" id="{63973ADD-1310-B140-4EAA-B78003F051BC}"/>
+                <a16:creationId xmlns="" xmlns:a16="http://schemas.microsoft.com/office/drawing/2014/main" id="{63973ADD-1310-B140-4EAA-B78003F051BC}"/>
               </a:ext>
             </a:extLst>
           </p:cNvPr>
@@ -21947,7 +22123,7 @@
           <p:cNvPr id="6" name="직사각형 5">
             <a:extLst>
               <a:ext uri="{FF2B5EF4-FFF2-40B4-BE49-F238E27FC236}">
-                <a16:creationId xmlns:a16="http://schemas.microsoft.com/office/drawing/2014/main" xmlns="" id="{D4194E25-989E-0C55-B712-570C7D5091F0}"/>
+                <a16:creationId xmlns="" xmlns:a16="http://schemas.microsoft.com/office/drawing/2014/main" id="{D4194E25-989E-0C55-B712-570C7D5091F0}"/>
               </a:ext>
             </a:extLst>
           </p:cNvPr>
@@ -21999,7 +22175,7 @@
           <p:cNvPr id="8" name="그림 7">
             <a:extLst>
               <a:ext uri="{FF2B5EF4-FFF2-40B4-BE49-F238E27FC236}">
-                <a16:creationId xmlns:a16="http://schemas.microsoft.com/office/drawing/2014/main" xmlns="" id="{1F34AA6C-44C4-4AAC-1FC2-230C55141948}"/>
+                <a16:creationId xmlns="" xmlns:a16="http://schemas.microsoft.com/office/drawing/2014/main" id="{1F34AA6C-44C4-4AAC-1FC2-230C55141948}"/>
               </a:ext>
             </a:extLst>
           </p:cNvPr>
@@ -22029,7 +22205,7 @@
           <p:cNvPr id="9" name="직사각형 8">
             <a:extLst>
               <a:ext uri="{FF2B5EF4-FFF2-40B4-BE49-F238E27FC236}">
-                <a16:creationId xmlns:a16="http://schemas.microsoft.com/office/drawing/2014/main" xmlns="" id="{39C40DE3-07FC-5B3E-1952-F1D0DDF51453}"/>
+                <a16:creationId xmlns="" xmlns:a16="http://schemas.microsoft.com/office/drawing/2014/main" id="{39C40DE3-07FC-5B3E-1952-F1D0DDF51453}"/>
               </a:ext>
             </a:extLst>
           </p:cNvPr>
@@ -22089,7 +22265,7 @@
 </p:sld>
 </file>
 
-<file path=ppt/slides/slide45.xml><?xml version="1.0" encoding="utf-8"?>
+<file path=ppt/slides/slide46.xml><?xml version="1.0" encoding="utf-8"?>
 <p:sld xmlns:a="http://schemas.openxmlformats.org/drawingml/2006/main" xmlns:r="http://schemas.openxmlformats.org/officeDocument/2006/relationships" xmlns:p="http://schemas.openxmlformats.org/presentationml/2006/main">
   <p:cSld>
     <p:spTree>
@@ -22111,7 +22287,7 @@
           <p:cNvPr id="4" name="TextBox 3">
             <a:extLst>
               <a:ext uri="{FF2B5EF4-FFF2-40B4-BE49-F238E27FC236}">
-                <a16:creationId xmlns:a16="http://schemas.microsoft.com/office/drawing/2014/main" xmlns="" id="{E7F95338-D8E8-1A47-9B0B-2BEC0D129ACB}"/>
+                <a16:creationId xmlns="" xmlns:a16="http://schemas.microsoft.com/office/drawing/2014/main" id="{E7F95338-D8E8-1A47-9B0B-2BEC0D129ACB}"/>
               </a:ext>
             </a:extLst>
           </p:cNvPr>
@@ -22172,7 +22348,7 @@
           <p:cNvPr id="5" name="TextBox 4">
             <a:extLst>
               <a:ext uri="{FF2B5EF4-FFF2-40B4-BE49-F238E27FC236}">
-                <a16:creationId xmlns:a16="http://schemas.microsoft.com/office/drawing/2014/main" xmlns="" id="{D40AEE29-AEAC-513F-8C7B-D77B52819A0F}"/>
+                <a16:creationId xmlns="" xmlns:a16="http://schemas.microsoft.com/office/drawing/2014/main" id="{D40AEE29-AEAC-513F-8C7B-D77B52819A0F}"/>
               </a:ext>
             </a:extLst>
           </p:cNvPr>
@@ -22571,7 +22747,7 @@
 </p:sld>
 </file>
 
-<file path=ppt/slides/slide46.xml><?xml version="1.0" encoding="utf-8"?>
+<file path=ppt/slides/slide47.xml><?xml version="1.0" encoding="utf-8"?>
 <p:sld xmlns:a="http://schemas.openxmlformats.org/drawingml/2006/main" xmlns:r="http://schemas.openxmlformats.org/officeDocument/2006/relationships" xmlns:p="http://schemas.openxmlformats.org/presentationml/2006/main">
   <p:cSld>
     <p:spTree>
@@ -22593,7 +22769,7 @@
           <p:cNvPr id="5" name="그림 4">
             <a:extLst>
               <a:ext uri="{FF2B5EF4-FFF2-40B4-BE49-F238E27FC236}">
-                <a16:creationId xmlns:a16="http://schemas.microsoft.com/office/drawing/2014/main" xmlns="" id="{4C1E5A44-674D-671D-9AB9-96FADBF3612B}"/>
+                <a16:creationId xmlns="" xmlns:a16="http://schemas.microsoft.com/office/drawing/2014/main" id="{4C1E5A44-674D-671D-9AB9-96FADBF3612B}"/>
               </a:ext>
             </a:extLst>
           </p:cNvPr>
@@ -22623,7 +22799,7 @@
           <p:cNvPr id="6" name="직선 화살표 연결선 5">
             <a:extLst>
               <a:ext uri="{FF2B5EF4-FFF2-40B4-BE49-F238E27FC236}">
-                <a16:creationId xmlns:a16="http://schemas.microsoft.com/office/drawing/2014/main" xmlns="" id="{75908EAF-DC59-A016-BC77-60D68A02BC58}"/>
+                <a16:creationId xmlns="" xmlns:a16="http://schemas.microsoft.com/office/drawing/2014/main" id="{75908EAF-DC59-A016-BC77-60D68A02BC58}"/>
               </a:ext>
             </a:extLst>
           </p:cNvPr>
@@ -22664,7 +22840,7 @@
           <p:cNvPr id="7" name="TextBox 6">
             <a:extLst>
               <a:ext uri="{FF2B5EF4-FFF2-40B4-BE49-F238E27FC236}">
-                <a16:creationId xmlns:a16="http://schemas.microsoft.com/office/drawing/2014/main" xmlns="" id="{E63F965D-29AF-DE1C-5B98-DBB3BB85DFAE}"/>
+                <a16:creationId xmlns="" xmlns:a16="http://schemas.microsoft.com/office/drawing/2014/main" id="{E63F965D-29AF-DE1C-5B98-DBB3BB85DFAE}"/>
               </a:ext>
             </a:extLst>
           </p:cNvPr>
@@ -22715,7 +22891,7 @@
           <p:cNvPr id="9" name="그림 8">
             <a:extLst>
               <a:ext uri="{FF2B5EF4-FFF2-40B4-BE49-F238E27FC236}">
-                <a16:creationId xmlns:a16="http://schemas.microsoft.com/office/drawing/2014/main" xmlns="" id="{ABEEEEFF-3C09-B89D-E9C1-0E692C4188B0}"/>
+                <a16:creationId xmlns="" xmlns:a16="http://schemas.microsoft.com/office/drawing/2014/main" id="{ABEEEEFF-3C09-B89D-E9C1-0E692C4188B0}"/>
               </a:ext>
             </a:extLst>
           </p:cNvPr>
@@ -22745,7 +22921,7 @@
           <p:cNvPr id="10" name="직선 화살표 연결선 9">
             <a:extLst>
               <a:ext uri="{FF2B5EF4-FFF2-40B4-BE49-F238E27FC236}">
-                <a16:creationId xmlns:a16="http://schemas.microsoft.com/office/drawing/2014/main" xmlns="" id="{72748C94-A7E3-EBE6-4E54-D9C607D67005}"/>
+                <a16:creationId xmlns="" xmlns:a16="http://schemas.microsoft.com/office/drawing/2014/main" id="{72748C94-A7E3-EBE6-4E54-D9C607D67005}"/>
               </a:ext>
             </a:extLst>
           </p:cNvPr>
@@ -22787,7 +22963,7 @@
           <p:cNvPr id="11" name="TextBox 10">
             <a:extLst>
               <a:ext uri="{FF2B5EF4-FFF2-40B4-BE49-F238E27FC236}">
-                <a16:creationId xmlns:a16="http://schemas.microsoft.com/office/drawing/2014/main" xmlns="" id="{66DF052C-9323-9F8D-4857-1B2D989FFF9F}"/>
+                <a16:creationId xmlns="" xmlns:a16="http://schemas.microsoft.com/office/drawing/2014/main" id="{66DF052C-9323-9F8D-4857-1B2D989FFF9F}"/>
               </a:ext>
             </a:extLst>
           </p:cNvPr>
@@ -22876,7 +23052,7 @@
 </p:sld>
 </file>
 
-<file path=ppt/slides/slide47.xml><?xml version="1.0" encoding="utf-8"?>
+<file path=ppt/slides/slide48.xml><?xml version="1.0" encoding="utf-8"?>
 <p:sld xmlns:a="http://schemas.openxmlformats.org/drawingml/2006/main" xmlns:r="http://schemas.openxmlformats.org/officeDocument/2006/relationships" xmlns:p="http://schemas.openxmlformats.org/presentationml/2006/main">
   <p:cSld>
     <p:spTree>
@@ -22898,7 +23074,7 @@
           <p:cNvPr id="4" name="그룹 1018">
             <a:extLst>
               <a:ext uri="{FF2B5EF4-FFF2-40B4-BE49-F238E27FC236}">
-                <a16:creationId xmlns:a16="http://schemas.microsoft.com/office/drawing/2014/main" xmlns="" id="{88809E16-31F7-1F83-2FAC-75A0671E0E63}"/>
+                <a16:creationId xmlns="" xmlns:a16="http://schemas.microsoft.com/office/drawing/2014/main" id="{88809E16-31F7-1F83-2FAC-75A0671E0E63}"/>
               </a:ext>
             </a:extLst>
           </p:cNvPr>
@@ -22918,7 +23094,7 @@
             <p:cNvPr id="5" name="Object 61">
               <a:extLst>
                 <a:ext uri="{FF2B5EF4-FFF2-40B4-BE49-F238E27FC236}">
-                  <a16:creationId xmlns:a16="http://schemas.microsoft.com/office/drawing/2014/main" xmlns="" id="{E1173C9E-3171-FA64-34F6-A314CF0D2703}"/>
+                  <a16:creationId xmlns="" xmlns:a16="http://schemas.microsoft.com/office/drawing/2014/main" id="{E1173C9E-3171-FA64-34F6-A314CF0D2703}"/>
                 </a:ext>
               </a:extLst>
             </p:cNvPr>
@@ -22949,7 +23125,7 @@
           <p:cNvPr id="6" name="TextBox 5">
             <a:extLst>
               <a:ext uri="{FF2B5EF4-FFF2-40B4-BE49-F238E27FC236}">
-                <a16:creationId xmlns:a16="http://schemas.microsoft.com/office/drawing/2014/main" xmlns="" id="{32037D5E-FE66-9272-14CC-2284752BAAC1}"/>
+                <a16:creationId xmlns="" xmlns:a16="http://schemas.microsoft.com/office/drawing/2014/main" id="{32037D5E-FE66-9272-14CC-2284752BAAC1}"/>
               </a:ext>
             </a:extLst>
           </p:cNvPr>
@@ -22993,7 +23169,7 @@
           <p:cNvPr id="7" name="그룹 1018">
             <a:extLst>
               <a:ext uri="{FF2B5EF4-FFF2-40B4-BE49-F238E27FC236}">
-                <a16:creationId xmlns:a16="http://schemas.microsoft.com/office/drawing/2014/main" xmlns="" id="{1DBF8C05-A7A0-E308-2C72-A1A1D48209F9}"/>
+                <a16:creationId xmlns="" xmlns:a16="http://schemas.microsoft.com/office/drawing/2014/main" id="{1DBF8C05-A7A0-E308-2C72-A1A1D48209F9}"/>
               </a:ext>
             </a:extLst>
           </p:cNvPr>
@@ -23013,7 +23189,7 @@
             <p:cNvPr id="8" name="Object 61">
               <a:extLst>
                 <a:ext uri="{FF2B5EF4-FFF2-40B4-BE49-F238E27FC236}">
-                  <a16:creationId xmlns:a16="http://schemas.microsoft.com/office/drawing/2014/main" xmlns="" id="{8890B65A-EE37-9FB0-11D0-D9028D5D4030}"/>
+                  <a16:creationId xmlns="" xmlns:a16="http://schemas.microsoft.com/office/drawing/2014/main" id="{8890B65A-EE37-9FB0-11D0-D9028D5D4030}"/>
                 </a:ext>
               </a:extLst>
             </p:cNvPr>
@@ -23044,7 +23220,7 @@
           <p:cNvPr id="9" name="TextBox 8">
             <a:extLst>
               <a:ext uri="{FF2B5EF4-FFF2-40B4-BE49-F238E27FC236}">
-                <a16:creationId xmlns:a16="http://schemas.microsoft.com/office/drawing/2014/main" xmlns="" id="{03580C69-6090-E762-1CFF-CABCB1A1F84D}"/>
+                <a16:creationId xmlns="" xmlns:a16="http://schemas.microsoft.com/office/drawing/2014/main" id="{03580C69-6090-E762-1CFF-CABCB1A1F84D}"/>
               </a:ext>
             </a:extLst>
           </p:cNvPr>
@@ -23054,7 +23230,7 @@
         <p:spPr>
           <a:xfrm>
             <a:off x="8187669" y="3995306"/>
-            <a:ext cx="2023131" cy="707886"/>
+            <a:ext cx="2632731" cy="707886"/>
           </a:xfrm>
           <a:prstGeom prst="rect">
             <a:avLst/>
@@ -23088,7 +23264,7 @@
           <p:cNvPr id="10" name="그룹 1018">
             <a:extLst>
               <a:ext uri="{FF2B5EF4-FFF2-40B4-BE49-F238E27FC236}">
-                <a16:creationId xmlns:a16="http://schemas.microsoft.com/office/drawing/2014/main" xmlns="" id="{BD5EE8EE-7D57-CD91-F304-6250026830C6}"/>
+                <a16:creationId xmlns="" xmlns:a16="http://schemas.microsoft.com/office/drawing/2014/main" id="{BD5EE8EE-7D57-CD91-F304-6250026830C6}"/>
               </a:ext>
             </a:extLst>
           </p:cNvPr>
@@ -23108,7 +23284,7 @@
             <p:cNvPr id="11" name="Object 61">
               <a:extLst>
                 <a:ext uri="{FF2B5EF4-FFF2-40B4-BE49-F238E27FC236}">
-                  <a16:creationId xmlns:a16="http://schemas.microsoft.com/office/drawing/2014/main" xmlns="" id="{55D32D67-44A3-9BA9-40E1-962240690E74}"/>
+                  <a16:creationId xmlns="" xmlns:a16="http://schemas.microsoft.com/office/drawing/2014/main" id="{55D32D67-44A3-9BA9-40E1-962240690E74}"/>
                 </a:ext>
               </a:extLst>
             </p:cNvPr>
@@ -23139,7 +23315,7 @@
           <p:cNvPr id="12" name="TextBox 11">
             <a:extLst>
               <a:ext uri="{FF2B5EF4-FFF2-40B4-BE49-F238E27FC236}">
-                <a16:creationId xmlns:a16="http://schemas.microsoft.com/office/drawing/2014/main" xmlns="" id="{2E843C5C-F5F0-B014-4B60-31604E120CA8}"/>
+                <a16:creationId xmlns="" xmlns:a16="http://schemas.microsoft.com/office/drawing/2014/main" id="{2E843C5C-F5F0-B014-4B60-31604E120CA8}"/>
               </a:ext>
             </a:extLst>
           </p:cNvPr>
@@ -23149,7 +23325,7 @@
         <p:spPr>
           <a:xfrm>
             <a:off x="8187669" y="1680592"/>
-            <a:ext cx="2023131" cy="707886"/>
+            <a:ext cx="3394731" cy="707886"/>
           </a:xfrm>
           <a:prstGeom prst="rect">
             <a:avLst/>
@@ -23183,7 +23359,7 @@
           <p:cNvPr id="13" name="직선 화살표 연결선 12">
             <a:extLst>
               <a:ext uri="{FF2B5EF4-FFF2-40B4-BE49-F238E27FC236}">
-                <a16:creationId xmlns:a16="http://schemas.microsoft.com/office/drawing/2014/main" xmlns="" id="{D18E0CA5-8F28-6CF5-D994-34D82E76FA59}"/>
+                <a16:creationId xmlns="" xmlns:a16="http://schemas.microsoft.com/office/drawing/2014/main" id="{D18E0CA5-8F28-6CF5-D994-34D82E76FA59}"/>
               </a:ext>
             </a:extLst>
           </p:cNvPr>
@@ -23226,7 +23402,7 @@
           <p:cNvPr id="16" name="직선 화살표 연결선 15">
             <a:extLst>
               <a:ext uri="{FF2B5EF4-FFF2-40B4-BE49-F238E27FC236}">
-                <a16:creationId xmlns:a16="http://schemas.microsoft.com/office/drawing/2014/main" xmlns="" id="{63A2BB84-DB21-3B86-E191-9D086538A8E8}"/>
+                <a16:creationId xmlns="" xmlns:a16="http://schemas.microsoft.com/office/drawing/2014/main" id="{63A2BB84-DB21-3B86-E191-9D086538A8E8}"/>
               </a:ext>
             </a:extLst>
           </p:cNvPr>
@@ -23267,7 +23443,7 @@
           <p:cNvPr id="17" name="TextBox 16">
             <a:extLst>
               <a:ext uri="{FF2B5EF4-FFF2-40B4-BE49-F238E27FC236}">
-                <a16:creationId xmlns:a16="http://schemas.microsoft.com/office/drawing/2014/main" xmlns="" id="{F98D168E-7AFC-9208-1631-471768BCB29E}"/>
+                <a16:creationId xmlns="" xmlns:a16="http://schemas.microsoft.com/office/drawing/2014/main" id="{F98D168E-7AFC-9208-1631-471768BCB29E}"/>
               </a:ext>
             </a:extLst>
           </p:cNvPr>
@@ -23346,7 +23522,7 @@
 </p:sld>
 </file>
 
-<file path=ppt/slides/slide48.xml><?xml version="1.0" encoding="utf-8"?>
+<file path=ppt/slides/slide49.xml><?xml version="1.0" encoding="utf-8"?>
 <p:sld xmlns:a="http://schemas.openxmlformats.org/drawingml/2006/main" xmlns:r="http://schemas.openxmlformats.org/officeDocument/2006/relationships" xmlns:p="http://schemas.openxmlformats.org/presentationml/2006/main">
   <p:cSld>
     <p:spTree>
@@ -23368,7 +23544,7 @@
           <p:cNvPr id="15" name="그림 14">
             <a:extLst>
               <a:ext uri="{FF2B5EF4-FFF2-40B4-BE49-F238E27FC236}">
-                <a16:creationId xmlns:a16="http://schemas.microsoft.com/office/drawing/2014/main" xmlns="" id="{53724FB4-B4A1-0A70-1F84-114E17B93993}"/>
+                <a16:creationId xmlns="" xmlns:a16="http://schemas.microsoft.com/office/drawing/2014/main" id="{53724FB4-B4A1-0A70-1F84-114E17B93993}"/>
               </a:ext>
             </a:extLst>
           </p:cNvPr>
@@ -23398,7 +23574,7 @@
           <p:cNvPr id="5" name="그림 4">
             <a:extLst>
               <a:ext uri="{FF2B5EF4-FFF2-40B4-BE49-F238E27FC236}">
-                <a16:creationId xmlns:a16="http://schemas.microsoft.com/office/drawing/2014/main" xmlns="" id="{B3B08C97-DB9D-E09A-46A5-9DE74C54D1EA}"/>
+                <a16:creationId xmlns="" xmlns:a16="http://schemas.microsoft.com/office/drawing/2014/main" id="{B3B08C97-DB9D-E09A-46A5-9DE74C54D1EA}"/>
               </a:ext>
             </a:extLst>
           </p:cNvPr>
@@ -23428,7 +23604,7 @@
           <p:cNvPr id="10" name="직선 화살표 연결선 9">
             <a:extLst>
               <a:ext uri="{FF2B5EF4-FFF2-40B4-BE49-F238E27FC236}">
-                <a16:creationId xmlns:a16="http://schemas.microsoft.com/office/drawing/2014/main" xmlns="" id="{C07CC10E-FCEF-C096-5466-649AE800D608}"/>
+                <a16:creationId xmlns="" xmlns:a16="http://schemas.microsoft.com/office/drawing/2014/main" id="{C07CC10E-FCEF-C096-5466-649AE800D608}"/>
               </a:ext>
             </a:extLst>
           </p:cNvPr>
@@ -23469,7 +23645,7 @@
           <p:cNvPr id="11" name="직사각형 10">
             <a:extLst>
               <a:ext uri="{FF2B5EF4-FFF2-40B4-BE49-F238E27FC236}">
-                <a16:creationId xmlns:a16="http://schemas.microsoft.com/office/drawing/2014/main" xmlns="" id="{8E401B37-F787-3B11-93A1-BECFD1EFA32B}"/>
+                <a16:creationId xmlns="" xmlns:a16="http://schemas.microsoft.com/office/drawing/2014/main" id="{8E401B37-F787-3B11-93A1-BECFD1EFA32B}"/>
               </a:ext>
             </a:extLst>
           </p:cNvPr>
@@ -23521,7 +23697,7 @@
           <p:cNvPr id="12" name="TextBox 11">
             <a:extLst>
               <a:ext uri="{FF2B5EF4-FFF2-40B4-BE49-F238E27FC236}">
-                <a16:creationId xmlns:a16="http://schemas.microsoft.com/office/drawing/2014/main" xmlns="" id="{F1573BBE-058D-47FE-4B71-A1221360D1A1}"/>
+                <a16:creationId xmlns="" xmlns:a16="http://schemas.microsoft.com/office/drawing/2014/main" id="{F1573BBE-058D-47FE-4B71-A1221360D1A1}"/>
               </a:ext>
             </a:extLst>
           </p:cNvPr>
@@ -23743,7 +23919,4055 @@
 </p:sld>
 </file>
 
-<file path=ppt/slides/slide49.xml><?xml version="1.0" encoding="utf-8"?>
+<file path=ppt/slides/slide5.xml><?xml version="1.0" encoding="utf-8"?>
+<p:sld xmlns:a="http://schemas.openxmlformats.org/drawingml/2006/main" xmlns:r="http://schemas.openxmlformats.org/officeDocument/2006/relationships" xmlns:p="http://schemas.openxmlformats.org/presentationml/2006/main">
+  <p:cSld>
+    <p:spTree>
+      <p:nvGrpSpPr>
+        <p:cNvPr id="1" name=""/>
+        <p:cNvGrpSpPr/>
+        <p:nvPr/>
+      </p:nvGrpSpPr>
+      <p:grpSpPr>
+        <a:xfrm>
+          <a:off x="0" y="0"/>
+          <a:ext cx="0" cy="0"/>
+          <a:chOff x="0" y="0"/>
+          <a:chExt cx="0" cy="0"/>
+        </a:xfrm>
+      </p:grpSpPr>
+      <p:grpSp>
+        <p:nvGrpSpPr>
+          <p:cNvPr id="4" name="그룹 1015">
+            <a:extLst>
+              <a:ext uri="{FF2B5EF4-FFF2-40B4-BE49-F238E27FC236}">
+                <a16:creationId xmlns="" xmlns:a16="http://schemas.microsoft.com/office/drawing/2014/main" id="{76F5E01D-ECD6-A51D-DC2B-05DA1EBF93C7}"/>
+              </a:ext>
+            </a:extLst>
+          </p:cNvPr>
+          <p:cNvGrpSpPr/>
+          <p:nvPr/>
+        </p:nvGrpSpPr>
+        <p:grpSpPr>
+          <a:xfrm>
+            <a:off x="7092192" y="2913503"/>
+            <a:ext cx="3753082" cy="785575"/>
+            <a:chOff x="7305119" y="3255660"/>
+            <a:chExt cx="3753082" cy="785575"/>
+          </a:xfrm>
+        </p:grpSpPr>
+        <p:pic>
+          <p:nvPicPr>
+            <p:cNvPr id="5" name="Object 52">
+              <a:extLst>
+                <a:ext uri="{FF2B5EF4-FFF2-40B4-BE49-F238E27FC236}">
+                  <a16:creationId xmlns="" xmlns:a16="http://schemas.microsoft.com/office/drawing/2014/main" id="{D83975B3-46BC-7686-ECA1-1D7ECFA74A69}"/>
+                </a:ext>
+              </a:extLst>
+            </p:cNvPr>
+            <p:cNvPicPr>
+              <a:picLocks noChangeAspect="1"/>
+            </p:cNvPicPr>
+            <p:nvPr/>
+          </p:nvPicPr>
+          <p:blipFill>
+            <a:blip r:embed="rId2" cstate="print"/>
+            <a:stretch>
+              <a:fillRect/>
+            </a:stretch>
+          </p:blipFill>
+          <p:spPr>
+            <a:xfrm>
+              <a:off x="7305119" y="3255660"/>
+              <a:ext cx="3753082" cy="785575"/>
+            </a:xfrm>
+            <a:prstGeom prst="rect">
+              <a:avLst/>
+            </a:prstGeom>
+          </p:spPr>
+        </p:pic>
+      </p:grpSp>
+      <p:grpSp>
+        <p:nvGrpSpPr>
+          <p:cNvPr id="6" name="그룹 1018">
+            <a:extLst>
+              <a:ext uri="{FF2B5EF4-FFF2-40B4-BE49-F238E27FC236}">
+                <a16:creationId xmlns="" xmlns:a16="http://schemas.microsoft.com/office/drawing/2014/main" id="{008489BA-FEFA-DE7D-B3CD-53A358B82592}"/>
+              </a:ext>
+            </a:extLst>
+          </p:cNvPr>
+          <p:cNvGrpSpPr/>
+          <p:nvPr/>
+        </p:nvGrpSpPr>
+        <p:grpSpPr>
+          <a:xfrm>
+            <a:off x="2590800" y="4486414"/>
+            <a:ext cx="3393622" cy="1114286"/>
+            <a:chOff x="2803727" y="4828571"/>
+            <a:chExt cx="3393622" cy="1114286"/>
+          </a:xfrm>
+        </p:grpSpPr>
+        <p:pic>
+          <p:nvPicPr>
+            <p:cNvPr id="7" name="Object 61">
+              <a:extLst>
+                <a:ext uri="{FF2B5EF4-FFF2-40B4-BE49-F238E27FC236}">
+                  <a16:creationId xmlns="" xmlns:a16="http://schemas.microsoft.com/office/drawing/2014/main" id="{9ED25BE3-45BE-AC6D-D835-4457854D2832}"/>
+                </a:ext>
+              </a:extLst>
+            </p:cNvPr>
+            <p:cNvPicPr>
+              <a:picLocks noChangeAspect="1"/>
+            </p:cNvPicPr>
+            <p:nvPr/>
+          </p:nvPicPr>
+          <p:blipFill>
+            <a:blip r:embed="rId3" cstate="print"/>
+            <a:stretch>
+              <a:fillRect/>
+            </a:stretch>
+          </p:blipFill>
+          <p:spPr>
+            <a:xfrm>
+              <a:off x="2803727" y="4828571"/>
+              <a:ext cx="3393622" cy="1114286"/>
+            </a:xfrm>
+            <a:prstGeom prst="rect">
+              <a:avLst/>
+            </a:prstGeom>
+          </p:spPr>
+        </p:pic>
+      </p:grpSp>
+      <p:grpSp>
+        <p:nvGrpSpPr>
+          <p:cNvPr id="8" name="그룹 1021">
+            <a:extLst>
+              <a:ext uri="{FF2B5EF4-FFF2-40B4-BE49-F238E27FC236}">
+                <a16:creationId xmlns="" xmlns:a16="http://schemas.microsoft.com/office/drawing/2014/main" id="{7FE0C0A1-ABE4-F0EA-AFC1-4622C45C99E7}"/>
+              </a:ext>
+            </a:extLst>
+          </p:cNvPr>
+          <p:cNvGrpSpPr/>
+          <p:nvPr/>
+        </p:nvGrpSpPr>
+        <p:grpSpPr>
+          <a:xfrm>
+            <a:off x="7233119" y="4486414"/>
+            <a:ext cx="3393622" cy="1114286"/>
+            <a:chOff x="7446046" y="4828571"/>
+            <a:chExt cx="3393622" cy="1114286"/>
+          </a:xfrm>
+        </p:grpSpPr>
+        <p:pic>
+          <p:nvPicPr>
+            <p:cNvPr id="9" name="Object 71">
+              <a:extLst>
+                <a:ext uri="{FF2B5EF4-FFF2-40B4-BE49-F238E27FC236}">
+                  <a16:creationId xmlns="" xmlns:a16="http://schemas.microsoft.com/office/drawing/2014/main" id="{CDBB7D83-509F-9F4C-0C3E-DBA2562E5520}"/>
+                </a:ext>
+              </a:extLst>
+            </p:cNvPr>
+            <p:cNvPicPr>
+              <a:picLocks noChangeAspect="1"/>
+            </p:cNvPicPr>
+            <p:nvPr/>
+          </p:nvPicPr>
+          <p:blipFill>
+            <a:blip r:embed="rId3" cstate="print"/>
+            <a:stretch>
+              <a:fillRect/>
+            </a:stretch>
+          </p:blipFill>
+          <p:spPr>
+            <a:xfrm>
+              <a:off x="7446046" y="4828571"/>
+              <a:ext cx="3393622" cy="1114286"/>
+            </a:xfrm>
+            <a:prstGeom prst="rect">
+              <a:avLst/>
+            </a:prstGeom>
+          </p:spPr>
+        </p:pic>
+      </p:grpSp>
+      <p:grpSp>
+        <p:nvGrpSpPr>
+          <p:cNvPr id="10" name="그룹 1024">
+            <a:extLst>
+              <a:ext uri="{FF2B5EF4-FFF2-40B4-BE49-F238E27FC236}">
+                <a16:creationId xmlns="" xmlns:a16="http://schemas.microsoft.com/office/drawing/2014/main" id="{8EB1611F-852C-9617-AEEB-CFA38FFF8001}"/>
+              </a:ext>
+            </a:extLst>
+          </p:cNvPr>
+          <p:cNvGrpSpPr/>
+          <p:nvPr/>
+        </p:nvGrpSpPr>
+        <p:grpSpPr>
+          <a:xfrm>
+            <a:off x="11875438" y="4486414"/>
+            <a:ext cx="3393622" cy="1114286"/>
+            <a:chOff x="12088365" y="4828571"/>
+            <a:chExt cx="3393622" cy="1114286"/>
+          </a:xfrm>
+        </p:grpSpPr>
+        <p:pic>
+          <p:nvPicPr>
+            <p:cNvPr id="11" name="Object 81">
+              <a:extLst>
+                <a:ext uri="{FF2B5EF4-FFF2-40B4-BE49-F238E27FC236}">
+                  <a16:creationId xmlns="" xmlns:a16="http://schemas.microsoft.com/office/drawing/2014/main" id="{08657582-A0DF-A5DC-A662-189C639920C8}"/>
+                </a:ext>
+              </a:extLst>
+            </p:cNvPr>
+            <p:cNvPicPr>
+              <a:picLocks noChangeAspect="1"/>
+            </p:cNvPicPr>
+            <p:nvPr/>
+          </p:nvPicPr>
+          <p:blipFill>
+            <a:blip r:embed="rId3" cstate="print"/>
+            <a:stretch>
+              <a:fillRect/>
+            </a:stretch>
+          </p:blipFill>
+          <p:spPr>
+            <a:xfrm>
+              <a:off x="12088365" y="4828571"/>
+              <a:ext cx="3393622" cy="1114286"/>
+            </a:xfrm>
+            <a:prstGeom prst="rect">
+              <a:avLst/>
+            </a:prstGeom>
+          </p:spPr>
+        </p:pic>
+      </p:grpSp>
+      <p:sp>
+        <p:nvSpPr>
+          <p:cNvPr id="12" name="TextBox 11">
+            <a:extLst>
+              <a:ext uri="{FF2B5EF4-FFF2-40B4-BE49-F238E27FC236}">
+                <a16:creationId xmlns="" xmlns:a16="http://schemas.microsoft.com/office/drawing/2014/main" id="{FC41B7B2-904B-813A-22B8-239E383F4360}"/>
+              </a:ext>
+            </a:extLst>
+          </p:cNvPr>
+          <p:cNvSpPr txBox="1"/>
+          <p:nvPr/>
+        </p:nvSpPr>
+        <p:spPr>
+          <a:xfrm>
+            <a:off x="8263995" y="2946640"/>
+            <a:ext cx="1946805" cy="769441"/>
+          </a:xfrm>
+          <a:prstGeom prst="rect">
+            <a:avLst/>
+          </a:prstGeom>
+          <a:noFill/>
+        </p:spPr>
+        <p:txBody>
+          <a:bodyPr wrap="square" rtlCol="0">
+            <a:spAutoFit/>
+          </a:bodyPr>
+          <a:lstStyle/>
+          <a:p>
+            <a:r>
+              <a:rPr lang="en-US" altLang="ko-KR" sz="4400">
+                <a:solidFill>
+                  <a:srgbClr val="4C50BC"/>
+                </a:solidFill>
+                <a:latin typeface="G마켓 산스 Medium" panose="02000000000000000000" pitchFamily="50" charset="-127"/>
+                <a:ea typeface="G마켓 산스 Medium" panose="02000000000000000000" pitchFamily="50" charset="-127"/>
+              </a:rPr>
+              <a:t>Unit</a:t>
+            </a:r>
+            <a:endParaRPr lang="en-US" altLang="ko-KR" sz="4400" dirty="0">
+              <a:solidFill>
+                <a:srgbClr val="4C50BC"/>
+              </a:solidFill>
+              <a:latin typeface="G마켓 산스 Medium" panose="02000000000000000000" pitchFamily="50" charset="-127"/>
+              <a:ea typeface="G마켓 산스 Medium" panose="02000000000000000000" pitchFamily="50" charset="-127"/>
+            </a:endParaRPr>
+          </a:p>
+        </p:txBody>
+      </p:sp>
+      <p:sp>
+        <p:nvSpPr>
+          <p:cNvPr id="13" name="TextBox 12">
+            <a:extLst>
+              <a:ext uri="{FF2B5EF4-FFF2-40B4-BE49-F238E27FC236}">
+                <a16:creationId xmlns="" xmlns:a16="http://schemas.microsoft.com/office/drawing/2014/main" id="{F68B80B8-3419-5C31-B2F2-084E536A2C1C}"/>
+              </a:ext>
+            </a:extLst>
+          </p:cNvPr>
+          <p:cNvSpPr txBox="1"/>
+          <p:nvPr/>
+        </p:nvSpPr>
+        <p:spPr>
+          <a:xfrm>
+            <a:off x="3241645" y="4705572"/>
+            <a:ext cx="1936749" cy="646331"/>
+          </a:xfrm>
+          <a:prstGeom prst="rect">
+            <a:avLst/>
+          </a:prstGeom>
+          <a:noFill/>
+        </p:spPr>
+        <p:txBody>
+          <a:bodyPr wrap="none" rtlCol="0">
+            <a:spAutoFit/>
+          </a:bodyPr>
+          <a:lstStyle/>
+          <a:p>
+            <a:r>
+              <a:rPr lang="en-US" altLang="ko-KR" sz="3600">
+                <a:solidFill>
+                  <a:srgbClr val="4D4848"/>
+                </a:solidFill>
+                <a:latin typeface="G마켓 산스 Medium" panose="02000000000000000000" pitchFamily="50" charset="-127"/>
+                <a:ea typeface="G마켓 산스 Medium" panose="02000000000000000000" pitchFamily="50" charset="-127"/>
+              </a:rPr>
+              <a:t>Marine</a:t>
+            </a:r>
+            <a:endParaRPr lang="ko-KR" altLang="en-US" sz="2800" dirty="0">
+              <a:solidFill>
+                <a:srgbClr val="4D4848"/>
+              </a:solidFill>
+              <a:latin typeface="G마켓 산스 Medium" panose="02000000000000000000" pitchFamily="50" charset="-127"/>
+              <a:ea typeface="G마켓 산스 Medium" panose="02000000000000000000" pitchFamily="50" charset="-127"/>
+            </a:endParaRPr>
+          </a:p>
+        </p:txBody>
+      </p:sp>
+      <p:sp>
+        <p:nvSpPr>
+          <p:cNvPr id="14" name="TextBox 13">
+            <a:extLst>
+              <a:ext uri="{FF2B5EF4-FFF2-40B4-BE49-F238E27FC236}">
+                <a16:creationId xmlns="" xmlns:a16="http://schemas.microsoft.com/office/drawing/2014/main" id="{CB471B39-052C-65D2-3069-C74FA7421876}"/>
+              </a:ext>
+            </a:extLst>
+          </p:cNvPr>
+          <p:cNvSpPr txBox="1"/>
+          <p:nvPr/>
+        </p:nvSpPr>
+        <p:spPr>
+          <a:xfrm>
+            <a:off x="7888580" y="4684228"/>
+            <a:ext cx="2274982" cy="646331"/>
+          </a:xfrm>
+          <a:prstGeom prst="rect">
+            <a:avLst/>
+          </a:prstGeom>
+          <a:noFill/>
+        </p:spPr>
+        <p:txBody>
+          <a:bodyPr wrap="none" rtlCol="0">
+            <a:spAutoFit/>
+          </a:bodyPr>
+          <a:lstStyle/>
+          <a:p>
+            <a:r>
+              <a:rPr lang="en-US" altLang="ko-KR" sz="3600">
+                <a:solidFill>
+                  <a:srgbClr val="4D4848"/>
+                </a:solidFill>
+                <a:latin typeface="G마켓 산스 Medium" panose="02000000000000000000" pitchFamily="50" charset="-127"/>
+                <a:ea typeface="G마켓 산스 Medium" panose="02000000000000000000" pitchFamily="50" charset="-127"/>
+              </a:rPr>
+              <a:t>Zergling</a:t>
+            </a:r>
+            <a:endParaRPr lang="ko-KR" altLang="en-US" sz="2800" dirty="0">
+              <a:solidFill>
+                <a:srgbClr val="4D4848"/>
+              </a:solidFill>
+              <a:latin typeface="G마켓 산스 Medium" panose="02000000000000000000" pitchFamily="50" charset="-127"/>
+              <a:ea typeface="G마켓 산스 Medium" panose="02000000000000000000" pitchFamily="50" charset="-127"/>
+            </a:endParaRPr>
+          </a:p>
+        </p:txBody>
+      </p:sp>
+      <p:sp>
+        <p:nvSpPr>
+          <p:cNvPr id="15" name="TextBox 14">
+            <a:extLst>
+              <a:ext uri="{FF2B5EF4-FFF2-40B4-BE49-F238E27FC236}">
+                <a16:creationId xmlns="" xmlns:a16="http://schemas.microsoft.com/office/drawing/2014/main" id="{4A7E270B-9322-EABD-3A34-4D211B23AD38}"/>
+              </a:ext>
+            </a:extLst>
+          </p:cNvPr>
+          <p:cNvSpPr txBox="1"/>
+          <p:nvPr/>
+        </p:nvSpPr>
+        <p:spPr>
+          <a:xfrm>
+            <a:off x="12470834" y="4705572"/>
+            <a:ext cx="1787669" cy="646331"/>
+          </a:xfrm>
+          <a:prstGeom prst="rect">
+            <a:avLst/>
+          </a:prstGeom>
+          <a:noFill/>
+        </p:spPr>
+        <p:txBody>
+          <a:bodyPr wrap="none" rtlCol="0">
+            <a:spAutoFit/>
+          </a:bodyPr>
+          <a:lstStyle/>
+          <a:p>
+            <a:r>
+              <a:rPr lang="en-US" altLang="ko-KR" sz="3600">
+                <a:solidFill>
+                  <a:srgbClr val="4D4848"/>
+                </a:solidFill>
+                <a:latin typeface="G마켓 산스 Medium" panose="02000000000000000000" pitchFamily="50" charset="-127"/>
+                <a:ea typeface="G마켓 산스 Medium" panose="02000000000000000000" pitchFamily="50" charset="-127"/>
+              </a:rPr>
+              <a:t>Zealot</a:t>
+            </a:r>
+            <a:endParaRPr lang="ko-KR" altLang="en-US" sz="2800" dirty="0">
+              <a:solidFill>
+                <a:srgbClr val="4D4848"/>
+              </a:solidFill>
+              <a:latin typeface="G마켓 산스 Medium" panose="02000000000000000000" pitchFamily="50" charset="-127"/>
+              <a:ea typeface="G마켓 산스 Medium" panose="02000000000000000000" pitchFamily="50" charset="-127"/>
+            </a:endParaRPr>
+          </a:p>
+        </p:txBody>
+      </p:sp>
+      <p:cxnSp>
+        <p:nvCxnSpPr>
+          <p:cNvPr id="16" name="직선 화살표 연결선 15">
+            <a:extLst>
+              <a:ext uri="{FF2B5EF4-FFF2-40B4-BE49-F238E27FC236}">
+                <a16:creationId xmlns="" xmlns:a16="http://schemas.microsoft.com/office/drawing/2014/main" id="{174A1CAB-41DB-CBE5-A53E-D1E78982E7D5}"/>
+              </a:ext>
+            </a:extLst>
+          </p:cNvPr>
+          <p:cNvCxnSpPr>
+            <a:cxnSpLocks/>
+            <a:endCxn id="7" idx="0"/>
+          </p:cNvCxnSpPr>
+          <p:nvPr/>
+        </p:nvCxnSpPr>
+        <p:spPr>
+          <a:xfrm flipH="1">
+            <a:off x="4287611" y="3372128"/>
+            <a:ext cx="2722789" cy="1114286"/>
+          </a:xfrm>
+          <a:prstGeom prst="straightConnector1">
+            <a:avLst/>
+          </a:prstGeom>
+          <a:ln w="38100">
+            <a:tailEnd type="triangle"/>
+          </a:ln>
+        </p:spPr>
+        <p:style>
+          <a:lnRef idx="1">
+            <a:schemeClr val="accent2"/>
+          </a:lnRef>
+          <a:fillRef idx="0">
+            <a:schemeClr val="accent2"/>
+          </a:fillRef>
+          <a:effectRef idx="0">
+            <a:schemeClr val="accent2"/>
+          </a:effectRef>
+          <a:fontRef idx="minor">
+            <a:schemeClr val="tx1"/>
+          </a:fontRef>
+        </p:style>
+      </p:cxnSp>
+      <p:cxnSp>
+        <p:nvCxnSpPr>
+          <p:cNvPr id="17" name="직선 화살표 연결선 16">
+            <a:extLst>
+              <a:ext uri="{FF2B5EF4-FFF2-40B4-BE49-F238E27FC236}">
+                <a16:creationId xmlns="" xmlns:a16="http://schemas.microsoft.com/office/drawing/2014/main" id="{404BE807-8974-325D-28CE-80CBD5A23FD9}"/>
+              </a:ext>
+            </a:extLst>
+          </p:cNvPr>
+          <p:cNvCxnSpPr>
+            <a:cxnSpLocks/>
+          </p:cNvCxnSpPr>
+          <p:nvPr/>
+        </p:nvCxnSpPr>
+        <p:spPr>
+          <a:xfrm>
+            <a:off x="9024489" y="3732215"/>
+            <a:ext cx="6086" cy="681872"/>
+          </a:xfrm>
+          <a:prstGeom prst="straightConnector1">
+            <a:avLst/>
+          </a:prstGeom>
+          <a:ln w="38100">
+            <a:tailEnd type="triangle"/>
+          </a:ln>
+        </p:spPr>
+        <p:style>
+          <a:lnRef idx="1">
+            <a:schemeClr val="accent2"/>
+          </a:lnRef>
+          <a:fillRef idx="0">
+            <a:schemeClr val="accent2"/>
+          </a:fillRef>
+          <a:effectRef idx="0">
+            <a:schemeClr val="accent2"/>
+          </a:effectRef>
+          <a:fontRef idx="minor">
+            <a:schemeClr val="tx1"/>
+          </a:fontRef>
+        </p:style>
+      </p:cxnSp>
+      <p:cxnSp>
+        <p:nvCxnSpPr>
+          <p:cNvPr id="18" name="직선 화살표 연결선 17">
+            <a:extLst>
+              <a:ext uri="{FF2B5EF4-FFF2-40B4-BE49-F238E27FC236}">
+                <a16:creationId xmlns="" xmlns:a16="http://schemas.microsoft.com/office/drawing/2014/main" id="{8238D4B2-69F6-F17A-0286-66A8FB197956}"/>
+              </a:ext>
+            </a:extLst>
+          </p:cNvPr>
+          <p:cNvCxnSpPr>
+            <a:cxnSpLocks/>
+            <a:endCxn id="11" idx="0"/>
+          </p:cNvCxnSpPr>
+          <p:nvPr/>
+        </p:nvCxnSpPr>
+        <p:spPr>
+          <a:xfrm>
+            <a:off x="10876735" y="3331360"/>
+            <a:ext cx="2695514" cy="1155054"/>
+          </a:xfrm>
+          <a:prstGeom prst="straightConnector1">
+            <a:avLst/>
+          </a:prstGeom>
+          <a:ln w="38100">
+            <a:tailEnd type="triangle"/>
+          </a:ln>
+        </p:spPr>
+        <p:style>
+          <a:lnRef idx="1">
+            <a:schemeClr val="accent2"/>
+          </a:lnRef>
+          <a:fillRef idx="0">
+            <a:schemeClr val="accent2"/>
+          </a:fillRef>
+          <a:effectRef idx="0">
+            <a:schemeClr val="accent2"/>
+          </a:effectRef>
+          <a:fontRef idx="minor">
+            <a:schemeClr val="tx1"/>
+          </a:fontRef>
+        </p:style>
+      </p:cxnSp>
+      <p:pic>
+        <p:nvPicPr>
+          <p:cNvPr id="19" name="그림 18"/>
+          <p:cNvPicPr>
+            <a:picLocks noChangeAspect="1"/>
+          </p:cNvPicPr>
+          <p:nvPr/>
+        </p:nvPicPr>
+        <p:blipFill>
+          <a:blip r:embed="rId4"/>
+          <a:stretch>
+            <a:fillRect/>
+          </a:stretch>
+        </p:blipFill>
+        <p:spPr>
+          <a:xfrm>
+            <a:off x="4343400" y="1028700"/>
+            <a:ext cx="4196633" cy="1632024"/>
+          </a:xfrm>
+          <a:prstGeom prst="rect">
+            <a:avLst/>
+          </a:prstGeom>
+        </p:spPr>
+      </p:pic>
+      <p:pic>
+        <p:nvPicPr>
+          <p:cNvPr id="20" name="그림 19"/>
+          <p:cNvPicPr>
+            <a:picLocks noChangeAspect="1"/>
+          </p:cNvPicPr>
+          <p:nvPr/>
+        </p:nvPicPr>
+        <p:blipFill>
+          <a:blip r:embed="rId5"/>
+          <a:stretch>
+            <a:fillRect/>
+          </a:stretch>
+        </p:blipFill>
+        <p:spPr>
+          <a:xfrm>
+            <a:off x="9067800" y="1028700"/>
+            <a:ext cx="4477650" cy="1597495"/>
+          </a:xfrm>
+          <a:prstGeom prst="rect">
+            <a:avLst/>
+          </a:prstGeom>
+        </p:spPr>
+      </p:pic>
+    </p:spTree>
+    <p:extLst>
+      <p:ext uri="{BB962C8B-B14F-4D97-AF65-F5344CB8AC3E}">
+        <p14:creationId xmlns:p14="http://schemas.microsoft.com/office/powerpoint/2010/main" val="3737422770"/>
+      </p:ext>
+    </p:extLst>
+  </p:cSld>
+  <p:clrMapOvr>
+    <a:masterClrMapping/>
+  </p:clrMapOvr>
+</p:sld>
+</file>
+
+<file path=ppt/slides/slide50.xml><?xml version="1.0" encoding="utf-8"?>
+<p:sld xmlns:a="http://schemas.openxmlformats.org/drawingml/2006/main" xmlns:r="http://schemas.openxmlformats.org/officeDocument/2006/relationships" xmlns:p="http://schemas.openxmlformats.org/presentationml/2006/main">
+  <p:cSld>
+    <p:spTree>
+      <p:nvGrpSpPr>
+        <p:cNvPr id="1" name=""/>
+        <p:cNvGrpSpPr/>
+        <p:nvPr/>
+      </p:nvGrpSpPr>
+      <p:grpSpPr>
+        <a:xfrm>
+          <a:off x="0" y="0"/>
+          <a:ext cx="0" cy="0"/>
+          <a:chOff x="0" y="0"/>
+          <a:chExt cx="0" cy="0"/>
+        </a:xfrm>
+      </p:grpSpPr>
+      <p:sp>
+        <p:nvSpPr>
+          <p:cNvPr id="4" name="TextBox 3">
+            <a:extLst>
+              <a:ext uri="{FF2B5EF4-FFF2-40B4-BE49-F238E27FC236}">
+                <a16:creationId xmlns="" xmlns:a16="http://schemas.microsoft.com/office/drawing/2014/main" id="{8BD2ED5A-5CA2-F84F-13E6-A2AC3854D891}"/>
+              </a:ext>
+            </a:extLst>
+          </p:cNvPr>
+          <p:cNvSpPr txBox="1"/>
+          <p:nvPr/>
+        </p:nvSpPr>
+        <p:spPr>
+          <a:xfrm>
+            <a:off x="914400" y="419100"/>
+            <a:ext cx="2667000" cy="830997"/>
+          </a:xfrm>
+          <a:prstGeom prst="rect">
+            <a:avLst/>
+          </a:prstGeom>
+          <a:noFill/>
+        </p:spPr>
+        <p:txBody>
+          <a:bodyPr wrap="square" rtlCol="0">
+            <a:spAutoFit/>
+          </a:bodyPr>
+          <a:lstStyle/>
+          <a:p>
+            <a:r>
+              <a:rPr lang="ko-KR" altLang="en-US" sz="4800" smtClean="0">
+                <a:solidFill>
+                  <a:srgbClr val="4C50BC"/>
+                </a:solidFill>
+                <a:latin typeface="G마켓 산스 Medium" panose="02000000000000000000" pitchFamily="50" charset="-127"/>
+                <a:ea typeface="G마켓 산스 Medium" panose="02000000000000000000" pitchFamily="50" charset="-127"/>
+              </a:rPr>
+              <a:t>실습</a:t>
+            </a:r>
+            <a:r>
+              <a:rPr lang="ko-KR" altLang="en-US" sz="4800" smtClean="0">
+                <a:solidFill>
+                  <a:srgbClr val="4C50BC"/>
+                </a:solidFill>
+                <a:latin typeface="G마켓 산스 Medium" panose="02000000000000000000" pitchFamily="50" charset="-127"/>
+                <a:ea typeface="G마켓 산스 Medium" panose="02000000000000000000" pitchFamily="50" charset="-127"/>
+              </a:rPr>
+              <a:t>문제</a:t>
+            </a:r>
+            <a:endParaRPr lang="en-US" altLang="ko-KR" sz="4800" dirty="0">
+              <a:solidFill>
+                <a:srgbClr val="4C50BC"/>
+              </a:solidFill>
+              <a:latin typeface="G마켓 산스 Medium" panose="02000000000000000000" pitchFamily="50" charset="-127"/>
+              <a:ea typeface="G마켓 산스 Medium" panose="02000000000000000000" pitchFamily="50" charset="-127"/>
+            </a:endParaRPr>
+          </a:p>
+        </p:txBody>
+      </p:sp>
+      <p:sp>
+        <p:nvSpPr>
+          <p:cNvPr id="5" name="TextBox 4">
+            <a:extLst>
+              <a:ext uri="{FF2B5EF4-FFF2-40B4-BE49-F238E27FC236}">
+                <a16:creationId xmlns="" xmlns:a16="http://schemas.microsoft.com/office/drawing/2014/main" id="{2E843C5C-F5F0-B014-4B60-31604E120CA8}"/>
+              </a:ext>
+            </a:extLst>
+          </p:cNvPr>
+          <p:cNvSpPr txBox="1"/>
+          <p:nvPr/>
+        </p:nvSpPr>
+        <p:spPr>
+          <a:xfrm>
+            <a:off x="3200400" y="1943100"/>
+            <a:ext cx="12496800" cy="4401205"/>
+          </a:xfrm>
+          <a:prstGeom prst="rect">
+            <a:avLst/>
+          </a:prstGeom>
+          <a:noFill/>
+        </p:spPr>
+        <p:txBody>
+          <a:bodyPr wrap="square" rtlCol="0">
+            <a:spAutoFit/>
+          </a:bodyPr>
+          <a:lstStyle/>
+          <a:p>
+            <a:r>
+              <a:rPr lang="ko-KR" altLang="en-US" sz="4000" smtClean="0">
+                <a:solidFill>
+                  <a:schemeClr val="tx1">
+                    <a:lumMod val="50000"/>
+                    <a:lumOff val="50000"/>
+                  </a:schemeClr>
+                </a:solidFill>
+                <a:latin typeface="G마켓 산스 Medium" panose="02000000000000000000" pitchFamily="50" charset="-127"/>
+                <a:ea typeface="G마켓 산스 Medium" panose="02000000000000000000" pitchFamily="50" charset="-127"/>
+              </a:rPr>
+              <a:t>웹하드및 스터디룸 </a:t>
+            </a:r>
+            <a:r>
+              <a:rPr lang="en-US" altLang="ko-KR" sz="4000" smtClean="0">
+                <a:solidFill>
+                  <a:schemeClr val="tx1">
+                    <a:lumMod val="50000"/>
+                    <a:lumOff val="50000"/>
+                  </a:schemeClr>
+                </a:solidFill>
+                <a:latin typeface="G마켓 산스 Medium" panose="02000000000000000000" pitchFamily="50" charset="-127"/>
+                <a:ea typeface="G마켓 산스 Medium" panose="02000000000000000000" pitchFamily="50" charset="-127"/>
+              </a:rPr>
+              <a:t>9</a:t>
+            </a:r>
+            <a:r>
+              <a:rPr lang="ko-KR" altLang="en-US" sz="4000" smtClean="0">
+                <a:solidFill>
+                  <a:schemeClr val="tx1">
+                    <a:lumMod val="50000"/>
+                    <a:lumOff val="50000"/>
+                  </a:schemeClr>
+                </a:solidFill>
+                <a:latin typeface="G마켓 산스 Medium" panose="02000000000000000000" pitchFamily="50" charset="-127"/>
+                <a:ea typeface="G마켓 산스 Medium" panose="02000000000000000000" pitchFamily="50" charset="-127"/>
+              </a:rPr>
+              <a:t>강 연습문제 참조</a:t>
+            </a:r>
+            <a:endParaRPr lang="en-US" altLang="ko-KR" sz="4000" smtClean="0">
+              <a:solidFill>
+                <a:schemeClr val="tx1">
+                  <a:lumMod val="50000"/>
+                  <a:lumOff val="50000"/>
+                </a:schemeClr>
+              </a:solidFill>
+              <a:latin typeface="G마켓 산스 Medium" panose="02000000000000000000" pitchFamily="50" charset="-127"/>
+              <a:ea typeface="G마켓 산스 Medium" panose="02000000000000000000" pitchFamily="50" charset="-127"/>
+            </a:endParaRPr>
+          </a:p>
+          <a:p>
+            <a:r>
+              <a:rPr lang="ko-KR" altLang="en-US" sz="4000" smtClean="0">
+                <a:solidFill>
+                  <a:schemeClr val="tx1">
+                    <a:lumMod val="50000"/>
+                    <a:lumOff val="50000"/>
+                  </a:schemeClr>
+                </a:solidFill>
+                <a:latin typeface="G마켓 산스 Medium" panose="02000000000000000000" pitchFamily="50" charset="-127"/>
+                <a:ea typeface="G마켓 산스 Medium" panose="02000000000000000000" pitchFamily="50" charset="-127"/>
+              </a:rPr>
+              <a:t>웹하드 </a:t>
+            </a:r>
+            <a:r>
+              <a:rPr lang="en-US" altLang="ko-KR" sz="4000" smtClean="0">
+                <a:solidFill>
+                  <a:schemeClr val="tx1">
+                    <a:lumMod val="50000"/>
+                    <a:lumOff val="50000"/>
+                  </a:schemeClr>
+                </a:solidFill>
+                <a:latin typeface="G마켓 산스 Medium" panose="02000000000000000000" pitchFamily="50" charset="-127"/>
+                <a:ea typeface="G마켓 산스 Medium" panose="02000000000000000000" pitchFamily="50" charset="-127"/>
+              </a:rPr>
+              <a:t>: </a:t>
+            </a:r>
+            <a:r>
+              <a:rPr lang="en-US" altLang="ko-KR" sz="4000">
+                <a:latin typeface="G마켓 산스 Medium" panose="02000000000000000000" pitchFamily="50" charset="-127"/>
+                <a:ea typeface="G마켓 산스 Medium" panose="02000000000000000000" pitchFamily="50" charset="-127"/>
+              </a:rPr>
+              <a:t>http://kedudisk.com/pm/</a:t>
+            </a:r>
+          </a:p>
+          <a:p>
+            <a:r>
+              <a:rPr lang="ko-KR" altLang="en-US" sz="4000" smtClean="0">
+                <a:solidFill>
+                  <a:schemeClr val="tx1">
+                    <a:lumMod val="50000"/>
+                    <a:lumOff val="50000"/>
+                  </a:schemeClr>
+                </a:solidFill>
+                <a:latin typeface="G마켓 산스 Medium" panose="02000000000000000000" pitchFamily="50" charset="-127"/>
+                <a:ea typeface="G마켓 산스 Medium" panose="02000000000000000000" pitchFamily="50" charset="-127"/>
+              </a:rPr>
+              <a:t>아이디</a:t>
+            </a:r>
+            <a:r>
+              <a:rPr lang="en-US" altLang="ko-KR" sz="4000" smtClean="0">
+                <a:solidFill>
+                  <a:schemeClr val="tx1">
+                    <a:lumMod val="50000"/>
+                    <a:lumOff val="50000"/>
+                  </a:schemeClr>
+                </a:solidFill>
+                <a:latin typeface="G마켓 산스 Medium" panose="02000000000000000000" pitchFamily="50" charset="-127"/>
+                <a:ea typeface="G마켓 산스 Medium" panose="02000000000000000000" pitchFamily="50" charset="-127"/>
+              </a:rPr>
+              <a:t>: </a:t>
+            </a:r>
+            <a:r>
+              <a:rPr lang="en-US" altLang="ko-KR" sz="4000" smtClean="0">
+                <a:latin typeface="G마켓 산스 Medium" panose="02000000000000000000" pitchFamily="50" charset="-127"/>
+                <a:ea typeface="G마켓 산스 Medium" panose="02000000000000000000" pitchFamily="50" charset="-127"/>
+              </a:rPr>
+              <a:t>it3000</a:t>
+            </a:r>
+          </a:p>
+          <a:p>
+            <a:r>
+              <a:rPr lang="ko-KR" altLang="en-US" sz="4000" smtClean="0">
+                <a:solidFill>
+                  <a:schemeClr val="tx1">
+                    <a:lumMod val="50000"/>
+                    <a:lumOff val="50000"/>
+                  </a:schemeClr>
+                </a:solidFill>
+                <a:latin typeface="G마켓 산스 Medium" panose="02000000000000000000" pitchFamily="50" charset="-127"/>
+                <a:ea typeface="G마켓 산스 Medium" panose="02000000000000000000" pitchFamily="50" charset="-127"/>
+              </a:rPr>
+              <a:t>패스워드</a:t>
+            </a:r>
+            <a:r>
+              <a:rPr lang="en-US" altLang="ko-KR" sz="4000" smtClean="0">
+                <a:solidFill>
+                  <a:schemeClr val="tx1">
+                    <a:lumMod val="50000"/>
+                    <a:lumOff val="50000"/>
+                  </a:schemeClr>
+                </a:solidFill>
+                <a:latin typeface="G마켓 산스 Medium" panose="02000000000000000000" pitchFamily="50" charset="-127"/>
+                <a:ea typeface="G마켓 산스 Medium" panose="02000000000000000000" pitchFamily="50" charset="-127"/>
+              </a:rPr>
+              <a:t>:</a:t>
+            </a:r>
+            <a:r>
+              <a:rPr lang="en-US" altLang="ko-KR" sz="4000" smtClean="0">
+                <a:latin typeface="G마켓 산스 Medium" panose="02000000000000000000" pitchFamily="50" charset="-127"/>
+                <a:ea typeface="G마켓 산스 Medium" panose="02000000000000000000" pitchFamily="50" charset="-127"/>
+              </a:rPr>
+              <a:t>koreait11!</a:t>
+            </a:r>
+          </a:p>
+          <a:p>
+            <a:endParaRPr lang="en-US" altLang="ko-KR" sz="4000" smtClean="0">
+              <a:solidFill>
+                <a:schemeClr val="tx1">
+                  <a:lumMod val="50000"/>
+                  <a:lumOff val="50000"/>
+                </a:schemeClr>
+              </a:solidFill>
+              <a:latin typeface="G마켓 산스 Medium" panose="02000000000000000000" pitchFamily="50" charset="-127"/>
+              <a:ea typeface="G마켓 산스 Medium" panose="02000000000000000000" pitchFamily="50" charset="-127"/>
+            </a:endParaRPr>
+          </a:p>
+          <a:p>
+            <a:r>
+              <a:rPr lang="ko-KR" altLang="en-US" sz="4000" smtClean="0">
+                <a:solidFill>
+                  <a:schemeClr val="tx1">
+                    <a:lumMod val="50000"/>
+                    <a:lumOff val="50000"/>
+                  </a:schemeClr>
+                </a:solidFill>
+                <a:latin typeface="G마켓 산스 Medium" panose="02000000000000000000" pitchFamily="50" charset="-127"/>
+                <a:ea typeface="G마켓 산스 Medium" panose="02000000000000000000" pitchFamily="50" charset="-127"/>
+              </a:rPr>
+              <a:t>스터디룸 </a:t>
+            </a:r>
+            <a:r>
+              <a:rPr lang="en-US" altLang="ko-KR" sz="4000">
+                <a:solidFill>
+                  <a:schemeClr val="tx1">
+                    <a:lumMod val="50000"/>
+                    <a:lumOff val="50000"/>
+                  </a:schemeClr>
+                </a:solidFill>
+                <a:latin typeface="G마켓 산스 Medium" panose="02000000000000000000" pitchFamily="50" charset="-127"/>
+                <a:ea typeface="G마켓 산스 Medium" panose="02000000000000000000" pitchFamily="50" charset="-127"/>
+              </a:rPr>
+              <a:t>: </a:t>
+            </a:r>
+            <a:r>
+              <a:rPr lang="en-US" altLang="ko-KR" sz="4000">
+                <a:latin typeface="G마켓 산스 Medium" panose="02000000000000000000" pitchFamily="50" charset="-127"/>
+                <a:ea typeface="G마켓 산스 Medium" panose="02000000000000000000" pitchFamily="50" charset="-127"/>
+              </a:rPr>
+              <a:t>http://</a:t>
+            </a:r>
+            <a:r>
+              <a:rPr lang="en-US" altLang="ko-KR" sz="4000" smtClean="0">
+                <a:latin typeface="G마켓 산스 Medium" panose="02000000000000000000" pitchFamily="50" charset="-127"/>
+                <a:ea typeface="G마켓 산스 Medium" panose="02000000000000000000" pitchFamily="50" charset="-127"/>
+              </a:rPr>
+              <a:t>koreastudyroom.com</a:t>
+            </a:r>
+          </a:p>
+          <a:p>
+            <a:r>
+              <a:rPr lang="ko-KR" altLang="en-US" sz="4000" smtClean="0">
+                <a:solidFill>
+                  <a:schemeClr val="tx1">
+                    <a:lumMod val="50000"/>
+                    <a:lumOff val="50000"/>
+                  </a:schemeClr>
+                </a:solidFill>
+                <a:latin typeface="G마켓 산스 Medium" panose="02000000000000000000" pitchFamily="50" charset="-127"/>
+                <a:ea typeface="G마켓 산스 Medium" panose="02000000000000000000" pitchFamily="50" charset="-127"/>
+              </a:rPr>
+              <a:t>아이디 패스워드</a:t>
+            </a:r>
+            <a:r>
+              <a:rPr lang="en-US" altLang="ko-KR" sz="4000">
+                <a:solidFill>
+                  <a:schemeClr val="tx1">
+                    <a:lumMod val="50000"/>
+                    <a:lumOff val="50000"/>
+                  </a:schemeClr>
+                </a:solidFill>
+                <a:latin typeface="G마켓 산스 Medium" panose="02000000000000000000" pitchFamily="50" charset="-127"/>
+                <a:ea typeface="G마켓 산스 Medium" panose="02000000000000000000" pitchFamily="50" charset="-127"/>
+              </a:rPr>
+              <a:t> </a:t>
+            </a:r>
+            <a:r>
+              <a:rPr lang="ko-KR" altLang="en-US" sz="4000" smtClean="0">
+                <a:solidFill>
+                  <a:schemeClr val="tx1">
+                    <a:lumMod val="50000"/>
+                    <a:lumOff val="50000"/>
+                  </a:schemeClr>
+                </a:solidFill>
+                <a:latin typeface="G마켓 산스 Medium" panose="02000000000000000000" pitchFamily="50" charset="-127"/>
+                <a:ea typeface="G마켓 산스 Medium" panose="02000000000000000000" pitchFamily="50" charset="-127"/>
+              </a:rPr>
+              <a:t>학원 문의</a:t>
+            </a:r>
+            <a:endParaRPr lang="en-US" altLang="ko-KR" sz="4000" dirty="0">
+              <a:solidFill>
+                <a:schemeClr val="tx1">
+                  <a:lumMod val="50000"/>
+                  <a:lumOff val="50000"/>
+                </a:schemeClr>
+              </a:solidFill>
+              <a:latin typeface="G마켓 산스 Medium" panose="02000000000000000000" pitchFamily="50" charset="-127"/>
+              <a:ea typeface="G마켓 산스 Medium" panose="02000000000000000000" pitchFamily="50" charset="-127"/>
+            </a:endParaRPr>
+          </a:p>
+        </p:txBody>
+      </p:sp>
+    </p:spTree>
+    <p:extLst>
+      <p:ext uri="{BB962C8B-B14F-4D97-AF65-F5344CB8AC3E}">
+        <p14:creationId xmlns:p14="http://schemas.microsoft.com/office/powerpoint/2010/main" val="1268302016"/>
+      </p:ext>
+    </p:extLst>
+  </p:cSld>
+  <p:clrMapOvr>
+    <a:masterClrMapping/>
+  </p:clrMapOvr>
+</p:sld>
+</file>
+
+<file path=ppt/slides/slide51.xml><?xml version="1.0" encoding="utf-8"?>
+<p:sld xmlns:a="http://schemas.openxmlformats.org/drawingml/2006/main" xmlns:r="http://schemas.openxmlformats.org/officeDocument/2006/relationships" xmlns:p="http://schemas.openxmlformats.org/presentationml/2006/main">
+  <p:cSld>
+    <p:spTree>
+      <p:nvGrpSpPr>
+        <p:cNvPr id="1" name=""/>
+        <p:cNvGrpSpPr/>
+        <p:nvPr/>
+      </p:nvGrpSpPr>
+      <p:grpSpPr>
+        <a:xfrm>
+          <a:off x="0" y="0"/>
+          <a:ext cx="0" cy="0"/>
+          <a:chOff x="0" y="0"/>
+          <a:chExt cx="0" cy="0"/>
+        </a:xfrm>
+      </p:grpSpPr>
+      <p:sp>
+        <p:nvSpPr>
+          <p:cNvPr id="4" name="TextBox 3">
+            <a:extLst>
+              <a:ext uri="{FF2B5EF4-FFF2-40B4-BE49-F238E27FC236}">
+                <a16:creationId xmlns="" xmlns:a16="http://schemas.microsoft.com/office/drawing/2014/main" id="{8BD2ED5A-5CA2-F84F-13E6-A2AC3854D891}"/>
+              </a:ext>
+            </a:extLst>
+          </p:cNvPr>
+          <p:cNvSpPr txBox="1"/>
+          <p:nvPr/>
+        </p:nvSpPr>
+        <p:spPr>
+          <a:xfrm>
+            <a:off x="762000" y="38100"/>
+            <a:ext cx="3124200" cy="830997"/>
+          </a:xfrm>
+          <a:prstGeom prst="rect">
+            <a:avLst/>
+          </a:prstGeom>
+          <a:noFill/>
+        </p:spPr>
+        <p:txBody>
+          <a:bodyPr wrap="square" rtlCol="0">
+            <a:spAutoFit/>
+          </a:bodyPr>
+          <a:lstStyle/>
+          <a:p>
+            <a:r>
+              <a:rPr lang="ko-KR" altLang="en-US" sz="4800" smtClean="0">
+                <a:solidFill>
+                  <a:srgbClr val="4C50BC"/>
+                </a:solidFill>
+                <a:latin typeface="G마켓 산스 Medium" panose="02000000000000000000" pitchFamily="50" charset="-127"/>
+                <a:ea typeface="G마켓 산스 Medium" panose="02000000000000000000" pitchFamily="50" charset="-127"/>
+              </a:rPr>
+              <a:t>실습</a:t>
+            </a:r>
+            <a:r>
+              <a:rPr lang="ko-KR" altLang="en-US" sz="4800" smtClean="0">
+                <a:solidFill>
+                  <a:srgbClr val="4C50BC"/>
+                </a:solidFill>
+                <a:latin typeface="G마켓 산스 Medium" panose="02000000000000000000" pitchFamily="50" charset="-127"/>
+                <a:ea typeface="G마켓 산스 Medium" panose="02000000000000000000" pitchFamily="50" charset="-127"/>
+              </a:rPr>
+              <a:t>문제</a:t>
+            </a:r>
+            <a:r>
+              <a:rPr lang="en-US" altLang="ko-KR" sz="4800" smtClean="0">
+                <a:solidFill>
+                  <a:srgbClr val="4C50BC"/>
+                </a:solidFill>
+                <a:latin typeface="G마켓 산스 Medium" panose="02000000000000000000" pitchFamily="50" charset="-127"/>
+                <a:ea typeface="G마켓 산스 Medium" panose="02000000000000000000" pitchFamily="50" charset="-127"/>
+              </a:rPr>
+              <a:t>1</a:t>
+            </a:r>
+            <a:endParaRPr lang="en-US" altLang="ko-KR" sz="4800" dirty="0">
+              <a:solidFill>
+                <a:srgbClr val="4C50BC"/>
+              </a:solidFill>
+              <a:latin typeface="G마켓 산스 Medium" panose="02000000000000000000" pitchFamily="50" charset="-127"/>
+              <a:ea typeface="G마켓 산스 Medium" panose="02000000000000000000" pitchFamily="50" charset="-127"/>
+            </a:endParaRPr>
+          </a:p>
+        </p:txBody>
+      </p:sp>
+      <p:sp>
+        <p:nvSpPr>
+          <p:cNvPr id="5" name="TextBox 4">
+            <a:extLst>
+              <a:ext uri="{FF2B5EF4-FFF2-40B4-BE49-F238E27FC236}">
+                <a16:creationId xmlns="" xmlns:a16="http://schemas.microsoft.com/office/drawing/2014/main" id="{2E843C5C-F5F0-B014-4B60-31604E120CA8}"/>
+              </a:ext>
+            </a:extLst>
+          </p:cNvPr>
+          <p:cNvSpPr txBox="1"/>
+          <p:nvPr/>
+        </p:nvSpPr>
+        <p:spPr>
+          <a:xfrm>
+            <a:off x="304800" y="876300"/>
+            <a:ext cx="17373600" cy="2369880"/>
+          </a:xfrm>
+          <a:prstGeom prst="rect">
+            <a:avLst/>
+          </a:prstGeom>
+          <a:noFill/>
+        </p:spPr>
+        <p:txBody>
+          <a:bodyPr wrap="square" rtlCol="0">
+            <a:spAutoFit/>
+          </a:bodyPr>
+          <a:lstStyle/>
+          <a:p>
+            <a:r>
+              <a:rPr lang="ko-KR" altLang="en-US" sz="3200" smtClean="0">
+                <a:solidFill>
+                  <a:schemeClr val="tx1">
+                    <a:lumMod val="50000"/>
+                    <a:lumOff val="50000"/>
+                  </a:schemeClr>
+                </a:solidFill>
+                <a:latin typeface="G마켓 산스 Medium" panose="02000000000000000000" pitchFamily="50" charset="-127"/>
+                <a:ea typeface="G마켓 산스 Medium" panose="02000000000000000000" pitchFamily="50" charset="-127"/>
+              </a:rPr>
+              <a:t>섯다카드 </a:t>
+            </a:r>
+            <a:r>
+              <a:rPr lang="en-US" altLang="ko-KR" sz="3200">
+                <a:solidFill>
+                  <a:schemeClr val="tx1">
+                    <a:lumMod val="50000"/>
+                    <a:lumOff val="50000"/>
+                  </a:schemeClr>
+                </a:solidFill>
+                <a:latin typeface="G마켓 산스 Medium" panose="02000000000000000000" pitchFamily="50" charset="-127"/>
+                <a:ea typeface="G마켓 산스 Medium" panose="02000000000000000000" pitchFamily="50" charset="-127"/>
+              </a:rPr>
+              <a:t>20</a:t>
+            </a:r>
+            <a:r>
+              <a:rPr lang="ko-KR" altLang="en-US" sz="3200">
+                <a:solidFill>
+                  <a:schemeClr val="tx1">
+                    <a:lumMod val="50000"/>
+                    <a:lumOff val="50000"/>
+                  </a:schemeClr>
+                </a:solidFill>
+                <a:latin typeface="G마켓 산스 Medium" panose="02000000000000000000" pitchFamily="50" charset="-127"/>
+                <a:ea typeface="G마켓 산스 Medium" panose="02000000000000000000" pitchFamily="50" charset="-127"/>
+              </a:rPr>
+              <a:t>장을 포함하는 섯다카드 한벌</a:t>
+            </a:r>
+            <a:r>
+              <a:rPr lang="en-US" altLang="ko-KR" sz="3200">
+                <a:solidFill>
+                  <a:schemeClr val="tx1">
+                    <a:lumMod val="50000"/>
+                    <a:lumOff val="50000"/>
+                  </a:schemeClr>
+                </a:solidFill>
+                <a:latin typeface="G마켓 산스 Medium" panose="02000000000000000000" pitchFamily="50" charset="-127"/>
+                <a:ea typeface="G마켓 산스 Medium" panose="02000000000000000000" pitchFamily="50" charset="-127"/>
+              </a:rPr>
+              <a:t>(SutdaDeck)</a:t>
+            </a:r>
+            <a:r>
+              <a:rPr lang="ko-KR" altLang="en-US" sz="3200">
+                <a:solidFill>
+                  <a:schemeClr val="tx1">
+                    <a:lumMod val="50000"/>
+                    <a:lumOff val="50000"/>
+                  </a:schemeClr>
+                </a:solidFill>
+                <a:latin typeface="G마켓 산스 Medium" panose="02000000000000000000" pitchFamily="50" charset="-127"/>
+                <a:ea typeface="G마켓 산스 Medium" panose="02000000000000000000" pitchFamily="50" charset="-127"/>
+              </a:rPr>
+              <a:t>을 정의한 것이다</a:t>
+            </a:r>
+            <a:r>
+              <a:rPr lang="en-US" altLang="ko-KR" sz="3200">
+                <a:solidFill>
+                  <a:schemeClr val="tx1">
+                    <a:lumMod val="50000"/>
+                    <a:lumOff val="50000"/>
+                  </a:schemeClr>
+                </a:solidFill>
+                <a:latin typeface="G마켓 산스 Medium" panose="02000000000000000000" pitchFamily="50" charset="-127"/>
+                <a:ea typeface="G마켓 산스 Medium" panose="02000000000000000000" pitchFamily="50" charset="-127"/>
+              </a:rPr>
+              <a:t>. </a:t>
+            </a:r>
+            <a:r>
+              <a:rPr lang="ko-KR" altLang="en-US" sz="3200">
+                <a:solidFill>
+                  <a:schemeClr val="tx1">
+                    <a:lumMod val="50000"/>
+                    <a:lumOff val="50000"/>
+                  </a:schemeClr>
+                </a:solidFill>
+                <a:latin typeface="G마켓 산스 Medium" panose="02000000000000000000" pitchFamily="50" charset="-127"/>
+                <a:ea typeface="G마켓 산스 Medium" panose="02000000000000000000" pitchFamily="50" charset="-127"/>
+              </a:rPr>
+              <a:t>섯다카드 </a:t>
+            </a:r>
+            <a:r>
+              <a:rPr lang="en-US" altLang="ko-KR" sz="3200">
+                <a:solidFill>
+                  <a:schemeClr val="tx1">
+                    <a:lumMod val="50000"/>
+                    <a:lumOff val="50000"/>
+                  </a:schemeClr>
+                </a:solidFill>
+                <a:latin typeface="G마켓 산스 Medium" panose="02000000000000000000" pitchFamily="50" charset="-127"/>
+                <a:ea typeface="G마켓 산스 Medium" panose="02000000000000000000" pitchFamily="50" charset="-127"/>
+              </a:rPr>
+              <a:t>20</a:t>
+            </a:r>
+            <a:r>
+              <a:rPr lang="ko-KR" altLang="en-US" sz="3200">
+                <a:solidFill>
+                  <a:schemeClr val="tx1">
+                    <a:lumMod val="50000"/>
+                    <a:lumOff val="50000"/>
+                  </a:schemeClr>
+                </a:solidFill>
+                <a:latin typeface="G마켓 산스 Medium" panose="02000000000000000000" pitchFamily="50" charset="-127"/>
+                <a:ea typeface="G마켓 산스 Medium" panose="02000000000000000000" pitchFamily="50" charset="-127"/>
+              </a:rPr>
+              <a:t>장을 담는 </a:t>
+            </a:r>
+            <a:r>
+              <a:rPr lang="en-US" altLang="ko-KR" sz="3200">
+                <a:solidFill>
+                  <a:schemeClr val="tx1">
+                    <a:lumMod val="50000"/>
+                    <a:lumOff val="50000"/>
+                  </a:schemeClr>
+                </a:solidFill>
+                <a:latin typeface="G마켓 산스 Medium" panose="02000000000000000000" pitchFamily="50" charset="-127"/>
+                <a:ea typeface="G마켓 산스 Medium" panose="02000000000000000000" pitchFamily="50" charset="-127"/>
+              </a:rPr>
+              <a:t>SutdaCard </a:t>
+            </a:r>
+            <a:r>
+              <a:rPr lang="ko-KR" altLang="en-US" sz="3200">
+                <a:solidFill>
+                  <a:schemeClr val="tx1">
+                    <a:lumMod val="50000"/>
+                    <a:lumOff val="50000"/>
+                  </a:schemeClr>
+                </a:solidFill>
+                <a:latin typeface="G마켓 산스 Medium" panose="02000000000000000000" pitchFamily="50" charset="-127"/>
+                <a:ea typeface="G마켓 산스 Medium" panose="02000000000000000000" pitchFamily="50" charset="-127"/>
+              </a:rPr>
+              <a:t>배열을 초기화 하자</a:t>
+            </a:r>
+            <a:r>
+              <a:rPr lang="en-US" altLang="ko-KR" sz="3200">
+                <a:solidFill>
+                  <a:schemeClr val="tx1">
+                    <a:lumMod val="50000"/>
+                    <a:lumOff val="50000"/>
+                  </a:schemeClr>
+                </a:solidFill>
+                <a:latin typeface="G마켓 산스 Medium" panose="02000000000000000000" pitchFamily="50" charset="-127"/>
+                <a:ea typeface="G마켓 산스 Medium" panose="02000000000000000000" pitchFamily="50" charset="-127"/>
+              </a:rPr>
+              <a:t>.</a:t>
+            </a:r>
+          </a:p>
+          <a:p>
+            <a:r>
+              <a:rPr lang="ko-KR" altLang="en-US" sz="2800" smtClean="0">
+                <a:solidFill>
+                  <a:schemeClr val="tx2">
+                    <a:lumMod val="60000"/>
+                    <a:lumOff val="40000"/>
+                  </a:schemeClr>
+                </a:solidFill>
+                <a:latin typeface="G마켓 산스 Medium" panose="02000000000000000000" pitchFamily="50" charset="-127"/>
+                <a:ea typeface="G마켓 산스 Medium" panose="02000000000000000000" pitchFamily="50" charset="-127"/>
+              </a:rPr>
+              <a:t> 단</a:t>
+            </a:r>
+            <a:r>
+              <a:rPr lang="en-US" altLang="ko-KR" sz="2800">
+                <a:solidFill>
+                  <a:schemeClr val="tx2">
+                    <a:lumMod val="60000"/>
+                    <a:lumOff val="40000"/>
+                  </a:schemeClr>
+                </a:solidFill>
+                <a:latin typeface="G마켓 산스 Medium" panose="02000000000000000000" pitchFamily="50" charset="-127"/>
+                <a:ea typeface="G마켓 산스 Medium" panose="02000000000000000000" pitchFamily="50" charset="-127"/>
+              </a:rPr>
+              <a:t>, </a:t>
+            </a:r>
+            <a:r>
+              <a:rPr lang="ko-KR" altLang="en-US" sz="2800">
+                <a:solidFill>
+                  <a:schemeClr val="tx2">
+                    <a:lumMod val="60000"/>
+                    <a:lumOff val="40000"/>
+                  </a:schemeClr>
+                </a:solidFill>
+                <a:latin typeface="G마켓 산스 Medium" panose="02000000000000000000" pitchFamily="50" charset="-127"/>
+                <a:ea typeface="G마켓 산스 Medium" panose="02000000000000000000" pitchFamily="50" charset="-127"/>
+              </a:rPr>
+              <a:t>섯다카드는 </a:t>
+            </a:r>
+            <a:r>
+              <a:rPr lang="en-US" altLang="ko-KR" sz="2800">
+                <a:solidFill>
+                  <a:schemeClr val="tx2">
+                    <a:lumMod val="60000"/>
+                    <a:lumOff val="40000"/>
+                  </a:schemeClr>
+                </a:solidFill>
+                <a:latin typeface="G마켓 산스 Medium" panose="02000000000000000000" pitchFamily="50" charset="-127"/>
+                <a:ea typeface="G마켓 산스 Medium" panose="02000000000000000000" pitchFamily="50" charset="-127"/>
+              </a:rPr>
+              <a:t>1~10</a:t>
+            </a:r>
+            <a:r>
+              <a:rPr lang="ko-KR" altLang="en-US" sz="2800">
+                <a:solidFill>
+                  <a:schemeClr val="tx2">
+                    <a:lumMod val="60000"/>
+                    <a:lumOff val="40000"/>
+                  </a:schemeClr>
+                </a:solidFill>
+                <a:latin typeface="G마켓 산스 Medium" panose="02000000000000000000" pitchFamily="50" charset="-127"/>
+                <a:ea typeface="G마켓 산스 Medium" panose="02000000000000000000" pitchFamily="50" charset="-127"/>
+              </a:rPr>
+              <a:t>까지의 숫자가 적힌 카드가 한 쌍식 있고</a:t>
+            </a:r>
+            <a:r>
+              <a:rPr lang="en-US" altLang="ko-KR" sz="2800">
+                <a:solidFill>
+                  <a:schemeClr val="tx2">
+                    <a:lumMod val="60000"/>
+                    <a:lumOff val="40000"/>
+                  </a:schemeClr>
+                </a:solidFill>
+                <a:latin typeface="G마켓 산스 Medium" panose="02000000000000000000" pitchFamily="50" charset="-127"/>
+                <a:ea typeface="G마켓 산스 Medium" panose="02000000000000000000" pitchFamily="50" charset="-127"/>
+              </a:rPr>
+              <a:t>, </a:t>
+            </a:r>
+            <a:r>
+              <a:rPr lang="ko-KR" altLang="en-US" sz="2800">
+                <a:solidFill>
+                  <a:schemeClr val="tx2">
+                    <a:lumMod val="60000"/>
+                    <a:lumOff val="40000"/>
+                  </a:schemeClr>
+                </a:solidFill>
+                <a:latin typeface="G마켓 산스 Medium" panose="02000000000000000000" pitchFamily="50" charset="-127"/>
+                <a:ea typeface="G마켓 산스 Medium" panose="02000000000000000000" pitchFamily="50" charset="-127"/>
+              </a:rPr>
+              <a:t>숫자가 </a:t>
+            </a:r>
+            <a:r>
+              <a:rPr lang="en-US" altLang="ko-KR" sz="2800">
+                <a:solidFill>
+                  <a:schemeClr val="tx2">
+                    <a:lumMod val="60000"/>
+                    <a:lumOff val="40000"/>
+                  </a:schemeClr>
+                </a:solidFill>
+                <a:latin typeface="G마켓 산스 Medium" panose="02000000000000000000" pitchFamily="50" charset="-127"/>
+                <a:ea typeface="G마켓 산스 Medium" panose="02000000000000000000" pitchFamily="50" charset="-127"/>
+              </a:rPr>
+              <a:t>1,3,8</a:t>
+            </a:r>
+            <a:r>
+              <a:rPr lang="ko-KR" altLang="en-US" sz="2800">
+                <a:solidFill>
+                  <a:schemeClr val="tx2">
+                    <a:lumMod val="60000"/>
+                    <a:lumOff val="40000"/>
+                  </a:schemeClr>
+                </a:solidFill>
+                <a:latin typeface="G마켓 산스 Medium" panose="02000000000000000000" pitchFamily="50" charset="-127"/>
+                <a:ea typeface="G마켓 산스 Medium" panose="02000000000000000000" pitchFamily="50" charset="-127"/>
+              </a:rPr>
+              <a:t>인 경우 </a:t>
+            </a:r>
+            <a:r>
+              <a:rPr lang="ko-KR" altLang="en-US" sz="2800">
+                <a:solidFill>
+                  <a:schemeClr val="tx2">
+                    <a:lumMod val="60000"/>
+                    <a:lumOff val="40000"/>
+                  </a:schemeClr>
+                </a:solidFill>
+                <a:latin typeface="G마켓 산스 Medium" panose="02000000000000000000" pitchFamily="50" charset="-127"/>
+                <a:ea typeface="G마켓 산스 Medium" panose="02000000000000000000" pitchFamily="50" charset="-127"/>
+              </a:rPr>
+              <a:t>둘 </a:t>
+            </a:r>
+            <a:r>
+              <a:rPr lang="ko-KR" altLang="en-US" sz="2800" smtClean="0">
+                <a:solidFill>
+                  <a:schemeClr val="tx2">
+                    <a:lumMod val="60000"/>
+                    <a:lumOff val="40000"/>
+                  </a:schemeClr>
+                </a:solidFill>
+                <a:latin typeface="G마켓 산스 Medium" panose="02000000000000000000" pitchFamily="50" charset="-127"/>
+                <a:ea typeface="G마켓 산스 Medium" panose="02000000000000000000" pitchFamily="50" charset="-127"/>
+              </a:rPr>
+              <a:t>     중의 </a:t>
+            </a:r>
+            <a:r>
+              <a:rPr lang="ko-KR" altLang="en-US" sz="2800">
+                <a:solidFill>
+                  <a:schemeClr val="tx2">
+                    <a:lumMod val="60000"/>
+                    <a:lumOff val="40000"/>
+                  </a:schemeClr>
+                </a:solidFill>
+                <a:latin typeface="G마켓 산스 Medium" panose="02000000000000000000" pitchFamily="50" charset="-127"/>
+                <a:ea typeface="G마켓 산스 Medium" panose="02000000000000000000" pitchFamily="50" charset="-127"/>
+              </a:rPr>
+              <a:t>한장은 광이어야 한다</a:t>
+            </a:r>
+            <a:r>
+              <a:rPr lang="en-US" altLang="ko-KR" sz="2800">
+                <a:solidFill>
+                  <a:schemeClr val="tx2">
+                    <a:lumMod val="60000"/>
+                    <a:lumOff val="40000"/>
+                  </a:schemeClr>
+                </a:solidFill>
+                <a:latin typeface="G마켓 산스 Medium" panose="02000000000000000000" pitchFamily="50" charset="-127"/>
+                <a:ea typeface="G마켓 산스 Medium" panose="02000000000000000000" pitchFamily="50" charset="-127"/>
+              </a:rPr>
+              <a:t>.</a:t>
+            </a:r>
+          </a:p>
+          <a:p>
+            <a:r>
+              <a:rPr lang="ko-KR" altLang="en-US" sz="2800" smtClean="0">
+                <a:solidFill>
+                  <a:schemeClr val="tx2">
+                    <a:lumMod val="60000"/>
+                    <a:lumOff val="40000"/>
+                  </a:schemeClr>
+                </a:solidFill>
+                <a:latin typeface="G마켓 산스 Medium" panose="02000000000000000000" pitchFamily="50" charset="-127"/>
+                <a:ea typeface="G마켓 산스 Medium" panose="02000000000000000000" pitchFamily="50" charset="-127"/>
+              </a:rPr>
+              <a:t> 즉</a:t>
+            </a:r>
+            <a:r>
+              <a:rPr lang="en-US" altLang="ko-KR" sz="2800">
+                <a:solidFill>
+                  <a:schemeClr val="tx2">
+                    <a:lumMod val="60000"/>
+                    <a:lumOff val="40000"/>
+                  </a:schemeClr>
+                </a:solidFill>
+                <a:latin typeface="G마켓 산스 Medium" panose="02000000000000000000" pitchFamily="50" charset="-127"/>
+                <a:ea typeface="G마켓 산스 Medium" panose="02000000000000000000" pitchFamily="50" charset="-127"/>
+              </a:rPr>
+              <a:t>, SutdaCard</a:t>
+            </a:r>
+            <a:r>
+              <a:rPr lang="ko-KR" altLang="en-US" sz="2800">
+                <a:solidFill>
+                  <a:schemeClr val="tx2">
+                    <a:lumMod val="60000"/>
+                    <a:lumOff val="40000"/>
+                  </a:schemeClr>
+                </a:solidFill>
+                <a:latin typeface="G마켓 산스 Medium" panose="02000000000000000000" pitchFamily="50" charset="-127"/>
+                <a:ea typeface="G마켓 산스 Medium" panose="02000000000000000000" pitchFamily="50" charset="-127"/>
+              </a:rPr>
+              <a:t>의 인스턴스변수 </a:t>
+            </a:r>
+            <a:r>
+              <a:rPr lang="en-US" altLang="ko-KR" sz="2800">
+                <a:solidFill>
+                  <a:schemeClr val="tx2">
+                    <a:lumMod val="60000"/>
+                    <a:lumOff val="40000"/>
+                  </a:schemeClr>
+                </a:solidFill>
+                <a:latin typeface="G마켓 산스 Medium" panose="02000000000000000000" pitchFamily="50" charset="-127"/>
+                <a:ea typeface="G마켓 산스 Medium" panose="02000000000000000000" pitchFamily="50" charset="-127"/>
+              </a:rPr>
+              <a:t>isKwang</a:t>
+            </a:r>
+            <a:r>
+              <a:rPr lang="ko-KR" altLang="en-US" sz="2800">
+                <a:solidFill>
+                  <a:schemeClr val="tx2">
+                    <a:lumMod val="60000"/>
+                    <a:lumOff val="40000"/>
+                  </a:schemeClr>
+                </a:solidFill>
+                <a:latin typeface="G마켓 산스 Medium" panose="02000000000000000000" pitchFamily="50" charset="-127"/>
+                <a:ea typeface="G마켓 산스 Medium" panose="02000000000000000000" pitchFamily="50" charset="-127"/>
+              </a:rPr>
+              <a:t>의 값이 </a:t>
+            </a:r>
+            <a:r>
+              <a:rPr lang="en-US" altLang="ko-KR" sz="2800">
+                <a:solidFill>
+                  <a:schemeClr val="tx2">
+                    <a:lumMod val="60000"/>
+                    <a:lumOff val="40000"/>
+                  </a:schemeClr>
+                </a:solidFill>
+                <a:latin typeface="G마켓 산스 Medium" panose="02000000000000000000" pitchFamily="50" charset="-127"/>
+                <a:ea typeface="G마켓 산스 Medium" panose="02000000000000000000" pitchFamily="50" charset="-127"/>
+              </a:rPr>
+              <a:t>true</a:t>
+            </a:r>
+            <a:r>
+              <a:rPr lang="ko-KR" altLang="en-US" sz="2800">
+                <a:solidFill>
+                  <a:schemeClr val="tx2">
+                    <a:lumMod val="60000"/>
+                    <a:lumOff val="40000"/>
+                  </a:schemeClr>
+                </a:solidFill>
+                <a:latin typeface="G마켓 산스 Medium" panose="02000000000000000000" pitchFamily="50" charset="-127"/>
+                <a:ea typeface="G마켓 산스 Medium" panose="02000000000000000000" pitchFamily="50" charset="-127"/>
+              </a:rPr>
+              <a:t>이다</a:t>
+            </a:r>
+            <a:r>
+              <a:rPr lang="en-US" altLang="ko-KR" sz="2800" smtClean="0">
+                <a:solidFill>
+                  <a:schemeClr val="tx2">
+                    <a:lumMod val="60000"/>
+                    <a:lumOff val="40000"/>
+                  </a:schemeClr>
+                </a:solidFill>
+                <a:latin typeface="G마켓 산스 Medium" panose="02000000000000000000" pitchFamily="50" charset="-127"/>
+                <a:ea typeface="G마켓 산스 Medium" panose="02000000000000000000" pitchFamily="50" charset="-127"/>
+              </a:rPr>
+              <a:t>.</a:t>
+            </a:r>
+            <a:endParaRPr lang="en-US" altLang="ko-KR" sz="2800" dirty="0">
+              <a:solidFill>
+                <a:schemeClr val="tx2">
+                  <a:lumMod val="60000"/>
+                  <a:lumOff val="40000"/>
+                </a:schemeClr>
+              </a:solidFill>
+              <a:latin typeface="G마켓 산스 Medium" panose="02000000000000000000" pitchFamily="50" charset="-127"/>
+              <a:ea typeface="G마켓 산스 Medium" panose="02000000000000000000" pitchFamily="50" charset="-127"/>
+            </a:endParaRPr>
+          </a:p>
+        </p:txBody>
+      </p:sp>
+      <p:pic>
+        <p:nvPicPr>
+          <p:cNvPr id="6" name="그림 5"/>
+          <p:cNvPicPr>
+            <a:picLocks noChangeAspect="1"/>
+          </p:cNvPicPr>
+          <p:nvPr/>
+        </p:nvPicPr>
+        <p:blipFill>
+          <a:blip r:embed="rId2"/>
+          <a:stretch>
+            <a:fillRect/>
+          </a:stretch>
+        </p:blipFill>
+        <p:spPr>
+          <a:xfrm>
+            <a:off x="457200" y="8724900"/>
+            <a:ext cx="9109166" cy="1219200"/>
+          </a:xfrm>
+          <a:prstGeom prst="rect">
+            <a:avLst/>
+          </a:prstGeom>
+        </p:spPr>
+      </p:pic>
+      <p:pic>
+        <p:nvPicPr>
+          <p:cNvPr id="10" name="그림 9"/>
+          <p:cNvPicPr>
+            <a:picLocks noChangeAspect="1"/>
+          </p:cNvPicPr>
+          <p:nvPr/>
+        </p:nvPicPr>
+        <p:blipFill>
+          <a:blip r:embed="rId3"/>
+          <a:stretch>
+            <a:fillRect/>
+          </a:stretch>
+        </p:blipFill>
+        <p:spPr>
+          <a:xfrm>
+            <a:off x="304801" y="3314700"/>
+            <a:ext cx="9764486" cy="5257800"/>
+          </a:xfrm>
+          <a:prstGeom prst="rect">
+            <a:avLst/>
+          </a:prstGeom>
+        </p:spPr>
+      </p:pic>
+      <p:pic>
+        <p:nvPicPr>
+          <p:cNvPr id="11" name="그림 10"/>
+          <p:cNvPicPr>
+            <a:picLocks noChangeAspect="1"/>
+          </p:cNvPicPr>
+          <p:nvPr/>
+        </p:nvPicPr>
+        <p:blipFill>
+          <a:blip r:embed="rId4"/>
+          <a:stretch>
+            <a:fillRect/>
+          </a:stretch>
+        </p:blipFill>
+        <p:spPr>
+          <a:xfrm>
+            <a:off x="10744200" y="2552700"/>
+            <a:ext cx="7086600" cy="7614794"/>
+          </a:xfrm>
+          <a:prstGeom prst="rect">
+            <a:avLst/>
+          </a:prstGeom>
+        </p:spPr>
+      </p:pic>
+    </p:spTree>
+    <p:extLst>
+      <p:ext uri="{BB962C8B-B14F-4D97-AF65-F5344CB8AC3E}">
+        <p14:creationId xmlns:p14="http://schemas.microsoft.com/office/powerpoint/2010/main" val="3727947807"/>
+      </p:ext>
+    </p:extLst>
+  </p:cSld>
+  <p:clrMapOvr>
+    <a:masterClrMapping/>
+  </p:clrMapOvr>
+</p:sld>
+</file>
+
+<file path=ppt/slides/slide52.xml><?xml version="1.0" encoding="utf-8"?>
+<p:sld xmlns:a="http://schemas.openxmlformats.org/drawingml/2006/main" xmlns:r="http://schemas.openxmlformats.org/officeDocument/2006/relationships" xmlns:p="http://schemas.openxmlformats.org/presentationml/2006/main">
+  <p:cSld>
+    <p:spTree>
+      <p:nvGrpSpPr>
+        <p:cNvPr id="1" name=""/>
+        <p:cNvGrpSpPr/>
+        <p:nvPr/>
+      </p:nvGrpSpPr>
+      <p:grpSpPr>
+        <a:xfrm>
+          <a:off x="0" y="0"/>
+          <a:ext cx="0" cy="0"/>
+          <a:chOff x="0" y="0"/>
+          <a:chExt cx="0" cy="0"/>
+        </a:xfrm>
+      </p:grpSpPr>
+      <p:sp>
+        <p:nvSpPr>
+          <p:cNvPr id="4" name="TextBox 3">
+            <a:extLst>
+              <a:ext uri="{FF2B5EF4-FFF2-40B4-BE49-F238E27FC236}">
+                <a16:creationId xmlns="" xmlns:a16="http://schemas.microsoft.com/office/drawing/2014/main" id="{2E843C5C-F5F0-B014-4B60-31604E120CA8}"/>
+              </a:ext>
+            </a:extLst>
+          </p:cNvPr>
+          <p:cNvSpPr txBox="1"/>
+          <p:nvPr/>
+        </p:nvSpPr>
+        <p:spPr>
+          <a:xfrm>
+            <a:off x="228600" y="1319867"/>
+            <a:ext cx="17373600" cy="8340745"/>
+          </a:xfrm>
+          <a:prstGeom prst="rect">
+            <a:avLst/>
+          </a:prstGeom>
+          <a:noFill/>
+        </p:spPr>
+        <p:txBody>
+          <a:bodyPr wrap="square" rtlCol="0">
+            <a:spAutoFit/>
+          </a:bodyPr>
+          <a:lstStyle/>
+          <a:p>
+            <a:r>
+              <a:rPr lang="ko-KR" altLang="en-US" sz="4000" smtClean="0">
+                <a:solidFill>
+                  <a:schemeClr val="tx1">
+                    <a:lumMod val="50000"/>
+                    <a:lumOff val="50000"/>
+                  </a:schemeClr>
+                </a:solidFill>
+                <a:latin typeface="G마켓 산스 Medium" panose="02000000000000000000" pitchFamily="50" charset="-127"/>
+                <a:ea typeface="G마켓 산스 Medium" panose="02000000000000000000" pitchFamily="50" charset="-127"/>
+              </a:rPr>
+              <a:t>실습문제 </a:t>
+            </a:r>
+            <a:r>
+              <a:rPr lang="en-US" altLang="ko-KR" sz="4000">
+                <a:solidFill>
+                  <a:schemeClr val="tx1">
+                    <a:lumMod val="50000"/>
+                    <a:lumOff val="50000"/>
+                  </a:schemeClr>
+                </a:solidFill>
+                <a:latin typeface="G마켓 산스 Medium" panose="02000000000000000000" pitchFamily="50" charset="-127"/>
+                <a:ea typeface="G마켓 산스 Medium" panose="02000000000000000000" pitchFamily="50" charset="-127"/>
+              </a:rPr>
+              <a:t>1</a:t>
+            </a:r>
+            <a:r>
+              <a:rPr lang="ko-KR" altLang="en-US" sz="4000">
+                <a:solidFill>
+                  <a:schemeClr val="tx1">
+                    <a:lumMod val="50000"/>
+                    <a:lumOff val="50000"/>
+                  </a:schemeClr>
+                </a:solidFill>
+                <a:latin typeface="G마켓 산스 Medium" panose="02000000000000000000" pitchFamily="50" charset="-127"/>
+                <a:ea typeface="G마켓 산스 Medium" panose="02000000000000000000" pitchFamily="50" charset="-127"/>
+              </a:rPr>
+              <a:t>의 </a:t>
+            </a:r>
+            <a:r>
+              <a:rPr lang="ko-KR" altLang="en-US" sz="4000" smtClean="0">
+                <a:solidFill>
+                  <a:schemeClr val="tx1">
+                    <a:lumMod val="50000"/>
+                    <a:lumOff val="50000"/>
+                  </a:schemeClr>
+                </a:solidFill>
+                <a:latin typeface="G마켓 산스 Medium" panose="02000000000000000000" pitchFamily="50" charset="-127"/>
+                <a:ea typeface="G마켓 산스 Medium" panose="02000000000000000000" pitchFamily="50" charset="-127"/>
+              </a:rPr>
+              <a:t> </a:t>
+            </a:r>
+            <a:r>
+              <a:rPr lang="en-US" altLang="ko-KR" sz="4000" smtClean="0">
+                <a:solidFill>
+                  <a:schemeClr val="tx1">
+                    <a:lumMod val="50000"/>
+                    <a:lumOff val="50000"/>
+                  </a:schemeClr>
+                </a:solidFill>
+                <a:latin typeface="G마켓 산스 Medium" panose="02000000000000000000" pitchFamily="50" charset="-127"/>
+                <a:ea typeface="G마켓 산스 Medium" panose="02000000000000000000" pitchFamily="50" charset="-127"/>
+              </a:rPr>
+              <a:t>SutdaDeck</a:t>
+            </a:r>
+            <a:r>
+              <a:rPr lang="ko-KR" altLang="en-US" sz="4000" smtClean="0">
+                <a:solidFill>
+                  <a:schemeClr val="tx1">
+                    <a:lumMod val="50000"/>
+                    <a:lumOff val="50000"/>
+                  </a:schemeClr>
+                </a:solidFill>
+                <a:latin typeface="G마켓 산스 Medium" panose="02000000000000000000" pitchFamily="50" charset="-127"/>
+                <a:ea typeface="G마켓 산스 Medium" panose="02000000000000000000" pitchFamily="50" charset="-127"/>
+              </a:rPr>
+              <a:t>클래스에 </a:t>
+            </a:r>
+            <a:r>
+              <a:rPr lang="ko-KR" altLang="en-US" sz="4000">
+                <a:solidFill>
+                  <a:schemeClr val="tx1">
+                    <a:lumMod val="50000"/>
+                    <a:lumOff val="50000"/>
+                  </a:schemeClr>
+                </a:solidFill>
+                <a:latin typeface="G마켓 산스 Medium" panose="02000000000000000000" pitchFamily="50" charset="-127"/>
+                <a:ea typeface="G마켓 산스 Medium" panose="02000000000000000000" pitchFamily="50" charset="-127"/>
+              </a:rPr>
+              <a:t>다음에 정의된 새로운 메서드를 추가하고 </a:t>
+            </a:r>
+            <a:r>
+              <a:rPr lang="ko-KR" altLang="en-US" sz="4000">
+                <a:solidFill>
+                  <a:schemeClr val="tx1">
+                    <a:lumMod val="50000"/>
+                    <a:lumOff val="50000"/>
+                  </a:schemeClr>
+                </a:solidFill>
+                <a:latin typeface="G마켓 산스 Medium" panose="02000000000000000000" pitchFamily="50" charset="-127"/>
+                <a:ea typeface="G마켓 산스 Medium" panose="02000000000000000000" pitchFamily="50" charset="-127"/>
+              </a:rPr>
+              <a:t>테스트 </a:t>
+            </a:r>
+            <a:r>
+              <a:rPr lang="ko-KR" altLang="en-US" sz="4000" smtClean="0">
+                <a:solidFill>
+                  <a:schemeClr val="tx1">
+                    <a:lumMod val="50000"/>
+                    <a:lumOff val="50000"/>
+                  </a:schemeClr>
+                </a:solidFill>
+                <a:latin typeface="G마켓 산스 Medium" panose="02000000000000000000" pitchFamily="50" charset="-127"/>
+                <a:ea typeface="G마켓 산스 Medium" panose="02000000000000000000" pitchFamily="50" charset="-127"/>
+              </a:rPr>
+              <a:t>하시오</a:t>
+            </a:r>
+            <a:endParaRPr lang="en-US" altLang="ko-KR" sz="4000" smtClean="0">
+              <a:solidFill>
+                <a:schemeClr val="tx1">
+                  <a:lumMod val="50000"/>
+                  <a:lumOff val="50000"/>
+                </a:schemeClr>
+              </a:solidFill>
+              <a:latin typeface="G마켓 산스 Medium" panose="02000000000000000000" pitchFamily="50" charset="-127"/>
+              <a:ea typeface="G마켓 산스 Medium" panose="02000000000000000000" pitchFamily="50" charset="-127"/>
+            </a:endParaRPr>
+          </a:p>
+          <a:p>
+            <a:endParaRPr lang="en-US" altLang="ko-KR" sz="4000" smtClean="0">
+              <a:solidFill>
+                <a:schemeClr val="tx1">
+                  <a:lumMod val="50000"/>
+                  <a:lumOff val="50000"/>
+                </a:schemeClr>
+              </a:solidFill>
+              <a:latin typeface="G마켓 산스 Medium" panose="02000000000000000000" pitchFamily="50" charset="-127"/>
+              <a:ea typeface="G마켓 산스 Medium" panose="02000000000000000000" pitchFamily="50" charset="-127"/>
+            </a:endParaRPr>
+          </a:p>
+          <a:p>
+            <a:r>
+              <a:rPr lang="ko-KR" altLang="en-US" sz="3200">
+                <a:solidFill>
+                  <a:schemeClr val="tx1">
+                    <a:lumMod val="50000"/>
+                    <a:lumOff val="50000"/>
+                  </a:schemeClr>
+                </a:solidFill>
+                <a:latin typeface="G마켓 산스 Medium" panose="02000000000000000000" pitchFamily="50" charset="-127"/>
+                <a:ea typeface="G마켓 산스 Medium" panose="02000000000000000000" pitchFamily="50" charset="-127"/>
+              </a:rPr>
+              <a:t>메서드명 </a:t>
+            </a:r>
+            <a:r>
+              <a:rPr lang="en-US" altLang="ko-KR" sz="3200">
+                <a:solidFill>
+                  <a:schemeClr val="tx1">
+                    <a:lumMod val="50000"/>
+                    <a:lumOff val="50000"/>
+                  </a:schemeClr>
+                </a:solidFill>
+                <a:latin typeface="G마켓 산스 Medium" panose="02000000000000000000" pitchFamily="50" charset="-127"/>
+                <a:ea typeface="G마켓 산스 Medium" panose="02000000000000000000" pitchFamily="50" charset="-127"/>
+              </a:rPr>
+              <a:t>: shuffle</a:t>
+            </a:r>
+          </a:p>
+          <a:p>
+            <a:r>
+              <a:rPr lang="ko-KR" altLang="en-US" sz="3200">
+                <a:solidFill>
+                  <a:schemeClr val="tx1">
+                    <a:lumMod val="50000"/>
+                    <a:lumOff val="50000"/>
+                  </a:schemeClr>
+                </a:solidFill>
+                <a:latin typeface="G마켓 산스 Medium" panose="02000000000000000000" pitchFamily="50" charset="-127"/>
+                <a:ea typeface="G마켓 산스 Medium" panose="02000000000000000000" pitchFamily="50" charset="-127"/>
+              </a:rPr>
+              <a:t>기능 </a:t>
+            </a:r>
+            <a:r>
+              <a:rPr lang="en-US" altLang="ko-KR" sz="3200">
+                <a:solidFill>
+                  <a:schemeClr val="tx1">
+                    <a:lumMod val="50000"/>
+                    <a:lumOff val="50000"/>
+                  </a:schemeClr>
+                </a:solidFill>
+                <a:latin typeface="G마켓 산스 Medium" panose="02000000000000000000" pitchFamily="50" charset="-127"/>
+                <a:ea typeface="G마켓 산스 Medium" panose="02000000000000000000" pitchFamily="50" charset="-127"/>
+              </a:rPr>
+              <a:t>: </a:t>
+            </a:r>
+            <a:r>
+              <a:rPr lang="ko-KR" altLang="en-US" sz="3200">
+                <a:solidFill>
+                  <a:schemeClr val="tx1">
+                    <a:lumMod val="50000"/>
+                    <a:lumOff val="50000"/>
+                  </a:schemeClr>
+                </a:solidFill>
+                <a:latin typeface="G마켓 산스 Medium" panose="02000000000000000000" pitchFamily="50" charset="-127"/>
+                <a:ea typeface="G마켓 산스 Medium" panose="02000000000000000000" pitchFamily="50" charset="-127"/>
+              </a:rPr>
+              <a:t>배열 </a:t>
+            </a:r>
+            <a:r>
+              <a:rPr lang="en-US" altLang="ko-KR" sz="3200">
+                <a:solidFill>
+                  <a:schemeClr val="tx1">
+                    <a:lumMod val="50000"/>
+                    <a:lumOff val="50000"/>
+                  </a:schemeClr>
+                </a:solidFill>
+                <a:latin typeface="G마켓 산스 Medium" panose="02000000000000000000" pitchFamily="50" charset="-127"/>
+                <a:ea typeface="G마켓 산스 Medium" panose="02000000000000000000" pitchFamily="50" charset="-127"/>
+              </a:rPr>
+              <a:t>cards</a:t>
+            </a:r>
+            <a:r>
+              <a:rPr lang="ko-KR" altLang="en-US" sz="3200">
+                <a:solidFill>
+                  <a:schemeClr val="tx1">
+                    <a:lumMod val="50000"/>
+                    <a:lumOff val="50000"/>
+                  </a:schemeClr>
+                </a:solidFill>
+                <a:latin typeface="G마켓 산스 Medium" panose="02000000000000000000" pitchFamily="50" charset="-127"/>
+                <a:ea typeface="G마켓 산스 Medium" panose="02000000000000000000" pitchFamily="50" charset="-127"/>
+              </a:rPr>
+              <a:t>에 담긴 카드의 위치를 뒤섞는다</a:t>
+            </a:r>
+            <a:r>
+              <a:rPr lang="en-US" altLang="ko-KR" sz="3200">
+                <a:solidFill>
+                  <a:schemeClr val="tx1">
+                    <a:lumMod val="50000"/>
+                    <a:lumOff val="50000"/>
+                  </a:schemeClr>
+                </a:solidFill>
+                <a:latin typeface="G마켓 산스 Medium" panose="02000000000000000000" pitchFamily="50" charset="-127"/>
+                <a:ea typeface="G마켓 산스 Medium" panose="02000000000000000000" pitchFamily="50" charset="-127"/>
+              </a:rPr>
+              <a:t>. ( Math.random </a:t>
+            </a:r>
+            <a:r>
+              <a:rPr lang="ko-KR" altLang="en-US" sz="3200">
+                <a:solidFill>
+                  <a:schemeClr val="tx1">
+                    <a:lumMod val="50000"/>
+                    <a:lumOff val="50000"/>
+                  </a:schemeClr>
+                </a:solidFill>
+                <a:latin typeface="G마켓 산스 Medium" panose="02000000000000000000" pitchFamily="50" charset="-127"/>
+                <a:ea typeface="G마켓 산스 Medium" panose="02000000000000000000" pitchFamily="50" charset="-127"/>
+              </a:rPr>
+              <a:t>활용</a:t>
+            </a:r>
+            <a:r>
+              <a:rPr lang="en-US" altLang="ko-KR" sz="3200">
+                <a:solidFill>
+                  <a:schemeClr val="tx1">
+                    <a:lumMod val="50000"/>
+                    <a:lumOff val="50000"/>
+                  </a:schemeClr>
+                </a:solidFill>
+                <a:latin typeface="G마켓 산스 Medium" panose="02000000000000000000" pitchFamily="50" charset="-127"/>
+                <a:ea typeface="G마켓 산스 Medium" panose="02000000000000000000" pitchFamily="50" charset="-127"/>
+              </a:rPr>
+              <a:t>)</a:t>
+            </a:r>
+          </a:p>
+          <a:p>
+            <a:r>
+              <a:rPr lang="ko-KR" altLang="en-US" sz="3200">
+                <a:solidFill>
+                  <a:schemeClr val="tx1">
+                    <a:lumMod val="50000"/>
+                    <a:lumOff val="50000"/>
+                  </a:schemeClr>
+                </a:solidFill>
+                <a:latin typeface="G마켓 산스 Medium" panose="02000000000000000000" pitchFamily="50" charset="-127"/>
+                <a:ea typeface="G마켓 산스 Medium" panose="02000000000000000000" pitchFamily="50" charset="-127"/>
+              </a:rPr>
+              <a:t>반환</a:t>
+            </a:r>
+            <a:r>
+              <a:rPr lang="en-US" altLang="ko-KR" sz="3200">
+                <a:solidFill>
+                  <a:schemeClr val="tx1">
+                    <a:lumMod val="50000"/>
+                    <a:lumOff val="50000"/>
+                  </a:schemeClr>
+                </a:solidFill>
+                <a:latin typeface="G마켓 산스 Medium" panose="02000000000000000000" pitchFamily="50" charset="-127"/>
+                <a:ea typeface="G마켓 산스 Medium" panose="02000000000000000000" pitchFamily="50" charset="-127"/>
+              </a:rPr>
+              <a:t>,</a:t>
+            </a:r>
+            <a:r>
+              <a:rPr lang="ko-KR" altLang="en-US" sz="3200">
+                <a:solidFill>
+                  <a:schemeClr val="tx1">
+                    <a:lumMod val="50000"/>
+                    <a:lumOff val="50000"/>
+                  </a:schemeClr>
+                </a:solidFill>
+                <a:latin typeface="G마켓 산스 Medium" panose="02000000000000000000" pitchFamily="50" charset="-127"/>
+                <a:ea typeface="G마켓 산스 Medium" panose="02000000000000000000" pitchFamily="50" charset="-127"/>
+              </a:rPr>
+              <a:t>매개변수 없음</a:t>
+            </a:r>
+          </a:p>
+          <a:p>
+            <a:endParaRPr lang="ko-KR" altLang="en-US" sz="3200">
+              <a:solidFill>
+                <a:schemeClr val="tx1">
+                  <a:lumMod val="50000"/>
+                  <a:lumOff val="50000"/>
+                </a:schemeClr>
+              </a:solidFill>
+              <a:latin typeface="G마켓 산스 Medium" panose="02000000000000000000" pitchFamily="50" charset="-127"/>
+              <a:ea typeface="G마켓 산스 Medium" panose="02000000000000000000" pitchFamily="50" charset="-127"/>
+            </a:endParaRPr>
+          </a:p>
+          <a:p>
+            <a:r>
+              <a:rPr lang="ko-KR" altLang="en-US" sz="3200">
+                <a:solidFill>
+                  <a:schemeClr val="tx1">
+                    <a:lumMod val="50000"/>
+                    <a:lumOff val="50000"/>
+                  </a:schemeClr>
+                </a:solidFill>
+                <a:latin typeface="G마켓 산스 Medium" panose="02000000000000000000" pitchFamily="50" charset="-127"/>
+                <a:ea typeface="G마켓 산스 Medium" panose="02000000000000000000" pitchFamily="50" charset="-127"/>
+              </a:rPr>
+              <a:t>메서드명</a:t>
+            </a:r>
+            <a:r>
+              <a:rPr lang="en-US" altLang="ko-KR" sz="3200">
+                <a:solidFill>
+                  <a:schemeClr val="tx1">
+                    <a:lumMod val="50000"/>
+                    <a:lumOff val="50000"/>
+                  </a:schemeClr>
+                </a:solidFill>
+                <a:latin typeface="G마켓 산스 Medium" panose="02000000000000000000" pitchFamily="50" charset="-127"/>
+                <a:ea typeface="G마켓 산스 Medium" panose="02000000000000000000" pitchFamily="50" charset="-127"/>
+              </a:rPr>
+              <a:t>: pick</a:t>
+            </a:r>
+          </a:p>
+          <a:p>
+            <a:r>
+              <a:rPr lang="ko-KR" altLang="en-US" sz="3200">
+                <a:solidFill>
+                  <a:schemeClr val="tx1">
+                    <a:lumMod val="50000"/>
+                    <a:lumOff val="50000"/>
+                  </a:schemeClr>
+                </a:solidFill>
+                <a:latin typeface="G마켓 산스 Medium" panose="02000000000000000000" pitchFamily="50" charset="-127"/>
+                <a:ea typeface="G마켓 산스 Medium" panose="02000000000000000000" pitchFamily="50" charset="-127"/>
+              </a:rPr>
+              <a:t>기능 </a:t>
+            </a:r>
+            <a:r>
+              <a:rPr lang="en-US" altLang="ko-KR" sz="3200">
+                <a:solidFill>
+                  <a:schemeClr val="tx1">
+                    <a:lumMod val="50000"/>
+                    <a:lumOff val="50000"/>
+                  </a:schemeClr>
+                </a:solidFill>
+                <a:latin typeface="G마켓 산스 Medium" panose="02000000000000000000" pitchFamily="50" charset="-127"/>
+                <a:ea typeface="G마켓 산스 Medium" panose="02000000000000000000" pitchFamily="50" charset="-127"/>
+              </a:rPr>
+              <a:t>: </a:t>
+            </a:r>
+            <a:r>
+              <a:rPr lang="ko-KR" altLang="en-US" sz="3200">
+                <a:solidFill>
+                  <a:schemeClr val="tx1">
+                    <a:lumMod val="50000"/>
+                    <a:lumOff val="50000"/>
+                  </a:schemeClr>
+                </a:solidFill>
+                <a:latin typeface="G마켓 산스 Medium" panose="02000000000000000000" pitchFamily="50" charset="-127"/>
+                <a:ea typeface="G마켓 산스 Medium" panose="02000000000000000000" pitchFamily="50" charset="-127"/>
+              </a:rPr>
+              <a:t>배열 </a:t>
+            </a:r>
+            <a:r>
+              <a:rPr lang="en-US" altLang="ko-KR" sz="3200">
+                <a:solidFill>
+                  <a:schemeClr val="tx1">
+                    <a:lumMod val="50000"/>
+                    <a:lumOff val="50000"/>
+                  </a:schemeClr>
+                </a:solidFill>
+                <a:latin typeface="G마켓 산스 Medium" panose="02000000000000000000" pitchFamily="50" charset="-127"/>
+                <a:ea typeface="G마켓 산스 Medium" panose="02000000000000000000" pitchFamily="50" charset="-127"/>
+              </a:rPr>
+              <a:t>cards</a:t>
+            </a:r>
+            <a:r>
+              <a:rPr lang="ko-KR" altLang="en-US" sz="3200">
+                <a:solidFill>
+                  <a:schemeClr val="tx1">
+                    <a:lumMod val="50000"/>
+                    <a:lumOff val="50000"/>
+                  </a:schemeClr>
+                </a:solidFill>
+                <a:latin typeface="G마켓 산스 Medium" panose="02000000000000000000" pitchFamily="50" charset="-127"/>
+                <a:ea typeface="G마켓 산스 Medium" panose="02000000000000000000" pitchFamily="50" charset="-127"/>
+              </a:rPr>
+              <a:t>에서 지정된 위치의 </a:t>
+            </a:r>
+            <a:r>
+              <a:rPr lang="en-US" altLang="ko-KR" sz="3200">
+                <a:solidFill>
+                  <a:schemeClr val="tx1">
+                    <a:lumMod val="50000"/>
+                    <a:lumOff val="50000"/>
+                  </a:schemeClr>
+                </a:solidFill>
+                <a:latin typeface="G마켓 산스 Medium" panose="02000000000000000000" pitchFamily="50" charset="-127"/>
+                <a:ea typeface="G마켓 산스 Medium" panose="02000000000000000000" pitchFamily="50" charset="-127"/>
+              </a:rPr>
+              <a:t>SutdaCard</a:t>
+            </a:r>
+            <a:r>
+              <a:rPr lang="ko-KR" altLang="en-US" sz="3200">
+                <a:solidFill>
+                  <a:schemeClr val="tx1">
+                    <a:lumMod val="50000"/>
+                    <a:lumOff val="50000"/>
+                  </a:schemeClr>
+                </a:solidFill>
+                <a:latin typeface="G마켓 산스 Medium" panose="02000000000000000000" pitchFamily="50" charset="-127"/>
+                <a:ea typeface="G마켓 산스 Medium" panose="02000000000000000000" pitchFamily="50" charset="-127"/>
+              </a:rPr>
+              <a:t>를 반환한다</a:t>
+            </a:r>
+            <a:r>
+              <a:rPr lang="en-US" altLang="ko-KR" sz="3200">
+                <a:solidFill>
+                  <a:schemeClr val="tx1">
+                    <a:lumMod val="50000"/>
+                    <a:lumOff val="50000"/>
+                  </a:schemeClr>
+                </a:solidFill>
+                <a:latin typeface="G마켓 산스 Medium" panose="02000000000000000000" pitchFamily="50" charset="-127"/>
+                <a:ea typeface="G마켓 산스 Medium" panose="02000000000000000000" pitchFamily="50" charset="-127"/>
+              </a:rPr>
+              <a:t>.</a:t>
+            </a:r>
+          </a:p>
+          <a:p>
+            <a:r>
+              <a:rPr lang="ko-KR" altLang="en-US" sz="3200">
+                <a:solidFill>
+                  <a:schemeClr val="tx1">
+                    <a:lumMod val="50000"/>
+                    <a:lumOff val="50000"/>
+                  </a:schemeClr>
+                </a:solidFill>
+                <a:latin typeface="G마켓 산스 Medium" panose="02000000000000000000" pitchFamily="50" charset="-127"/>
+                <a:ea typeface="G마켓 산스 Medium" panose="02000000000000000000" pitchFamily="50" charset="-127"/>
+              </a:rPr>
+              <a:t>반환타입 </a:t>
+            </a:r>
+            <a:r>
+              <a:rPr lang="en-US" altLang="ko-KR" sz="3200">
+                <a:solidFill>
+                  <a:schemeClr val="tx1">
+                    <a:lumMod val="50000"/>
+                    <a:lumOff val="50000"/>
+                  </a:schemeClr>
+                </a:solidFill>
+                <a:latin typeface="G마켓 산스 Medium" panose="02000000000000000000" pitchFamily="50" charset="-127"/>
+                <a:ea typeface="G마켓 산스 Medium" panose="02000000000000000000" pitchFamily="50" charset="-127"/>
+              </a:rPr>
+              <a:t>: SutdaCard</a:t>
+            </a:r>
+          </a:p>
+          <a:p>
+            <a:r>
+              <a:rPr lang="ko-KR" altLang="en-US" sz="3200">
+                <a:solidFill>
+                  <a:schemeClr val="tx1">
+                    <a:lumMod val="50000"/>
+                    <a:lumOff val="50000"/>
+                  </a:schemeClr>
+                </a:solidFill>
+                <a:latin typeface="G마켓 산스 Medium" panose="02000000000000000000" pitchFamily="50" charset="-127"/>
+                <a:ea typeface="G마켓 산스 Medium" panose="02000000000000000000" pitchFamily="50" charset="-127"/>
+              </a:rPr>
+              <a:t>매개변수 </a:t>
+            </a:r>
+            <a:r>
+              <a:rPr lang="en-US" altLang="ko-KR" sz="3200">
+                <a:solidFill>
+                  <a:schemeClr val="tx1">
+                    <a:lumMod val="50000"/>
+                    <a:lumOff val="50000"/>
+                  </a:schemeClr>
+                </a:solidFill>
+                <a:latin typeface="G마켓 산스 Medium" panose="02000000000000000000" pitchFamily="50" charset="-127"/>
+                <a:ea typeface="G마켓 산스 Medium" panose="02000000000000000000" pitchFamily="50" charset="-127"/>
+              </a:rPr>
+              <a:t>: int index, </a:t>
+            </a:r>
+            <a:r>
+              <a:rPr lang="ko-KR" altLang="en-US" sz="3200">
+                <a:solidFill>
+                  <a:schemeClr val="tx1">
+                    <a:lumMod val="50000"/>
+                    <a:lumOff val="50000"/>
+                  </a:schemeClr>
+                </a:solidFill>
+                <a:latin typeface="G마켓 산스 Medium" panose="02000000000000000000" pitchFamily="50" charset="-127"/>
+                <a:ea typeface="G마켓 산스 Medium" panose="02000000000000000000" pitchFamily="50" charset="-127"/>
+              </a:rPr>
+              <a:t>배열의 인덱스</a:t>
+            </a:r>
+          </a:p>
+          <a:p>
+            <a:endParaRPr lang="ko-KR" altLang="en-US" sz="3200">
+              <a:solidFill>
+                <a:schemeClr val="tx1">
+                  <a:lumMod val="50000"/>
+                  <a:lumOff val="50000"/>
+                </a:schemeClr>
+              </a:solidFill>
+              <a:latin typeface="G마켓 산스 Medium" panose="02000000000000000000" pitchFamily="50" charset="-127"/>
+              <a:ea typeface="G마켓 산스 Medium" panose="02000000000000000000" pitchFamily="50" charset="-127"/>
+            </a:endParaRPr>
+          </a:p>
+          <a:p>
+            <a:r>
+              <a:rPr lang="ko-KR" altLang="en-US" sz="3200">
+                <a:solidFill>
+                  <a:schemeClr val="tx1">
+                    <a:lumMod val="50000"/>
+                    <a:lumOff val="50000"/>
+                  </a:schemeClr>
+                </a:solidFill>
+                <a:latin typeface="G마켓 산스 Medium" panose="02000000000000000000" pitchFamily="50" charset="-127"/>
+                <a:ea typeface="G마켓 산스 Medium" panose="02000000000000000000" pitchFamily="50" charset="-127"/>
+              </a:rPr>
+              <a:t>메서드명 </a:t>
+            </a:r>
+            <a:r>
+              <a:rPr lang="en-US" altLang="ko-KR" sz="3200">
+                <a:solidFill>
+                  <a:schemeClr val="tx1">
+                    <a:lumMod val="50000"/>
+                    <a:lumOff val="50000"/>
+                  </a:schemeClr>
+                </a:solidFill>
+                <a:latin typeface="G마켓 산스 Medium" panose="02000000000000000000" pitchFamily="50" charset="-127"/>
+                <a:ea typeface="G마켓 산스 Medium" panose="02000000000000000000" pitchFamily="50" charset="-127"/>
+              </a:rPr>
+              <a:t>pick</a:t>
+            </a:r>
+          </a:p>
+          <a:p>
+            <a:r>
+              <a:rPr lang="ko-KR" altLang="en-US" sz="3200">
+                <a:solidFill>
+                  <a:schemeClr val="tx1">
+                    <a:lumMod val="50000"/>
+                    <a:lumOff val="50000"/>
+                  </a:schemeClr>
+                </a:solidFill>
+                <a:latin typeface="G마켓 산스 Medium" panose="02000000000000000000" pitchFamily="50" charset="-127"/>
+                <a:ea typeface="G마켓 산스 Medium" panose="02000000000000000000" pitchFamily="50" charset="-127"/>
+              </a:rPr>
+              <a:t>기능 </a:t>
+            </a:r>
+            <a:r>
+              <a:rPr lang="en-US" altLang="ko-KR" sz="3200">
+                <a:solidFill>
+                  <a:schemeClr val="tx1">
+                    <a:lumMod val="50000"/>
+                    <a:lumOff val="50000"/>
+                  </a:schemeClr>
+                </a:solidFill>
+                <a:latin typeface="G마켓 산스 Medium" panose="02000000000000000000" pitchFamily="50" charset="-127"/>
+                <a:ea typeface="G마켓 산스 Medium" panose="02000000000000000000" pitchFamily="50" charset="-127"/>
+              </a:rPr>
+              <a:t>: </a:t>
+            </a:r>
+            <a:r>
+              <a:rPr lang="ko-KR" altLang="en-US" sz="3200">
+                <a:solidFill>
+                  <a:schemeClr val="tx1">
+                    <a:lumMod val="50000"/>
+                    <a:lumOff val="50000"/>
+                  </a:schemeClr>
+                </a:solidFill>
+                <a:latin typeface="G마켓 산스 Medium" panose="02000000000000000000" pitchFamily="50" charset="-127"/>
+                <a:ea typeface="G마켓 산스 Medium" panose="02000000000000000000" pitchFamily="50" charset="-127"/>
+              </a:rPr>
+              <a:t>배열 </a:t>
+            </a:r>
+            <a:r>
+              <a:rPr lang="en-US" altLang="ko-KR" sz="3200">
+                <a:solidFill>
+                  <a:schemeClr val="tx1">
+                    <a:lumMod val="50000"/>
+                    <a:lumOff val="50000"/>
+                  </a:schemeClr>
+                </a:solidFill>
+                <a:latin typeface="G마켓 산스 Medium" panose="02000000000000000000" pitchFamily="50" charset="-127"/>
+                <a:ea typeface="G마켓 산스 Medium" panose="02000000000000000000" pitchFamily="50" charset="-127"/>
+              </a:rPr>
+              <a:t>cards</a:t>
+            </a:r>
+            <a:r>
+              <a:rPr lang="ko-KR" altLang="en-US" sz="3200">
+                <a:solidFill>
+                  <a:schemeClr val="tx1">
+                    <a:lumMod val="50000"/>
+                    <a:lumOff val="50000"/>
+                  </a:schemeClr>
+                </a:solidFill>
+                <a:latin typeface="G마켓 산스 Medium" panose="02000000000000000000" pitchFamily="50" charset="-127"/>
+                <a:ea typeface="G마켓 산스 Medium" panose="02000000000000000000" pitchFamily="50" charset="-127"/>
+              </a:rPr>
+              <a:t>에서 랜덤위치의 </a:t>
+            </a:r>
+            <a:r>
+              <a:rPr lang="en-US" altLang="ko-KR" sz="3200">
+                <a:solidFill>
+                  <a:schemeClr val="tx1">
+                    <a:lumMod val="50000"/>
+                    <a:lumOff val="50000"/>
+                  </a:schemeClr>
+                </a:solidFill>
+                <a:latin typeface="G마켓 산스 Medium" panose="02000000000000000000" pitchFamily="50" charset="-127"/>
+                <a:ea typeface="G마켓 산스 Medium" panose="02000000000000000000" pitchFamily="50" charset="-127"/>
+              </a:rPr>
+              <a:t>SutdaCard</a:t>
+            </a:r>
+            <a:r>
+              <a:rPr lang="ko-KR" altLang="en-US" sz="3200">
+                <a:solidFill>
+                  <a:schemeClr val="tx1">
+                    <a:lumMod val="50000"/>
+                    <a:lumOff val="50000"/>
+                  </a:schemeClr>
+                </a:solidFill>
+                <a:latin typeface="G마켓 산스 Medium" panose="02000000000000000000" pitchFamily="50" charset="-127"/>
+                <a:ea typeface="G마켓 산스 Medium" panose="02000000000000000000" pitchFamily="50" charset="-127"/>
+              </a:rPr>
+              <a:t>를 반환 </a:t>
+            </a:r>
+            <a:r>
+              <a:rPr lang="en-US" altLang="ko-KR" sz="3200">
+                <a:solidFill>
+                  <a:schemeClr val="tx1">
+                    <a:lumMod val="50000"/>
+                    <a:lumOff val="50000"/>
+                  </a:schemeClr>
+                </a:solidFill>
+                <a:latin typeface="G마켓 산스 Medium" panose="02000000000000000000" pitchFamily="50" charset="-127"/>
+                <a:ea typeface="G마켓 산스 Medium" panose="02000000000000000000" pitchFamily="50" charset="-127"/>
+              </a:rPr>
+              <a:t>(Math.random </a:t>
+            </a:r>
+            <a:r>
+              <a:rPr lang="ko-KR" altLang="en-US" sz="3200">
+                <a:solidFill>
+                  <a:schemeClr val="tx1">
+                    <a:lumMod val="50000"/>
+                    <a:lumOff val="50000"/>
+                  </a:schemeClr>
+                </a:solidFill>
+                <a:latin typeface="G마켓 산스 Medium" panose="02000000000000000000" pitchFamily="50" charset="-127"/>
+                <a:ea typeface="G마켓 산스 Medium" panose="02000000000000000000" pitchFamily="50" charset="-127"/>
+              </a:rPr>
+              <a:t>활용</a:t>
+            </a:r>
+            <a:r>
+              <a:rPr lang="en-US" altLang="ko-KR" sz="3200">
+                <a:solidFill>
+                  <a:schemeClr val="tx1">
+                    <a:lumMod val="50000"/>
+                    <a:lumOff val="50000"/>
+                  </a:schemeClr>
+                </a:solidFill>
+                <a:latin typeface="G마켓 산스 Medium" panose="02000000000000000000" pitchFamily="50" charset="-127"/>
+                <a:ea typeface="G마켓 산스 Medium" panose="02000000000000000000" pitchFamily="50" charset="-127"/>
+              </a:rPr>
+              <a:t>)</a:t>
+            </a:r>
+          </a:p>
+          <a:p>
+            <a:r>
+              <a:rPr lang="ko-KR" altLang="en-US" sz="3200">
+                <a:solidFill>
+                  <a:schemeClr val="tx1">
+                    <a:lumMod val="50000"/>
+                    <a:lumOff val="50000"/>
+                  </a:schemeClr>
+                </a:solidFill>
+                <a:latin typeface="G마켓 산스 Medium" panose="02000000000000000000" pitchFamily="50" charset="-127"/>
+                <a:ea typeface="G마켓 산스 Medium" panose="02000000000000000000" pitchFamily="50" charset="-127"/>
+              </a:rPr>
+              <a:t>반환타입 </a:t>
+            </a:r>
+            <a:r>
+              <a:rPr lang="en-US" altLang="ko-KR" sz="3200">
+                <a:solidFill>
+                  <a:schemeClr val="tx1">
+                    <a:lumMod val="50000"/>
+                    <a:lumOff val="50000"/>
+                  </a:schemeClr>
+                </a:solidFill>
+                <a:latin typeface="G마켓 산스 Medium" panose="02000000000000000000" pitchFamily="50" charset="-127"/>
+                <a:ea typeface="G마켓 산스 Medium" panose="02000000000000000000" pitchFamily="50" charset="-127"/>
+              </a:rPr>
+              <a:t>: SutdaCard</a:t>
+            </a:r>
+          </a:p>
+          <a:p>
+            <a:r>
+              <a:rPr lang="ko-KR" altLang="en-US" sz="3200">
+                <a:solidFill>
+                  <a:schemeClr val="tx1">
+                    <a:lumMod val="50000"/>
+                    <a:lumOff val="50000"/>
+                  </a:schemeClr>
+                </a:solidFill>
+                <a:latin typeface="G마켓 산스 Medium" panose="02000000000000000000" pitchFamily="50" charset="-127"/>
+                <a:ea typeface="G마켓 산스 Medium" panose="02000000000000000000" pitchFamily="50" charset="-127"/>
+              </a:rPr>
+              <a:t>매개변수 </a:t>
+            </a:r>
+            <a:r>
+              <a:rPr lang="en-US" altLang="ko-KR" sz="3200">
+                <a:solidFill>
+                  <a:schemeClr val="tx1">
+                    <a:lumMod val="50000"/>
+                    <a:lumOff val="50000"/>
+                  </a:schemeClr>
+                </a:solidFill>
+                <a:latin typeface="G마켓 산스 Medium" panose="02000000000000000000" pitchFamily="50" charset="-127"/>
+                <a:ea typeface="G마켓 산스 Medium" panose="02000000000000000000" pitchFamily="50" charset="-127"/>
+              </a:rPr>
+              <a:t>: </a:t>
+            </a:r>
+            <a:r>
+              <a:rPr lang="ko-KR" altLang="en-US" sz="3200">
+                <a:solidFill>
+                  <a:schemeClr val="tx1">
+                    <a:lumMod val="50000"/>
+                    <a:lumOff val="50000"/>
+                  </a:schemeClr>
+                </a:solidFill>
+                <a:latin typeface="G마켓 산스 Medium" panose="02000000000000000000" pitchFamily="50" charset="-127"/>
+                <a:ea typeface="G마켓 산스 Medium" panose="02000000000000000000" pitchFamily="50" charset="-127"/>
+              </a:rPr>
+              <a:t>없음</a:t>
+            </a:r>
+            <a:endParaRPr lang="en-US" altLang="ko-KR" sz="3200">
+              <a:solidFill>
+                <a:schemeClr val="tx1">
+                  <a:lumMod val="50000"/>
+                  <a:lumOff val="50000"/>
+                </a:schemeClr>
+              </a:solidFill>
+              <a:latin typeface="G마켓 산스 Medium" panose="02000000000000000000" pitchFamily="50" charset="-127"/>
+              <a:ea typeface="G마켓 산스 Medium" panose="02000000000000000000" pitchFamily="50" charset="-127"/>
+            </a:endParaRPr>
+          </a:p>
+        </p:txBody>
+      </p:sp>
+      <p:sp>
+        <p:nvSpPr>
+          <p:cNvPr id="6" name="TextBox 5">
+            <a:extLst>
+              <a:ext uri="{FF2B5EF4-FFF2-40B4-BE49-F238E27FC236}">
+                <a16:creationId xmlns="" xmlns:a16="http://schemas.microsoft.com/office/drawing/2014/main" id="{8BD2ED5A-5CA2-F84F-13E6-A2AC3854D891}"/>
+              </a:ext>
+            </a:extLst>
+          </p:cNvPr>
+          <p:cNvSpPr txBox="1"/>
+          <p:nvPr/>
+        </p:nvSpPr>
+        <p:spPr>
+          <a:xfrm>
+            <a:off x="762000" y="419100"/>
+            <a:ext cx="3124200" cy="830997"/>
+          </a:xfrm>
+          <a:prstGeom prst="rect">
+            <a:avLst/>
+          </a:prstGeom>
+          <a:noFill/>
+        </p:spPr>
+        <p:txBody>
+          <a:bodyPr wrap="square" rtlCol="0">
+            <a:spAutoFit/>
+          </a:bodyPr>
+          <a:lstStyle/>
+          <a:p>
+            <a:r>
+              <a:rPr lang="ko-KR" altLang="en-US" sz="4800" smtClean="0">
+                <a:solidFill>
+                  <a:srgbClr val="4C50BC"/>
+                </a:solidFill>
+                <a:latin typeface="G마켓 산스 Medium" panose="02000000000000000000" pitchFamily="50" charset="-127"/>
+                <a:ea typeface="G마켓 산스 Medium" panose="02000000000000000000" pitchFamily="50" charset="-127"/>
+              </a:rPr>
+              <a:t>실습</a:t>
+            </a:r>
+            <a:r>
+              <a:rPr lang="ko-KR" altLang="en-US" sz="4800" smtClean="0">
+                <a:solidFill>
+                  <a:srgbClr val="4C50BC"/>
+                </a:solidFill>
+                <a:latin typeface="G마켓 산스 Medium" panose="02000000000000000000" pitchFamily="50" charset="-127"/>
+                <a:ea typeface="G마켓 산스 Medium" panose="02000000000000000000" pitchFamily="50" charset="-127"/>
+              </a:rPr>
+              <a:t>문제</a:t>
+            </a:r>
+            <a:r>
+              <a:rPr lang="en-US" altLang="ko-KR" sz="4800">
+                <a:solidFill>
+                  <a:srgbClr val="4C50BC"/>
+                </a:solidFill>
+                <a:latin typeface="G마켓 산스 Medium" panose="02000000000000000000" pitchFamily="50" charset="-127"/>
+                <a:ea typeface="G마켓 산스 Medium" panose="02000000000000000000" pitchFamily="50" charset="-127"/>
+              </a:rPr>
+              <a:t>2</a:t>
+            </a:r>
+            <a:endParaRPr lang="en-US" altLang="ko-KR" sz="4800" dirty="0">
+              <a:solidFill>
+                <a:srgbClr val="4C50BC"/>
+              </a:solidFill>
+              <a:latin typeface="G마켓 산스 Medium" panose="02000000000000000000" pitchFamily="50" charset="-127"/>
+              <a:ea typeface="G마켓 산스 Medium" panose="02000000000000000000" pitchFamily="50" charset="-127"/>
+            </a:endParaRPr>
+          </a:p>
+        </p:txBody>
+      </p:sp>
+    </p:spTree>
+    <p:extLst>
+      <p:ext uri="{BB962C8B-B14F-4D97-AF65-F5344CB8AC3E}">
+        <p14:creationId xmlns:p14="http://schemas.microsoft.com/office/powerpoint/2010/main" val="3854071814"/>
+      </p:ext>
+    </p:extLst>
+  </p:cSld>
+  <p:clrMapOvr>
+    <a:masterClrMapping/>
+  </p:clrMapOvr>
+  <p:timing>
+    <p:tnLst>
+      <p:par>
+        <p:cTn id="1" dur="indefinite" restart="never" nodeType="tmRoot"/>
+      </p:par>
+    </p:tnLst>
+  </p:timing>
+</p:sld>
+</file>
+
+<file path=ppt/slides/slide53.xml><?xml version="1.0" encoding="utf-8"?>
+<p:sld xmlns:a="http://schemas.openxmlformats.org/drawingml/2006/main" xmlns:r="http://schemas.openxmlformats.org/officeDocument/2006/relationships" xmlns:p="http://schemas.openxmlformats.org/presentationml/2006/main">
+  <p:cSld>
+    <p:spTree>
+      <p:nvGrpSpPr>
+        <p:cNvPr id="1" name=""/>
+        <p:cNvGrpSpPr/>
+        <p:nvPr/>
+      </p:nvGrpSpPr>
+      <p:grpSpPr>
+        <a:xfrm>
+          <a:off x="0" y="0"/>
+          <a:ext cx="0" cy="0"/>
+          <a:chOff x="0" y="0"/>
+          <a:chExt cx="0" cy="0"/>
+        </a:xfrm>
+      </p:grpSpPr>
+      <p:sp>
+        <p:nvSpPr>
+          <p:cNvPr id="4" name="TextBox 3">
+            <a:extLst>
+              <a:ext uri="{FF2B5EF4-FFF2-40B4-BE49-F238E27FC236}">
+                <a16:creationId xmlns="" xmlns:a16="http://schemas.microsoft.com/office/drawing/2014/main" id="{8BD2ED5A-5CA2-F84F-13E6-A2AC3854D891}"/>
+              </a:ext>
+            </a:extLst>
+          </p:cNvPr>
+          <p:cNvSpPr txBox="1"/>
+          <p:nvPr/>
+        </p:nvSpPr>
+        <p:spPr>
+          <a:xfrm>
+            <a:off x="762000" y="419100"/>
+            <a:ext cx="6248400" cy="830997"/>
+          </a:xfrm>
+          <a:prstGeom prst="rect">
+            <a:avLst/>
+          </a:prstGeom>
+          <a:noFill/>
+        </p:spPr>
+        <p:txBody>
+          <a:bodyPr wrap="square" rtlCol="0">
+            <a:spAutoFit/>
+          </a:bodyPr>
+          <a:lstStyle/>
+          <a:p>
+            <a:r>
+              <a:rPr lang="ko-KR" altLang="en-US" sz="4800" smtClean="0">
+                <a:solidFill>
+                  <a:srgbClr val="4C50BC"/>
+                </a:solidFill>
+                <a:latin typeface="G마켓 산스 Medium" panose="02000000000000000000" pitchFamily="50" charset="-127"/>
+                <a:ea typeface="G마켓 산스 Medium" panose="02000000000000000000" pitchFamily="50" charset="-127"/>
+              </a:rPr>
+              <a:t>실습</a:t>
+            </a:r>
+            <a:r>
+              <a:rPr lang="ko-KR" altLang="en-US" sz="4800" smtClean="0">
+                <a:solidFill>
+                  <a:srgbClr val="4C50BC"/>
+                </a:solidFill>
+                <a:latin typeface="G마켓 산스 Medium" panose="02000000000000000000" pitchFamily="50" charset="-127"/>
+                <a:ea typeface="G마켓 산스 Medium" panose="02000000000000000000" pitchFamily="50" charset="-127"/>
+              </a:rPr>
+              <a:t>문제 풀이</a:t>
+            </a:r>
+            <a:r>
+              <a:rPr lang="en-US" altLang="ko-KR" sz="4800" smtClean="0">
+                <a:solidFill>
+                  <a:srgbClr val="4C50BC"/>
+                </a:solidFill>
+                <a:latin typeface="G마켓 산스 Medium" panose="02000000000000000000" pitchFamily="50" charset="-127"/>
+                <a:ea typeface="G마켓 산스 Medium" panose="02000000000000000000" pitchFamily="50" charset="-127"/>
+              </a:rPr>
+              <a:t>1</a:t>
+            </a:r>
+            <a:endParaRPr lang="en-US" altLang="ko-KR" sz="4800" dirty="0">
+              <a:solidFill>
+                <a:srgbClr val="4C50BC"/>
+              </a:solidFill>
+              <a:latin typeface="G마켓 산스 Medium" panose="02000000000000000000" pitchFamily="50" charset="-127"/>
+              <a:ea typeface="G마켓 산스 Medium" panose="02000000000000000000" pitchFamily="50" charset="-127"/>
+            </a:endParaRPr>
+          </a:p>
+        </p:txBody>
+      </p:sp>
+      <p:pic>
+        <p:nvPicPr>
+          <p:cNvPr id="8" name="그림 7"/>
+          <p:cNvPicPr>
+            <a:picLocks noChangeAspect="1"/>
+          </p:cNvPicPr>
+          <p:nvPr/>
+        </p:nvPicPr>
+        <p:blipFill>
+          <a:blip r:embed="rId2"/>
+          <a:stretch>
+            <a:fillRect/>
+          </a:stretch>
+        </p:blipFill>
+        <p:spPr>
+          <a:xfrm>
+            <a:off x="1143000" y="2892156"/>
+            <a:ext cx="11042572" cy="6899544"/>
+          </a:xfrm>
+          <a:prstGeom prst="rect">
+            <a:avLst/>
+          </a:prstGeom>
+        </p:spPr>
+      </p:pic>
+      <p:sp>
+        <p:nvSpPr>
+          <p:cNvPr id="9" name="TextBox 8">
+            <a:extLst>
+              <a:ext uri="{FF2B5EF4-FFF2-40B4-BE49-F238E27FC236}">
+                <a16:creationId xmlns="" xmlns:a16="http://schemas.microsoft.com/office/drawing/2014/main" id="{2E843C5C-F5F0-B014-4B60-31604E120CA8}"/>
+              </a:ext>
+            </a:extLst>
+          </p:cNvPr>
+          <p:cNvSpPr txBox="1"/>
+          <p:nvPr/>
+        </p:nvSpPr>
+        <p:spPr>
+          <a:xfrm>
+            <a:off x="990600" y="1409700"/>
+            <a:ext cx="14249400" cy="1323439"/>
+          </a:xfrm>
+          <a:prstGeom prst="rect">
+            <a:avLst/>
+          </a:prstGeom>
+          <a:noFill/>
+        </p:spPr>
+        <p:txBody>
+          <a:bodyPr wrap="square" rtlCol="0">
+            <a:spAutoFit/>
+          </a:bodyPr>
+          <a:lstStyle/>
+          <a:p>
+            <a:r>
+              <a:rPr lang="en-US" altLang="ko-KR" sz="4000" smtClean="0">
+                <a:solidFill>
+                  <a:schemeClr val="tx1">
+                    <a:lumMod val="50000"/>
+                    <a:lumOff val="50000"/>
+                  </a:schemeClr>
+                </a:solidFill>
+                <a:latin typeface="G마켓 산스 Medium" panose="02000000000000000000" pitchFamily="50" charset="-127"/>
+                <a:ea typeface="G마켓 산스 Medium" panose="02000000000000000000" pitchFamily="50" charset="-127"/>
+              </a:rPr>
+              <a:t>SutdaDeck</a:t>
+            </a:r>
+            <a:r>
+              <a:rPr lang="ko-KR" altLang="en-US" sz="4000" smtClean="0">
+                <a:solidFill>
+                  <a:schemeClr val="tx1">
+                    <a:lumMod val="50000"/>
+                    <a:lumOff val="50000"/>
+                  </a:schemeClr>
+                </a:solidFill>
+                <a:latin typeface="G마켓 산스 Medium" panose="02000000000000000000" pitchFamily="50" charset="-127"/>
+                <a:ea typeface="G마켓 산스 Medium" panose="02000000000000000000" pitchFamily="50" charset="-127"/>
+              </a:rPr>
+              <a:t>의 생성자에서 </a:t>
+            </a:r>
+            <a:r>
+              <a:rPr lang="en-US" altLang="ko-KR" sz="4000" smtClean="0">
+                <a:solidFill>
+                  <a:schemeClr val="tx1">
+                    <a:lumMod val="50000"/>
+                    <a:lumOff val="50000"/>
+                  </a:schemeClr>
+                </a:solidFill>
+                <a:latin typeface="G마켓 산스 Medium" panose="02000000000000000000" pitchFamily="50" charset="-127"/>
+                <a:ea typeface="G마켓 산스 Medium" panose="02000000000000000000" pitchFamily="50" charset="-127"/>
+              </a:rPr>
+              <a:t>Cards </a:t>
+            </a:r>
+            <a:r>
+              <a:rPr lang="ko-KR" altLang="en-US" sz="4000" smtClean="0">
+                <a:solidFill>
+                  <a:schemeClr val="tx1">
+                    <a:lumMod val="50000"/>
+                    <a:lumOff val="50000"/>
+                  </a:schemeClr>
+                </a:solidFill>
+                <a:latin typeface="G마켓 산스 Medium" panose="02000000000000000000" pitchFamily="50" charset="-127"/>
+                <a:ea typeface="G마켓 산스 Medium" panose="02000000000000000000" pitchFamily="50" charset="-127"/>
+              </a:rPr>
+              <a:t>배열에 들어갈 카드객체를 만들어 넣는다</a:t>
+            </a:r>
+            <a:r>
+              <a:rPr lang="en-US" altLang="ko-KR" sz="4000" smtClean="0">
+                <a:solidFill>
+                  <a:schemeClr val="tx1">
+                    <a:lumMod val="50000"/>
+                    <a:lumOff val="50000"/>
+                  </a:schemeClr>
+                </a:solidFill>
+                <a:latin typeface="G마켓 산스 Medium" panose="02000000000000000000" pitchFamily="50" charset="-127"/>
+                <a:ea typeface="G마켓 산스 Medium" panose="02000000000000000000" pitchFamily="50" charset="-127"/>
+              </a:rPr>
+              <a:t>.</a:t>
+            </a:r>
+            <a:endParaRPr lang="en-US" altLang="ko-KR" sz="4000" dirty="0">
+              <a:solidFill>
+                <a:schemeClr val="tx1">
+                  <a:lumMod val="50000"/>
+                  <a:lumOff val="50000"/>
+                </a:schemeClr>
+              </a:solidFill>
+              <a:latin typeface="G마켓 산스 Medium" panose="02000000000000000000" pitchFamily="50" charset="-127"/>
+              <a:ea typeface="G마켓 산스 Medium" panose="02000000000000000000" pitchFamily="50" charset="-127"/>
+            </a:endParaRPr>
+          </a:p>
+        </p:txBody>
+      </p:sp>
+    </p:spTree>
+    <p:extLst>
+      <p:ext uri="{BB962C8B-B14F-4D97-AF65-F5344CB8AC3E}">
+        <p14:creationId xmlns:p14="http://schemas.microsoft.com/office/powerpoint/2010/main" val="786123946"/>
+      </p:ext>
+    </p:extLst>
+  </p:cSld>
+  <p:clrMapOvr>
+    <a:masterClrMapping/>
+  </p:clrMapOvr>
+  <mc:AlternateContent xmlns:mc="http://schemas.openxmlformats.org/markup-compatibility/2006">
+    <mc:Choice xmlns:p14="http://schemas.microsoft.com/office/powerpoint/2010/main" Requires="p14">
+      <p:transition spd="slow" p14:dur="2000"/>
+    </mc:Choice>
+    <mc:Fallback>
+      <p:transition spd="slow"/>
+    </mc:Fallback>
+  </mc:AlternateContent>
+  <p:timing>
+    <p:tnLst>
+      <p:par>
+        <p:cTn id="1" dur="indefinite" restart="never" nodeType="tmRoot"/>
+      </p:par>
+    </p:tnLst>
+  </p:timing>
+</p:sld>
+</file>
+
+<file path=ppt/slides/slide54.xml><?xml version="1.0" encoding="utf-8"?>
+<p:sld xmlns:a="http://schemas.openxmlformats.org/drawingml/2006/main" xmlns:r="http://schemas.openxmlformats.org/officeDocument/2006/relationships" xmlns:p="http://schemas.openxmlformats.org/presentationml/2006/main">
+  <p:cSld>
+    <p:spTree>
+      <p:nvGrpSpPr>
+        <p:cNvPr id="1" name=""/>
+        <p:cNvGrpSpPr/>
+        <p:nvPr/>
+      </p:nvGrpSpPr>
+      <p:grpSpPr>
+        <a:xfrm>
+          <a:off x="0" y="0"/>
+          <a:ext cx="0" cy="0"/>
+          <a:chOff x="0" y="0"/>
+          <a:chExt cx="0" cy="0"/>
+        </a:xfrm>
+      </p:grpSpPr>
+      <p:sp>
+        <p:nvSpPr>
+          <p:cNvPr id="4" name="TextBox 3">
+            <a:extLst>
+              <a:ext uri="{FF2B5EF4-FFF2-40B4-BE49-F238E27FC236}">
+                <a16:creationId xmlns="" xmlns:a16="http://schemas.microsoft.com/office/drawing/2014/main" id="{2E843C5C-F5F0-B014-4B60-31604E120CA8}"/>
+              </a:ext>
+            </a:extLst>
+          </p:cNvPr>
+          <p:cNvSpPr txBox="1"/>
+          <p:nvPr/>
+        </p:nvSpPr>
+        <p:spPr>
+          <a:xfrm>
+            <a:off x="990600" y="1409700"/>
+            <a:ext cx="14249400" cy="707886"/>
+          </a:xfrm>
+          <a:prstGeom prst="rect">
+            <a:avLst/>
+          </a:prstGeom>
+          <a:noFill/>
+        </p:spPr>
+        <p:txBody>
+          <a:bodyPr wrap="square" rtlCol="0">
+            <a:spAutoFit/>
+          </a:bodyPr>
+          <a:lstStyle/>
+          <a:p>
+            <a:r>
+              <a:rPr lang="en-US" altLang="ko-KR" sz="4000" smtClean="0">
+                <a:solidFill>
+                  <a:schemeClr val="tx1">
+                    <a:lumMod val="50000"/>
+                    <a:lumOff val="50000"/>
+                  </a:schemeClr>
+                </a:solidFill>
+                <a:latin typeface="G마켓 산스 Medium" panose="02000000000000000000" pitchFamily="50" charset="-127"/>
+                <a:ea typeface="G마켓 산스 Medium" panose="02000000000000000000" pitchFamily="50" charset="-127"/>
+              </a:rPr>
+              <a:t>print </a:t>
+            </a:r>
+            <a:r>
+              <a:rPr lang="ko-KR" altLang="en-US" sz="4000" smtClean="0">
+                <a:solidFill>
+                  <a:schemeClr val="tx1">
+                    <a:lumMod val="50000"/>
+                    <a:lumOff val="50000"/>
+                  </a:schemeClr>
+                </a:solidFill>
+                <a:latin typeface="G마켓 산스 Medium" panose="02000000000000000000" pitchFamily="50" charset="-127"/>
+                <a:ea typeface="G마켓 산스 Medium" panose="02000000000000000000" pitchFamily="50" charset="-127"/>
+              </a:rPr>
+              <a:t>메서드는 </a:t>
+            </a:r>
+            <a:r>
+              <a:rPr lang="en-US" altLang="ko-KR" sz="4000" smtClean="0">
+                <a:solidFill>
+                  <a:schemeClr val="tx1">
+                    <a:lumMod val="50000"/>
+                    <a:lumOff val="50000"/>
+                  </a:schemeClr>
+                </a:solidFill>
+                <a:latin typeface="G마켓 산스 Medium" panose="02000000000000000000" pitchFamily="50" charset="-127"/>
+                <a:ea typeface="G마켓 산스 Medium" panose="02000000000000000000" pitchFamily="50" charset="-127"/>
+              </a:rPr>
+              <a:t>Object</a:t>
+            </a:r>
+            <a:r>
+              <a:rPr lang="ko-KR" altLang="en-US" sz="4000" smtClean="0">
+                <a:solidFill>
+                  <a:schemeClr val="tx1">
+                    <a:lumMod val="50000"/>
+                    <a:lumOff val="50000"/>
+                  </a:schemeClr>
+                </a:solidFill>
+                <a:latin typeface="G마켓 산스 Medium" panose="02000000000000000000" pitchFamily="50" charset="-127"/>
+                <a:ea typeface="G마켓 산스 Medium" panose="02000000000000000000" pitchFamily="50" charset="-127"/>
+              </a:rPr>
+              <a:t>의 </a:t>
+            </a:r>
+            <a:r>
+              <a:rPr lang="en-US" altLang="ko-KR" sz="4000" smtClean="0">
+                <a:solidFill>
+                  <a:schemeClr val="tx1">
+                    <a:lumMod val="50000"/>
+                    <a:lumOff val="50000"/>
+                  </a:schemeClr>
+                </a:solidFill>
+                <a:latin typeface="G마켓 산스 Medium" panose="02000000000000000000" pitchFamily="50" charset="-127"/>
+                <a:ea typeface="G마켓 산스 Medium" panose="02000000000000000000" pitchFamily="50" charset="-127"/>
+              </a:rPr>
+              <a:t>toString</a:t>
+            </a:r>
+            <a:r>
+              <a:rPr lang="ko-KR" altLang="en-US" sz="4000" smtClean="0">
+                <a:solidFill>
+                  <a:schemeClr val="tx1">
+                    <a:lumMod val="50000"/>
+                    <a:lumOff val="50000"/>
+                  </a:schemeClr>
+                </a:solidFill>
+                <a:latin typeface="G마켓 산스 Medium" panose="02000000000000000000" pitchFamily="50" charset="-127"/>
+                <a:ea typeface="G마켓 산스 Medium" panose="02000000000000000000" pitchFamily="50" charset="-127"/>
+              </a:rPr>
+              <a:t>을 활용하여 출력한다</a:t>
+            </a:r>
+            <a:r>
+              <a:rPr lang="en-US" altLang="ko-KR" sz="4000" smtClean="0">
+                <a:solidFill>
+                  <a:schemeClr val="tx1">
+                    <a:lumMod val="50000"/>
+                    <a:lumOff val="50000"/>
+                  </a:schemeClr>
+                </a:solidFill>
+                <a:latin typeface="G마켓 산스 Medium" panose="02000000000000000000" pitchFamily="50" charset="-127"/>
+                <a:ea typeface="G마켓 산스 Medium" panose="02000000000000000000" pitchFamily="50" charset="-127"/>
+              </a:rPr>
+              <a:t>.</a:t>
+            </a:r>
+            <a:endParaRPr lang="en-US" altLang="ko-KR" sz="4000" dirty="0">
+              <a:solidFill>
+                <a:schemeClr val="tx1">
+                  <a:lumMod val="50000"/>
+                  <a:lumOff val="50000"/>
+                </a:schemeClr>
+              </a:solidFill>
+              <a:latin typeface="G마켓 산스 Medium" panose="02000000000000000000" pitchFamily="50" charset="-127"/>
+              <a:ea typeface="G마켓 산스 Medium" panose="02000000000000000000" pitchFamily="50" charset="-127"/>
+            </a:endParaRPr>
+          </a:p>
+        </p:txBody>
+      </p:sp>
+      <p:sp>
+        <p:nvSpPr>
+          <p:cNvPr id="5" name="TextBox 4">
+            <a:extLst>
+              <a:ext uri="{FF2B5EF4-FFF2-40B4-BE49-F238E27FC236}">
+                <a16:creationId xmlns="" xmlns:a16="http://schemas.microsoft.com/office/drawing/2014/main" id="{8BD2ED5A-5CA2-F84F-13E6-A2AC3854D891}"/>
+              </a:ext>
+            </a:extLst>
+          </p:cNvPr>
+          <p:cNvSpPr txBox="1"/>
+          <p:nvPr/>
+        </p:nvSpPr>
+        <p:spPr>
+          <a:xfrm>
+            <a:off x="762000" y="419100"/>
+            <a:ext cx="6248400" cy="830997"/>
+          </a:xfrm>
+          <a:prstGeom prst="rect">
+            <a:avLst/>
+          </a:prstGeom>
+          <a:noFill/>
+        </p:spPr>
+        <p:txBody>
+          <a:bodyPr wrap="square" rtlCol="0">
+            <a:spAutoFit/>
+          </a:bodyPr>
+          <a:lstStyle/>
+          <a:p>
+            <a:r>
+              <a:rPr lang="ko-KR" altLang="en-US" sz="4800" smtClean="0">
+                <a:solidFill>
+                  <a:srgbClr val="4C50BC"/>
+                </a:solidFill>
+                <a:latin typeface="G마켓 산스 Medium" panose="02000000000000000000" pitchFamily="50" charset="-127"/>
+                <a:ea typeface="G마켓 산스 Medium" panose="02000000000000000000" pitchFamily="50" charset="-127"/>
+              </a:rPr>
+              <a:t>실습</a:t>
+            </a:r>
+            <a:r>
+              <a:rPr lang="ko-KR" altLang="en-US" sz="4800" smtClean="0">
+                <a:solidFill>
+                  <a:srgbClr val="4C50BC"/>
+                </a:solidFill>
+                <a:latin typeface="G마켓 산스 Medium" panose="02000000000000000000" pitchFamily="50" charset="-127"/>
+                <a:ea typeface="G마켓 산스 Medium" panose="02000000000000000000" pitchFamily="50" charset="-127"/>
+              </a:rPr>
+              <a:t>문제 풀이</a:t>
+            </a:r>
+            <a:r>
+              <a:rPr lang="en-US" altLang="ko-KR" sz="4800" smtClean="0">
+                <a:solidFill>
+                  <a:srgbClr val="4C50BC"/>
+                </a:solidFill>
+                <a:latin typeface="G마켓 산스 Medium" panose="02000000000000000000" pitchFamily="50" charset="-127"/>
+                <a:ea typeface="G마켓 산스 Medium" panose="02000000000000000000" pitchFamily="50" charset="-127"/>
+              </a:rPr>
+              <a:t>1</a:t>
+            </a:r>
+            <a:endParaRPr lang="en-US" altLang="ko-KR" sz="4800" dirty="0">
+              <a:solidFill>
+                <a:srgbClr val="4C50BC"/>
+              </a:solidFill>
+              <a:latin typeface="G마켓 산스 Medium" panose="02000000000000000000" pitchFamily="50" charset="-127"/>
+              <a:ea typeface="G마켓 산스 Medium" panose="02000000000000000000" pitchFamily="50" charset="-127"/>
+            </a:endParaRPr>
+          </a:p>
+        </p:txBody>
+      </p:sp>
+      <p:pic>
+        <p:nvPicPr>
+          <p:cNvPr id="6" name="그림 5"/>
+          <p:cNvPicPr>
+            <a:picLocks noChangeAspect="1"/>
+          </p:cNvPicPr>
+          <p:nvPr/>
+        </p:nvPicPr>
+        <p:blipFill>
+          <a:blip r:embed="rId2"/>
+          <a:stretch>
+            <a:fillRect/>
+          </a:stretch>
+        </p:blipFill>
+        <p:spPr>
+          <a:xfrm>
+            <a:off x="762000" y="2293015"/>
+            <a:ext cx="7162800" cy="7593757"/>
+          </a:xfrm>
+          <a:prstGeom prst="rect">
+            <a:avLst/>
+          </a:prstGeom>
+        </p:spPr>
+      </p:pic>
+      <p:sp>
+        <p:nvSpPr>
+          <p:cNvPr id="7" name="직사각형 6">
+            <a:extLst>
+              <a:ext uri="{FF2B5EF4-FFF2-40B4-BE49-F238E27FC236}">
+                <a16:creationId xmlns:a16="http://schemas.microsoft.com/office/drawing/2014/main" xmlns="" id="{FFF506F9-840A-0508-4CAF-3AC711D8D5CE}"/>
+              </a:ext>
+            </a:extLst>
+          </p:cNvPr>
+          <p:cNvSpPr/>
+          <p:nvPr/>
+        </p:nvSpPr>
+        <p:spPr>
+          <a:xfrm>
+            <a:off x="1524000" y="7581900"/>
+            <a:ext cx="5715000" cy="1371600"/>
+          </a:xfrm>
+          <a:prstGeom prst="rect">
+            <a:avLst/>
+          </a:prstGeom>
+          <a:noFill/>
+          <a:ln>
+            <a:solidFill>
+              <a:srgbClr val="FF0000"/>
+            </a:solidFill>
+          </a:ln>
+        </p:spPr>
+        <p:style>
+          <a:lnRef idx="2">
+            <a:schemeClr val="accent2">
+              <a:shade val="50000"/>
+            </a:schemeClr>
+          </a:lnRef>
+          <a:fillRef idx="1">
+            <a:schemeClr val="accent2"/>
+          </a:fillRef>
+          <a:effectRef idx="0">
+            <a:schemeClr val="accent2"/>
+          </a:effectRef>
+          <a:fontRef idx="minor">
+            <a:schemeClr val="lt1"/>
+          </a:fontRef>
+        </p:style>
+        <p:txBody>
+          <a:bodyPr rtlCol="0" anchor="ctr"/>
+          <a:lstStyle/>
+          <a:p>
+            <a:pPr algn="ctr"/>
+            <a:endParaRPr lang="ko-KR" altLang="en-US"/>
+          </a:p>
+        </p:txBody>
+      </p:sp>
+      <p:pic>
+        <p:nvPicPr>
+          <p:cNvPr id="8" name="그림 7"/>
+          <p:cNvPicPr>
+            <a:picLocks noChangeAspect="1"/>
+          </p:cNvPicPr>
+          <p:nvPr/>
+        </p:nvPicPr>
+        <p:blipFill>
+          <a:blip r:embed="rId3"/>
+          <a:stretch>
+            <a:fillRect/>
+          </a:stretch>
+        </p:blipFill>
+        <p:spPr>
+          <a:xfrm>
+            <a:off x="8991600" y="2293015"/>
+            <a:ext cx="8331032" cy="1936085"/>
+          </a:xfrm>
+          <a:prstGeom prst="rect">
+            <a:avLst/>
+          </a:prstGeom>
+        </p:spPr>
+      </p:pic>
+    </p:spTree>
+    <p:extLst>
+      <p:ext uri="{BB962C8B-B14F-4D97-AF65-F5344CB8AC3E}">
+        <p14:creationId xmlns:p14="http://schemas.microsoft.com/office/powerpoint/2010/main" val="3406067206"/>
+      </p:ext>
+    </p:extLst>
+  </p:cSld>
+  <p:clrMapOvr>
+    <a:masterClrMapping/>
+  </p:clrMapOvr>
+  <p:timing>
+    <p:tnLst>
+      <p:par>
+        <p:cTn id="1" dur="indefinite" restart="never" nodeType="tmRoot"/>
+      </p:par>
+    </p:tnLst>
+  </p:timing>
+</p:sld>
+</file>
+
+<file path=ppt/slides/slide55.xml><?xml version="1.0" encoding="utf-8"?>
+<p:sld xmlns:a="http://schemas.openxmlformats.org/drawingml/2006/main" xmlns:r="http://schemas.openxmlformats.org/officeDocument/2006/relationships" xmlns:p="http://schemas.openxmlformats.org/presentationml/2006/main">
+  <p:cSld>
+    <p:spTree>
+      <p:nvGrpSpPr>
+        <p:cNvPr id="1" name=""/>
+        <p:cNvGrpSpPr/>
+        <p:nvPr/>
+      </p:nvGrpSpPr>
+      <p:grpSpPr>
+        <a:xfrm>
+          <a:off x="0" y="0"/>
+          <a:ext cx="0" cy="0"/>
+          <a:chOff x="0" y="0"/>
+          <a:chExt cx="0" cy="0"/>
+        </a:xfrm>
+      </p:grpSpPr>
+      <p:sp>
+        <p:nvSpPr>
+          <p:cNvPr id="4" name="TextBox 3">
+            <a:extLst>
+              <a:ext uri="{FF2B5EF4-FFF2-40B4-BE49-F238E27FC236}">
+                <a16:creationId xmlns="" xmlns:a16="http://schemas.microsoft.com/office/drawing/2014/main" id="{8BD2ED5A-5CA2-F84F-13E6-A2AC3854D891}"/>
+              </a:ext>
+            </a:extLst>
+          </p:cNvPr>
+          <p:cNvSpPr txBox="1"/>
+          <p:nvPr/>
+        </p:nvSpPr>
+        <p:spPr>
+          <a:xfrm>
+            <a:off x="762000" y="419100"/>
+            <a:ext cx="6248400" cy="830997"/>
+          </a:xfrm>
+          <a:prstGeom prst="rect">
+            <a:avLst/>
+          </a:prstGeom>
+          <a:noFill/>
+        </p:spPr>
+        <p:txBody>
+          <a:bodyPr wrap="square" rtlCol="0">
+            <a:spAutoFit/>
+          </a:bodyPr>
+          <a:lstStyle/>
+          <a:p>
+            <a:r>
+              <a:rPr lang="ko-KR" altLang="en-US" sz="4800" smtClean="0">
+                <a:solidFill>
+                  <a:srgbClr val="4C50BC"/>
+                </a:solidFill>
+                <a:latin typeface="G마켓 산스 Medium" panose="02000000000000000000" pitchFamily="50" charset="-127"/>
+                <a:ea typeface="G마켓 산스 Medium" panose="02000000000000000000" pitchFamily="50" charset="-127"/>
+              </a:rPr>
+              <a:t>실습</a:t>
+            </a:r>
+            <a:r>
+              <a:rPr lang="ko-KR" altLang="en-US" sz="4800" smtClean="0">
+                <a:solidFill>
+                  <a:srgbClr val="4C50BC"/>
+                </a:solidFill>
+                <a:latin typeface="G마켓 산스 Medium" panose="02000000000000000000" pitchFamily="50" charset="-127"/>
+                <a:ea typeface="G마켓 산스 Medium" panose="02000000000000000000" pitchFamily="50" charset="-127"/>
+              </a:rPr>
+              <a:t>문제 풀이</a:t>
+            </a:r>
+            <a:r>
+              <a:rPr lang="en-US" altLang="ko-KR" sz="4800">
+                <a:solidFill>
+                  <a:srgbClr val="4C50BC"/>
+                </a:solidFill>
+                <a:latin typeface="G마켓 산스 Medium" panose="02000000000000000000" pitchFamily="50" charset="-127"/>
+                <a:ea typeface="G마켓 산스 Medium" panose="02000000000000000000" pitchFamily="50" charset="-127"/>
+              </a:rPr>
+              <a:t>2</a:t>
+            </a:r>
+            <a:endParaRPr lang="en-US" altLang="ko-KR" sz="4800" dirty="0">
+              <a:solidFill>
+                <a:srgbClr val="4C50BC"/>
+              </a:solidFill>
+              <a:latin typeface="G마켓 산스 Medium" panose="02000000000000000000" pitchFamily="50" charset="-127"/>
+              <a:ea typeface="G마켓 산스 Medium" panose="02000000000000000000" pitchFamily="50" charset="-127"/>
+            </a:endParaRPr>
+          </a:p>
+        </p:txBody>
+      </p:sp>
+      <p:sp>
+        <p:nvSpPr>
+          <p:cNvPr id="5" name="TextBox 4">
+            <a:extLst>
+              <a:ext uri="{FF2B5EF4-FFF2-40B4-BE49-F238E27FC236}">
+                <a16:creationId xmlns="" xmlns:a16="http://schemas.microsoft.com/office/drawing/2014/main" id="{2E843C5C-F5F0-B014-4B60-31604E120CA8}"/>
+              </a:ext>
+            </a:extLst>
+          </p:cNvPr>
+          <p:cNvSpPr txBox="1"/>
+          <p:nvPr/>
+        </p:nvSpPr>
+        <p:spPr>
+          <a:xfrm>
+            <a:off x="990600" y="1409700"/>
+            <a:ext cx="17145000" cy="1323439"/>
+          </a:xfrm>
+          <a:prstGeom prst="rect">
+            <a:avLst/>
+          </a:prstGeom>
+          <a:noFill/>
+        </p:spPr>
+        <p:txBody>
+          <a:bodyPr wrap="square" rtlCol="0">
+            <a:spAutoFit/>
+          </a:bodyPr>
+          <a:lstStyle/>
+          <a:p>
+            <a:r>
+              <a:rPr lang="en-US" altLang="ko-KR" sz="4000" smtClean="0">
+                <a:solidFill>
+                  <a:schemeClr val="tx1">
+                    <a:lumMod val="50000"/>
+                    <a:lumOff val="50000"/>
+                  </a:schemeClr>
+                </a:solidFill>
+                <a:latin typeface="G마켓 산스 Medium" panose="02000000000000000000" pitchFamily="50" charset="-127"/>
+                <a:ea typeface="G마켓 산스 Medium" panose="02000000000000000000" pitchFamily="50" charset="-127"/>
+              </a:rPr>
+              <a:t>Math.Random </a:t>
+            </a:r>
+            <a:r>
+              <a:rPr lang="ko-KR" altLang="en-US" sz="4000" smtClean="0">
+                <a:solidFill>
+                  <a:schemeClr val="tx1">
+                    <a:lumMod val="50000"/>
+                    <a:lumOff val="50000"/>
+                  </a:schemeClr>
+                </a:solidFill>
+                <a:latin typeface="G마켓 산스 Medium" panose="02000000000000000000" pitchFamily="50" charset="-127"/>
+                <a:ea typeface="G마켓 산스 Medium" panose="02000000000000000000" pitchFamily="50" charset="-127"/>
+              </a:rPr>
+              <a:t>함수는 </a:t>
+            </a:r>
+            <a:r>
+              <a:rPr lang="en-US" altLang="ko-KR" sz="4000" smtClean="0">
+                <a:solidFill>
+                  <a:schemeClr val="tx1">
+                    <a:lumMod val="50000"/>
+                    <a:lumOff val="50000"/>
+                  </a:schemeClr>
+                </a:solidFill>
+                <a:latin typeface="G마켓 산스 Medium" panose="02000000000000000000" pitchFamily="50" charset="-127"/>
+                <a:ea typeface="G마켓 산스 Medium" panose="02000000000000000000" pitchFamily="50" charset="-127"/>
+              </a:rPr>
+              <a:t>0.0~0.9999… </a:t>
+            </a:r>
+            <a:r>
+              <a:rPr lang="ko-KR" altLang="en-US" sz="4000" smtClean="0">
+                <a:solidFill>
+                  <a:schemeClr val="tx1">
+                    <a:lumMod val="50000"/>
+                    <a:lumOff val="50000"/>
+                  </a:schemeClr>
+                </a:solidFill>
+                <a:latin typeface="G마켓 산스 Medium" panose="02000000000000000000" pitchFamily="50" charset="-127"/>
+                <a:ea typeface="G마켓 산스 Medium" panose="02000000000000000000" pitchFamily="50" charset="-127"/>
+              </a:rPr>
+              <a:t>사이의 랜덤한수를 반환한다</a:t>
+            </a:r>
+            <a:r>
+              <a:rPr lang="en-US" altLang="ko-KR" sz="4000" smtClean="0">
+                <a:solidFill>
+                  <a:schemeClr val="tx1">
+                    <a:lumMod val="50000"/>
+                    <a:lumOff val="50000"/>
+                  </a:schemeClr>
+                </a:solidFill>
+                <a:latin typeface="G마켓 산스 Medium" panose="02000000000000000000" pitchFamily="50" charset="-127"/>
+                <a:ea typeface="G마켓 산스 Medium" panose="02000000000000000000" pitchFamily="50" charset="-127"/>
+              </a:rPr>
+              <a:t>. </a:t>
+            </a:r>
+          </a:p>
+          <a:p>
+            <a:r>
+              <a:rPr lang="ko-KR" altLang="en-US" sz="4000" smtClean="0">
+                <a:solidFill>
+                  <a:schemeClr val="tx1">
+                    <a:lumMod val="50000"/>
+                    <a:lumOff val="50000"/>
+                  </a:schemeClr>
+                </a:solidFill>
+                <a:latin typeface="G마켓 산스 Medium" panose="02000000000000000000" pitchFamily="50" charset="-127"/>
+                <a:ea typeface="G마켓 산스 Medium" panose="02000000000000000000" pitchFamily="50" charset="-127"/>
+              </a:rPr>
+              <a:t>따라서 </a:t>
+            </a:r>
+            <a:r>
+              <a:rPr lang="en-US" altLang="ko-KR" sz="4000" smtClean="0">
+                <a:solidFill>
+                  <a:schemeClr val="tx1">
+                    <a:lumMod val="50000"/>
+                    <a:lumOff val="50000"/>
+                  </a:schemeClr>
+                </a:solidFill>
+                <a:latin typeface="G마켓 산스 Medium" panose="02000000000000000000" pitchFamily="50" charset="-127"/>
+                <a:ea typeface="G마켓 산스 Medium" panose="02000000000000000000" pitchFamily="50" charset="-127"/>
+              </a:rPr>
+              <a:t>Math.Random * 20</a:t>
+            </a:r>
+            <a:r>
+              <a:rPr lang="ko-KR" altLang="en-US" sz="4000" smtClean="0">
+                <a:solidFill>
+                  <a:schemeClr val="tx1">
+                    <a:lumMod val="50000"/>
+                    <a:lumOff val="50000"/>
+                  </a:schemeClr>
+                </a:solidFill>
+                <a:latin typeface="G마켓 산스 Medium" panose="02000000000000000000" pitchFamily="50" charset="-127"/>
+                <a:ea typeface="G마켓 산스 Medium" panose="02000000000000000000" pitchFamily="50" charset="-127"/>
+              </a:rPr>
+              <a:t>을 하면 </a:t>
+            </a:r>
+            <a:r>
+              <a:rPr lang="en-US" altLang="ko-KR" sz="4000" smtClean="0">
+                <a:solidFill>
+                  <a:schemeClr val="tx1">
+                    <a:lumMod val="50000"/>
+                    <a:lumOff val="50000"/>
+                  </a:schemeClr>
+                </a:solidFill>
+                <a:latin typeface="G마켓 산스 Medium" panose="02000000000000000000" pitchFamily="50" charset="-127"/>
+                <a:ea typeface="G마켓 산스 Medium" panose="02000000000000000000" pitchFamily="50" charset="-127"/>
+              </a:rPr>
+              <a:t>0~19 </a:t>
+            </a:r>
+            <a:r>
+              <a:rPr lang="ko-KR" altLang="en-US" sz="4000" smtClean="0">
+                <a:solidFill>
+                  <a:schemeClr val="tx1">
+                    <a:lumMod val="50000"/>
+                    <a:lumOff val="50000"/>
+                  </a:schemeClr>
+                </a:solidFill>
+                <a:latin typeface="G마켓 산스 Medium" panose="02000000000000000000" pitchFamily="50" charset="-127"/>
+                <a:ea typeface="G마켓 산스 Medium" panose="02000000000000000000" pitchFamily="50" charset="-127"/>
+              </a:rPr>
+              <a:t>사이의 랜덤한 숫자가 나온다</a:t>
+            </a:r>
+            <a:r>
+              <a:rPr lang="en-US" altLang="ko-KR" sz="4000" smtClean="0">
+                <a:solidFill>
+                  <a:schemeClr val="tx1">
+                    <a:lumMod val="50000"/>
+                    <a:lumOff val="50000"/>
+                  </a:schemeClr>
+                </a:solidFill>
+                <a:latin typeface="G마켓 산스 Medium" panose="02000000000000000000" pitchFamily="50" charset="-127"/>
+                <a:ea typeface="G마켓 산스 Medium" panose="02000000000000000000" pitchFamily="50" charset="-127"/>
+              </a:rPr>
+              <a:t>. </a:t>
+            </a:r>
+            <a:endParaRPr lang="en-US" altLang="ko-KR" sz="4000" dirty="0">
+              <a:solidFill>
+                <a:schemeClr val="tx1">
+                  <a:lumMod val="50000"/>
+                  <a:lumOff val="50000"/>
+                </a:schemeClr>
+              </a:solidFill>
+              <a:latin typeface="G마켓 산스 Medium" panose="02000000000000000000" pitchFamily="50" charset="-127"/>
+              <a:ea typeface="G마켓 산스 Medium" panose="02000000000000000000" pitchFamily="50" charset="-127"/>
+            </a:endParaRPr>
+          </a:p>
+        </p:txBody>
+      </p:sp>
+      <p:pic>
+        <p:nvPicPr>
+          <p:cNvPr id="6" name="그림 5"/>
+          <p:cNvPicPr>
+            <a:picLocks noChangeAspect="1"/>
+          </p:cNvPicPr>
+          <p:nvPr/>
+        </p:nvPicPr>
+        <p:blipFill>
+          <a:blip r:embed="rId2"/>
+          <a:stretch>
+            <a:fillRect/>
+          </a:stretch>
+        </p:blipFill>
+        <p:spPr>
+          <a:xfrm>
+            <a:off x="1219200" y="5676899"/>
+            <a:ext cx="9296400" cy="4358177"/>
+          </a:xfrm>
+          <a:prstGeom prst="rect">
+            <a:avLst/>
+          </a:prstGeom>
+        </p:spPr>
+      </p:pic>
+      <p:sp>
+        <p:nvSpPr>
+          <p:cNvPr id="7" name="TextBox 6">
+            <a:extLst>
+              <a:ext uri="{FF2B5EF4-FFF2-40B4-BE49-F238E27FC236}">
+                <a16:creationId xmlns="" xmlns:a16="http://schemas.microsoft.com/office/drawing/2014/main" id="{2E843C5C-F5F0-B014-4B60-31604E120CA8}"/>
+              </a:ext>
+            </a:extLst>
+          </p:cNvPr>
+          <p:cNvSpPr txBox="1"/>
+          <p:nvPr/>
+        </p:nvSpPr>
+        <p:spPr>
+          <a:xfrm>
+            <a:off x="1113692" y="4000500"/>
+            <a:ext cx="17145000" cy="1323439"/>
+          </a:xfrm>
+          <a:prstGeom prst="rect">
+            <a:avLst/>
+          </a:prstGeom>
+          <a:noFill/>
+        </p:spPr>
+        <p:txBody>
+          <a:bodyPr wrap="square" rtlCol="0">
+            <a:spAutoFit/>
+          </a:bodyPr>
+          <a:lstStyle/>
+          <a:p>
+            <a:r>
+              <a:rPr lang="en-US" altLang="ko-KR" sz="4000" smtClean="0">
+                <a:solidFill>
+                  <a:schemeClr val="tx1">
+                    <a:lumMod val="50000"/>
+                    <a:lumOff val="50000"/>
+                  </a:schemeClr>
+                </a:solidFill>
+                <a:latin typeface="G마켓 산스 Medium" panose="02000000000000000000" pitchFamily="50" charset="-127"/>
+                <a:ea typeface="G마켓 산스 Medium" panose="02000000000000000000" pitchFamily="50" charset="-127"/>
+              </a:rPr>
+              <a:t>shuffle </a:t>
+            </a:r>
+            <a:r>
+              <a:rPr lang="ko-KR" altLang="en-US" sz="4000" smtClean="0">
+                <a:solidFill>
+                  <a:schemeClr val="tx1">
+                    <a:lumMod val="50000"/>
+                    <a:lumOff val="50000"/>
+                  </a:schemeClr>
+                </a:solidFill>
+                <a:latin typeface="G마켓 산스 Medium" panose="02000000000000000000" pitchFamily="50" charset="-127"/>
+                <a:ea typeface="G마켓 산스 Medium" panose="02000000000000000000" pitchFamily="50" charset="-127"/>
+              </a:rPr>
+              <a:t>메서드 구현 </a:t>
+            </a:r>
+            <a:r>
+              <a:rPr lang="en-US" altLang="ko-KR" sz="4000" smtClean="0">
+                <a:solidFill>
+                  <a:schemeClr val="tx1">
+                    <a:lumMod val="50000"/>
+                    <a:lumOff val="50000"/>
+                  </a:schemeClr>
+                </a:solidFill>
+                <a:latin typeface="G마켓 산스 Medium" panose="02000000000000000000" pitchFamily="50" charset="-127"/>
+                <a:ea typeface="G마켓 산스 Medium" panose="02000000000000000000" pitchFamily="50" charset="-127"/>
+              </a:rPr>
+              <a:t>: 0</a:t>
+            </a:r>
+            <a:r>
+              <a:rPr lang="ko-KR" altLang="en-US" sz="4000" smtClean="0">
+                <a:solidFill>
+                  <a:schemeClr val="tx1">
+                    <a:lumMod val="50000"/>
+                    <a:lumOff val="50000"/>
+                  </a:schemeClr>
+                </a:solidFill>
+                <a:latin typeface="G마켓 산스 Medium" panose="02000000000000000000" pitchFamily="50" charset="-127"/>
+                <a:ea typeface="G마켓 산스 Medium" panose="02000000000000000000" pitchFamily="50" charset="-127"/>
+              </a:rPr>
+              <a:t>번째 부터 끝까지 순차적으로 랜덤한 위치의 카드와 서로 맞바꾸면서 카드의 순서를 뒤섞는다</a:t>
+            </a:r>
+            <a:r>
+              <a:rPr lang="en-US" altLang="ko-KR" sz="4000" smtClean="0">
+                <a:solidFill>
+                  <a:schemeClr val="tx1">
+                    <a:lumMod val="50000"/>
+                    <a:lumOff val="50000"/>
+                  </a:schemeClr>
+                </a:solidFill>
+                <a:latin typeface="G마켓 산스 Medium" panose="02000000000000000000" pitchFamily="50" charset="-127"/>
+                <a:ea typeface="G마켓 산스 Medium" panose="02000000000000000000" pitchFamily="50" charset="-127"/>
+              </a:rPr>
+              <a:t>.</a:t>
+            </a:r>
+            <a:endParaRPr lang="en-US" altLang="ko-KR" sz="4000" smtClean="0">
+              <a:solidFill>
+                <a:schemeClr val="tx1">
+                  <a:lumMod val="50000"/>
+                  <a:lumOff val="50000"/>
+                </a:schemeClr>
+              </a:solidFill>
+              <a:latin typeface="G마켓 산스 Medium" panose="02000000000000000000" pitchFamily="50" charset="-127"/>
+              <a:ea typeface="G마켓 산스 Medium" panose="02000000000000000000" pitchFamily="50" charset="-127"/>
+            </a:endParaRPr>
+          </a:p>
+        </p:txBody>
+      </p:sp>
+    </p:spTree>
+    <p:extLst>
+      <p:ext uri="{BB962C8B-B14F-4D97-AF65-F5344CB8AC3E}">
+        <p14:creationId xmlns:p14="http://schemas.microsoft.com/office/powerpoint/2010/main" val="1436331947"/>
+      </p:ext>
+    </p:extLst>
+  </p:cSld>
+  <p:clrMapOvr>
+    <a:masterClrMapping/>
+  </p:clrMapOvr>
+  <p:timing>
+    <p:tnLst>
+      <p:par>
+        <p:cTn id="1" dur="indefinite" restart="never" nodeType="tmRoot"/>
+      </p:par>
+    </p:tnLst>
+  </p:timing>
+</p:sld>
+</file>
+
+<file path=ppt/slides/slide56.xml><?xml version="1.0" encoding="utf-8"?>
+<p:sld xmlns:a="http://schemas.openxmlformats.org/drawingml/2006/main" xmlns:r="http://schemas.openxmlformats.org/officeDocument/2006/relationships" xmlns:p="http://schemas.openxmlformats.org/presentationml/2006/main">
+  <p:cSld>
+    <p:spTree>
+      <p:nvGrpSpPr>
+        <p:cNvPr id="1" name=""/>
+        <p:cNvGrpSpPr/>
+        <p:nvPr/>
+      </p:nvGrpSpPr>
+      <p:grpSpPr>
+        <a:xfrm>
+          <a:off x="0" y="0"/>
+          <a:ext cx="0" cy="0"/>
+          <a:chOff x="0" y="0"/>
+          <a:chExt cx="0" cy="0"/>
+        </a:xfrm>
+      </p:grpSpPr>
+      <p:sp>
+        <p:nvSpPr>
+          <p:cNvPr id="5" name="TextBox 4">
+            <a:extLst>
+              <a:ext uri="{FF2B5EF4-FFF2-40B4-BE49-F238E27FC236}">
+                <a16:creationId xmlns="" xmlns:a16="http://schemas.microsoft.com/office/drawing/2014/main" id="{8BD2ED5A-5CA2-F84F-13E6-A2AC3854D891}"/>
+              </a:ext>
+            </a:extLst>
+          </p:cNvPr>
+          <p:cNvSpPr txBox="1"/>
+          <p:nvPr/>
+        </p:nvSpPr>
+        <p:spPr>
+          <a:xfrm>
+            <a:off x="762000" y="419100"/>
+            <a:ext cx="6248400" cy="830997"/>
+          </a:xfrm>
+          <a:prstGeom prst="rect">
+            <a:avLst/>
+          </a:prstGeom>
+          <a:noFill/>
+        </p:spPr>
+        <p:txBody>
+          <a:bodyPr wrap="square" rtlCol="0">
+            <a:spAutoFit/>
+          </a:bodyPr>
+          <a:lstStyle/>
+          <a:p>
+            <a:r>
+              <a:rPr lang="ko-KR" altLang="en-US" sz="4800" smtClean="0">
+                <a:solidFill>
+                  <a:srgbClr val="4C50BC"/>
+                </a:solidFill>
+                <a:latin typeface="G마켓 산스 Medium" panose="02000000000000000000" pitchFamily="50" charset="-127"/>
+                <a:ea typeface="G마켓 산스 Medium" panose="02000000000000000000" pitchFamily="50" charset="-127"/>
+              </a:rPr>
+              <a:t>실습</a:t>
+            </a:r>
+            <a:r>
+              <a:rPr lang="ko-KR" altLang="en-US" sz="4800" smtClean="0">
+                <a:solidFill>
+                  <a:srgbClr val="4C50BC"/>
+                </a:solidFill>
+                <a:latin typeface="G마켓 산스 Medium" panose="02000000000000000000" pitchFamily="50" charset="-127"/>
+                <a:ea typeface="G마켓 산스 Medium" panose="02000000000000000000" pitchFamily="50" charset="-127"/>
+              </a:rPr>
+              <a:t>문제 풀이</a:t>
+            </a:r>
+            <a:r>
+              <a:rPr lang="en-US" altLang="ko-KR" sz="4800">
+                <a:solidFill>
+                  <a:srgbClr val="4C50BC"/>
+                </a:solidFill>
+                <a:latin typeface="G마켓 산스 Medium" panose="02000000000000000000" pitchFamily="50" charset="-127"/>
+                <a:ea typeface="G마켓 산스 Medium" panose="02000000000000000000" pitchFamily="50" charset="-127"/>
+              </a:rPr>
+              <a:t>2</a:t>
+            </a:r>
+            <a:endParaRPr lang="en-US" altLang="ko-KR" sz="4800" dirty="0">
+              <a:solidFill>
+                <a:srgbClr val="4C50BC"/>
+              </a:solidFill>
+              <a:latin typeface="G마켓 산스 Medium" panose="02000000000000000000" pitchFamily="50" charset="-127"/>
+              <a:ea typeface="G마켓 산스 Medium" panose="02000000000000000000" pitchFamily="50" charset="-127"/>
+            </a:endParaRPr>
+          </a:p>
+        </p:txBody>
+      </p:sp>
+      <p:sp>
+        <p:nvSpPr>
+          <p:cNvPr id="6" name="TextBox 5">
+            <a:extLst>
+              <a:ext uri="{FF2B5EF4-FFF2-40B4-BE49-F238E27FC236}">
+                <a16:creationId xmlns="" xmlns:a16="http://schemas.microsoft.com/office/drawing/2014/main" id="{2E843C5C-F5F0-B014-4B60-31604E120CA8}"/>
+              </a:ext>
+            </a:extLst>
+          </p:cNvPr>
+          <p:cNvSpPr txBox="1"/>
+          <p:nvPr/>
+        </p:nvSpPr>
+        <p:spPr>
+          <a:xfrm>
+            <a:off x="990600" y="1409700"/>
+            <a:ext cx="17145000" cy="1938992"/>
+          </a:xfrm>
+          <a:prstGeom prst="rect">
+            <a:avLst/>
+          </a:prstGeom>
+          <a:noFill/>
+        </p:spPr>
+        <p:txBody>
+          <a:bodyPr wrap="square" rtlCol="0">
+            <a:spAutoFit/>
+          </a:bodyPr>
+          <a:lstStyle/>
+          <a:p>
+            <a:r>
+              <a:rPr lang="ko-KR" altLang="en-US" sz="4000" smtClean="0">
+                <a:solidFill>
+                  <a:schemeClr val="tx1">
+                    <a:lumMod val="50000"/>
+                    <a:lumOff val="50000"/>
+                  </a:schemeClr>
+                </a:solidFill>
+                <a:latin typeface="G마켓 산스 Medium" panose="02000000000000000000" pitchFamily="50" charset="-127"/>
+                <a:ea typeface="G마켓 산스 Medium" panose="02000000000000000000" pitchFamily="50" charset="-127"/>
+              </a:rPr>
+              <a:t>매개변수가 있는 </a:t>
+            </a:r>
+            <a:r>
+              <a:rPr lang="en-US" altLang="ko-KR" sz="4000" smtClean="0">
+                <a:solidFill>
+                  <a:schemeClr val="tx1">
+                    <a:lumMod val="50000"/>
+                    <a:lumOff val="50000"/>
+                  </a:schemeClr>
+                </a:solidFill>
+                <a:latin typeface="G마켓 산스 Medium" panose="02000000000000000000" pitchFamily="50" charset="-127"/>
+                <a:ea typeface="G마켓 산스 Medium" panose="02000000000000000000" pitchFamily="50" charset="-127"/>
+              </a:rPr>
+              <a:t>pick </a:t>
+            </a:r>
+            <a:r>
+              <a:rPr lang="ko-KR" altLang="en-US" sz="4000" smtClean="0">
+                <a:solidFill>
+                  <a:schemeClr val="tx1">
+                    <a:lumMod val="50000"/>
+                    <a:lumOff val="50000"/>
+                  </a:schemeClr>
+                </a:solidFill>
+                <a:latin typeface="G마켓 산스 Medium" panose="02000000000000000000" pitchFamily="50" charset="-127"/>
+                <a:ea typeface="G마켓 산스 Medium" panose="02000000000000000000" pitchFamily="50" charset="-127"/>
+              </a:rPr>
+              <a:t>구현 </a:t>
+            </a:r>
+            <a:r>
+              <a:rPr lang="en-US" altLang="ko-KR" sz="4000" smtClean="0">
+                <a:solidFill>
+                  <a:schemeClr val="tx1">
+                    <a:lumMod val="50000"/>
+                    <a:lumOff val="50000"/>
+                  </a:schemeClr>
+                </a:solidFill>
+                <a:latin typeface="G마켓 산스 Medium" panose="02000000000000000000" pitchFamily="50" charset="-127"/>
+                <a:ea typeface="G마켓 산스 Medium" panose="02000000000000000000" pitchFamily="50" charset="-127"/>
+              </a:rPr>
+              <a:t>: </a:t>
+            </a:r>
+            <a:r>
+              <a:rPr lang="ko-KR" altLang="en-US" sz="4000" smtClean="0">
+                <a:solidFill>
+                  <a:schemeClr val="tx1">
+                    <a:lumMod val="50000"/>
+                    <a:lumOff val="50000"/>
+                  </a:schemeClr>
+                </a:solidFill>
+                <a:latin typeface="G마켓 산스 Medium" panose="02000000000000000000" pitchFamily="50" charset="-127"/>
+                <a:ea typeface="G마켓 산스 Medium" panose="02000000000000000000" pitchFamily="50" charset="-127"/>
+              </a:rPr>
+              <a:t>매개변수에 해당하는 위치의 카드를 반환한다</a:t>
+            </a:r>
+            <a:r>
+              <a:rPr lang="en-US" altLang="ko-KR" sz="4000" smtClean="0">
+                <a:solidFill>
+                  <a:schemeClr val="tx1">
+                    <a:lumMod val="50000"/>
+                    <a:lumOff val="50000"/>
+                  </a:schemeClr>
+                </a:solidFill>
+                <a:latin typeface="G마켓 산스 Medium" panose="02000000000000000000" pitchFamily="50" charset="-127"/>
+                <a:ea typeface="G마켓 산스 Medium" panose="02000000000000000000" pitchFamily="50" charset="-127"/>
+              </a:rPr>
+              <a:t>.</a:t>
+            </a:r>
+          </a:p>
+          <a:p>
+            <a:r>
+              <a:rPr lang="en-US" altLang="ko-KR" sz="4000" smtClean="0">
+                <a:solidFill>
+                  <a:schemeClr val="tx1">
+                    <a:lumMod val="50000"/>
+                    <a:lumOff val="50000"/>
+                  </a:schemeClr>
+                </a:solidFill>
+                <a:latin typeface="G마켓 산스 Medium" panose="02000000000000000000" pitchFamily="50" charset="-127"/>
+                <a:ea typeface="G마켓 산스 Medium" panose="02000000000000000000" pitchFamily="50" charset="-127"/>
+              </a:rPr>
+              <a:t>index</a:t>
+            </a:r>
+            <a:r>
+              <a:rPr lang="ko-KR" altLang="en-US" sz="4000" smtClean="0">
+                <a:solidFill>
+                  <a:schemeClr val="tx1">
+                    <a:lumMod val="50000"/>
+                    <a:lumOff val="50000"/>
+                  </a:schemeClr>
+                </a:solidFill>
+                <a:latin typeface="G마켓 산스 Medium" panose="02000000000000000000" pitchFamily="50" charset="-127"/>
+                <a:ea typeface="G마켓 산스 Medium" panose="02000000000000000000" pitchFamily="50" charset="-127"/>
+              </a:rPr>
+              <a:t>가 음수이거나 가진 카드의 숫자보다 클경우 </a:t>
+            </a:r>
+            <a:r>
+              <a:rPr lang="en-US" altLang="ko-KR" sz="4000" smtClean="0">
+                <a:solidFill>
+                  <a:schemeClr val="tx1">
+                    <a:lumMod val="50000"/>
+                    <a:lumOff val="50000"/>
+                  </a:schemeClr>
+                </a:solidFill>
+                <a:latin typeface="G마켓 산스 Medium" panose="02000000000000000000" pitchFamily="50" charset="-127"/>
+                <a:ea typeface="G마켓 산스 Medium" panose="02000000000000000000" pitchFamily="50" charset="-127"/>
+              </a:rPr>
+              <a:t>null</a:t>
+            </a:r>
+            <a:r>
+              <a:rPr lang="ko-KR" altLang="en-US" sz="4000" smtClean="0">
+                <a:solidFill>
+                  <a:schemeClr val="tx1">
+                    <a:lumMod val="50000"/>
+                    <a:lumOff val="50000"/>
+                  </a:schemeClr>
+                </a:solidFill>
+                <a:latin typeface="G마켓 산스 Medium" panose="02000000000000000000" pitchFamily="50" charset="-127"/>
+                <a:ea typeface="G마켓 산스 Medium" panose="02000000000000000000" pitchFamily="50" charset="-127"/>
+              </a:rPr>
+              <a:t>을 돌려주는 필터링을 한다</a:t>
+            </a:r>
+            <a:r>
+              <a:rPr lang="en-US" altLang="ko-KR" sz="4000" smtClean="0">
+                <a:solidFill>
+                  <a:schemeClr val="tx1">
+                    <a:lumMod val="50000"/>
+                    <a:lumOff val="50000"/>
+                  </a:schemeClr>
+                </a:solidFill>
+                <a:latin typeface="G마켓 산스 Medium" panose="02000000000000000000" pitchFamily="50" charset="-127"/>
+                <a:ea typeface="G마켓 산스 Medium" panose="02000000000000000000" pitchFamily="50" charset="-127"/>
+              </a:rPr>
+              <a:t>.</a:t>
+            </a:r>
+            <a:endParaRPr lang="en-US" altLang="ko-KR" sz="4000" dirty="0">
+              <a:solidFill>
+                <a:schemeClr val="tx1">
+                  <a:lumMod val="50000"/>
+                  <a:lumOff val="50000"/>
+                </a:schemeClr>
+              </a:solidFill>
+              <a:latin typeface="G마켓 산스 Medium" panose="02000000000000000000" pitchFamily="50" charset="-127"/>
+              <a:ea typeface="G마켓 산스 Medium" panose="02000000000000000000" pitchFamily="50" charset="-127"/>
+            </a:endParaRPr>
+          </a:p>
+        </p:txBody>
+      </p:sp>
+      <p:pic>
+        <p:nvPicPr>
+          <p:cNvPr id="8" name="그림 7"/>
+          <p:cNvPicPr>
+            <a:picLocks noChangeAspect="1"/>
+          </p:cNvPicPr>
+          <p:nvPr/>
+        </p:nvPicPr>
+        <p:blipFill>
+          <a:blip r:embed="rId2"/>
+          <a:stretch>
+            <a:fillRect/>
+          </a:stretch>
+        </p:blipFill>
+        <p:spPr>
+          <a:xfrm>
+            <a:off x="990600" y="3240167"/>
+            <a:ext cx="9973168" cy="2657475"/>
+          </a:xfrm>
+          <a:prstGeom prst="rect">
+            <a:avLst/>
+          </a:prstGeom>
+        </p:spPr>
+      </p:pic>
+      <p:sp>
+        <p:nvSpPr>
+          <p:cNvPr id="9" name="TextBox 8">
+            <a:extLst>
+              <a:ext uri="{FF2B5EF4-FFF2-40B4-BE49-F238E27FC236}">
+                <a16:creationId xmlns="" xmlns:a16="http://schemas.microsoft.com/office/drawing/2014/main" id="{2E843C5C-F5F0-B014-4B60-31604E120CA8}"/>
+              </a:ext>
+            </a:extLst>
+          </p:cNvPr>
+          <p:cNvSpPr txBox="1"/>
+          <p:nvPr/>
+        </p:nvSpPr>
+        <p:spPr>
+          <a:xfrm>
+            <a:off x="914400" y="6080820"/>
+            <a:ext cx="17145000" cy="1323439"/>
+          </a:xfrm>
+          <a:prstGeom prst="rect">
+            <a:avLst/>
+          </a:prstGeom>
+          <a:noFill/>
+        </p:spPr>
+        <p:txBody>
+          <a:bodyPr wrap="square" rtlCol="0">
+            <a:spAutoFit/>
+          </a:bodyPr>
+          <a:lstStyle/>
+          <a:p>
+            <a:r>
+              <a:rPr lang="ko-KR" altLang="en-US" sz="4000" smtClean="0">
+                <a:solidFill>
+                  <a:schemeClr val="tx1">
+                    <a:lumMod val="50000"/>
+                    <a:lumOff val="50000"/>
+                  </a:schemeClr>
+                </a:solidFill>
+                <a:latin typeface="G마켓 산스 Medium" panose="02000000000000000000" pitchFamily="50" charset="-127"/>
+                <a:ea typeface="G마켓 산스 Medium" panose="02000000000000000000" pitchFamily="50" charset="-127"/>
+              </a:rPr>
+              <a:t>매개변수 없는 </a:t>
+            </a:r>
+            <a:r>
+              <a:rPr lang="en-US" altLang="ko-KR" sz="4000" smtClean="0">
+                <a:solidFill>
+                  <a:schemeClr val="tx1">
+                    <a:lumMod val="50000"/>
+                    <a:lumOff val="50000"/>
+                  </a:schemeClr>
+                </a:solidFill>
+                <a:latin typeface="G마켓 산스 Medium" panose="02000000000000000000" pitchFamily="50" charset="-127"/>
+                <a:ea typeface="G마켓 산스 Medium" panose="02000000000000000000" pitchFamily="50" charset="-127"/>
+              </a:rPr>
+              <a:t>pick </a:t>
+            </a:r>
+            <a:r>
+              <a:rPr lang="ko-KR" altLang="en-US" sz="4000" smtClean="0">
+                <a:solidFill>
+                  <a:schemeClr val="tx1">
+                    <a:lumMod val="50000"/>
+                    <a:lumOff val="50000"/>
+                  </a:schemeClr>
+                </a:solidFill>
+                <a:latin typeface="G마켓 산스 Medium" panose="02000000000000000000" pitchFamily="50" charset="-127"/>
+                <a:ea typeface="G마켓 산스 Medium" panose="02000000000000000000" pitchFamily="50" charset="-127"/>
+              </a:rPr>
+              <a:t>구현 </a:t>
+            </a:r>
+            <a:r>
+              <a:rPr lang="en-US" altLang="ko-KR" sz="4000" smtClean="0">
+                <a:solidFill>
+                  <a:schemeClr val="tx1">
+                    <a:lumMod val="50000"/>
+                    <a:lumOff val="50000"/>
+                  </a:schemeClr>
+                </a:solidFill>
+                <a:latin typeface="G마켓 산스 Medium" panose="02000000000000000000" pitchFamily="50" charset="-127"/>
+                <a:ea typeface="G마켓 산스 Medium" panose="02000000000000000000" pitchFamily="50" charset="-127"/>
+              </a:rPr>
+              <a:t>: </a:t>
+            </a:r>
+            <a:r>
+              <a:rPr lang="ko-KR" altLang="en-US" sz="4000" smtClean="0">
+                <a:solidFill>
+                  <a:schemeClr val="tx1">
+                    <a:lumMod val="50000"/>
+                    <a:lumOff val="50000"/>
+                  </a:schemeClr>
+                </a:solidFill>
+                <a:latin typeface="G마켓 산스 Medium" panose="02000000000000000000" pitchFamily="50" charset="-127"/>
+                <a:ea typeface="G마켓 산스 Medium" panose="02000000000000000000" pitchFamily="50" charset="-127"/>
+              </a:rPr>
+              <a:t>랜덤한 위치의 카드를 반환한다</a:t>
+            </a:r>
+            <a:r>
+              <a:rPr lang="en-US" altLang="ko-KR" sz="4000" smtClean="0">
+                <a:solidFill>
+                  <a:schemeClr val="tx1">
+                    <a:lumMod val="50000"/>
+                    <a:lumOff val="50000"/>
+                  </a:schemeClr>
+                </a:solidFill>
+                <a:latin typeface="G마켓 산스 Medium" panose="02000000000000000000" pitchFamily="50" charset="-127"/>
+                <a:ea typeface="G마켓 산스 Medium" panose="02000000000000000000" pitchFamily="50" charset="-127"/>
+              </a:rPr>
+              <a:t>. </a:t>
+            </a:r>
+            <a:r>
+              <a:rPr lang="ko-KR" altLang="en-US" sz="4000" smtClean="0">
+                <a:solidFill>
+                  <a:schemeClr val="tx1">
+                    <a:lumMod val="50000"/>
+                    <a:lumOff val="50000"/>
+                  </a:schemeClr>
+                </a:solidFill>
+                <a:latin typeface="G마켓 산스 Medium" panose="02000000000000000000" pitchFamily="50" charset="-127"/>
+                <a:ea typeface="G마켓 산스 Medium" panose="02000000000000000000" pitchFamily="50" charset="-127"/>
+              </a:rPr>
+              <a:t>이때 기존에 만들어둔 </a:t>
+            </a:r>
+            <a:r>
+              <a:rPr lang="en-US" altLang="ko-KR" sz="4000" smtClean="0">
+                <a:solidFill>
+                  <a:schemeClr val="tx1">
+                    <a:lumMod val="50000"/>
+                    <a:lumOff val="50000"/>
+                  </a:schemeClr>
+                </a:solidFill>
+                <a:latin typeface="G마켓 산스 Medium" panose="02000000000000000000" pitchFamily="50" charset="-127"/>
+                <a:ea typeface="G마켓 산스 Medium" panose="02000000000000000000" pitchFamily="50" charset="-127"/>
+              </a:rPr>
+              <a:t>pick </a:t>
+            </a:r>
+            <a:r>
+              <a:rPr lang="ko-KR" altLang="en-US" sz="4000" smtClean="0">
+                <a:solidFill>
+                  <a:schemeClr val="tx1">
+                    <a:lumMod val="50000"/>
+                    <a:lumOff val="50000"/>
+                  </a:schemeClr>
+                </a:solidFill>
+                <a:latin typeface="G마켓 산스 Medium" panose="02000000000000000000" pitchFamily="50" charset="-127"/>
+                <a:ea typeface="G마켓 산스 Medium" panose="02000000000000000000" pitchFamily="50" charset="-127"/>
+              </a:rPr>
+              <a:t>메서드를 활용하고 있다</a:t>
+            </a:r>
+            <a:r>
+              <a:rPr lang="en-US" altLang="ko-KR" sz="4000" smtClean="0">
+                <a:solidFill>
+                  <a:schemeClr val="tx1">
+                    <a:lumMod val="50000"/>
+                    <a:lumOff val="50000"/>
+                  </a:schemeClr>
+                </a:solidFill>
+                <a:latin typeface="G마켓 산스 Medium" panose="02000000000000000000" pitchFamily="50" charset="-127"/>
+                <a:ea typeface="G마켓 산스 Medium" panose="02000000000000000000" pitchFamily="50" charset="-127"/>
+              </a:rPr>
+              <a:t>.</a:t>
+            </a:r>
+            <a:endParaRPr lang="en-US" altLang="ko-KR" sz="4000" smtClean="0">
+              <a:solidFill>
+                <a:schemeClr val="tx1">
+                  <a:lumMod val="50000"/>
+                  <a:lumOff val="50000"/>
+                </a:schemeClr>
+              </a:solidFill>
+              <a:latin typeface="G마켓 산스 Medium" panose="02000000000000000000" pitchFamily="50" charset="-127"/>
+              <a:ea typeface="G마켓 산스 Medium" panose="02000000000000000000" pitchFamily="50" charset="-127"/>
+            </a:endParaRPr>
+          </a:p>
+        </p:txBody>
+      </p:sp>
+      <p:pic>
+        <p:nvPicPr>
+          <p:cNvPr id="10" name="그림 9"/>
+          <p:cNvPicPr>
+            <a:picLocks noChangeAspect="1"/>
+          </p:cNvPicPr>
+          <p:nvPr/>
+        </p:nvPicPr>
+        <p:blipFill>
+          <a:blip r:embed="rId3"/>
+          <a:stretch>
+            <a:fillRect/>
+          </a:stretch>
+        </p:blipFill>
+        <p:spPr>
+          <a:xfrm>
+            <a:off x="912055" y="7423277"/>
+            <a:ext cx="11992172" cy="2831485"/>
+          </a:xfrm>
+          <a:prstGeom prst="rect">
+            <a:avLst/>
+          </a:prstGeom>
+        </p:spPr>
+      </p:pic>
+    </p:spTree>
+    <p:extLst>
+      <p:ext uri="{BB962C8B-B14F-4D97-AF65-F5344CB8AC3E}">
+        <p14:creationId xmlns:p14="http://schemas.microsoft.com/office/powerpoint/2010/main" val="3822842437"/>
+      </p:ext>
+    </p:extLst>
+  </p:cSld>
+  <p:clrMapOvr>
+    <a:masterClrMapping/>
+  </p:clrMapOvr>
+  <p:timing>
+    <p:tnLst>
+      <p:par>
+        <p:cTn id="1" dur="indefinite" restart="never" nodeType="tmRoot"/>
+      </p:par>
+    </p:tnLst>
+  </p:timing>
+</p:sld>
+</file>
+
+<file path=ppt/slides/slide57.xml><?xml version="1.0" encoding="utf-8"?>
 <p:sld xmlns:a="http://schemas.openxmlformats.org/drawingml/2006/main" xmlns:r="http://schemas.openxmlformats.org/officeDocument/2006/relationships" xmlns:p="http://schemas.openxmlformats.org/presentationml/2006/main">
   <p:cSld name="Slide 20">
     <p:bg>
@@ -24031,7 +28255,7 @@
           <p:cNvPr id="2" name="TextBox 1">
             <a:extLst>
               <a:ext uri="{FF2B5EF4-FFF2-40B4-BE49-F238E27FC236}">
-                <a16:creationId xmlns:a16="http://schemas.microsoft.com/office/drawing/2014/main" xmlns="" id="{715D88A2-BD52-978B-A00A-540446126E3D}"/>
+                <a16:creationId xmlns="" xmlns:a16="http://schemas.microsoft.com/office/drawing/2014/main" id="{715D88A2-BD52-978B-A00A-540446126E3D}"/>
               </a:ext>
             </a:extLst>
           </p:cNvPr>
@@ -24075,605 +28299,6 @@
         </p:txBody>
       </p:sp>
     </p:spTree>
-  </p:cSld>
-  <p:clrMapOvr>
-    <a:masterClrMapping/>
-  </p:clrMapOvr>
-</p:sld>
-</file>
-
-<file path=ppt/slides/slide5.xml><?xml version="1.0" encoding="utf-8"?>
-<p:sld xmlns:a="http://schemas.openxmlformats.org/drawingml/2006/main" xmlns:r="http://schemas.openxmlformats.org/officeDocument/2006/relationships" xmlns:p="http://schemas.openxmlformats.org/presentationml/2006/main">
-  <p:cSld>
-    <p:spTree>
-      <p:nvGrpSpPr>
-        <p:cNvPr id="1" name=""/>
-        <p:cNvGrpSpPr/>
-        <p:nvPr/>
-      </p:nvGrpSpPr>
-      <p:grpSpPr>
-        <a:xfrm>
-          <a:off x="0" y="0"/>
-          <a:ext cx="0" cy="0"/>
-          <a:chOff x="0" y="0"/>
-          <a:chExt cx="0" cy="0"/>
-        </a:xfrm>
-      </p:grpSpPr>
-      <p:grpSp>
-        <p:nvGrpSpPr>
-          <p:cNvPr id="4" name="그룹 1015">
-            <a:extLst>
-              <a:ext uri="{FF2B5EF4-FFF2-40B4-BE49-F238E27FC236}">
-                <a16:creationId xmlns:a16="http://schemas.microsoft.com/office/drawing/2014/main" xmlns="" id="{76F5E01D-ECD6-A51D-DC2B-05DA1EBF93C7}"/>
-              </a:ext>
-            </a:extLst>
-          </p:cNvPr>
-          <p:cNvGrpSpPr/>
-          <p:nvPr/>
-        </p:nvGrpSpPr>
-        <p:grpSpPr>
-          <a:xfrm>
-            <a:off x="7092192" y="2913503"/>
-            <a:ext cx="3753082" cy="785575"/>
-            <a:chOff x="7305119" y="3255660"/>
-            <a:chExt cx="3753082" cy="785575"/>
-          </a:xfrm>
-        </p:grpSpPr>
-        <p:pic>
-          <p:nvPicPr>
-            <p:cNvPr id="5" name="Object 52">
-              <a:extLst>
-                <a:ext uri="{FF2B5EF4-FFF2-40B4-BE49-F238E27FC236}">
-                  <a16:creationId xmlns:a16="http://schemas.microsoft.com/office/drawing/2014/main" xmlns="" id="{D83975B3-46BC-7686-ECA1-1D7ECFA74A69}"/>
-                </a:ext>
-              </a:extLst>
-            </p:cNvPr>
-            <p:cNvPicPr>
-              <a:picLocks noChangeAspect="1"/>
-            </p:cNvPicPr>
-            <p:nvPr/>
-          </p:nvPicPr>
-          <p:blipFill>
-            <a:blip r:embed="rId2" cstate="print"/>
-            <a:stretch>
-              <a:fillRect/>
-            </a:stretch>
-          </p:blipFill>
-          <p:spPr>
-            <a:xfrm>
-              <a:off x="7305119" y="3255660"/>
-              <a:ext cx="3753082" cy="785575"/>
-            </a:xfrm>
-            <a:prstGeom prst="rect">
-              <a:avLst/>
-            </a:prstGeom>
-          </p:spPr>
-        </p:pic>
-      </p:grpSp>
-      <p:grpSp>
-        <p:nvGrpSpPr>
-          <p:cNvPr id="6" name="그룹 1018">
-            <a:extLst>
-              <a:ext uri="{FF2B5EF4-FFF2-40B4-BE49-F238E27FC236}">
-                <a16:creationId xmlns:a16="http://schemas.microsoft.com/office/drawing/2014/main" xmlns="" id="{008489BA-FEFA-DE7D-B3CD-53A358B82592}"/>
-              </a:ext>
-            </a:extLst>
-          </p:cNvPr>
-          <p:cNvGrpSpPr/>
-          <p:nvPr/>
-        </p:nvGrpSpPr>
-        <p:grpSpPr>
-          <a:xfrm>
-            <a:off x="2590800" y="4486414"/>
-            <a:ext cx="3393622" cy="1114286"/>
-            <a:chOff x="2803727" y="4828571"/>
-            <a:chExt cx="3393622" cy="1114286"/>
-          </a:xfrm>
-        </p:grpSpPr>
-        <p:pic>
-          <p:nvPicPr>
-            <p:cNvPr id="7" name="Object 61">
-              <a:extLst>
-                <a:ext uri="{FF2B5EF4-FFF2-40B4-BE49-F238E27FC236}">
-                  <a16:creationId xmlns:a16="http://schemas.microsoft.com/office/drawing/2014/main" xmlns="" id="{9ED25BE3-45BE-AC6D-D835-4457854D2832}"/>
-                </a:ext>
-              </a:extLst>
-            </p:cNvPr>
-            <p:cNvPicPr>
-              <a:picLocks noChangeAspect="1"/>
-            </p:cNvPicPr>
-            <p:nvPr/>
-          </p:nvPicPr>
-          <p:blipFill>
-            <a:blip r:embed="rId3" cstate="print"/>
-            <a:stretch>
-              <a:fillRect/>
-            </a:stretch>
-          </p:blipFill>
-          <p:spPr>
-            <a:xfrm>
-              <a:off x="2803727" y="4828571"/>
-              <a:ext cx="3393622" cy="1114286"/>
-            </a:xfrm>
-            <a:prstGeom prst="rect">
-              <a:avLst/>
-            </a:prstGeom>
-          </p:spPr>
-        </p:pic>
-      </p:grpSp>
-      <p:grpSp>
-        <p:nvGrpSpPr>
-          <p:cNvPr id="8" name="그룹 1021">
-            <a:extLst>
-              <a:ext uri="{FF2B5EF4-FFF2-40B4-BE49-F238E27FC236}">
-                <a16:creationId xmlns:a16="http://schemas.microsoft.com/office/drawing/2014/main" xmlns="" id="{7FE0C0A1-ABE4-F0EA-AFC1-4622C45C99E7}"/>
-              </a:ext>
-            </a:extLst>
-          </p:cNvPr>
-          <p:cNvGrpSpPr/>
-          <p:nvPr/>
-        </p:nvGrpSpPr>
-        <p:grpSpPr>
-          <a:xfrm>
-            <a:off x="7233119" y="4486414"/>
-            <a:ext cx="3393622" cy="1114286"/>
-            <a:chOff x="7446046" y="4828571"/>
-            <a:chExt cx="3393622" cy="1114286"/>
-          </a:xfrm>
-        </p:grpSpPr>
-        <p:pic>
-          <p:nvPicPr>
-            <p:cNvPr id="9" name="Object 71">
-              <a:extLst>
-                <a:ext uri="{FF2B5EF4-FFF2-40B4-BE49-F238E27FC236}">
-                  <a16:creationId xmlns:a16="http://schemas.microsoft.com/office/drawing/2014/main" xmlns="" id="{CDBB7D83-509F-9F4C-0C3E-DBA2562E5520}"/>
-                </a:ext>
-              </a:extLst>
-            </p:cNvPr>
-            <p:cNvPicPr>
-              <a:picLocks noChangeAspect="1"/>
-            </p:cNvPicPr>
-            <p:nvPr/>
-          </p:nvPicPr>
-          <p:blipFill>
-            <a:blip r:embed="rId3" cstate="print"/>
-            <a:stretch>
-              <a:fillRect/>
-            </a:stretch>
-          </p:blipFill>
-          <p:spPr>
-            <a:xfrm>
-              <a:off x="7446046" y="4828571"/>
-              <a:ext cx="3393622" cy="1114286"/>
-            </a:xfrm>
-            <a:prstGeom prst="rect">
-              <a:avLst/>
-            </a:prstGeom>
-          </p:spPr>
-        </p:pic>
-      </p:grpSp>
-      <p:grpSp>
-        <p:nvGrpSpPr>
-          <p:cNvPr id="10" name="그룹 1024">
-            <a:extLst>
-              <a:ext uri="{FF2B5EF4-FFF2-40B4-BE49-F238E27FC236}">
-                <a16:creationId xmlns:a16="http://schemas.microsoft.com/office/drawing/2014/main" xmlns="" id="{8EB1611F-852C-9617-AEEB-CFA38FFF8001}"/>
-              </a:ext>
-            </a:extLst>
-          </p:cNvPr>
-          <p:cNvGrpSpPr/>
-          <p:nvPr/>
-        </p:nvGrpSpPr>
-        <p:grpSpPr>
-          <a:xfrm>
-            <a:off x="11875438" y="4486414"/>
-            <a:ext cx="3393622" cy="1114286"/>
-            <a:chOff x="12088365" y="4828571"/>
-            <a:chExt cx="3393622" cy="1114286"/>
-          </a:xfrm>
-        </p:grpSpPr>
-        <p:pic>
-          <p:nvPicPr>
-            <p:cNvPr id="11" name="Object 81">
-              <a:extLst>
-                <a:ext uri="{FF2B5EF4-FFF2-40B4-BE49-F238E27FC236}">
-                  <a16:creationId xmlns:a16="http://schemas.microsoft.com/office/drawing/2014/main" xmlns="" id="{08657582-A0DF-A5DC-A662-189C639920C8}"/>
-                </a:ext>
-              </a:extLst>
-            </p:cNvPr>
-            <p:cNvPicPr>
-              <a:picLocks noChangeAspect="1"/>
-            </p:cNvPicPr>
-            <p:nvPr/>
-          </p:nvPicPr>
-          <p:blipFill>
-            <a:blip r:embed="rId3" cstate="print"/>
-            <a:stretch>
-              <a:fillRect/>
-            </a:stretch>
-          </p:blipFill>
-          <p:spPr>
-            <a:xfrm>
-              <a:off x="12088365" y="4828571"/>
-              <a:ext cx="3393622" cy="1114286"/>
-            </a:xfrm>
-            <a:prstGeom prst="rect">
-              <a:avLst/>
-            </a:prstGeom>
-          </p:spPr>
-        </p:pic>
-      </p:grpSp>
-      <p:sp>
-        <p:nvSpPr>
-          <p:cNvPr id="12" name="TextBox 11">
-            <a:extLst>
-              <a:ext uri="{FF2B5EF4-FFF2-40B4-BE49-F238E27FC236}">
-                <a16:creationId xmlns:a16="http://schemas.microsoft.com/office/drawing/2014/main" xmlns="" id="{FC41B7B2-904B-813A-22B8-239E383F4360}"/>
-              </a:ext>
-            </a:extLst>
-          </p:cNvPr>
-          <p:cNvSpPr txBox="1"/>
-          <p:nvPr/>
-        </p:nvSpPr>
-        <p:spPr>
-          <a:xfrm>
-            <a:off x="8263995" y="2946640"/>
-            <a:ext cx="1946805" cy="769441"/>
-          </a:xfrm>
-          <a:prstGeom prst="rect">
-            <a:avLst/>
-          </a:prstGeom>
-          <a:noFill/>
-        </p:spPr>
-        <p:txBody>
-          <a:bodyPr wrap="square" rtlCol="0">
-            <a:spAutoFit/>
-          </a:bodyPr>
-          <a:lstStyle/>
-          <a:p>
-            <a:r>
-              <a:rPr lang="en-US" altLang="ko-KR" sz="4400">
-                <a:solidFill>
-                  <a:srgbClr val="4C50BC"/>
-                </a:solidFill>
-                <a:latin typeface="G마켓 산스 Medium" panose="02000000000000000000" pitchFamily="50" charset="-127"/>
-                <a:ea typeface="G마켓 산스 Medium" panose="02000000000000000000" pitchFamily="50" charset="-127"/>
-              </a:rPr>
-              <a:t>Unit</a:t>
-            </a:r>
-            <a:endParaRPr lang="en-US" altLang="ko-KR" sz="4400" dirty="0">
-              <a:solidFill>
-                <a:srgbClr val="4C50BC"/>
-              </a:solidFill>
-              <a:latin typeface="G마켓 산스 Medium" panose="02000000000000000000" pitchFamily="50" charset="-127"/>
-              <a:ea typeface="G마켓 산스 Medium" panose="02000000000000000000" pitchFamily="50" charset="-127"/>
-            </a:endParaRPr>
-          </a:p>
-        </p:txBody>
-      </p:sp>
-      <p:sp>
-        <p:nvSpPr>
-          <p:cNvPr id="13" name="TextBox 12">
-            <a:extLst>
-              <a:ext uri="{FF2B5EF4-FFF2-40B4-BE49-F238E27FC236}">
-                <a16:creationId xmlns:a16="http://schemas.microsoft.com/office/drawing/2014/main" xmlns="" id="{F68B80B8-3419-5C31-B2F2-084E536A2C1C}"/>
-              </a:ext>
-            </a:extLst>
-          </p:cNvPr>
-          <p:cNvSpPr txBox="1"/>
-          <p:nvPr/>
-        </p:nvSpPr>
-        <p:spPr>
-          <a:xfrm>
-            <a:off x="3241645" y="4705572"/>
-            <a:ext cx="1936749" cy="646331"/>
-          </a:xfrm>
-          <a:prstGeom prst="rect">
-            <a:avLst/>
-          </a:prstGeom>
-          <a:noFill/>
-        </p:spPr>
-        <p:txBody>
-          <a:bodyPr wrap="none" rtlCol="0">
-            <a:spAutoFit/>
-          </a:bodyPr>
-          <a:lstStyle/>
-          <a:p>
-            <a:r>
-              <a:rPr lang="en-US" altLang="ko-KR" sz="3600">
-                <a:solidFill>
-                  <a:srgbClr val="4D4848"/>
-                </a:solidFill>
-                <a:latin typeface="G마켓 산스 Medium" panose="02000000000000000000" pitchFamily="50" charset="-127"/>
-                <a:ea typeface="G마켓 산스 Medium" panose="02000000000000000000" pitchFamily="50" charset="-127"/>
-              </a:rPr>
-              <a:t>Marine</a:t>
-            </a:r>
-            <a:endParaRPr lang="ko-KR" altLang="en-US" sz="2800" dirty="0">
-              <a:solidFill>
-                <a:srgbClr val="4D4848"/>
-              </a:solidFill>
-              <a:latin typeface="G마켓 산스 Medium" panose="02000000000000000000" pitchFamily="50" charset="-127"/>
-              <a:ea typeface="G마켓 산스 Medium" panose="02000000000000000000" pitchFamily="50" charset="-127"/>
-            </a:endParaRPr>
-          </a:p>
-        </p:txBody>
-      </p:sp>
-      <p:sp>
-        <p:nvSpPr>
-          <p:cNvPr id="14" name="TextBox 13">
-            <a:extLst>
-              <a:ext uri="{FF2B5EF4-FFF2-40B4-BE49-F238E27FC236}">
-                <a16:creationId xmlns:a16="http://schemas.microsoft.com/office/drawing/2014/main" xmlns="" id="{CB471B39-052C-65D2-3069-C74FA7421876}"/>
-              </a:ext>
-            </a:extLst>
-          </p:cNvPr>
-          <p:cNvSpPr txBox="1"/>
-          <p:nvPr/>
-        </p:nvSpPr>
-        <p:spPr>
-          <a:xfrm>
-            <a:off x="7888580" y="4684228"/>
-            <a:ext cx="2274982" cy="646331"/>
-          </a:xfrm>
-          <a:prstGeom prst="rect">
-            <a:avLst/>
-          </a:prstGeom>
-          <a:noFill/>
-        </p:spPr>
-        <p:txBody>
-          <a:bodyPr wrap="none" rtlCol="0">
-            <a:spAutoFit/>
-          </a:bodyPr>
-          <a:lstStyle/>
-          <a:p>
-            <a:r>
-              <a:rPr lang="en-US" altLang="ko-KR" sz="3600">
-                <a:solidFill>
-                  <a:srgbClr val="4D4848"/>
-                </a:solidFill>
-                <a:latin typeface="G마켓 산스 Medium" panose="02000000000000000000" pitchFamily="50" charset="-127"/>
-                <a:ea typeface="G마켓 산스 Medium" panose="02000000000000000000" pitchFamily="50" charset="-127"/>
-              </a:rPr>
-              <a:t>Zergling</a:t>
-            </a:r>
-            <a:endParaRPr lang="ko-KR" altLang="en-US" sz="2800" dirty="0">
-              <a:solidFill>
-                <a:srgbClr val="4D4848"/>
-              </a:solidFill>
-              <a:latin typeface="G마켓 산스 Medium" panose="02000000000000000000" pitchFamily="50" charset="-127"/>
-              <a:ea typeface="G마켓 산스 Medium" panose="02000000000000000000" pitchFamily="50" charset="-127"/>
-            </a:endParaRPr>
-          </a:p>
-        </p:txBody>
-      </p:sp>
-      <p:sp>
-        <p:nvSpPr>
-          <p:cNvPr id="15" name="TextBox 14">
-            <a:extLst>
-              <a:ext uri="{FF2B5EF4-FFF2-40B4-BE49-F238E27FC236}">
-                <a16:creationId xmlns:a16="http://schemas.microsoft.com/office/drawing/2014/main" xmlns="" id="{4A7E270B-9322-EABD-3A34-4D211B23AD38}"/>
-              </a:ext>
-            </a:extLst>
-          </p:cNvPr>
-          <p:cNvSpPr txBox="1"/>
-          <p:nvPr/>
-        </p:nvSpPr>
-        <p:spPr>
-          <a:xfrm>
-            <a:off x="12470834" y="4705572"/>
-            <a:ext cx="1787669" cy="646331"/>
-          </a:xfrm>
-          <a:prstGeom prst="rect">
-            <a:avLst/>
-          </a:prstGeom>
-          <a:noFill/>
-        </p:spPr>
-        <p:txBody>
-          <a:bodyPr wrap="none" rtlCol="0">
-            <a:spAutoFit/>
-          </a:bodyPr>
-          <a:lstStyle/>
-          <a:p>
-            <a:r>
-              <a:rPr lang="en-US" altLang="ko-KR" sz="3600">
-                <a:solidFill>
-                  <a:srgbClr val="4D4848"/>
-                </a:solidFill>
-                <a:latin typeface="G마켓 산스 Medium" panose="02000000000000000000" pitchFamily="50" charset="-127"/>
-                <a:ea typeface="G마켓 산스 Medium" panose="02000000000000000000" pitchFamily="50" charset="-127"/>
-              </a:rPr>
-              <a:t>Zealot</a:t>
-            </a:r>
-            <a:endParaRPr lang="ko-KR" altLang="en-US" sz="2800" dirty="0">
-              <a:solidFill>
-                <a:srgbClr val="4D4848"/>
-              </a:solidFill>
-              <a:latin typeface="G마켓 산스 Medium" panose="02000000000000000000" pitchFamily="50" charset="-127"/>
-              <a:ea typeface="G마켓 산스 Medium" panose="02000000000000000000" pitchFamily="50" charset="-127"/>
-            </a:endParaRPr>
-          </a:p>
-        </p:txBody>
-      </p:sp>
-      <p:cxnSp>
-        <p:nvCxnSpPr>
-          <p:cNvPr id="16" name="직선 화살표 연결선 15">
-            <a:extLst>
-              <a:ext uri="{FF2B5EF4-FFF2-40B4-BE49-F238E27FC236}">
-                <a16:creationId xmlns:a16="http://schemas.microsoft.com/office/drawing/2014/main" xmlns="" id="{174A1CAB-41DB-CBE5-A53E-D1E78982E7D5}"/>
-              </a:ext>
-            </a:extLst>
-          </p:cNvPr>
-          <p:cNvCxnSpPr>
-            <a:cxnSpLocks/>
-            <a:endCxn id="7" idx="0"/>
-          </p:cNvCxnSpPr>
-          <p:nvPr/>
-        </p:nvCxnSpPr>
-        <p:spPr>
-          <a:xfrm flipH="1">
-            <a:off x="4287611" y="3372128"/>
-            <a:ext cx="2722789" cy="1114286"/>
-          </a:xfrm>
-          <a:prstGeom prst="straightConnector1">
-            <a:avLst/>
-          </a:prstGeom>
-          <a:ln w="38100">
-            <a:tailEnd type="triangle"/>
-          </a:ln>
-        </p:spPr>
-        <p:style>
-          <a:lnRef idx="1">
-            <a:schemeClr val="accent2"/>
-          </a:lnRef>
-          <a:fillRef idx="0">
-            <a:schemeClr val="accent2"/>
-          </a:fillRef>
-          <a:effectRef idx="0">
-            <a:schemeClr val="accent2"/>
-          </a:effectRef>
-          <a:fontRef idx="minor">
-            <a:schemeClr val="tx1"/>
-          </a:fontRef>
-        </p:style>
-      </p:cxnSp>
-      <p:cxnSp>
-        <p:nvCxnSpPr>
-          <p:cNvPr id="17" name="직선 화살표 연결선 16">
-            <a:extLst>
-              <a:ext uri="{FF2B5EF4-FFF2-40B4-BE49-F238E27FC236}">
-                <a16:creationId xmlns:a16="http://schemas.microsoft.com/office/drawing/2014/main" xmlns="" id="{404BE807-8974-325D-28CE-80CBD5A23FD9}"/>
-              </a:ext>
-            </a:extLst>
-          </p:cNvPr>
-          <p:cNvCxnSpPr>
-            <a:cxnSpLocks/>
-          </p:cNvCxnSpPr>
-          <p:nvPr/>
-        </p:nvCxnSpPr>
-        <p:spPr>
-          <a:xfrm>
-            <a:off x="9024489" y="3732215"/>
-            <a:ext cx="6086" cy="681872"/>
-          </a:xfrm>
-          <a:prstGeom prst="straightConnector1">
-            <a:avLst/>
-          </a:prstGeom>
-          <a:ln w="38100">
-            <a:tailEnd type="triangle"/>
-          </a:ln>
-        </p:spPr>
-        <p:style>
-          <a:lnRef idx="1">
-            <a:schemeClr val="accent2"/>
-          </a:lnRef>
-          <a:fillRef idx="0">
-            <a:schemeClr val="accent2"/>
-          </a:fillRef>
-          <a:effectRef idx="0">
-            <a:schemeClr val="accent2"/>
-          </a:effectRef>
-          <a:fontRef idx="minor">
-            <a:schemeClr val="tx1"/>
-          </a:fontRef>
-        </p:style>
-      </p:cxnSp>
-      <p:cxnSp>
-        <p:nvCxnSpPr>
-          <p:cNvPr id="18" name="직선 화살표 연결선 17">
-            <a:extLst>
-              <a:ext uri="{FF2B5EF4-FFF2-40B4-BE49-F238E27FC236}">
-                <a16:creationId xmlns:a16="http://schemas.microsoft.com/office/drawing/2014/main" xmlns="" id="{8238D4B2-69F6-F17A-0286-66A8FB197956}"/>
-              </a:ext>
-            </a:extLst>
-          </p:cNvPr>
-          <p:cNvCxnSpPr>
-            <a:cxnSpLocks/>
-            <a:endCxn id="11" idx="0"/>
-          </p:cNvCxnSpPr>
-          <p:nvPr/>
-        </p:nvCxnSpPr>
-        <p:spPr>
-          <a:xfrm>
-            <a:off x="10876735" y="3331360"/>
-            <a:ext cx="2695514" cy="1155054"/>
-          </a:xfrm>
-          <a:prstGeom prst="straightConnector1">
-            <a:avLst/>
-          </a:prstGeom>
-          <a:ln w="38100">
-            <a:tailEnd type="triangle"/>
-          </a:ln>
-        </p:spPr>
-        <p:style>
-          <a:lnRef idx="1">
-            <a:schemeClr val="accent2"/>
-          </a:lnRef>
-          <a:fillRef idx="0">
-            <a:schemeClr val="accent2"/>
-          </a:fillRef>
-          <a:effectRef idx="0">
-            <a:schemeClr val="accent2"/>
-          </a:effectRef>
-          <a:fontRef idx="minor">
-            <a:schemeClr val="tx1"/>
-          </a:fontRef>
-        </p:style>
-      </p:cxnSp>
-      <p:pic>
-        <p:nvPicPr>
-          <p:cNvPr id="19" name="그림 18"/>
-          <p:cNvPicPr>
-            <a:picLocks noChangeAspect="1"/>
-          </p:cNvPicPr>
-          <p:nvPr/>
-        </p:nvPicPr>
-        <p:blipFill>
-          <a:blip r:embed="rId4"/>
-          <a:stretch>
-            <a:fillRect/>
-          </a:stretch>
-        </p:blipFill>
-        <p:spPr>
-          <a:xfrm>
-            <a:off x="4343400" y="1028700"/>
-            <a:ext cx="4196633" cy="1632024"/>
-          </a:xfrm>
-          <a:prstGeom prst="rect">
-            <a:avLst/>
-          </a:prstGeom>
-        </p:spPr>
-      </p:pic>
-      <p:pic>
-        <p:nvPicPr>
-          <p:cNvPr id="20" name="그림 19"/>
-          <p:cNvPicPr>
-            <a:picLocks noChangeAspect="1"/>
-          </p:cNvPicPr>
-          <p:nvPr/>
-        </p:nvPicPr>
-        <p:blipFill>
-          <a:blip r:embed="rId5"/>
-          <a:stretch>
-            <a:fillRect/>
-          </a:stretch>
-        </p:blipFill>
-        <p:spPr>
-          <a:xfrm>
-            <a:off x="9067800" y="1028700"/>
-            <a:ext cx="4477650" cy="1597495"/>
-          </a:xfrm>
-          <a:prstGeom prst="rect">
-            <a:avLst/>
-          </a:prstGeom>
-        </p:spPr>
-      </p:pic>
-    </p:spTree>
-    <p:extLst>
-      <p:ext uri="{BB962C8B-B14F-4D97-AF65-F5344CB8AC3E}">
-        <p14:creationId xmlns:p14="http://schemas.microsoft.com/office/powerpoint/2010/main" val="3737422770"/>
-      </p:ext>
-    </p:extLst>
   </p:cSld>
   <p:clrMapOvr>
     <a:masterClrMapping/>
@@ -24703,7 +28328,7 @@
           <p:cNvPr id="4" name="TextBox 3">
             <a:extLst>
               <a:ext uri="{FF2B5EF4-FFF2-40B4-BE49-F238E27FC236}">
-                <a16:creationId xmlns:a16="http://schemas.microsoft.com/office/drawing/2014/main" xmlns="" id="{DF7DDD33-9412-2802-339A-E55446AC2DA7}"/>
+                <a16:creationId xmlns="" xmlns:a16="http://schemas.microsoft.com/office/drawing/2014/main" id="{DF7DDD33-9412-2802-339A-E55446AC2DA7}"/>
               </a:ext>
             </a:extLst>
           </p:cNvPr>
@@ -24799,7 +28424,7 @@
           <p:cNvPr id="7" name="그룹 1008">
             <a:extLst>
               <a:ext uri="{FF2B5EF4-FFF2-40B4-BE49-F238E27FC236}">
-                <a16:creationId xmlns:a16="http://schemas.microsoft.com/office/drawing/2014/main" xmlns="" id="{E395BDE3-2EDE-065D-70E8-56E348228ACF}"/>
+                <a16:creationId xmlns="" xmlns:a16="http://schemas.microsoft.com/office/drawing/2014/main" id="{E395BDE3-2EDE-065D-70E8-56E348228ACF}"/>
               </a:ext>
             </a:extLst>
           </p:cNvPr>
@@ -24819,7 +28444,7 @@
             <p:cNvPr id="8" name="그룹 1009">
               <a:extLst>
                 <a:ext uri="{FF2B5EF4-FFF2-40B4-BE49-F238E27FC236}">
-                  <a16:creationId xmlns:a16="http://schemas.microsoft.com/office/drawing/2014/main" xmlns="" id="{852F4DEB-DB33-DB3F-9E9F-52A46CD0B10A}"/>
+                  <a16:creationId xmlns="" xmlns:a16="http://schemas.microsoft.com/office/drawing/2014/main" id="{852F4DEB-DB33-DB3F-9E9F-52A46CD0B10A}"/>
                 </a:ext>
               </a:extLst>
             </p:cNvPr>
@@ -24839,7 +28464,7 @@
               <p:cNvPr id="13" name="Object 29">
                 <a:extLst>
                   <a:ext uri="{FF2B5EF4-FFF2-40B4-BE49-F238E27FC236}">
-                    <a16:creationId xmlns:a16="http://schemas.microsoft.com/office/drawing/2014/main" xmlns="" id="{7E353D3B-14D4-8A64-5888-3F0C062C2CDD}"/>
+                    <a16:creationId xmlns="" xmlns:a16="http://schemas.microsoft.com/office/drawing/2014/main" id="{7E353D3B-14D4-8A64-5888-3F0C062C2CDD}"/>
                   </a:ext>
                 </a:extLst>
               </p:cNvPr>
@@ -24870,7 +28495,7 @@
             <p:cNvPr id="9" name="그룹 1010">
               <a:extLst>
                 <a:ext uri="{FF2B5EF4-FFF2-40B4-BE49-F238E27FC236}">
-                  <a16:creationId xmlns:a16="http://schemas.microsoft.com/office/drawing/2014/main" xmlns="" id="{001E38AB-1390-ABD0-BE01-9727136FEAEE}"/>
+                  <a16:creationId xmlns="" xmlns:a16="http://schemas.microsoft.com/office/drawing/2014/main" id="{001E38AB-1390-ABD0-BE01-9727136FEAEE}"/>
                 </a:ext>
               </a:extLst>
             </p:cNvPr>
@@ -24890,7 +28515,7 @@
               <p:cNvPr id="12" name="Object 32">
                 <a:extLst>
                   <a:ext uri="{FF2B5EF4-FFF2-40B4-BE49-F238E27FC236}">
-                    <a16:creationId xmlns:a16="http://schemas.microsoft.com/office/drawing/2014/main" xmlns="" id="{2ED1C30F-0D0B-F86C-8215-2598D332B5A3}"/>
+                    <a16:creationId xmlns="" xmlns:a16="http://schemas.microsoft.com/office/drawing/2014/main" id="{2ED1C30F-0D0B-F86C-8215-2598D332B5A3}"/>
                   </a:ext>
                 </a:extLst>
               </p:cNvPr>
@@ -24921,7 +28546,7 @@
             <p:cNvPr id="10" name="그룹 1011">
               <a:extLst>
                 <a:ext uri="{FF2B5EF4-FFF2-40B4-BE49-F238E27FC236}">
-                  <a16:creationId xmlns:a16="http://schemas.microsoft.com/office/drawing/2014/main" xmlns="" id="{1BCB8DE5-ABAF-4198-BC16-85BB76F2DB24}"/>
+                  <a16:creationId xmlns="" xmlns:a16="http://schemas.microsoft.com/office/drawing/2014/main" id="{1BCB8DE5-ABAF-4198-BC16-85BB76F2DB24}"/>
                 </a:ext>
               </a:extLst>
             </p:cNvPr>
@@ -24941,7 +28566,7 @@
               <p:cNvPr id="11" name="Object 35">
                 <a:extLst>
                   <a:ext uri="{FF2B5EF4-FFF2-40B4-BE49-F238E27FC236}">
-                    <a16:creationId xmlns:a16="http://schemas.microsoft.com/office/drawing/2014/main" xmlns="" id="{86E7BA23-0A1E-B581-CADC-06AB269DB2BD}"/>
+                    <a16:creationId xmlns="" xmlns:a16="http://schemas.microsoft.com/office/drawing/2014/main" id="{86E7BA23-0A1E-B581-CADC-06AB269DB2BD}"/>
                   </a:ext>
                 </a:extLst>
               </p:cNvPr>
@@ -24973,7 +28598,7 @@
           <p:cNvPr id="14" name="직사각형 13">
             <a:extLst>
               <a:ext uri="{FF2B5EF4-FFF2-40B4-BE49-F238E27FC236}">
-                <a16:creationId xmlns:a16="http://schemas.microsoft.com/office/drawing/2014/main" xmlns="" id="{FFF506F9-840A-0508-4CAF-3AC711D8D5CE}"/>
+                <a16:creationId xmlns="" xmlns:a16="http://schemas.microsoft.com/office/drawing/2014/main" id="{FFF506F9-840A-0508-4CAF-3AC711D8D5CE}"/>
               </a:ext>
             </a:extLst>
           </p:cNvPr>
@@ -25049,7 +28674,7 @@
           <p:cNvPr id="16" name="직사각형 15">
             <a:extLst>
               <a:ext uri="{FF2B5EF4-FFF2-40B4-BE49-F238E27FC236}">
-                <a16:creationId xmlns:a16="http://schemas.microsoft.com/office/drawing/2014/main" xmlns="" id="{FFF506F9-840A-0508-4CAF-3AC711D8D5CE}"/>
+                <a16:creationId xmlns="" xmlns:a16="http://schemas.microsoft.com/office/drawing/2014/main" id="{FFF506F9-840A-0508-4CAF-3AC711D8D5CE}"/>
               </a:ext>
             </a:extLst>
           </p:cNvPr>
@@ -25101,7 +28726,7 @@
           <p:cNvPr id="17" name="TextBox 16">
             <a:extLst>
               <a:ext uri="{FF2B5EF4-FFF2-40B4-BE49-F238E27FC236}">
-                <a16:creationId xmlns:a16="http://schemas.microsoft.com/office/drawing/2014/main" xmlns="" id="{A2AD056B-97A4-5BCC-4460-250160F3E171}"/>
+                <a16:creationId xmlns="" xmlns:a16="http://schemas.microsoft.com/office/drawing/2014/main" id="{A2AD056B-97A4-5BCC-4460-250160F3E171}"/>
               </a:ext>
             </a:extLst>
           </p:cNvPr>
@@ -25251,7 +28876,7 @@
           <p:cNvPr id="18" name="TextBox 17">
             <a:extLst>
               <a:ext uri="{FF2B5EF4-FFF2-40B4-BE49-F238E27FC236}">
-                <a16:creationId xmlns:a16="http://schemas.microsoft.com/office/drawing/2014/main" xmlns="" id="{A2AD056B-97A4-5BCC-4460-250160F3E171}"/>
+                <a16:creationId xmlns="" xmlns:a16="http://schemas.microsoft.com/office/drawing/2014/main" id="{A2AD056B-97A4-5BCC-4460-250160F3E171}"/>
               </a:ext>
             </a:extLst>
           </p:cNvPr>
@@ -25305,7 +28930,7 @@
           <p:cNvPr id="19" name="TextBox 18">
             <a:extLst>
               <a:ext uri="{FF2B5EF4-FFF2-40B4-BE49-F238E27FC236}">
-                <a16:creationId xmlns:a16="http://schemas.microsoft.com/office/drawing/2014/main" xmlns="" id="{A2AD056B-97A4-5BCC-4460-250160F3E171}"/>
+                <a16:creationId xmlns="" xmlns:a16="http://schemas.microsoft.com/office/drawing/2014/main" id="{A2AD056B-97A4-5BCC-4460-250160F3E171}"/>
               </a:ext>
             </a:extLst>
           </p:cNvPr>
@@ -25485,7 +29110,7 @@
           <p:cNvPr id="8" name="TextBox 7">
             <a:extLst>
               <a:ext uri="{FF2B5EF4-FFF2-40B4-BE49-F238E27FC236}">
-                <a16:creationId xmlns:a16="http://schemas.microsoft.com/office/drawing/2014/main" xmlns="" id="{C6D113C6-EA5C-788F-0C77-E7CE6EBB865F}"/>
+                <a16:creationId xmlns="" xmlns:a16="http://schemas.microsoft.com/office/drawing/2014/main" id="{C6D113C6-EA5C-788F-0C77-E7CE6EBB865F}"/>
               </a:ext>
             </a:extLst>
           </p:cNvPr>
@@ -25573,7 +29198,7 @@
           <p:cNvPr id="6" name="TextBox 5">
             <a:extLst>
               <a:ext uri="{FF2B5EF4-FFF2-40B4-BE49-F238E27FC236}">
-                <a16:creationId xmlns:a16="http://schemas.microsoft.com/office/drawing/2014/main" xmlns="" id="{C6D113C6-EA5C-788F-0C77-E7CE6EBB865F}"/>
+                <a16:creationId xmlns="" xmlns:a16="http://schemas.microsoft.com/office/drawing/2014/main" id="{C6D113C6-EA5C-788F-0C77-E7CE6EBB865F}"/>
               </a:ext>
             </a:extLst>
           </p:cNvPr>
@@ -25702,7 +29327,7 @@
                 <a:gridCol w="2730951">
                   <a:extLst>
                     <a:ext uri="{9D8B030D-6E8A-4147-A177-3AD203B41FA5}">
-                      <a16:colId xmlns:a16="http://schemas.microsoft.com/office/drawing/2014/main" xmlns="" val="20000"/>
+                      <a16:colId xmlns="" xmlns:a16="http://schemas.microsoft.com/office/drawing/2014/main" val="20000"/>
                     </a:ext>
                   </a:extLst>
                 </a:gridCol>
@@ -25775,7 +29400,7 @@
                 </a:tc>
                 <a:extLst>
                   <a:ext uri="{0D108BD9-81ED-4DB2-BD59-A6C34878D82A}">
-                    <a16:rowId xmlns:a16="http://schemas.microsoft.com/office/drawing/2014/main" xmlns="" val="10000"/>
+                    <a16:rowId xmlns="" xmlns:a16="http://schemas.microsoft.com/office/drawing/2014/main" val="10000"/>
                   </a:ext>
                 </a:extLst>
               </a:tr>
@@ -25855,7 +29480,7 @@
                 </a:tc>
                 <a:extLst>
                   <a:ext uri="{0D108BD9-81ED-4DB2-BD59-A6C34878D82A}">
-                    <a16:rowId xmlns:a16="http://schemas.microsoft.com/office/drawing/2014/main" xmlns="" val="10001"/>
+                    <a16:rowId xmlns="" xmlns:a16="http://schemas.microsoft.com/office/drawing/2014/main" val="10001"/>
                   </a:ext>
                 </a:extLst>
               </a:tr>
@@ -25919,7 +29544,7 @@
                 </a:tc>
                 <a:extLst>
                   <a:ext uri="{0D108BD9-81ED-4DB2-BD59-A6C34878D82A}">
-                    <a16:rowId xmlns:a16="http://schemas.microsoft.com/office/drawing/2014/main" xmlns="" val="10002"/>
+                    <a16:rowId xmlns="" xmlns:a16="http://schemas.microsoft.com/office/drawing/2014/main" val="10002"/>
                   </a:ext>
                 </a:extLst>
               </a:tr>
@@ -25955,7 +29580,7 @@
                 <a:gridCol w="2730951">
                   <a:extLst>
                     <a:ext uri="{9D8B030D-6E8A-4147-A177-3AD203B41FA5}">
-                      <a16:colId xmlns:a16="http://schemas.microsoft.com/office/drawing/2014/main" xmlns="" val="20000"/>
+                      <a16:colId xmlns="" xmlns:a16="http://schemas.microsoft.com/office/drawing/2014/main" val="20000"/>
                     </a:ext>
                   </a:extLst>
                 </a:gridCol>
@@ -26028,7 +29653,7 @@
                 </a:tc>
                 <a:extLst>
                   <a:ext uri="{0D108BD9-81ED-4DB2-BD59-A6C34878D82A}">
-                    <a16:rowId xmlns:a16="http://schemas.microsoft.com/office/drawing/2014/main" xmlns="" val="10000"/>
+                    <a16:rowId xmlns="" xmlns:a16="http://schemas.microsoft.com/office/drawing/2014/main" val="10000"/>
                   </a:ext>
                 </a:extLst>
               </a:tr>
@@ -26108,7 +29733,7 @@
                 </a:tc>
                 <a:extLst>
                   <a:ext uri="{0D108BD9-81ED-4DB2-BD59-A6C34878D82A}">
-                    <a16:rowId xmlns:a16="http://schemas.microsoft.com/office/drawing/2014/main" xmlns="" val="10001"/>
+                    <a16:rowId xmlns="" xmlns:a16="http://schemas.microsoft.com/office/drawing/2014/main" val="10001"/>
                   </a:ext>
                 </a:extLst>
               </a:tr>
@@ -26172,7 +29797,7 @@
                 </a:tc>
                 <a:extLst>
                   <a:ext uri="{0D108BD9-81ED-4DB2-BD59-A6C34878D82A}">
-                    <a16:rowId xmlns:a16="http://schemas.microsoft.com/office/drawing/2014/main" xmlns="" val="10002"/>
+                    <a16:rowId xmlns="" xmlns:a16="http://schemas.microsoft.com/office/drawing/2014/main" val="10002"/>
                   </a:ext>
                 </a:extLst>
               </a:tr>
@@ -26185,7 +29810,7 @@
           <p:cNvPr id="14" name="그룹 1008">
             <a:extLst>
               <a:ext uri="{FF2B5EF4-FFF2-40B4-BE49-F238E27FC236}">
-                <a16:creationId xmlns:a16="http://schemas.microsoft.com/office/drawing/2014/main" xmlns="" id="{678F6342-C505-E8AD-ADA4-022CB2C2088E}"/>
+                <a16:creationId xmlns="" xmlns:a16="http://schemas.microsoft.com/office/drawing/2014/main" id="{678F6342-C505-E8AD-ADA4-022CB2C2088E}"/>
               </a:ext>
             </a:extLst>
           </p:cNvPr>
@@ -26205,7 +29830,7 @@
             <p:cNvPr id="15" name="그룹 1009">
               <a:extLst>
                 <a:ext uri="{FF2B5EF4-FFF2-40B4-BE49-F238E27FC236}">
-                  <a16:creationId xmlns:a16="http://schemas.microsoft.com/office/drawing/2014/main" xmlns="" id="{4E1F1FED-812B-9BBB-925A-84B54A077414}"/>
+                  <a16:creationId xmlns="" xmlns:a16="http://schemas.microsoft.com/office/drawing/2014/main" id="{4E1F1FED-812B-9BBB-925A-84B54A077414}"/>
                 </a:ext>
               </a:extLst>
             </p:cNvPr>
@@ -26225,7 +29850,7 @@
               <p:cNvPr id="20" name="Object 29">
                 <a:extLst>
                   <a:ext uri="{FF2B5EF4-FFF2-40B4-BE49-F238E27FC236}">
-                    <a16:creationId xmlns:a16="http://schemas.microsoft.com/office/drawing/2014/main" xmlns="" id="{7B078609-4286-7B00-51EB-809C8E2DE289}"/>
+                    <a16:creationId xmlns="" xmlns:a16="http://schemas.microsoft.com/office/drawing/2014/main" id="{7B078609-4286-7B00-51EB-809C8E2DE289}"/>
                   </a:ext>
                 </a:extLst>
               </p:cNvPr>
@@ -26256,7 +29881,7 @@
             <p:cNvPr id="16" name="그룹 1010">
               <a:extLst>
                 <a:ext uri="{FF2B5EF4-FFF2-40B4-BE49-F238E27FC236}">
-                  <a16:creationId xmlns:a16="http://schemas.microsoft.com/office/drawing/2014/main" xmlns="" id="{02A649BF-B5B5-FBAF-7DFD-E118A4DF8907}"/>
+                  <a16:creationId xmlns="" xmlns:a16="http://schemas.microsoft.com/office/drawing/2014/main" id="{02A649BF-B5B5-FBAF-7DFD-E118A4DF8907}"/>
                 </a:ext>
               </a:extLst>
             </p:cNvPr>
@@ -26276,7 +29901,7 @@
               <p:cNvPr id="19" name="Object 32">
                 <a:extLst>
                   <a:ext uri="{FF2B5EF4-FFF2-40B4-BE49-F238E27FC236}">
-                    <a16:creationId xmlns:a16="http://schemas.microsoft.com/office/drawing/2014/main" xmlns="" id="{2A0FFF23-B3C9-3EA0-1C1B-A87D4FF098AE}"/>
+                    <a16:creationId xmlns="" xmlns:a16="http://schemas.microsoft.com/office/drawing/2014/main" id="{2A0FFF23-B3C9-3EA0-1C1B-A87D4FF098AE}"/>
                   </a:ext>
                 </a:extLst>
               </p:cNvPr>
@@ -26307,7 +29932,7 @@
             <p:cNvPr id="17" name="그룹 1011">
               <a:extLst>
                 <a:ext uri="{FF2B5EF4-FFF2-40B4-BE49-F238E27FC236}">
-                  <a16:creationId xmlns:a16="http://schemas.microsoft.com/office/drawing/2014/main" xmlns="" id="{881F5410-F7FB-F261-A584-707359BAC593}"/>
+                  <a16:creationId xmlns="" xmlns:a16="http://schemas.microsoft.com/office/drawing/2014/main" id="{881F5410-F7FB-F261-A584-707359BAC593}"/>
                 </a:ext>
               </a:extLst>
             </p:cNvPr>
@@ -26327,7 +29952,7 @@
               <p:cNvPr id="18" name="Object 35">
                 <a:extLst>
                   <a:ext uri="{FF2B5EF4-FFF2-40B4-BE49-F238E27FC236}">
-                    <a16:creationId xmlns:a16="http://schemas.microsoft.com/office/drawing/2014/main" xmlns="" id="{4E99E669-73EB-F9F4-EFE8-DC107035C265}"/>
+                    <a16:creationId xmlns="" xmlns:a16="http://schemas.microsoft.com/office/drawing/2014/main" id="{4E99E669-73EB-F9F4-EFE8-DC107035C265}"/>
                   </a:ext>
                 </a:extLst>
               </p:cNvPr>
@@ -26683,7 +30308,7 @@
           <p:cNvPr id="9" name="직사각형 8">
             <a:extLst>
               <a:ext uri="{FF2B5EF4-FFF2-40B4-BE49-F238E27FC236}">
-                <a16:creationId xmlns:a16="http://schemas.microsoft.com/office/drawing/2014/main" xmlns="" id="{FFF506F9-840A-0508-4CAF-3AC711D8D5CE}"/>
+                <a16:creationId xmlns="" xmlns:a16="http://schemas.microsoft.com/office/drawing/2014/main" id="{FFF506F9-840A-0508-4CAF-3AC711D8D5CE}"/>
               </a:ext>
             </a:extLst>
           </p:cNvPr>
@@ -26735,7 +30360,7 @@
           <p:cNvPr id="10" name="직선 화살표 연결선 9">
             <a:extLst>
               <a:ext uri="{FF2B5EF4-FFF2-40B4-BE49-F238E27FC236}">
-                <a16:creationId xmlns:a16="http://schemas.microsoft.com/office/drawing/2014/main" xmlns="" id="{299DF5EC-9DF4-5255-06AC-0A7CE4FF58C3}"/>
+                <a16:creationId xmlns="" xmlns:a16="http://schemas.microsoft.com/office/drawing/2014/main" id="{299DF5EC-9DF4-5255-06AC-0A7CE4FF58C3}"/>
               </a:ext>
             </a:extLst>
           </p:cNvPr>
@@ -26776,7 +30401,7 @@
           <p:cNvPr id="12" name="TextBox 11">
             <a:extLst>
               <a:ext uri="{FF2B5EF4-FFF2-40B4-BE49-F238E27FC236}">
-                <a16:creationId xmlns:a16="http://schemas.microsoft.com/office/drawing/2014/main" xmlns="" id="{C6D113C6-EA5C-788F-0C77-E7CE6EBB865F}"/>
+                <a16:creationId xmlns="" xmlns:a16="http://schemas.microsoft.com/office/drawing/2014/main" id="{C6D113C6-EA5C-788F-0C77-E7CE6EBB865F}"/>
               </a:ext>
             </a:extLst>
           </p:cNvPr>
